--- a/Official Documents/Project Batch 16 phase1.pptx
+++ b/Official Documents/Project Batch 16 phase1.pptx
@@ -5,10 +5,10 @@
     <p:sldMasterId id="2147483648" r:id="rId1"/>
   </p:sldMasterIdLst>
   <p:notesMasterIdLst>
-    <p:notesMasterId r:id="rId20"/>
+    <p:notesMasterId r:id="rId21"/>
   </p:notesMasterIdLst>
   <p:handoutMasterIdLst>
-    <p:handoutMasterId r:id="rId21"/>
+    <p:handoutMasterId r:id="rId22"/>
   </p:handoutMasterIdLst>
   <p:sldIdLst>
     <p:sldId id="270" r:id="rId2"/>
@@ -21,14 +21,15 @@
     <p:sldId id="278" r:id="rId9"/>
     <p:sldId id="279" r:id="rId10"/>
     <p:sldId id="280" r:id="rId11"/>
-    <p:sldId id="272" r:id="rId12"/>
-    <p:sldId id="274" r:id="rId13"/>
-    <p:sldId id="259" r:id="rId14"/>
-    <p:sldId id="281" r:id="rId15"/>
-    <p:sldId id="273" r:id="rId16"/>
-    <p:sldId id="260" r:id="rId17"/>
-    <p:sldId id="282" r:id="rId18"/>
-    <p:sldId id="264" r:id="rId19"/>
+    <p:sldId id="283" r:id="rId12"/>
+    <p:sldId id="272" r:id="rId13"/>
+    <p:sldId id="274" r:id="rId14"/>
+    <p:sldId id="259" r:id="rId15"/>
+    <p:sldId id="281" r:id="rId16"/>
+    <p:sldId id="273" r:id="rId17"/>
+    <p:sldId id="260" r:id="rId18"/>
+    <p:sldId id="282" r:id="rId19"/>
+    <p:sldId id="264" r:id="rId20"/>
   </p:sldIdLst>
   <p:sldSz cx="9144000" cy="6858000" type="screen4x3"/>
   <p:notesSz cx="6858000" cy="9144000"/>
@@ -5091,224 +5092,7 @@
       </p:grpSpPr>
       <p:sp>
         <p:nvSpPr>
-          <p:cNvPr id="3" name="Content Placeholder 2">
-            <a:extLst>
-              <a:ext uri="{FF2B5EF4-FFF2-40B4-BE49-F238E27FC236}">
-                <a16:creationId xmlns:a16="http://schemas.microsoft.com/office/drawing/2014/main" xmlns="" id="{9FEAD64D-79FF-4795-84B6-68D804FD3CE2}"/>
-              </a:ext>
-            </a:extLst>
-          </p:cNvPr>
-          <p:cNvSpPr>
-            <a:spLocks noGrp="1"/>
-          </p:cNvSpPr>
-          <p:nvPr>
-            <p:ph idx="1"/>
-          </p:nvPr>
-        </p:nvSpPr>
-        <p:spPr>
-          <a:xfrm>
-            <a:off x="152400" y="304800"/>
-            <a:ext cx="8534400" cy="5821363"/>
-          </a:xfrm>
-        </p:spPr>
-        <p:txBody>
-          <a:bodyPr>
-            <a:normAutofit/>
-          </a:bodyPr>
-          <a:lstStyle/>
-          <a:p>
-            <a:pPr indent="0" algn="just">
-              <a:lnSpc>
-                <a:spcPct val="115000"/>
-              </a:lnSpc>
-              <a:spcAft>
-                <a:spcPts val="1000"/>
-              </a:spcAft>
-              <a:buNone/>
-            </a:pPr>
-            <a:endParaRPr lang="en-IN" sz="1600" b="1" dirty="0">
-              <a:latin typeface="Times New Roman" panose="02020603050405020304" pitchFamily="18" charset="0"/>
-              <a:ea typeface="Times New Roman" panose="02020603050405020304" pitchFamily="18" charset="0"/>
-              <a:cs typeface="Times New Roman" panose="02020603050405020304" pitchFamily="18" charset="0"/>
-            </a:endParaRPr>
-          </a:p>
-          <a:p>
-            <a:pPr indent="0" algn="just">
-              <a:lnSpc>
-                <a:spcPct val="115000"/>
-              </a:lnSpc>
-              <a:spcAft>
-                <a:spcPts val="1000"/>
-              </a:spcAft>
-              <a:buNone/>
-            </a:pPr>
-            <a:r>
-              <a:rPr lang="en-US" sz="1800" b="1" dirty="0">
-                <a:effectLst/>
-                <a:latin typeface="Calibri" panose="020F0502020204030204" pitchFamily="34" charset="0"/>
-                <a:ea typeface="Times New Roman" panose="02020603050405020304" pitchFamily="18" charset="0"/>
-              </a:rPr>
-              <a:t>Implementation of IPv6/IPv4 Dual-Stack Transition Mechanism </a:t>
-            </a:r>
-            <a:r>
-              <a:rPr lang="en-US" sz="1800" b="0" dirty="0">
-                <a:effectLst/>
-                <a:latin typeface="Times New Roman" panose="02020603050405020304" pitchFamily="18" charset="0"/>
-                <a:ea typeface="Times New Roman" panose="02020603050405020304" pitchFamily="18" charset="0"/>
-              </a:rPr>
-              <a:t> </a:t>
-            </a:r>
-            <a:endParaRPr lang="en-US" sz="1800" b="0" dirty="0" smtClean="0">
-              <a:effectLst/>
-              <a:latin typeface="Times New Roman" panose="02020603050405020304" pitchFamily="18" charset="0"/>
-              <a:ea typeface="Times New Roman" panose="02020603050405020304" pitchFamily="18" charset="0"/>
-            </a:endParaRPr>
-          </a:p>
-          <a:p>
-            <a:pPr indent="0" algn="just">
-              <a:lnSpc>
-                <a:spcPct val="115000"/>
-              </a:lnSpc>
-              <a:spcAft>
-                <a:spcPts val="1000"/>
-              </a:spcAft>
-              <a:buNone/>
-            </a:pPr>
-            <a:endParaRPr lang="en-IN" sz="1800" b="1" dirty="0">
-              <a:latin typeface="Times New Roman" panose="02020603050405020304" pitchFamily="18" charset="0"/>
-              <a:ea typeface="Times New Roman" panose="02020603050405020304" pitchFamily="18" charset="0"/>
-            </a:endParaRPr>
-          </a:p>
-          <a:p>
-            <a:pPr marL="628650" indent="-285750" algn="just">
-              <a:lnSpc>
-                <a:spcPct val="115000"/>
-              </a:lnSpc>
-              <a:spcAft>
-                <a:spcPts val="1000"/>
-              </a:spcAft>
-            </a:pPr>
-            <a:r>
-              <a:rPr lang="en-US" sz="1600" dirty="0">
-                <a:effectLst/>
-                <a:latin typeface="Times New Roman" panose="02020603050405020304" pitchFamily="18" charset="0"/>
-                <a:ea typeface="Calibri" panose="020F0502020204030204" pitchFamily="34" charset="0"/>
-                <a:cs typeface="Times New Roman" panose="02020603050405020304" pitchFamily="18" charset="0"/>
-              </a:rPr>
-              <a:t>With the rapid development of Internet, IPv4 protocol can no longer meet the needs of users. This is mainly due to the limitations of IPv4 in terms of addresses, routing and security. </a:t>
-            </a:r>
-            <a:endParaRPr lang="en-US" sz="1600" dirty="0" smtClean="0">
-              <a:effectLst/>
-              <a:latin typeface="Times New Roman" panose="02020603050405020304" pitchFamily="18" charset="0"/>
-              <a:ea typeface="Calibri" panose="020F0502020204030204" pitchFamily="34" charset="0"/>
-              <a:cs typeface="Times New Roman" panose="02020603050405020304" pitchFamily="18" charset="0"/>
-            </a:endParaRPr>
-          </a:p>
-          <a:p>
-            <a:pPr marL="628650" indent="-285750" algn="just">
-              <a:lnSpc>
-                <a:spcPct val="115000"/>
-              </a:lnSpc>
-              <a:spcAft>
-                <a:spcPts val="1000"/>
-              </a:spcAft>
-            </a:pPr>
-            <a:endParaRPr lang="en-US" sz="1600" dirty="0">
-              <a:effectLst/>
-              <a:latin typeface="Times New Roman" panose="02020603050405020304" pitchFamily="18" charset="0"/>
-              <a:ea typeface="Calibri" panose="020F0502020204030204" pitchFamily="34" charset="0"/>
-              <a:cs typeface="Times New Roman" panose="02020603050405020304" pitchFamily="18" charset="0"/>
-            </a:endParaRPr>
-          </a:p>
-          <a:p>
-            <a:pPr marL="628650" indent="-285750" algn="just">
-              <a:lnSpc>
-                <a:spcPct val="115000"/>
-              </a:lnSpc>
-              <a:spcAft>
-                <a:spcPts val="1000"/>
-              </a:spcAft>
-            </a:pPr>
-            <a:r>
-              <a:rPr lang="en-US" sz="1600" dirty="0">
-                <a:effectLst/>
-                <a:latin typeface="Times New Roman" panose="02020603050405020304" pitchFamily="18" charset="0"/>
-                <a:ea typeface="Calibri" panose="020F0502020204030204" pitchFamily="34" charset="0"/>
-                <a:cs typeface="Times New Roman" panose="02020603050405020304" pitchFamily="18" charset="0"/>
-              </a:rPr>
-              <a:t>Correspondingly, IPv6 has the advantage of large address space, security, mobility, quality of service and so on. So IPv6 protocol has become the inevitable trend of network development. However IPv4 and IPv6 are incompatible protocols, so a solution to transition is </a:t>
-            </a:r>
-            <a:r>
-              <a:rPr lang="en-US" sz="1600" dirty="0" smtClean="0">
-                <a:effectLst/>
-                <a:latin typeface="Times New Roman" panose="02020603050405020304" pitchFamily="18" charset="0"/>
-                <a:ea typeface="Calibri" panose="020F0502020204030204" pitchFamily="34" charset="0"/>
-                <a:cs typeface="Times New Roman" panose="02020603050405020304" pitchFamily="18" charset="0"/>
-              </a:rPr>
-              <a:t>required</a:t>
-            </a:r>
-            <a:r>
-              <a:rPr lang="en-US" sz="1600" dirty="0">
-                <a:effectLst/>
-                <a:latin typeface="Times New Roman" panose="02020603050405020304" pitchFamily="18" charset="0"/>
-                <a:ea typeface="Calibri" panose="020F0502020204030204" pitchFamily="34" charset="0"/>
-                <a:cs typeface="Times New Roman" panose="02020603050405020304" pitchFamily="18" charset="0"/>
-              </a:rPr>
-              <a:t>. </a:t>
-            </a:r>
-            <a:endParaRPr lang="en-US" sz="1600" dirty="0" smtClean="0">
-              <a:effectLst/>
-              <a:latin typeface="Times New Roman" panose="02020603050405020304" pitchFamily="18" charset="0"/>
-              <a:ea typeface="Calibri" panose="020F0502020204030204" pitchFamily="34" charset="0"/>
-              <a:cs typeface="Times New Roman" panose="02020603050405020304" pitchFamily="18" charset="0"/>
-            </a:endParaRPr>
-          </a:p>
-          <a:p>
-            <a:pPr marL="628650" indent="-285750" algn="just">
-              <a:lnSpc>
-                <a:spcPct val="115000"/>
-              </a:lnSpc>
-              <a:spcAft>
-                <a:spcPts val="1000"/>
-              </a:spcAft>
-            </a:pPr>
-            <a:endParaRPr lang="en-US" sz="1600" dirty="0">
-              <a:effectLst/>
-              <a:latin typeface="Times New Roman" panose="02020603050405020304" pitchFamily="18" charset="0"/>
-              <a:ea typeface="Calibri" panose="020F0502020204030204" pitchFamily="34" charset="0"/>
-              <a:cs typeface="Times New Roman" panose="02020603050405020304" pitchFamily="18" charset="0"/>
-            </a:endParaRPr>
-          </a:p>
-          <a:p>
-            <a:pPr marL="628650" indent="-285750" algn="just">
-              <a:lnSpc>
-                <a:spcPct val="115000"/>
-              </a:lnSpc>
-              <a:spcAft>
-                <a:spcPts val="1000"/>
-              </a:spcAft>
-            </a:pPr>
-            <a:r>
-              <a:rPr lang="en-US" sz="1600" dirty="0">
-                <a:effectLst/>
-                <a:latin typeface="Times New Roman" panose="02020603050405020304" pitchFamily="18" charset="0"/>
-                <a:ea typeface="Calibri" panose="020F0502020204030204" pitchFamily="34" charset="0"/>
-                <a:cs typeface="Times New Roman" panose="02020603050405020304" pitchFamily="18" charset="0"/>
-              </a:rPr>
-              <a:t>In order to achieve smooth and stepwise transition, IETF recommends three kinds of transition mechanisms: dual stack, tunneling and translation technology.</a:t>
-            </a:r>
-          </a:p>
-        </p:txBody>
-      </p:sp>
-      <p:sp>
-        <p:nvSpPr>
-          <p:cNvPr id="4" name="Date Placeholder 3">
-            <a:extLst>
-              <a:ext uri="{FF2B5EF4-FFF2-40B4-BE49-F238E27FC236}">
-                <a16:creationId xmlns:a16="http://schemas.microsoft.com/office/drawing/2014/main" xmlns="" id="{BADA8D08-B442-46D6-9832-F441A832C6E4}"/>
-              </a:ext>
-            </a:extLst>
-          </p:cNvPr>
+          <p:cNvPr id="4" name="Date Placeholder 3"/>
           <p:cNvSpPr>
             <a:spLocks noGrp="1"/>
           </p:cNvSpPr>
@@ -5321,29 +5105,17 @@
           <a:bodyPr/>
           <a:lstStyle/>
           <a:p>
-            <a:r>
-              <a:rPr lang="en-US" dirty="0" smtClean="0">
-                <a:latin typeface="Times New Roman" pitchFamily="18" charset="0"/>
-                <a:cs typeface="Times New Roman" pitchFamily="18" charset="0"/>
-              </a:rPr>
-              <a:t>17-Aug-21</a:t>
-            </a:r>
-            <a:endParaRPr lang="en-US" dirty="0">
-              <a:latin typeface="Times New Roman" pitchFamily="18" charset="0"/>
-              <a:cs typeface="Times New Roman" pitchFamily="18" charset="0"/>
-            </a:endParaRPr>
-          </a:p>
-        </p:txBody>
-      </p:sp>
-      <p:sp>
-        <p:nvSpPr>
-          <p:cNvPr id="5" name="Footer Placeholder 4">
-            <a:extLst>
-              <a:ext uri="{FF2B5EF4-FFF2-40B4-BE49-F238E27FC236}">
-                <a16:creationId xmlns:a16="http://schemas.microsoft.com/office/drawing/2014/main" xmlns="" id="{A454B4D8-51F7-4013-A00C-8B62B65CE316}"/>
-              </a:ext>
-            </a:extLst>
-          </p:cNvPr>
+            <a:fld id="{05229871-6294-4FDC-ADFB-03568C29F7D6}" type="datetime1">
+              <a:rPr lang="en-US" smtClean="0"/>
+              <a:t>21-Sep-21</a:t>
+            </a:fld>
+            <a:endParaRPr lang="en-US"/>
+          </a:p>
+        </p:txBody>
+      </p:sp>
+      <p:sp>
+        <p:nvSpPr>
+          <p:cNvPr id="5" name="Footer Placeholder 4"/>
           <p:cNvSpPr>
             <a:spLocks noGrp="1"/>
           </p:cNvSpPr>
@@ -5357,21 +5129,16 @@
           <a:lstStyle/>
           <a:p>
             <a:r>
-              <a:rPr lang="en-US"/>
+              <a:rPr lang="en-US" smtClean="0"/>
               <a:t>Dept. of ECE, NMIT, Bangalore-64</a:t>
             </a:r>
-          </a:p>
-        </p:txBody>
-      </p:sp>
-      <p:sp>
-        <p:nvSpPr>
-          <p:cNvPr id="6" name="Slide Number Placeholder 5">
-            <a:extLst>
-              <a:ext uri="{FF2B5EF4-FFF2-40B4-BE49-F238E27FC236}">
-                <a16:creationId xmlns:a16="http://schemas.microsoft.com/office/drawing/2014/main" xmlns="" id="{9007017B-9902-48CD-900F-A2DDA42BE803}"/>
-              </a:ext>
-            </a:extLst>
-          </p:cNvPr>
+            <a:endParaRPr lang="en-US"/>
+          </a:p>
+        </p:txBody>
+      </p:sp>
+      <p:sp>
+        <p:nvSpPr>
+          <p:cNvPr id="6" name="Slide Number Placeholder 5"/>
           <p:cNvSpPr>
             <a:spLocks noGrp="1"/>
           </p:cNvSpPr>
@@ -5393,23 +5160,394 @@
           </a:p>
         </p:txBody>
       </p:sp>
+      <p:graphicFrame>
+        <p:nvGraphicFramePr>
+          <p:cNvPr id="7" name="Table 6"/>
+          <p:cNvGraphicFramePr>
+            <a:graphicFrameLocks noGrp="1"/>
+          </p:cNvGraphicFramePr>
+          <p:nvPr>
+            <p:extLst>
+              <p:ext uri="{D42A27DB-BD31-4B8C-83A1-F6EECF244321}">
+                <p14:modId xmlns:p14="http://schemas.microsoft.com/office/powerpoint/2010/main" val="2881337042"/>
+              </p:ext>
+            </p:extLst>
+          </p:nvPr>
+        </p:nvGraphicFramePr>
+        <p:xfrm>
+          <a:off x="685800" y="381000"/>
+          <a:ext cx="7848600" cy="5715000"/>
+        </p:xfrm>
+        <a:graphic>
+          <a:graphicData uri="http://schemas.openxmlformats.org/drawingml/2006/table">
+            <a:tbl>
+              <a:tblPr firstRow="1" bandRow="1">
+                <a:tableStyleId>{5C22544A-7EE6-4342-B048-85BDC9FD1C3A}</a:tableStyleId>
+              </a:tblPr>
+              <a:tblGrid>
+                <a:gridCol w="1478280"/>
+                <a:gridCol w="1478280"/>
+                <a:gridCol w="1506172"/>
+                <a:gridCol w="1450388"/>
+                <a:gridCol w="1935480"/>
+              </a:tblGrid>
+              <a:tr h="1078302">
+                <a:tc>
+                  <a:txBody>
+                    <a:bodyPr/>
+                    <a:lstStyle/>
+                    <a:p>
+                      <a:r>
+                        <a:rPr lang="en-US" dirty="0" smtClean="0"/>
+                        <a:t>Title</a:t>
+                      </a:r>
+                      <a:endParaRPr lang="en-US" dirty="0"/>
+                    </a:p>
+                  </a:txBody>
+                  <a:tcPr/>
+                </a:tc>
+                <a:tc>
+                  <a:txBody>
+                    <a:bodyPr/>
+                    <a:lstStyle/>
+                    <a:p>
+                      <a:r>
+                        <a:rPr lang="en-US" dirty="0" smtClean="0"/>
+                        <a:t>Author Name</a:t>
+                      </a:r>
+                      <a:endParaRPr lang="en-US" dirty="0"/>
+                    </a:p>
+                  </a:txBody>
+                  <a:tcPr/>
+                </a:tc>
+                <a:tc>
+                  <a:txBody>
+                    <a:bodyPr/>
+                    <a:lstStyle/>
+                    <a:p>
+                      <a:r>
+                        <a:rPr lang="en-US" sz="2000" dirty="0" smtClean="0"/>
+                        <a:t>Citation</a:t>
+                      </a:r>
+                      <a:endParaRPr lang="en-US" sz="2000" dirty="0"/>
+                    </a:p>
+                  </a:txBody>
+                  <a:tcPr/>
+                </a:tc>
+                <a:tc>
+                  <a:txBody>
+                    <a:bodyPr/>
+                    <a:lstStyle/>
+                    <a:p>
+                      <a:pPr marL="0" marR="0" indent="0" algn="l" defTabSz="914400" rtl="0" eaLnBrk="1" fontAlgn="auto" latinLnBrk="0" hangingPunct="1">
+                        <a:lnSpc>
+                          <a:spcPct val="100000"/>
+                        </a:lnSpc>
+                        <a:spcBef>
+                          <a:spcPts val="0"/>
+                        </a:spcBef>
+                        <a:spcAft>
+                          <a:spcPts val="0"/>
+                        </a:spcAft>
+                        <a:buClrTx/>
+                        <a:buSzTx/>
+                        <a:buFontTx/>
+                        <a:buNone/>
+                        <a:tabLst/>
+                        <a:defRPr/>
+                      </a:pPr>
+                      <a:r>
+                        <a:rPr lang="en-US" dirty="0" smtClean="0"/>
+                        <a:t>Algorithms/Techniques</a:t>
+                      </a:r>
+                      <a:r>
+                        <a:rPr lang="en-US" baseline="0" dirty="0" smtClean="0"/>
+                        <a:t> </a:t>
+                      </a:r>
+                      <a:endParaRPr lang="en-US" dirty="0" smtClean="0"/>
+                    </a:p>
+                    <a:p>
+                      <a:endParaRPr lang="en-US" dirty="0"/>
+                    </a:p>
+                  </a:txBody>
+                  <a:tcPr/>
+                </a:tc>
+                <a:tc>
+                  <a:txBody>
+                    <a:bodyPr/>
+                    <a:lstStyle/>
+                    <a:p>
+                      <a:r>
+                        <a:rPr lang="en-US" dirty="0" smtClean="0"/>
+                        <a:t>Conclusion</a:t>
+                      </a:r>
+                      <a:endParaRPr lang="en-US" dirty="0"/>
+                    </a:p>
+                  </a:txBody>
+                  <a:tcPr/>
+                </a:tc>
+              </a:tr>
+              <a:tr h="4636698">
+                <a:tc>
+                  <a:txBody>
+                    <a:bodyPr/>
+                    <a:lstStyle/>
+                    <a:p>
+                      <a:pPr marL="0" marR="0" indent="0" algn="l" defTabSz="914400" rtl="0" eaLnBrk="1" fontAlgn="auto" latinLnBrk="0" hangingPunct="1">
+                        <a:lnSpc>
+                          <a:spcPct val="100000"/>
+                        </a:lnSpc>
+                        <a:spcBef>
+                          <a:spcPts val="0"/>
+                        </a:spcBef>
+                        <a:spcAft>
+                          <a:spcPts val="0"/>
+                        </a:spcAft>
+                        <a:buClrTx/>
+                        <a:buSzTx/>
+                        <a:buFontTx/>
+                        <a:buNone/>
+                        <a:tabLst/>
+                        <a:defRPr/>
+                      </a:pPr>
+                      <a:r>
+                        <a:rPr lang="en-US" sz="1600" b="1" i="0" kern="1200" dirty="0" smtClean="0">
+                          <a:solidFill>
+                            <a:schemeClr val="dk1"/>
+                          </a:solidFill>
+                          <a:effectLst/>
+                          <a:latin typeface="Times New Roman" panose="02020603050405020304" pitchFamily="18" charset="0"/>
+                          <a:ea typeface="+mn-ea"/>
+                          <a:cs typeface="Times New Roman" panose="02020603050405020304" pitchFamily="18" charset="0"/>
+                        </a:rPr>
+                        <a:t>IPv4 to IPv6 Migration and Performance Analysis using GNS3 and </a:t>
+                      </a:r>
+                      <a:r>
+                        <a:rPr lang="en-US" sz="1600" b="1" i="0" kern="1200" dirty="0" err="1" smtClean="0">
+                          <a:solidFill>
+                            <a:schemeClr val="dk1"/>
+                          </a:solidFill>
+                          <a:effectLst/>
+                          <a:latin typeface="Times New Roman" panose="02020603050405020304" pitchFamily="18" charset="0"/>
+                          <a:ea typeface="+mn-ea"/>
+                          <a:cs typeface="Times New Roman" panose="02020603050405020304" pitchFamily="18" charset="0"/>
+                        </a:rPr>
+                        <a:t>Wireshark</a:t>
+                      </a:r>
+                      <a:endParaRPr lang="en-US" sz="1600" b="1" i="0" kern="1200" dirty="0" smtClean="0">
+                        <a:solidFill>
+                          <a:schemeClr val="dk1"/>
+                        </a:solidFill>
+                        <a:effectLst/>
+                        <a:latin typeface="Times New Roman" panose="02020603050405020304" pitchFamily="18" charset="0"/>
+                        <a:ea typeface="+mn-ea"/>
+                        <a:cs typeface="Times New Roman" panose="02020603050405020304" pitchFamily="18" charset="0"/>
+                      </a:endParaRPr>
+                    </a:p>
+                    <a:p>
+                      <a:pPr marL="0" marR="0" indent="0" algn="l" defTabSz="914400" rtl="0" eaLnBrk="1" fontAlgn="auto" latinLnBrk="0" hangingPunct="1">
+                        <a:lnSpc>
+                          <a:spcPct val="100000"/>
+                        </a:lnSpc>
+                        <a:spcBef>
+                          <a:spcPts val="0"/>
+                        </a:spcBef>
+                        <a:spcAft>
+                          <a:spcPts val="0"/>
+                        </a:spcAft>
+                        <a:buClrTx/>
+                        <a:buSzTx/>
+                        <a:buFontTx/>
+                        <a:buNone/>
+                        <a:tabLst/>
+                        <a:defRPr/>
+                      </a:pPr>
+                      <a:endParaRPr lang="en-US" sz="1600" dirty="0">
+                        <a:latin typeface="Times New Roman" panose="02020603050405020304" pitchFamily="18" charset="0"/>
+                        <a:cs typeface="Times New Roman" panose="02020603050405020304" pitchFamily="18" charset="0"/>
+                      </a:endParaRPr>
+                    </a:p>
+                  </a:txBody>
+                  <a:tcPr/>
+                </a:tc>
+                <a:tc>
+                  <a:txBody>
+                    <a:bodyPr/>
+                    <a:lstStyle/>
+                    <a:p>
+                      <a:r>
+                        <a:rPr lang="en-US" sz="1600" b="0" i="0" u="none" kern="1200" dirty="0" smtClean="0">
+                          <a:solidFill>
+                            <a:schemeClr val="dk1"/>
+                          </a:solidFill>
+                          <a:effectLst/>
+                          <a:latin typeface="Times New Roman" panose="02020603050405020304" pitchFamily="18" charset="0"/>
+                          <a:ea typeface="+mn-ea"/>
+                          <a:cs typeface="Times New Roman" panose="02020603050405020304" pitchFamily="18" charset="0"/>
+                        </a:rPr>
+                        <a:t>Ravi Kumar CV</a:t>
+                      </a:r>
+                    </a:p>
+                    <a:p>
+                      <a:r>
+                        <a:rPr lang="en-US" sz="1600" b="0" i="0" u="none" kern="1200" dirty="0" smtClean="0">
+                          <a:solidFill>
+                            <a:schemeClr val="dk1"/>
+                          </a:solidFill>
+                          <a:effectLst/>
+                          <a:latin typeface="Times New Roman" panose="02020603050405020304" pitchFamily="18" charset="0"/>
+                          <a:ea typeface="+mn-ea"/>
+                          <a:cs typeface="Times New Roman" panose="02020603050405020304" pitchFamily="18" charset="0"/>
+                        </a:rPr>
+                        <a:t>; </a:t>
+                      </a:r>
+                      <a:r>
+                        <a:rPr lang="en-US" sz="1600" b="0" i="0" u="none" strike="noStrike" kern="1200" dirty="0" err="1" smtClean="0">
+                          <a:solidFill>
+                            <a:schemeClr val="dk1"/>
+                          </a:solidFill>
+                          <a:effectLst/>
+                          <a:latin typeface="Times New Roman" panose="02020603050405020304" pitchFamily="18" charset="0"/>
+                          <a:ea typeface="+mn-ea"/>
+                          <a:cs typeface="Times New Roman" panose="02020603050405020304" pitchFamily="18" charset="0"/>
+                        </a:rPr>
+                        <a:t>Hrithik</a:t>
+                      </a:r>
+                      <a:r>
+                        <a:rPr lang="en-US" sz="1600" b="0" i="0" u="none" strike="noStrike" kern="1200" dirty="0" smtClean="0">
+                          <a:solidFill>
+                            <a:schemeClr val="dk1"/>
+                          </a:solidFill>
+                          <a:effectLst/>
+                          <a:latin typeface="Times New Roman" panose="02020603050405020304" pitchFamily="18" charset="0"/>
+                          <a:ea typeface="+mn-ea"/>
+                          <a:cs typeface="Times New Roman" panose="02020603050405020304" pitchFamily="18" charset="0"/>
+                        </a:rPr>
+                        <a:t> </a:t>
+                      </a:r>
+                      <a:r>
+                        <a:rPr lang="en-US" sz="1600" b="0" i="0" u="none" strike="noStrike" kern="1200" dirty="0" err="1" smtClean="0">
+                          <a:solidFill>
+                            <a:schemeClr val="dk1"/>
+                          </a:solidFill>
+                          <a:effectLst/>
+                          <a:latin typeface="Times New Roman" panose="02020603050405020304" pitchFamily="18" charset="0"/>
+                          <a:ea typeface="+mn-ea"/>
+                          <a:cs typeface="Times New Roman" panose="02020603050405020304" pitchFamily="18" charset="0"/>
+                        </a:rPr>
+                        <a:t>Goyal</a:t>
+                      </a:r>
+                      <a:endParaRPr lang="en-US" sz="1600" u="none" dirty="0">
+                        <a:latin typeface="Times New Roman" panose="02020603050405020304" pitchFamily="18" charset="0"/>
+                        <a:cs typeface="Times New Roman" panose="02020603050405020304" pitchFamily="18" charset="0"/>
+                      </a:endParaRPr>
+                    </a:p>
+                  </a:txBody>
+                  <a:tcPr/>
+                </a:tc>
+                <a:tc>
+                  <a:txBody>
+                    <a:bodyPr/>
+                    <a:lstStyle/>
+                    <a:p>
+                      <a:r>
+                        <a:rPr lang="en-US" sz="1200" dirty="0" smtClean="0">
+                          <a:latin typeface="Times New Roman" panose="02020603050405020304" pitchFamily="18" charset="0"/>
+                          <a:cs typeface="Times New Roman" panose="02020603050405020304" pitchFamily="18" charset="0"/>
+                        </a:rPr>
+                        <a:t>R. K. CV and H. </a:t>
+                      </a:r>
+                      <a:r>
+                        <a:rPr lang="en-US" sz="1200" dirty="0" err="1" smtClean="0">
+                          <a:latin typeface="Times New Roman" panose="02020603050405020304" pitchFamily="18" charset="0"/>
+                          <a:cs typeface="Times New Roman" panose="02020603050405020304" pitchFamily="18" charset="0"/>
+                        </a:rPr>
+                        <a:t>Goyal</a:t>
+                      </a:r>
+                      <a:r>
+                        <a:rPr lang="en-US" sz="1200" dirty="0" smtClean="0">
+                          <a:latin typeface="Times New Roman" panose="02020603050405020304" pitchFamily="18" charset="0"/>
+                          <a:cs typeface="Times New Roman" panose="02020603050405020304" pitchFamily="18" charset="0"/>
+                        </a:rPr>
+                        <a:t>, "IPv4 to IPv6 Migration and Performance Analysis using GNS3 and </a:t>
+                      </a:r>
+                      <a:r>
+                        <a:rPr lang="en-US" sz="1200" dirty="0" err="1" smtClean="0">
+                          <a:latin typeface="Times New Roman" panose="02020603050405020304" pitchFamily="18" charset="0"/>
+                          <a:cs typeface="Times New Roman" panose="02020603050405020304" pitchFamily="18" charset="0"/>
+                        </a:rPr>
+                        <a:t>Wireshark</a:t>
+                      </a:r>
+                      <a:r>
+                        <a:rPr lang="en-US" sz="1200" dirty="0" smtClean="0">
+                          <a:latin typeface="Times New Roman" panose="02020603050405020304" pitchFamily="18" charset="0"/>
+                          <a:cs typeface="Times New Roman" panose="02020603050405020304" pitchFamily="18" charset="0"/>
+                        </a:rPr>
+                        <a:t>," 2019 International Conference on Vision Towards Emerging Trends in Communication and Networking (</a:t>
+                      </a:r>
+                      <a:r>
+                        <a:rPr lang="en-US" sz="1200" dirty="0" err="1" smtClean="0">
+                          <a:latin typeface="Times New Roman" panose="02020603050405020304" pitchFamily="18" charset="0"/>
+                          <a:cs typeface="Times New Roman" panose="02020603050405020304" pitchFamily="18" charset="0"/>
+                        </a:rPr>
+                        <a:t>ViTECoN</a:t>
+                      </a:r>
+                      <a:r>
+                        <a:rPr lang="en-US" sz="1200" dirty="0" smtClean="0">
+                          <a:latin typeface="Times New Roman" panose="02020603050405020304" pitchFamily="18" charset="0"/>
+                          <a:cs typeface="Times New Roman" panose="02020603050405020304" pitchFamily="18" charset="0"/>
+                        </a:rPr>
+                        <a:t>), 2019, pp. 1-6, doi: 10.1109/ViTECoN.2019.8899746.</a:t>
+                      </a:r>
+                      <a:endParaRPr lang="en-US" sz="1200" dirty="0">
+                        <a:latin typeface="Times New Roman" panose="02020603050405020304" pitchFamily="18" charset="0"/>
+                        <a:cs typeface="Times New Roman" panose="02020603050405020304" pitchFamily="18" charset="0"/>
+                      </a:endParaRPr>
+                    </a:p>
+                  </a:txBody>
+                  <a:tcPr/>
+                </a:tc>
+                <a:tc>
+                  <a:txBody>
+                    <a:bodyPr/>
+                    <a:lstStyle/>
+                    <a:p>
+                      <a:endParaRPr lang="en-US" sz="1400" dirty="0">
+                        <a:latin typeface="Times New Roman" panose="02020603050405020304" pitchFamily="18" charset="0"/>
+                        <a:cs typeface="Times New Roman" panose="02020603050405020304" pitchFamily="18" charset="0"/>
+                      </a:endParaRPr>
+                    </a:p>
+                  </a:txBody>
+                  <a:tcPr/>
+                </a:tc>
+                <a:tc>
+                  <a:txBody>
+                    <a:bodyPr/>
+                    <a:lstStyle/>
+                    <a:p>
+                      <a:endParaRPr lang="en-US" sz="1400" dirty="0">
+                        <a:latin typeface="Times New Roman" panose="02020603050405020304" pitchFamily="18" charset="0"/>
+                        <a:cs typeface="Times New Roman" panose="02020603050405020304" pitchFamily="18" charset="0"/>
+                      </a:endParaRPr>
+                    </a:p>
+                  </a:txBody>
+                  <a:tcPr/>
+                </a:tc>
+              </a:tr>
+            </a:tbl>
+          </a:graphicData>
+        </a:graphic>
+      </p:graphicFrame>
     </p:spTree>
     <p:extLst>
       <p:ext uri="{BB962C8B-B14F-4D97-AF65-F5344CB8AC3E}">
-        <p14:creationId xmlns:p14="http://schemas.microsoft.com/office/powerpoint/2010/main" val="342022499"/>
+        <p14:creationId xmlns:p14="http://schemas.microsoft.com/office/powerpoint/2010/main" val="2915313494"/>
       </p:ext>
     </p:extLst>
   </p:cSld>
   <p:clrMapOvr>
     <a:masterClrMapping/>
   </p:clrMapOvr>
-  <p:timing>
-    <p:tnLst>
-      <p:par>
-        <p:cTn id="1" dur="indefinite" restart="never" nodeType="tmRoot"/>
-      </p:par>
-    </p:tnLst>
-  </p:timing>
 </p:sld>
 </file>
 
@@ -5432,7 +5570,13 @@
       </p:grpSpPr>
       <p:sp>
         <p:nvSpPr>
-          <p:cNvPr id="3" name="Content Placeholder 2"/>
+          <p:cNvPr id="3" name="Content Placeholder 2">
+            <a:extLst>
+              <a:ext uri="{FF2B5EF4-FFF2-40B4-BE49-F238E27FC236}">
+                <a16:creationId xmlns:a16="http://schemas.microsoft.com/office/drawing/2014/main" xmlns="" id="{9FEAD64D-79FF-4795-84B6-68D804FD3CE2}"/>
+              </a:ext>
+            </a:extLst>
+          </p:cNvPr>
           <p:cNvSpPr>
             <a:spLocks noGrp="1"/>
           </p:cNvSpPr>
@@ -5442,8 +5586,8 @@
         </p:nvSpPr>
         <p:spPr>
           <a:xfrm>
-            <a:off x="457200" y="304800"/>
-            <a:ext cx="8229600" cy="5821363"/>
+            <a:off x="152400" y="304800"/>
+            <a:ext cx="8534400" cy="5821363"/>
           </a:xfrm>
         </p:spPr>
         <p:txBody>
@@ -5452,190 +5596,198 @@
           </a:bodyPr>
           <a:lstStyle/>
           <a:p>
-            <a:pPr marL="0" indent="0">
+            <a:pPr indent="0" algn="just">
+              <a:lnSpc>
+                <a:spcPct val="115000"/>
+              </a:lnSpc>
+              <a:spcAft>
+                <a:spcPts val="1000"/>
+              </a:spcAft>
               <a:buNone/>
             </a:pPr>
-            <a:r>
-              <a:rPr lang="en-US" sz="1800" b="1" dirty="0"/>
-              <a:t>IPv4 to IPv6 Migration and Performance Analysis using GNS3 and Wireshark </a:t>
-            </a:r>
-            <a:endParaRPr lang="en-US" sz="1800" b="1" dirty="0" smtClean="0"/>
-          </a:p>
-          <a:p>
-            <a:endParaRPr lang="en-US" sz="1600" dirty="0" smtClean="0"/>
-          </a:p>
-          <a:p>
-            <a:endParaRPr lang="en-US" sz="1600" dirty="0"/>
-          </a:p>
-          <a:p>
-            <a:r>
-              <a:rPr lang="en-US" sz="1600" dirty="0" smtClean="0">
-                <a:latin typeface="Times New Roman" panose="02020603050405020304" pitchFamily="18" charset="0"/>
-                <a:cs typeface="Times New Roman" panose="02020603050405020304" pitchFamily="18" charset="0"/>
-              </a:rPr>
-              <a:t>The </a:t>
-            </a:r>
-            <a:r>
-              <a:rPr lang="en-US" sz="1600" dirty="0">
-                <a:latin typeface="Times New Roman" panose="02020603050405020304" pitchFamily="18" charset="0"/>
-                <a:cs typeface="Times New Roman" panose="02020603050405020304" pitchFamily="18" charset="0"/>
-              </a:rPr>
-              <a:t>IPv4 protocol is not particularly efficient in its use of the available space, with many addresses being wasted. The internet authorities started to predict address exhaustion in the late </a:t>
-            </a:r>
-            <a:r>
-              <a:rPr lang="en-US" sz="1600" dirty="0" smtClean="0">
-                <a:latin typeface="Times New Roman" panose="02020603050405020304" pitchFamily="18" charset="0"/>
-                <a:cs typeface="Times New Roman" panose="02020603050405020304" pitchFamily="18" charset="0"/>
-              </a:rPr>
-              <a:t>1980s </a:t>
-            </a:r>
-            <a:r>
-              <a:rPr lang="en-US" sz="1600" dirty="0">
-                <a:latin typeface="Times New Roman" panose="02020603050405020304" pitchFamily="18" charset="0"/>
-                <a:cs typeface="Times New Roman" panose="02020603050405020304" pitchFamily="18" charset="0"/>
-              </a:rPr>
-              <a:t>and IPv6 was developed in the 1990s as the long-term solution</a:t>
-            </a:r>
-            <a:r>
-              <a:rPr lang="en-US" sz="1800" dirty="0" smtClean="0">
-                <a:latin typeface="Times New Roman" panose="02020603050405020304" pitchFamily="18" charset="0"/>
-                <a:cs typeface="Times New Roman" panose="02020603050405020304" pitchFamily="18" charset="0"/>
-              </a:rPr>
-              <a:t>.</a:t>
-            </a:r>
-            <a:br>
-              <a:rPr lang="en-US" sz="1800" dirty="0" smtClean="0">
-                <a:latin typeface="Times New Roman" panose="02020603050405020304" pitchFamily="18" charset="0"/>
-                <a:cs typeface="Times New Roman" panose="02020603050405020304" pitchFamily="18" charset="0"/>
-              </a:rPr>
-            </a:br>
-            <a:endParaRPr lang="en-US" sz="1800" dirty="0" smtClean="0">
+            <a:endParaRPr lang="en-IN" sz="1600" b="1" dirty="0">
               <a:latin typeface="Times New Roman" panose="02020603050405020304" pitchFamily="18" charset="0"/>
+              <a:ea typeface="Times New Roman" panose="02020603050405020304" pitchFamily="18" charset="0"/>
               <a:cs typeface="Times New Roman" panose="02020603050405020304" pitchFamily="18" charset="0"/>
             </a:endParaRPr>
           </a:p>
           <a:p>
-            <a:r>
-              <a:rPr lang="en-US" sz="1600" dirty="0" smtClean="0">
+            <a:pPr indent="0" algn="just">
+              <a:lnSpc>
+                <a:spcPct val="115000"/>
+              </a:lnSpc>
+              <a:spcAft>
+                <a:spcPts val="1000"/>
+              </a:spcAft>
+              <a:buNone/>
+            </a:pPr>
+            <a:r>
+              <a:rPr lang="en-US" sz="1800" b="1" dirty="0">
+                <a:effectLst/>
+                <a:latin typeface="Calibri" panose="020F0502020204030204" pitchFamily="34" charset="0"/>
+                <a:ea typeface="Times New Roman" panose="02020603050405020304" pitchFamily="18" charset="0"/>
+              </a:rPr>
+              <a:t>Implementation of IPv6/IPv4 Dual-Stack Transition Mechanism </a:t>
+            </a:r>
+            <a:r>
+              <a:rPr lang="en-US" sz="1800" b="0" dirty="0">
+                <a:effectLst/>
                 <a:latin typeface="Times New Roman" panose="02020603050405020304" pitchFamily="18" charset="0"/>
+                <a:ea typeface="Times New Roman" panose="02020603050405020304" pitchFamily="18" charset="0"/>
+              </a:rPr>
+              <a:t> </a:t>
+            </a:r>
+            <a:endParaRPr lang="en-US" sz="1800" b="0" dirty="0" smtClean="0">
+              <a:effectLst/>
+              <a:latin typeface="Times New Roman" panose="02020603050405020304" pitchFamily="18" charset="0"/>
+              <a:ea typeface="Times New Roman" panose="02020603050405020304" pitchFamily="18" charset="0"/>
+            </a:endParaRPr>
+          </a:p>
+          <a:p>
+            <a:pPr indent="0" algn="just">
+              <a:lnSpc>
+                <a:spcPct val="115000"/>
+              </a:lnSpc>
+              <a:spcAft>
+                <a:spcPts val="1000"/>
+              </a:spcAft>
+              <a:buNone/>
+            </a:pPr>
+            <a:endParaRPr lang="en-IN" sz="1800" b="1" dirty="0">
+              <a:latin typeface="Times New Roman" panose="02020603050405020304" pitchFamily="18" charset="0"/>
+              <a:ea typeface="Times New Roman" panose="02020603050405020304" pitchFamily="18" charset="0"/>
+            </a:endParaRPr>
+          </a:p>
+          <a:p>
+            <a:pPr marL="628650" indent="-285750" algn="just">
+              <a:lnSpc>
+                <a:spcPct val="115000"/>
+              </a:lnSpc>
+              <a:spcAft>
+                <a:spcPts val="1000"/>
+              </a:spcAft>
+            </a:pPr>
+            <a:r>
+              <a:rPr lang="en-US" sz="1600" dirty="0">
+                <a:effectLst/>
+                <a:latin typeface="Times New Roman" panose="02020603050405020304" pitchFamily="18" charset="0"/>
+                <a:ea typeface="Calibri" panose="020F0502020204030204" pitchFamily="34" charset="0"/>
                 <a:cs typeface="Times New Roman" panose="02020603050405020304" pitchFamily="18" charset="0"/>
               </a:rPr>
-              <a:t> </a:t>
-            </a:r>
-            <a:r>
-              <a:rPr lang="en-US" sz="1600" b="1" dirty="0">
-                <a:latin typeface="Times New Roman" panose="02020603050405020304" pitchFamily="18" charset="0"/>
-                <a:cs typeface="Times New Roman" panose="02020603050405020304" pitchFamily="18" charset="0"/>
-              </a:rPr>
-              <a:t>Dual-Stack Transition Technique </a:t>
-            </a:r>
-            <a:r>
-              <a:rPr lang="en-US" sz="1600" dirty="0">
-                <a:latin typeface="Times New Roman" panose="02020603050405020304" pitchFamily="18" charset="0"/>
-                <a:cs typeface="Times New Roman" panose="02020603050405020304" pitchFamily="18" charset="0"/>
-              </a:rPr>
-              <a:t>:</a:t>
-            </a:r>
-            <a:r>
-              <a:rPr lang="en-US" sz="1600" dirty="0" smtClean="0">
-                <a:latin typeface="Times New Roman" panose="02020603050405020304" pitchFamily="18" charset="0"/>
-                <a:cs typeface="Times New Roman" panose="02020603050405020304" pitchFamily="18" charset="0"/>
-              </a:rPr>
-              <a:t>IPv4 </a:t>
-            </a:r>
-            <a:r>
-              <a:rPr lang="en-US" sz="1600" dirty="0">
-                <a:latin typeface="Times New Roman" panose="02020603050405020304" pitchFamily="18" charset="0"/>
-                <a:cs typeface="Times New Roman" panose="02020603050405020304" pitchFamily="18" charset="0"/>
-              </a:rPr>
-              <a:t>and IPv6 do not have to be an ‘either or’ decision. In a dual stack implementation, a network interface can have both an IPv4 and IPv6 address at the same time. It can </a:t>
-            </a:r>
-            <a:r>
-              <a:rPr lang="en-US" sz="1600" dirty="0" smtClean="0">
-                <a:latin typeface="Times New Roman" panose="02020603050405020304" pitchFamily="18" charset="0"/>
-                <a:cs typeface="Times New Roman" panose="02020603050405020304" pitchFamily="18" charset="0"/>
-              </a:rPr>
-              <a:t>communicate </a:t>
-            </a:r>
-            <a:r>
-              <a:rPr lang="en-US" sz="1600" dirty="0">
-                <a:latin typeface="Times New Roman" panose="02020603050405020304" pitchFamily="18" charset="0"/>
-                <a:cs typeface="Times New Roman" panose="02020603050405020304" pitchFamily="18" charset="0"/>
-              </a:rPr>
-              <a:t>using either of the protocol available</a:t>
-            </a:r>
-            <a:r>
-              <a:rPr lang="en-US" sz="1600" dirty="0" smtClean="0">
-                <a:latin typeface="Times New Roman" panose="02020603050405020304" pitchFamily="18" charset="0"/>
-                <a:cs typeface="Times New Roman" panose="02020603050405020304" pitchFamily="18" charset="0"/>
-              </a:rPr>
-              <a:t>.</a:t>
-            </a:r>
-            <a:br>
-              <a:rPr lang="en-US" sz="1600" dirty="0" smtClean="0">
-                <a:latin typeface="Times New Roman" panose="02020603050405020304" pitchFamily="18" charset="0"/>
-                <a:cs typeface="Times New Roman" panose="02020603050405020304" pitchFamily="18" charset="0"/>
-              </a:rPr>
-            </a:br>
+              <a:t>With the rapid development of Internet, IPv4 protocol can no longer meet the needs of users. This is mainly due to the limitations of IPv4 in terms of addresses, routing and security. </a:t>
+            </a:r>
             <a:endParaRPr lang="en-US" sz="1600" dirty="0" smtClean="0">
+              <a:effectLst/>
               <a:latin typeface="Times New Roman" panose="02020603050405020304" pitchFamily="18" charset="0"/>
+              <a:ea typeface="Calibri" panose="020F0502020204030204" pitchFamily="34" charset="0"/>
               <a:cs typeface="Times New Roman" panose="02020603050405020304" pitchFamily="18" charset="0"/>
             </a:endParaRPr>
           </a:p>
           <a:p>
-            <a:r>
-              <a:rPr lang="en-US" sz="1600" b="1" dirty="0">
-                <a:latin typeface="Times New Roman" panose="02020603050405020304" pitchFamily="18" charset="0"/>
-                <a:cs typeface="Times New Roman" panose="02020603050405020304" pitchFamily="18" charset="0"/>
-              </a:rPr>
-              <a:t>Design and Configuration of the Dual-Stack Transition Technique </a:t>
-            </a:r>
-            <a:r>
-              <a:rPr lang="en-US" sz="1600" dirty="0">
-                <a:latin typeface="Times New Roman" panose="02020603050405020304" pitchFamily="18" charset="0"/>
-                <a:cs typeface="Times New Roman" panose="02020603050405020304" pitchFamily="18" charset="0"/>
-              </a:rPr>
-              <a:t>Dual stack is designed to support both the IPv4 and IPv6 addresses on the same network interface, thereby allowing the data to transfer from IPv4 network to IPv6 network using both static and dynamic routing</a:t>
-            </a:r>
-            <a:r>
-              <a:rPr lang="en-US" sz="1600" dirty="0" smtClean="0">
-                <a:latin typeface="Times New Roman" panose="02020603050405020304" pitchFamily="18" charset="0"/>
-                <a:cs typeface="Times New Roman" panose="02020603050405020304" pitchFamily="18" charset="0"/>
-              </a:rPr>
-              <a:t>.</a:t>
-            </a:r>
-            <a:br>
-              <a:rPr lang="en-US" sz="1600" dirty="0" smtClean="0">
-                <a:latin typeface="Times New Roman" panose="02020603050405020304" pitchFamily="18" charset="0"/>
-                <a:cs typeface="Times New Roman" panose="02020603050405020304" pitchFamily="18" charset="0"/>
-              </a:rPr>
-            </a:br>
-            <a:endParaRPr lang="en-US" sz="1600" dirty="0" smtClean="0">
+            <a:pPr marL="628650" indent="-285750" algn="just">
+              <a:lnSpc>
+                <a:spcPct val="115000"/>
+              </a:lnSpc>
+              <a:spcAft>
+                <a:spcPts val="1000"/>
+              </a:spcAft>
+            </a:pPr>
+            <a:endParaRPr lang="en-US" sz="1600" dirty="0">
+              <a:effectLst/>
               <a:latin typeface="Times New Roman" panose="02020603050405020304" pitchFamily="18" charset="0"/>
+              <a:ea typeface="Calibri" panose="020F0502020204030204" pitchFamily="34" charset="0"/>
               <a:cs typeface="Times New Roman" panose="02020603050405020304" pitchFamily="18" charset="0"/>
             </a:endParaRPr>
           </a:p>
           <a:p>
+            <a:pPr marL="628650" indent="-285750" algn="just">
+              <a:lnSpc>
+                <a:spcPct val="115000"/>
+              </a:lnSpc>
+              <a:spcAft>
+                <a:spcPts val="1000"/>
+              </a:spcAft>
+            </a:pPr>
+            <a:r>
+              <a:rPr lang="en-US" sz="1600" dirty="0">
+                <a:effectLst/>
+                <a:latin typeface="Times New Roman" panose="02020603050405020304" pitchFamily="18" charset="0"/>
+                <a:ea typeface="Calibri" panose="020F0502020204030204" pitchFamily="34" charset="0"/>
+                <a:cs typeface="Times New Roman" panose="02020603050405020304" pitchFamily="18" charset="0"/>
+              </a:rPr>
+              <a:t>Correspondingly, IPv6 has the advantage of large address space, security, mobility, quality of service and so on. So IPv6 protocol has become the inevitable trend of network development. However IPv4 and IPv6 are incompatible protocols, so a solution to transition is </a:t>
+            </a:r>
             <a:r>
               <a:rPr lang="en-US" sz="1600" dirty="0" smtClean="0">
+                <a:effectLst/>
                 <a:latin typeface="Times New Roman" panose="02020603050405020304" pitchFamily="18" charset="0"/>
+                <a:ea typeface="Calibri" panose="020F0502020204030204" pitchFamily="34" charset="0"/>
                 <a:cs typeface="Times New Roman" panose="02020603050405020304" pitchFamily="18" charset="0"/>
               </a:rPr>
-              <a:t>The </a:t>
+              <a:t>required</a:t>
             </a:r>
             <a:r>
               <a:rPr lang="en-US" sz="1600" dirty="0">
+                <a:effectLst/>
                 <a:latin typeface="Times New Roman" panose="02020603050405020304" pitchFamily="18" charset="0"/>
+                <a:ea typeface="Calibri" panose="020F0502020204030204" pitchFamily="34" charset="0"/>
                 <a:cs typeface="Times New Roman" panose="02020603050405020304" pitchFamily="18" charset="0"/>
               </a:rPr>
-              <a:t>network consists of five routers, two Ethernet switches, and four end hosts. All router interfaces, as well as the hosts, have been configured with an IPv4 address as well as with an IPv6 address. The network can then communicate using either protocol. </a:t>
-            </a:r>
-          </a:p>
-        </p:txBody>
-      </p:sp>
-      <p:sp>
-        <p:nvSpPr>
-          <p:cNvPr id="4" name="Date Placeholder 3"/>
+              <a:t>. </a:t>
+            </a:r>
+            <a:endParaRPr lang="en-US" sz="1600" dirty="0" smtClean="0">
+              <a:effectLst/>
+              <a:latin typeface="Times New Roman" panose="02020603050405020304" pitchFamily="18" charset="0"/>
+              <a:ea typeface="Calibri" panose="020F0502020204030204" pitchFamily="34" charset="0"/>
+              <a:cs typeface="Times New Roman" panose="02020603050405020304" pitchFamily="18" charset="0"/>
+            </a:endParaRPr>
+          </a:p>
+          <a:p>
+            <a:pPr marL="628650" indent="-285750" algn="just">
+              <a:lnSpc>
+                <a:spcPct val="115000"/>
+              </a:lnSpc>
+              <a:spcAft>
+                <a:spcPts val="1000"/>
+              </a:spcAft>
+            </a:pPr>
+            <a:endParaRPr lang="en-US" sz="1600" dirty="0">
+              <a:effectLst/>
+              <a:latin typeface="Times New Roman" panose="02020603050405020304" pitchFamily="18" charset="0"/>
+              <a:ea typeface="Calibri" panose="020F0502020204030204" pitchFamily="34" charset="0"/>
+              <a:cs typeface="Times New Roman" panose="02020603050405020304" pitchFamily="18" charset="0"/>
+            </a:endParaRPr>
+          </a:p>
+          <a:p>
+            <a:pPr marL="628650" indent="-285750" algn="just">
+              <a:lnSpc>
+                <a:spcPct val="115000"/>
+              </a:lnSpc>
+              <a:spcAft>
+                <a:spcPts val="1000"/>
+              </a:spcAft>
+            </a:pPr>
+            <a:r>
+              <a:rPr lang="en-US" sz="1600" dirty="0">
+                <a:effectLst/>
+                <a:latin typeface="Times New Roman" panose="02020603050405020304" pitchFamily="18" charset="0"/>
+                <a:ea typeface="Calibri" panose="020F0502020204030204" pitchFamily="34" charset="0"/>
+                <a:cs typeface="Times New Roman" panose="02020603050405020304" pitchFamily="18" charset="0"/>
+              </a:rPr>
+              <a:t>In order to achieve smooth and stepwise transition, IETF recommends three kinds of transition mechanisms: dual stack, tunneling and translation technology.</a:t>
+            </a:r>
+          </a:p>
+        </p:txBody>
+      </p:sp>
+      <p:sp>
+        <p:nvSpPr>
+          <p:cNvPr id="4" name="Date Placeholder 3">
+            <a:extLst>
+              <a:ext uri="{FF2B5EF4-FFF2-40B4-BE49-F238E27FC236}">
+                <a16:creationId xmlns:a16="http://schemas.microsoft.com/office/drawing/2014/main" xmlns="" id="{BADA8D08-B442-46D6-9832-F441A832C6E4}"/>
+              </a:ext>
+            </a:extLst>
+          </p:cNvPr>
           <p:cNvSpPr>
             <a:spLocks noGrp="1"/>
           </p:cNvSpPr>
@@ -5664,7 +5816,13 @@
       </p:sp>
       <p:sp>
         <p:nvSpPr>
-          <p:cNvPr id="5" name="Footer Placeholder 4"/>
+          <p:cNvPr id="5" name="Footer Placeholder 4">
+            <a:extLst>
+              <a:ext uri="{FF2B5EF4-FFF2-40B4-BE49-F238E27FC236}">
+                <a16:creationId xmlns:a16="http://schemas.microsoft.com/office/drawing/2014/main" xmlns="" id="{A454B4D8-51F7-4013-A00C-8B62B65CE316}"/>
+              </a:ext>
+            </a:extLst>
+          </p:cNvPr>
           <p:cNvSpPr>
             <a:spLocks noGrp="1"/>
           </p:cNvSpPr>
@@ -5678,16 +5836,21 @@
           <a:lstStyle/>
           <a:p>
             <a:r>
-              <a:rPr lang="en-US" smtClean="0"/>
+              <a:rPr lang="en-US"/>
               <a:t>Dept. of ECE, NMIT, Bangalore-64</a:t>
             </a:r>
-            <a:endParaRPr lang="en-US"/>
-          </a:p>
-        </p:txBody>
-      </p:sp>
-      <p:sp>
-        <p:nvSpPr>
-          <p:cNvPr id="6" name="Slide Number Placeholder 5"/>
+          </a:p>
+        </p:txBody>
+      </p:sp>
+      <p:sp>
+        <p:nvSpPr>
+          <p:cNvPr id="6" name="Slide Number Placeholder 5">
+            <a:extLst>
+              <a:ext uri="{FF2B5EF4-FFF2-40B4-BE49-F238E27FC236}">
+                <a16:creationId xmlns:a16="http://schemas.microsoft.com/office/drawing/2014/main" xmlns="" id="{9007017B-9902-48CD-900F-A2DDA42BE803}"/>
+              </a:ext>
+            </a:extLst>
+          </p:cNvPr>
           <p:cNvSpPr>
             <a:spLocks noGrp="1"/>
           </p:cNvSpPr>
@@ -5712,7 +5875,7 @@
     </p:spTree>
     <p:extLst>
       <p:ext uri="{BB962C8B-B14F-4D97-AF65-F5344CB8AC3E}">
-        <p14:creationId xmlns:p14="http://schemas.microsoft.com/office/powerpoint/2010/main" val="467217549"/>
+        <p14:creationId xmlns:p14="http://schemas.microsoft.com/office/powerpoint/2010/main" val="342022499"/>
       </p:ext>
     </p:extLst>
   </p:cSld>
@@ -5748,52 +5911,204 @@
       </p:grpSpPr>
       <p:sp>
         <p:nvSpPr>
-          <p:cNvPr id="2" name="Title 1"/>
-          <p:cNvSpPr>
-            <a:spLocks noGrp="1"/>
-          </p:cNvSpPr>
-          <p:nvPr>
-            <p:ph type="title"/>
+          <p:cNvPr id="3" name="Content Placeholder 2"/>
+          <p:cNvSpPr>
+            <a:spLocks noGrp="1"/>
+          </p:cNvSpPr>
+          <p:nvPr>
+            <p:ph idx="1"/>
           </p:nvPr>
         </p:nvSpPr>
         <p:spPr>
-          <a:solidFill>
-            <a:srgbClr val="0000FF"/>
-          </a:solidFill>
+          <a:xfrm>
+            <a:off x="457200" y="304800"/>
+            <a:ext cx="8229600" cy="5821363"/>
+          </a:xfrm>
         </p:spPr>
         <p:txBody>
           <a:bodyPr>
-            <a:noAutofit/>
+            <a:normAutofit/>
           </a:bodyPr>
           <a:lstStyle/>
           <a:p>
-            <a:r>
-              <a:rPr lang="en-US" sz="3600" b="1" dirty="0">
-                <a:solidFill>
-                  <a:schemeClr val="bg1"/>
-                </a:solidFill>
+            <a:pPr marL="0" indent="0">
+              <a:buNone/>
+            </a:pPr>
+            <a:r>
+              <a:rPr lang="en-US" sz="1800" b="1" dirty="0"/>
+              <a:t>IPv4 to IPv6 Migration and Performance Analysis using GNS3 and Wireshark </a:t>
+            </a:r>
+            <a:endParaRPr lang="en-US" sz="1800" b="1" dirty="0" smtClean="0"/>
+          </a:p>
+          <a:p>
+            <a:endParaRPr lang="en-US" sz="1600" dirty="0" smtClean="0"/>
+          </a:p>
+          <a:p>
+            <a:endParaRPr lang="en-US" sz="1600" dirty="0"/>
+          </a:p>
+          <a:p>
+            <a:r>
+              <a:rPr lang="en-US" sz="1600" dirty="0" smtClean="0">
                 <a:latin typeface="Times New Roman" panose="02020603050405020304" pitchFamily="18" charset="0"/>
                 <a:cs typeface="Times New Roman" panose="02020603050405020304" pitchFamily="18" charset="0"/>
               </a:rPr>
-              <a:t>Basic </a:t>
-            </a:r>
-            <a:r>
-              <a:rPr lang="en-US" sz="3600" b="1" dirty="0" smtClean="0">
-                <a:solidFill>
-                  <a:schemeClr val="bg1"/>
-                </a:solidFill>
+              <a:t>The </a:t>
+            </a:r>
+            <a:r>
+              <a:rPr lang="en-US" sz="1600" dirty="0">
                 <a:latin typeface="Times New Roman" panose="02020603050405020304" pitchFamily="18" charset="0"/>
                 <a:cs typeface="Times New Roman" panose="02020603050405020304" pitchFamily="18" charset="0"/>
               </a:rPr>
-              <a:t>Architecture</a:t>
-            </a:r>
-            <a:endParaRPr lang="en-US" sz="3600" b="1" dirty="0">
-              <a:solidFill>
-                <a:schemeClr val="bg1"/>
-              </a:solidFill>
-              <a:latin typeface="Times New Roman" pitchFamily="18" charset="0"/>
-              <a:cs typeface="Times New Roman" pitchFamily="18" charset="0"/>
+              <a:t>IPv4 protocol is not particularly efficient in its use of the available space, with many addresses being wasted. The internet authorities started to predict address exhaustion in the late </a:t>
+            </a:r>
+            <a:r>
+              <a:rPr lang="en-US" sz="1600" dirty="0" smtClean="0">
+                <a:latin typeface="Times New Roman" panose="02020603050405020304" pitchFamily="18" charset="0"/>
+                <a:cs typeface="Times New Roman" panose="02020603050405020304" pitchFamily="18" charset="0"/>
+              </a:rPr>
+              <a:t>1980s </a:t>
+            </a:r>
+            <a:r>
+              <a:rPr lang="en-US" sz="1600" dirty="0">
+                <a:latin typeface="Times New Roman" panose="02020603050405020304" pitchFamily="18" charset="0"/>
+                <a:cs typeface="Times New Roman" panose="02020603050405020304" pitchFamily="18" charset="0"/>
+              </a:rPr>
+              <a:t>and IPv6 was developed in the 1990s as the long-term solution</a:t>
+            </a:r>
+            <a:r>
+              <a:rPr lang="en-US" sz="1800" dirty="0" smtClean="0">
+                <a:latin typeface="Times New Roman" panose="02020603050405020304" pitchFamily="18" charset="0"/>
+                <a:cs typeface="Times New Roman" panose="02020603050405020304" pitchFamily="18" charset="0"/>
+              </a:rPr>
+              <a:t>.</a:t>
+            </a:r>
+            <a:br>
+              <a:rPr lang="en-US" sz="1800" dirty="0" smtClean="0">
+                <a:latin typeface="Times New Roman" panose="02020603050405020304" pitchFamily="18" charset="0"/>
+                <a:cs typeface="Times New Roman" panose="02020603050405020304" pitchFamily="18" charset="0"/>
+              </a:rPr>
+            </a:br>
+            <a:endParaRPr lang="en-US" sz="1800" dirty="0" smtClean="0">
+              <a:latin typeface="Times New Roman" panose="02020603050405020304" pitchFamily="18" charset="0"/>
+              <a:cs typeface="Times New Roman" panose="02020603050405020304" pitchFamily="18" charset="0"/>
             </a:endParaRPr>
+          </a:p>
+          <a:p>
+            <a:r>
+              <a:rPr lang="en-US" sz="1600" dirty="0" smtClean="0">
+                <a:latin typeface="Times New Roman" panose="02020603050405020304" pitchFamily="18" charset="0"/>
+                <a:cs typeface="Times New Roman" panose="02020603050405020304" pitchFamily="18" charset="0"/>
+              </a:rPr>
+              <a:t> </a:t>
+            </a:r>
+            <a:r>
+              <a:rPr lang="en-US" sz="1600" b="1" dirty="0">
+                <a:latin typeface="Times New Roman" panose="02020603050405020304" pitchFamily="18" charset="0"/>
+                <a:cs typeface="Times New Roman" panose="02020603050405020304" pitchFamily="18" charset="0"/>
+              </a:rPr>
+              <a:t>Dual-Stack Transition Technique </a:t>
+            </a:r>
+            <a:r>
+              <a:rPr lang="en-US" sz="1600" dirty="0">
+                <a:latin typeface="Times New Roman" panose="02020603050405020304" pitchFamily="18" charset="0"/>
+                <a:cs typeface="Times New Roman" panose="02020603050405020304" pitchFamily="18" charset="0"/>
+              </a:rPr>
+              <a:t>:</a:t>
+            </a:r>
+            <a:r>
+              <a:rPr lang="en-US" sz="1600" dirty="0" smtClean="0">
+                <a:latin typeface="Times New Roman" panose="02020603050405020304" pitchFamily="18" charset="0"/>
+                <a:cs typeface="Times New Roman" panose="02020603050405020304" pitchFamily="18" charset="0"/>
+              </a:rPr>
+              <a:t>IPv4 </a:t>
+            </a:r>
+            <a:r>
+              <a:rPr lang="en-US" sz="1600" dirty="0">
+                <a:latin typeface="Times New Roman" panose="02020603050405020304" pitchFamily="18" charset="0"/>
+                <a:cs typeface="Times New Roman" panose="02020603050405020304" pitchFamily="18" charset="0"/>
+              </a:rPr>
+              <a:t>and IPv6 do not have to be an ‘either or’ decision. In a dual stack implementation, a network interface can have both an IPv4 and IPv6 address at the same time. It can </a:t>
+            </a:r>
+            <a:r>
+              <a:rPr lang="en-US" sz="1600" dirty="0" smtClean="0">
+                <a:latin typeface="Times New Roman" panose="02020603050405020304" pitchFamily="18" charset="0"/>
+                <a:cs typeface="Times New Roman" panose="02020603050405020304" pitchFamily="18" charset="0"/>
+              </a:rPr>
+              <a:t>communicate </a:t>
+            </a:r>
+            <a:r>
+              <a:rPr lang="en-US" sz="1600" dirty="0">
+                <a:latin typeface="Times New Roman" panose="02020603050405020304" pitchFamily="18" charset="0"/>
+                <a:cs typeface="Times New Roman" panose="02020603050405020304" pitchFamily="18" charset="0"/>
+              </a:rPr>
+              <a:t>using either of the protocol available</a:t>
+            </a:r>
+            <a:r>
+              <a:rPr lang="en-US" sz="1600" dirty="0" smtClean="0">
+                <a:latin typeface="Times New Roman" panose="02020603050405020304" pitchFamily="18" charset="0"/>
+                <a:cs typeface="Times New Roman" panose="02020603050405020304" pitchFamily="18" charset="0"/>
+              </a:rPr>
+              <a:t>.</a:t>
+            </a:r>
+            <a:br>
+              <a:rPr lang="en-US" sz="1600" dirty="0" smtClean="0">
+                <a:latin typeface="Times New Roman" panose="02020603050405020304" pitchFamily="18" charset="0"/>
+                <a:cs typeface="Times New Roman" panose="02020603050405020304" pitchFamily="18" charset="0"/>
+              </a:rPr>
+            </a:br>
+            <a:endParaRPr lang="en-US" sz="1600" dirty="0" smtClean="0">
+              <a:latin typeface="Times New Roman" panose="02020603050405020304" pitchFamily="18" charset="0"/>
+              <a:cs typeface="Times New Roman" panose="02020603050405020304" pitchFamily="18" charset="0"/>
+            </a:endParaRPr>
+          </a:p>
+          <a:p>
+            <a:r>
+              <a:rPr lang="en-US" sz="1600" b="1" dirty="0">
+                <a:latin typeface="Times New Roman" panose="02020603050405020304" pitchFamily="18" charset="0"/>
+                <a:cs typeface="Times New Roman" panose="02020603050405020304" pitchFamily="18" charset="0"/>
+              </a:rPr>
+              <a:t>Design and Configuration of the Dual-Stack Transition Technique </a:t>
+            </a:r>
+            <a:r>
+              <a:rPr lang="en-US" sz="1600" dirty="0">
+                <a:latin typeface="Times New Roman" panose="02020603050405020304" pitchFamily="18" charset="0"/>
+                <a:cs typeface="Times New Roman" panose="02020603050405020304" pitchFamily="18" charset="0"/>
+              </a:rPr>
+              <a:t>Dual stack is designed to support both the IPv4 and IPv6 addresses on the same network interface, thereby allowing the data to transfer from IPv4 network to IPv6 network using both static and dynamic routing</a:t>
+            </a:r>
+            <a:r>
+              <a:rPr lang="en-US" sz="1600" dirty="0" smtClean="0">
+                <a:latin typeface="Times New Roman" panose="02020603050405020304" pitchFamily="18" charset="0"/>
+                <a:cs typeface="Times New Roman" panose="02020603050405020304" pitchFamily="18" charset="0"/>
+              </a:rPr>
+              <a:t>.</a:t>
+            </a:r>
+            <a:br>
+              <a:rPr lang="en-US" sz="1600" dirty="0" smtClean="0">
+                <a:latin typeface="Times New Roman" panose="02020603050405020304" pitchFamily="18" charset="0"/>
+                <a:cs typeface="Times New Roman" panose="02020603050405020304" pitchFamily="18" charset="0"/>
+              </a:rPr>
+            </a:br>
+            <a:endParaRPr lang="en-US" sz="1600" dirty="0" smtClean="0">
+              <a:latin typeface="Times New Roman" panose="02020603050405020304" pitchFamily="18" charset="0"/>
+              <a:cs typeface="Times New Roman" panose="02020603050405020304" pitchFamily="18" charset="0"/>
+            </a:endParaRPr>
+          </a:p>
+          <a:p>
+            <a:r>
+              <a:rPr lang="en-US" sz="1600" dirty="0" smtClean="0">
+                <a:latin typeface="Times New Roman" panose="02020603050405020304" pitchFamily="18" charset="0"/>
+                <a:cs typeface="Times New Roman" panose="02020603050405020304" pitchFamily="18" charset="0"/>
+              </a:rPr>
+              <a:t>The </a:t>
+            </a:r>
+            <a:r>
+              <a:rPr lang="en-US" sz="1600" dirty="0">
+                <a:latin typeface="Times New Roman" panose="02020603050405020304" pitchFamily="18" charset="0"/>
+                <a:cs typeface="Times New Roman" panose="02020603050405020304" pitchFamily="18" charset="0"/>
+              </a:rPr>
+              <a:t>network consists of five routers, two Ethernet switches, and four end hosts. All router interfaces, as well as the hosts, have been configured with an IPv4 address as well as with an IPv6 address. The network can then communicate using either protocol. </a:t>
+            </a:r>
           </a:p>
         </p:txBody>
       </p:sp>
@@ -5842,12 +6157,10 @@
           <a:lstStyle/>
           <a:p>
             <a:r>
-              <a:rPr lang="en-US" dirty="0">
-                <a:latin typeface="Times New Roman" pitchFamily="18" charset="0"/>
-                <a:cs typeface="Times New Roman" pitchFamily="18" charset="0"/>
-              </a:rPr>
+              <a:rPr lang="en-US" smtClean="0"/>
               <a:t>Dept. of ECE, NMIT, Bangalore-64</a:t>
             </a:r>
+            <a:endParaRPr lang="en-US"/>
           </a:p>
         </p:txBody>
       </p:sp>
@@ -5871,211 +6184,14 @@
               <a:pPr/>
               <a:t>13</a:t>
             </a:fld>
-            <a:endParaRPr lang="en-US" dirty="0"/>
-          </a:p>
-        </p:txBody>
-      </p:sp>
-      <p:sp>
-        <p:nvSpPr>
-          <p:cNvPr id="7" name="Content Placeholder 6"/>
-          <p:cNvSpPr>
-            <a:spLocks noGrp="1"/>
-          </p:cNvSpPr>
-          <p:nvPr>
-            <p:ph idx="1"/>
-          </p:nvPr>
-        </p:nvSpPr>
-        <p:spPr/>
-        <p:txBody>
-          <a:bodyPr/>
-          <a:lstStyle/>
-          <a:p>
-            <a:r>
-              <a:rPr lang="en-US" sz="1600" dirty="0" smtClean="0">
-                <a:latin typeface="Times New Roman" panose="02020603050405020304" pitchFamily="18" charset="0"/>
-                <a:cs typeface="Times New Roman" panose="02020603050405020304" pitchFamily="18" charset="0"/>
-              </a:rPr>
-              <a:t>Three Hosts on LAN</a:t>
-            </a:r>
-          </a:p>
-          <a:p>
-            <a:pPr lvl="1"/>
-            <a:r>
-              <a:rPr lang="en-US" sz="1600" dirty="0" smtClean="0">
-                <a:latin typeface="Times New Roman" panose="02020603050405020304" pitchFamily="18" charset="0"/>
-                <a:cs typeface="Times New Roman" panose="02020603050405020304" pitchFamily="18" charset="0"/>
-              </a:rPr>
-              <a:t>Host1  </a:t>
-            </a:r>
-            <a:r>
-              <a:rPr lang="en-IN" sz="1600" dirty="0">
-                <a:latin typeface="Times New Roman" panose="02020603050405020304" pitchFamily="18" charset="0"/>
-                <a:cs typeface="Times New Roman" panose="02020603050405020304" pitchFamily="18" charset="0"/>
-              </a:rPr>
-              <a:t>IPv4/IPv6 (LAN interface should have both IPv4 and IPv6 addresses)</a:t>
-            </a:r>
-            <a:endParaRPr lang="en-US" sz="1600" dirty="0">
-              <a:latin typeface="Times New Roman" panose="02020603050405020304" pitchFamily="18" charset="0"/>
-              <a:cs typeface="Times New Roman" panose="02020603050405020304" pitchFamily="18" charset="0"/>
-            </a:endParaRPr>
-          </a:p>
-          <a:p>
-            <a:pPr lvl="1"/>
-            <a:r>
-              <a:rPr lang="en-IN" sz="1600" dirty="0">
-                <a:latin typeface="Times New Roman" panose="02020603050405020304" pitchFamily="18" charset="0"/>
-                <a:cs typeface="Times New Roman" panose="02020603050405020304" pitchFamily="18" charset="0"/>
-              </a:rPr>
-              <a:t>Host 2 IPv4</a:t>
-            </a:r>
-            <a:endParaRPr lang="en-US" sz="1600" dirty="0">
-              <a:latin typeface="Times New Roman" panose="02020603050405020304" pitchFamily="18" charset="0"/>
-              <a:cs typeface="Times New Roman" panose="02020603050405020304" pitchFamily="18" charset="0"/>
-            </a:endParaRPr>
-          </a:p>
-          <a:p>
-            <a:pPr lvl="1"/>
-            <a:r>
-              <a:rPr lang="en-IN" sz="1600" dirty="0">
-                <a:latin typeface="Times New Roman" panose="02020603050405020304" pitchFamily="18" charset="0"/>
-                <a:cs typeface="Times New Roman" panose="02020603050405020304" pitchFamily="18" charset="0"/>
-              </a:rPr>
-              <a:t>Host 3 </a:t>
-            </a:r>
-            <a:r>
-              <a:rPr lang="en-IN" sz="1600" dirty="0" smtClean="0">
-                <a:latin typeface="Times New Roman" panose="02020603050405020304" pitchFamily="18" charset="0"/>
-                <a:cs typeface="Times New Roman" panose="02020603050405020304" pitchFamily="18" charset="0"/>
-              </a:rPr>
-              <a:t>IPv6</a:t>
-            </a:r>
-            <a:endParaRPr lang="en-US" sz="1600" dirty="0">
-              <a:latin typeface="Times New Roman" panose="02020603050405020304" pitchFamily="18" charset="0"/>
-              <a:cs typeface="Times New Roman" panose="02020603050405020304" pitchFamily="18" charset="0"/>
-            </a:endParaRPr>
-          </a:p>
-          <a:p>
-            <a:r>
-              <a:rPr lang="en-IN" sz="1600" dirty="0">
-                <a:latin typeface="Times New Roman" panose="02020603050405020304" pitchFamily="18" charset="0"/>
-                <a:cs typeface="Times New Roman" panose="02020603050405020304" pitchFamily="18" charset="0"/>
-              </a:rPr>
-              <a:t>H</a:t>
-            </a:r>
-            <a:r>
-              <a:rPr lang="en-IN" sz="1600" dirty="0" smtClean="0">
-                <a:latin typeface="Times New Roman" panose="02020603050405020304" pitchFamily="18" charset="0"/>
-                <a:cs typeface="Times New Roman" panose="02020603050405020304" pitchFamily="18" charset="0"/>
-              </a:rPr>
-              <a:t>ost </a:t>
-            </a:r>
-            <a:r>
-              <a:rPr lang="en-IN" sz="1600" dirty="0">
-                <a:latin typeface="Times New Roman" panose="02020603050405020304" pitchFamily="18" charset="0"/>
-                <a:cs typeface="Times New Roman" panose="02020603050405020304" pitchFamily="18" charset="0"/>
-              </a:rPr>
-              <a:t>1  -</a:t>
-            </a:r>
-            <a:endParaRPr lang="en-US" sz="1600" dirty="0">
-              <a:latin typeface="Times New Roman" panose="02020603050405020304" pitchFamily="18" charset="0"/>
-              <a:cs typeface="Times New Roman" panose="02020603050405020304" pitchFamily="18" charset="0"/>
-            </a:endParaRPr>
-          </a:p>
-          <a:p>
-            <a:pPr lvl="1"/>
-            <a:r>
-              <a:rPr lang="en-IN" sz="1600" dirty="0">
-                <a:latin typeface="Times New Roman" panose="02020603050405020304" pitchFamily="18" charset="0"/>
-                <a:cs typeface="Times New Roman" panose="02020603050405020304" pitchFamily="18" charset="0"/>
-              </a:rPr>
-              <a:t>One server for NMIT seminar hall booking application (using IPv4</a:t>
-            </a:r>
-            <a:r>
-              <a:rPr lang="en-IN" sz="1600" dirty="0" smtClean="0">
-                <a:latin typeface="Times New Roman" panose="02020603050405020304" pitchFamily="18" charset="0"/>
-                <a:cs typeface="Times New Roman" panose="02020603050405020304" pitchFamily="18" charset="0"/>
-              </a:rPr>
-              <a:t>)</a:t>
-            </a:r>
-          </a:p>
-          <a:p>
-            <a:pPr lvl="1"/>
-            <a:r>
-              <a:rPr lang="en-IN" sz="1600" dirty="0">
-                <a:latin typeface="Times New Roman" panose="02020603050405020304" pitchFamily="18" charset="0"/>
-                <a:cs typeface="Times New Roman" panose="02020603050405020304" pitchFamily="18" charset="0"/>
-              </a:rPr>
-              <a:t>Second server for application -  NMIT IP IVR (interactive voice response) system (using IPv6)</a:t>
-            </a:r>
-          </a:p>
-          <a:p>
-            <a:pPr lvl="1"/>
-            <a:r>
-              <a:rPr lang="en-IN" sz="1600" dirty="0">
-                <a:latin typeface="Times New Roman" panose="02020603050405020304" pitchFamily="18" charset="0"/>
-                <a:cs typeface="Times New Roman" panose="02020603050405020304" pitchFamily="18" charset="0"/>
-              </a:rPr>
-              <a:t>Both servers will be running at the same time</a:t>
-            </a:r>
-          </a:p>
-          <a:p>
-            <a:r>
-              <a:rPr lang="en-IN" sz="1600" dirty="0">
-                <a:latin typeface="Times New Roman" panose="02020603050405020304" pitchFamily="18" charset="0"/>
-                <a:cs typeface="Times New Roman" panose="02020603050405020304" pitchFamily="18" charset="0"/>
-              </a:rPr>
-              <a:t>Host 2 </a:t>
-            </a:r>
-          </a:p>
-          <a:p>
-            <a:pPr lvl="1"/>
-            <a:r>
-              <a:rPr lang="en-IN" sz="1600" dirty="0">
-                <a:latin typeface="Times New Roman" panose="02020603050405020304" pitchFamily="18" charset="0"/>
-                <a:cs typeface="Times New Roman" panose="02020603050405020304" pitchFamily="18" charset="0"/>
-              </a:rPr>
-              <a:t>One client for NMIT seminar hall booking application (using IPv4)</a:t>
-            </a:r>
-            <a:endParaRPr lang="en-US" sz="1600" dirty="0">
-              <a:latin typeface="Times New Roman" panose="02020603050405020304" pitchFamily="18" charset="0"/>
-              <a:cs typeface="Times New Roman" panose="02020603050405020304" pitchFamily="18" charset="0"/>
-            </a:endParaRPr>
-          </a:p>
-          <a:p>
-            <a:r>
-              <a:rPr lang="en-IN" sz="1600" dirty="0">
-                <a:latin typeface="Times New Roman" panose="02020603050405020304" pitchFamily="18" charset="0"/>
-                <a:cs typeface="Times New Roman" panose="02020603050405020304" pitchFamily="18" charset="0"/>
-              </a:rPr>
-              <a:t>Host 3 </a:t>
-            </a:r>
-          </a:p>
-          <a:p>
-            <a:pPr lvl="1"/>
-            <a:r>
-              <a:rPr lang="en-IN" sz="1600" dirty="0">
-                <a:latin typeface="Times New Roman" panose="02020603050405020304" pitchFamily="18" charset="0"/>
-                <a:cs typeface="Times New Roman" panose="02020603050405020304" pitchFamily="18" charset="0"/>
-              </a:rPr>
-              <a:t>One client for application - NMIT IP IVR(interactive voice response)  system (using IPv6)</a:t>
-            </a:r>
-            <a:endParaRPr lang="en-US" sz="1600" dirty="0">
-              <a:latin typeface="Times New Roman" panose="02020603050405020304" pitchFamily="18" charset="0"/>
-              <a:cs typeface="Times New Roman" panose="02020603050405020304" pitchFamily="18" charset="0"/>
-            </a:endParaRPr>
-          </a:p>
-          <a:p>
-            <a:pPr marL="457200" lvl="1" indent="0">
-              <a:buNone/>
-            </a:pPr>
-            <a:endParaRPr lang="en-US" dirty="0" smtClean="0"/>
+            <a:endParaRPr lang="en-US"/>
           </a:p>
         </p:txBody>
       </p:sp>
     </p:spTree>
     <p:extLst>
       <p:ext uri="{BB962C8B-B14F-4D97-AF65-F5344CB8AC3E}">
-        <p14:creationId xmlns:p14="http://schemas.microsoft.com/office/powerpoint/2010/main" val="4182899405"/>
+        <p14:creationId xmlns:p14="http://schemas.microsoft.com/office/powerpoint/2010/main" val="467217549"/>
       </p:ext>
     </p:extLst>
   </p:cSld>
@@ -6111,184 +6227,15 @@
       </p:grpSpPr>
       <p:sp>
         <p:nvSpPr>
-          <p:cNvPr id="3" name="Content Placeholder 2"/>
-          <p:cNvSpPr>
-            <a:spLocks noGrp="1"/>
-          </p:cNvSpPr>
-          <p:nvPr>
-            <p:ph idx="1"/>
+          <p:cNvPr id="2" name="Title 1"/>
+          <p:cNvSpPr>
+            <a:spLocks noGrp="1"/>
+          </p:cNvSpPr>
+          <p:nvPr>
+            <p:ph type="title"/>
           </p:nvPr>
         </p:nvSpPr>
         <p:spPr>
-          <a:xfrm>
-            <a:off x="457200" y="1654175"/>
-            <a:ext cx="8229600" cy="4343400"/>
-          </a:xfrm>
-        </p:spPr>
-        <p:txBody>
-          <a:bodyPr>
-            <a:normAutofit/>
-          </a:bodyPr>
-          <a:lstStyle/>
-          <a:p>
-            <a:r>
-              <a:rPr lang="en-IN" sz="2000" dirty="0"/>
-              <a:t>Two Linux desktops/laptops, One </a:t>
-            </a:r>
-            <a:r>
-              <a:rPr lang="en-IN" sz="2000" dirty="0" smtClean="0"/>
-              <a:t>Raspberry Pi </a:t>
-            </a:r>
-            <a:r>
-              <a:rPr lang="en-IN" sz="2000" dirty="0"/>
-              <a:t>board</a:t>
-            </a:r>
-            <a:endParaRPr lang="en-US" sz="2000" dirty="0"/>
-          </a:p>
-          <a:p>
-            <a:endParaRPr lang="en-US" sz="2000" dirty="0" smtClean="0">
-              <a:latin typeface="Times New Roman" panose="02020603050405020304" pitchFamily="18" charset="0"/>
-              <a:cs typeface="Times New Roman" panose="02020603050405020304" pitchFamily="18" charset="0"/>
-            </a:endParaRPr>
-          </a:p>
-          <a:p>
-            <a:r>
-              <a:rPr lang="en-IN" sz="2000" dirty="0"/>
-              <a:t>C or </a:t>
-            </a:r>
-            <a:r>
-              <a:rPr lang="en-IN" sz="2000" dirty="0" smtClean="0"/>
-              <a:t>Python</a:t>
-            </a:r>
-          </a:p>
-          <a:p>
-            <a:endParaRPr lang="en-IN" sz="2000" dirty="0">
-              <a:latin typeface="Times New Roman" panose="02020603050405020304" pitchFamily="18" charset="0"/>
-              <a:cs typeface="Times New Roman" panose="02020603050405020304" pitchFamily="18" charset="0"/>
-            </a:endParaRPr>
-          </a:p>
-          <a:p>
-            <a:r>
-              <a:rPr lang="en-IN" sz="2000" dirty="0"/>
-              <a:t>Socket programming </a:t>
-            </a:r>
-            <a:endParaRPr lang="en-IN" sz="2000" dirty="0"/>
-          </a:p>
-          <a:p>
-            <a:endParaRPr lang="en-IN" sz="2000" dirty="0" smtClean="0"/>
-          </a:p>
-          <a:p>
-            <a:r>
-              <a:rPr lang="en-IN" sz="2000" dirty="0" smtClean="0"/>
-              <a:t>Software development for Applications</a:t>
-            </a:r>
-          </a:p>
-          <a:p>
-            <a:endParaRPr lang="en-IN" sz="2000" dirty="0"/>
-          </a:p>
-          <a:p>
-            <a:r>
-              <a:rPr lang="en-IN" sz="2000" dirty="0"/>
-              <a:t>GDB and Wireshark tool may be used during testing / debugging</a:t>
-            </a:r>
-            <a:endParaRPr lang="en-US" sz="2000" dirty="0"/>
-          </a:p>
-          <a:p>
-            <a:endParaRPr lang="en-US" sz="2000" dirty="0"/>
-          </a:p>
-          <a:p>
-            <a:endParaRPr lang="en-US" sz="2000" dirty="0">
-              <a:latin typeface="Times New Roman" panose="02020603050405020304" pitchFamily="18" charset="0"/>
-              <a:cs typeface="Times New Roman" panose="02020603050405020304" pitchFamily="18" charset="0"/>
-            </a:endParaRPr>
-          </a:p>
-        </p:txBody>
-      </p:sp>
-      <p:sp>
-        <p:nvSpPr>
-          <p:cNvPr id="4" name="Date Placeholder 3"/>
-          <p:cNvSpPr>
-            <a:spLocks noGrp="1"/>
-          </p:cNvSpPr>
-          <p:nvPr>
-            <p:ph type="dt" sz="half" idx="10"/>
-          </p:nvPr>
-        </p:nvSpPr>
-        <p:spPr/>
-        <p:txBody>
-          <a:bodyPr/>
-          <a:lstStyle/>
-          <a:p>
-            <a:fld id="{05229871-6294-4FDC-ADFB-03568C29F7D6}" type="datetime1">
-              <a:rPr lang="en-US" smtClean="0"/>
-              <a:t>21-Sep-21</a:t>
-            </a:fld>
-            <a:endParaRPr lang="en-US"/>
-          </a:p>
-        </p:txBody>
-      </p:sp>
-      <p:sp>
-        <p:nvSpPr>
-          <p:cNvPr id="5" name="Footer Placeholder 4"/>
-          <p:cNvSpPr>
-            <a:spLocks noGrp="1"/>
-          </p:cNvSpPr>
-          <p:nvPr>
-            <p:ph type="ftr" sz="quarter" idx="11"/>
-          </p:nvPr>
-        </p:nvSpPr>
-        <p:spPr/>
-        <p:txBody>
-          <a:bodyPr/>
-          <a:lstStyle/>
-          <a:p>
-            <a:r>
-              <a:rPr lang="en-US" smtClean="0"/>
-              <a:t>Dept. of ECE, NMIT, Bangalore-64</a:t>
-            </a:r>
-            <a:endParaRPr lang="en-US"/>
-          </a:p>
-        </p:txBody>
-      </p:sp>
-      <p:sp>
-        <p:nvSpPr>
-          <p:cNvPr id="6" name="Slide Number Placeholder 5"/>
-          <p:cNvSpPr>
-            <a:spLocks noGrp="1"/>
-          </p:cNvSpPr>
-          <p:nvPr>
-            <p:ph type="sldNum" sz="quarter" idx="12"/>
-          </p:nvPr>
-        </p:nvSpPr>
-        <p:spPr/>
-        <p:txBody>
-          <a:bodyPr/>
-          <a:lstStyle/>
-          <a:p>
-            <a:fld id="{B6F15528-21DE-4FAA-801E-634DDDAF4B2B}" type="slidenum">
-              <a:rPr lang="en-US" smtClean="0"/>
-              <a:pPr/>
-              <a:t>14</a:t>
-            </a:fld>
-            <a:endParaRPr lang="en-US"/>
-          </a:p>
-        </p:txBody>
-      </p:sp>
-      <p:sp>
-        <p:nvSpPr>
-          <p:cNvPr id="7" name="Title 1"/>
-          <p:cNvSpPr>
-            <a:spLocks noGrp="1"/>
-          </p:cNvSpPr>
-          <p:nvPr>
-            <p:ph type="title"/>
-          </p:nvPr>
-        </p:nvSpPr>
-        <p:spPr>
-          <a:xfrm>
-            <a:off x="457200" y="152400"/>
-            <a:ext cx="8229600" cy="1143000"/>
-          </a:xfrm>
           <a:solidFill>
             <a:srgbClr val="0000FF"/>
           </a:solidFill>
@@ -6299,6 +6246,16 @@
           </a:bodyPr>
           <a:lstStyle/>
           <a:p>
+            <a:r>
+              <a:rPr lang="en-US" sz="3600" b="1" dirty="0">
+                <a:solidFill>
+                  <a:schemeClr val="bg1"/>
+                </a:solidFill>
+                <a:latin typeface="Times New Roman" panose="02020603050405020304" pitchFamily="18" charset="0"/>
+                <a:cs typeface="Times New Roman" panose="02020603050405020304" pitchFamily="18" charset="0"/>
+              </a:rPr>
+              <a:t>Basic </a:t>
+            </a:r>
             <a:r>
               <a:rPr lang="en-US" sz="3600" b="1" dirty="0" smtClean="0">
                 <a:solidFill>
@@ -6307,7 +6264,7 @@
                 <a:latin typeface="Times New Roman" panose="02020603050405020304" pitchFamily="18" charset="0"/>
                 <a:cs typeface="Times New Roman" panose="02020603050405020304" pitchFamily="18" charset="0"/>
               </a:rPr>
-              <a:t>Tools Required</a:t>
+              <a:t>Architecture</a:t>
             </a:r>
             <a:endParaRPr lang="en-US" sz="3600" b="1" dirty="0">
               <a:solidFill>
@@ -6319,16 +6276,298 @@
           </a:p>
         </p:txBody>
       </p:sp>
+      <p:sp>
+        <p:nvSpPr>
+          <p:cNvPr id="4" name="Date Placeholder 3"/>
+          <p:cNvSpPr>
+            <a:spLocks noGrp="1"/>
+          </p:cNvSpPr>
+          <p:nvPr>
+            <p:ph type="dt" sz="half" idx="10"/>
+          </p:nvPr>
+        </p:nvSpPr>
+        <p:spPr/>
+        <p:txBody>
+          <a:bodyPr/>
+          <a:lstStyle/>
+          <a:p>
+            <a:r>
+              <a:rPr lang="en-US" dirty="0" smtClean="0">
+                <a:latin typeface="Times New Roman" pitchFamily="18" charset="0"/>
+                <a:cs typeface="Times New Roman" pitchFamily="18" charset="0"/>
+              </a:rPr>
+              <a:t>17-Aug-21</a:t>
+            </a:r>
+            <a:endParaRPr lang="en-US" dirty="0">
+              <a:latin typeface="Times New Roman" pitchFamily="18" charset="0"/>
+              <a:cs typeface="Times New Roman" pitchFamily="18" charset="0"/>
+            </a:endParaRPr>
+          </a:p>
+        </p:txBody>
+      </p:sp>
+      <p:sp>
+        <p:nvSpPr>
+          <p:cNvPr id="5" name="Footer Placeholder 4"/>
+          <p:cNvSpPr>
+            <a:spLocks noGrp="1"/>
+          </p:cNvSpPr>
+          <p:nvPr>
+            <p:ph type="ftr" sz="quarter" idx="11"/>
+          </p:nvPr>
+        </p:nvSpPr>
+        <p:spPr/>
+        <p:txBody>
+          <a:bodyPr/>
+          <a:lstStyle/>
+          <a:p>
+            <a:r>
+              <a:rPr lang="en-US" dirty="0">
+                <a:latin typeface="Times New Roman" pitchFamily="18" charset="0"/>
+                <a:cs typeface="Times New Roman" pitchFamily="18" charset="0"/>
+              </a:rPr>
+              <a:t>Dept. of ECE, NMIT, Bangalore-64</a:t>
+            </a:r>
+          </a:p>
+        </p:txBody>
+      </p:sp>
+      <p:sp>
+        <p:nvSpPr>
+          <p:cNvPr id="6" name="Slide Number Placeholder 5"/>
+          <p:cNvSpPr>
+            <a:spLocks noGrp="1"/>
+          </p:cNvSpPr>
+          <p:nvPr>
+            <p:ph type="sldNum" sz="quarter" idx="12"/>
+          </p:nvPr>
+        </p:nvSpPr>
+        <p:spPr/>
+        <p:txBody>
+          <a:bodyPr/>
+          <a:lstStyle/>
+          <a:p>
+            <a:fld id="{B6F15528-21DE-4FAA-801E-634DDDAF4B2B}" type="slidenum">
+              <a:rPr lang="en-US" smtClean="0"/>
+              <a:pPr/>
+              <a:t>14</a:t>
+            </a:fld>
+            <a:endParaRPr lang="en-US" dirty="0"/>
+          </a:p>
+        </p:txBody>
+      </p:sp>
+      <p:sp>
+        <p:nvSpPr>
+          <p:cNvPr id="7" name="Content Placeholder 6"/>
+          <p:cNvSpPr>
+            <a:spLocks noGrp="1"/>
+          </p:cNvSpPr>
+          <p:nvPr>
+            <p:ph idx="1"/>
+          </p:nvPr>
+        </p:nvSpPr>
+        <p:spPr/>
+        <p:txBody>
+          <a:bodyPr/>
+          <a:lstStyle/>
+          <a:p>
+            <a:r>
+              <a:rPr lang="en-US" sz="1600" dirty="0" smtClean="0">
+                <a:latin typeface="Times New Roman" panose="02020603050405020304" pitchFamily="18" charset="0"/>
+                <a:cs typeface="Times New Roman" panose="02020603050405020304" pitchFamily="18" charset="0"/>
+              </a:rPr>
+              <a:t>Three Hosts on LAN</a:t>
+            </a:r>
+          </a:p>
+          <a:p>
+            <a:pPr lvl="1"/>
+            <a:r>
+              <a:rPr lang="en-US" sz="1600" dirty="0" smtClean="0">
+                <a:latin typeface="Times New Roman" panose="02020603050405020304" pitchFamily="18" charset="0"/>
+                <a:cs typeface="Times New Roman" panose="02020603050405020304" pitchFamily="18" charset="0"/>
+              </a:rPr>
+              <a:t>Host1  </a:t>
+            </a:r>
+            <a:r>
+              <a:rPr lang="en-IN" sz="1600" dirty="0">
+                <a:latin typeface="Times New Roman" panose="02020603050405020304" pitchFamily="18" charset="0"/>
+                <a:cs typeface="Times New Roman" panose="02020603050405020304" pitchFamily="18" charset="0"/>
+              </a:rPr>
+              <a:t>IPv4/IPv6 (LAN interface should have both IPv4 and IPv6 addresses)</a:t>
+            </a:r>
+            <a:endParaRPr lang="en-US" sz="1600" dirty="0">
+              <a:latin typeface="Times New Roman" panose="02020603050405020304" pitchFamily="18" charset="0"/>
+              <a:cs typeface="Times New Roman" panose="02020603050405020304" pitchFamily="18" charset="0"/>
+            </a:endParaRPr>
+          </a:p>
+          <a:p>
+            <a:pPr lvl="1"/>
+            <a:r>
+              <a:rPr lang="en-IN" sz="1600" dirty="0">
+                <a:latin typeface="Times New Roman" panose="02020603050405020304" pitchFamily="18" charset="0"/>
+                <a:cs typeface="Times New Roman" panose="02020603050405020304" pitchFamily="18" charset="0"/>
+              </a:rPr>
+              <a:t>Host 2 IPv4</a:t>
+            </a:r>
+            <a:endParaRPr lang="en-US" sz="1600" dirty="0">
+              <a:latin typeface="Times New Roman" panose="02020603050405020304" pitchFamily="18" charset="0"/>
+              <a:cs typeface="Times New Roman" panose="02020603050405020304" pitchFamily="18" charset="0"/>
+            </a:endParaRPr>
+          </a:p>
+          <a:p>
+            <a:pPr lvl="1"/>
+            <a:r>
+              <a:rPr lang="en-IN" sz="1600" dirty="0">
+                <a:latin typeface="Times New Roman" panose="02020603050405020304" pitchFamily="18" charset="0"/>
+                <a:cs typeface="Times New Roman" panose="02020603050405020304" pitchFamily="18" charset="0"/>
+              </a:rPr>
+              <a:t>Host 3 </a:t>
+            </a:r>
+            <a:r>
+              <a:rPr lang="en-IN" sz="1600" dirty="0" smtClean="0">
+                <a:latin typeface="Times New Roman" panose="02020603050405020304" pitchFamily="18" charset="0"/>
+                <a:cs typeface="Times New Roman" panose="02020603050405020304" pitchFamily="18" charset="0"/>
+              </a:rPr>
+              <a:t>IPv6</a:t>
+            </a:r>
+            <a:endParaRPr lang="en-US" sz="1600" dirty="0">
+              <a:latin typeface="Times New Roman" panose="02020603050405020304" pitchFamily="18" charset="0"/>
+              <a:cs typeface="Times New Roman" panose="02020603050405020304" pitchFamily="18" charset="0"/>
+            </a:endParaRPr>
+          </a:p>
+          <a:p>
+            <a:r>
+              <a:rPr lang="en-IN" sz="1600" dirty="0">
+                <a:latin typeface="Times New Roman" panose="02020603050405020304" pitchFamily="18" charset="0"/>
+                <a:cs typeface="Times New Roman" panose="02020603050405020304" pitchFamily="18" charset="0"/>
+              </a:rPr>
+              <a:t>H</a:t>
+            </a:r>
+            <a:r>
+              <a:rPr lang="en-IN" sz="1600" dirty="0" smtClean="0">
+                <a:latin typeface="Times New Roman" panose="02020603050405020304" pitchFamily="18" charset="0"/>
+                <a:cs typeface="Times New Roman" panose="02020603050405020304" pitchFamily="18" charset="0"/>
+              </a:rPr>
+              <a:t>ost </a:t>
+            </a:r>
+            <a:r>
+              <a:rPr lang="en-IN" sz="1600" dirty="0">
+                <a:latin typeface="Times New Roman" panose="02020603050405020304" pitchFamily="18" charset="0"/>
+                <a:cs typeface="Times New Roman" panose="02020603050405020304" pitchFamily="18" charset="0"/>
+              </a:rPr>
+              <a:t>1  -</a:t>
+            </a:r>
+            <a:endParaRPr lang="en-US" sz="1600" dirty="0">
+              <a:latin typeface="Times New Roman" panose="02020603050405020304" pitchFamily="18" charset="0"/>
+              <a:cs typeface="Times New Roman" panose="02020603050405020304" pitchFamily="18" charset="0"/>
+            </a:endParaRPr>
+          </a:p>
+          <a:p>
+            <a:pPr lvl="1"/>
+            <a:r>
+              <a:rPr lang="en-IN" sz="1600" dirty="0">
+                <a:latin typeface="Times New Roman" panose="02020603050405020304" pitchFamily="18" charset="0"/>
+                <a:cs typeface="Times New Roman" panose="02020603050405020304" pitchFamily="18" charset="0"/>
+              </a:rPr>
+              <a:t>One server for NMIT seminar hall booking application (using IPv4</a:t>
+            </a:r>
+            <a:r>
+              <a:rPr lang="en-IN" sz="1600" dirty="0" smtClean="0">
+                <a:latin typeface="Times New Roman" panose="02020603050405020304" pitchFamily="18" charset="0"/>
+                <a:cs typeface="Times New Roman" panose="02020603050405020304" pitchFamily="18" charset="0"/>
+              </a:rPr>
+              <a:t>)</a:t>
+            </a:r>
+          </a:p>
+          <a:p>
+            <a:pPr lvl="1"/>
+            <a:r>
+              <a:rPr lang="en-IN" sz="1600" dirty="0">
+                <a:latin typeface="Times New Roman" panose="02020603050405020304" pitchFamily="18" charset="0"/>
+                <a:cs typeface="Times New Roman" panose="02020603050405020304" pitchFamily="18" charset="0"/>
+              </a:rPr>
+              <a:t>Second server for application -  NMIT IP IVR (interactive voice response) system (using IPv6)</a:t>
+            </a:r>
+          </a:p>
+          <a:p>
+            <a:pPr lvl="1"/>
+            <a:r>
+              <a:rPr lang="en-IN" sz="1600" dirty="0">
+                <a:latin typeface="Times New Roman" panose="02020603050405020304" pitchFamily="18" charset="0"/>
+                <a:cs typeface="Times New Roman" panose="02020603050405020304" pitchFamily="18" charset="0"/>
+              </a:rPr>
+              <a:t>Both servers will be running at the same time</a:t>
+            </a:r>
+          </a:p>
+          <a:p>
+            <a:r>
+              <a:rPr lang="en-IN" sz="1600" dirty="0">
+                <a:latin typeface="Times New Roman" panose="02020603050405020304" pitchFamily="18" charset="0"/>
+                <a:cs typeface="Times New Roman" panose="02020603050405020304" pitchFamily="18" charset="0"/>
+              </a:rPr>
+              <a:t>Host 2 </a:t>
+            </a:r>
+          </a:p>
+          <a:p>
+            <a:pPr lvl="1"/>
+            <a:r>
+              <a:rPr lang="en-IN" sz="1600" dirty="0">
+                <a:latin typeface="Times New Roman" panose="02020603050405020304" pitchFamily="18" charset="0"/>
+                <a:cs typeface="Times New Roman" panose="02020603050405020304" pitchFamily="18" charset="0"/>
+              </a:rPr>
+              <a:t>One client for NMIT seminar hall booking application (using IPv4)</a:t>
+            </a:r>
+            <a:endParaRPr lang="en-US" sz="1600" dirty="0">
+              <a:latin typeface="Times New Roman" panose="02020603050405020304" pitchFamily="18" charset="0"/>
+              <a:cs typeface="Times New Roman" panose="02020603050405020304" pitchFamily="18" charset="0"/>
+            </a:endParaRPr>
+          </a:p>
+          <a:p>
+            <a:r>
+              <a:rPr lang="en-IN" sz="1600" dirty="0">
+                <a:latin typeface="Times New Roman" panose="02020603050405020304" pitchFamily="18" charset="0"/>
+                <a:cs typeface="Times New Roman" panose="02020603050405020304" pitchFamily="18" charset="0"/>
+              </a:rPr>
+              <a:t>Host 3 </a:t>
+            </a:r>
+          </a:p>
+          <a:p>
+            <a:pPr lvl="1"/>
+            <a:r>
+              <a:rPr lang="en-IN" sz="1600" dirty="0">
+                <a:latin typeface="Times New Roman" panose="02020603050405020304" pitchFamily="18" charset="0"/>
+                <a:cs typeface="Times New Roman" panose="02020603050405020304" pitchFamily="18" charset="0"/>
+              </a:rPr>
+              <a:t>One client for application - NMIT IP IVR(interactive voice response)  system (using IPv6)</a:t>
+            </a:r>
+            <a:endParaRPr lang="en-US" sz="1600" dirty="0">
+              <a:latin typeface="Times New Roman" panose="02020603050405020304" pitchFamily="18" charset="0"/>
+              <a:cs typeface="Times New Roman" panose="02020603050405020304" pitchFamily="18" charset="0"/>
+            </a:endParaRPr>
+          </a:p>
+          <a:p>
+            <a:pPr marL="457200" lvl="1" indent="0">
+              <a:buNone/>
+            </a:pPr>
+            <a:endParaRPr lang="en-US" dirty="0" smtClean="0"/>
+          </a:p>
+        </p:txBody>
+      </p:sp>
     </p:spTree>
     <p:extLst>
       <p:ext uri="{BB962C8B-B14F-4D97-AF65-F5344CB8AC3E}">
-        <p14:creationId xmlns:p14="http://schemas.microsoft.com/office/powerpoint/2010/main" val="4290820194"/>
+        <p14:creationId xmlns:p14="http://schemas.microsoft.com/office/powerpoint/2010/main" val="4182899405"/>
       </p:ext>
     </p:extLst>
   </p:cSld>
   <p:clrMapOvr>
     <a:masterClrMapping/>
   </p:clrMapOvr>
+  <p:timing>
+    <p:tnLst>
+      <p:par>
+        <p:cTn id="1" dur="indefinite" restart="never" nodeType="tmRoot"/>
+      </p:par>
+    </p:tnLst>
+  </p:timing>
 </p:sld>
 </file>
 
@@ -6351,6 +6590,246 @@
       </p:grpSpPr>
       <p:sp>
         <p:nvSpPr>
+          <p:cNvPr id="3" name="Content Placeholder 2"/>
+          <p:cNvSpPr>
+            <a:spLocks noGrp="1"/>
+          </p:cNvSpPr>
+          <p:nvPr>
+            <p:ph idx="1"/>
+          </p:nvPr>
+        </p:nvSpPr>
+        <p:spPr>
+          <a:xfrm>
+            <a:off x="457200" y="1654175"/>
+            <a:ext cx="8229600" cy="4343400"/>
+          </a:xfrm>
+        </p:spPr>
+        <p:txBody>
+          <a:bodyPr>
+            <a:normAutofit/>
+          </a:bodyPr>
+          <a:lstStyle/>
+          <a:p>
+            <a:r>
+              <a:rPr lang="en-IN" sz="2000" dirty="0"/>
+              <a:t>Two Linux desktops/laptops, One </a:t>
+            </a:r>
+            <a:r>
+              <a:rPr lang="en-IN" sz="2000" dirty="0" smtClean="0"/>
+              <a:t>Raspberry Pi </a:t>
+            </a:r>
+            <a:r>
+              <a:rPr lang="en-IN" sz="2000" dirty="0"/>
+              <a:t>board</a:t>
+            </a:r>
+            <a:endParaRPr lang="en-US" sz="2000" dirty="0"/>
+          </a:p>
+          <a:p>
+            <a:endParaRPr lang="en-US" sz="2000" dirty="0" smtClean="0">
+              <a:latin typeface="Times New Roman" panose="02020603050405020304" pitchFamily="18" charset="0"/>
+              <a:cs typeface="Times New Roman" panose="02020603050405020304" pitchFamily="18" charset="0"/>
+            </a:endParaRPr>
+          </a:p>
+          <a:p>
+            <a:r>
+              <a:rPr lang="en-IN" sz="2000" dirty="0"/>
+              <a:t>C or </a:t>
+            </a:r>
+            <a:r>
+              <a:rPr lang="en-IN" sz="2000" dirty="0" smtClean="0"/>
+              <a:t>Python</a:t>
+            </a:r>
+          </a:p>
+          <a:p>
+            <a:endParaRPr lang="en-IN" sz="2000" dirty="0">
+              <a:latin typeface="Times New Roman" panose="02020603050405020304" pitchFamily="18" charset="0"/>
+              <a:cs typeface="Times New Roman" panose="02020603050405020304" pitchFamily="18" charset="0"/>
+            </a:endParaRPr>
+          </a:p>
+          <a:p>
+            <a:r>
+              <a:rPr lang="en-IN" sz="2000" dirty="0"/>
+              <a:t>Socket programming </a:t>
+            </a:r>
+            <a:endParaRPr lang="en-IN" sz="2000" dirty="0"/>
+          </a:p>
+          <a:p>
+            <a:endParaRPr lang="en-IN" sz="2000" dirty="0" smtClean="0"/>
+          </a:p>
+          <a:p>
+            <a:r>
+              <a:rPr lang="en-IN" sz="2000" dirty="0" smtClean="0"/>
+              <a:t>Software development for Applications</a:t>
+            </a:r>
+          </a:p>
+          <a:p>
+            <a:endParaRPr lang="en-IN" sz="2000" dirty="0"/>
+          </a:p>
+          <a:p>
+            <a:r>
+              <a:rPr lang="en-IN" sz="2000" dirty="0"/>
+              <a:t>GDB and Wireshark tool may be used during testing / debugging</a:t>
+            </a:r>
+            <a:endParaRPr lang="en-US" sz="2000" dirty="0"/>
+          </a:p>
+          <a:p>
+            <a:endParaRPr lang="en-US" sz="2000" dirty="0"/>
+          </a:p>
+          <a:p>
+            <a:endParaRPr lang="en-US" sz="2000" dirty="0">
+              <a:latin typeface="Times New Roman" panose="02020603050405020304" pitchFamily="18" charset="0"/>
+              <a:cs typeface="Times New Roman" panose="02020603050405020304" pitchFamily="18" charset="0"/>
+            </a:endParaRPr>
+          </a:p>
+        </p:txBody>
+      </p:sp>
+      <p:sp>
+        <p:nvSpPr>
+          <p:cNvPr id="4" name="Date Placeholder 3"/>
+          <p:cNvSpPr>
+            <a:spLocks noGrp="1"/>
+          </p:cNvSpPr>
+          <p:nvPr>
+            <p:ph type="dt" sz="half" idx="10"/>
+          </p:nvPr>
+        </p:nvSpPr>
+        <p:spPr/>
+        <p:txBody>
+          <a:bodyPr/>
+          <a:lstStyle/>
+          <a:p>
+            <a:fld id="{05229871-6294-4FDC-ADFB-03568C29F7D6}" type="datetime1">
+              <a:rPr lang="en-US" smtClean="0"/>
+              <a:t>21-Sep-21</a:t>
+            </a:fld>
+            <a:endParaRPr lang="en-US"/>
+          </a:p>
+        </p:txBody>
+      </p:sp>
+      <p:sp>
+        <p:nvSpPr>
+          <p:cNvPr id="5" name="Footer Placeholder 4"/>
+          <p:cNvSpPr>
+            <a:spLocks noGrp="1"/>
+          </p:cNvSpPr>
+          <p:nvPr>
+            <p:ph type="ftr" sz="quarter" idx="11"/>
+          </p:nvPr>
+        </p:nvSpPr>
+        <p:spPr/>
+        <p:txBody>
+          <a:bodyPr/>
+          <a:lstStyle/>
+          <a:p>
+            <a:r>
+              <a:rPr lang="en-US" smtClean="0"/>
+              <a:t>Dept. of ECE, NMIT, Bangalore-64</a:t>
+            </a:r>
+            <a:endParaRPr lang="en-US"/>
+          </a:p>
+        </p:txBody>
+      </p:sp>
+      <p:sp>
+        <p:nvSpPr>
+          <p:cNvPr id="6" name="Slide Number Placeholder 5"/>
+          <p:cNvSpPr>
+            <a:spLocks noGrp="1"/>
+          </p:cNvSpPr>
+          <p:nvPr>
+            <p:ph type="sldNum" sz="quarter" idx="12"/>
+          </p:nvPr>
+        </p:nvSpPr>
+        <p:spPr/>
+        <p:txBody>
+          <a:bodyPr/>
+          <a:lstStyle/>
+          <a:p>
+            <a:fld id="{B6F15528-21DE-4FAA-801E-634DDDAF4B2B}" type="slidenum">
+              <a:rPr lang="en-US" smtClean="0"/>
+              <a:pPr/>
+              <a:t>15</a:t>
+            </a:fld>
+            <a:endParaRPr lang="en-US"/>
+          </a:p>
+        </p:txBody>
+      </p:sp>
+      <p:sp>
+        <p:nvSpPr>
+          <p:cNvPr id="7" name="Title 1"/>
+          <p:cNvSpPr>
+            <a:spLocks noGrp="1"/>
+          </p:cNvSpPr>
+          <p:nvPr>
+            <p:ph type="title"/>
+          </p:nvPr>
+        </p:nvSpPr>
+        <p:spPr>
+          <a:xfrm>
+            <a:off x="457200" y="152400"/>
+            <a:ext cx="8229600" cy="1143000"/>
+          </a:xfrm>
+          <a:solidFill>
+            <a:srgbClr val="0000FF"/>
+          </a:solidFill>
+        </p:spPr>
+        <p:txBody>
+          <a:bodyPr>
+            <a:noAutofit/>
+          </a:bodyPr>
+          <a:lstStyle/>
+          <a:p>
+            <a:r>
+              <a:rPr lang="en-US" sz="3600" b="1" dirty="0" smtClean="0">
+                <a:solidFill>
+                  <a:schemeClr val="bg1"/>
+                </a:solidFill>
+                <a:latin typeface="Times New Roman" panose="02020603050405020304" pitchFamily="18" charset="0"/>
+                <a:cs typeface="Times New Roman" panose="02020603050405020304" pitchFamily="18" charset="0"/>
+              </a:rPr>
+              <a:t>Tools Required</a:t>
+            </a:r>
+            <a:endParaRPr lang="en-US" sz="3600" b="1" dirty="0">
+              <a:solidFill>
+                <a:schemeClr val="bg1"/>
+              </a:solidFill>
+              <a:latin typeface="Times New Roman" pitchFamily="18" charset="0"/>
+              <a:cs typeface="Times New Roman" pitchFamily="18" charset="0"/>
+            </a:endParaRPr>
+          </a:p>
+        </p:txBody>
+      </p:sp>
+    </p:spTree>
+    <p:extLst>
+      <p:ext uri="{BB962C8B-B14F-4D97-AF65-F5344CB8AC3E}">
+        <p14:creationId xmlns:p14="http://schemas.microsoft.com/office/powerpoint/2010/main" val="4290820194"/>
+      </p:ext>
+    </p:extLst>
+  </p:cSld>
+  <p:clrMapOvr>
+    <a:masterClrMapping/>
+  </p:clrMapOvr>
+</p:sld>
+</file>
+
+<file path=ppt/slides/slide16.xml><?xml version="1.0" encoding="utf-8"?>
+<p:sld xmlns:a="http://schemas.openxmlformats.org/drawingml/2006/main" xmlns:r="http://schemas.openxmlformats.org/officeDocument/2006/relationships" xmlns:p="http://schemas.openxmlformats.org/presentationml/2006/main">
+  <p:cSld>
+    <p:spTree>
+      <p:nvGrpSpPr>
+        <p:cNvPr id="1" name=""/>
+        <p:cNvGrpSpPr/>
+        <p:nvPr/>
+      </p:nvGrpSpPr>
+      <p:grpSpPr>
+        <a:xfrm>
+          <a:off x="0" y="0"/>
+          <a:ext cx="0" cy="0"/>
+          <a:chOff x="0" y="0"/>
+          <a:chExt cx="0" cy="0"/>
+        </a:xfrm>
+      </p:grpSpPr>
+      <p:sp>
+        <p:nvSpPr>
           <p:cNvPr id="4" name="Date Placeholder 3">
             <a:extLst>
               <a:ext uri="{FF2B5EF4-FFF2-40B4-BE49-F238E27FC236}">
@@ -6436,7 +6915,7 @@
             <a:fld id="{B6F15528-21DE-4FAA-801E-634DDDAF4B2B}" type="slidenum">
               <a:rPr lang="en-US" smtClean="0"/>
               <a:pPr/>
-              <a:t>15</a:t>
+              <a:t>16</a:t>
             </a:fld>
             <a:endParaRPr lang="en-US"/>
           </a:p>
@@ -7037,194 +7516,6 @@
 </p:sld>
 </file>
 
-<file path=ppt/slides/slide16.xml><?xml version="1.0" encoding="utf-8"?>
-<p:sld xmlns:a="http://schemas.openxmlformats.org/drawingml/2006/main" xmlns:r="http://schemas.openxmlformats.org/officeDocument/2006/relationships" xmlns:p="http://schemas.openxmlformats.org/presentationml/2006/main">
-  <p:cSld>
-    <p:spTree>
-      <p:nvGrpSpPr>
-        <p:cNvPr id="1" name=""/>
-        <p:cNvGrpSpPr/>
-        <p:nvPr/>
-      </p:nvGrpSpPr>
-      <p:grpSpPr>
-        <a:xfrm>
-          <a:off x="0" y="0"/>
-          <a:ext cx="0" cy="0"/>
-          <a:chOff x="0" y="0"/>
-          <a:chExt cx="0" cy="0"/>
-        </a:xfrm>
-      </p:grpSpPr>
-      <p:sp>
-        <p:nvSpPr>
-          <p:cNvPr id="2" name="Title 1"/>
-          <p:cNvSpPr>
-            <a:spLocks noGrp="1"/>
-          </p:cNvSpPr>
-          <p:nvPr>
-            <p:ph type="title"/>
-          </p:nvPr>
-        </p:nvSpPr>
-        <p:spPr>
-          <a:solidFill>
-            <a:srgbClr val="0000FF"/>
-          </a:solidFill>
-        </p:spPr>
-        <p:txBody>
-          <a:bodyPr>
-            <a:normAutofit/>
-          </a:bodyPr>
-          <a:lstStyle/>
-          <a:p>
-            <a:r>
-              <a:rPr lang="en-US" sz="3600" b="1" dirty="0" smtClean="0">
-                <a:solidFill>
-                  <a:schemeClr val="bg1"/>
-                </a:solidFill>
-                <a:latin typeface="Times New Roman" pitchFamily="18" charset="0"/>
-                <a:cs typeface="Times New Roman" pitchFamily="18" charset="0"/>
-              </a:rPr>
-              <a:t>Tools</a:t>
-            </a:r>
-            <a:endParaRPr lang="en-US" sz="3600" b="1" dirty="0">
-              <a:solidFill>
-                <a:schemeClr val="bg1"/>
-              </a:solidFill>
-              <a:latin typeface="Times New Roman" pitchFamily="18" charset="0"/>
-              <a:cs typeface="Times New Roman" pitchFamily="18" charset="0"/>
-            </a:endParaRPr>
-          </a:p>
-        </p:txBody>
-      </p:sp>
-      <p:sp>
-        <p:nvSpPr>
-          <p:cNvPr id="3" name="Content Placeholder 2"/>
-          <p:cNvSpPr>
-            <a:spLocks noGrp="1"/>
-          </p:cNvSpPr>
-          <p:nvPr>
-            <p:ph idx="1"/>
-          </p:nvPr>
-        </p:nvSpPr>
-        <p:spPr>
-          <a:xfrm>
-            <a:off x="457200" y="1600200"/>
-            <a:ext cx="8229600" cy="4343400"/>
-          </a:xfrm>
-        </p:spPr>
-        <p:txBody>
-          <a:bodyPr>
-            <a:normAutofit/>
-          </a:bodyPr>
-          <a:lstStyle/>
-          <a:p>
-            <a:pPr marL="457200" lvl="1" indent="0">
-              <a:buNone/>
-            </a:pPr>
-            <a:endParaRPr lang="en-US" sz="1600" dirty="0">
-              <a:latin typeface="Times New Roman" pitchFamily="18" charset="0"/>
-              <a:cs typeface="Times New Roman" pitchFamily="18" charset="0"/>
-            </a:endParaRPr>
-          </a:p>
-        </p:txBody>
-      </p:sp>
-      <p:sp>
-        <p:nvSpPr>
-          <p:cNvPr id="4" name="Date Placeholder 3"/>
-          <p:cNvSpPr>
-            <a:spLocks noGrp="1"/>
-          </p:cNvSpPr>
-          <p:nvPr>
-            <p:ph type="dt" sz="half" idx="10"/>
-          </p:nvPr>
-        </p:nvSpPr>
-        <p:spPr/>
-        <p:txBody>
-          <a:bodyPr/>
-          <a:lstStyle/>
-          <a:p>
-            <a:r>
-              <a:rPr lang="en-US" dirty="0" smtClean="0">
-                <a:latin typeface="Times New Roman" pitchFamily="18" charset="0"/>
-                <a:cs typeface="Times New Roman" pitchFamily="18" charset="0"/>
-              </a:rPr>
-              <a:t>17-Aug-21</a:t>
-            </a:r>
-            <a:endParaRPr lang="en-US" dirty="0">
-              <a:latin typeface="Times New Roman" pitchFamily="18" charset="0"/>
-              <a:cs typeface="Times New Roman" pitchFamily="18" charset="0"/>
-            </a:endParaRPr>
-          </a:p>
-        </p:txBody>
-      </p:sp>
-      <p:sp>
-        <p:nvSpPr>
-          <p:cNvPr id="5" name="Footer Placeholder 4"/>
-          <p:cNvSpPr>
-            <a:spLocks noGrp="1"/>
-          </p:cNvSpPr>
-          <p:nvPr>
-            <p:ph type="ftr" sz="quarter" idx="11"/>
-          </p:nvPr>
-        </p:nvSpPr>
-        <p:spPr/>
-        <p:txBody>
-          <a:bodyPr/>
-          <a:lstStyle/>
-          <a:p>
-            <a:r>
-              <a:rPr lang="en-US" dirty="0">
-                <a:latin typeface="Times New Roman" pitchFamily="18" charset="0"/>
-                <a:cs typeface="Times New Roman" pitchFamily="18" charset="0"/>
-              </a:rPr>
-              <a:t>Dept. of ECE, NMIT, Bangalore-64</a:t>
-            </a:r>
-          </a:p>
-        </p:txBody>
-      </p:sp>
-      <p:sp>
-        <p:nvSpPr>
-          <p:cNvPr id="6" name="Slide Number Placeholder 5"/>
-          <p:cNvSpPr>
-            <a:spLocks noGrp="1"/>
-          </p:cNvSpPr>
-          <p:nvPr>
-            <p:ph type="sldNum" sz="quarter" idx="12"/>
-          </p:nvPr>
-        </p:nvSpPr>
-        <p:spPr/>
-        <p:txBody>
-          <a:bodyPr/>
-          <a:lstStyle/>
-          <a:p>
-            <a:fld id="{B6F15528-21DE-4FAA-801E-634DDDAF4B2B}" type="slidenum">
-              <a:rPr lang="en-US" smtClean="0"/>
-              <a:pPr/>
-              <a:t>16</a:t>
-            </a:fld>
-            <a:endParaRPr lang="en-US"/>
-          </a:p>
-        </p:txBody>
-      </p:sp>
-    </p:spTree>
-    <p:extLst>
-      <p:ext uri="{BB962C8B-B14F-4D97-AF65-F5344CB8AC3E}">
-        <p14:creationId xmlns:p14="http://schemas.microsoft.com/office/powerpoint/2010/main" val="4182899405"/>
-      </p:ext>
-    </p:extLst>
-  </p:cSld>
-  <p:clrMapOvr>
-    <a:masterClrMapping/>
-  </p:clrMapOvr>
-  <p:timing>
-    <p:tnLst>
-      <p:par>
-        <p:cTn id="1" dur="indefinite" restart="never" nodeType="tmRoot"/>
-      </p:par>
-    </p:tnLst>
-  </p:timing>
-</p:sld>
-</file>
-
 <file path=ppt/slides/slide17.xml><?xml version="1.0" encoding="utf-8"?>
 <p:sld xmlns:a="http://schemas.openxmlformats.org/drawingml/2006/main" xmlns:r="http://schemas.openxmlformats.org/officeDocument/2006/relationships" xmlns:p="http://schemas.openxmlformats.org/presentationml/2006/main">
   <p:cSld>
@@ -7264,15 +7555,22 @@
           <a:lstStyle/>
           <a:p>
             <a:r>
-              <a:rPr lang="en-US" sz="3600" b="1" dirty="0">
+              <a:rPr lang="en-US" sz="3600" b="1" dirty="0" smtClean="0">
                 <a:solidFill>
                   <a:schemeClr val="bg1"/>
                 </a:solidFill>
                 <a:latin typeface="Times New Roman" pitchFamily="18" charset="0"/>
                 <a:cs typeface="Times New Roman" pitchFamily="18" charset="0"/>
               </a:rPr>
-              <a:t>Project Objectives</a:t>
-            </a:r>
+              <a:t>Tools</a:t>
+            </a:r>
+            <a:endParaRPr lang="en-US" sz="3600" b="1" dirty="0">
+              <a:solidFill>
+                <a:schemeClr val="bg1"/>
+              </a:solidFill>
+              <a:latin typeface="Times New Roman" pitchFamily="18" charset="0"/>
+              <a:cs typeface="Times New Roman" pitchFamily="18" charset="0"/>
+            </a:endParaRPr>
           </a:p>
         </p:txBody>
       </p:sp>
@@ -7297,285 +7595,6 @@
             <a:normAutofit/>
           </a:bodyPr>
           <a:lstStyle/>
-          <a:p>
-            <a:pPr marL="0" indent="0">
-              <a:buNone/>
-            </a:pPr>
-            <a:r>
-              <a:rPr lang="en-US" sz="2000" dirty="0">
-                <a:latin typeface="Times New Roman" panose="02020603050405020304" pitchFamily="18" charset="0"/>
-                <a:cs typeface="Times New Roman" pitchFamily="18" charset="0"/>
-              </a:rPr>
-              <a:t>The following are the proposed objectives of the project based on the research gaps:</a:t>
-            </a:r>
-          </a:p>
-          <a:p>
-            <a:pPr marL="0" indent="0">
-              <a:lnSpc>
-                <a:spcPct val="150000"/>
-              </a:lnSpc>
-              <a:spcAft>
-                <a:spcPts val="1000"/>
-              </a:spcAft>
-              <a:buNone/>
-            </a:pPr>
-            <a:endParaRPr lang="en-US" sz="1600" dirty="0">
-              <a:latin typeface="Times New Roman" panose="02020603050405020304" pitchFamily="18" charset="0"/>
-              <a:ea typeface="Calibri" panose="020F0502020204030204" pitchFamily="34" charset="0"/>
-              <a:cs typeface="Times New Roman" panose="02020603050405020304" pitchFamily="18" charset="0"/>
-            </a:endParaRPr>
-          </a:p>
-          <a:p>
-            <a:pPr>
-              <a:lnSpc>
-                <a:spcPct val="150000"/>
-              </a:lnSpc>
-              <a:spcAft>
-                <a:spcPts val="1000"/>
-              </a:spcAft>
-            </a:pPr>
-            <a:r>
-              <a:rPr lang="en-US" sz="1600" dirty="0" smtClean="0">
-                <a:latin typeface="Times New Roman" panose="02020603050405020304" pitchFamily="18" charset="0"/>
-                <a:ea typeface="Calibri" panose="020F0502020204030204" pitchFamily="34" charset="0"/>
-                <a:cs typeface="Times New Roman" panose="02020603050405020304" pitchFamily="18" charset="0"/>
-              </a:rPr>
-              <a:t>To </a:t>
-            </a:r>
-            <a:r>
-              <a:rPr lang="en-US" sz="1600" dirty="0" smtClean="0">
-                <a:effectLst/>
-                <a:latin typeface="Times New Roman" panose="02020603050405020304" pitchFamily="18" charset="0"/>
-                <a:ea typeface="Calibri" panose="020F0502020204030204" pitchFamily="34" charset="0"/>
-                <a:cs typeface="Times New Roman" panose="02020603050405020304" pitchFamily="18" charset="0"/>
-              </a:rPr>
-              <a:t>Implement  </a:t>
-            </a:r>
-            <a:r>
-              <a:rPr lang="en-US" sz="1600" dirty="0">
-                <a:effectLst/>
-                <a:latin typeface="Times New Roman" panose="02020603050405020304" pitchFamily="18" charset="0"/>
-                <a:ea typeface="Calibri" panose="020F0502020204030204" pitchFamily="34" charset="0"/>
-                <a:cs typeface="Times New Roman" panose="02020603050405020304" pitchFamily="18" charset="0"/>
-              </a:rPr>
-              <a:t>client server programming on dual stack host</a:t>
-            </a:r>
-            <a:endParaRPr lang="en-IN" sz="1600" dirty="0">
-              <a:effectLst/>
-              <a:latin typeface="Times New Roman" panose="02020603050405020304" pitchFamily="18" charset="0"/>
-              <a:ea typeface="Calibri" panose="020F0502020204030204" pitchFamily="34" charset="0"/>
-              <a:cs typeface="Times New Roman" panose="02020603050405020304" pitchFamily="18" charset="0"/>
-            </a:endParaRPr>
-          </a:p>
-          <a:p>
-            <a:pPr>
-              <a:lnSpc>
-                <a:spcPct val="150000"/>
-              </a:lnSpc>
-              <a:spcAft>
-                <a:spcPts val="1000"/>
-              </a:spcAft>
-            </a:pPr>
-            <a:r>
-              <a:rPr lang="en-US" sz="1600" dirty="0">
-                <a:effectLst/>
-                <a:latin typeface="Times New Roman" panose="02020603050405020304" pitchFamily="18" charset="0"/>
-                <a:ea typeface="Calibri" panose="020F0502020204030204" pitchFamily="34" charset="0"/>
-                <a:cs typeface="Times New Roman" panose="02020603050405020304" pitchFamily="18" charset="0"/>
-              </a:rPr>
-              <a:t>Dual stack host running two server </a:t>
-            </a:r>
-            <a:r>
-              <a:rPr lang="en-US" sz="1600" dirty="0" smtClean="0">
-                <a:effectLst/>
-                <a:latin typeface="Times New Roman" panose="02020603050405020304" pitchFamily="18" charset="0"/>
-                <a:ea typeface="Calibri" panose="020F0502020204030204" pitchFamily="34" charset="0"/>
-                <a:cs typeface="Times New Roman" panose="02020603050405020304" pitchFamily="18" charset="0"/>
-              </a:rPr>
-              <a:t>programs</a:t>
-            </a:r>
-            <a:r>
-              <a:rPr lang="en-IN" sz="1600" dirty="0">
-                <a:latin typeface="Times New Roman" panose="02020603050405020304" pitchFamily="18" charset="0"/>
-                <a:ea typeface="Calibri" panose="020F0502020204030204" pitchFamily="34" charset="0"/>
-                <a:cs typeface="Times New Roman" panose="02020603050405020304" pitchFamily="18" charset="0"/>
-              </a:rPr>
-              <a:t/>
-            </a:r>
-            <a:br>
-              <a:rPr lang="en-IN" sz="1600" dirty="0">
-                <a:latin typeface="Times New Roman" panose="02020603050405020304" pitchFamily="18" charset="0"/>
-                <a:ea typeface="Calibri" panose="020F0502020204030204" pitchFamily="34" charset="0"/>
-                <a:cs typeface="Times New Roman" panose="02020603050405020304" pitchFamily="18" charset="0"/>
-              </a:rPr>
-            </a:br>
-            <a:r>
-              <a:rPr lang="en-US" sz="1600" dirty="0" smtClean="0">
-                <a:effectLst/>
-                <a:latin typeface="Times New Roman" panose="02020603050405020304" pitchFamily="18" charset="0"/>
-                <a:ea typeface="Calibri" panose="020F0502020204030204" pitchFamily="34" charset="0"/>
-                <a:cs typeface="Times New Roman" panose="02020603050405020304" pitchFamily="18" charset="0"/>
-              </a:rPr>
-              <a:t>Ipv4 </a:t>
-            </a:r>
-            <a:r>
-              <a:rPr lang="en-US" sz="1600" dirty="0">
-                <a:effectLst/>
-                <a:latin typeface="Times New Roman" panose="02020603050405020304" pitchFamily="18" charset="0"/>
-                <a:ea typeface="Calibri" panose="020F0502020204030204" pitchFamily="34" charset="0"/>
-                <a:cs typeface="Times New Roman" panose="02020603050405020304" pitchFamily="18" charset="0"/>
-              </a:rPr>
-              <a:t>client </a:t>
-            </a:r>
-            <a:r>
-              <a:rPr lang="en-US" sz="1600" dirty="0" smtClean="0">
-                <a:effectLst/>
-                <a:latin typeface="Times New Roman" panose="02020603050405020304" pitchFamily="18" charset="0"/>
-                <a:ea typeface="Calibri" panose="020F0502020204030204" pitchFamily="34" charset="0"/>
-                <a:cs typeface="Times New Roman" panose="02020603050405020304" pitchFamily="18" charset="0"/>
-              </a:rPr>
-              <a:t>(</a:t>
-            </a:r>
-            <a:r>
-              <a:rPr lang="en-US" sz="1600" dirty="0">
-                <a:latin typeface="Times New Roman" panose="02020603050405020304" pitchFamily="18" charset="0"/>
-                <a:ea typeface="Calibri" panose="020F0502020204030204" pitchFamily="34" charset="0"/>
-                <a:cs typeface="Times New Roman" panose="02020603050405020304" pitchFamily="18" charset="0"/>
-              </a:rPr>
-              <a:t>VoIP,  udp)</a:t>
-            </a:r>
-            <a:r>
-              <a:rPr lang="en-US" sz="1600" dirty="0">
-                <a:effectLst/>
-                <a:latin typeface="Times New Roman" panose="02020603050405020304" pitchFamily="18" charset="0"/>
-                <a:ea typeface="Calibri" panose="020F0502020204030204" pitchFamily="34" charset="0"/>
-                <a:cs typeface="Times New Roman" panose="02020603050405020304" pitchFamily="18" charset="0"/>
-              </a:rPr>
-              <a:t> </a:t>
-            </a:r>
-            <a:r>
-              <a:rPr lang="en-IN" sz="1600" dirty="0">
-                <a:latin typeface="Times New Roman" panose="02020603050405020304" pitchFamily="18" charset="0"/>
-                <a:ea typeface="Calibri" panose="020F0502020204030204" pitchFamily="34" charset="0"/>
-                <a:cs typeface="Times New Roman" panose="02020603050405020304" pitchFamily="18" charset="0"/>
-              </a:rPr>
-              <a:t/>
-            </a:r>
-            <a:br>
-              <a:rPr lang="en-IN" sz="1600" dirty="0">
-                <a:latin typeface="Times New Roman" panose="02020603050405020304" pitchFamily="18" charset="0"/>
-                <a:ea typeface="Calibri" panose="020F0502020204030204" pitchFamily="34" charset="0"/>
-                <a:cs typeface="Times New Roman" panose="02020603050405020304" pitchFamily="18" charset="0"/>
-              </a:rPr>
-            </a:br>
-            <a:r>
-              <a:rPr lang="en-US" sz="1600" dirty="0" smtClean="0">
-                <a:effectLst/>
-                <a:latin typeface="Times New Roman" panose="02020603050405020304" pitchFamily="18" charset="0"/>
-                <a:ea typeface="Calibri" panose="020F0502020204030204" pitchFamily="34" charset="0"/>
-                <a:cs typeface="Times New Roman" panose="02020603050405020304" pitchFamily="18" charset="0"/>
-              </a:rPr>
-              <a:t>Ipv6  </a:t>
-            </a:r>
-            <a:r>
-              <a:rPr lang="en-US" sz="1600" dirty="0">
-                <a:effectLst/>
-                <a:latin typeface="Times New Roman" panose="02020603050405020304" pitchFamily="18" charset="0"/>
-                <a:ea typeface="Calibri" panose="020F0502020204030204" pitchFamily="34" charset="0"/>
-                <a:cs typeface="Times New Roman" panose="02020603050405020304" pitchFamily="18" charset="0"/>
-              </a:rPr>
-              <a:t>client </a:t>
-            </a:r>
-            <a:r>
-              <a:rPr lang="en-US" sz="1600" dirty="0">
-                <a:latin typeface="Times New Roman" panose="02020603050405020304" pitchFamily="18" charset="0"/>
-                <a:ea typeface="Calibri" panose="020F0502020204030204" pitchFamily="34" charset="0"/>
-                <a:cs typeface="Times New Roman" panose="02020603050405020304" pitchFamily="18" charset="0"/>
-              </a:rPr>
-              <a:t>(data </a:t>
-            </a:r>
-            <a:r>
-              <a:rPr lang="en-US" sz="1600" dirty="0" smtClean="0">
-                <a:latin typeface="Times New Roman" panose="02020603050405020304" pitchFamily="18" charset="0"/>
-                <a:ea typeface="Calibri" panose="020F0502020204030204" pitchFamily="34" charset="0"/>
-                <a:cs typeface="Times New Roman" panose="02020603050405020304" pitchFamily="18" charset="0"/>
-              </a:rPr>
-              <a:t>application/TCP</a:t>
-            </a:r>
-            <a:r>
-              <a:rPr lang="en-US" sz="1600" dirty="0" smtClean="0">
-                <a:effectLst/>
-                <a:latin typeface="Times New Roman" panose="02020603050405020304" pitchFamily="18" charset="0"/>
-                <a:ea typeface="Calibri" panose="020F0502020204030204" pitchFamily="34" charset="0"/>
-                <a:cs typeface="Times New Roman" panose="02020603050405020304" pitchFamily="18" charset="0"/>
-              </a:rPr>
-              <a:t>)</a:t>
-            </a:r>
-            <a:r>
-              <a:rPr lang="en-US" sz="1600" dirty="0">
-                <a:effectLst/>
-                <a:latin typeface="Times New Roman" panose="02020603050405020304" pitchFamily="18" charset="0"/>
-                <a:ea typeface="Calibri" panose="020F0502020204030204" pitchFamily="34" charset="0"/>
-                <a:cs typeface="Times New Roman" panose="02020603050405020304" pitchFamily="18" charset="0"/>
-              </a:rPr>
-              <a:t> </a:t>
-            </a:r>
-            <a:endParaRPr lang="en-IN" sz="1600" dirty="0">
-              <a:latin typeface="Times New Roman" panose="02020603050405020304" pitchFamily="18" charset="0"/>
-              <a:ea typeface="Calibri" panose="020F0502020204030204" pitchFamily="34" charset="0"/>
-              <a:cs typeface="Times New Roman" panose="02020603050405020304" pitchFamily="18" charset="0"/>
-            </a:endParaRPr>
-          </a:p>
-          <a:p>
-            <a:pPr>
-              <a:lnSpc>
-                <a:spcPct val="150000"/>
-              </a:lnSpc>
-              <a:spcAft>
-                <a:spcPts val="1000"/>
-              </a:spcAft>
-            </a:pPr>
-            <a:r>
-              <a:rPr lang="en-US" sz="1600" dirty="0">
-                <a:effectLst/>
-                <a:latin typeface="Times New Roman" panose="02020603050405020304" pitchFamily="18" charset="0"/>
-                <a:ea typeface="Calibri" panose="020F0502020204030204" pitchFamily="34" charset="0"/>
-                <a:cs typeface="Times New Roman" panose="02020603050405020304" pitchFamily="18" charset="0"/>
-              </a:rPr>
-              <a:t>Both clients contacting dual stack host at the same time </a:t>
-            </a:r>
-            <a:endParaRPr lang="en-IN" sz="1600" dirty="0">
-              <a:effectLst/>
-              <a:latin typeface="Times New Roman" panose="02020603050405020304" pitchFamily="18" charset="0"/>
-              <a:ea typeface="Calibri" panose="020F0502020204030204" pitchFamily="34" charset="0"/>
-              <a:cs typeface="Times New Roman" panose="02020603050405020304" pitchFamily="18" charset="0"/>
-            </a:endParaRPr>
-          </a:p>
-          <a:p>
-            <a:pPr>
-              <a:lnSpc>
-                <a:spcPct val="150000"/>
-              </a:lnSpc>
-              <a:spcAft>
-                <a:spcPts val="1000"/>
-              </a:spcAft>
-            </a:pPr>
-            <a:r>
-              <a:rPr lang="en-US" sz="1600" dirty="0">
-                <a:effectLst/>
-                <a:latin typeface="Times New Roman" panose="02020603050405020304" pitchFamily="18" charset="0"/>
-                <a:ea typeface="Calibri" panose="020F0502020204030204" pitchFamily="34" charset="0"/>
-                <a:cs typeface="Times New Roman" panose="02020603050405020304" pitchFamily="18" charset="0"/>
-              </a:rPr>
-              <a:t>Desktop/Laptop and Raspberry Pi boards will be used for establishing Communication</a:t>
-            </a:r>
-            <a:endParaRPr lang="en-IN" sz="1600" dirty="0">
-              <a:effectLst/>
-              <a:latin typeface="Times New Roman" panose="02020603050405020304" pitchFamily="18" charset="0"/>
-              <a:ea typeface="Calibri" panose="020F0502020204030204" pitchFamily="34" charset="0"/>
-              <a:cs typeface="Times New Roman" panose="02020603050405020304" pitchFamily="18" charset="0"/>
-            </a:endParaRPr>
-          </a:p>
           <a:p>
             <a:pPr marL="457200" lvl="1" indent="0">
               <a:buNone/>
@@ -7668,7 +7687,7 @@
     </p:spTree>
     <p:extLst>
       <p:ext uri="{BB962C8B-B14F-4D97-AF65-F5344CB8AC3E}">
-        <p14:creationId xmlns:p14="http://schemas.microsoft.com/office/powerpoint/2010/main" val="2690854905"/>
+        <p14:creationId xmlns:p14="http://schemas.microsoft.com/office/powerpoint/2010/main" val="4182899405"/>
       </p:ext>
     </p:extLst>
   </p:cSld>
@@ -7718,6 +7737,466 @@
           </a:solidFill>
         </p:spPr>
         <p:txBody>
+          <a:bodyPr>
+            <a:normAutofit/>
+          </a:bodyPr>
+          <a:lstStyle/>
+          <a:p>
+            <a:r>
+              <a:rPr lang="en-US" sz="3600" b="1" dirty="0">
+                <a:solidFill>
+                  <a:schemeClr val="bg1"/>
+                </a:solidFill>
+                <a:latin typeface="Times New Roman" pitchFamily="18" charset="0"/>
+                <a:cs typeface="Times New Roman" pitchFamily="18" charset="0"/>
+              </a:rPr>
+              <a:t>Project Objectives</a:t>
+            </a:r>
+          </a:p>
+        </p:txBody>
+      </p:sp>
+      <p:sp>
+        <p:nvSpPr>
+          <p:cNvPr id="3" name="Content Placeholder 2"/>
+          <p:cNvSpPr>
+            <a:spLocks noGrp="1"/>
+          </p:cNvSpPr>
+          <p:nvPr>
+            <p:ph idx="1"/>
+          </p:nvPr>
+        </p:nvSpPr>
+        <p:spPr>
+          <a:xfrm>
+            <a:off x="457200" y="1600200"/>
+            <a:ext cx="8229600" cy="4343400"/>
+          </a:xfrm>
+        </p:spPr>
+        <p:txBody>
+          <a:bodyPr>
+            <a:normAutofit/>
+          </a:bodyPr>
+          <a:lstStyle/>
+          <a:p>
+            <a:pPr marL="0" indent="0">
+              <a:buNone/>
+            </a:pPr>
+            <a:r>
+              <a:rPr lang="en-US" sz="2000" dirty="0">
+                <a:latin typeface="Times New Roman" panose="02020603050405020304" pitchFamily="18" charset="0"/>
+                <a:cs typeface="Times New Roman" pitchFamily="18" charset="0"/>
+              </a:rPr>
+              <a:t>The following are the proposed objectives of the project based on the research gaps:</a:t>
+            </a:r>
+          </a:p>
+          <a:p>
+            <a:pPr marL="0" indent="0">
+              <a:lnSpc>
+                <a:spcPct val="150000"/>
+              </a:lnSpc>
+              <a:spcAft>
+                <a:spcPts val="1000"/>
+              </a:spcAft>
+              <a:buNone/>
+            </a:pPr>
+            <a:endParaRPr lang="en-US" sz="1600" dirty="0">
+              <a:latin typeface="Times New Roman" panose="02020603050405020304" pitchFamily="18" charset="0"/>
+              <a:ea typeface="Calibri" panose="020F0502020204030204" pitchFamily="34" charset="0"/>
+              <a:cs typeface="Times New Roman" panose="02020603050405020304" pitchFamily="18" charset="0"/>
+            </a:endParaRPr>
+          </a:p>
+          <a:p>
+            <a:pPr>
+              <a:lnSpc>
+                <a:spcPct val="150000"/>
+              </a:lnSpc>
+              <a:spcAft>
+                <a:spcPts val="1000"/>
+              </a:spcAft>
+            </a:pPr>
+            <a:r>
+              <a:rPr lang="en-US" sz="1600" dirty="0" smtClean="0">
+                <a:latin typeface="Times New Roman" panose="02020603050405020304" pitchFamily="18" charset="0"/>
+                <a:ea typeface="Calibri" panose="020F0502020204030204" pitchFamily="34" charset="0"/>
+                <a:cs typeface="Times New Roman" panose="02020603050405020304" pitchFamily="18" charset="0"/>
+              </a:rPr>
+              <a:t>To </a:t>
+            </a:r>
+            <a:r>
+              <a:rPr lang="en-US" sz="1600" dirty="0" smtClean="0">
+                <a:effectLst/>
+                <a:latin typeface="Times New Roman" panose="02020603050405020304" pitchFamily="18" charset="0"/>
+                <a:ea typeface="Calibri" panose="020F0502020204030204" pitchFamily="34" charset="0"/>
+                <a:cs typeface="Times New Roman" panose="02020603050405020304" pitchFamily="18" charset="0"/>
+              </a:rPr>
+              <a:t>Implement  </a:t>
+            </a:r>
+            <a:r>
+              <a:rPr lang="en-US" sz="1600" dirty="0">
+                <a:effectLst/>
+                <a:latin typeface="Times New Roman" panose="02020603050405020304" pitchFamily="18" charset="0"/>
+                <a:ea typeface="Calibri" panose="020F0502020204030204" pitchFamily="34" charset="0"/>
+                <a:cs typeface="Times New Roman" panose="02020603050405020304" pitchFamily="18" charset="0"/>
+              </a:rPr>
+              <a:t>client server programming on dual stack host</a:t>
+            </a:r>
+            <a:endParaRPr lang="en-IN" sz="1600" dirty="0">
+              <a:effectLst/>
+              <a:latin typeface="Times New Roman" panose="02020603050405020304" pitchFamily="18" charset="0"/>
+              <a:ea typeface="Calibri" panose="020F0502020204030204" pitchFamily="34" charset="0"/>
+              <a:cs typeface="Times New Roman" panose="02020603050405020304" pitchFamily="18" charset="0"/>
+            </a:endParaRPr>
+          </a:p>
+          <a:p>
+            <a:pPr>
+              <a:lnSpc>
+                <a:spcPct val="150000"/>
+              </a:lnSpc>
+              <a:spcAft>
+                <a:spcPts val="1000"/>
+              </a:spcAft>
+            </a:pPr>
+            <a:r>
+              <a:rPr lang="en-US" sz="1600" dirty="0">
+                <a:effectLst/>
+                <a:latin typeface="Times New Roman" panose="02020603050405020304" pitchFamily="18" charset="0"/>
+                <a:ea typeface="Calibri" panose="020F0502020204030204" pitchFamily="34" charset="0"/>
+                <a:cs typeface="Times New Roman" panose="02020603050405020304" pitchFamily="18" charset="0"/>
+              </a:rPr>
+              <a:t>Dual stack host running two server </a:t>
+            </a:r>
+            <a:r>
+              <a:rPr lang="en-US" sz="1600" dirty="0" smtClean="0">
+                <a:effectLst/>
+                <a:latin typeface="Times New Roman" panose="02020603050405020304" pitchFamily="18" charset="0"/>
+                <a:ea typeface="Calibri" panose="020F0502020204030204" pitchFamily="34" charset="0"/>
+                <a:cs typeface="Times New Roman" panose="02020603050405020304" pitchFamily="18" charset="0"/>
+              </a:rPr>
+              <a:t>programs</a:t>
+            </a:r>
+            <a:r>
+              <a:rPr lang="en-IN" sz="1600" dirty="0">
+                <a:latin typeface="Times New Roman" panose="02020603050405020304" pitchFamily="18" charset="0"/>
+                <a:ea typeface="Calibri" panose="020F0502020204030204" pitchFamily="34" charset="0"/>
+                <a:cs typeface="Times New Roman" panose="02020603050405020304" pitchFamily="18" charset="0"/>
+              </a:rPr>
+              <a:t/>
+            </a:r>
+            <a:br>
+              <a:rPr lang="en-IN" sz="1600" dirty="0">
+                <a:latin typeface="Times New Roman" panose="02020603050405020304" pitchFamily="18" charset="0"/>
+                <a:ea typeface="Calibri" panose="020F0502020204030204" pitchFamily="34" charset="0"/>
+                <a:cs typeface="Times New Roman" panose="02020603050405020304" pitchFamily="18" charset="0"/>
+              </a:rPr>
+            </a:br>
+            <a:r>
+              <a:rPr lang="en-US" sz="1600" dirty="0" smtClean="0">
+                <a:effectLst/>
+                <a:latin typeface="Times New Roman" panose="02020603050405020304" pitchFamily="18" charset="0"/>
+                <a:ea typeface="Calibri" panose="020F0502020204030204" pitchFamily="34" charset="0"/>
+                <a:cs typeface="Times New Roman" panose="02020603050405020304" pitchFamily="18" charset="0"/>
+              </a:rPr>
+              <a:t>Ipv4 </a:t>
+            </a:r>
+            <a:r>
+              <a:rPr lang="en-US" sz="1600" dirty="0">
+                <a:effectLst/>
+                <a:latin typeface="Times New Roman" panose="02020603050405020304" pitchFamily="18" charset="0"/>
+                <a:ea typeface="Calibri" panose="020F0502020204030204" pitchFamily="34" charset="0"/>
+                <a:cs typeface="Times New Roman" panose="02020603050405020304" pitchFamily="18" charset="0"/>
+              </a:rPr>
+              <a:t>client </a:t>
+            </a:r>
+            <a:r>
+              <a:rPr lang="en-US" sz="1600" dirty="0" smtClean="0">
+                <a:effectLst/>
+                <a:latin typeface="Times New Roman" panose="02020603050405020304" pitchFamily="18" charset="0"/>
+                <a:ea typeface="Calibri" panose="020F0502020204030204" pitchFamily="34" charset="0"/>
+                <a:cs typeface="Times New Roman" panose="02020603050405020304" pitchFamily="18" charset="0"/>
+              </a:rPr>
+              <a:t>(</a:t>
+            </a:r>
+            <a:r>
+              <a:rPr lang="en-US" sz="1600" dirty="0">
+                <a:latin typeface="Times New Roman" panose="02020603050405020304" pitchFamily="18" charset="0"/>
+                <a:ea typeface="Calibri" panose="020F0502020204030204" pitchFamily="34" charset="0"/>
+                <a:cs typeface="Times New Roman" panose="02020603050405020304" pitchFamily="18" charset="0"/>
+              </a:rPr>
+              <a:t>VoIP,  udp)</a:t>
+            </a:r>
+            <a:r>
+              <a:rPr lang="en-US" sz="1600" dirty="0">
+                <a:effectLst/>
+                <a:latin typeface="Times New Roman" panose="02020603050405020304" pitchFamily="18" charset="0"/>
+                <a:ea typeface="Calibri" panose="020F0502020204030204" pitchFamily="34" charset="0"/>
+                <a:cs typeface="Times New Roman" panose="02020603050405020304" pitchFamily="18" charset="0"/>
+              </a:rPr>
+              <a:t> </a:t>
+            </a:r>
+            <a:r>
+              <a:rPr lang="en-IN" sz="1600" dirty="0">
+                <a:latin typeface="Times New Roman" panose="02020603050405020304" pitchFamily="18" charset="0"/>
+                <a:ea typeface="Calibri" panose="020F0502020204030204" pitchFamily="34" charset="0"/>
+                <a:cs typeface="Times New Roman" panose="02020603050405020304" pitchFamily="18" charset="0"/>
+              </a:rPr>
+              <a:t/>
+            </a:r>
+            <a:br>
+              <a:rPr lang="en-IN" sz="1600" dirty="0">
+                <a:latin typeface="Times New Roman" panose="02020603050405020304" pitchFamily="18" charset="0"/>
+                <a:ea typeface="Calibri" panose="020F0502020204030204" pitchFamily="34" charset="0"/>
+                <a:cs typeface="Times New Roman" panose="02020603050405020304" pitchFamily="18" charset="0"/>
+              </a:rPr>
+            </a:br>
+            <a:r>
+              <a:rPr lang="en-US" sz="1600" dirty="0" smtClean="0">
+                <a:effectLst/>
+                <a:latin typeface="Times New Roman" panose="02020603050405020304" pitchFamily="18" charset="0"/>
+                <a:ea typeface="Calibri" panose="020F0502020204030204" pitchFamily="34" charset="0"/>
+                <a:cs typeface="Times New Roman" panose="02020603050405020304" pitchFamily="18" charset="0"/>
+              </a:rPr>
+              <a:t>Ipv6  </a:t>
+            </a:r>
+            <a:r>
+              <a:rPr lang="en-US" sz="1600" dirty="0">
+                <a:effectLst/>
+                <a:latin typeface="Times New Roman" panose="02020603050405020304" pitchFamily="18" charset="0"/>
+                <a:ea typeface="Calibri" panose="020F0502020204030204" pitchFamily="34" charset="0"/>
+                <a:cs typeface="Times New Roman" panose="02020603050405020304" pitchFamily="18" charset="0"/>
+              </a:rPr>
+              <a:t>client </a:t>
+            </a:r>
+            <a:r>
+              <a:rPr lang="en-US" sz="1600" dirty="0">
+                <a:latin typeface="Times New Roman" panose="02020603050405020304" pitchFamily="18" charset="0"/>
+                <a:ea typeface="Calibri" panose="020F0502020204030204" pitchFamily="34" charset="0"/>
+                <a:cs typeface="Times New Roman" panose="02020603050405020304" pitchFamily="18" charset="0"/>
+              </a:rPr>
+              <a:t>(data </a:t>
+            </a:r>
+            <a:r>
+              <a:rPr lang="en-US" sz="1600" dirty="0" smtClean="0">
+                <a:latin typeface="Times New Roman" panose="02020603050405020304" pitchFamily="18" charset="0"/>
+                <a:ea typeface="Calibri" panose="020F0502020204030204" pitchFamily="34" charset="0"/>
+                <a:cs typeface="Times New Roman" panose="02020603050405020304" pitchFamily="18" charset="0"/>
+              </a:rPr>
+              <a:t>application/TCP</a:t>
+            </a:r>
+            <a:r>
+              <a:rPr lang="en-US" sz="1600" dirty="0" smtClean="0">
+                <a:effectLst/>
+                <a:latin typeface="Times New Roman" panose="02020603050405020304" pitchFamily="18" charset="0"/>
+                <a:ea typeface="Calibri" panose="020F0502020204030204" pitchFamily="34" charset="0"/>
+                <a:cs typeface="Times New Roman" panose="02020603050405020304" pitchFamily="18" charset="0"/>
+              </a:rPr>
+              <a:t>)</a:t>
+            </a:r>
+            <a:r>
+              <a:rPr lang="en-US" sz="1600" dirty="0">
+                <a:effectLst/>
+                <a:latin typeface="Times New Roman" panose="02020603050405020304" pitchFamily="18" charset="0"/>
+                <a:ea typeface="Calibri" panose="020F0502020204030204" pitchFamily="34" charset="0"/>
+                <a:cs typeface="Times New Roman" panose="02020603050405020304" pitchFamily="18" charset="0"/>
+              </a:rPr>
+              <a:t> </a:t>
+            </a:r>
+            <a:endParaRPr lang="en-IN" sz="1600" dirty="0">
+              <a:latin typeface="Times New Roman" panose="02020603050405020304" pitchFamily="18" charset="0"/>
+              <a:ea typeface="Calibri" panose="020F0502020204030204" pitchFamily="34" charset="0"/>
+              <a:cs typeface="Times New Roman" panose="02020603050405020304" pitchFamily="18" charset="0"/>
+            </a:endParaRPr>
+          </a:p>
+          <a:p>
+            <a:pPr>
+              <a:lnSpc>
+                <a:spcPct val="150000"/>
+              </a:lnSpc>
+              <a:spcAft>
+                <a:spcPts val="1000"/>
+              </a:spcAft>
+            </a:pPr>
+            <a:r>
+              <a:rPr lang="en-US" sz="1600" dirty="0">
+                <a:effectLst/>
+                <a:latin typeface="Times New Roman" panose="02020603050405020304" pitchFamily="18" charset="0"/>
+                <a:ea typeface="Calibri" panose="020F0502020204030204" pitchFamily="34" charset="0"/>
+                <a:cs typeface="Times New Roman" panose="02020603050405020304" pitchFamily="18" charset="0"/>
+              </a:rPr>
+              <a:t>Both clients contacting dual stack host at the same time </a:t>
+            </a:r>
+            <a:endParaRPr lang="en-IN" sz="1600" dirty="0">
+              <a:effectLst/>
+              <a:latin typeface="Times New Roman" panose="02020603050405020304" pitchFamily="18" charset="0"/>
+              <a:ea typeface="Calibri" panose="020F0502020204030204" pitchFamily="34" charset="0"/>
+              <a:cs typeface="Times New Roman" panose="02020603050405020304" pitchFamily="18" charset="0"/>
+            </a:endParaRPr>
+          </a:p>
+          <a:p>
+            <a:pPr>
+              <a:lnSpc>
+                <a:spcPct val="150000"/>
+              </a:lnSpc>
+              <a:spcAft>
+                <a:spcPts val="1000"/>
+              </a:spcAft>
+            </a:pPr>
+            <a:r>
+              <a:rPr lang="en-US" sz="1600" dirty="0">
+                <a:effectLst/>
+                <a:latin typeface="Times New Roman" panose="02020603050405020304" pitchFamily="18" charset="0"/>
+                <a:ea typeface="Calibri" panose="020F0502020204030204" pitchFamily="34" charset="0"/>
+                <a:cs typeface="Times New Roman" panose="02020603050405020304" pitchFamily="18" charset="0"/>
+              </a:rPr>
+              <a:t>Desktop/Laptop and Raspberry Pi boards will be used for establishing Communication</a:t>
+            </a:r>
+            <a:endParaRPr lang="en-IN" sz="1600" dirty="0">
+              <a:effectLst/>
+              <a:latin typeface="Times New Roman" panose="02020603050405020304" pitchFamily="18" charset="0"/>
+              <a:ea typeface="Calibri" panose="020F0502020204030204" pitchFamily="34" charset="0"/>
+              <a:cs typeface="Times New Roman" panose="02020603050405020304" pitchFamily="18" charset="0"/>
+            </a:endParaRPr>
+          </a:p>
+          <a:p>
+            <a:pPr marL="457200" lvl="1" indent="0">
+              <a:buNone/>
+            </a:pPr>
+            <a:endParaRPr lang="en-US" sz="1600" dirty="0">
+              <a:latin typeface="Times New Roman" pitchFamily="18" charset="0"/>
+              <a:cs typeface="Times New Roman" pitchFamily="18" charset="0"/>
+            </a:endParaRPr>
+          </a:p>
+        </p:txBody>
+      </p:sp>
+      <p:sp>
+        <p:nvSpPr>
+          <p:cNvPr id="4" name="Date Placeholder 3"/>
+          <p:cNvSpPr>
+            <a:spLocks noGrp="1"/>
+          </p:cNvSpPr>
+          <p:nvPr>
+            <p:ph type="dt" sz="half" idx="10"/>
+          </p:nvPr>
+        </p:nvSpPr>
+        <p:spPr/>
+        <p:txBody>
+          <a:bodyPr/>
+          <a:lstStyle/>
+          <a:p>
+            <a:r>
+              <a:rPr lang="en-US" dirty="0" smtClean="0">
+                <a:latin typeface="Times New Roman" pitchFamily="18" charset="0"/>
+                <a:cs typeface="Times New Roman" pitchFamily="18" charset="0"/>
+              </a:rPr>
+              <a:t>17-Aug-21</a:t>
+            </a:r>
+            <a:endParaRPr lang="en-US" dirty="0">
+              <a:latin typeface="Times New Roman" pitchFamily="18" charset="0"/>
+              <a:cs typeface="Times New Roman" pitchFamily="18" charset="0"/>
+            </a:endParaRPr>
+          </a:p>
+        </p:txBody>
+      </p:sp>
+      <p:sp>
+        <p:nvSpPr>
+          <p:cNvPr id="5" name="Footer Placeholder 4"/>
+          <p:cNvSpPr>
+            <a:spLocks noGrp="1"/>
+          </p:cNvSpPr>
+          <p:nvPr>
+            <p:ph type="ftr" sz="quarter" idx="11"/>
+          </p:nvPr>
+        </p:nvSpPr>
+        <p:spPr/>
+        <p:txBody>
+          <a:bodyPr/>
+          <a:lstStyle/>
+          <a:p>
+            <a:r>
+              <a:rPr lang="en-US" dirty="0">
+                <a:latin typeface="Times New Roman" pitchFamily="18" charset="0"/>
+                <a:cs typeface="Times New Roman" pitchFamily="18" charset="0"/>
+              </a:rPr>
+              <a:t>Dept. of ECE, NMIT, Bangalore-64</a:t>
+            </a:r>
+          </a:p>
+        </p:txBody>
+      </p:sp>
+      <p:sp>
+        <p:nvSpPr>
+          <p:cNvPr id="6" name="Slide Number Placeholder 5"/>
+          <p:cNvSpPr>
+            <a:spLocks noGrp="1"/>
+          </p:cNvSpPr>
+          <p:nvPr>
+            <p:ph type="sldNum" sz="quarter" idx="12"/>
+          </p:nvPr>
+        </p:nvSpPr>
+        <p:spPr/>
+        <p:txBody>
+          <a:bodyPr/>
+          <a:lstStyle/>
+          <a:p>
+            <a:fld id="{B6F15528-21DE-4FAA-801E-634DDDAF4B2B}" type="slidenum">
+              <a:rPr lang="en-US" smtClean="0"/>
+              <a:pPr/>
+              <a:t>18</a:t>
+            </a:fld>
+            <a:endParaRPr lang="en-US"/>
+          </a:p>
+        </p:txBody>
+      </p:sp>
+    </p:spTree>
+    <p:extLst>
+      <p:ext uri="{BB962C8B-B14F-4D97-AF65-F5344CB8AC3E}">
+        <p14:creationId xmlns:p14="http://schemas.microsoft.com/office/powerpoint/2010/main" val="2690854905"/>
+      </p:ext>
+    </p:extLst>
+  </p:cSld>
+  <p:clrMapOvr>
+    <a:masterClrMapping/>
+  </p:clrMapOvr>
+  <p:timing>
+    <p:tnLst>
+      <p:par>
+        <p:cTn id="1" dur="indefinite" restart="never" nodeType="tmRoot"/>
+      </p:par>
+    </p:tnLst>
+  </p:timing>
+</p:sld>
+</file>
+
+<file path=ppt/slides/slide19.xml><?xml version="1.0" encoding="utf-8"?>
+<p:sld xmlns:a="http://schemas.openxmlformats.org/drawingml/2006/main" xmlns:r="http://schemas.openxmlformats.org/officeDocument/2006/relationships" xmlns:p="http://schemas.openxmlformats.org/presentationml/2006/main">
+  <p:cSld>
+    <p:spTree>
+      <p:nvGrpSpPr>
+        <p:cNvPr id="1" name=""/>
+        <p:cNvGrpSpPr/>
+        <p:nvPr/>
+      </p:nvGrpSpPr>
+      <p:grpSpPr>
+        <a:xfrm>
+          <a:off x="0" y="0"/>
+          <a:ext cx="0" cy="0"/>
+          <a:chOff x="0" y="0"/>
+          <a:chExt cx="0" cy="0"/>
+        </a:xfrm>
+      </p:grpSpPr>
+      <p:sp>
+        <p:nvSpPr>
+          <p:cNvPr id="2" name="Title 1"/>
+          <p:cNvSpPr>
+            <a:spLocks noGrp="1"/>
+          </p:cNvSpPr>
+          <p:nvPr>
+            <p:ph type="title"/>
+          </p:nvPr>
+        </p:nvSpPr>
+        <p:spPr>
+          <a:solidFill>
+            <a:srgbClr val="0000FF"/>
+          </a:solidFill>
+        </p:spPr>
+        <p:txBody>
           <a:bodyPr/>
           <a:lstStyle/>
           <a:p>
@@ -8311,7 +8790,7 @@
             <a:fld id="{B6F15528-21DE-4FAA-801E-634DDDAF4B2B}" type="slidenum">
               <a:rPr lang="en-US" smtClean="0"/>
               <a:pPr/>
-              <a:t>18</a:t>
+              <a:t>19</a:t>
             </a:fld>
             <a:endParaRPr lang="en-US" dirty="0"/>
           </a:p>

--- a/Official Documents/Project Batch 16 phase1.pptx
+++ b/Official Documents/Project Batch 16 phase1.pptx
@@ -5,31 +5,29 @@
     <p:sldMasterId id="2147483648" r:id="rId1"/>
   </p:sldMasterIdLst>
   <p:notesMasterIdLst>
-    <p:notesMasterId r:id="rId21"/>
+    <p:notesMasterId r:id="rId19"/>
   </p:notesMasterIdLst>
   <p:handoutMasterIdLst>
-    <p:handoutMasterId r:id="rId22"/>
+    <p:handoutMasterId r:id="rId20"/>
   </p:handoutMasterIdLst>
   <p:sldIdLst>
     <p:sldId id="270" r:id="rId2"/>
     <p:sldId id="256" r:id="rId3"/>
     <p:sldId id="257" r:id="rId4"/>
-    <p:sldId id="258" r:id="rId5"/>
-    <p:sldId id="275" r:id="rId6"/>
-    <p:sldId id="276" r:id="rId7"/>
+    <p:sldId id="276" r:id="rId5"/>
+    <p:sldId id="280" r:id="rId6"/>
+    <p:sldId id="278" r:id="rId7"/>
     <p:sldId id="277" r:id="rId8"/>
-    <p:sldId id="278" r:id="rId9"/>
+    <p:sldId id="258" r:id="rId9"/>
     <p:sldId id="279" r:id="rId10"/>
-    <p:sldId id="280" r:id="rId11"/>
+    <p:sldId id="275" r:id="rId11"/>
     <p:sldId id="283" r:id="rId12"/>
-    <p:sldId id="272" r:id="rId13"/>
-    <p:sldId id="274" r:id="rId14"/>
-    <p:sldId id="259" r:id="rId15"/>
-    <p:sldId id="281" r:id="rId16"/>
-    <p:sldId id="273" r:id="rId17"/>
-    <p:sldId id="260" r:id="rId18"/>
-    <p:sldId id="282" r:id="rId19"/>
-    <p:sldId id="264" r:id="rId20"/>
+    <p:sldId id="259" r:id="rId13"/>
+    <p:sldId id="281" r:id="rId14"/>
+    <p:sldId id="273" r:id="rId15"/>
+    <p:sldId id="282" r:id="rId16"/>
+    <p:sldId id="264" r:id="rId17"/>
+    <p:sldId id="284" r:id="rId18"/>
   </p:sldIdLst>
   <p:sldSz cx="9144000" cy="6858000" type="screen4x3"/>
   <p:notesSz cx="6858000" cy="9144000"/>
@@ -229,7 +227,7 @@
           <a:p>
             <a:fld id="{7FD7D9A4-864C-425A-A0E2-E462B7191CCD}" type="datetimeFigureOut">
               <a:rPr lang="en-US" smtClean="0"/>
-              <a:t>21-Sep-21</a:t>
+              <a:t>22-Sep-21</a:t>
             </a:fld>
             <a:endParaRPr lang="en-US"/>
           </a:p>
@@ -395,7 +393,7 @@
           <a:p>
             <a:fld id="{0E57A201-3D04-47CC-A82F-11BC07E53FD5}" type="datetimeFigureOut">
               <a:rPr lang="en-US" smtClean="0"/>
-              <a:t>21-Sep-21</a:t>
+              <a:t>22-Sep-21</a:t>
             </a:fld>
             <a:endParaRPr lang="en-US"/>
           </a:p>
@@ -1019,7 +1017,7 @@
     </p:spTree>
     <p:extLst>
       <p:ext uri="{BB962C8B-B14F-4D97-AF65-F5344CB8AC3E}">
-        <p14:creationId xmlns:p14="http://schemas.microsoft.com/office/powerpoint/2010/main" val="1352353688"/>
+        <p14:creationId xmlns:p14="http://schemas.microsoft.com/office/powerpoint/2010/main" val="290688505"/>
       </p:ext>
     </p:extLst>
   </p:cSld>
@@ -1080,7 +1078,7 @@
     </p:spTree>
     <p:extLst>
       <p:ext uri="{BB962C8B-B14F-4D97-AF65-F5344CB8AC3E}">
-        <p14:creationId xmlns:p14="http://schemas.microsoft.com/office/powerpoint/2010/main" val="290688505"/>
+        <p14:creationId xmlns:p14="http://schemas.microsoft.com/office/powerpoint/2010/main" val="1352353688"/>
       </p:ext>
     </p:extLst>
   </p:cSld>
@@ -1141,7 +1139,7 @@
     </p:spTree>
     <p:extLst>
       <p:ext uri="{BB962C8B-B14F-4D97-AF65-F5344CB8AC3E}">
-        <p14:creationId xmlns:p14="http://schemas.microsoft.com/office/powerpoint/2010/main" val="1352353688"/>
+        <p14:creationId xmlns:p14="http://schemas.microsoft.com/office/powerpoint/2010/main" val="2688426333"/>
       </p:ext>
     </p:extLst>
   </p:cSld>
@@ -1330,7 +1328,7 @@
           <a:p>
             <a:fld id="{B913B166-C7D6-4C94-A6BD-5B1BBEDA4C48}" type="datetime1">
               <a:rPr lang="en-US" smtClean="0"/>
-              <a:t>21-Sep-21</a:t>
+              <a:t>22-Sep-21</a:t>
             </a:fld>
             <a:endParaRPr lang="en-US"/>
           </a:p>
@@ -1497,7 +1495,7 @@
           <a:p>
             <a:fld id="{7A0D4D53-478D-4793-8D8C-E4ABC8799B41}" type="datetime1">
               <a:rPr lang="en-US" smtClean="0"/>
-              <a:t>21-Sep-21</a:t>
+              <a:t>22-Sep-21</a:t>
             </a:fld>
             <a:endParaRPr lang="en-US"/>
           </a:p>
@@ -1674,7 +1672,7 @@
           <a:p>
             <a:fld id="{CFBA153E-3C25-492C-83EA-B515869BC366}" type="datetime1">
               <a:rPr lang="en-US" smtClean="0"/>
-              <a:t>21-Sep-21</a:t>
+              <a:t>22-Sep-21</a:t>
             </a:fld>
             <a:endParaRPr lang="en-US"/>
           </a:p>
@@ -1841,7 +1839,7 @@
           <a:p>
             <a:fld id="{05229871-6294-4FDC-ADFB-03568C29F7D6}" type="datetime1">
               <a:rPr lang="en-US" smtClean="0"/>
-              <a:t>21-Sep-21</a:t>
+              <a:t>22-Sep-21</a:t>
             </a:fld>
             <a:endParaRPr lang="en-US"/>
           </a:p>
@@ -2085,7 +2083,7 @@
           <a:p>
             <a:fld id="{158B815F-E36B-43A6-831C-C1EAFFD9FEDA}" type="datetime1">
               <a:rPr lang="en-US" smtClean="0"/>
-              <a:t>21-Sep-21</a:t>
+              <a:t>22-Sep-21</a:t>
             </a:fld>
             <a:endParaRPr lang="en-US"/>
           </a:p>
@@ -2369,7 +2367,7 @@
           <a:p>
             <a:fld id="{04E86034-6584-4FEB-842B-02B8F09CF863}" type="datetime1">
               <a:rPr lang="en-US" smtClean="0"/>
-              <a:t>21-Sep-21</a:t>
+              <a:t>22-Sep-21</a:t>
             </a:fld>
             <a:endParaRPr lang="en-US"/>
           </a:p>
@@ -2787,7 +2785,7 @@
           <a:p>
             <a:fld id="{5E7E5B39-4D72-42B0-9EF8-9F09B6A7862F}" type="datetime1">
               <a:rPr lang="en-US" smtClean="0"/>
-              <a:t>21-Sep-21</a:t>
+              <a:t>22-Sep-21</a:t>
             </a:fld>
             <a:endParaRPr lang="en-US"/>
           </a:p>
@@ -2903,7 +2901,7 @@
           <a:p>
             <a:fld id="{5F7F936D-E883-4531-8AEF-F8AE01E88733}" type="datetime1">
               <a:rPr lang="en-US" smtClean="0"/>
-              <a:t>21-Sep-21</a:t>
+              <a:t>22-Sep-21</a:t>
             </a:fld>
             <a:endParaRPr lang="en-US"/>
           </a:p>
@@ -2997,7 +2995,7 @@
           <a:p>
             <a:fld id="{F7DF7B00-5559-4C0B-A04A-2A61C1D412D8}" type="datetime1">
               <a:rPr lang="en-US" smtClean="0"/>
-              <a:t>21-Sep-21</a:t>
+              <a:t>22-Sep-21</a:t>
             </a:fld>
             <a:endParaRPr lang="en-US"/>
           </a:p>
@@ -3271,7 +3269,7 @@
           <a:p>
             <a:fld id="{65B7B09C-8B88-4EE5-A6E5-A23145D8C69B}" type="datetime1">
               <a:rPr lang="en-US" smtClean="0"/>
-              <a:t>21-Sep-21</a:t>
+              <a:t>22-Sep-21</a:t>
             </a:fld>
             <a:endParaRPr lang="en-US"/>
           </a:p>
@@ -3522,7 +3520,7 @@
           <a:p>
             <a:fld id="{815FAC93-0C6C-42E5-BB9F-89E4B9974B73}" type="datetime1">
               <a:rPr lang="en-US" smtClean="0"/>
-              <a:t>21-Sep-21</a:t>
+              <a:t>22-Sep-21</a:t>
             </a:fld>
             <a:endParaRPr lang="en-US"/>
           </a:p>
@@ -3732,7 +3730,7 @@
           <a:p>
             <a:fld id="{1CCCF5A0-9552-4C4C-8A8F-2A5A2C8C8E36}" type="datetime1">
               <a:rPr lang="en-US" smtClean="0"/>
-              <a:t>21-Sep-21</a:t>
+              <a:t>22-Sep-21</a:t>
             </a:fld>
             <a:endParaRPr lang="en-US"/>
           </a:p>
@@ -4538,7 +4536,7 @@
           <a:p>
             <a:fld id="{05229871-6294-4FDC-ADFB-03568C29F7D6}" type="datetime1">
               <a:rPr lang="en-US" smtClean="0"/>
-              <a:t>21-Sep-21</a:t>
+              <a:t>22-Sep-21</a:t>
             </a:fld>
             <a:endParaRPr lang="en-US"/>
           </a:p>
@@ -4600,14 +4598,14 @@
           <p:nvPr>
             <p:extLst>
               <p:ext uri="{D42A27DB-BD31-4B8C-83A1-F6EECF244321}">
-                <p14:modId xmlns:p14="http://schemas.microsoft.com/office/powerpoint/2010/main" val="3858197499"/>
+                <p14:modId xmlns:p14="http://schemas.microsoft.com/office/powerpoint/2010/main" val="68963000"/>
               </p:ext>
             </p:extLst>
           </p:nvPr>
         </p:nvGraphicFramePr>
         <p:xfrm>
-          <a:off x="685800" y="381000"/>
-          <a:ext cx="7848600" cy="5715000"/>
+          <a:off x="762000" y="1066800"/>
+          <a:ext cx="7391400" cy="4480560"/>
         </p:xfrm>
         <a:graphic>
           <a:graphicData uri="http://schemas.openxmlformats.org/drawingml/2006/table">
@@ -4620,9 +4618,9 @@
                 <a:gridCol w="1478280"/>
                 <a:gridCol w="1506172"/>
                 <a:gridCol w="1450388"/>
-                <a:gridCol w="1935480"/>
+                <a:gridCol w="1478280"/>
               </a:tblGrid>
-              <a:tr h="1078302">
+              <a:tr h="655597">
                 <a:tc>
                   <a:txBody>
                     <a:bodyPr/>
@@ -4718,7 +4716,7 @@
                   <a:tcPr/>
                 </a:tc>
               </a:tr>
-              <a:tr h="4636698">
+              <a:tr h="2129638">
                 <a:tc>
                   <a:txBody>
                     <a:bodyPr/>
@@ -4751,7 +4749,7 @@
                           <a:ea typeface="+mn-ea"/>
                           <a:cs typeface="Times New Roman" panose="02020603050405020304" pitchFamily="18" charset="0"/>
                         </a:rPr>
-                        <a:t>The NAT64/DNS64 tool suite for IPv6 transition</a:t>
+                        <a:t>Performance comparison of Multimedia Applications over IPv4 and IPv6 Dual Stack technology</a:t>
                       </a:r>
                     </a:p>
                     <a:p>
@@ -4786,100 +4784,232 @@
                     <a:lstStyle/>
                     <a:p>
                       <a:r>
-                        <a:rPr lang="en-US" sz="1600" b="0" i="0" u="none" strike="noStrike" kern="1200" dirty="0" smtClean="0">
+                        <a:rPr lang="en-US" sz="1800" b="0" i="0" u="none" strike="noStrike" kern="1200" dirty="0" err="1" smtClean="0">
                           <a:solidFill>
                             <a:schemeClr val="dk1"/>
                           </a:solidFill>
                           <a:effectLst/>
-                          <a:latin typeface="Times New Roman" panose="02020603050405020304" pitchFamily="18" charset="0"/>
+                          <a:latin typeface="+mn-lt"/>
                           <a:ea typeface="+mn-ea"/>
-                          <a:cs typeface="Times New Roman" panose="02020603050405020304" pitchFamily="18" charset="0"/>
-                        </a:rPr>
-                        <a:t>Marcelo </a:t>
-                      </a:r>
-                      <a:r>
-                        <a:rPr lang="en-US" sz="1600" b="0" i="0" u="none" strike="noStrike" kern="1200" dirty="0" err="1" smtClean="0">
+                          <a:cs typeface="+mn-cs"/>
+                        </a:rPr>
+                        <a:t>Ummi</a:t>
+                      </a:r>
+                      <a:r>
+                        <a:rPr lang="en-US" sz="1800" b="0" i="0" u="none" strike="noStrike" kern="1200" dirty="0" smtClean="0">
                           <a:solidFill>
                             <a:schemeClr val="dk1"/>
                           </a:solidFill>
                           <a:effectLst/>
-                          <a:latin typeface="Times New Roman" panose="02020603050405020304" pitchFamily="18" charset="0"/>
+                          <a:latin typeface="+mn-lt"/>
                           <a:ea typeface="+mn-ea"/>
-                          <a:cs typeface="Times New Roman" panose="02020603050405020304" pitchFamily="18" charset="0"/>
-                        </a:rPr>
-                        <a:t>Bagnulo</a:t>
-                      </a:r>
-                      <a:r>
-                        <a:rPr lang="en-US" sz="1600" b="0" i="0" kern="1200" dirty="0" smtClean="0">
+                          <a:cs typeface="+mn-cs"/>
+                        </a:rPr>
+                        <a:t> </a:t>
+                      </a:r>
+                      <a:r>
+                        <a:rPr lang="en-US" sz="1800" b="0" i="0" u="none" strike="noStrike" kern="1200" dirty="0" err="1" smtClean="0">
                           <a:solidFill>
                             <a:schemeClr val="dk1"/>
                           </a:solidFill>
                           <a:effectLst/>
-                          <a:latin typeface="Times New Roman" panose="02020603050405020304" pitchFamily="18" charset="0"/>
+                          <a:latin typeface="+mn-lt"/>
                           <a:ea typeface="+mn-ea"/>
-                          <a:cs typeface="Times New Roman" panose="02020603050405020304" pitchFamily="18" charset="0"/>
-                        </a:rPr>
-                        <a:t>; </a:t>
-                      </a:r>
-                      <a:r>
-                        <a:rPr lang="en-US" sz="1600" b="0" i="0" u="none" strike="noStrike" kern="1200" dirty="0" smtClean="0">
+                          <a:cs typeface="+mn-cs"/>
+                        </a:rPr>
+                        <a:t>Suraya</a:t>
+                      </a:r>
+                      <a:r>
+                        <a:rPr lang="en-US" sz="1800" b="0" i="0" u="none" strike="noStrike" kern="1200" dirty="0" smtClean="0">
                           <a:solidFill>
                             <a:schemeClr val="dk1"/>
                           </a:solidFill>
                           <a:effectLst/>
-                          <a:latin typeface="Times New Roman" panose="02020603050405020304" pitchFamily="18" charset="0"/>
+                          <a:latin typeface="+mn-lt"/>
                           <a:ea typeface="+mn-ea"/>
-                          <a:cs typeface="Times New Roman" panose="02020603050405020304" pitchFamily="18" charset="0"/>
-                        </a:rPr>
-                        <a:t>Alberto Garcia-Martinez</a:t>
-                      </a:r>
-                      <a:r>
-                        <a:rPr lang="en-US" sz="1600" b="0" i="0" kern="1200" dirty="0" smtClean="0">
+                          <a:cs typeface="+mn-cs"/>
+                        </a:rPr>
+                        <a:t> </a:t>
+                      </a:r>
+                      <a:r>
+                        <a:rPr lang="en-US" sz="1800" b="0" i="0" u="none" strike="noStrike" kern="1200" dirty="0" err="1" smtClean="0">
                           <a:solidFill>
                             <a:schemeClr val="dk1"/>
                           </a:solidFill>
                           <a:effectLst/>
-                          <a:latin typeface="Times New Roman" panose="02020603050405020304" pitchFamily="18" charset="0"/>
+                          <a:latin typeface="+mn-lt"/>
                           <a:ea typeface="+mn-ea"/>
-                          <a:cs typeface="Times New Roman" panose="02020603050405020304" pitchFamily="18" charset="0"/>
-                        </a:rPr>
-                        <a:t>; </a:t>
-                      </a:r>
-                      <a:r>
-                        <a:rPr lang="en-US" sz="1600" b="0" i="0" u="none" strike="noStrike" kern="1200" dirty="0" err="1" smtClean="0">
+                          <a:cs typeface="+mn-cs"/>
+                        </a:rPr>
+                        <a:t>Shaharuddin</a:t>
+                      </a:r>
+                      <a:r>
+                        <a:rPr lang="en-US" sz="1800" b="0" i="0" kern="1200" dirty="0" smtClean="0">
                           <a:solidFill>
                             <a:schemeClr val="dk1"/>
                           </a:solidFill>
                           <a:effectLst/>
-                          <a:latin typeface="Times New Roman" panose="02020603050405020304" pitchFamily="18" charset="0"/>
+                          <a:latin typeface="+mn-lt"/>
                           <a:ea typeface="+mn-ea"/>
-                          <a:cs typeface="Times New Roman" panose="02020603050405020304" pitchFamily="18" charset="0"/>
-                        </a:rPr>
-                        <a:t>Iljitsch</a:t>
-                      </a:r>
-                      <a:r>
-                        <a:rPr lang="en-US" sz="1600" b="0" i="0" u="none" strike="noStrike" kern="1200" dirty="0" smtClean="0">
+                          <a:cs typeface="+mn-cs"/>
+                        </a:rPr>
+                        <a:t>; </a:t>
+                      </a:r>
+                      <a:r>
+                        <a:rPr lang="en-US" sz="1800" b="0" i="0" u="none" strike="noStrike" kern="1200" dirty="0" err="1" smtClean="0">
                           <a:solidFill>
                             <a:schemeClr val="dk1"/>
                           </a:solidFill>
                           <a:effectLst/>
-                          <a:latin typeface="Times New Roman" panose="02020603050405020304" pitchFamily="18" charset="0"/>
+                          <a:latin typeface="+mn-lt"/>
                           <a:ea typeface="+mn-ea"/>
-                          <a:cs typeface="Times New Roman" panose="02020603050405020304" pitchFamily="18" charset="0"/>
-                        </a:rPr>
-                        <a:t> Van </a:t>
-                      </a:r>
-                      <a:r>
-                        <a:rPr lang="en-US" sz="1600" b="0" i="0" u="none" strike="noStrike" kern="1200" dirty="0" err="1" smtClean="0">
+                          <a:cs typeface="+mn-cs"/>
+                        </a:rPr>
+                        <a:t>Ruhani</a:t>
+                      </a:r>
+                      <a:r>
+                        <a:rPr lang="en-US" sz="1800" b="0" i="0" u="none" strike="noStrike" kern="1200" dirty="0" smtClean="0">
                           <a:solidFill>
                             <a:schemeClr val="dk1"/>
                           </a:solidFill>
                           <a:effectLst/>
-                          <a:latin typeface="Times New Roman" panose="02020603050405020304" pitchFamily="18" charset="0"/>
+                          <a:latin typeface="+mn-lt"/>
                           <a:ea typeface="+mn-ea"/>
-                          <a:cs typeface="Times New Roman" panose="02020603050405020304" pitchFamily="18" charset="0"/>
-                        </a:rPr>
-                        <a:t>Beijnum</a:t>
+                          <a:cs typeface="+mn-cs"/>
+                        </a:rPr>
+                        <a:t> </a:t>
+                      </a:r>
+                      <a:r>
+                        <a:rPr lang="en-US" sz="1800" b="0" i="0" u="none" strike="noStrike" kern="1200" dirty="0" err="1" smtClean="0">
+                          <a:solidFill>
+                            <a:schemeClr val="dk1"/>
+                          </a:solidFill>
+                          <a:effectLst/>
+                          <a:latin typeface="+mn-lt"/>
+                          <a:ea typeface="+mn-ea"/>
+                          <a:cs typeface="+mn-cs"/>
+                        </a:rPr>
+                        <a:t>Ab</a:t>
+                      </a:r>
+                      <a:r>
+                        <a:rPr lang="en-US" sz="1800" b="0" i="0" u="none" strike="noStrike" kern="1200" dirty="0" smtClean="0">
+                          <a:solidFill>
+                            <a:schemeClr val="dk1"/>
+                          </a:solidFill>
+                          <a:effectLst/>
+                          <a:latin typeface="+mn-lt"/>
+                          <a:ea typeface="+mn-ea"/>
+                          <a:cs typeface="+mn-cs"/>
+                        </a:rPr>
+                        <a:t> Rahman</a:t>
+                      </a:r>
+                      <a:r>
+                        <a:rPr lang="en-US" sz="1800" b="0" i="0" kern="1200" dirty="0" smtClean="0">
+                          <a:solidFill>
+                            <a:schemeClr val="dk1"/>
+                          </a:solidFill>
+                          <a:effectLst/>
+                          <a:latin typeface="+mn-lt"/>
+                          <a:ea typeface="+mn-ea"/>
+                          <a:cs typeface="+mn-cs"/>
+                        </a:rPr>
+                        <a:t>; </a:t>
+                      </a:r>
+                      <a:r>
+                        <a:rPr lang="en-US" sz="1800" b="0" i="0" u="none" strike="noStrike" kern="1200" dirty="0" err="1" smtClean="0">
+                          <a:solidFill>
+                            <a:schemeClr val="dk1"/>
+                          </a:solidFill>
+                          <a:effectLst/>
+                          <a:latin typeface="+mn-lt"/>
+                          <a:ea typeface="+mn-ea"/>
+                          <a:cs typeface="+mn-cs"/>
+                        </a:rPr>
+                        <a:t>Murizah</a:t>
+                      </a:r>
+                      <a:r>
+                        <a:rPr lang="en-US" sz="1800" b="0" i="0" u="none" strike="noStrike" kern="1200" dirty="0" smtClean="0">
+                          <a:solidFill>
+                            <a:schemeClr val="dk1"/>
+                          </a:solidFill>
+                          <a:effectLst/>
+                          <a:latin typeface="+mn-lt"/>
+                          <a:ea typeface="+mn-ea"/>
+                          <a:cs typeface="+mn-cs"/>
+                        </a:rPr>
+                        <a:t> </a:t>
+                      </a:r>
+                      <a:r>
+                        <a:rPr lang="en-US" sz="1800" b="0" i="0" u="none" strike="noStrike" kern="1200" dirty="0" err="1" smtClean="0">
+                          <a:solidFill>
+                            <a:schemeClr val="dk1"/>
+                          </a:solidFill>
+                          <a:effectLst/>
+                          <a:latin typeface="+mn-lt"/>
+                          <a:ea typeface="+mn-ea"/>
+                          <a:cs typeface="+mn-cs"/>
+                        </a:rPr>
+                        <a:t>Kassim</a:t>
+                      </a:r>
+                      <a:r>
+                        <a:rPr lang="en-US" sz="1800" b="0" i="0" kern="1200" dirty="0" smtClean="0">
+                          <a:solidFill>
+                            <a:schemeClr val="dk1"/>
+                          </a:solidFill>
+                          <a:effectLst/>
+                          <a:latin typeface="+mn-lt"/>
+                          <a:ea typeface="+mn-ea"/>
+                          <a:cs typeface="+mn-cs"/>
+                        </a:rPr>
+                        <a:t>; </a:t>
+                      </a:r>
+                      <a:r>
+                        <a:rPr lang="en-US" sz="1800" b="0" i="0" u="none" strike="noStrike" kern="1200" dirty="0" smtClean="0">
+                          <a:solidFill>
+                            <a:schemeClr val="dk1"/>
+                          </a:solidFill>
+                          <a:effectLst/>
+                          <a:latin typeface="+mn-lt"/>
+                          <a:ea typeface="+mn-ea"/>
+                          <a:cs typeface="+mn-cs"/>
+                        </a:rPr>
+                        <a:t>Mat </a:t>
+                      </a:r>
+                      <a:r>
+                        <a:rPr lang="en-US" sz="1800" b="0" i="0" u="none" strike="noStrike" kern="1200" dirty="0" err="1" smtClean="0">
+                          <a:solidFill>
+                            <a:schemeClr val="dk1"/>
+                          </a:solidFill>
+                          <a:effectLst/>
+                          <a:latin typeface="+mn-lt"/>
+                          <a:ea typeface="+mn-ea"/>
+                          <a:cs typeface="+mn-cs"/>
+                        </a:rPr>
+                        <a:t>Ikram</a:t>
+                      </a:r>
+                      <a:r>
+                        <a:rPr lang="en-US" sz="1800" b="0" i="0" u="none" strike="noStrike" kern="1200" dirty="0" smtClean="0">
+                          <a:solidFill>
+                            <a:schemeClr val="dk1"/>
+                          </a:solidFill>
+                          <a:effectLst/>
+                          <a:latin typeface="+mn-lt"/>
+                          <a:ea typeface="+mn-ea"/>
+                          <a:cs typeface="+mn-cs"/>
+                        </a:rPr>
+                        <a:t> </a:t>
+                      </a:r>
+                      <a:r>
+                        <a:rPr lang="en-US" sz="1800" b="0" i="0" u="none" strike="noStrike" kern="1200" dirty="0" err="1" smtClean="0">
+                          <a:solidFill>
+                            <a:schemeClr val="dk1"/>
+                          </a:solidFill>
+                          <a:effectLst/>
+                          <a:latin typeface="+mn-lt"/>
+                          <a:ea typeface="+mn-ea"/>
+                          <a:cs typeface="+mn-cs"/>
+                        </a:rPr>
+                        <a:t>Yusof</a:t>
                       </a:r>
                       <a:endParaRPr lang="en-US" sz="1600" dirty="0">
                         <a:latin typeface="Times New Roman" panose="02020603050405020304" pitchFamily="18" charset="0"/>
@@ -4895,39 +5025,88 @@
                     <a:lstStyle/>
                     <a:p>
                       <a:r>
+                        <a:rPr lang="en-US" sz="1200" dirty="0" err="1" smtClean="0">
+                          <a:latin typeface="Times New Roman" panose="02020603050405020304" pitchFamily="18" charset="0"/>
+                          <a:cs typeface="Times New Roman" panose="02020603050405020304" pitchFamily="18" charset="0"/>
+                        </a:rPr>
+                        <a:t>Ummi</a:t>
+                      </a:r>
+                      <a:r>
                         <a:rPr lang="en-US" sz="1200" dirty="0" smtClean="0">
                           <a:latin typeface="Times New Roman" panose="02020603050405020304" pitchFamily="18" charset="0"/>
                           <a:cs typeface="Times New Roman" panose="02020603050405020304" pitchFamily="18" charset="0"/>
                         </a:rPr>
-                        <a:t>M. </a:t>
+                        <a:t> </a:t>
                       </a:r>
                       <a:r>
                         <a:rPr lang="en-US" sz="1200" dirty="0" err="1" smtClean="0">
                           <a:latin typeface="Times New Roman" panose="02020603050405020304" pitchFamily="18" charset="0"/>
                           <a:cs typeface="Times New Roman" panose="02020603050405020304" pitchFamily="18" charset="0"/>
                         </a:rPr>
-                        <a:t>Bagnulo</a:t>
+                        <a:t>Suraya</a:t>
                       </a:r>
                       <a:r>
                         <a:rPr lang="en-US" sz="1200" dirty="0" smtClean="0">
                           <a:latin typeface="Times New Roman" panose="02020603050405020304" pitchFamily="18" charset="0"/>
                           <a:cs typeface="Times New Roman" panose="02020603050405020304" pitchFamily="18" charset="0"/>
                         </a:rPr>
-                        <a:t>, A. Garcia-Martinez and I. V. </a:t>
+                        <a:t> </a:t>
                       </a:r>
                       <a:r>
                         <a:rPr lang="en-US" sz="1200" dirty="0" err="1" smtClean="0">
                           <a:latin typeface="Times New Roman" panose="02020603050405020304" pitchFamily="18" charset="0"/>
                           <a:cs typeface="Times New Roman" panose="02020603050405020304" pitchFamily="18" charset="0"/>
                         </a:rPr>
-                        <a:t>Beijnum</a:t>
+                        <a:t>Shaharuddin</a:t>
                       </a:r>
                       <a:r>
                         <a:rPr lang="en-US" sz="1200" dirty="0" smtClean="0">
                           <a:latin typeface="Times New Roman" panose="02020603050405020304" pitchFamily="18" charset="0"/>
                           <a:cs typeface="Times New Roman" panose="02020603050405020304" pitchFamily="18" charset="0"/>
                         </a:rPr>
-                        <a:t>, "The NAT64/DNS64 tool suite for IPv6 transition," in IEEE Communications Magazine, vol. 50, no. 7, pp. 177-183, July 2012, doi: 10.1109/MCOM.2012.6231295.</a:t>
+                        <a:t>, R. </a:t>
+                      </a:r>
+                      <a:r>
+                        <a:rPr lang="en-US" sz="1200" dirty="0" err="1" smtClean="0">
+                          <a:latin typeface="Times New Roman" panose="02020603050405020304" pitchFamily="18" charset="0"/>
+                          <a:cs typeface="Times New Roman" panose="02020603050405020304" pitchFamily="18" charset="0"/>
+                        </a:rPr>
+                        <a:t>Ab</a:t>
+                      </a:r>
+                      <a:r>
+                        <a:rPr lang="en-US" sz="1200" dirty="0" smtClean="0">
+                          <a:latin typeface="Times New Roman" panose="02020603050405020304" pitchFamily="18" charset="0"/>
+                          <a:cs typeface="Times New Roman" panose="02020603050405020304" pitchFamily="18" charset="0"/>
+                        </a:rPr>
+                        <a:t> Rahman, M. </a:t>
+                      </a:r>
+                      <a:r>
+                        <a:rPr lang="en-US" sz="1200" dirty="0" err="1" smtClean="0">
+                          <a:latin typeface="Times New Roman" panose="02020603050405020304" pitchFamily="18" charset="0"/>
+                          <a:cs typeface="Times New Roman" panose="02020603050405020304" pitchFamily="18" charset="0"/>
+                        </a:rPr>
+                        <a:t>Kassim</a:t>
+                      </a:r>
+                      <a:r>
+                        <a:rPr lang="en-US" sz="1200" dirty="0" smtClean="0">
+                          <a:latin typeface="Times New Roman" panose="02020603050405020304" pitchFamily="18" charset="0"/>
+                          <a:cs typeface="Times New Roman" panose="02020603050405020304" pitchFamily="18" charset="0"/>
+                        </a:rPr>
+                        <a:t> and M. I. </a:t>
+                      </a:r>
+                      <a:r>
+                        <a:rPr lang="en-US" sz="1200" dirty="0" err="1" smtClean="0">
+                          <a:latin typeface="Times New Roman" panose="02020603050405020304" pitchFamily="18" charset="0"/>
+                          <a:cs typeface="Times New Roman" panose="02020603050405020304" pitchFamily="18" charset="0"/>
+                        </a:rPr>
+                        <a:t>Yusof</a:t>
+                      </a:r>
+                      <a:r>
+                        <a:rPr lang="en-US" sz="1200" dirty="0" smtClean="0">
+                          <a:latin typeface="Times New Roman" panose="02020603050405020304" pitchFamily="18" charset="0"/>
+                          <a:cs typeface="Times New Roman" panose="02020603050405020304" pitchFamily="18" charset="0"/>
+                        </a:rPr>
+                        <a:t>, "Performance comparison of Multimedia Applications over IPv4 and IPv6 Dual Stack technology," 2016 6th International Conference on System Engineering and Technology (ICSET), 2016, pp. 1-6, doi: 10.1109/ICSEngT.2016.7849613.</a:t>
                       </a:r>
                       <a:endParaRPr lang="en-US" sz="1200" dirty="0">
                         <a:latin typeface="Times New Roman" panose="02020603050405020304" pitchFamily="18" charset="0"/>
@@ -4943,7 +5122,7 @@
                     <a:lstStyle/>
                     <a:p>
                       <a:r>
-                        <a:rPr lang="en-US" sz="1400" b="0" i="0" kern="1200" dirty="0" smtClean="0">
+                        <a:rPr lang="en-US" sz="1600" b="0" i="0" kern="1200" dirty="0" smtClean="0">
                           <a:solidFill>
                             <a:schemeClr val="dk1"/>
                           </a:solidFill>
@@ -4952,63 +5131,9 @@
                           <a:ea typeface="+mn-ea"/>
                           <a:cs typeface="Times New Roman" panose="02020603050405020304" pitchFamily="18" charset="0"/>
                         </a:rPr>
-                        <a:t>NAT64 (NAT-Network Address Translation)translates IPv6 packets into IPv4 packets and vice versa.</a:t>
-                      </a:r>
-                    </a:p>
-                    <a:p>
-                      <a:r>
-                        <a:rPr lang="en-US" sz="1400" b="0" i="0" kern="1200" dirty="0" smtClean="0">
-                          <a:solidFill>
-                            <a:schemeClr val="dk1"/>
-                          </a:solidFill>
-                          <a:effectLst/>
-                          <a:latin typeface="Times New Roman" panose="02020603050405020304" pitchFamily="18" charset="0"/>
-                          <a:ea typeface="+mn-ea"/>
-                          <a:cs typeface="Times New Roman" panose="02020603050405020304" pitchFamily="18" charset="0"/>
-                        </a:rPr>
-                        <a:t>Binding Information</a:t>
-                      </a:r>
-                      <a:r>
-                        <a:rPr lang="en-US" sz="1400" b="0" i="0" kern="1200" baseline="0" dirty="0" smtClean="0">
-                          <a:solidFill>
-                            <a:schemeClr val="dk1"/>
-                          </a:solidFill>
-                          <a:effectLst/>
-                          <a:latin typeface="Times New Roman" panose="02020603050405020304" pitchFamily="18" charset="0"/>
-                          <a:ea typeface="+mn-ea"/>
-                          <a:cs typeface="Times New Roman" panose="02020603050405020304" pitchFamily="18" charset="0"/>
-                        </a:rPr>
-                        <a:t> Base,</a:t>
-                      </a:r>
-                    </a:p>
-                    <a:p>
-                      <a:r>
-                        <a:rPr lang="en-US" sz="1400" b="0" i="0" kern="1200" baseline="0" dirty="0" smtClean="0">
-                          <a:solidFill>
-                            <a:schemeClr val="dk1"/>
-                          </a:solidFill>
-                          <a:effectLst/>
-                          <a:latin typeface="Times New Roman" panose="02020603050405020304" pitchFamily="18" charset="0"/>
-                          <a:ea typeface="+mn-ea"/>
-                          <a:cs typeface="Times New Roman" panose="02020603050405020304" pitchFamily="18" charset="0"/>
-                        </a:rPr>
-                        <a:t>Session Table,</a:t>
-                      </a:r>
-                    </a:p>
-                    <a:p>
-                      <a:r>
-                        <a:rPr lang="en-US" sz="1400" b="0" i="0" kern="1200" dirty="0" smtClean="0">
-                          <a:solidFill>
-                            <a:schemeClr val="dk1"/>
-                          </a:solidFill>
-                          <a:effectLst/>
-                          <a:latin typeface="Times New Roman" panose="02020603050405020304" pitchFamily="18" charset="0"/>
-                          <a:ea typeface="+mn-ea"/>
-                          <a:cs typeface="Times New Roman" panose="02020603050405020304" pitchFamily="18" charset="0"/>
-                        </a:rPr>
-                        <a:t>DNS64 synthesizes AAAA resource records (AAAA RRs) from A resource records (A RRs)</a:t>
-                      </a:r>
-                      <a:endParaRPr lang="en-US" sz="1400" dirty="0">
+                        <a:t>RIPv2 routing protocol for both GNS3 simulation and Cisco hardware routers</a:t>
+                      </a:r>
+                      <a:endParaRPr lang="en-US" sz="1600" dirty="0">
                         <a:latin typeface="Times New Roman" panose="02020603050405020304" pitchFamily="18" charset="0"/>
                         <a:cs typeface="Times New Roman" panose="02020603050405020304" pitchFamily="18" charset="0"/>
                       </a:endParaRPr>
@@ -5022,7 +5147,7 @@
                     <a:lstStyle/>
                     <a:p>
                       <a:r>
-                        <a:rPr lang="en-US" sz="1400" b="0" i="0" kern="1200" dirty="0" smtClean="0">
+                        <a:rPr lang="en-US" sz="1600" b="0" i="0" kern="1200" dirty="0" smtClean="0">
                           <a:solidFill>
                             <a:schemeClr val="dk1"/>
                           </a:solidFill>
@@ -5031,23 +5156,9 @@
                           <a:ea typeface="+mn-ea"/>
                           <a:cs typeface="Times New Roman" panose="02020603050405020304" pitchFamily="18" charset="0"/>
                         </a:rPr>
-                        <a:t>The DNS64/NAT64 manages explicitly only communications initiated from the IPv6 side. </a:t>
-                      </a:r>
-                    </a:p>
-                    <a:p>
-                      <a:r>
-                        <a:rPr lang="en-US" sz="1400" b="0" i="0" kern="1200" dirty="0" smtClean="0">
-                          <a:solidFill>
-                            <a:schemeClr val="dk1"/>
-                          </a:solidFill>
-                          <a:effectLst/>
-                          <a:latin typeface="Times New Roman" panose="02020603050405020304" pitchFamily="18" charset="0"/>
-                          <a:ea typeface="+mn-ea"/>
-                          <a:cs typeface="Times New Roman" panose="02020603050405020304" pitchFamily="18" charset="0"/>
-                        </a:rPr>
-                        <a:t>DNS64 is a full-fledged architectural component that is part of a DNS resolver, As such, it does not need to transparently intercept DNS queries. DNS64/NAT64 uses by default the Well-Known Prefix that allows having a globally valid IPv6 representation of an IPv4 address.</a:t>
-                      </a:r>
-                      <a:endParaRPr lang="en-US" sz="1400" dirty="0">
+                        <a:t>IPv6 is better compared to IPv4 through Dual Stack protocol. Multimedia streaming data analysis proved that IPv6 is faster than IPv4 transmission with Dual stack protocol.</a:t>
+                      </a:r>
+                      <a:endParaRPr lang="en-US" sz="1600" dirty="0">
                         <a:latin typeface="Times New Roman" panose="02020603050405020304" pitchFamily="18" charset="0"/>
                         <a:cs typeface="Times New Roman" panose="02020603050405020304" pitchFamily="18" charset="0"/>
                       </a:endParaRPr>
@@ -5063,7 +5174,7 @@
     </p:spTree>
     <p:extLst>
       <p:ext uri="{BB962C8B-B14F-4D97-AF65-F5344CB8AC3E}">
-        <p14:creationId xmlns:p14="http://schemas.microsoft.com/office/powerpoint/2010/main" val="2768559702"/>
+        <p14:creationId xmlns:p14="http://schemas.microsoft.com/office/powerpoint/2010/main" val="2426074611"/>
       </p:ext>
     </p:extLst>
   </p:cSld>
@@ -5107,7 +5218,7 @@
           <a:p>
             <a:fld id="{05229871-6294-4FDC-ADFB-03568C29F7D6}" type="datetime1">
               <a:rPr lang="en-US" smtClean="0"/>
-              <a:t>21-Sep-21</a:t>
+              <a:t>22-Sep-21</a:t>
             </a:fld>
             <a:endParaRPr lang="en-US"/>
           </a:p>
@@ -5169,14 +5280,14 @@
           <p:nvPr>
             <p:extLst>
               <p:ext uri="{D42A27DB-BD31-4B8C-83A1-F6EECF244321}">
-                <p14:modId xmlns:p14="http://schemas.microsoft.com/office/powerpoint/2010/main" val="2881337042"/>
+                <p14:modId xmlns:p14="http://schemas.microsoft.com/office/powerpoint/2010/main" val="850537998"/>
               </p:ext>
             </p:extLst>
           </p:nvPr>
         </p:nvGraphicFramePr>
         <p:xfrm>
-          <a:off x="685800" y="381000"/>
-          <a:ext cx="7848600" cy="5715000"/>
+          <a:off x="533400" y="1066800"/>
+          <a:ext cx="7848600" cy="4267200"/>
         </p:xfrm>
         <a:graphic>
           <a:graphicData uri="http://schemas.openxmlformats.org/drawingml/2006/table">
@@ -5287,7 +5398,7 @@
                   <a:tcPr/>
                 </a:tc>
               </a:tr>
-              <a:tr h="4636698">
+              <a:tr h="3188898">
                 <a:tc>
                   <a:txBody>
                     <a:bodyPr/>
@@ -5512,6 +5623,57 @@
                     <a:bodyPr/>
                     <a:lstStyle/>
                     <a:p>
+                      <a:r>
+                        <a:rPr lang="en-US" sz="1400" dirty="0" smtClean="0">
+                          <a:latin typeface="Times New Roman" panose="02020603050405020304" pitchFamily="18" charset="0"/>
+                          <a:cs typeface="Times New Roman" panose="02020603050405020304" pitchFamily="18" charset="0"/>
+                        </a:rPr>
+                        <a:t>Static </a:t>
+                      </a:r>
+                      <a:r>
+                        <a:rPr lang="en-US" sz="1400" dirty="0" err="1" smtClean="0">
+                          <a:latin typeface="Times New Roman" panose="02020603050405020304" pitchFamily="18" charset="0"/>
+                          <a:cs typeface="Times New Roman" panose="02020603050405020304" pitchFamily="18" charset="0"/>
+                        </a:rPr>
+                        <a:t>Routing</a:t>
+                      </a:r>
+                      <a:r>
+                        <a:rPr lang="en-US" sz="1400" baseline="0" dirty="0" err="1" smtClean="0">
+                          <a:latin typeface="Times New Roman" panose="02020603050405020304" pitchFamily="18" charset="0"/>
+                          <a:cs typeface="Times New Roman" panose="02020603050405020304" pitchFamily="18" charset="0"/>
+                        </a:rPr>
+                        <a:t>,Dynamic</a:t>
+                      </a:r>
+                      <a:r>
+                        <a:rPr lang="en-US" sz="1400" baseline="0" dirty="0" smtClean="0">
+                          <a:latin typeface="Times New Roman" panose="02020603050405020304" pitchFamily="18" charset="0"/>
+                          <a:cs typeface="Times New Roman" panose="02020603050405020304" pitchFamily="18" charset="0"/>
+                        </a:rPr>
+                        <a:t> </a:t>
+                      </a:r>
+                      <a:r>
+                        <a:rPr lang="en-US" sz="1400" baseline="0" dirty="0" err="1" smtClean="0">
+                          <a:latin typeface="Times New Roman" panose="02020603050405020304" pitchFamily="18" charset="0"/>
+                          <a:cs typeface="Times New Roman" panose="02020603050405020304" pitchFamily="18" charset="0"/>
+                        </a:rPr>
+                        <a:t>Rounting,Open</a:t>
+                      </a:r>
+                      <a:r>
+                        <a:rPr lang="en-US" sz="1400" baseline="0" dirty="0" smtClean="0">
+                          <a:latin typeface="Times New Roman" panose="02020603050405020304" pitchFamily="18" charset="0"/>
+                          <a:cs typeface="Times New Roman" panose="02020603050405020304" pitchFamily="18" charset="0"/>
+                        </a:rPr>
+                        <a:t> Shortest Path First(OSPF)</a:t>
+                      </a:r>
+                    </a:p>
+                    <a:p>
+                      <a:r>
+                        <a:rPr lang="en-US" sz="1400" baseline="0" dirty="0" smtClean="0">
+                          <a:latin typeface="Times New Roman" panose="02020603050405020304" pitchFamily="18" charset="0"/>
+                          <a:cs typeface="Times New Roman" panose="02020603050405020304" pitchFamily="18" charset="0"/>
+                        </a:rPr>
+                        <a:t>Performance metrics-Latency and Throughput</a:t>
+                      </a:r>
                       <a:endParaRPr lang="en-US" sz="1400" dirty="0">
                         <a:latin typeface="Times New Roman" panose="02020603050405020304" pitchFamily="18" charset="0"/>
                         <a:cs typeface="Times New Roman" panose="02020603050405020304" pitchFamily="18" charset="0"/>
@@ -5525,7 +5687,19 @@
                     <a:bodyPr/>
                     <a:lstStyle/>
                     <a:p>
-                      <a:endParaRPr lang="en-US" sz="1400" dirty="0">
+                      <a:r>
+                        <a:rPr lang="en-US" sz="1600" b="0" i="0" kern="1200" dirty="0" smtClean="0">
+                          <a:solidFill>
+                            <a:schemeClr val="dk1"/>
+                          </a:solidFill>
+                          <a:effectLst/>
+                          <a:latin typeface="Times New Roman" panose="02020603050405020304" pitchFamily="18" charset="0"/>
+                          <a:ea typeface="+mn-ea"/>
+                          <a:cs typeface="Times New Roman" panose="02020603050405020304" pitchFamily="18" charset="0"/>
+                        </a:rPr>
+                        <a:t>IPv6 protocol along with providing much wider address space also provides less latency and better throughput than the IPv4 protocol.</a:t>
+                      </a:r>
+                      <a:endParaRPr lang="en-US" sz="1600" dirty="0">
                         <a:latin typeface="Times New Roman" panose="02020603050405020304" pitchFamily="18" charset="0"/>
                         <a:cs typeface="Times New Roman" panose="02020603050405020304" pitchFamily="18" charset="0"/>
                       </a:endParaRPr>
@@ -5570,224 +5744,58 @@
       </p:grpSpPr>
       <p:sp>
         <p:nvSpPr>
-          <p:cNvPr id="3" name="Content Placeholder 2">
-            <a:extLst>
-              <a:ext uri="{FF2B5EF4-FFF2-40B4-BE49-F238E27FC236}">
-                <a16:creationId xmlns:a16="http://schemas.microsoft.com/office/drawing/2014/main" xmlns="" id="{9FEAD64D-79FF-4795-84B6-68D804FD3CE2}"/>
-              </a:ext>
-            </a:extLst>
-          </p:cNvPr>
-          <p:cNvSpPr>
-            <a:spLocks noGrp="1"/>
-          </p:cNvSpPr>
-          <p:nvPr>
-            <p:ph idx="1"/>
+          <p:cNvPr id="2" name="Title 1"/>
+          <p:cNvSpPr>
+            <a:spLocks noGrp="1"/>
+          </p:cNvSpPr>
+          <p:nvPr>
+            <p:ph type="title"/>
           </p:nvPr>
         </p:nvSpPr>
         <p:spPr>
-          <a:xfrm>
-            <a:off x="152400" y="304800"/>
-            <a:ext cx="8534400" cy="5821363"/>
-          </a:xfrm>
+          <a:solidFill>
+            <a:srgbClr val="0000FF"/>
+          </a:solidFill>
         </p:spPr>
         <p:txBody>
           <a:bodyPr>
-            <a:normAutofit/>
+            <a:noAutofit/>
           </a:bodyPr>
           <a:lstStyle/>
           <a:p>
-            <a:pPr indent="0" algn="just">
-              <a:lnSpc>
-                <a:spcPct val="115000"/>
-              </a:lnSpc>
-              <a:spcAft>
-                <a:spcPts val="1000"/>
-              </a:spcAft>
-              <a:buNone/>
-            </a:pPr>
-            <a:endParaRPr lang="en-IN" sz="1600" b="1" dirty="0">
-              <a:latin typeface="Times New Roman" panose="02020603050405020304" pitchFamily="18" charset="0"/>
-              <a:ea typeface="Times New Roman" panose="02020603050405020304" pitchFamily="18" charset="0"/>
-              <a:cs typeface="Times New Roman" panose="02020603050405020304" pitchFamily="18" charset="0"/>
+            <a:r>
+              <a:rPr lang="en-US" sz="3600" b="1" dirty="0">
+                <a:solidFill>
+                  <a:schemeClr val="bg1"/>
+                </a:solidFill>
+                <a:latin typeface="Times New Roman" panose="02020603050405020304" pitchFamily="18" charset="0"/>
+                <a:cs typeface="Times New Roman" panose="02020603050405020304" pitchFamily="18" charset="0"/>
+              </a:rPr>
+              <a:t>Basic </a:t>
+            </a:r>
+            <a:r>
+              <a:rPr lang="en-US" sz="3600" b="1" dirty="0" smtClean="0">
+                <a:solidFill>
+                  <a:schemeClr val="bg1"/>
+                </a:solidFill>
+                <a:latin typeface="Times New Roman" panose="02020603050405020304" pitchFamily="18" charset="0"/>
+                <a:cs typeface="Times New Roman" panose="02020603050405020304" pitchFamily="18" charset="0"/>
+              </a:rPr>
+              <a:t>Architecture</a:t>
+            </a:r>
+            <a:endParaRPr lang="en-US" sz="3600" b="1" dirty="0">
+              <a:solidFill>
+                <a:schemeClr val="bg1"/>
+              </a:solidFill>
+              <a:latin typeface="Times New Roman" pitchFamily="18" charset="0"/>
+              <a:cs typeface="Times New Roman" pitchFamily="18" charset="0"/>
             </a:endParaRPr>
           </a:p>
-          <a:p>
-            <a:pPr indent="0" algn="just">
-              <a:lnSpc>
-                <a:spcPct val="115000"/>
-              </a:lnSpc>
-              <a:spcAft>
-                <a:spcPts val="1000"/>
-              </a:spcAft>
-              <a:buNone/>
-            </a:pPr>
-            <a:r>
-              <a:rPr lang="en-US" sz="1800" b="1" dirty="0">
-                <a:effectLst/>
-                <a:latin typeface="Calibri" panose="020F0502020204030204" pitchFamily="34" charset="0"/>
-                <a:ea typeface="Times New Roman" panose="02020603050405020304" pitchFamily="18" charset="0"/>
-              </a:rPr>
-              <a:t>Implementation of IPv6/IPv4 Dual-Stack Transition Mechanism </a:t>
-            </a:r>
-            <a:r>
-              <a:rPr lang="en-US" sz="1800" b="0" dirty="0">
-                <a:effectLst/>
-                <a:latin typeface="Times New Roman" panose="02020603050405020304" pitchFamily="18" charset="0"/>
-                <a:ea typeface="Times New Roman" panose="02020603050405020304" pitchFamily="18" charset="0"/>
-              </a:rPr>
-              <a:t> </a:t>
-            </a:r>
-            <a:endParaRPr lang="en-US" sz="1800" b="0" dirty="0" smtClean="0">
-              <a:effectLst/>
-              <a:latin typeface="Times New Roman" panose="02020603050405020304" pitchFamily="18" charset="0"/>
-              <a:ea typeface="Times New Roman" panose="02020603050405020304" pitchFamily="18" charset="0"/>
-            </a:endParaRPr>
-          </a:p>
-          <a:p>
-            <a:pPr indent="0" algn="just">
-              <a:lnSpc>
-                <a:spcPct val="115000"/>
-              </a:lnSpc>
-              <a:spcAft>
-                <a:spcPts val="1000"/>
-              </a:spcAft>
-              <a:buNone/>
-            </a:pPr>
-            <a:endParaRPr lang="en-IN" sz="1800" b="1" dirty="0">
-              <a:latin typeface="Times New Roman" panose="02020603050405020304" pitchFamily="18" charset="0"/>
-              <a:ea typeface="Times New Roman" panose="02020603050405020304" pitchFamily="18" charset="0"/>
-            </a:endParaRPr>
-          </a:p>
-          <a:p>
-            <a:pPr marL="628650" indent="-285750" algn="just">
-              <a:lnSpc>
-                <a:spcPct val="115000"/>
-              </a:lnSpc>
-              <a:spcAft>
-                <a:spcPts val="1000"/>
-              </a:spcAft>
-            </a:pPr>
-            <a:r>
-              <a:rPr lang="en-US" sz="1600" dirty="0">
-                <a:effectLst/>
-                <a:latin typeface="Times New Roman" panose="02020603050405020304" pitchFamily="18" charset="0"/>
-                <a:ea typeface="Calibri" panose="020F0502020204030204" pitchFamily="34" charset="0"/>
-                <a:cs typeface="Times New Roman" panose="02020603050405020304" pitchFamily="18" charset="0"/>
-              </a:rPr>
-              <a:t>With the rapid development of Internet, IPv4 protocol can no longer meet the needs of users. This is mainly due to the limitations of IPv4 in terms of addresses, routing and security. </a:t>
-            </a:r>
-            <a:endParaRPr lang="en-US" sz="1600" dirty="0" smtClean="0">
-              <a:effectLst/>
-              <a:latin typeface="Times New Roman" panose="02020603050405020304" pitchFamily="18" charset="0"/>
-              <a:ea typeface="Calibri" panose="020F0502020204030204" pitchFamily="34" charset="0"/>
-              <a:cs typeface="Times New Roman" panose="02020603050405020304" pitchFamily="18" charset="0"/>
-            </a:endParaRPr>
-          </a:p>
-          <a:p>
-            <a:pPr marL="628650" indent="-285750" algn="just">
-              <a:lnSpc>
-                <a:spcPct val="115000"/>
-              </a:lnSpc>
-              <a:spcAft>
-                <a:spcPts val="1000"/>
-              </a:spcAft>
-            </a:pPr>
-            <a:endParaRPr lang="en-US" sz="1600" dirty="0">
-              <a:effectLst/>
-              <a:latin typeface="Times New Roman" panose="02020603050405020304" pitchFamily="18" charset="0"/>
-              <a:ea typeface="Calibri" panose="020F0502020204030204" pitchFamily="34" charset="0"/>
-              <a:cs typeface="Times New Roman" panose="02020603050405020304" pitchFamily="18" charset="0"/>
-            </a:endParaRPr>
-          </a:p>
-          <a:p>
-            <a:pPr marL="628650" indent="-285750" algn="just">
-              <a:lnSpc>
-                <a:spcPct val="115000"/>
-              </a:lnSpc>
-              <a:spcAft>
-                <a:spcPts val="1000"/>
-              </a:spcAft>
-            </a:pPr>
-            <a:r>
-              <a:rPr lang="en-US" sz="1600" dirty="0">
-                <a:effectLst/>
-                <a:latin typeface="Times New Roman" panose="02020603050405020304" pitchFamily="18" charset="0"/>
-                <a:ea typeface="Calibri" panose="020F0502020204030204" pitchFamily="34" charset="0"/>
-                <a:cs typeface="Times New Roman" panose="02020603050405020304" pitchFamily="18" charset="0"/>
-              </a:rPr>
-              <a:t>Correspondingly, IPv6 has the advantage of large address space, security, mobility, quality of service and so on. So IPv6 protocol has become the inevitable trend of network development. However IPv4 and IPv6 are incompatible protocols, so a solution to transition is </a:t>
-            </a:r>
-            <a:r>
-              <a:rPr lang="en-US" sz="1600" dirty="0" smtClean="0">
-                <a:effectLst/>
-                <a:latin typeface="Times New Roman" panose="02020603050405020304" pitchFamily="18" charset="0"/>
-                <a:ea typeface="Calibri" panose="020F0502020204030204" pitchFamily="34" charset="0"/>
-                <a:cs typeface="Times New Roman" panose="02020603050405020304" pitchFamily="18" charset="0"/>
-              </a:rPr>
-              <a:t>required</a:t>
-            </a:r>
-            <a:r>
-              <a:rPr lang="en-US" sz="1600" dirty="0">
-                <a:effectLst/>
-                <a:latin typeface="Times New Roman" panose="02020603050405020304" pitchFamily="18" charset="0"/>
-                <a:ea typeface="Calibri" panose="020F0502020204030204" pitchFamily="34" charset="0"/>
-                <a:cs typeface="Times New Roman" panose="02020603050405020304" pitchFamily="18" charset="0"/>
-              </a:rPr>
-              <a:t>. </a:t>
-            </a:r>
-            <a:endParaRPr lang="en-US" sz="1600" dirty="0" smtClean="0">
-              <a:effectLst/>
-              <a:latin typeface="Times New Roman" panose="02020603050405020304" pitchFamily="18" charset="0"/>
-              <a:ea typeface="Calibri" panose="020F0502020204030204" pitchFamily="34" charset="0"/>
-              <a:cs typeface="Times New Roman" panose="02020603050405020304" pitchFamily="18" charset="0"/>
-            </a:endParaRPr>
-          </a:p>
-          <a:p>
-            <a:pPr marL="628650" indent="-285750" algn="just">
-              <a:lnSpc>
-                <a:spcPct val="115000"/>
-              </a:lnSpc>
-              <a:spcAft>
-                <a:spcPts val="1000"/>
-              </a:spcAft>
-            </a:pPr>
-            <a:endParaRPr lang="en-US" sz="1600" dirty="0">
-              <a:effectLst/>
-              <a:latin typeface="Times New Roman" panose="02020603050405020304" pitchFamily="18" charset="0"/>
-              <a:ea typeface="Calibri" panose="020F0502020204030204" pitchFamily="34" charset="0"/>
-              <a:cs typeface="Times New Roman" panose="02020603050405020304" pitchFamily="18" charset="0"/>
-            </a:endParaRPr>
-          </a:p>
-          <a:p>
-            <a:pPr marL="628650" indent="-285750" algn="just">
-              <a:lnSpc>
-                <a:spcPct val="115000"/>
-              </a:lnSpc>
-              <a:spcAft>
-                <a:spcPts val="1000"/>
-              </a:spcAft>
-            </a:pPr>
-            <a:r>
-              <a:rPr lang="en-US" sz="1600" dirty="0">
-                <a:effectLst/>
-                <a:latin typeface="Times New Roman" panose="02020603050405020304" pitchFamily="18" charset="0"/>
-                <a:ea typeface="Calibri" panose="020F0502020204030204" pitchFamily="34" charset="0"/>
-                <a:cs typeface="Times New Roman" panose="02020603050405020304" pitchFamily="18" charset="0"/>
-              </a:rPr>
-              <a:t>In order to achieve smooth and stepwise transition, IETF recommends three kinds of transition mechanisms: dual stack, tunneling and translation technology.</a:t>
-            </a:r>
-          </a:p>
-        </p:txBody>
-      </p:sp>
-      <p:sp>
-        <p:nvSpPr>
-          <p:cNvPr id="4" name="Date Placeholder 3">
-            <a:extLst>
-              <a:ext uri="{FF2B5EF4-FFF2-40B4-BE49-F238E27FC236}">
-                <a16:creationId xmlns:a16="http://schemas.microsoft.com/office/drawing/2014/main" xmlns="" id="{BADA8D08-B442-46D6-9832-F441A832C6E4}"/>
-              </a:ext>
-            </a:extLst>
-          </p:cNvPr>
+        </p:txBody>
+      </p:sp>
+      <p:sp>
+        <p:nvSpPr>
+          <p:cNvPr id="4" name="Date Placeholder 3"/>
           <p:cNvSpPr>
             <a:spLocks noGrp="1"/>
           </p:cNvSpPr>
@@ -5816,13 +5824,7 @@
       </p:sp>
       <p:sp>
         <p:nvSpPr>
-          <p:cNvPr id="5" name="Footer Placeholder 4">
-            <a:extLst>
-              <a:ext uri="{FF2B5EF4-FFF2-40B4-BE49-F238E27FC236}">
-                <a16:creationId xmlns:a16="http://schemas.microsoft.com/office/drawing/2014/main" xmlns="" id="{A454B4D8-51F7-4013-A00C-8B62B65CE316}"/>
-              </a:ext>
-            </a:extLst>
-          </p:cNvPr>
+          <p:cNvPr id="5" name="Footer Placeholder 4"/>
           <p:cNvSpPr>
             <a:spLocks noGrp="1"/>
           </p:cNvSpPr>
@@ -5836,7 +5838,10 @@
           <a:lstStyle/>
           <a:p>
             <a:r>
-              <a:rPr lang="en-US"/>
+              <a:rPr lang="en-US" dirty="0">
+                <a:latin typeface="Times New Roman" pitchFamily="18" charset="0"/>
+                <a:cs typeface="Times New Roman" pitchFamily="18" charset="0"/>
+              </a:rPr>
               <a:t>Dept. of ECE, NMIT, Bangalore-64</a:t>
             </a:r>
           </a:p>
@@ -5844,13 +5849,7 @@
       </p:sp>
       <p:sp>
         <p:nvSpPr>
-          <p:cNvPr id="6" name="Slide Number Placeholder 5">
-            <a:extLst>
-              <a:ext uri="{FF2B5EF4-FFF2-40B4-BE49-F238E27FC236}">
-                <a16:creationId xmlns:a16="http://schemas.microsoft.com/office/drawing/2014/main" xmlns="" id="{9007017B-9902-48CD-900F-A2DDA42BE803}"/>
-              </a:ext>
-            </a:extLst>
-          </p:cNvPr>
+          <p:cNvPr id="6" name="Slide Number Placeholder 5"/>
           <p:cNvSpPr>
             <a:spLocks noGrp="1"/>
           </p:cNvSpPr>
@@ -5868,14 +5867,254 @@
               <a:pPr/>
               <a:t>12</a:t>
             </a:fld>
-            <a:endParaRPr lang="en-US"/>
+            <a:endParaRPr lang="en-US" dirty="0"/>
+          </a:p>
+        </p:txBody>
+      </p:sp>
+      <p:sp>
+        <p:nvSpPr>
+          <p:cNvPr id="7" name="Content Placeholder 6"/>
+          <p:cNvSpPr>
+            <a:spLocks noGrp="1"/>
+          </p:cNvSpPr>
+          <p:nvPr>
+            <p:ph idx="1"/>
+          </p:nvPr>
+        </p:nvSpPr>
+        <p:spPr>
+          <a:xfrm>
+            <a:off x="457200" y="1600200"/>
+            <a:ext cx="8229600" cy="4756150"/>
+          </a:xfrm>
+        </p:spPr>
+        <p:txBody>
+          <a:bodyPr>
+            <a:normAutofit/>
+          </a:bodyPr>
+          <a:lstStyle/>
+          <a:p>
+            <a:r>
+              <a:rPr lang="en-US" sz="1600" dirty="0" smtClean="0">
+                <a:latin typeface="Times New Roman" panose="02020603050405020304" pitchFamily="18" charset="0"/>
+                <a:cs typeface="Times New Roman" panose="02020603050405020304" pitchFamily="18" charset="0"/>
+              </a:rPr>
+              <a:t>Three Hosts on </a:t>
+            </a:r>
+            <a:r>
+              <a:rPr lang="en-US" sz="1600" dirty="0" smtClean="0">
+                <a:latin typeface="Times New Roman" panose="02020603050405020304" pitchFamily="18" charset="0"/>
+                <a:cs typeface="Times New Roman" panose="02020603050405020304" pitchFamily="18" charset="0"/>
+              </a:rPr>
+              <a:t>LAN </a:t>
+            </a:r>
+          </a:p>
+          <a:p>
+            <a:pPr lvl="1"/>
+            <a:r>
+              <a:rPr lang="en-US" sz="1600" dirty="0" smtClean="0">
+                <a:latin typeface="Times New Roman" panose="02020603050405020304" pitchFamily="18" charset="0"/>
+                <a:cs typeface="Times New Roman" panose="02020603050405020304" pitchFamily="18" charset="0"/>
+              </a:rPr>
+              <a:t>Host1  </a:t>
+            </a:r>
+            <a:r>
+              <a:rPr lang="en-IN" sz="1600" dirty="0">
+                <a:latin typeface="Times New Roman" panose="02020603050405020304" pitchFamily="18" charset="0"/>
+                <a:cs typeface="Times New Roman" panose="02020603050405020304" pitchFamily="18" charset="0"/>
+              </a:rPr>
+              <a:t>IPv4/IPv6 (LAN interface should have both IPv4 and IPv6 addresses)</a:t>
+            </a:r>
+            <a:endParaRPr lang="en-US" sz="1600" dirty="0">
+              <a:latin typeface="Times New Roman" panose="02020603050405020304" pitchFamily="18" charset="0"/>
+              <a:cs typeface="Times New Roman" panose="02020603050405020304" pitchFamily="18" charset="0"/>
+            </a:endParaRPr>
+          </a:p>
+          <a:p>
+            <a:pPr lvl="1"/>
+            <a:r>
+              <a:rPr lang="en-IN" sz="1600" dirty="0">
+                <a:latin typeface="Times New Roman" panose="02020603050405020304" pitchFamily="18" charset="0"/>
+                <a:cs typeface="Times New Roman" panose="02020603050405020304" pitchFamily="18" charset="0"/>
+              </a:rPr>
+              <a:t>Host 2 IPv4</a:t>
+            </a:r>
+            <a:endParaRPr lang="en-US" sz="1600" dirty="0">
+              <a:latin typeface="Times New Roman" panose="02020603050405020304" pitchFamily="18" charset="0"/>
+              <a:cs typeface="Times New Roman" panose="02020603050405020304" pitchFamily="18" charset="0"/>
+            </a:endParaRPr>
+          </a:p>
+          <a:p>
+            <a:pPr lvl="1"/>
+            <a:r>
+              <a:rPr lang="en-IN" sz="1600" dirty="0">
+                <a:latin typeface="Times New Roman" panose="02020603050405020304" pitchFamily="18" charset="0"/>
+                <a:cs typeface="Times New Roman" panose="02020603050405020304" pitchFamily="18" charset="0"/>
+              </a:rPr>
+              <a:t>Host 3 </a:t>
+            </a:r>
+            <a:r>
+              <a:rPr lang="en-IN" sz="1600" dirty="0" smtClean="0">
+                <a:latin typeface="Times New Roman" panose="02020603050405020304" pitchFamily="18" charset="0"/>
+                <a:cs typeface="Times New Roman" panose="02020603050405020304" pitchFamily="18" charset="0"/>
+              </a:rPr>
+              <a:t>IPv6</a:t>
+            </a:r>
+            <a:endParaRPr lang="en-US" sz="1600" dirty="0">
+              <a:latin typeface="Times New Roman" panose="02020603050405020304" pitchFamily="18" charset="0"/>
+              <a:cs typeface="Times New Roman" panose="02020603050405020304" pitchFamily="18" charset="0"/>
+            </a:endParaRPr>
+          </a:p>
+          <a:p>
+            <a:r>
+              <a:rPr lang="en-IN" sz="1600" dirty="0">
+                <a:latin typeface="Times New Roman" panose="02020603050405020304" pitchFamily="18" charset="0"/>
+                <a:cs typeface="Times New Roman" panose="02020603050405020304" pitchFamily="18" charset="0"/>
+              </a:rPr>
+              <a:t>H</a:t>
+            </a:r>
+            <a:r>
+              <a:rPr lang="en-IN" sz="1600" dirty="0" smtClean="0">
+                <a:latin typeface="Times New Roman" panose="02020603050405020304" pitchFamily="18" charset="0"/>
+                <a:cs typeface="Times New Roman" panose="02020603050405020304" pitchFamily="18" charset="0"/>
+              </a:rPr>
+              <a:t>ost </a:t>
+            </a:r>
+            <a:r>
+              <a:rPr lang="en-IN" sz="1600" dirty="0">
+                <a:latin typeface="Times New Roman" panose="02020603050405020304" pitchFamily="18" charset="0"/>
+                <a:cs typeface="Times New Roman" panose="02020603050405020304" pitchFamily="18" charset="0"/>
+              </a:rPr>
+              <a:t>1  -</a:t>
+            </a:r>
+            <a:endParaRPr lang="en-US" sz="1600" dirty="0">
+              <a:latin typeface="Times New Roman" panose="02020603050405020304" pitchFamily="18" charset="0"/>
+              <a:cs typeface="Times New Roman" panose="02020603050405020304" pitchFamily="18" charset="0"/>
+            </a:endParaRPr>
+          </a:p>
+          <a:p>
+            <a:pPr lvl="1"/>
+            <a:r>
+              <a:rPr lang="en-IN" sz="1600" dirty="0">
+                <a:latin typeface="Times New Roman" panose="02020603050405020304" pitchFamily="18" charset="0"/>
+                <a:cs typeface="Times New Roman" panose="02020603050405020304" pitchFamily="18" charset="0"/>
+              </a:rPr>
+              <a:t>One server for NMIT seminar hall booking application (using IPv4</a:t>
+            </a:r>
+            <a:r>
+              <a:rPr lang="en-IN" sz="1600" dirty="0" smtClean="0">
+                <a:latin typeface="Times New Roman" panose="02020603050405020304" pitchFamily="18" charset="0"/>
+                <a:cs typeface="Times New Roman" panose="02020603050405020304" pitchFamily="18" charset="0"/>
+              </a:rPr>
+              <a:t>)</a:t>
+            </a:r>
+          </a:p>
+          <a:p>
+            <a:pPr lvl="1"/>
+            <a:r>
+              <a:rPr lang="en-IN" sz="1600" dirty="0">
+                <a:latin typeface="Times New Roman" panose="02020603050405020304" pitchFamily="18" charset="0"/>
+                <a:cs typeface="Times New Roman" panose="02020603050405020304" pitchFamily="18" charset="0"/>
+              </a:rPr>
+              <a:t>Second server for application -  NMIT IP IVR (interactive voice response) system (using IPv6)</a:t>
+            </a:r>
+          </a:p>
+          <a:p>
+            <a:pPr lvl="1"/>
+            <a:r>
+              <a:rPr lang="en-IN" sz="1600" dirty="0">
+                <a:latin typeface="Times New Roman" panose="02020603050405020304" pitchFamily="18" charset="0"/>
+                <a:cs typeface="Times New Roman" panose="02020603050405020304" pitchFamily="18" charset="0"/>
+              </a:rPr>
+              <a:t>Both servers will be running at the same time</a:t>
+            </a:r>
+          </a:p>
+          <a:p>
+            <a:r>
+              <a:rPr lang="en-IN" sz="1600" dirty="0">
+                <a:latin typeface="Times New Roman" panose="02020603050405020304" pitchFamily="18" charset="0"/>
+                <a:cs typeface="Times New Roman" panose="02020603050405020304" pitchFamily="18" charset="0"/>
+              </a:rPr>
+              <a:t>Host 2 </a:t>
+            </a:r>
+          </a:p>
+          <a:p>
+            <a:pPr lvl="1"/>
+            <a:r>
+              <a:rPr lang="en-IN" sz="1600" dirty="0">
+                <a:latin typeface="Times New Roman" panose="02020603050405020304" pitchFamily="18" charset="0"/>
+                <a:cs typeface="Times New Roman" panose="02020603050405020304" pitchFamily="18" charset="0"/>
+              </a:rPr>
+              <a:t>One client for NMIT seminar hall booking application (using IPv4)</a:t>
+            </a:r>
+            <a:endParaRPr lang="en-US" sz="1600" dirty="0">
+              <a:latin typeface="Times New Roman" panose="02020603050405020304" pitchFamily="18" charset="0"/>
+              <a:cs typeface="Times New Roman" panose="02020603050405020304" pitchFamily="18" charset="0"/>
+            </a:endParaRPr>
+          </a:p>
+          <a:p>
+            <a:r>
+              <a:rPr lang="en-IN" sz="1600" dirty="0">
+                <a:latin typeface="Times New Roman" panose="02020603050405020304" pitchFamily="18" charset="0"/>
+                <a:cs typeface="Times New Roman" panose="02020603050405020304" pitchFamily="18" charset="0"/>
+              </a:rPr>
+              <a:t>Host 3 </a:t>
+            </a:r>
+          </a:p>
+          <a:p>
+            <a:pPr lvl="1"/>
+            <a:r>
+              <a:rPr lang="en-IN" sz="1600" dirty="0">
+                <a:latin typeface="Times New Roman" panose="02020603050405020304" pitchFamily="18" charset="0"/>
+                <a:cs typeface="Times New Roman" panose="02020603050405020304" pitchFamily="18" charset="0"/>
+              </a:rPr>
+              <a:t>One client for application - NMIT IP IVR(interactive voice response)  system (using </a:t>
+            </a:r>
+            <a:r>
+              <a:rPr lang="en-IN" sz="1600" dirty="0" smtClean="0">
+                <a:latin typeface="Times New Roman" panose="02020603050405020304" pitchFamily="18" charset="0"/>
+                <a:cs typeface="Times New Roman" panose="02020603050405020304" pitchFamily="18" charset="0"/>
+              </a:rPr>
+              <a:t>IPv6)</a:t>
+            </a:r>
+          </a:p>
+          <a:p>
+            <a:pPr marL="457200" lvl="1" indent="0">
+              <a:buNone/>
+            </a:pPr>
+            <a:endParaRPr lang="en-US" sz="1600" dirty="0">
+              <a:latin typeface="Times New Roman" panose="02020603050405020304" pitchFamily="18" charset="0"/>
+              <a:cs typeface="Times New Roman" panose="02020603050405020304" pitchFamily="18" charset="0"/>
+            </a:endParaRPr>
+          </a:p>
+          <a:p>
+            <a:pPr marL="457200" lvl="1" indent="0">
+              <a:buNone/>
+            </a:pPr>
+            <a:r>
+              <a:rPr lang="en-US" sz="1600" b="1" u="sng" dirty="0" smtClean="0">
+                <a:latin typeface="Times New Roman" panose="02020603050405020304" pitchFamily="18" charset="0"/>
+                <a:cs typeface="Times New Roman" panose="02020603050405020304" pitchFamily="18" charset="0"/>
+              </a:rPr>
+              <a:t>Note</a:t>
+            </a:r>
+            <a:r>
+              <a:rPr lang="en-US" sz="1600" dirty="0" smtClean="0">
+                <a:latin typeface="Times New Roman" panose="02020603050405020304" pitchFamily="18" charset="0"/>
+                <a:cs typeface="Times New Roman" panose="02020603050405020304" pitchFamily="18" charset="0"/>
+              </a:rPr>
+              <a:t>: Works for Wan Also</a:t>
+            </a:r>
+            <a:endParaRPr lang="en-IN" sz="1600" dirty="0" smtClean="0">
+              <a:latin typeface="Times New Roman" panose="02020603050405020304" pitchFamily="18" charset="0"/>
+              <a:cs typeface="Times New Roman" panose="02020603050405020304" pitchFamily="18" charset="0"/>
+            </a:endParaRPr>
           </a:p>
         </p:txBody>
       </p:sp>
     </p:spTree>
     <p:extLst>
       <p:ext uri="{BB962C8B-B14F-4D97-AF65-F5344CB8AC3E}">
-        <p14:creationId xmlns:p14="http://schemas.microsoft.com/office/powerpoint/2010/main" val="342022499"/>
+        <p14:creationId xmlns:p14="http://schemas.microsoft.com/office/powerpoint/2010/main" val="4182899405"/>
       </p:ext>
     </p:extLst>
   </p:cSld>
@@ -5921,8 +6160,8 @@
         </p:nvSpPr>
         <p:spPr>
           <a:xfrm>
-            <a:off x="457200" y="304800"/>
-            <a:ext cx="8229600" cy="5821363"/>
+            <a:off x="457200" y="1654175"/>
+            <a:ext cx="8229600" cy="4343400"/>
           </a:xfrm>
         </p:spPr>
         <p:txBody>
@@ -5931,185 +6170,76 @@
           </a:bodyPr>
           <a:lstStyle/>
           <a:p>
-            <a:pPr marL="0" indent="0">
-              <a:buNone/>
-            </a:pPr>
-            <a:r>
-              <a:rPr lang="en-US" sz="1800" b="1" dirty="0"/>
-              <a:t>IPv4 to IPv6 Migration and Performance Analysis using GNS3 and Wireshark </a:t>
-            </a:r>
-            <a:endParaRPr lang="en-US" sz="1800" b="1" dirty="0" smtClean="0"/>
-          </a:p>
-          <a:p>
-            <a:endParaRPr lang="en-US" sz="1600" dirty="0" smtClean="0"/>
-          </a:p>
-          <a:p>
-            <a:endParaRPr lang="en-US" sz="1600" dirty="0"/>
-          </a:p>
-          <a:p>
-            <a:r>
-              <a:rPr lang="en-US" sz="1600" dirty="0" smtClean="0">
-                <a:latin typeface="Times New Roman" panose="02020603050405020304" pitchFamily="18" charset="0"/>
-                <a:cs typeface="Times New Roman" panose="02020603050405020304" pitchFamily="18" charset="0"/>
-              </a:rPr>
-              <a:t>The </a:t>
-            </a:r>
-            <a:r>
-              <a:rPr lang="en-US" sz="1600" dirty="0">
-                <a:latin typeface="Times New Roman" panose="02020603050405020304" pitchFamily="18" charset="0"/>
-                <a:cs typeface="Times New Roman" panose="02020603050405020304" pitchFamily="18" charset="0"/>
-              </a:rPr>
-              <a:t>IPv4 protocol is not particularly efficient in its use of the available space, with many addresses being wasted. The internet authorities started to predict address exhaustion in the late </a:t>
-            </a:r>
-            <a:r>
-              <a:rPr lang="en-US" sz="1600" dirty="0" smtClean="0">
-                <a:latin typeface="Times New Roman" panose="02020603050405020304" pitchFamily="18" charset="0"/>
-                <a:cs typeface="Times New Roman" panose="02020603050405020304" pitchFamily="18" charset="0"/>
-              </a:rPr>
-              <a:t>1980s </a:t>
-            </a:r>
-            <a:r>
-              <a:rPr lang="en-US" sz="1600" dirty="0">
-                <a:latin typeface="Times New Roman" panose="02020603050405020304" pitchFamily="18" charset="0"/>
-                <a:cs typeface="Times New Roman" panose="02020603050405020304" pitchFamily="18" charset="0"/>
-              </a:rPr>
-              <a:t>and IPv6 was developed in the 1990s as the long-term solution</a:t>
-            </a:r>
-            <a:r>
-              <a:rPr lang="en-US" sz="1800" dirty="0" smtClean="0">
-                <a:latin typeface="Times New Roman" panose="02020603050405020304" pitchFamily="18" charset="0"/>
-                <a:cs typeface="Times New Roman" panose="02020603050405020304" pitchFamily="18" charset="0"/>
-              </a:rPr>
-              <a:t>.</a:t>
-            </a:r>
-            <a:br>
-              <a:rPr lang="en-US" sz="1800" dirty="0" smtClean="0">
-                <a:latin typeface="Times New Roman" panose="02020603050405020304" pitchFamily="18" charset="0"/>
-                <a:cs typeface="Times New Roman" panose="02020603050405020304" pitchFamily="18" charset="0"/>
-              </a:rPr>
-            </a:br>
-            <a:endParaRPr lang="en-US" sz="1800" dirty="0" smtClean="0">
+            <a:r>
+              <a:rPr lang="en-IN" sz="2000" dirty="0"/>
+              <a:t>Two Linux desktops/laptops, One </a:t>
+            </a:r>
+            <a:r>
+              <a:rPr lang="en-IN" sz="2000" dirty="0" smtClean="0"/>
+              <a:t>Raspberry Pi </a:t>
+            </a:r>
+            <a:r>
+              <a:rPr lang="en-IN" sz="2000" dirty="0"/>
+              <a:t>board</a:t>
+            </a:r>
+            <a:endParaRPr lang="en-US" sz="2000" dirty="0"/>
+          </a:p>
+          <a:p>
+            <a:endParaRPr lang="en-US" sz="2000" dirty="0" smtClean="0">
               <a:latin typeface="Times New Roman" panose="02020603050405020304" pitchFamily="18" charset="0"/>
               <a:cs typeface="Times New Roman" panose="02020603050405020304" pitchFamily="18" charset="0"/>
             </a:endParaRPr>
           </a:p>
           <a:p>
             <a:r>
-              <a:rPr lang="en-US" sz="1600" dirty="0" smtClean="0">
-                <a:latin typeface="Times New Roman" panose="02020603050405020304" pitchFamily="18" charset="0"/>
-                <a:cs typeface="Times New Roman" panose="02020603050405020304" pitchFamily="18" charset="0"/>
-              </a:rPr>
-              <a:t> </a:t>
-            </a:r>
-            <a:r>
-              <a:rPr lang="en-US" sz="1600" b="1" dirty="0">
-                <a:latin typeface="Times New Roman" panose="02020603050405020304" pitchFamily="18" charset="0"/>
-                <a:cs typeface="Times New Roman" panose="02020603050405020304" pitchFamily="18" charset="0"/>
-              </a:rPr>
-              <a:t>Dual-Stack Transition Technique </a:t>
-            </a:r>
-            <a:r>
-              <a:rPr lang="en-US" sz="1600" dirty="0">
-                <a:latin typeface="Times New Roman" panose="02020603050405020304" pitchFamily="18" charset="0"/>
-                <a:cs typeface="Times New Roman" panose="02020603050405020304" pitchFamily="18" charset="0"/>
-              </a:rPr>
-              <a:t>:</a:t>
-            </a:r>
-            <a:r>
-              <a:rPr lang="en-US" sz="1600" dirty="0" smtClean="0">
-                <a:latin typeface="Times New Roman" panose="02020603050405020304" pitchFamily="18" charset="0"/>
-                <a:cs typeface="Times New Roman" panose="02020603050405020304" pitchFamily="18" charset="0"/>
-              </a:rPr>
-              <a:t>IPv4 </a:t>
-            </a:r>
-            <a:r>
-              <a:rPr lang="en-US" sz="1600" dirty="0">
-                <a:latin typeface="Times New Roman" panose="02020603050405020304" pitchFamily="18" charset="0"/>
-                <a:cs typeface="Times New Roman" panose="02020603050405020304" pitchFamily="18" charset="0"/>
-              </a:rPr>
-              <a:t>and IPv6 do not have to be an ‘either or’ decision. In a dual stack implementation, a network interface can have both an IPv4 and IPv6 address at the same time. It can </a:t>
-            </a:r>
-            <a:r>
-              <a:rPr lang="en-US" sz="1600" dirty="0" smtClean="0">
-                <a:latin typeface="Times New Roman" panose="02020603050405020304" pitchFamily="18" charset="0"/>
-                <a:cs typeface="Times New Roman" panose="02020603050405020304" pitchFamily="18" charset="0"/>
-              </a:rPr>
-              <a:t>communicate </a:t>
-            </a:r>
-            <a:r>
-              <a:rPr lang="en-US" sz="1600" dirty="0">
-                <a:latin typeface="Times New Roman" panose="02020603050405020304" pitchFamily="18" charset="0"/>
-                <a:cs typeface="Times New Roman" panose="02020603050405020304" pitchFamily="18" charset="0"/>
-              </a:rPr>
-              <a:t>using either of the protocol available</a:t>
-            </a:r>
-            <a:r>
-              <a:rPr lang="en-US" sz="1600" dirty="0" smtClean="0">
-                <a:latin typeface="Times New Roman" panose="02020603050405020304" pitchFamily="18" charset="0"/>
-                <a:cs typeface="Times New Roman" panose="02020603050405020304" pitchFamily="18" charset="0"/>
-              </a:rPr>
-              <a:t>.</a:t>
-            </a:r>
-            <a:br>
-              <a:rPr lang="en-US" sz="1600" dirty="0" smtClean="0">
-                <a:latin typeface="Times New Roman" panose="02020603050405020304" pitchFamily="18" charset="0"/>
-                <a:cs typeface="Times New Roman" panose="02020603050405020304" pitchFamily="18" charset="0"/>
-              </a:rPr>
-            </a:br>
-            <a:endParaRPr lang="en-US" sz="1600" dirty="0" smtClean="0">
+              <a:rPr lang="en-IN" sz="2000" dirty="0"/>
+              <a:t>C or </a:t>
+            </a:r>
+            <a:r>
+              <a:rPr lang="en-IN" sz="2000" dirty="0" smtClean="0"/>
+              <a:t>Python</a:t>
+            </a:r>
+          </a:p>
+          <a:p>
+            <a:endParaRPr lang="en-IN" sz="2000" dirty="0">
               <a:latin typeface="Times New Roman" panose="02020603050405020304" pitchFamily="18" charset="0"/>
               <a:cs typeface="Times New Roman" panose="02020603050405020304" pitchFamily="18" charset="0"/>
             </a:endParaRPr>
           </a:p>
           <a:p>
             <a:r>
-              <a:rPr lang="en-US" sz="1600" b="1" dirty="0">
-                <a:latin typeface="Times New Roman" panose="02020603050405020304" pitchFamily="18" charset="0"/>
-                <a:cs typeface="Times New Roman" panose="02020603050405020304" pitchFamily="18" charset="0"/>
-              </a:rPr>
-              <a:t>Design and Configuration of the Dual-Stack Transition Technique </a:t>
-            </a:r>
-            <a:r>
-              <a:rPr lang="en-US" sz="1600" dirty="0">
-                <a:latin typeface="Times New Roman" panose="02020603050405020304" pitchFamily="18" charset="0"/>
-                <a:cs typeface="Times New Roman" panose="02020603050405020304" pitchFamily="18" charset="0"/>
-              </a:rPr>
-              <a:t>Dual stack is designed to support both the IPv4 and IPv6 addresses on the same network interface, thereby allowing the data to transfer from IPv4 network to IPv6 network using both static and dynamic routing</a:t>
-            </a:r>
-            <a:r>
-              <a:rPr lang="en-US" sz="1600" dirty="0" smtClean="0">
-                <a:latin typeface="Times New Roman" panose="02020603050405020304" pitchFamily="18" charset="0"/>
-                <a:cs typeface="Times New Roman" panose="02020603050405020304" pitchFamily="18" charset="0"/>
-              </a:rPr>
-              <a:t>.</a:t>
-            </a:r>
-            <a:br>
-              <a:rPr lang="en-US" sz="1600" dirty="0" smtClean="0">
-                <a:latin typeface="Times New Roman" panose="02020603050405020304" pitchFamily="18" charset="0"/>
-                <a:cs typeface="Times New Roman" panose="02020603050405020304" pitchFamily="18" charset="0"/>
-              </a:rPr>
-            </a:br>
-            <a:endParaRPr lang="en-US" sz="1600" dirty="0" smtClean="0">
+              <a:rPr lang="en-IN" sz="2000" dirty="0"/>
+              <a:t>Socket programming </a:t>
+            </a:r>
+          </a:p>
+          <a:p>
+            <a:endParaRPr lang="en-IN" sz="2000" dirty="0" smtClean="0"/>
+          </a:p>
+          <a:p>
+            <a:r>
+              <a:rPr lang="en-IN" sz="2000" dirty="0" smtClean="0"/>
+              <a:t>Software development for Applications</a:t>
+            </a:r>
+          </a:p>
+          <a:p>
+            <a:endParaRPr lang="en-IN" sz="2000" dirty="0"/>
+          </a:p>
+          <a:p>
+            <a:r>
+              <a:rPr lang="en-IN" sz="2000" dirty="0"/>
+              <a:t>GDB and Wireshark tool may be used during testing / debugging</a:t>
+            </a:r>
+            <a:endParaRPr lang="en-US" sz="2000" dirty="0"/>
+          </a:p>
+          <a:p>
+            <a:endParaRPr lang="en-US" sz="2000" dirty="0"/>
+          </a:p>
+          <a:p>
+            <a:endParaRPr lang="en-US" sz="2000" dirty="0">
               <a:latin typeface="Times New Roman" panose="02020603050405020304" pitchFamily="18" charset="0"/>
               <a:cs typeface="Times New Roman" panose="02020603050405020304" pitchFamily="18" charset="0"/>
             </a:endParaRPr>
           </a:p>
-          <a:p>
-            <a:r>
-              <a:rPr lang="en-US" sz="1600" dirty="0" smtClean="0">
-                <a:latin typeface="Times New Roman" panose="02020603050405020304" pitchFamily="18" charset="0"/>
-                <a:cs typeface="Times New Roman" panose="02020603050405020304" pitchFamily="18" charset="0"/>
-              </a:rPr>
-              <a:t>The </a:t>
-            </a:r>
-            <a:r>
-              <a:rPr lang="en-US" sz="1600" dirty="0">
-                <a:latin typeface="Times New Roman" panose="02020603050405020304" pitchFamily="18" charset="0"/>
-                <a:cs typeface="Times New Roman" panose="02020603050405020304" pitchFamily="18" charset="0"/>
-              </a:rPr>
-              <a:t>network consists of five routers, two Ethernet switches, and four end hosts. All router interfaces, as well as the hosts, have been configured with an IPv4 address as well as with an IPv6 address. The network can then communicate using either protocol. </a:t>
-            </a:r>
-          </a:p>
         </p:txBody>
       </p:sp>
       <p:sp>
@@ -6127,17 +6257,11 @@
           <a:bodyPr/>
           <a:lstStyle/>
           <a:p>
-            <a:r>
-              <a:rPr lang="en-US" dirty="0" smtClean="0">
-                <a:latin typeface="Times New Roman" pitchFamily="18" charset="0"/>
-                <a:cs typeface="Times New Roman" pitchFamily="18" charset="0"/>
-              </a:rPr>
-              <a:t>17-Aug-21</a:t>
-            </a:r>
-            <a:endParaRPr lang="en-US" dirty="0">
-              <a:latin typeface="Times New Roman" pitchFamily="18" charset="0"/>
-              <a:cs typeface="Times New Roman" pitchFamily="18" charset="0"/>
-            </a:endParaRPr>
+            <a:fld id="{05229871-6294-4FDC-ADFB-03568C29F7D6}" type="datetime1">
+              <a:rPr lang="en-US" smtClean="0"/>
+              <a:t>22-Sep-21</a:t>
+            </a:fld>
+            <a:endParaRPr lang="en-US"/>
           </a:p>
         </p:txBody>
       </p:sp>
@@ -6188,23 +6312,61 @@
           </a:p>
         </p:txBody>
       </p:sp>
+      <p:sp>
+        <p:nvSpPr>
+          <p:cNvPr id="7" name="Title 1"/>
+          <p:cNvSpPr>
+            <a:spLocks noGrp="1"/>
+          </p:cNvSpPr>
+          <p:nvPr>
+            <p:ph type="title"/>
+          </p:nvPr>
+        </p:nvSpPr>
+        <p:spPr>
+          <a:xfrm>
+            <a:off x="457200" y="152400"/>
+            <a:ext cx="8229600" cy="1143000"/>
+          </a:xfrm>
+          <a:solidFill>
+            <a:srgbClr val="0000FF"/>
+          </a:solidFill>
+        </p:spPr>
+        <p:txBody>
+          <a:bodyPr>
+            <a:noAutofit/>
+          </a:bodyPr>
+          <a:lstStyle/>
+          <a:p>
+            <a:r>
+              <a:rPr lang="en-US" sz="3600" b="1" dirty="0" smtClean="0">
+                <a:solidFill>
+                  <a:schemeClr val="bg1"/>
+                </a:solidFill>
+                <a:latin typeface="Times New Roman" panose="02020603050405020304" pitchFamily="18" charset="0"/>
+                <a:cs typeface="Times New Roman" panose="02020603050405020304" pitchFamily="18" charset="0"/>
+              </a:rPr>
+              <a:t>Tools Required</a:t>
+            </a:r>
+            <a:endParaRPr lang="en-US" sz="3600" b="1" dirty="0">
+              <a:solidFill>
+                <a:schemeClr val="bg1"/>
+              </a:solidFill>
+              <a:latin typeface="Times New Roman" pitchFamily="18" charset="0"/>
+              <a:cs typeface="Times New Roman" pitchFamily="18" charset="0"/>
+            </a:endParaRPr>
+          </a:p>
+        </p:txBody>
+      </p:sp>
     </p:spTree>
     <p:extLst>
       <p:ext uri="{BB962C8B-B14F-4D97-AF65-F5344CB8AC3E}">
-        <p14:creationId xmlns:p14="http://schemas.microsoft.com/office/powerpoint/2010/main" val="467217549"/>
+        <p14:creationId xmlns:p14="http://schemas.microsoft.com/office/powerpoint/2010/main" val="4290820194"/>
       </p:ext>
     </p:extLst>
   </p:cSld>
   <p:clrMapOvr>
     <a:masterClrMapping/>
   </p:clrMapOvr>
-  <p:timing>
-    <p:tnLst>
-      <p:par>
-        <p:cTn id="1" dur="indefinite" restart="never" nodeType="tmRoot"/>
-      </p:par>
-    </p:tnLst>
-  </p:timing>
 </p:sld>
 </file>
 
@@ -6227,58 +6389,13 @@
       </p:grpSpPr>
       <p:sp>
         <p:nvSpPr>
-          <p:cNvPr id="2" name="Title 1"/>
-          <p:cNvSpPr>
-            <a:spLocks noGrp="1"/>
-          </p:cNvSpPr>
-          <p:nvPr>
-            <p:ph type="title"/>
-          </p:nvPr>
-        </p:nvSpPr>
-        <p:spPr>
-          <a:solidFill>
-            <a:srgbClr val="0000FF"/>
-          </a:solidFill>
-        </p:spPr>
-        <p:txBody>
-          <a:bodyPr>
-            <a:noAutofit/>
-          </a:bodyPr>
-          <a:lstStyle/>
-          <a:p>
-            <a:r>
-              <a:rPr lang="en-US" sz="3600" b="1" dirty="0">
-                <a:solidFill>
-                  <a:schemeClr val="bg1"/>
-                </a:solidFill>
-                <a:latin typeface="Times New Roman" panose="02020603050405020304" pitchFamily="18" charset="0"/>
-                <a:cs typeface="Times New Roman" panose="02020603050405020304" pitchFamily="18" charset="0"/>
-              </a:rPr>
-              <a:t>Basic </a:t>
-            </a:r>
-            <a:r>
-              <a:rPr lang="en-US" sz="3600" b="1" dirty="0" smtClean="0">
-                <a:solidFill>
-                  <a:schemeClr val="bg1"/>
-                </a:solidFill>
-                <a:latin typeface="Times New Roman" panose="02020603050405020304" pitchFamily="18" charset="0"/>
-                <a:cs typeface="Times New Roman" panose="02020603050405020304" pitchFamily="18" charset="0"/>
-              </a:rPr>
-              <a:t>Architecture</a:t>
-            </a:r>
-            <a:endParaRPr lang="en-US" sz="3600" b="1" dirty="0">
-              <a:solidFill>
-                <a:schemeClr val="bg1"/>
-              </a:solidFill>
-              <a:latin typeface="Times New Roman" pitchFamily="18" charset="0"/>
-              <a:cs typeface="Times New Roman" pitchFamily="18" charset="0"/>
-            </a:endParaRPr>
-          </a:p>
-        </p:txBody>
-      </p:sp>
-      <p:sp>
-        <p:nvSpPr>
-          <p:cNvPr id="4" name="Date Placeholder 3"/>
+          <p:cNvPr id="4" name="Date Placeholder 3">
+            <a:extLst>
+              <a:ext uri="{FF2B5EF4-FFF2-40B4-BE49-F238E27FC236}">
+                <a16:creationId xmlns="" xmlns:a16="http://schemas.microsoft.com/office/drawing/2014/main" id="{FC5DC846-D108-4B7F-A641-2014248D06A1}"/>
+              </a:ext>
+            </a:extLst>
+          </p:cNvPr>
           <p:cNvSpPr>
             <a:spLocks noGrp="1"/>
           </p:cNvSpPr>
@@ -6307,7 +6424,13 @@
       </p:sp>
       <p:sp>
         <p:nvSpPr>
-          <p:cNvPr id="5" name="Footer Placeholder 4"/>
+          <p:cNvPr id="5" name="Footer Placeholder 4">
+            <a:extLst>
+              <a:ext uri="{FF2B5EF4-FFF2-40B4-BE49-F238E27FC236}">
+                <a16:creationId xmlns="" xmlns:a16="http://schemas.microsoft.com/office/drawing/2014/main" id="{94F76D2A-D755-4BD1-9236-1FBDA8B544CB}"/>
+              </a:ext>
+            </a:extLst>
+          </p:cNvPr>
           <p:cNvSpPr>
             <a:spLocks noGrp="1"/>
           </p:cNvSpPr>
@@ -6321,10 +6444,7 @@
           <a:lstStyle/>
           <a:p>
             <a:r>
-              <a:rPr lang="en-US" dirty="0">
-                <a:latin typeface="Times New Roman" pitchFamily="18" charset="0"/>
-                <a:cs typeface="Times New Roman" pitchFamily="18" charset="0"/>
-              </a:rPr>
+              <a:rPr lang="en-US"/>
               <a:t>Dept. of ECE, NMIT, Bangalore-64</a:t>
             </a:r>
           </a:p>
@@ -6332,7 +6452,13 @@
       </p:sp>
       <p:sp>
         <p:nvSpPr>
-          <p:cNvPr id="6" name="Slide Number Placeholder 5"/>
+          <p:cNvPr id="6" name="Slide Number Placeholder 5">
+            <a:extLst>
+              <a:ext uri="{FF2B5EF4-FFF2-40B4-BE49-F238E27FC236}">
+                <a16:creationId xmlns="" xmlns:a16="http://schemas.microsoft.com/office/drawing/2014/main" id="{751C6CAB-D118-4A59-A5FF-1BD87857B1F4}"/>
+              </a:ext>
+            </a:extLst>
+          </p:cNvPr>
           <p:cNvSpPr>
             <a:spLocks noGrp="1"/>
           </p:cNvSpPr>
@@ -6350,573 +6476,6 @@
               <a:pPr/>
               <a:t>14</a:t>
             </a:fld>
-            <a:endParaRPr lang="en-US" dirty="0"/>
-          </a:p>
-        </p:txBody>
-      </p:sp>
-      <p:sp>
-        <p:nvSpPr>
-          <p:cNvPr id="7" name="Content Placeholder 6"/>
-          <p:cNvSpPr>
-            <a:spLocks noGrp="1"/>
-          </p:cNvSpPr>
-          <p:nvPr>
-            <p:ph idx="1"/>
-          </p:nvPr>
-        </p:nvSpPr>
-        <p:spPr/>
-        <p:txBody>
-          <a:bodyPr/>
-          <a:lstStyle/>
-          <a:p>
-            <a:r>
-              <a:rPr lang="en-US" sz="1600" dirty="0" smtClean="0">
-                <a:latin typeface="Times New Roman" panose="02020603050405020304" pitchFamily="18" charset="0"/>
-                <a:cs typeface="Times New Roman" panose="02020603050405020304" pitchFamily="18" charset="0"/>
-              </a:rPr>
-              <a:t>Three Hosts on LAN</a:t>
-            </a:r>
-          </a:p>
-          <a:p>
-            <a:pPr lvl="1"/>
-            <a:r>
-              <a:rPr lang="en-US" sz="1600" dirty="0" smtClean="0">
-                <a:latin typeface="Times New Roman" panose="02020603050405020304" pitchFamily="18" charset="0"/>
-                <a:cs typeface="Times New Roman" panose="02020603050405020304" pitchFamily="18" charset="0"/>
-              </a:rPr>
-              <a:t>Host1  </a:t>
-            </a:r>
-            <a:r>
-              <a:rPr lang="en-IN" sz="1600" dirty="0">
-                <a:latin typeface="Times New Roman" panose="02020603050405020304" pitchFamily="18" charset="0"/>
-                <a:cs typeface="Times New Roman" panose="02020603050405020304" pitchFamily="18" charset="0"/>
-              </a:rPr>
-              <a:t>IPv4/IPv6 (LAN interface should have both IPv4 and IPv6 addresses)</a:t>
-            </a:r>
-            <a:endParaRPr lang="en-US" sz="1600" dirty="0">
-              <a:latin typeface="Times New Roman" panose="02020603050405020304" pitchFamily="18" charset="0"/>
-              <a:cs typeface="Times New Roman" panose="02020603050405020304" pitchFamily="18" charset="0"/>
-            </a:endParaRPr>
-          </a:p>
-          <a:p>
-            <a:pPr lvl="1"/>
-            <a:r>
-              <a:rPr lang="en-IN" sz="1600" dirty="0">
-                <a:latin typeface="Times New Roman" panose="02020603050405020304" pitchFamily="18" charset="0"/>
-                <a:cs typeface="Times New Roman" panose="02020603050405020304" pitchFamily="18" charset="0"/>
-              </a:rPr>
-              <a:t>Host 2 IPv4</a:t>
-            </a:r>
-            <a:endParaRPr lang="en-US" sz="1600" dirty="0">
-              <a:latin typeface="Times New Roman" panose="02020603050405020304" pitchFamily="18" charset="0"/>
-              <a:cs typeface="Times New Roman" panose="02020603050405020304" pitchFamily="18" charset="0"/>
-            </a:endParaRPr>
-          </a:p>
-          <a:p>
-            <a:pPr lvl="1"/>
-            <a:r>
-              <a:rPr lang="en-IN" sz="1600" dirty="0">
-                <a:latin typeface="Times New Roman" panose="02020603050405020304" pitchFamily="18" charset="0"/>
-                <a:cs typeface="Times New Roman" panose="02020603050405020304" pitchFamily="18" charset="0"/>
-              </a:rPr>
-              <a:t>Host 3 </a:t>
-            </a:r>
-            <a:r>
-              <a:rPr lang="en-IN" sz="1600" dirty="0" smtClean="0">
-                <a:latin typeface="Times New Roman" panose="02020603050405020304" pitchFamily="18" charset="0"/>
-                <a:cs typeface="Times New Roman" panose="02020603050405020304" pitchFamily="18" charset="0"/>
-              </a:rPr>
-              <a:t>IPv6</a:t>
-            </a:r>
-            <a:endParaRPr lang="en-US" sz="1600" dirty="0">
-              <a:latin typeface="Times New Roman" panose="02020603050405020304" pitchFamily="18" charset="0"/>
-              <a:cs typeface="Times New Roman" panose="02020603050405020304" pitchFamily="18" charset="0"/>
-            </a:endParaRPr>
-          </a:p>
-          <a:p>
-            <a:r>
-              <a:rPr lang="en-IN" sz="1600" dirty="0">
-                <a:latin typeface="Times New Roman" panose="02020603050405020304" pitchFamily="18" charset="0"/>
-                <a:cs typeface="Times New Roman" panose="02020603050405020304" pitchFamily="18" charset="0"/>
-              </a:rPr>
-              <a:t>H</a:t>
-            </a:r>
-            <a:r>
-              <a:rPr lang="en-IN" sz="1600" dirty="0" smtClean="0">
-                <a:latin typeface="Times New Roman" panose="02020603050405020304" pitchFamily="18" charset="0"/>
-                <a:cs typeface="Times New Roman" panose="02020603050405020304" pitchFamily="18" charset="0"/>
-              </a:rPr>
-              <a:t>ost </a:t>
-            </a:r>
-            <a:r>
-              <a:rPr lang="en-IN" sz="1600" dirty="0">
-                <a:latin typeface="Times New Roman" panose="02020603050405020304" pitchFamily="18" charset="0"/>
-                <a:cs typeface="Times New Roman" panose="02020603050405020304" pitchFamily="18" charset="0"/>
-              </a:rPr>
-              <a:t>1  -</a:t>
-            </a:r>
-            <a:endParaRPr lang="en-US" sz="1600" dirty="0">
-              <a:latin typeface="Times New Roman" panose="02020603050405020304" pitchFamily="18" charset="0"/>
-              <a:cs typeface="Times New Roman" panose="02020603050405020304" pitchFamily="18" charset="0"/>
-            </a:endParaRPr>
-          </a:p>
-          <a:p>
-            <a:pPr lvl="1"/>
-            <a:r>
-              <a:rPr lang="en-IN" sz="1600" dirty="0">
-                <a:latin typeface="Times New Roman" panose="02020603050405020304" pitchFamily="18" charset="0"/>
-                <a:cs typeface="Times New Roman" panose="02020603050405020304" pitchFamily="18" charset="0"/>
-              </a:rPr>
-              <a:t>One server for NMIT seminar hall booking application (using IPv4</a:t>
-            </a:r>
-            <a:r>
-              <a:rPr lang="en-IN" sz="1600" dirty="0" smtClean="0">
-                <a:latin typeface="Times New Roman" panose="02020603050405020304" pitchFamily="18" charset="0"/>
-                <a:cs typeface="Times New Roman" panose="02020603050405020304" pitchFamily="18" charset="0"/>
-              </a:rPr>
-              <a:t>)</a:t>
-            </a:r>
-          </a:p>
-          <a:p>
-            <a:pPr lvl="1"/>
-            <a:r>
-              <a:rPr lang="en-IN" sz="1600" dirty="0">
-                <a:latin typeface="Times New Roman" panose="02020603050405020304" pitchFamily="18" charset="0"/>
-                <a:cs typeface="Times New Roman" panose="02020603050405020304" pitchFamily="18" charset="0"/>
-              </a:rPr>
-              <a:t>Second server for application -  NMIT IP IVR (interactive voice response) system (using IPv6)</a:t>
-            </a:r>
-          </a:p>
-          <a:p>
-            <a:pPr lvl="1"/>
-            <a:r>
-              <a:rPr lang="en-IN" sz="1600" dirty="0">
-                <a:latin typeface="Times New Roman" panose="02020603050405020304" pitchFamily="18" charset="0"/>
-                <a:cs typeface="Times New Roman" panose="02020603050405020304" pitchFamily="18" charset="0"/>
-              </a:rPr>
-              <a:t>Both servers will be running at the same time</a:t>
-            </a:r>
-          </a:p>
-          <a:p>
-            <a:r>
-              <a:rPr lang="en-IN" sz="1600" dirty="0">
-                <a:latin typeface="Times New Roman" panose="02020603050405020304" pitchFamily="18" charset="0"/>
-                <a:cs typeface="Times New Roman" panose="02020603050405020304" pitchFamily="18" charset="0"/>
-              </a:rPr>
-              <a:t>Host 2 </a:t>
-            </a:r>
-          </a:p>
-          <a:p>
-            <a:pPr lvl="1"/>
-            <a:r>
-              <a:rPr lang="en-IN" sz="1600" dirty="0">
-                <a:latin typeface="Times New Roman" panose="02020603050405020304" pitchFamily="18" charset="0"/>
-                <a:cs typeface="Times New Roman" panose="02020603050405020304" pitchFamily="18" charset="0"/>
-              </a:rPr>
-              <a:t>One client for NMIT seminar hall booking application (using IPv4)</a:t>
-            </a:r>
-            <a:endParaRPr lang="en-US" sz="1600" dirty="0">
-              <a:latin typeface="Times New Roman" panose="02020603050405020304" pitchFamily="18" charset="0"/>
-              <a:cs typeface="Times New Roman" panose="02020603050405020304" pitchFamily="18" charset="0"/>
-            </a:endParaRPr>
-          </a:p>
-          <a:p>
-            <a:r>
-              <a:rPr lang="en-IN" sz="1600" dirty="0">
-                <a:latin typeface="Times New Roman" panose="02020603050405020304" pitchFamily="18" charset="0"/>
-                <a:cs typeface="Times New Roman" panose="02020603050405020304" pitchFamily="18" charset="0"/>
-              </a:rPr>
-              <a:t>Host 3 </a:t>
-            </a:r>
-          </a:p>
-          <a:p>
-            <a:pPr lvl="1"/>
-            <a:r>
-              <a:rPr lang="en-IN" sz="1600" dirty="0">
-                <a:latin typeface="Times New Roman" panose="02020603050405020304" pitchFamily="18" charset="0"/>
-                <a:cs typeface="Times New Roman" panose="02020603050405020304" pitchFamily="18" charset="0"/>
-              </a:rPr>
-              <a:t>One client for application - NMIT IP IVR(interactive voice response)  system (using IPv6)</a:t>
-            </a:r>
-            <a:endParaRPr lang="en-US" sz="1600" dirty="0">
-              <a:latin typeface="Times New Roman" panose="02020603050405020304" pitchFamily="18" charset="0"/>
-              <a:cs typeface="Times New Roman" panose="02020603050405020304" pitchFamily="18" charset="0"/>
-            </a:endParaRPr>
-          </a:p>
-          <a:p>
-            <a:pPr marL="457200" lvl="1" indent="0">
-              <a:buNone/>
-            </a:pPr>
-            <a:endParaRPr lang="en-US" dirty="0" smtClean="0"/>
-          </a:p>
-        </p:txBody>
-      </p:sp>
-    </p:spTree>
-    <p:extLst>
-      <p:ext uri="{BB962C8B-B14F-4D97-AF65-F5344CB8AC3E}">
-        <p14:creationId xmlns:p14="http://schemas.microsoft.com/office/powerpoint/2010/main" val="4182899405"/>
-      </p:ext>
-    </p:extLst>
-  </p:cSld>
-  <p:clrMapOvr>
-    <a:masterClrMapping/>
-  </p:clrMapOvr>
-  <p:timing>
-    <p:tnLst>
-      <p:par>
-        <p:cTn id="1" dur="indefinite" restart="never" nodeType="tmRoot"/>
-      </p:par>
-    </p:tnLst>
-  </p:timing>
-</p:sld>
-</file>
-
-<file path=ppt/slides/slide15.xml><?xml version="1.0" encoding="utf-8"?>
-<p:sld xmlns:a="http://schemas.openxmlformats.org/drawingml/2006/main" xmlns:r="http://schemas.openxmlformats.org/officeDocument/2006/relationships" xmlns:p="http://schemas.openxmlformats.org/presentationml/2006/main">
-  <p:cSld>
-    <p:spTree>
-      <p:nvGrpSpPr>
-        <p:cNvPr id="1" name=""/>
-        <p:cNvGrpSpPr/>
-        <p:nvPr/>
-      </p:nvGrpSpPr>
-      <p:grpSpPr>
-        <a:xfrm>
-          <a:off x="0" y="0"/>
-          <a:ext cx="0" cy="0"/>
-          <a:chOff x="0" y="0"/>
-          <a:chExt cx="0" cy="0"/>
-        </a:xfrm>
-      </p:grpSpPr>
-      <p:sp>
-        <p:nvSpPr>
-          <p:cNvPr id="3" name="Content Placeholder 2"/>
-          <p:cNvSpPr>
-            <a:spLocks noGrp="1"/>
-          </p:cNvSpPr>
-          <p:nvPr>
-            <p:ph idx="1"/>
-          </p:nvPr>
-        </p:nvSpPr>
-        <p:spPr>
-          <a:xfrm>
-            <a:off x="457200" y="1654175"/>
-            <a:ext cx="8229600" cy="4343400"/>
-          </a:xfrm>
-        </p:spPr>
-        <p:txBody>
-          <a:bodyPr>
-            <a:normAutofit/>
-          </a:bodyPr>
-          <a:lstStyle/>
-          <a:p>
-            <a:r>
-              <a:rPr lang="en-IN" sz="2000" dirty="0"/>
-              <a:t>Two Linux desktops/laptops, One </a:t>
-            </a:r>
-            <a:r>
-              <a:rPr lang="en-IN" sz="2000" dirty="0" smtClean="0"/>
-              <a:t>Raspberry Pi </a:t>
-            </a:r>
-            <a:r>
-              <a:rPr lang="en-IN" sz="2000" dirty="0"/>
-              <a:t>board</a:t>
-            </a:r>
-            <a:endParaRPr lang="en-US" sz="2000" dirty="0"/>
-          </a:p>
-          <a:p>
-            <a:endParaRPr lang="en-US" sz="2000" dirty="0" smtClean="0">
-              <a:latin typeface="Times New Roman" panose="02020603050405020304" pitchFamily="18" charset="0"/>
-              <a:cs typeface="Times New Roman" panose="02020603050405020304" pitchFamily="18" charset="0"/>
-            </a:endParaRPr>
-          </a:p>
-          <a:p>
-            <a:r>
-              <a:rPr lang="en-IN" sz="2000" dirty="0"/>
-              <a:t>C or </a:t>
-            </a:r>
-            <a:r>
-              <a:rPr lang="en-IN" sz="2000" dirty="0" smtClean="0"/>
-              <a:t>Python</a:t>
-            </a:r>
-          </a:p>
-          <a:p>
-            <a:endParaRPr lang="en-IN" sz="2000" dirty="0">
-              <a:latin typeface="Times New Roman" panose="02020603050405020304" pitchFamily="18" charset="0"/>
-              <a:cs typeface="Times New Roman" panose="02020603050405020304" pitchFamily="18" charset="0"/>
-            </a:endParaRPr>
-          </a:p>
-          <a:p>
-            <a:r>
-              <a:rPr lang="en-IN" sz="2000" dirty="0"/>
-              <a:t>Socket programming </a:t>
-            </a:r>
-            <a:endParaRPr lang="en-IN" sz="2000" dirty="0"/>
-          </a:p>
-          <a:p>
-            <a:endParaRPr lang="en-IN" sz="2000" dirty="0" smtClean="0"/>
-          </a:p>
-          <a:p>
-            <a:r>
-              <a:rPr lang="en-IN" sz="2000" dirty="0" smtClean="0"/>
-              <a:t>Software development for Applications</a:t>
-            </a:r>
-          </a:p>
-          <a:p>
-            <a:endParaRPr lang="en-IN" sz="2000" dirty="0"/>
-          </a:p>
-          <a:p>
-            <a:r>
-              <a:rPr lang="en-IN" sz="2000" dirty="0"/>
-              <a:t>GDB and Wireshark tool may be used during testing / debugging</a:t>
-            </a:r>
-            <a:endParaRPr lang="en-US" sz="2000" dirty="0"/>
-          </a:p>
-          <a:p>
-            <a:endParaRPr lang="en-US" sz="2000" dirty="0"/>
-          </a:p>
-          <a:p>
-            <a:endParaRPr lang="en-US" sz="2000" dirty="0">
-              <a:latin typeface="Times New Roman" panose="02020603050405020304" pitchFamily="18" charset="0"/>
-              <a:cs typeface="Times New Roman" panose="02020603050405020304" pitchFamily="18" charset="0"/>
-            </a:endParaRPr>
-          </a:p>
-        </p:txBody>
-      </p:sp>
-      <p:sp>
-        <p:nvSpPr>
-          <p:cNvPr id="4" name="Date Placeholder 3"/>
-          <p:cNvSpPr>
-            <a:spLocks noGrp="1"/>
-          </p:cNvSpPr>
-          <p:nvPr>
-            <p:ph type="dt" sz="half" idx="10"/>
-          </p:nvPr>
-        </p:nvSpPr>
-        <p:spPr/>
-        <p:txBody>
-          <a:bodyPr/>
-          <a:lstStyle/>
-          <a:p>
-            <a:fld id="{05229871-6294-4FDC-ADFB-03568C29F7D6}" type="datetime1">
-              <a:rPr lang="en-US" smtClean="0"/>
-              <a:t>21-Sep-21</a:t>
-            </a:fld>
-            <a:endParaRPr lang="en-US"/>
-          </a:p>
-        </p:txBody>
-      </p:sp>
-      <p:sp>
-        <p:nvSpPr>
-          <p:cNvPr id="5" name="Footer Placeholder 4"/>
-          <p:cNvSpPr>
-            <a:spLocks noGrp="1"/>
-          </p:cNvSpPr>
-          <p:nvPr>
-            <p:ph type="ftr" sz="quarter" idx="11"/>
-          </p:nvPr>
-        </p:nvSpPr>
-        <p:spPr/>
-        <p:txBody>
-          <a:bodyPr/>
-          <a:lstStyle/>
-          <a:p>
-            <a:r>
-              <a:rPr lang="en-US" smtClean="0"/>
-              <a:t>Dept. of ECE, NMIT, Bangalore-64</a:t>
-            </a:r>
-            <a:endParaRPr lang="en-US"/>
-          </a:p>
-        </p:txBody>
-      </p:sp>
-      <p:sp>
-        <p:nvSpPr>
-          <p:cNvPr id="6" name="Slide Number Placeholder 5"/>
-          <p:cNvSpPr>
-            <a:spLocks noGrp="1"/>
-          </p:cNvSpPr>
-          <p:nvPr>
-            <p:ph type="sldNum" sz="quarter" idx="12"/>
-          </p:nvPr>
-        </p:nvSpPr>
-        <p:spPr/>
-        <p:txBody>
-          <a:bodyPr/>
-          <a:lstStyle/>
-          <a:p>
-            <a:fld id="{B6F15528-21DE-4FAA-801E-634DDDAF4B2B}" type="slidenum">
-              <a:rPr lang="en-US" smtClean="0"/>
-              <a:pPr/>
-              <a:t>15</a:t>
-            </a:fld>
-            <a:endParaRPr lang="en-US"/>
-          </a:p>
-        </p:txBody>
-      </p:sp>
-      <p:sp>
-        <p:nvSpPr>
-          <p:cNvPr id="7" name="Title 1"/>
-          <p:cNvSpPr>
-            <a:spLocks noGrp="1"/>
-          </p:cNvSpPr>
-          <p:nvPr>
-            <p:ph type="title"/>
-          </p:nvPr>
-        </p:nvSpPr>
-        <p:spPr>
-          <a:xfrm>
-            <a:off x="457200" y="152400"/>
-            <a:ext cx="8229600" cy="1143000"/>
-          </a:xfrm>
-          <a:solidFill>
-            <a:srgbClr val="0000FF"/>
-          </a:solidFill>
-        </p:spPr>
-        <p:txBody>
-          <a:bodyPr>
-            <a:noAutofit/>
-          </a:bodyPr>
-          <a:lstStyle/>
-          <a:p>
-            <a:r>
-              <a:rPr lang="en-US" sz="3600" b="1" dirty="0" smtClean="0">
-                <a:solidFill>
-                  <a:schemeClr val="bg1"/>
-                </a:solidFill>
-                <a:latin typeface="Times New Roman" panose="02020603050405020304" pitchFamily="18" charset="0"/>
-                <a:cs typeface="Times New Roman" panose="02020603050405020304" pitchFamily="18" charset="0"/>
-              </a:rPr>
-              <a:t>Tools Required</a:t>
-            </a:r>
-            <a:endParaRPr lang="en-US" sz="3600" b="1" dirty="0">
-              <a:solidFill>
-                <a:schemeClr val="bg1"/>
-              </a:solidFill>
-              <a:latin typeface="Times New Roman" pitchFamily="18" charset="0"/>
-              <a:cs typeface="Times New Roman" pitchFamily="18" charset="0"/>
-            </a:endParaRPr>
-          </a:p>
-        </p:txBody>
-      </p:sp>
-    </p:spTree>
-    <p:extLst>
-      <p:ext uri="{BB962C8B-B14F-4D97-AF65-F5344CB8AC3E}">
-        <p14:creationId xmlns:p14="http://schemas.microsoft.com/office/powerpoint/2010/main" val="4290820194"/>
-      </p:ext>
-    </p:extLst>
-  </p:cSld>
-  <p:clrMapOvr>
-    <a:masterClrMapping/>
-  </p:clrMapOvr>
-</p:sld>
-</file>
-
-<file path=ppt/slides/slide16.xml><?xml version="1.0" encoding="utf-8"?>
-<p:sld xmlns:a="http://schemas.openxmlformats.org/drawingml/2006/main" xmlns:r="http://schemas.openxmlformats.org/officeDocument/2006/relationships" xmlns:p="http://schemas.openxmlformats.org/presentationml/2006/main">
-  <p:cSld>
-    <p:spTree>
-      <p:nvGrpSpPr>
-        <p:cNvPr id="1" name=""/>
-        <p:cNvGrpSpPr/>
-        <p:nvPr/>
-      </p:nvGrpSpPr>
-      <p:grpSpPr>
-        <a:xfrm>
-          <a:off x="0" y="0"/>
-          <a:ext cx="0" cy="0"/>
-          <a:chOff x="0" y="0"/>
-          <a:chExt cx="0" cy="0"/>
-        </a:xfrm>
-      </p:grpSpPr>
-      <p:sp>
-        <p:nvSpPr>
-          <p:cNvPr id="4" name="Date Placeholder 3">
-            <a:extLst>
-              <a:ext uri="{FF2B5EF4-FFF2-40B4-BE49-F238E27FC236}">
-                <a16:creationId xmlns:a16="http://schemas.microsoft.com/office/drawing/2014/main" xmlns="" id="{FC5DC846-D108-4B7F-A641-2014248D06A1}"/>
-              </a:ext>
-            </a:extLst>
-          </p:cNvPr>
-          <p:cNvSpPr>
-            <a:spLocks noGrp="1"/>
-          </p:cNvSpPr>
-          <p:nvPr>
-            <p:ph type="dt" sz="half" idx="10"/>
-          </p:nvPr>
-        </p:nvSpPr>
-        <p:spPr/>
-        <p:txBody>
-          <a:bodyPr/>
-          <a:lstStyle/>
-          <a:p>
-            <a:r>
-              <a:rPr lang="en-US" dirty="0" smtClean="0">
-                <a:latin typeface="Times New Roman" pitchFamily="18" charset="0"/>
-                <a:cs typeface="Times New Roman" pitchFamily="18" charset="0"/>
-              </a:rPr>
-              <a:t>17-Aug-21</a:t>
-            </a:r>
-            <a:endParaRPr lang="en-US" dirty="0">
-              <a:latin typeface="Times New Roman" pitchFamily="18" charset="0"/>
-              <a:cs typeface="Times New Roman" pitchFamily="18" charset="0"/>
-            </a:endParaRPr>
-          </a:p>
-        </p:txBody>
-      </p:sp>
-      <p:sp>
-        <p:nvSpPr>
-          <p:cNvPr id="5" name="Footer Placeholder 4">
-            <a:extLst>
-              <a:ext uri="{FF2B5EF4-FFF2-40B4-BE49-F238E27FC236}">
-                <a16:creationId xmlns:a16="http://schemas.microsoft.com/office/drawing/2014/main" xmlns="" id="{94F76D2A-D755-4BD1-9236-1FBDA8B544CB}"/>
-              </a:ext>
-            </a:extLst>
-          </p:cNvPr>
-          <p:cNvSpPr>
-            <a:spLocks noGrp="1"/>
-          </p:cNvSpPr>
-          <p:nvPr>
-            <p:ph type="ftr" sz="quarter" idx="11"/>
-          </p:nvPr>
-        </p:nvSpPr>
-        <p:spPr/>
-        <p:txBody>
-          <a:bodyPr/>
-          <a:lstStyle/>
-          <a:p>
-            <a:r>
-              <a:rPr lang="en-US"/>
-              <a:t>Dept. of ECE, NMIT, Bangalore-64</a:t>
-            </a:r>
-          </a:p>
-        </p:txBody>
-      </p:sp>
-      <p:sp>
-        <p:nvSpPr>
-          <p:cNvPr id="6" name="Slide Number Placeholder 5">
-            <a:extLst>
-              <a:ext uri="{FF2B5EF4-FFF2-40B4-BE49-F238E27FC236}">
-                <a16:creationId xmlns:a16="http://schemas.microsoft.com/office/drawing/2014/main" xmlns="" id="{751C6CAB-D118-4A59-A5FF-1BD87857B1F4}"/>
-              </a:ext>
-            </a:extLst>
-          </p:cNvPr>
-          <p:cNvSpPr>
-            <a:spLocks noGrp="1"/>
-          </p:cNvSpPr>
-          <p:nvPr>
-            <p:ph type="sldNum" sz="quarter" idx="12"/>
-          </p:nvPr>
-        </p:nvSpPr>
-        <p:spPr/>
-        <p:txBody>
-          <a:bodyPr/>
-          <a:lstStyle/>
-          <a:p>
-            <a:fld id="{B6F15528-21DE-4FAA-801E-634DDDAF4B2B}" type="slidenum">
-              <a:rPr lang="en-US" smtClean="0"/>
-              <a:pPr/>
-              <a:t>16</a:t>
-            </a:fld>
             <a:endParaRPr lang="en-US"/>
           </a:p>
         </p:txBody>
@@ -6926,7 +6485,7 @@
           <p:cNvPr id="9" name="Rectangle 8">
             <a:extLst>
               <a:ext uri="{FF2B5EF4-FFF2-40B4-BE49-F238E27FC236}">
-                <a16:creationId xmlns:a16="http://schemas.microsoft.com/office/drawing/2014/main" xmlns="" id="{B7912E41-6B3C-4A45-85F4-BC64F00F4F49}"/>
+                <a16:creationId xmlns="" xmlns:a16="http://schemas.microsoft.com/office/drawing/2014/main" id="{B7912E41-6B3C-4A45-85F4-BC64F00F4F49}"/>
               </a:ext>
             </a:extLst>
           </p:cNvPr>
@@ -6967,7 +6526,7 @@
           <p:cNvPr id="10" name="Rectangle 9">
             <a:extLst>
               <a:ext uri="{FF2B5EF4-FFF2-40B4-BE49-F238E27FC236}">
-                <a16:creationId xmlns:a16="http://schemas.microsoft.com/office/drawing/2014/main" xmlns="" id="{77CAF576-6446-4093-8D69-86D0A12BD6E1}"/>
+                <a16:creationId xmlns="" xmlns:a16="http://schemas.microsoft.com/office/drawing/2014/main" id="{77CAF576-6446-4093-8D69-86D0A12BD6E1}"/>
               </a:ext>
             </a:extLst>
           </p:cNvPr>
@@ -7030,7 +6589,7 @@
           <p:cNvPr id="18" name="Content Placeholder 17">
             <a:extLst>
               <a:ext uri="{FF2B5EF4-FFF2-40B4-BE49-F238E27FC236}">
-                <a16:creationId xmlns:a16="http://schemas.microsoft.com/office/drawing/2014/main" xmlns="" id="{F6633F0C-40DF-4C0D-82AC-D4603EEE60BB}"/>
+                <a16:creationId xmlns="" xmlns:a16="http://schemas.microsoft.com/office/drawing/2014/main" id="{F6633F0C-40DF-4C0D-82AC-D4603EEE60BB}"/>
               </a:ext>
             </a:extLst>
           </p:cNvPr>
@@ -7065,7 +6624,7 @@
           <p:cNvPr id="20" name="Picture 19">
             <a:extLst>
               <a:ext uri="{FF2B5EF4-FFF2-40B4-BE49-F238E27FC236}">
-                <a16:creationId xmlns:a16="http://schemas.microsoft.com/office/drawing/2014/main" xmlns="" id="{E6765A6B-DEDC-44FE-AFB1-7C1E22F66944}"/>
+                <a16:creationId xmlns="" xmlns:a16="http://schemas.microsoft.com/office/drawing/2014/main" id="{E6765A6B-DEDC-44FE-AFB1-7C1E22F66944}"/>
               </a:ext>
             </a:extLst>
           </p:cNvPr>
@@ -7101,7 +6660,7 @@
           <p:cNvPr id="22" name="Picture 21">
             <a:extLst>
               <a:ext uri="{FF2B5EF4-FFF2-40B4-BE49-F238E27FC236}">
-                <a16:creationId xmlns:a16="http://schemas.microsoft.com/office/drawing/2014/main" xmlns="" id="{4205A1F5-568D-49B4-A017-13295C1807F9}"/>
+                <a16:creationId xmlns="" xmlns:a16="http://schemas.microsoft.com/office/drawing/2014/main" id="{4205A1F5-568D-49B4-A017-13295C1807F9}"/>
               </a:ext>
             </a:extLst>
           </p:cNvPr>
@@ -7137,7 +6696,7 @@
           <p:cNvPr id="24" name="Picture 23">
             <a:extLst>
               <a:ext uri="{FF2B5EF4-FFF2-40B4-BE49-F238E27FC236}">
-                <a16:creationId xmlns:a16="http://schemas.microsoft.com/office/drawing/2014/main" xmlns="" id="{75483FCB-9A42-45BB-8261-D568072CB8A5}"/>
+                <a16:creationId xmlns="" xmlns:a16="http://schemas.microsoft.com/office/drawing/2014/main" id="{75483FCB-9A42-45BB-8261-D568072CB8A5}"/>
               </a:ext>
             </a:extLst>
           </p:cNvPr>
@@ -7173,7 +6732,7 @@
           <p:cNvPr id="33" name="Rectangle 32">
             <a:extLst>
               <a:ext uri="{FF2B5EF4-FFF2-40B4-BE49-F238E27FC236}">
-                <a16:creationId xmlns:a16="http://schemas.microsoft.com/office/drawing/2014/main" xmlns="" id="{EF4F77E9-7009-49B6-98AF-2EBBAEADCC9D}"/>
+                <a16:creationId xmlns="" xmlns:a16="http://schemas.microsoft.com/office/drawing/2014/main" id="{EF4F77E9-7009-49B6-98AF-2EBBAEADCC9D}"/>
               </a:ext>
             </a:extLst>
           </p:cNvPr>
@@ -7211,7 +6770,7 @@
           <p:cNvPr id="34" name="Rectangle 33">
             <a:extLst>
               <a:ext uri="{FF2B5EF4-FFF2-40B4-BE49-F238E27FC236}">
-                <a16:creationId xmlns:a16="http://schemas.microsoft.com/office/drawing/2014/main" xmlns="" id="{EC14AF26-1FFB-4708-8381-73CC15BD712E}"/>
+                <a16:creationId xmlns="" xmlns:a16="http://schemas.microsoft.com/office/drawing/2014/main" id="{EC14AF26-1FFB-4708-8381-73CC15BD712E}"/>
               </a:ext>
             </a:extLst>
           </p:cNvPr>
@@ -7276,7 +6835,7 @@
           <p:cNvPr id="35" name="Rectangle 34">
             <a:extLst>
               <a:ext uri="{FF2B5EF4-FFF2-40B4-BE49-F238E27FC236}">
-                <a16:creationId xmlns:a16="http://schemas.microsoft.com/office/drawing/2014/main" xmlns="" id="{CAA9C0DD-C44F-470C-80AA-236BCD830B95}"/>
+                <a16:creationId xmlns="" xmlns:a16="http://schemas.microsoft.com/office/drawing/2014/main" id="{CAA9C0DD-C44F-470C-80AA-236BCD830B95}"/>
               </a:ext>
             </a:extLst>
           </p:cNvPr>
@@ -7341,7 +6900,7 @@
           <p:cNvPr id="36" name="Rectangle 35">
             <a:extLst>
               <a:ext uri="{FF2B5EF4-FFF2-40B4-BE49-F238E27FC236}">
-                <a16:creationId xmlns:a16="http://schemas.microsoft.com/office/drawing/2014/main" xmlns="" id="{295CFA09-A69C-4D90-9344-DA4D42504099}"/>
+                <a16:creationId xmlns="" xmlns:a16="http://schemas.microsoft.com/office/drawing/2014/main" id="{295CFA09-A69C-4D90-9344-DA4D42504099}"/>
               </a:ext>
             </a:extLst>
           </p:cNvPr>
@@ -7516,7 +7075,7 @@
 </p:sld>
 </file>
 
-<file path=ppt/slides/slide17.xml><?xml version="1.0" encoding="utf-8"?>
+<file path=ppt/slides/slide15.xml><?xml version="1.0" encoding="utf-8"?>
 <p:sld xmlns:a="http://schemas.openxmlformats.org/drawingml/2006/main" xmlns:r="http://schemas.openxmlformats.org/officeDocument/2006/relationships" xmlns:p="http://schemas.openxmlformats.org/presentationml/2006/main">
   <p:cSld>
     <p:spTree>
@@ -7555,22 +7114,15 @@
           <a:lstStyle/>
           <a:p>
             <a:r>
-              <a:rPr lang="en-US" sz="3600" b="1" dirty="0" smtClean="0">
+              <a:rPr lang="en-US" sz="3600" b="1" dirty="0">
                 <a:solidFill>
                   <a:schemeClr val="bg1"/>
                 </a:solidFill>
                 <a:latin typeface="Times New Roman" pitchFamily="18" charset="0"/>
                 <a:cs typeface="Times New Roman" pitchFamily="18" charset="0"/>
               </a:rPr>
-              <a:t>Tools</a:t>
-            </a:r>
-            <a:endParaRPr lang="en-US" sz="3600" b="1" dirty="0">
-              <a:solidFill>
-                <a:schemeClr val="bg1"/>
-              </a:solidFill>
-              <a:latin typeface="Times New Roman" pitchFamily="18" charset="0"/>
-              <a:cs typeface="Times New Roman" pitchFamily="18" charset="0"/>
-            </a:endParaRPr>
+              <a:t>Project Objectives</a:t>
+            </a:r>
           </a:p>
         </p:txBody>
       </p:sp>
@@ -7596,9 +7148,204 @@
           </a:bodyPr>
           <a:lstStyle/>
           <a:p>
-            <a:pPr marL="457200" lvl="1" indent="0">
+            <a:pPr marL="0" indent="0">
               <a:buNone/>
             </a:pPr>
+            <a:r>
+              <a:rPr lang="en-US" sz="2000" dirty="0">
+                <a:latin typeface="Times New Roman" panose="02020603050405020304" pitchFamily="18" charset="0"/>
+                <a:cs typeface="Times New Roman" pitchFamily="18" charset="0"/>
+              </a:rPr>
+              <a:t>The following are the proposed objectives of the project based on the </a:t>
+            </a:r>
+            <a:r>
+              <a:rPr lang="en-US" sz="2000" dirty="0" smtClean="0">
+                <a:latin typeface="Times New Roman" panose="02020603050405020304" pitchFamily="18" charset="0"/>
+                <a:cs typeface="Times New Roman" pitchFamily="18" charset="0"/>
+              </a:rPr>
+              <a:t>research:</a:t>
+            </a:r>
+            <a:endParaRPr lang="en-US" sz="2000" dirty="0">
+              <a:latin typeface="Times New Roman" panose="02020603050405020304" pitchFamily="18" charset="0"/>
+              <a:cs typeface="Times New Roman" pitchFamily="18" charset="0"/>
+            </a:endParaRPr>
+          </a:p>
+          <a:p>
+            <a:pPr marL="0" indent="0">
+              <a:lnSpc>
+                <a:spcPct val="150000"/>
+              </a:lnSpc>
+              <a:spcAft>
+                <a:spcPts val="1000"/>
+              </a:spcAft>
+              <a:buNone/>
+            </a:pPr>
+            <a:endParaRPr lang="en-US" sz="1600" dirty="0">
+              <a:latin typeface="Times New Roman" panose="02020603050405020304" pitchFamily="18" charset="0"/>
+              <a:ea typeface="Calibri" panose="020F0502020204030204" pitchFamily="34" charset="0"/>
+              <a:cs typeface="Times New Roman" panose="02020603050405020304" pitchFamily="18" charset="0"/>
+            </a:endParaRPr>
+          </a:p>
+          <a:p>
+            <a:pPr>
+              <a:lnSpc>
+                <a:spcPct val="150000"/>
+              </a:lnSpc>
+              <a:spcAft>
+                <a:spcPts val="1000"/>
+              </a:spcAft>
+            </a:pPr>
+            <a:r>
+              <a:rPr lang="en-US" sz="1600" dirty="0" smtClean="0">
+                <a:latin typeface="Times New Roman" panose="02020603050405020304" pitchFamily="18" charset="0"/>
+                <a:ea typeface="Calibri" panose="020F0502020204030204" pitchFamily="34" charset="0"/>
+                <a:cs typeface="Times New Roman" panose="02020603050405020304" pitchFamily="18" charset="0"/>
+              </a:rPr>
+              <a:t>To </a:t>
+            </a:r>
+            <a:r>
+              <a:rPr lang="en-US" sz="1600" dirty="0" smtClean="0">
+                <a:effectLst/>
+                <a:latin typeface="Times New Roman" panose="02020603050405020304" pitchFamily="18" charset="0"/>
+                <a:ea typeface="Calibri" panose="020F0502020204030204" pitchFamily="34" charset="0"/>
+                <a:cs typeface="Times New Roman" panose="02020603050405020304" pitchFamily="18" charset="0"/>
+              </a:rPr>
+              <a:t>Implement  </a:t>
+            </a:r>
+            <a:r>
+              <a:rPr lang="en-US" sz="1600" dirty="0">
+                <a:effectLst/>
+                <a:latin typeface="Times New Roman" panose="02020603050405020304" pitchFamily="18" charset="0"/>
+                <a:ea typeface="Calibri" panose="020F0502020204030204" pitchFamily="34" charset="0"/>
+                <a:cs typeface="Times New Roman" panose="02020603050405020304" pitchFamily="18" charset="0"/>
+              </a:rPr>
+              <a:t>client server </a:t>
+            </a:r>
+            <a:r>
+              <a:rPr lang="en-US" sz="1600" dirty="0" smtClean="0">
+                <a:effectLst/>
+                <a:latin typeface="Times New Roman" panose="02020603050405020304" pitchFamily="18" charset="0"/>
+                <a:ea typeface="Calibri" panose="020F0502020204030204" pitchFamily="34" charset="0"/>
+                <a:cs typeface="Times New Roman" panose="02020603050405020304" pitchFamily="18" charset="0"/>
+              </a:rPr>
+              <a:t>communication between dual stack host and IPv4 only host</a:t>
+            </a:r>
+          </a:p>
+          <a:p>
+            <a:pPr>
+              <a:lnSpc>
+                <a:spcPct val="150000"/>
+              </a:lnSpc>
+              <a:spcAft>
+                <a:spcPts val="1000"/>
+              </a:spcAft>
+            </a:pPr>
+            <a:r>
+              <a:rPr lang="en-US" sz="1600" dirty="0">
+                <a:latin typeface="Times New Roman" panose="02020603050405020304" pitchFamily="18" charset="0"/>
+                <a:ea typeface="Calibri" panose="020F0502020204030204" pitchFamily="34" charset="0"/>
+                <a:cs typeface="Times New Roman" panose="02020603050405020304" pitchFamily="18" charset="0"/>
+              </a:rPr>
+              <a:t>To Implement  client server communication between dual stack host and </a:t>
+            </a:r>
+            <a:r>
+              <a:rPr lang="en-US" sz="1600" dirty="0" smtClean="0">
+                <a:latin typeface="Times New Roman" panose="02020603050405020304" pitchFamily="18" charset="0"/>
+                <a:ea typeface="Calibri" panose="020F0502020204030204" pitchFamily="34" charset="0"/>
+                <a:cs typeface="Times New Roman" panose="02020603050405020304" pitchFamily="18" charset="0"/>
+              </a:rPr>
+              <a:t>IPv6 </a:t>
+            </a:r>
+            <a:r>
+              <a:rPr lang="en-US" sz="1600" dirty="0">
+                <a:latin typeface="Times New Roman" panose="02020603050405020304" pitchFamily="18" charset="0"/>
+                <a:ea typeface="Calibri" panose="020F0502020204030204" pitchFamily="34" charset="0"/>
+                <a:cs typeface="Times New Roman" panose="02020603050405020304" pitchFamily="18" charset="0"/>
+              </a:rPr>
+              <a:t>only host</a:t>
+            </a:r>
+            <a:endParaRPr lang="en-IN" sz="1600" dirty="0">
+              <a:latin typeface="Times New Roman" panose="02020603050405020304" pitchFamily="18" charset="0"/>
+              <a:ea typeface="Calibri" panose="020F0502020204030204" pitchFamily="34" charset="0"/>
+              <a:cs typeface="Times New Roman" panose="02020603050405020304" pitchFamily="18" charset="0"/>
+            </a:endParaRPr>
+          </a:p>
+          <a:p>
+            <a:pPr>
+              <a:lnSpc>
+                <a:spcPct val="150000"/>
+              </a:lnSpc>
+              <a:spcAft>
+                <a:spcPts val="1000"/>
+              </a:spcAft>
+            </a:pPr>
+            <a:r>
+              <a:rPr lang="en-IN" sz="1600" dirty="0" smtClean="0">
+                <a:effectLst/>
+                <a:latin typeface="Times New Roman" panose="02020603050405020304" pitchFamily="18" charset="0"/>
+                <a:ea typeface="Calibri" panose="020F0502020204030204" pitchFamily="34" charset="0"/>
+                <a:cs typeface="Times New Roman" panose="02020603050405020304" pitchFamily="18" charset="0"/>
+              </a:rPr>
+              <a:t>To implement both of above simultaneously </a:t>
+            </a:r>
+            <a:endParaRPr lang="en-IN" sz="1600" dirty="0">
+              <a:effectLst/>
+              <a:latin typeface="Times New Roman" panose="02020603050405020304" pitchFamily="18" charset="0"/>
+              <a:ea typeface="Calibri" panose="020F0502020204030204" pitchFamily="34" charset="0"/>
+              <a:cs typeface="Times New Roman" panose="02020603050405020304" pitchFamily="18" charset="0"/>
+            </a:endParaRPr>
+          </a:p>
+          <a:p>
+            <a:pPr>
+              <a:lnSpc>
+                <a:spcPct val="150000"/>
+              </a:lnSpc>
+              <a:spcAft>
+                <a:spcPts val="1000"/>
+              </a:spcAft>
+            </a:pPr>
+            <a:r>
+              <a:rPr lang="en-US" sz="1600" dirty="0" smtClean="0">
+                <a:effectLst/>
+                <a:latin typeface="Times New Roman" panose="02020603050405020304" pitchFamily="18" charset="0"/>
+                <a:ea typeface="Calibri" panose="020F0502020204030204" pitchFamily="34" charset="0"/>
+                <a:cs typeface="Times New Roman" panose="02020603050405020304" pitchFamily="18" charset="0"/>
+              </a:rPr>
+              <a:t>To implement Seminar hall booking application (Dual stack host and IPv4 only host)</a:t>
+            </a:r>
+            <a:r>
+              <a:rPr lang="en-US" sz="1600" dirty="0">
+                <a:effectLst/>
+                <a:latin typeface="Times New Roman" panose="02020603050405020304" pitchFamily="18" charset="0"/>
+                <a:ea typeface="Calibri" panose="020F0502020204030204" pitchFamily="34" charset="0"/>
+                <a:cs typeface="Times New Roman" panose="02020603050405020304" pitchFamily="18" charset="0"/>
+              </a:rPr>
+              <a:t> </a:t>
+            </a:r>
+            <a:endParaRPr lang="en-IN" sz="1600" dirty="0">
+              <a:latin typeface="Times New Roman" panose="02020603050405020304" pitchFamily="18" charset="0"/>
+              <a:ea typeface="Calibri" panose="020F0502020204030204" pitchFamily="34" charset="0"/>
+              <a:cs typeface="Times New Roman" panose="02020603050405020304" pitchFamily="18" charset="0"/>
+            </a:endParaRPr>
+          </a:p>
+          <a:p>
+            <a:pPr>
+              <a:lnSpc>
+                <a:spcPct val="150000"/>
+              </a:lnSpc>
+              <a:spcAft>
+                <a:spcPts val="1000"/>
+              </a:spcAft>
+            </a:pPr>
+            <a:r>
+              <a:rPr lang="en-US" sz="1600" dirty="0" smtClean="0">
+                <a:effectLst/>
+                <a:latin typeface="Times New Roman" panose="02020603050405020304" pitchFamily="18" charset="0"/>
+                <a:ea typeface="Calibri" panose="020F0502020204030204" pitchFamily="34" charset="0"/>
+                <a:cs typeface="Times New Roman" panose="02020603050405020304" pitchFamily="18" charset="0"/>
+              </a:rPr>
+              <a:t>To implement IP IVR system(Dual stack host and IPv6 only host)</a:t>
+            </a:r>
             <a:endParaRPr lang="en-US" sz="1600" dirty="0">
               <a:latin typeface="Times New Roman" pitchFamily="18" charset="0"/>
               <a:cs typeface="Times New Roman" pitchFamily="18" charset="0"/>
@@ -7678,9 +7425,581 @@
             <a:fld id="{B6F15528-21DE-4FAA-801E-634DDDAF4B2B}" type="slidenum">
               <a:rPr lang="en-US" smtClean="0"/>
               <a:pPr/>
-              <a:t>17</a:t>
+              <a:t>15</a:t>
             </a:fld>
             <a:endParaRPr lang="en-US"/>
+          </a:p>
+        </p:txBody>
+      </p:sp>
+    </p:spTree>
+    <p:extLst>
+      <p:ext uri="{BB962C8B-B14F-4D97-AF65-F5344CB8AC3E}">
+        <p14:creationId xmlns:p14="http://schemas.microsoft.com/office/powerpoint/2010/main" val="2690854905"/>
+      </p:ext>
+    </p:extLst>
+  </p:cSld>
+  <p:clrMapOvr>
+    <a:masterClrMapping/>
+  </p:clrMapOvr>
+  <p:timing>
+    <p:tnLst>
+      <p:par>
+        <p:cTn id="1" dur="indefinite" restart="never" nodeType="tmRoot"/>
+      </p:par>
+    </p:tnLst>
+  </p:timing>
+</p:sld>
+</file>
+
+<file path=ppt/slides/slide16.xml><?xml version="1.0" encoding="utf-8"?>
+<p:sld xmlns:a="http://schemas.openxmlformats.org/drawingml/2006/main" xmlns:r="http://schemas.openxmlformats.org/officeDocument/2006/relationships" xmlns:p="http://schemas.openxmlformats.org/presentationml/2006/main">
+  <p:cSld>
+    <p:spTree>
+      <p:nvGrpSpPr>
+        <p:cNvPr id="1" name=""/>
+        <p:cNvGrpSpPr/>
+        <p:nvPr/>
+      </p:nvGrpSpPr>
+      <p:grpSpPr>
+        <a:xfrm>
+          <a:off x="0" y="0"/>
+          <a:ext cx="0" cy="0"/>
+          <a:chOff x="0" y="0"/>
+          <a:chExt cx="0" cy="0"/>
+        </a:xfrm>
+      </p:grpSpPr>
+      <p:sp>
+        <p:nvSpPr>
+          <p:cNvPr id="2" name="Title 1"/>
+          <p:cNvSpPr>
+            <a:spLocks noGrp="1"/>
+          </p:cNvSpPr>
+          <p:nvPr>
+            <p:ph type="title"/>
+          </p:nvPr>
+        </p:nvSpPr>
+        <p:spPr>
+          <a:solidFill>
+            <a:srgbClr val="0000FF"/>
+          </a:solidFill>
+        </p:spPr>
+        <p:txBody>
+          <a:bodyPr/>
+          <a:lstStyle/>
+          <a:p>
+            <a:r>
+              <a:rPr lang="en-US" b="1" dirty="0">
+                <a:solidFill>
+                  <a:schemeClr val="bg1"/>
+                </a:solidFill>
+                <a:latin typeface="Times New Roman" pitchFamily="18" charset="0"/>
+                <a:cs typeface="Times New Roman" pitchFamily="18" charset="0"/>
+              </a:rPr>
+              <a:t>References</a:t>
+            </a:r>
+          </a:p>
+        </p:txBody>
+      </p:sp>
+      <p:sp>
+        <p:nvSpPr>
+          <p:cNvPr id="3" name="Content Placeholder 2"/>
+          <p:cNvSpPr>
+            <a:spLocks noGrp="1"/>
+          </p:cNvSpPr>
+          <p:nvPr>
+            <p:ph idx="1"/>
+          </p:nvPr>
+        </p:nvSpPr>
+        <p:spPr/>
+        <p:txBody>
+          <a:bodyPr>
+            <a:normAutofit/>
+          </a:bodyPr>
+          <a:lstStyle/>
+          <a:p>
+            <a:pPr marL="228600" indent="-228600">
+              <a:buFont typeface="+mj-lt"/>
+              <a:buAutoNum type="arabicPeriod"/>
+            </a:pPr>
+            <a:r>
+              <a:rPr lang="en-US" sz="1600" dirty="0">
+                <a:latin typeface="Times New Roman" panose="02020603050405020304" pitchFamily="18" charset="0"/>
+                <a:cs typeface="Times New Roman" panose="02020603050405020304" pitchFamily="18" charset="0"/>
+              </a:rPr>
+              <a:t>F. </a:t>
+            </a:r>
+            <a:r>
+              <a:rPr lang="en-US" sz="1600" dirty="0" err="1">
+                <a:latin typeface="Times New Roman" panose="02020603050405020304" pitchFamily="18" charset="0"/>
+                <a:cs typeface="Times New Roman" panose="02020603050405020304" pitchFamily="18" charset="0"/>
+              </a:rPr>
+              <a:t>Ren</a:t>
+            </a:r>
+            <a:r>
+              <a:rPr lang="en-US" sz="1600" dirty="0">
+                <a:latin typeface="Times New Roman" panose="02020603050405020304" pitchFamily="18" charset="0"/>
+                <a:cs typeface="Times New Roman" panose="02020603050405020304" pitchFamily="18" charset="0"/>
+              </a:rPr>
+              <a:t> and H. Zhou, "Implementation and Test of PMIPv6 Dual Stack Protocol," 2012 Sixth International Conference on Innovative Mobile and Internet Services in Ubiquitous Computing, 2012, pp. 305-310, </a:t>
+            </a:r>
+            <a:r>
+              <a:rPr lang="en-US" sz="1600" dirty="0" err="1">
+                <a:latin typeface="Times New Roman" panose="02020603050405020304" pitchFamily="18" charset="0"/>
+                <a:cs typeface="Times New Roman" panose="02020603050405020304" pitchFamily="18" charset="0"/>
+              </a:rPr>
+              <a:t>doi</a:t>
+            </a:r>
+            <a:r>
+              <a:rPr lang="en-US" sz="1600" dirty="0">
+                <a:latin typeface="Times New Roman" panose="02020603050405020304" pitchFamily="18" charset="0"/>
+                <a:cs typeface="Times New Roman" panose="02020603050405020304" pitchFamily="18" charset="0"/>
+              </a:rPr>
+              <a:t>: 10.1109/IMIS.2012.67</a:t>
+            </a:r>
+            <a:r>
+              <a:rPr lang="en-US" sz="1600" dirty="0" smtClean="0">
+                <a:latin typeface="Times New Roman" panose="02020603050405020304" pitchFamily="18" charset="0"/>
+                <a:cs typeface="Times New Roman" panose="02020603050405020304" pitchFamily="18" charset="0"/>
+              </a:rPr>
+              <a:t>.</a:t>
+            </a:r>
+          </a:p>
+          <a:p>
+            <a:pPr marL="228600" indent="-228600">
+              <a:buFont typeface="+mj-lt"/>
+              <a:buAutoNum type="arabicPeriod"/>
+            </a:pPr>
+            <a:r>
+              <a:rPr lang="en-US" sz="1600" dirty="0">
+                <a:latin typeface="Times New Roman" panose="02020603050405020304" pitchFamily="18" charset="0"/>
+                <a:cs typeface="Times New Roman" panose="02020603050405020304" pitchFamily="18" charset="0"/>
+              </a:rPr>
+              <a:t>M. </a:t>
+            </a:r>
+            <a:r>
+              <a:rPr lang="en-US" sz="1600" dirty="0" err="1">
+                <a:latin typeface="Times New Roman" panose="02020603050405020304" pitchFamily="18" charset="0"/>
+                <a:cs typeface="Times New Roman" panose="02020603050405020304" pitchFamily="18" charset="0"/>
+              </a:rPr>
+              <a:t>Bagnulo</a:t>
+            </a:r>
+            <a:r>
+              <a:rPr lang="en-US" sz="1600" dirty="0">
+                <a:latin typeface="Times New Roman" panose="02020603050405020304" pitchFamily="18" charset="0"/>
+                <a:cs typeface="Times New Roman" panose="02020603050405020304" pitchFamily="18" charset="0"/>
+              </a:rPr>
+              <a:t>, A. Garcia-Martinez and I. V. </a:t>
+            </a:r>
+            <a:r>
+              <a:rPr lang="en-US" sz="1600" dirty="0" err="1">
+                <a:latin typeface="Times New Roman" panose="02020603050405020304" pitchFamily="18" charset="0"/>
+                <a:cs typeface="Times New Roman" panose="02020603050405020304" pitchFamily="18" charset="0"/>
+              </a:rPr>
+              <a:t>Beijnum</a:t>
+            </a:r>
+            <a:r>
+              <a:rPr lang="en-US" sz="1600" dirty="0">
+                <a:latin typeface="Times New Roman" panose="02020603050405020304" pitchFamily="18" charset="0"/>
+                <a:cs typeface="Times New Roman" panose="02020603050405020304" pitchFamily="18" charset="0"/>
+              </a:rPr>
+              <a:t>, "The NAT64/DNS64 tool suite for IPv6 transition," in IEEE Communications Magazine, vol. 50, no. 7, pp. 177-183, July 2012, </a:t>
+            </a:r>
+            <a:r>
+              <a:rPr lang="en-US" sz="1600" dirty="0" err="1">
+                <a:latin typeface="Times New Roman" panose="02020603050405020304" pitchFamily="18" charset="0"/>
+                <a:cs typeface="Times New Roman" panose="02020603050405020304" pitchFamily="18" charset="0"/>
+              </a:rPr>
+              <a:t>doi</a:t>
+            </a:r>
+            <a:r>
+              <a:rPr lang="en-US" sz="1600" dirty="0">
+                <a:latin typeface="Times New Roman" panose="02020603050405020304" pitchFamily="18" charset="0"/>
+                <a:cs typeface="Times New Roman" panose="02020603050405020304" pitchFamily="18" charset="0"/>
+              </a:rPr>
+              <a:t>: 10.1109/MCOM.2012.6231295.</a:t>
+            </a:r>
+          </a:p>
+          <a:p>
+            <a:pPr marL="228600" indent="-228600">
+              <a:buFont typeface="+mj-lt"/>
+              <a:buAutoNum type="arabicPeriod"/>
+            </a:pPr>
+            <a:r>
+              <a:rPr lang="en-US" sz="1600" dirty="0">
+                <a:latin typeface="Times New Roman" panose="02020603050405020304" pitchFamily="18" charset="0"/>
+                <a:cs typeface="Times New Roman" panose="02020603050405020304" pitchFamily="18" charset="0"/>
+              </a:rPr>
+              <a:t>V. </a:t>
+            </a:r>
+            <a:r>
+              <a:rPr lang="en-US" sz="1600" dirty="0" err="1">
+                <a:latin typeface="Times New Roman" panose="02020603050405020304" pitchFamily="18" charset="0"/>
+                <a:cs typeface="Times New Roman" panose="02020603050405020304" pitchFamily="18" charset="0"/>
+              </a:rPr>
+              <a:t>Bajpai</a:t>
+            </a:r>
+            <a:r>
+              <a:rPr lang="en-US" sz="1600" dirty="0">
+                <a:latin typeface="Times New Roman" panose="02020603050405020304" pitchFamily="18" charset="0"/>
+                <a:cs typeface="Times New Roman" panose="02020603050405020304" pitchFamily="18" charset="0"/>
+              </a:rPr>
+              <a:t> and J. </a:t>
+            </a:r>
+            <a:r>
+              <a:rPr lang="en-US" sz="1600" dirty="0" err="1">
+                <a:latin typeface="Times New Roman" panose="02020603050405020304" pitchFamily="18" charset="0"/>
+                <a:cs typeface="Times New Roman" panose="02020603050405020304" pitchFamily="18" charset="0"/>
+              </a:rPr>
+              <a:t>Schönwälder</a:t>
+            </a:r>
+            <a:r>
+              <a:rPr lang="en-US" sz="1600" dirty="0">
+                <a:latin typeface="Times New Roman" panose="02020603050405020304" pitchFamily="18" charset="0"/>
+                <a:cs typeface="Times New Roman" panose="02020603050405020304" pitchFamily="18" charset="0"/>
+              </a:rPr>
+              <a:t>, "Measuring TCP connection establishment times of dual-stacked web services," Proceedings of the 9th International Conference on Network and Service Management (CNSM 2013), 2013, pp. 130-133, </a:t>
+            </a:r>
+            <a:r>
+              <a:rPr lang="en-US" sz="1600" dirty="0" err="1">
+                <a:latin typeface="Times New Roman" panose="02020603050405020304" pitchFamily="18" charset="0"/>
+                <a:cs typeface="Times New Roman" panose="02020603050405020304" pitchFamily="18" charset="0"/>
+              </a:rPr>
+              <a:t>doi</a:t>
+            </a:r>
+            <a:r>
+              <a:rPr lang="en-US" sz="1600" dirty="0">
+                <a:latin typeface="Times New Roman" panose="02020603050405020304" pitchFamily="18" charset="0"/>
+                <a:cs typeface="Times New Roman" panose="02020603050405020304" pitchFamily="18" charset="0"/>
+              </a:rPr>
+              <a:t>: 10.1109/CNSM.2013.6727822</a:t>
+            </a:r>
+            <a:r>
+              <a:rPr lang="en-US" sz="1600" dirty="0" smtClean="0">
+                <a:latin typeface="Times New Roman" panose="02020603050405020304" pitchFamily="18" charset="0"/>
+                <a:cs typeface="Times New Roman" panose="02020603050405020304" pitchFamily="18" charset="0"/>
+              </a:rPr>
+              <a:t>.</a:t>
+            </a:r>
+          </a:p>
+          <a:p>
+            <a:pPr marL="228600" indent="-228600">
+              <a:buFont typeface="+mj-lt"/>
+              <a:buAutoNum type="arabicPeriod"/>
+            </a:pPr>
+            <a:r>
+              <a:rPr lang="en-US" sz="1600" dirty="0">
+                <a:latin typeface="Times New Roman" panose="02020603050405020304" pitchFamily="18" charset="0"/>
+                <a:cs typeface="Times New Roman" panose="02020603050405020304" pitchFamily="18" charset="0"/>
+              </a:rPr>
+              <a:t>B. </a:t>
+            </a:r>
+            <a:r>
+              <a:rPr lang="en-US" sz="1600" dirty="0" err="1">
+                <a:latin typeface="Times New Roman" panose="02020603050405020304" pitchFamily="18" charset="0"/>
+                <a:cs typeface="Times New Roman" panose="02020603050405020304" pitchFamily="18" charset="0"/>
+              </a:rPr>
+              <a:t>Faria</a:t>
+            </a:r>
+            <a:r>
+              <a:rPr lang="en-US" sz="1600" dirty="0">
+                <a:latin typeface="Times New Roman" panose="02020603050405020304" pitchFamily="18" charset="0"/>
+                <a:cs typeface="Times New Roman" panose="02020603050405020304" pitchFamily="18" charset="0"/>
+              </a:rPr>
+              <a:t> and E. </a:t>
+            </a:r>
+            <a:r>
+              <a:rPr lang="en-US" sz="1600" dirty="0" err="1">
+                <a:latin typeface="Times New Roman" panose="02020603050405020304" pitchFamily="18" charset="0"/>
+                <a:cs typeface="Times New Roman" panose="02020603050405020304" pitchFamily="18" charset="0"/>
+              </a:rPr>
+              <a:t>Souto</a:t>
+            </a:r>
+            <a:r>
+              <a:rPr lang="en-US" sz="1600" dirty="0">
+                <a:latin typeface="Times New Roman" panose="02020603050405020304" pitchFamily="18" charset="0"/>
+                <a:cs typeface="Times New Roman" panose="02020603050405020304" pitchFamily="18" charset="0"/>
+              </a:rPr>
+              <a:t>, "Performance analysis of Mobile IPv6 support for Dual Stack hosts," 2014 IEEE/ACS 11th International Conference on Computer Systems and Applications (AICCSA), 2014, pp. 92-100, </a:t>
+            </a:r>
+            <a:r>
+              <a:rPr lang="en-US" sz="1600" dirty="0" err="1">
+                <a:latin typeface="Times New Roman" panose="02020603050405020304" pitchFamily="18" charset="0"/>
+                <a:cs typeface="Times New Roman" panose="02020603050405020304" pitchFamily="18" charset="0"/>
+              </a:rPr>
+              <a:t>doi</a:t>
+            </a:r>
+            <a:r>
+              <a:rPr lang="en-US" sz="1600" dirty="0">
+                <a:latin typeface="Times New Roman" panose="02020603050405020304" pitchFamily="18" charset="0"/>
+                <a:cs typeface="Times New Roman" panose="02020603050405020304" pitchFamily="18" charset="0"/>
+              </a:rPr>
+              <a:t>: 10.1109/AICCSA.2014.7073184</a:t>
+            </a:r>
+            <a:r>
+              <a:rPr lang="en-US" sz="1600" dirty="0" smtClean="0">
+                <a:latin typeface="Times New Roman" panose="02020603050405020304" pitchFamily="18" charset="0"/>
+                <a:cs typeface="Times New Roman" panose="02020603050405020304" pitchFamily="18" charset="0"/>
+              </a:rPr>
+              <a:t>.</a:t>
+            </a:r>
+          </a:p>
+          <a:p>
+            <a:pPr marL="228600" indent="-228600">
+              <a:buFont typeface="+mj-lt"/>
+              <a:buAutoNum type="arabicPeriod"/>
+            </a:pPr>
+            <a:r>
+              <a:rPr lang="en-US" sz="1600" dirty="0">
+                <a:latin typeface="Times New Roman" panose="02020603050405020304" pitchFamily="18" charset="0"/>
+                <a:cs typeface="Times New Roman" panose="02020603050405020304" pitchFamily="18" charset="0"/>
+              </a:rPr>
+              <a:t>S. </a:t>
+            </a:r>
+            <a:r>
+              <a:rPr lang="en-US" sz="1600" dirty="0" err="1">
+                <a:latin typeface="Times New Roman" panose="02020603050405020304" pitchFamily="18" charset="0"/>
+                <a:cs typeface="Times New Roman" panose="02020603050405020304" pitchFamily="18" charset="0"/>
+              </a:rPr>
+              <a:t>Aravind</a:t>
+            </a:r>
+            <a:r>
+              <a:rPr lang="en-US" sz="1600" dirty="0">
+                <a:latin typeface="Times New Roman" panose="02020603050405020304" pitchFamily="18" charset="0"/>
+                <a:cs typeface="Times New Roman" panose="02020603050405020304" pitchFamily="18" charset="0"/>
+              </a:rPr>
+              <a:t> and G. </a:t>
+            </a:r>
+            <a:r>
+              <a:rPr lang="en-US" sz="1600" dirty="0" err="1">
+                <a:latin typeface="Times New Roman" panose="02020603050405020304" pitchFamily="18" charset="0"/>
+                <a:cs typeface="Times New Roman" panose="02020603050405020304" pitchFamily="18" charset="0"/>
+              </a:rPr>
+              <a:t>Padmavathi</a:t>
+            </a:r>
+            <a:r>
+              <a:rPr lang="en-US" sz="1600" dirty="0">
+                <a:latin typeface="Times New Roman" panose="02020603050405020304" pitchFamily="18" charset="0"/>
+                <a:cs typeface="Times New Roman" panose="02020603050405020304" pitchFamily="18" charset="0"/>
+              </a:rPr>
+              <a:t>, "Migration to Ipv6 from IPV4 by dual stack and tunneling techniques," 2015 International Conference on Smart Technologies and Management for Computing, Communication, Controls, Energy and Materials (ICSTM), 2015, pp. 107-111, </a:t>
+            </a:r>
+            <a:r>
+              <a:rPr lang="en-US" sz="1600" dirty="0" err="1">
+                <a:latin typeface="Times New Roman" panose="02020603050405020304" pitchFamily="18" charset="0"/>
+                <a:cs typeface="Times New Roman" panose="02020603050405020304" pitchFamily="18" charset="0"/>
+              </a:rPr>
+              <a:t>doi</a:t>
+            </a:r>
+            <a:r>
+              <a:rPr lang="en-US" sz="1600" dirty="0">
+                <a:latin typeface="Times New Roman" panose="02020603050405020304" pitchFamily="18" charset="0"/>
+                <a:cs typeface="Times New Roman" panose="02020603050405020304" pitchFamily="18" charset="0"/>
+              </a:rPr>
+              <a:t>: 10.1109/ICSTM.2015.7225398</a:t>
+            </a:r>
+            <a:r>
+              <a:rPr lang="en-US" sz="1600" dirty="0" smtClean="0">
+                <a:latin typeface="Times New Roman" panose="02020603050405020304" pitchFamily="18" charset="0"/>
+                <a:cs typeface="Times New Roman" panose="02020603050405020304" pitchFamily="18" charset="0"/>
+              </a:rPr>
+              <a:t>.</a:t>
+            </a:r>
+          </a:p>
+          <a:p>
+            <a:pPr marL="0" indent="0">
+              <a:buNone/>
+            </a:pPr>
+            <a:endParaRPr lang="en-US" sz="1600" dirty="0">
+              <a:latin typeface="Times New Roman" panose="02020603050405020304" pitchFamily="18" charset="0"/>
+              <a:cs typeface="Times New Roman" panose="02020603050405020304" pitchFamily="18" charset="0"/>
+            </a:endParaRPr>
+          </a:p>
+          <a:p>
+            <a:pPr marL="228600" indent="-228600">
+              <a:buFont typeface="+mj-lt"/>
+              <a:buAutoNum type="arabicPeriod"/>
+            </a:pPr>
+            <a:endParaRPr lang="en-US" sz="1600" dirty="0" smtClean="0">
+              <a:latin typeface="Times New Roman" panose="02020603050405020304" pitchFamily="18" charset="0"/>
+              <a:cs typeface="Times New Roman" panose="02020603050405020304" pitchFamily="18" charset="0"/>
+            </a:endParaRPr>
+          </a:p>
+          <a:p>
+            <a:pPr marL="228600" indent="-228600">
+              <a:buFont typeface="+mj-lt"/>
+              <a:buAutoNum type="arabicPeriod"/>
+            </a:pPr>
+            <a:endParaRPr lang="en-US" sz="1600" dirty="0">
+              <a:latin typeface="Times New Roman" panose="02020603050405020304" pitchFamily="18" charset="0"/>
+              <a:cs typeface="Times New Roman" panose="02020603050405020304" pitchFamily="18" charset="0"/>
+            </a:endParaRPr>
+          </a:p>
+          <a:p>
+            <a:pPr marL="228600" indent="-228600">
+              <a:buFont typeface="+mj-lt"/>
+              <a:buAutoNum type="arabicPeriod"/>
+            </a:pPr>
+            <a:endParaRPr lang="en-US" sz="1600" dirty="0" smtClean="0">
+              <a:latin typeface="Times New Roman" panose="02020603050405020304" pitchFamily="18" charset="0"/>
+              <a:cs typeface="Times New Roman" panose="02020603050405020304" pitchFamily="18" charset="0"/>
+            </a:endParaRPr>
+          </a:p>
+          <a:p>
+            <a:pPr marL="228600" indent="-228600">
+              <a:buFont typeface="+mj-lt"/>
+              <a:buAutoNum type="arabicPeriod"/>
+            </a:pPr>
+            <a:endParaRPr lang="en-US" sz="1600" dirty="0">
+              <a:latin typeface="Times New Roman" panose="02020603050405020304" pitchFamily="18" charset="0"/>
+              <a:cs typeface="Times New Roman" panose="02020603050405020304" pitchFamily="18" charset="0"/>
+            </a:endParaRPr>
+          </a:p>
+          <a:p>
+            <a:pPr marL="228600" indent="-228600">
+              <a:buFont typeface="+mj-lt"/>
+              <a:buAutoNum type="arabicPeriod"/>
+            </a:pPr>
+            <a:endParaRPr lang="en-US" sz="1600" dirty="0" smtClean="0">
+              <a:latin typeface="Times New Roman" panose="02020603050405020304" pitchFamily="18" charset="0"/>
+              <a:cs typeface="Times New Roman" panose="02020603050405020304" pitchFamily="18" charset="0"/>
+            </a:endParaRPr>
+          </a:p>
+          <a:p>
+            <a:pPr marL="228600" indent="-228600">
+              <a:buFont typeface="+mj-lt"/>
+              <a:buAutoNum type="arabicPeriod"/>
+            </a:pPr>
+            <a:endParaRPr lang="en-US" sz="1600" dirty="0">
+              <a:latin typeface="Times New Roman" panose="02020603050405020304" pitchFamily="18" charset="0"/>
+              <a:cs typeface="Times New Roman" panose="02020603050405020304" pitchFamily="18" charset="0"/>
+            </a:endParaRPr>
+          </a:p>
+          <a:p>
+            <a:pPr marL="0" indent="0">
+              <a:buNone/>
+            </a:pPr>
+            <a:endParaRPr lang="en-US" sz="1600" dirty="0">
+              <a:latin typeface="Times New Roman" panose="02020603050405020304" pitchFamily="18" charset="0"/>
+              <a:cs typeface="Times New Roman" panose="02020603050405020304" pitchFamily="18" charset="0"/>
+            </a:endParaRPr>
+          </a:p>
+          <a:p>
+            <a:pPr marL="228600" indent="-228600">
+              <a:buFont typeface="+mj-lt"/>
+              <a:buAutoNum type="arabicPeriod"/>
+            </a:pPr>
+            <a:endParaRPr lang="en-US" sz="1600" dirty="0">
+              <a:latin typeface="Times New Roman" panose="02020603050405020304" pitchFamily="18" charset="0"/>
+              <a:cs typeface="Times New Roman" panose="02020603050405020304" pitchFamily="18" charset="0"/>
+            </a:endParaRPr>
+          </a:p>
+          <a:p>
+            <a:pPr marL="228600" indent="-228600">
+              <a:buFont typeface="+mj-lt"/>
+              <a:buAutoNum type="arabicPeriod"/>
+            </a:pPr>
+            <a:endParaRPr lang="en-US" sz="1600" dirty="0">
+              <a:latin typeface="Times New Roman" panose="02020603050405020304" pitchFamily="18" charset="0"/>
+              <a:cs typeface="Times New Roman" panose="02020603050405020304" pitchFamily="18" charset="0"/>
+            </a:endParaRPr>
+          </a:p>
+          <a:p>
+            <a:pPr marL="228600" indent="-228600">
+              <a:buFont typeface="+mj-lt"/>
+              <a:buAutoNum type="arabicPeriod"/>
+            </a:pPr>
+            <a:endParaRPr lang="en-US" sz="1600" dirty="0">
+              <a:latin typeface="Times New Roman" panose="02020603050405020304" pitchFamily="18" charset="0"/>
+              <a:cs typeface="Times New Roman" panose="02020603050405020304" pitchFamily="18" charset="0"/>
+            </a:endParaRPr>
+          </a:p>
+          <a:p>
+            <a:pPr marL="228600" indent="-228600">
+              <a:buFont typeface="+mj-lt"/>
+              <a:buAutoNum type="arabicPeriod"/>
+            </a:pPr>
+            <a:endParaRPr lang="en-US" sz="1200" dirty="0">
+              <a:latin typeface="Times New Roman" pitchFamily="18" charset="0"/>
+              <a:cs typeface="Times New Roman" pitchFamily="18" charset="0"/>
+            </a:endParaRPr>
+          </a:p>
+        </p:txBody>
+      </p:sp>
+      <p:sp>
+        <p:nvSpPr>
+          <p:cNvPr id="4" name="Date Placeholder 3"/>
+          <p:cNvSpPr>
+            <a:spLocks noGrp="1"/>
+          </p:cNvSpPr>
+          <p:nvPr>
+            <p:ph type="dt" sz="half" idx="10"/>
+          </p:nvPr>
+        </p:nvSpPr>
+        <p:spPr/>
+        <p:txBody>
+          <a:bodyPr/>
+          <a:lstStyle/>
+          <a:p>
+            <a:r>
+              <a:rPr lang="en-US" dirty="0" smtClean="0">
+                <a:latin typeface="Times New Roman" pitchFamily="18" charset="0"/>
+                <a:cs typeface="Times New Roman" pitchFamily="18" charset="0"/>
+              </a:rPr>
+              <a:t>17-Aug-21</a:t>
+            </a:r>
+            <a:endParaRPr lang="en-US" dirty="0">
+              <a:latin typeface="Times New Roman" pitchFamily="18" charset="0"/>
+              <a:cs typeface="Times New Roman" pitchFamily="18" charset="0"/>
+            </a:endParaRPr>
+          </a:p>
+        </p:txBody>
+      </p:sp>
+      <p:sp>
+        <p:nvSpPr>
+          <p:cNvPr id="5" name="Footer Placeholder 4"/>
+          <p:cNvSpPr>
+            <a:spLocks noGrp="1"/>
+          </p:cNvSpPr>
+          <p:nvPr>
+            <p:ph type="ftr" sz="quarter" idx="11"/>
+          </p:nvPr>
+        </p:nvSpPr>
+        <p:spPr/>
+        <p:txBody>
+          <a:bodyPr/>
+          <a:lstStyle/>
+          <a:p>
+            <a:r>
+              <a:rPr lang="en-US" dirty="0">
+                <a:latin typeface="Times New Roman" pitchFamily="18" charset="0"/>
+                <a:cs typeface="Times New Roman" pitchFamily="18" charset="0"/>
+              </a:rPr>
+              <a:t>Dept. of ECE, NMIT, Bangalore-64</a:t>
+            </a:r>
+          </a:p>
+        </p:txBody>
+      </p:sp>
+      <p:sp>
+        <p:nvSpPr>
+          <p:cNvPr id="6" name="Slide Number Placeholder 5"/>
+          <p:cNvSpPr>
+            <a:spLocks noGrp="1"/>
+          </p:cNvSpPr>
+          <p:nvPr>
+            <p:ph type="sldNum" sz="quarter" idx="12"/>
+          </p:nvPr>
+        </p:nvSpPr>
+        <p:spPr/>
+        <p:txBody>
+          <a:bodyPr/>
+          <a:lstStyle/>
+          <a:p>
+            <a:fld id="{B6F15528-21DE-4FAA-801E-634DDDAF4B2B}" type="slidenum">
+              <a:rPr lang="en-US" smtClean="0"/>
+              <a:pPr/>
+              <a:t>16</a:t>
+            </a:fld>
+            <a:endParaRPr lang="en-US" dirty="0"/>
           </a:p>
         </p:txBody>
       </p:sp>
@@ -7704,7 +8023,7 @@
 </p:sld>
 </file>
 
-<file path=ppt/slides/slide18.xml><?xml version="1.0" encoding="utf-8"?>
+<file path=ppt/slides/slide17.xml><?xml version="1.0" encoding="utf-8"?>
 <p:sld xmlns:a="http://schemas.openxmlformats.org/drawingml/2006/main" xmlns:r="http://schemas.openxmlformats.org/officeDocument/2006/relationships" xmlns:p="http://schemas.openxmlformats.org/presentationml/2006/main">
   <p:cSld>
     <p:spTree>
@@ -7737,466 +8056,6 @@
           </a:solidFill>
         </p:spPr>
         <p:txBody>
-          <a:bodyPr>
-            <a:normAutofit/>
-          </a:bodyPr>
-          <a:lstStyle/>
-          <a:p>
-            <a:r>
-              <a:rPr lang="en-US" sz="3600" b="1" dirty="0">
-                <a:solidFill>
-                  <a:schemeClr val="bg1"/>
-                </a:solidFill>
-                <a:latin typeface="Times New Roman" pitchFamily="18" charset="0"/>
-                <a:cs typeface="Times New Roman" pitchFamily="18" charset="0"/>
-              </a:rPr>
-              <a:t>Project Objectives</a:t>
-            </a:r>
-          </a:p>
-        </p:txBody>
-      </p:sp>
-      <p:sp>
-        <p:nvSpPr>
-          <p:cNvPr id="3" name="Content Placeholder 2"/>
-          <p:cNvSpPr>
-            <a:spLocks noGrp="1"/>
-          </p:cNvSpPr>
-          <p:nvPr>
-            <p:ph idx="1"/>
-          </p:nvPr>
-        </p:nvSpPr>
-        <p:spPr>
-          <a:xfrm>
-            <a:off x="457200" y="1600200"/>
-            <a:ext cx="8229600" cy="4343400"/>
-          </a:xfrm>
-        </p:spPr>
-        <p:txBody>
-          <a:bodyPr>
-            <a:normAutofit/>
-          </a:bodyPr>
-          <a:lstStyle/>
-          <a:p>
-            <a:pPr marL="0" indent="0">
-              <a:buNone/>
-            </a:pPr>
-            <a:r>
-              <a:rPr lang="en-US" sz="2000" dirty="0">
-                <a:latin typeface="Times New Roman" panose="02020603050405020304" pitchFamily="18" charset="0"/>
-                <a:cs typeface="Times New Roman" pitchFamily="18" charset="0"/>
-              </a:rPr>
-              <a:t>The following are the proposed objectives of the project based on the research gaps:</a:t>
-            </a:r>
-          </a:p>
-          <a:p>
-            <a:pPr marL="0" indent="0">
-              <a:lnSpc>
-                <a:spcPct val="150000"/>
-              </a:lnSpc>
-              <a:spcAft>
-                <a:spcPts val="1000"/>
-              </a:spcAft>
-              <a:buNone/>
-            </a:pPr>
-            <a:endParaRPr lang="en-US" sz="1600" dirty="0">
-              <a:latin typeface="Times New Roman" panose="02020603050405020304" pitchFamily="18" charset="0"/>
-              <a:ea typeface="Calibri" panose="020F0502020204030204" pitchFamily="34" charset="0"/>
-              <a:cs typeface="Times New Roman" panose="02020603050405020304" pitchFamily="18" charset="0"/>
-            </a:endParaRPr>
-          </a:p>
-          <a:p>
-            <a:pPr>
-              <a:lnSpc>
-                <a:spcPct val="150000"/>
-              </a:lnSpc>
-              <a:spcAft>
-                <a:spcPts val="1000"/>
-              </a:spcAft>
-            </a:pPr>
-            <a:r>
-              <a:rPr lang="en-US" sz="1600" dirty="0" smtClean="0">
-                <a:latin typeface="Times New Roman" panose="02020603050405020304" pitchFamily="18" charset="0"/>
-                <a:ea typeface="Calibri" panose="020F0502020204030204" pitchFamily="34" charset="0"/>
-                <a:cs typeface="Times New Roman" panose="02020603050405020304" pitchFamily="18" charset="0"/>
-              </a:rPr>
-              <a:t>To </a:t>
-            </a:r>
-            <a:r>
-              <a:rPr lang="en-US" sz="1600" dirty="0" smtClean="0">
-                <a:effectLst/>
-                <a:latin typeface="Times New Roman" panose="02020603050405020304" pitchFamily="18" charset="0"/>
-                <a:ea typeface="Calibri" panose="020F0502020204030204" pitchFamily="34" charset="0"/>
-                <a:cs typeface="Times New Roman" panose="02020603050405020304" pitchFamily="18" charset="0"/>
-              </a:rPr>
-              <a:t>Implement  </a:t>
-            </a:r>
-            <a:r>
-              <a:rPr lang="en-US" sz="1600" dirty="0">
-                <a:effectLst/>
-                <a:latin typeface="Times New Roman" panose="02020603050405020304" pitchFamily="18" charset="0"/>
-                <a:ea typeface="Calibri" panose="020F0502020204030204" pitchFamily="34" charset="0"/>
-                <a:cs typeface="Times New Roman" panose="02020603050405020304" pitchFamily="18" charset="0"/>
-              </a:rPr>
-              <a:t>client server programming on dual stack host</a:t>
-            </a:r>
-            <a:endParaRPr lang="en-IN" sz="1600" dirty="0">
-              <a:effectLst/>
-              <a:latin typeface="Times New Roman" panose="02020603050405020304" pitchFamily="18" charset="0"/>
-              <a:ea typeface="Calibri" panose="020F0502020204030204" pitchFamily="34" charset="0"/>
-              <a:cs typeface="Times New Roman" panose="02020603050405020304" pitchFamily="18" charset="0"/>
-            </a:endParaRPr>
-          </a:p>
-          <a:p>
-            <a:pPr>
-              <a:lnSpc>
-                <a:spcPct val="150000"/>
-              </a:lnSpc>
-              <a:spcAft>
-                <a:spcPts val="1000"/>
-              </a:spcAft>
-            </a:pPr>
-            <a:r>
-              <a:rPr lang="en-US" sz="1600" dirty="0">
-                <a:effectLst/>
-                <a:latin typeface="Times New Roman" panose="02020603050405020304" pitchFamily="18" charset="0"/>
-                <a:ea typeface="Calibri" panose="020F0502020204030204" pitchFamily="34" charset="0"/>
-                <a:cs typeface="Times New Roman" panose="02020603050405020304" pitchFamily="18" charset="0"/>
-              </a:rPr>
-              <a:t>Dual stack host running two server </a:t>
-            </a:r>
-            <a:r>
-              <a:rPr lang="en-US" sz="1600" dirty="0" smtClean="0">
-                <a:effectLst/>
-                <a:latin typeface="Times New Roman" panose="02020603050405020304" pitchFamily="18" charset="0"/>
-                <a:ea typeface="Calibri" panose="020F0502020204030204" pitchFamily="34" charset="0"/>
-                <a:cs typeface="Times New Roman" panose="02020603050405020304" pitchFamily="18" charset="0"/>
-              </a:rPr>
-              <a:t>programs</a:t>
-            </a:r>
-            <a:r>
-              <a:rPr lang="en-IN" sz="1600" dirty="0">
-                <a:latin typeface="Times New Roman" panose="02020603050405020304" pitchFamily="18" charset="0"/>
-                <a:ea typeface="Calibri" panose="020F0502020204030204" pitchFamily="34" charset="0"/>
-                <a:cs typeface="Times New Roman" panose="02020603050405020304" pitchFamily="18" charset="0"/>
-              </a:rPr>
-              <a:t/>
-            </a:r>
-            <a:br>
-              <a:rPr lang="en-IN" sz="1600" dirty="0">
-                <a:latin typeface="Times New Roman" panose="02020603050405020304" pitchFamily="18" charset="0"/>
-                <a:ea typeface="Calibri" panose="020F0502020204030204" pitchFamily="34" charset="0"/>
-                <a:cs typeface="Times New Roman" panose="02020603050405020304" pitchFamily="18" charset="0"/>
-              </a:rPr>
-            </a:br>
-            <a:r>
-              <a:rPr lang="en-US" sz="1600" dirty="0" smtClean="0">
-                <a:effectLst/>
-                <a:latin typeface="Times New Roman" panose="02020603050405020304" pitchFamily="18" charset="0"/>
-                <a:ea typeface="Calibri" panose="020F0502020204030204" pitchFamily="34" charset="0"/>
-                <a:cs typeface="Times New Roman" panose="02020603050405020304" pitchFamily="18" charset="0"/>
-              </a:rPr>
-              <a:t>Ipv4 </a:t>
-            </a:r>
-            <a:r>
-              <a:rPr lang="en-US" sz="1600" dirty="0">
-                <a:effectLst/>
-                <a:latin typeface="Times New Roman" panose="02020603050405020304" pitchFamily="18" charset="0"/>
-                <a:ea typeface="Calibri" panose="020F0502020204030204" pitchFamily="34" charset="0"/>
-                <a:cs typeface="Times New Roman" panose="02020603050405020304" pitchFamily="18" charset="0"/>
-              </a:rPr>
-              <a:t>client </a:t>
-            </a:r>
-            <a:r>
-              <a:rPr lang="en-US" sz="1600" dirty="0" smtClean="0">
-                <a:effectLst/>
-                <a:latin typeface="Times New Roman" panose="02020603050405020304" pitchFamily="18" charset="0"/>
-                <a:ea typeface="Calibri" panose="020F0502020204030204" pitchFamily="34" charset="0"/>
-                <a:cs typeface="Times New Roman" panose="02020603050405020304" pitchFamily="18" charset="0"/>
-              </a:rPr>
-              <a:t>(</a:t>
-            </a:r>
-            <a:r>
-              <a:rPr lang="en-US" sz="1600" dirty="0">
-                <a:latin typeface="Times New Roman" panose="02020603050405020304" pitchFamily="18" charset="0"/>
-                <a:ea typeface="Calibri" panose="020F0502020204030204" pitchFamily="34" charset="0"/>
-                <a:cs typeface="Times New Roman" panose="02020603050405020304" pitchFamily="18" charset="0"/>
-              </a:rPr>
-              <a:t>VoIP,  udp)</a:t>
-            </a:r>
-            <a:r>
-              <a:rPr lang="en-US" sz="1600" dirty="0">
-                <a:effectLst/>
-                <a:latin typeface="Times New Roman" panose="02020603050405020304" pitchFamily="18" charset="0"/>
-                <a:ea typeface="Calibri" panose="020F0502020204030204" pitchFamily="34" charset="0"/>
-                <a:cs typeface="Times New Roman" panose="02020603050405020304" pitchFamily="18" charset="0"/>
-              </a:rPr>
-              <a:t> </a:t>
-            </a:r>
-            <a:r>
-              <a:rPr lang="en-IN" sz="1600" dirty="0">
-                <a:latin typeface="Times New Roman" panose="02020603050405020304" pitchFamily="18" charset="0"/>
-                <a:ea typeface="Calibri" panose="020F0502020204030204" pitchFamily="34" charset="0"/>
-                <a:cs typeface="Times New Roman" panose="02020603050405020304" pitchFamily="18" charset="0"/>
-              </a:rPr>
-              <a:t/>
-            </a:r>
-            <a:br>
-              <a:rPr lang="en-IN" sz="1600" dirty="0">
-                <a:latin typeface="Times New Roman" panose="02020603050405020304" pitchFamily="18" charset="0"/>
-                <a:ea typeface="Calibri" panose="020F0502020204030204" pitchFamily="34" charset="0"/>
-                <a:cs typeface="Times New Roman" panose="02020603050405020304" pitchFamily="18" charset="0"/>
-              </a:rPr>
-            </a:br>
-            <a:r>
-              <a:rPr lang="en-US" sz="1600" dirty="0" smtClean="0">
-                <a:effectLst/>
-                <a:latin typeface="Times New Roman" panose="02020603050405020304" pitchFamily="18" charset="0"/>
-                <a:ea typeface="Calibri" panose="020F0502020204030204" pitchFamily="34" charset="0"/>
-                <a:cs typeface="Times New Roman" panose="02020603050405020304" pitchFamily="18" charset="0"/>
-              </a:rPr>
-              <a:t>Ipv6  </a:t>
-            </a:r>
-            <a:r>
-              <a:rPr lang="en-US" sz="1600" dirty="0">
-                <a:effectLst/>
-                <a:latin typeface="Times New Roman" panose="02020603050405020304" pitchFamily="18" charset="0"/>
-                <a:ea typeface="Calibri" panose="020F0502020204030204" pitchFamily="34" charset="0"/>
-                <a:cs typeface="Times New Roman" panose="02020603050405020304" pitchFamily="18" charset="0"/>
-              </a:rPr>
-              <a:t>client </a:t>
-            </a:r>
-            <a:r>
-              <a:rPr lang="en-US" sz="1600" dirty="0">
-                <a:latin typeface="Times New Roman" panose="02020603050405020304" pitchFamily="18" charset="0"/>
-                <a:ea typeface="Calibri" panose="020F0502020204030204" pitchFamily="34" charset="0"/>
-                <a:cs typeface="Times New Roman" panose="02020603050405020304" pitchFamily="18" charset="0"/>
-              </a:rPr>
-              <a:t>(data </a:t>
-            </a:r>
-            <a:r>
-              <a:rPr lang="en-US" sz="1600" dirty="0" smtClean="0">
-                <a:latin typeface="Times New Roman" panose="02020603050405020304" pitchFamily="18" charset="0"/>
-                <a:ea typeface="Calibri" panose="020F0502020204030204" pitchFamily="34" charset="0"/>
-                <a:cs typeface="Times New Roman" panose="02020603050405020304" pitchFamily="18" charset="0"/>
-              </a:rPr>
-              <a:t>application/TCP</a:t>
-            </a:r>
-            <a:r>
-              <a:rPr lang="en-US" sz="1600" dirty="0" smtClean="0">
-                <a:effectLst/>
-                <a:latin typeface="Times New Roman" panose="02020603050405020304" pitchFamily="18" charset="0"/>
-                <a:ea typeface="Calibri" panose="020F0502020204030204" pitchFamily="34" charset="0"/>
-                <a:cs typeface="Times New Roman" panose="02020603050405020304" pitchFamily="18" charset="0"/>
-              </a:rPr>
-              <a:t>)</a:t>
-            </a:r>
-            <a:r>
-              <a:rPr lang="en-US" sz="1600" dirty="0">
-                <a:effectLst/>
-                <a:latin typeface="Times New Roman" panose="02020603050405020304" pitchFamily="18" charset="0"/>
-                <a:ea typeface="Calibri" panose="020F0502020204030204" pitchFamily="34" charset="0"/>
-                <a:cs typeface="Times New Roman" panose="02020603050405020304" pitchFamily="18" charset="0"/>
-              </a:rPr>
-              <a:t> </a:t>
-            </a:r>
-            <a:endParaRPr lang="en-IN" sz="1600" dirty="0">
-              <a:latin typeface="Times New Roman" panose="02020603050405020304" pitchFamily="18" charset="0"/>
-              <a:ea typeface="Calibri" panose="020F0502020204030204" pitchFamily="34" charset="0"/>
-              <a:cs typeface="Times New Roman" panose="02020603050405020304" pitchFamily="18" charset="0"/>
-            </a:endParaRPr>
-          </a:p>
-          <a:p>
-            <a:pPr>
-              <a:lnSpc>
-                <a:spcPct val="150000"/>
-              </a:lnSpc>
-              <a:spcAft>
-                <a:spcPts val="1000"/>
-              </a:spcAft>
-            </a:pPr>
-            <a:r>
-              <a:rPr lang="en-US" sz="1600" dirty="0">
-                <a:effectLst/>
-                <a:latin typeface="Times New Roman" panose="02020603050405020304" pitchFamily="18" charset="0"/>
-                <a:ea typeface="Calibri" panose="020F0502020204030204" pitchFamily="34" charset="0"/>
-                <a:cs typeface="Times New Roman" panose="02020603050405020304" pitchFamily="18" charset="0"/>
-              </a:rPr>
-              <a:t>Both clients contacting dual stack host at the same time </a:t>
-            </a:r>
-            <a:endParaRPr lang="en-IN" sz="1600" dirty="0">
-              <a:effectLst/>
-              <a:latin typeface="Times New Roman" panose="02020603050405020304" pitchFamily="18" charset="0"/>
-              <a:ea typeface="Calibri" panose="020F0502020204030204" pitchFamily="34" charset="0"/>
-              <a:cs typeface="Times New Roman" panose="02020603050405020304" pitchFamily="18" charset="0"/>
-            </a:endParaRPr>
-          </a:p>
-          <a:p>
-            <a:pPr>
-              <a:lnSpc>
-                <a:spcPct val="150000"/>
-              </a:lnSpc>
-              <a:spcAft>
-                <a:spcPts val="1000"/>
-              </a:spcAft>
-            </a:pPr>
-            <a:r>
-              <a:rPr lang="en-US" sz="1600" dirty="0">
-                <a:effectLst/>
-                <a:latin typeface="Times New Roman" panose="02020603050405020304" pitchFamily="18" charset="0"/>
-                <a:ea typeface="Calibri" panose="020F0502020204030204" pitchFamily="34" charset="0"/>
-                <a:cs typeface="Times New Roman" panose="02020603050405020304" pitchFamily="18" charset="0"/>
-              </a:rPr>
-              <a:t>Desktop/Laptop and Raspberry Pi boards will be used for establishing Communication</a:t>
-            </a:r>
-            <a:endParaRPr lang="en-IN" sz="1600" dirty="0">
-              <a:effectLst/>
-              <a:latin typeface="Times New Roman" panose="02020603050405020304" pitchFamily="18" charset="0"/>
-              <a:ea typeface="Calibri" panose="020F0502020204030204" pitchFamily="34" charset="0"/>
-              <a:cs typeface="Times New Roman" panose="02020603050405020304" pitchFamily="18" charset="0"/>
-            </a:endParaRPr>
-          </a:p>
-          <a:p>
-            <a:pPr marL="457200" lvl="1" indent="0">
-              <a:buNone/>
-            </a:pPr>
-            <a:endParaRPr lang="en-US" sz="1600" dirty="0">
-              <a:latin typeface="Times New Roman" pitchFamily="18" charset="0"/>
-              <a:cs typeface="Times New Roman" pitchFamily="18" charset="0"/>
-            </a:endParaRPr>
-          </a:p>
-        </p:txBody>
-      </p:sp>
-      <p:sp>
-        <p:nvSpPr>
-          <p:cNvPr id="4" name="Date Placeholder 3"/>
-          <p:cNvSpPr>
-            <a:spLocks noGrp="1"/>
-          </p:cNvSpPr>
-          <p:nvPr>
-            <p:ph type="dt" sz="half" idx="10"/>
-          </p:nvPr>
-        </p:nvSpPr>
-        <p:spPr/>
-        <p:txBody>
-          <a:bodyPr/>
-          <a:lstStyle/>
-          <a:p>
-            <a:r>
-              <a:rPr lang="en-US" dirty="0" smtClean="0">
-                <a:latin typeface="Times New Roman" pitchFamily="18" charset="0"/>
-                <a:cs typeface="Times New Roman" pitchFamily="18" charset="0"/>
-              </a:rPr>
-              <a:t>17-Aug-21</a:t>
-            </a:r>
-            <a:endParaRPr lang="en-US" dirty="0">
-              <a:latin typeface="Times New Roman" pitchFamily="18" charset="0"/>
-              <a:cs typeface="Times New Roman" pitchFamily="18" charset="0"/>
-            </a:endParaRPr>
-          </a:p>
-        </p:txBody>
-      </p:sp>
-      <p:sp>
-        <p:nvSpPr>
-          <p:cNvPr id="5" name="Footer Placeholder 4"/>
-          <p:cNvSpPr>
-            <a:spLocks noGrp="1"/>
-          </p:cNvSpPr>
-          <p:nvPr>
-            <p:ph type="ftr" sz="quarter" idx="11"/>
-          </p:nvPr>
-        </p:nvSpPr>
-        <p:spPr/>
-        <p:txBody>
-          <a:bodyPr/>
-          <a:lstStyle/>
-          <a:p>
-            <a:r>
-              <a:rPr lang="en-US" dirty="0">
-                <a:latin typeface="Times New Roman" pitchFamily="18" charset="0"/>
-                <a:cs typeface="Times New Roman" pitchFamily="18" charset="0"/>
-              </a:rPr>
-              <a:t>Dept. of ECE, NMIT, Bangalore-64</a:t>
-            </a:r>
-          </a:p>
-        </p:txBody>
-      </p:sp>
-      <p:sp>
-        <p:nvSpPr>
-          <p:cNvPr id="6" name="Slide Number Placeholder 5"/>
-          <p:cNvSpPr>
-            <a:spLocks noGrp="1"/>
-          </p:cNvSpPr>
-          <p:nvPr>
-            <p:ph type="sldNum" sz="quarter" idx="12"/>
-          </p:nvPr>
-        </p:nvSpPr>
-        <p:spPr/>
-        <p:txBody>
-          <a:bodyPr/>
-          <a:lstStyle/>
-          <a:p>
-            <a:fld id="{B6F15528-21DE-4FAA-801E-634DDDAF4B2B}" type="slidenum">
-              <a:rPr lang="en-US" smtClean="0"/>
-              <a:pPr/>
-              <a:t>18</a:t>
-            </a:fld>
-            <a:endParaRPr lang="en-US"/>
-          </a:p>
-        </p:txBody>
-      </p:sp>
-    </p:spTree>
-    <p:extLst>
-      <p:ext uri="{BB962C8B-B14F-4D97-AF65-F5344CB8AC3E}">
-        <p14:creationId xmlns:p14="http://schemas.microsoft.com/office/powerpoint/2010/main" val="2690854905"/>
-      </p:ext>
-    </p:extLst>
-  </p:cSld>
-  <p:clrMapOvr>
-    <a:masterClrMapping/>
-  </p:clrMapOvr>
-  <p:timing>
-    <p:tnLst>
-      <p:par>
-        <p:cTn id="1" dur="indefinite" restart="never" nodeType="tmRoot"/>
-      </p:par>
-    </p:tnLst>
-  </p:timing>
-</p:sld>
-</file>
-
-<file path=ppt/slides/slide19.xml><?xml version="1.0" encoding="utf-8"?>
-<p:sld xmlns:a="http://schemas.openxmlformats.org/drawingml/2006/main" xmlns:r="http://schemas.openxmlformats.org/officeDocument/2006/relationships" xmlns:p="http://schemas.openxmlformats.org/presentationml/2006/main">
-  <p:cSld>
-    <p:spTree>
-      <p:nvGrpSpPr>
-        <p:cNvPr id="1" name=""/>
-        <p:cNvGrpSpPr/>
-        <p:nvPr/>
-      </p:nvGrpSpPr>
-      <p:grpSpPr>
-        <a:xfrm>
-          <a:off x="0" y="0"/>
-          <a:ext cx="0" cy="0"/>
-          <a:chOff x="0" y="0"/>
-          <a:chExt cx="0" cy="0"/>
-        </a:xfrm>
-      </p:grpSpPr>
-      <p:sp>
-        <p:nvSpPr>
-          <p:cNvPr id="2" name="Title 1"/>
-          <p:cNvSpPr>
-            <a:spLocks noGrp="1"/>
-          </p:cNvSpPr>
-          <p:nvPr>
-            <p:ph type="title"/>
-          </p:nvPr>
-        </p:nvSpPr>
-        <p:spPr>
-          <a:solidFill>
-            <a:srgbClr val="0000FF"/>
-          </a:solidFill>
-        </p:spPr>
-        <p:txBody>
           <a:bodyPr/>
           <a:lstStyle/>
           <a:p>
@@ -8226,490 +8085,42 @@
         <p:spPr/>
         <p:txBody>
           <a:bodyPr>
-            <a:normAutofit fontScale="25000" lnSpcReduction="20000"/>
+            <a:normAutofit/>
           </a:bodyPr>
           <a:lstStyle/>
           <a:p>
-            <a:pPr marL="342900" lvl="0" indent="-342900" algn="just">
-              <a:lnSpc>
-                <a:spcPct val="150000"/>
-              </a:lnSpc>
+            <a:pPr marL="0" indent="0">
+              <a:buNone/>
+            </a:pPr>
+            <a:endParaRPr lang="en-US" sz="1600" dirty="0">
+              <a:latin typeface="Times New Roman" panose="02020603050405020304" pitchFamily="18" charset="0"/>
+              <a:cs typeface="Times New Roman" panose="02020603050405020304" pitchFamily="18" charset="0"/>
+            </a:endParaRPr>
+          </a:p>
+          <a:p>
+            <a:pPr marL="228600" indent="-228600">
               <a:buFont typeface="+mj-lt"/>
               <a:buAutoNum type="arabicPeriod"/>
             </a:pPr>
-            <a:r>
-              <a:rPr lang="en-US" sz="5600" dirty="0">
-                <a:solidFill>
-                  <a:srgbClr val="000000"/>
-                </a:solidFill>
-                <a:effectLst/>
-                <a:latin typeface="Times New Roman" panose="02020603050405020304" pitchFamily="18" charset="0"/>
-                <a:ea typeface="Calibri" panose="020F0502020204030204" pitchFamily="34" charset="0"/>
-                <a:cs typeface="Times New Roman" panose="02020603050405020304" pitchFamily="18" charset="0"/>
-              </a:rPr>
-              <a:t>R. K. CV and H. Goyal, "IPv4 to IPv6 Migration and Performance Analysis using GNS3 and </a:t>
-            </a:r>
-            <a:r>
-              <a:rPr lang="en-US" sz="5600" dirty="0" err="1" smtClean="0">
-                <a:solidFill>
-                  <a:srgbClr val="000000"/>
-                </a:solidFill>
-                <a:effectLst/>
-                <a:latin typeface="Times New Roman" panose="02020603050405020304" pitchFamily="18" charset="0"/>
-                <a:ea typeface="Calibri" panose="020F0502020204030204" pitchFamily="34" charset="0"/>
-                <a:cs typeface="Times New Roman" panose="02020603050405020304" pitchFamily="18" charset="0"/>
-              </a:rPr>
-              <a:t>Wireshark</a:t>
-            </a:r>
-            <a:r>
-              <a:rPr lang="en-US" sz="5600" dirty="0" smtClean="0">
-                <a:solidFill>
-                  <a:srgbClr val="000000"/>
-                </a:solidFill>
-                <a:effectLst/>
-                <a:latin typeface="Times New Roman" panose="02020603050405020304" pitchFamily="18" charset="0"/>
-                <a:ea typeface="Calibri" panose="020F0502020204030204" pitchFamily="34" charset="0"/>
-                <a:cs typeface="Times New Roman" panose="02020603050405020304" pitchFamily="18" charset="0"/>
-              </a:rPr>
-              <a:t>,"</a:t>
-            </a:r>
-            <a:r>
-              <a:rPr lang="en-US" sz="5600" dirty="0">
-                <a:solidFill>
-                  <a:srgbClr val="000000"/>
-                </a:solidFill>
-                <a:effectLst/>
-                <a:latin typeface="Times New Roman" panose="02020603050405020304" pitchFamily="18" charset="0"/>
-                <a:ea typeface="Calibri" panose="020F0502020204030204" pitchFamily="34" charset="0"/>
-                <a:cs typeface="Times New Roman" panose="02020603050405020304" pitchFamily="18" charset="0"/>
-              </a:rPr>
-              <a:t> </a:t>
-            </a:r>
-            <a:r>
-              <a:rPr lang="en-US" sz="5600" i="1" dirty="0">
-                <a:solidFill>
-                  <a:srgbClr val="333333"/>
-                </a:solidFill>
-                <a:effectLst/>
-                <a:latin typeface="Times New Roman" panose="02020603050405020304" pitchFamily="18" charset="0"/>
-                <a:ea typeface="Calibri" panose="020F0502020204030204" pitchFamily="34" charset="0"/>
-                <a:cs typeface="Times New Roman" panose="02020603050405020304" pitchFamily="18" charset="0"/>
-              </a:rPr>
-              <a:t>2019 International Conference on Vision Towards Emerging Trends in Communication and Networking (ViTECoN)</a:t>
-            </a:r>
-            <a:r>
-              <a:rPr lang="en-US" sz="5600" dirty="0">
-                <a:solidFill>
-                  <a:srgbClr val="000000"/>
-                </a:solidFill>
-                <a:effectLst/>
-                <a:latin typeface="Times New Roman" panose="02020603050405020304" pitchFamily="18" charset="0"/>
-                <a:ea typeface="Calibri" panose="020F0502020204030204" pitchFamily="34" charset="0"/>
-                <a:cs typeface="Times New Roman" panose="02020603050405020304" pitchFamily="18" charset="0"/>
-              </a:rPr>
-              <a:t>, 2019, pp. 1-6, doi: 10.1109/ViTECoN.2019.8899746</a:t>
-            </a:r>
-            <a:r>
-              <a:rPr lang="en-US" sz="5600" b="1" dirty="0">
-                <a:effectLst/>
-                <a:latin typeface="Times New Roman" panose="02020603050405020304" pitchFamily="18" charset="0"/>
-                <a:ea typeface="Calibri" panose="020F0502020204030204" pitchFamily="34" charset="0"/>
-                <a:cs typeface="Times New Roman" panose="02020603050405020304" pitchFamily="18" charset="0"/>
-              </a:rPr>
-              <a:t> </a:t>
-            </a:r>
-            <a:endParaRPr lang="en-IN" sz="5600" dirty="0">
-              <a:effectLst/>
+            <a:endParaRPr lang="en-US" sz="1600" dirty="0">
               <a:latin typeface="Times New Roman" panose="02020603050405020304" pitchFamily="18" charset="0"/>
-              <a:ea typeface="Calibri" panose="020F0502020204030204" pitchFamily="34" charset="0"/>
               <a:cs typeface="Times New Roman" panose="02020603050405020304" pitchFamily="18" charset="0"/>
             </a:endParaRPr>
           </a:p>
           <a:p>
-            <a:pPr marL="342900" lvl="0" indent="-342900" algn="just">
-              <a:lnSpc>
-                <a:spcPct val="150000"/>
-              </a:lnSpc>
-              <a:spcAft>
-                <a:spcPts val="1000"/>
-              </a:spcAft>
+            <a:pPr marL="228600" indent="-228600">
               <a:buFont typeface="+mj-lt"/>
               <a:buAutoNum type="arabicPeriod"/>
             </a:pPr>
-            <a:r>
-              <a:rPr lang="en-US" sz="5600" dirty="0">
-                <a:solidFill>
-                  <a:srgbClr val="000000"/>
-                </a:solidFill>
-                <a:effectLst/>
-                <a:latin typeface="Times New Roman" panose="02020603050405020304" pitchFamily="18" charset="0"/>
-                <a:ea typeface="Calibri" panose="020F0502020204030204" pitchFamily="34" charset="0"/>
-                <a:cs typeface="Times New Roman" panose="02020603050405020304" pitchFamily="18" charset="0"/>
-              </a:rPr>
-              <a:t>J. Hyun, J. Li, H. Kim, J. Yoo and J. W. Hong, "IPv4 and IPv6 performance comparison in IPv6 </a:t>
-            </a:r>
-            <a:r>
-              <a:rPr lang="en-US" sz="5600" dirty="0">
-                <a:effectLst/>
-                <a:latin typeface="Times New Roman" panose="02020603050405020304" pitchFamily="18" charset="0"/>
-                <a:ea typeface="MS Mincho" panose="02020609040205080304" pitchFamily="49" charset="-128"/>
-                <a:cs typeface="Times New Roman" panose="02020603050405020304" pitchFamily="18" charset="0"/>
-              </a:rPr>
-              <a:t> </a:t>
-            </a:r>
-            <a:r>
-              <a:rPr lang="en-US" sz="5600" dirty="0">
-                <a:solidFill>
-                  <a:srgbClr val="333333"/>
-                </a:solidFill>
-                <a:effectLst/>
-                <a:latin typeface="Times New Roman" panose="02020603050405020304" pitchFamily="18" charset="0"/>
-                <a:ea typeface="Calibri" panose="020F0502020204030204" pitchFamily="34" charset="0"/>
-                <a:cs typeface="Times New Roman" panose="02020603050405020304" pitchFamily="18" charset="0"/>
-              </a:rPr>
-              <a:t>LTE network," </a:t>
-            </a:r>
-            <a:r>
-              <a:rPr lang="en-US" sz="5600" i="1" dirty="0">
-                <a:solidFill>
-                  <a:srgbClr val="333333"/>
-                </a:solidFill>
-                <a:effectLst/>
-                <a:latin typeface="Times New Roman" panose="02020603050405020304" pitchFamily="18" charset="0"/>
-                <a:ea typeface="Calibri" panose="020F0502020204030204" pitchFamily="34" charset="0"/>
-                <a:cs typeface="Times New Roman" panose="02020603050405020304" pitchFamily="18" charset="0"/>
-              </a:rPr>
-              <a:t>2015 17th Asia-Pacific Network Operations and Management Symposium (APNOMS)</a:t>
-            </a:r>
-            <a:r>
-              <a:rPr lang="en-US" sz="5600" dirty="0">
-                <a:solidFill>
-                  <a:srgbClr val="333333"/>
-                </a:solidFill>
-                <a:effectLst/>
-                <a:latin typeface="Times New Roman" panose="02020603050405020304" pitchFamily="18" charset="0"/>
-                <a:ea typeface="Calibri" panose="020F0502020204030204" pitchFamily="34" charset="0"/>
-                <a:cs typeface="Times New Roman" panose="02020603050405020304" pitchFamily="18" charset="0"/>
-              </a:rPr>
-              <a:t>, 2015, pp. 145-150, doi: 10.1109/APNOMS.2015.7275417.</a:t>
-            </a:r>
-            <a:r>
-              <a:rPr lang="en-US" sz="5600" b="1" dirty="0">
-                <a:effectLst/>
-                <a:latin typeface="Times New Roman" panose="02020603050405020304" pitchFamily="18" charset="0"/>
-                <a:ea typeface="Calibri" panose="020F0502020204030204" pitchFamily="34" charset="0"/>
-                <a:cs typeface="Times New Roman" panose="02020603050405020304" pitchFamily="18" charset="0"/>
-              </a:rPr>
-              <a:t> </a:t>
-            </a:r>
-            <a:endParaRPr lang="en-IN" sz="5600" dirty="0">
-              <a:effectLst/>
+            <a:endParaRPr lang="en-US" sz="1600" dirty="0">
               <a:latin typeface="Times New Roman" panose="02020603050405020304" pitchFamily="18" charset="0"/>
-              <a:ea typeface="Calibri" panose="020F0502020204030204" pitchFamily="34" charset="0"/>
               <a:cs typeface="Times New Roman" panose="02020603050405020304" pitchFamily="18" charset="0"/>
             </a:endParaRPr>
           </a:p>
           <a:p>
-            <a:pPr marL="342900" lvl="0" indent="-342900" algn="just">
-              <a:lnSpc>
-                <a:spcPct val="150000"/>
-              </a:lnSpc>
-              <a:spcAft>
-                <a:spcPts val="1000"/>
-              </a:spcAft>
+            <a:pPr marL="228600" indent="-228600">
               <a:buFont typeface="+mj-lt"/>
               <a:buAutoNum type="arabicPeriod"/>
-            </a:pPr>
-            <a:r>
-              <a:rPr lang="en-US" sz="5600" dirty="0">
-                <a:solidFill>
-                  <a:srgbClr val="000000"/>
-                </a:solidFill>
-                <a:effectLst/>
-                <a:latin typeface="Times New Roman" panose="02020603050405020304" pitchFamily="18" charset="0"/>
-                <a:ea typeface="Calibri" panose="020F0502020204030204" pitchFamily="34" charset="0"/>
-                <a:cs typeface="Times New Roman" panose="02020603050405020304" pitchFamily="18" charset="0"/>
-              </a:rPr>
-              <a:t>S. Aravind and G. Padmavathi, "Migration to Ipv6 from IPV4 by dual stack and tunneling techniques," </a:t>
-            </a:r>
-            <a:r>
-              <a:rPr lang="en-US" sz="5600" i="1" dirty="0">
-                <a:solidFill>
-                  <a:srgbClr val="000000"/>
-                </a:solidFill>
-                <a:effectLst/>
-                <a:latin typeface="Times New Roman" panose="02020603050405020304" pitchFamily="18" charset="0"/>
-                <a:ea typeface="Calibri" panose="020F0502020204030204" pitchFamily="34" charset="0"/>
-                <a:cs typeface="Times New Roman" panose="02020603050405020304" pitchFamily="18" charset="0"/>
-              </a:rPr>
-              <a:t>2015 International Conference on Smart Technologies and Management for Computing, Communication, Controls, Energy and Materials (ICSTM)</a:t>
-            </a:r>
-            <a:r>
-              <a:rPr lang="en-US" sz="5600" dirty="0">
-                <a:solidFill>
-                  <a:srgbClr val="000000"/>
-                </a:solidFill>
-                <a:effectLst/>
-                <a:latin typeface="Times New Roman" panose="02020603050405020304" pitchFamily="18" charset="0"/>
-                <a:ea typeface="Calibri" panose="020F0502020204030204" pitchFamily="34" charset="0"/>
-                <a:cs typeface="Times New Roman" panose="02020603050405020304" pitchFamily="18" charset="0"/>
-              </a:rPr>
-              <a:t>, 2015, pp. 107-111, doi: 10.1109/ICSTM.2015.7225398.</a:t>
-            </a:r>
-            <a:r>
-              <a:rPr lang="en-US" sz="5600" b="1" dirty="0">
-                <a:solidFill>
-                  <a:srgbClr val="000000"/>
-                </a:solidFill>
-                <a:effectLst/>
-                <a:latin typeface="Times New Roman" panose="02020603050405020304" pitchFamily="18" charset="0"/>
-                <a:ea typeface="Calibri" panose="020F0502020204030204" pitchFamily="34" charset="0"/>
-                <a:cs typeface="Times New Roman" panose="02020603050405020304" pitchFamily="18" charset="0"/>
-              </a:rPr>
-              <a:t> </a:t>
-            </a:r>
-            <a:endParaRPr lang="en-IN" sz="5600" dirty="0">
-              <a:effectLst/>
-              <a:latin typeface="Times New Roman" panose="02020603050405020304" pitchFamily="18" charset="0"/>
-              <a:ea typeface="Calibri" panose="020F0502020204030204" pitchFamily="34" charset="0"/>
-              <a:cs typeface="Times New Roman" panose="02020603050405020304" pitchFamily="18" charset="0"/>
-            </a:endParaRPr>
-          </a:p>
-          <a:p>
-            <a:pPr marL="342900" lvl="0" indent="-342900" algn="just">
-              <a:lnSpc>
-                <a:spcPct val="150000"/>
-              </a:lnSpc>
-              <a:spcAft>
-                <a:spcPts val="1000"/>
-              </a:spcAft>
-              <a:buFont typeface="+mj-lt"/>
-              <a:buAutoNum type="arabicPeriod"/>
-            </a:pPr>
-            <a:r>
-              <a:rPr lang="en-US" sz="5600" dirty="0">
-                <a:solidFill>
-                  <a:srgbClr val="000000"/>
-                </a:solidFill>
-                <a:effectLst/>
-                <a:latin typeface="Times New Roman" panose="02020603050405020304" pitchFamily="18" charset="0"/>
-                <a:ea typeface="Calibri" panose="020F0502020204030204" pitchFamily="34" charset="0"/>
-                <a:cs typeface="Times New Roman" panose="02020603050405020304" pitchFamily="18" charset="0"/>
-              </a:rPr>
-              <a:t>Hatim Mohamad tahir,</a:t>
-            </a:r>
-            <a:r>
-              <a:rPr lang="en-US" sz="5600" dirty="0">
-                <a:solidFill>
-                  <a:srgbClr val="000000"/>
-                </a:solidFill>
-                <a:latin typeface="Times New Roman" panose="02020603050405020304" pitchFamily="18" charset="0"/>
-                <a:ea typeface="Calibri" panose="020F0502020204030204" pitchFamily="34" charset="0"/>
-                <a:cs typeface="Times New Roman" panose="02020603050405020304" pitchFamily="18" charset="0"/>
-              </a:rPr>
-              <a:t>Azman Taa</a:t>
-            </a:r>
-            <a:r>
-              <a:rPr lang="en-US" sz="5600" dirty="0">
-                <a:solidFill>
-                  <a:srgbClr val="000000"/>
-                </a:solidFill>
-                <a:effectLst/>
-                <a:latin typeface="Times New Roman" panose="02020603050405020304" pitchFamily="18" charset="0"/>
-                <a:ea typeface="Calibri" panose="020F0502020204030204" pitchFamily="34" charset="0"/>
-                <a:cs typeface="Times New Roman" panose="02020603050405020304" pitchFamily="18" charset="0"/>
-              </a:rPr>
-              <a:t>,</a:t>
-            </a:r>
-            <a:r>
-              <a:rPr lang="en-US" sz="5600" dirty="0">
-                <a:solidFill>
-                  <a:srgbClr val="000000"/>
-                </a:solidFill>
-                <a:latin typeface="Times New Roman" panose="02020603050405020304" pitchFamily="18" charset="0"/>
-                <a:ea typeface="Calibri" panose="020F0502020204030204" pitchFamily="34" charset="0"/>
-                <a:cs typeface="Times New Roman" panose="02020603050405020304" pitchFamily="18" charset="0"/>
-              </a:rPr>
-              <a:t>Norshakinah Bt. Md. Nasir</a:t>
-            </a:r>
-            <a:r>
-              <a:rPr lang="en-US" sz="5600" dirty="0">
-                <a:solidFill>
-                  <a:srgbClr val="000000"/>
-                </a:solidFill>
-                <a:effectLst/>
-                <a:latin typeface="Times New Roman" panose="02020603050405020304" pitchFamily="18" charset="0"/>
-                <a:ea typeface="Calibri" panose="020F0502020204030204" pitchFamily="34" charset="0"/>
-                <a:cs typeface="Times New Roman" panose="02020603050405020304" pitchFamily="18" charset="0"/>
-              </a:rPr>
-              <a:t>, “</a:t>
-            </a:r>
-            <a:r>
-              <a:rPr lang="en-US" sz="5600" i="1" dirty="0">
-                <a:solidFill>
-                  <a:srgbClr val="111111"/>
-                </a:solidFill>
-                <a:effectLst/>
-                <a:latin typeface="Times New Roman" panose="02020603050405020304" pitchFamily="18" charset="0"/>
-                <a:ea typeface="Calibri" panose="020F0502020204030204" pitchFamily="34" charset="0"/>
-                <a:cs typeface="Times New Roman" panose="02020603050405020304" pitchFamily="18" charset="0"/>
-              </a:rPr>
-              <a:t>Implementation of IPv6 Over IPv4 Using Dual Stack Transition Mechanism (DSTM) on 6iNet</a:t>
-            </a:r>
-            <a:r>
-              <a:rPr lang="en-US" sz="5600" dirty="0">
-                <a:solidFill>
-                  <a:srgbClr val="000000"/>
-                </a:solidFill>
-                <a:effectLst/>
-                <a:latin typeface="Times New Roman" panose="02020603050405020304" pitchFamily="18" charset="0"/>
-                <a:ea typeface="Calibri" panose="020F0502020204030204" pitchFamily="34" charset="0"/>
-                <a:cs typeface="Times New Roman" panose="02020603050405020304" pitchFamily="18" charset="0"/>
-              </a:rPr>
-              <a:t>”</a:t>
-            </a:r>
-            <a:r>
-              <a:rPr lang="en-US" sz="5600" dirty="0">
-                <a:effectLst/>
-                <a:latin typeface="Times New Roman" panose="02020603050405020304" pitchFamily="18" charset="0"/>
-                <a:ea typeface="Calibri" panose="020F0502020204030204" pitchFamily="34" charset="0"/>
-                <a:cs typeface="Times New Roman" panose="02020603050405020304" pitchFamily="18" charset="0"/>
-              </a:rPr>
-              <a:t>  Universiti Utara Malaysia, December 2014</a:t>
-            </a:r>
-            <a:r>
-              <a:rPr lang="en-US" sz="5600" b="1" dirty="0">
-                <a:solidFill>
-                  <a:srgbClr val="000000"/>
-                </a:solidFill>
-                <a:effectLst/>
-                <a:latin typeface="Times New Roman" panose="02020603050405020304" pitchFamily="18" charset="0"/>
-                <a:ea typeface="Calibri" panose="020F0502020204030204" pitchFamily="34" charset="0"/>
-                <a:cs typeface="Times New Roman" panose="02020603050405020304" pitchFamily="18" charset="0"/>
-              </a:rPr>
-              <a:t> </a:t>
-            </a:r>
-            <a:endParaRPr lang="en-IN" sz="5600" dirty="0">
-              <a:effectLst/>
-              <a:latin typeface="Times New Roman" panose="02020603050405020304" pitchFamily="18" charset="0"/>
-              <a:ea typeface="Calibri" panose="020F0502020204030204" pitchFamily="34" charset="0"/>
-              <a:cs typeface="Times New Roman" panose="02020603050405020304" pitchFamily="18" charset="0"/>
-            </a:endParaRPr>
-          </a:p>
-          <a:p>
-            <a:pPr marL="342900" lvl="0" indent="-342900">
-              <a:lnSpc>
-                <a:spcPct val="150000"/>
-              </a:lnSpc>
-              <a:spcAft>
-                <a:spcPts val="1000"/>
-              </a:spcAft>
-              <a:buFont typeface="+mj-lt"/>
-              <a:buAutoNum type="arabicPeriod"/>
-            </a:pPr>
-            <a:r>
-              <a:rPr lang="en-US" sz="5600" dirty="0">
-                <a:solidFill>
-                  <a:srgbClr val="000000"/>
-                </a:solidFill>
-                <a:latin typeface="Times New Roman" panose="02020603050405020304" pitchFamily="18" charset="0"/>
-                <a:ea typeface="Times New Roman" panose="02020603050405020304" pitchFamily="18" charset="0"/>
-                <a:cs typeface="Times New Roman" panose="02020603050405020304" pitchFamily="18" charset="0"/>
-              </a:rPr>
-              <a:t>Niranjan Ravi</a:t>
-            </a:r>
-            <a:r>
-              <a:rPr lang="en-US" sz="5600" dirty="0">
-                <a:solidFill>
-                  <a:srgbClr val="000000"/>
-                </a:solidFill>
-                <a:effectLst/>
-                <a:latin typeface="Times New Roman" panose="02020603050405020304" pitchFamily="18" charset="0"/>
-                <a:ea typeface="Times New Roman" panose="02020603050405020304" pitchFamily="18" charset="0"/>
-                <a:cs typeface="Times New Roman" panose="02020603050405020304" pitchFamily="18" charset="0"/>
-              </a:rPr>
-              <a:t>, </a:t>
-            </a:r>
-            <a:r>
-              <a:rPr lang="en-US" sz="5600" dirty="0">
-                <a:solidFill>
-                  <a:srgbClr val="000000"/>
-                </a:solidFill>
-                <a:latin typeface="Times New Roman" panose="02020603050405020304" pitchFamily="18" charset="0"/>
-                <a:ea typeface="Times New Roman" panose="02020603050405020304" pitchFamily="18" charset="0"/>
-                <a:cs typeface="Times New Roman" panose="02020603050405020304" pitchFamily="18" charset="0"/>
-              </a:rPr>
-              <a:t>Muppidathi Saravanan A</a:t>
-            </a:r>
-            <a:r>
-              <a:rPr lang="en-US" sz="5600" dirty="0">
-                <a:solidFill>
-                  <a:srgbClr val="000000"/>
-                </a:solidFill>
-                <a:effectLst/>
-                <a:latin typeface="Times New Roman" panose="02020603050405020304" pitchFamily="18" charset="0"/>
-                <a:ea typeface="Times New Roman" panose="02020603050405020304" pitchFamily="18" charset="0"/>
-                <a:cs typeface="Times New Roman" panose="02020603050405020304" pitchFamily="18" charset="0"/>
-              </a:rPr>
-              <a:t>, </a:t>
-            </a:r>
-            <a:r>
-              <a:rPr lang="en-US" sz="5600" dirty="0">
-                <a:solidFill>
-                  <a:srgbClr val="000000"/>
-                </a:solidFill>
-                <a:latin typeface="Times New Roman" panose="02020603050405020304" pitchFamily="18" charset="0"/>
-                <a:ea typeface="Times New Roman" panose="02020603050405020304" pitchFamily="18" charset="0"/>
-                <a:cs typeface="Times New Roman" panose="02020603050405020304" pitchFamily="18" charset="0"/>
-              </a:rPr>
-              <a:t>Manoranjan Periyasamy</a:t>
-            </a:r>
-            <a:r>
-              <a:rPr lang="en-US" sz="5600" dirty="0">
-                <a:solidFill>
-                  <a:srgbClr val="000000"/>
-                </a:solidFill>
-                <a:effectLst/>
-                <a:latin typeface="Times New Roman" panose="02020603050405020304" pitchFamily="18" charset="0"/>
-                <a:ea typeface="Times New Roman" panose="02020603050405020304" pitchFamily="18" charset="0"/>
-                <a:cs typeface="Times New Roman" panose="02020603050405020304" pitchFamily="18" charset="0"/>
-              </a:rPr>
-              <a:t>, Niraj Prasad Bhatta “</a:t>
-            </a:r>
-            <a:r>
-              <a:rPr lang="en-US" sz="5600" i="1" dirty="0">
-                <a:solidFill>
-                  <a:srgbClr val="111111"/>
-                </a:solidFill>
-                <a:effectLst/>
-                <a:latin typeface="Times New Roman" panose="02020603050405020304" pitchFamily="18" charset="0"/>
-                <a:ea typeface="Calibri" panose="020F0502020204030204" pitchFamily="34" charset="0"/>
-                <a:cs typeface="Times New Roman" panose="02020603050405020304" pitchFamily="18" charset="0"/>
-              </a:rPr>
-              <a:t>Implementation of IPv6/IPv4 Dual-Stack Transition Mechanism</a:t>
-            </a:r>
-            <a:r>
-              <a:rPr lang="en-US" sz="5600" dirty="0">
-                <a:solidFill>
-                  <a:srgbClr val="000000"/>
-                </a:solidFill>
-                <a:effectLst/>
-                <a:latin typeface="Times New Roman" panose="02020603050405020304" pitchFamily="18" charset="0"/>
-                <a:ea typeface="Times New Roman" panose="02020603050405020304" pitchFamily="18" charset="0"/>
-                <a:cs typeface="Times New Roman" panose="02020603050405020304" pitchFamily="18" charset="0"/>
-              </a:rPr>
-              <a:t>”, Jain University, November 2014</a:t>
-            </a:r>
-            <a:endParaRPr lang="en-IN" sz="5600" dirty="0">
-              <a:effectLst/>
-              <a:latin typeface="Times New Roman" panose="02020603050405020304" pitchFamily="18" charset="0"/>
-              <a:ea typeface="Calibri" panose="020F0502020204030204" pitchFamily="34" charset="0"/>
-              <a:cs typeface="Times New Roman" panose="02020603050405020304" pitchFamily="18" charset="0"/>
-            </a:endParaRPr>
-          </a:p>
-          <a:p>
-            <a:pPr marL="0" indent="0">
-              <a:buNone/>
             </a:pPr>
             <a:endParaRPr lang="en-US" sz="1200" dirty="0">
               <a:latin typeface="Times New Roman" pitchFamily="18" charset="0"/>
@@ -8790,16 +8201,308 @@
             <a:fld id="{B6F15528-21DE-4FAA-801E-634DDDAF4B2B}" type="slidenum">
               <a:rPr lang="en-US" smtClean="0"/>
               <a:pPr/>
-              <a:t>19</a:t>
+              <a:t>17</a:t>
             </a:fld>
             <a:endParaRPr lang="en-US" dirty="0"/>
+          </a:p>
+        </p:txBody>
+      </p:sp>
+      <p:sp>
+        <p:nvSpPr>
+          <p:cNvPr id="9" name="TextBox 8"/>
+          <p:cNvSpPr txBox="1"/>
+          <p:nvPr/>
+        </p:nvSpPr>
+        <p:spPr>
+          <a:xfrm>
+            <a:off x="685800" y="1981200"/>
+            <a:ext cx="7772400" cy="3539430"/>
+          </a:xfrm>
+          <a:prstGeom prst="rect">
+            <a:avLst/>
+          </a:prstGeom>
+          <a:noFill/>
+        </p:spPr>
+        <p:txBody>
+          <a:bodyPr wrap="square" rtlCol="0">
+            <a:spAutoFit/>
+          </a:bodyPr>
+          <a:lstStyle/>
+          <a:p>
+            <a:pPr marL="342900" indent="-342900">
+              <a:buFont typeface="+mj-lt"/>
+              <a:buAutoNum type="arabicPeriod" startAt="6"/>
+            </a:pPr>
+            <a:r>
+              <a:rPr lang="en-US" sz="1600" dirty="0">
+                <a:latin typeface="Times New Roman" panose="02020603050405020304" pitchFamily="18" charset="0"/>
+                <a:cs typeface="Times New Roman" panose="02020603050405020304" pitchFamily="18" charset="0"/>
+              </a:rPr>
+              <a:t>V. </a:t>
+            </a:r>
+            <a:r>
+              <a:rPr lang="en-US" sz="1600" dirty="0" err="1">
+                <a:latin typeface="Times New Roman" panose="02020603050405020304" pitchFamily="18" charset="0"/>
+                <a:cs typeface="Times New Roman" panose="02020603050405020304" pitchFamily="18" charset="0"/>
+              </a:rPr>
+              <a:t>Bajpai</a:t>
+            </a:r>
+            <a:r>
+              <a:rPr lang="en-US" sz="1600" dirty="0">
+                <a:latin typeface="Times New Roman" panose="02020603050405020304" pitchFamily="18" charset="0"/>
+                <a:cs typeface="Times New Roman" panose="02020603050405020304" pitchFamily="18" charset="0"/>
+              </a:rPr>
+              <a:t> and J. </a:t>
+            </a:r>
+            <a:r>
+              <a:rPr lang="en-US" sz="1600" dirty="0" err="1">
+                <a:latin typeface="Times New Roman" panose="02020603050405020304" pitchFamily="18" charset="0"/>
+                <a:cs typeface="Times New Roman" panose="02020603050405020304" pitchFamily="18" charset="0"/>
+              </a:rPr>
+              <a:t>Schönwälder</a:t>
+            </a:r>
+            <a:r>
+              <a:rPr lang="en-US" sz="1600" dirty="0">
+                <a:latin typeface="Times New Roman" panose="02020603050405020304" pitchFamily="18" charset="0"/>
+                <a:cs typeface="Times New Roman" panose="02020603050405020304" pitchFamily="18" charset="0"/>
+              </a:rPr>
+              <a:t>, "IPv4 versus IPv6 - who connects faster?," 2015 IFIP Networking Conference (IFIP Networking), 2015, pp. 1-9, </a:t>
+            </a:r>
+            <a:r>
+              <a:rPr lang="en-US" sz="1600" dirty="0" err="1">
+                <a:latin typeface="Times New Roman" panose="02020603050405020304" pitchFamily="18" charset="0"/>
+                <a:cs typeface="Times New Roman" panose="02020603050405020304" pitchFamily="18" charset="0"/>
+              </a:rPr>
+              <a:t>doi</a:t>
+            </a:r>
+            <a:r>
+              <a:rPr lang="en-US" sz="1600" dirty="0">
+                <a:latin typeface="Times New Roman" panose="02020603050405020304" pitchFamily="18" charset="0"/>
+                <a:cs typeface="Times New Roman" panose="02020603050405020304" pitchFamily="18" charset="0"/>
+              </a:rPr>
+              <a:t>: </a:t>
+            </a:r>
+            <a:r>
+              <a:rPr lang="en-US" sz="1600" dirty="0" smtClean="0">
+                <a:latin typeface="Times New Roman" panose="02020603050405020304" pitchFamily="18" charset="0"/>
+                <a:cs typeface="Times New Roman" panose="02020603050405020304" pitchFamily="18" charset="0"/>
+              </a:rPr>
+              <a:t>10.1109/IFIPNetworking.2015.7145323</a:t>
+            </a:r>
+          </a:p>
+          <a:p>
+            <a:pPr marL="342900" indent="-342900">
+              <a:buFont typeface="+mj-lt"/>
+              <a:buAutoNum type="arabicPeriod" startAt="6"/>
+            </a:pPr>
+            <a:r>
+              <a:rPr lang="en-US" sz="1600" dirty="0" err="1">
+                <a:latin typeface="Times New Roman" panose="02020603050405020304" pitchFamily="18" charset="0"/>
+                <a:cs typeface="Times New Roman" panose="02020603050405020304" pitchFamily="18" charset="0"/>
+              </a:rPr>
+              <a:t>Ummi</a:t>
+            </a:r>
+            <a:r>
+              <a:rPr lang="en-US" sz="1600" dirty="0">
+                <a:latin typeface="Times New Roman" panose="02020603050405020304" pitchFamily="18" charset="0"/>
+                <a:cs typeface="Times New Roman" panose="02020603050405020304" pitchFamily="18" charset="0"/>
+              </a:rPr>
+              <a:t> </a:t>
+            </a:r>
+            <a:r>
+              <a:rPr lang="en-US" sz="1600" dirty="0" err="1">
+                <a:latin typeface="Times New Roman" panose="02020603050405020304" pitchFamily="18" charset="0"/>
+                <a:cs typeface="Times New Roman" panose="02020603050405020304" pitchFamily="18" charset="0"/>
+              </a:rPr>
+              <a:t>Suraya</a:t>
+            </a:r>
+            <a:r>
+              <a:rPr lang="en-US" sz="1600" dirty="0">
+                <a:latin typeface="Times New Roman" panose="02020603050405020304" pitchFamily="18" charset="0"/>
+                <a:cs typeface="Times New Roman" panose="02020603050405020304" pitchFamily="18" charset="0"/>
+              </a:rPr>
+              <a:t> </a:t>
+            </a:r>
+            <a:r>
+              <a:rPr lang="en-US" sz="1600" dirty="0" err="1">
+                <a:latin typeface="Times New Roman" panose="02020603050405020304" pitchFamily="18" charset="0"/>
+                <a:cs typeface="Times New Roman" panose="02020603050405020304" pitchFamily="18" charset="0"/>
+              </a:rPr>
+              <a:t>Shaharuddin</a:t>
+            </a:r>
+            <a:r>
+              <a:rPr lang="en-US" sz="1600" dirty="0">
+                <a:latin typeface="Times New Roman" panose="02020603050405020304" pitchFamily="18" charset="0"/>
+                <a:cs typeface="Times New Roman" panose="02020603050405020304" pitchFamily="18" charset="0"/>
+              </a:rPr>
+              <a:t>, R. </a:t>
+            </a:r>
+            <a:r>
+              <a:rPr lang="en-US" sz="1600" dirty="0" err="1">
+                <a:latin typeface="Times New Roman" panose="02020603050405020304" pitchFamily="18" charset="0"/>
+                <a:cs typeface="Times New Roman" panose="02020603050405020304" pitchFamily="18" charset="0"/>
+              </a:rPr>
+              <a:t>Ab</a:t>
+            </a:r>
+            <a:r>
+              <a:rPr lang="en-US" sz="1600" dirty="0">
+                <a:latin typeface="Times New Roman" panose="02020603050405020304" pitchFamily="18" charset="0"/>
+                <a:cs typeface="Times New Roman" panose="02020603050405020304" pitchFamily="18" charset="0"/>
+              </a:rPr>
+              <a:t> Rahman, M. </a:t>
+            </a:r>
+            <a:r>
+              <a:rPr lang="en-US" sz="1600" dirty="0" err="1">
+                <a:latin typeface="Times New Roman" panose="02020603050405020304" pitchFamily="18" charset="0"/>
+                <a:cs typeface="Times New Roman" panose="02020603050405020304" pitchFamily="18" charset="0"/>
+              </a:rPr>
+              <a:t>Kassim</a:t>
+            </a:r>
+            <a:r>
+              <a:rPr lang="en-US" sz="1600" dirty="0">
+                <a:latin typeface="Times New Roman" panose="02020603050405020304" pitchFamily="18" charset="0"/>
+                <a:cs typeface="Times New Roman" panose="02020603050405020304" pitchFamily="18" charset="0"/>
+              </a:rPr>
+              <a:t> and M. I. </a:t>
+            </a:r>
+            <a:r>
+              <a:rPr lang="en-US" sz="1600" dirty="0" err="1">
+                <a:latin typeface="Times New Roman" panose="02020603050405020304" pitchFamily="18" charset="0"/>
+                <a:cs typeface="Times New Roman" panose="02020603050405020304" pitchFamily="18" charset="0"/>
+              </a:rPr>
+              <a:t>Yusof</a:t>
+            </a:r>
+            <a:r>
+              <a:rPr lang="en-US" sz="1600" dirty="0">
+                <a:latin typeface="Times New Roman" panose="02020603050405020304" pitchFamily="18" charset="0"/>
+                <a:cs typeface="Times New Roman" panose="02020603050405020304" pitchFamily="18" charset="0"/>
+              </a:rPr>
+              <a:t>, "Performance comparison of Multimedia Applications over IPv4 and IPv6 Dual Stack technology," 2016 6th International Conference on System Engineering and Technology (ICSET), 2016, pp. 1-6, </a:t>
+            </a:r>
+            <a:r>
+              <a:rPr lang="en-US" sz="1600" dirty="0" err="1">
+                <a:latin typeface="Times New Roman" panose="02020603050405020304" pitchFamily="18" charset="0"/>
+                <a:cs typeface="Times New Roman" panose="02020603050405020304" pitchFamily="18" charset="0"/>
+              </a:rPr>
+              <a:t>doi</a:t>
+            </a:r>
+            <a:r>
+              <a:rPr lang="en-US" sz="1600" dirty="0">
+                <a:latin typeface="Times New Roman" panose="02020603050405020304" pitchFamily="18" charset="0"/>
+                <a:cs typeface="Times New Roman" panose="02020603050405020304" pitchFamily="18" charset="0"/>
+              </a:rPr>
+              <a:t>: 10.1109/ICSEngT.2016.7849613</a:t>
+            </a:r>
+            <a:r>
+              <a:rPr lang="en-US" sz="1600" dirty="0" smtClean="0">
+                <a:latin typeface="Times New Roman" panose="02020603050405020304" pitchFamily="18" charset="0"/>
+                <a:cs typeface="Times New Roman" panose="02020603050405020304" pitchFamily="18" charset="0"/>
+              </a:rPr>
+              <a:t>.</a:t>
+            </a:r>
+          </a:p>
+          <a:p>
+            <a:pPr marL="342900" indent="-342900">
+              <a:buFont typeface="+mj-lt"/>
+              <a:buAutoNum type="arabicPeriod" startAt="6"/>
+            </a:pPr>
+            <a:r>
+              <a:rPr lang="en-US" sz="1600" dirty="0">
+                <a:latin typeface="Times New Roman" panose="02020603050405020304" pitchFamily="18" charset="0"/>
+                <a:cs typeface="Times New Roman" panose="02020603050405020304" pitchFamily="18" charset="0"/>
+              </a:rPr>
+              <a:t>R. K. CV and H. </a:t>
+            </a:r>
+            <a:r>
+              <a:rPr lang="en-US" sz="1600" dirty="0" err="1">
+                <a:latin typeface="Times New Roman" panose="02020603050405020304" pitchFamily="18" charset="0"/>
+                <a:cs typeface="Times New Roman" panose="02020603050405020304" pitchFamily="18" charset="0"/>
+              </a:rPr>
+              <a:t>Goyal</a:t>
+            </a:r>
+            <a:r>
+              <a:rPr lang="en-US" sz="1600" dirty="0">
+                <a:latin typeface="Times New Roman" panose="02020603050405020304" pitchFamily="18" charset="0"/>
+                <a:cs typeface="Times New Roman" panose="02020603050405020304" pitchFamily="18" charset="0"/>
+              </a:rPr>
+              <a:t>, "IPv4 to IPv6 Migration and Performance Analysis using GNS3 and </a:t>
+            </a:r>
+            <a:r>
+              <a:rPr lang="en-US" sz="1600" dirty="0" err="1">
+                <a:latin typeface="Times New Roman" panose="02020603050405020304" pitchFamily="18" charset="0"/>
+                <a:cs typeface="Times New Roman" panose="02020603050405020304" pitchFamily="18" charset="0"/>
+              </a:rPr>
+              <a:t>Wireshark</a:t>
+            </a:r>
+            <a:r>
+              <a:rPr lang="en-US" sz="1600" dirty="0">
+                <a:latin typeface="Times New Roman" panose="02020603050405020304" pitchFamily="18" charset="0"/>
+                <a:cs typeface="Times New Roman" panose="02020603050405020304" pitchFamily="18" charset="0"/>
+              </a:rPr>
+              <a:t>," 2019 International Conference on Vision Towards Emerging Trends in Communication and Networking (</a:t>
+            </a:r>
+            <a:r>
+              <a:rPr lang="en-US" sz="1600" dirty="0" err="1">
+                <a:latin typeface="Times New Roman" panose="02020603050405020304" pitchFamily="18" charset="0"/>
+                <a:cs typeface="Times New Roman" panose="02020603050405020304" pitchFamily="18" charset="0"/>
+              </a:rPr>
+              <a:t>ViTECoN</a:t>
+            </a:r>
+            <a:r>
+              <a:rPr lang="en-US" sz="1600" dirty="0">
+                <a:latin typeface="Times New Roman" panose="02020603050405020304" pitchFamily="18" charset="0"/>
+                <a:cs typeface="Times New Roman" panose="02020603050405020304" pitchFamily="18" charset="0"/>
+              </a:rPr>
+              <a:t>), 2019, pp. 1-6, </a:t>
+            </a:r>
+            <a:r>
+              <a:rPr lang="en-US" sz="1600" dirty="0" err="1">
+                <a:latin typeface="Times New Roman" panose="02020603050405020304" pitchFamily="18" charset="0"/>
+                <a:cs typeface="Times New Roman" panose="02020603050405020304" pitchFamily="18" charset="0"/>
+              </a:rPr>
+              <a:t>doi</a:t>
+            </a:r>
+            <a:r>
+              <a:rPr lang="en-US" sz="1600" dirty="0">
+                <a:latin typeface="Times New Roman" panose="02020603050405020304" pitchFamily="18" charset="0"/>
+                <a:cs typeface="Times New Roman" panose="02020603050405020304" pitchFamily="18" charset="0"/>
+              </a:rPr>
+              <a:t>: 10.1109/ViTECoN.2019.8899746.</a:t>
+            </a:r>
+          </a:p>
+          <a:p>
+            <a:pPr marL="342900" indent="-342900">
+              <a:buFont typeface="+mj-lt"/>
+              <a:buAutoNum type="arabicPeriod" startAt="6"/>
+            </a:pPr>
+            <a:endParaRPr lang="en-US" sz="1600" dirty="0">
+              <a:latin typeface="Times New Roman" panose="02020603050405020304" pitchFamily="18" charset="0"/>
+              <a:cs typeface="Times New Roman" panose="02020603050405020304" pitchFamily="18" charset="0"/>
+            </a:endParaRPr>
+          </a:p>
+          <a:p>
+            <a:pPr marL="342900" indent="-342900">
+              <a:buFont typeface="+mj-lt"/>
+              <a:buAutoNum type="arabicPeriod" startAt="6"/>
+            </a:pPr>
+            <a:endParaRPr lang="en-US" sz="1600" dirty="0" smtClean="0">
+              <a:latin typeface="Times New Roman" panose="02020603050405020304" pitchFamily="18" charset="0"/>
+              <a:cs typeface="Times New Roman" panose="02020603050405020304" pitchFamily="18" charset="0"/>
+            </a:endParaRPr>
+          </a:p>
+          <a:p>
+            <a:pPr marL="342900" indent="-342900">
+              <a:buFont typeface="+mj-lt"/>
+              <a:buAutoNum type="arabicPeriod" startAt="6"/>
+            </a:pPr>
+            <a:endParaRPr lang="en-US" sz="1600" dirty="0"/>
           </a:p>
         </p:txBody>
       </p:sp>
     </p:spTree>
     <p:extLst>
       <p:ext uri="{BB962C8B-B14F-4D97-AF65-F5344CB8AC3E}">
-        <p14:creationId xmlns:p14="http://schemas.microsoft.com/office/powerpoint/2010/main" val="4182899405"/>
+        <p14:creationId xmlns:p14="http://schemas.microsoft.com/office/powerpoint/2010/main" val="2638417632"/>
       </p:ext>
     </p:extLst>
   </p:cSld>
@@ -9526,265 +9229,35 @@
       </p:grpSpPr>
       <p:sp>
         <p:nvSpPr>
-          <p:cNvPr id="2" name="Title 1"/>
-          <p:cNvSpPr>
-            <a:spLocks noGrp="1"/>
-          </p:cNvSpPr>
-          <p:nvPr>
-            <p:ph type="title"/>
-          </p:nvPr>
-        </p:nvSpPr>
-        <p:spPr>
-          <a:solidFill>
-            <a:srgbClr val="0000FF"/>
-          </a:solidFill>
-        </p:spPr>
+          <p:cNvPr id="4" name="Date Placeholder 3"/>
+          <p:cNvSpPr>
+            <a:spLocks noGrp="1"/>
+          </p:cNvSpPr>
+          <p:nvPr>
+            <p:ph type="dt" sz="half" idx="10"/>
+          </p:nvPr>
+        </p:nvSpPr>
+        <p:spPr/>
         <p:txBody>
           <a:bodyPr/>
           <a:lstStyle/>
           <a:p>
-            <a:r>
-              <a:rPr lang="en-US" b="1" dirty="0">
-                <a:solidFill>
-                  <a:schemeClr val="bg1"/>
-                </a:solidFill>
-                <a:latin typeface="Times New Roman" pitchFamily="18" charset="0"/>
-                <a:cs typeface="Times New Roman" pitchFamily="18" charset="0"/>
-              </a:rPr>
-              <a:t>Literature Survey</a:t>
-            </a:r>
-            <a:endParaRPr lang="en-US" dirty="0">
-              <a:latin typeface="Times New Roman" pitchFamily="18" charset="0"/>
-              <a:cs typeface="Times New Roman" pitchFamily="18" charset="0"/>
-            </a:endParaRPr>
-          </a:p>
-        </p:txBody>
-      </p:sp>
-      <p:sp>
-        <p:nvSpPr>
-          <p:cNvPr id="3" name="Content Placeholder 2"/>
-          <p:cNvSpPr>
-            <a:spLocks noGrp="1"/>
-          </p:cNvSpPr>
-          <p:nvPr>
-            <p:ph idx="1"/>
-          </p:nvPr>
-        </p:nvSpPr>
-        <p:spPr>
-          <a:xfrm>
-            <a:off x="6705600" y="5867400"/>
-            <a:ext cx="5562600" cy="2415381"/>
-          </a:xfrm>
-        </p:spPr>
-        <p:txBody>
-          <a:bodyPr>
-            <a:normAutofit fontScale="47500" lnSpcReduction="20000"/>
-          </a:bodyPr>
-          <a:lstStyle/>
-          <a:p>
-            <a:pPr marL="0" indent="0">
-              <a:lnSpc>
-                <a:spcPct val="115000"/>
-              </a:lnSpc>
-              <a:spcAft>
-                <a:spcPts val="1000"/>
-              </a:spcAft>
-              <a:buNone/>
-            </a:pPr>
-            <a:endParaRPr lang="en-US" sz="1900" b="1" dirty="0">
-              <a:latin typeface="Times New Roman" panose="02020603050405020304" pitchFamily="18" charset="0"/>
-              <a:ea typeface="Calibri" panose="020F0502020204030204" pitchFamily="34" charset="0"/>
-              <a:cs typeface="Times New Roman" panose="02020603050405020304" pitchFamily="18" charset="0"/>
-            </a:endParaRPr>
-          </a:p>
-          <a:p>
-            <a:pPr marL="0" indent="0">
-              <a:lnSpc>
-                <a:spcPct val="115000"/>
-              </a:lnSpc>
-              <a:spcAft>
-                <a:spcPts val="1000"/>
-              </a:spcAft>
-              <a:buNone/>
-            </a:pPr>
-            <a:r>
-              <a:rPr lang="en-US" sz="1900" b="1" dirty="0" smtClean="0">
-                <a:effectLst/>
-                <a:latin typeface="Times New Roman" panose="02020603050405020304" pitchFamily="18" charset="0"/>
-                <a:ea typeface="Calibri" panose="020F0502020204030204" pitchFamily="34" charset="0"/>
-                <a:cs typeface="Times New Roman" panose="02020603050405020304" pitchFamily="18" charset="0"/>
-              </a:rPr>
-              <a:t>Implementation </a:t>
-            </a:r>
-            <a:r>
-              <a:rPr lang="en-US" sz="1900" b="1" dirty="0">
-                <a:effectLst/>
-                <a:latin typeface="Times New Roman" panose="02020603050405020304" pitchFamily="18" charset="0"/>
-                <a:ea typeface="Calibri" panose="020F0502020204030204" pitchFamily="34" charset="0"/>
-                <a:cs typeface="Times New Roman" panose="02020603050405020304" pitchFamily="18" charset="0"/>
-              </a:rPr>
-              <a:t>of IPv6 Over IPv4 Using Dual Stack Transition Mechanism (DSTM) on 6iNet </a:t>
-            </a:r>
-            <a:r>
-              <a:rPr lang="en-US" sz="1900" dirty="0">
-                <a:effectLst/>
-                <a:latin typeface="Times New Roman" panose="02020603050405020304" pitchFamily="18" charset="0"/>
-                <a:ea typeface="Calibri" panose="020F0502020204030204" pitchFamily="34" charset="0"/>
-                <a:cs typeface="Times New Roman" panose="02020603050405020304" pitchFamily="18" charset="0"/>
-              </a:rPr>
-              <a:t> </a:t>
-            </a:r>
-            <a:r>
-              <a:rPr lang="en-US" sz="1900" dirty="0">
-                <a:latin typeface="Times New Roman" panose="02020603050405020304" pitchFamily="18" charset="0"/>
-                <a:ea typeface="Calibri" panose="020F0502020204030204" pitchFamily="34" charset="0"/>
-                <a:cs typeface="Times New Roman" panose="02020603050405020304" pitchFamily="18" charset="0"/>
-              </a:rPr>
-              <a:t/>
-            </a:r>
-            <a:br>
-              <a:rPr lang="en-US" sz="1900" dirty="0">
-                <a:latin typeface="Times New Roman" panose="02020603050405020304" pitchFamily="18" charset="0"/>
-                <a:ea typeface="Calibri" panose="020F0502020204030204" pitchFamily="34" charset="0"/>
-                <a:cs typeface="Times New Roman" panose="02020603050405020304" pitchFamily="18" charset="0"/>
-              </a:rPr>
-            </a:br>
-            <a:endParaRPr lang="en-IN" sz="1900" dirty="0">
-              <a:latin typeface="Times New Roman" panose="02020603050405020304" pitchFamily="18" charset="0"/>
-              <a:ea typeface="Calibri" panose="020F0502020204030204" pitchFamily="34" charset="0"/>
-              <a:cs typeface="Times New Roman" panose="02020603050405020304" pitchFamily="18" charset="0"/>
-            </a:endParaRPr>
-          </a:p>
-          <a:p>
-            <a:pPr>
-              <a:lnSpc>
-                <a:spcPct val="115000"/>
-              </a:lnSpc>
-              <a:spcAft>
-                <a:spcPts val="1000"/>
-              </a:spcAft>
-            </a:pPr>
-            <a:r>
-              <a:rPr lang="en-US" sz="1600" b="0" dirty="0">
-                <a:effectLst/>
-                <a:latin typeface="Times New Roman" panose="02020603050405020304" pitchFamily="18" charset="0"/>
-                <a:ea typeface="Times New Roman" panose="02020603050405020304" pitchFamily="18" charset="0"/>
-                <a:cs typeface="Times New Roman" panose="02020603050405020304" pitchFamily="18" charset="0"/>
-              </a:rPr>
-              <a:t>Moving from Internet Protocol version Four (IPv4) to Internet Protocol version six (IPv6) is not straightforward because IPv4 and IPv6 are incompatible protocols</a:t>
-            </a:r>
-            <a:r>
-              <a:rPr lang="en-US" sz="1600" b="0" dirty="0" smtClean="0">
-                <a:effectLst/>
-                <a:latin typeface="Times New Roman" panose="02020603050405020304" pitchFamily="18" charset="0"/>
-                <a:ea typeface="Times New Roman" panose="02020603050405020304" pitchFamily="18" charset="0"/>
-                <a:cs typeface="Times New Roman" panose="02020603050405020304" pitchFamily="18" charset="0"/>
-              </a:rPr>
-              <a:t>.</a:t>
-            </a:r>
-            <a:br>
-              <a:rPr lang="en-US" sz="1600" b="0" dirty="0" smtClean="0">
-                <a:effectLst/>
-                <a:latin typeface="Times New Roman" panose="02020603050405020304" pitchFamily="18" charset="0"/>
-                <a:ea typeface="Times New Roman" panose="02020603050405020304" pitchFamily="18" charset="0"/>
-                <a:cs typeface="Times New Roman" panose="02020603050405020304" pitchFamily="18" charset="0"/>
-              </a:rPr>
-            </a:br>
-            <a:endParaRPr lang="en-US" sz="1600" dirty="0">
-              <a:latin typeface="Times New Roman" panose="02020603050405020304" pitchFamily="18" charset="0"/>
-              <a:ea typeface="Times New Roman" panose="02020603050405020304" pitchFamily="18" charset="0"/>
-              <a:cs typeface="Times New Roman" panose="02020603050405020304" pitchFamily="18" charset="0"/>
-            </a:endParaRPr>
-          </a:p>
-          <a:p>
-            <a:pPr>
-              <a:lnSpc>
-                <a:spcPct val="115000"/>
-              </a:lnSpc>
-              <a:spcAft>
-                <a:spcPts val="1000"/>
-              </a:spcAft>
-            </a:pPr>
-            <a:r>
-              <a:rPr lang="en-US" sz="1600" b="0" dirty="0">
-                <a:effectLst/>
-                <a:latin typeface="Times New Roman" panose="02020603050405020304" pitchFamily="18" charset="0"/>
-                <a:ea typeface="Times New Roman" panose="02020603050405020304" pitchFamily="18" charset="0"/>
-                <a:cs typeface="Times New Roman" panose="02020603050405020304" pitchFamily="18" charset="0"/>
-              </a:rPr>
-              <a:t>To enable the smooth integration between IPv4 and IPv6, several transition mechanisms have been proposed by IETF IPng Transition Working Group (NGTrans). One of them is Dual Stack Transition Mechanism (DSTM). </a:t>
-            </a:r>
-            <a:r>
-              <a:rPr lang="en-US" sz="1600" dirty="0">
-                <a:latin typeface="Times New Roman" panose="02020603050405020304" pitchFamily="18" charset="0"/>
-                <a:ea typeface="Times New Roman" panose="02020603050405020304" pitchFamily="18" charset="0"/>
-                <a:cs typeface="Times New Roman" panose="02020603050405020304" pitchFamily="18" charset="0"/>
-              </a:rPr>
-              <a:t/>
-            </a:r>
-            <a:br>
-              <a:rPr lang="en-US" sz="1600" dirty="0">
-                <a:latin typeface="Times New Roman" panose="02020603050405020304" pitchFamily="18" charset="0"/>
-                <a:ea typeface="Times New Roman" panose="02020603050405020304" pitchFamily="18" charset="0"/>
-                <a:cs typeface="Times New Roman" panose="02020603050405020304" pitchFamily="18" charset="0"/>
-              </a:rPr>
-            </a:br>
-            <a:endParaRPr lang="en-US" sz="1600" b="0" dirty="0">
-              <a:effectLst/>
-              <a:latin typeface="Times New Roman" panose="02020603050405020304" pitchFamily="18" charset="0"/>
-              <a:ea typeface="Times New Roman" panose="02020603050405020304" pitchFamily="18" charset="0"/>
-              <a:cs typeface="Times New Roman" panose="02020603050405020304" pitchFamily="18" charset="0"/>
-            </a:endParaRPr>
-          </a:p>
-          <a:p>
-            <a:pPr>
-              <a:lnSpc>
-                <a:spcPct val="115000"/>
-              </a:lnSpc>
-              <a:spcAft>
-                <a:spcPts val="1000"/>
-              </a:spcAft>
-            </a:pPr>
-            <a:r>
-              <a:rPr lang="en-IN" sz="1600" dirty="0">
-                <a:effectLst/>
-                <a:latin typeface="Times New Roman" panose="02020603050405020304" pitchFamily="18" charset="0"/>
-                <a:ea typeface="Times New Roman" panose="02020603050405020304" pitchFamily="18" charset="0"/>
-                <a:cs typeface="Times New Roman" panose="02020603050405020304" pitchFamily="18" charset="0"/>
-              </a:rPr>
-              <a:t>T</a:t>
-            </a:r>
-            <a:r>
-              <a:rPr lang="en-US" sz="1600" b="0" dirty="0">
-                <a:effectLst/>
-                <a:latin typeface="Times New Roman" panose="02020603050405020304" pitchFamily="18" charset="0"/>
-                <a:ea typeface="Times New Roman" panose="02020603050405020304" pitchFamily="18" charset="0"/>
-                <a:cs typeface="Times New Roman" panose="02020603050405020304" pitchFamily="18" charset="0"/>
-              </a:rPr>
-              <a:t>he DSTM architecture is consist of three (3) parts. They are the client (using FreeBSD and Linux as an operating system), the server and the DSTM gateway or called tunnel end-point router (TEP). </a:t>
-            </a:r>
-            <a:endParaRPr lang="en-US" sz="1600" dirty="0">
-              <a:latin typeface="Times New Roman" panose="02020603050405020304" pitchFamily="18" charset="0"/>
-              <a:ea typeface="Times New Roman" panose="02020603050405020304" pitchFamily="18" charset="0"/>
-              <a:cs typeface="Times New Roman" panose="02020603050405020304" pitchFamily="18" charset="0"/>
-            </a:endParaRPr>
-          </a:p>
-          <a:p>
-            <a:pPr marL="0" indent="0">
-              <a:buNone/>
-            </a:pPr>
-            <a:endParaRPr lang="en-US" dirty="0"/>
-          </a:p>
-        </p:txBody>
-      </p:sp>
-      <p:sp>
-        <p:nvSpPr>
-          <p:cNvPr id="4" name="Date Placeholder 3"/>
-          <p:cNvSpPr>
-            <a:spLocks noGrp="1"/>
-          </p:cNvSpPr>
-          <p:nvPr>
-            <p:ph type="dt" sz="half" idx="10"/>
+            <a:fld id="{05229871-6294-4FDC-ADFB-03568C29F7D6}" type="datetime1">
+              <a:rPr lang="en-US" smtClean="0"/>
+              <a:t>22-Sep-21</a:t>
+            </a:fld>
+            <a:endParaRPr lang="en-US"/>
+          </a:p>
+        </p:txBody>
+      </p:sp>
+      <p:sp>
+        <p:nvSpPr>
+          <p:cNvPr id="5" name="Footer Placeholder 4"/>
+          <p:cNvSpPr>
+            <a:spLocks noGrp="1"/>
+          </p:cNvSpPr>
+          <p:nvPr>
+            <p:ph type="ftr" sz="quarter" idx="11"/>
           </p:nvPr>
         </p:nvSpPr>
         <p:spPr/>
@@ -9793,41 +9266,10 @@
           <a:lstStyle/>
           <a:p>
             <a:r>
-              <a:rPr lang="en-US" dirty="0" smtClean="0">
-                <a:latin typeface="Times New Roman" pitchFamily="18" charset="0"/>
-                <a:cs typeface="Times New Roman" pitchFamily="18" charset="0"/>
-              </a:rPr>
-              <a:t>17-Aug-21</a:t>
-            </a:r>
-            <a:endParaRPr lang="en-US" dirty="0">
-              <a:latin typeface="Times New Roman" pitchFamily="18" charset="0"/>
-              <a:cs typeface="Times New Roman" pitchFamily="18" charset="0"/>
-            </a:endParaRPr>
-          </a:p>
-        </p:txBody>
-      </p:sp>
-      <p:sp>
-        <p:nvSpPr>
-          <p:cNvPr id="5" name="Footer Placeholder 4"/>
-          <p:cNvSpPr>
-            <a:spLocks noGrp="1"/>
-          </p:cNvSpPr>
-          <p:nvPr>
-            <p:ph type="ftr" sz="quarter" idx="11"/>
-          </p:nvPr>
-        </p:nvSpPr>
-        <p:spPr/>
-        <p:txBody>
-          <a:bodyPr/>
-          <a:lstStyle/>
-          <a:p>
-            <a:r>
-              <a:rPr lang="en-US" dirty="0">
-                <a:latin typeface="Times New Roman" pitchFamily="18" charset="0"/>
-                <a:cs typeface="Times New Roman" pitchFamily="18" charset="0"/>
-              </a:rPr>
+              <a:rPr lang="en-US" smtClean="0"/>
               <a:t>Dept. of ECE, NMIT, Bangalore-64</a:t>
             </a:r>
+            <a:endParaRPr lang="en-US"/>
           </a:p>
         </p:txBody>
       </p:sp>
@@ -9864,14 +9306,14 @@
           <p:nvPr>
             <p:extLst>
               <p:ext uri="{D42A27DB-BD31-4B8C-83A1-F6EECF244321}">
-                <p14:modId xmlns:p14="http://schemas.microsoft.com/office/powerpoint/2010/main" val="496488101"/>
+                <p14:modId xmlns:p14="http://schemas.microsoft.com/office/powerpoint/2010/main" val="3491587842"/>
               </p:ext>
             </p:extLst>
           </p:nvPr>
         </p:nvGraphicFramePr>
         <p:xfrm>
-          <a:off x="990600" y="1752600"/>
-          <a:ext cx="7391400" cy="4297680"/>
+          <a:off x="685800" y="1600200"/>
+          <a:ext cx="7848600" cy="4206240"/>
         </p:xfrm>
         <a:graphic>
           <a:graphicData uri="http://schemas.openxmlformats.org/drawingml/2006/table">
@@ -9884,7 +9326,7 @@
                 <a:gridCol w="1478280"/>
                 <a:gridCol w="1506172"/>
                 <a:gridCol w="1450388"/>
-                <a:gridCol w="1478280"/>
+                <a:gridCol w="1935480"/>
               </a:tblGrid>
               <a:tr h="655597">
                 <a:tc>
@@ -10006,484 +9448,6 @@
                         <a:defRPr/>
                       </a:pPr>
                       <a:r>
-                        <a:rPr lang="en-US" sz="1600" b="1" i="0" u="none" kern="1200" dirty="0" smtClean="0">
-                          <a:solidFill>
-                            <a:schemeClr val="dk1"/>
-                          </a:solidFill>
-                          <a:effectLst/>
-                          <a:latin typeface="Times New Roman" panose="02020603050405020304" pitchFamily="18" charset="0"/>
-                          <a:ea typeface="+mn-ea"/>
-                          <a:cs typeface="Times New Roman" panose="02020603050405020304" pitchFamily="18" charset="0"/>
-                        </a:rPr>
-                        <a:t>Migration to Ipv6 from IPV4 by dual stack</a:t>
-                      </a:r>
-                      <a:endParaRPr lang="en-US" sz="1600" b="1" dirty="0">
-                        <a:latin typeface="Times New Roman" panose="02020603050405020304" pitchFamily="18" charset="0"/>
-                        <a:cs typeface="Times New Roman" panose="02020603050405020304" pitchFamily="18" charset="0"/>
-                      </a:endParaRPr>
-                    </a:p>
-                  </a:txBody>
-                  <a:tcPr/>
-                </a:tc>
-                <a:tc>
-                  <a:txBody>
-                    <a:bodyPr/>
-                    <a:lstStyle/>
-                    <a:p>
-                      <a:r>
-                        <a:rPr lang="en-US" sz="1600" b="0" i="0" u="none" strike="noStrike" kern="1200" dirty="0" smtClean="0">
-                          <a:solidFill>
-                            <a:schemeClr val="dk1"/>
-                          </a:solidFill>
-                          <a:effectLst/>
-                          <a:latin typeface="Times New Roman" panose="02020603050405020304" pitchFamily="18" charset="0"/>
-                          <a:ea typeface="+mn-ea"/>
-                          <a:cs typeface="Times New Roman" panose="02020603050405020304" pitchFamily="18" charset="0"/>
-                        </a:rPr>
-                        <a:t>S. </a:t>
-                      </a:r>
-                      <a:r>
-                        <a:rPr lang="en-US" sz="1600" b="0" i="0" u="none" strike="noStrike" kern="1200" dirty="0" err="1" smtClean="0">
-                          <a:solidFill>
-                            <a:schemeClr val="dk1"/>
-                          </a:solidFill>
-                          <a:effectLst/>
-                          <a:latin typeface="Times New Roman" panose="02020603050405020304" pitchFamily="18" charset="0"/>
-                          <a:ea typeface="+mn-ea"/>
-                          <a:cs typeface="Times New Roman" panose="02020603050405020304" pitchFamily="18" charset="0"/>
-                        </a:rPr>
-                        <a:t>Aravind</a:t>
-                      </a:r>
-                      <a:r>
-                        <a:rPr lang="en-US" sz="1600" b="0" i="0" kern="1200" dirty="0" smtClean="0">
-                          <a:solidFill>
-                            <a:schemeClr val="dk1"/>
-                          </a:solidFill>
-                          <a:effectLst/>
-                          <a:latin typeface="Times New Roman" panose="02020603050405020304" pitchFamily="18" charset="0"/>
-                          <a:ea typeface="+mn-ea"/>
-                          <a:cs typeface="Times New Roman" panose="02020603050405020304" pitchFamily="18" charset="0"/>
-                        </a:rPr>
-                        <a:t>; </a:t>
-                      </a:r>
-                      <a:r>
-                        <a:rPr lang="en-US" sz="1600" b="0" i="0" u="none" strike="noStrike" kern="1200" dirty="0" smtClean="0">
-                          <a:solidFill>
-                            <a:schemeClr val="dk1"/>
-                          </a:solidFill>
-                          <a:effectLst/>
-                          <a:latin typeface="Times New Roman" panose="02020603050405020304" pitchFamily="18" charset="0"/>
-                          <a:ea typeface="+mn-ea"/>
-                          <a:cs typeface="Times New Roman" panose="02020603050405020304" pitchFamily="18" charset="0"/>
-                        </a:rPr>
-                        <a:t>G. </a:t>
-                      </a:r>
-                      <a:r>
-                        <a:rPr lang="en-US" sz="1600" b="0" i="0" u="none" strike="noStrike" kern="1200" dirty="0" err="1" smtClean="0">
-                          <a:solidFill>
-                            <a:schemeClr val="dk1"/>
-                          </a:solidFill>
-                          <a:effectLst/>
-                          <a:latin typeface="Times New Roman" panose="02020603050405020304" pitchFamily="18" charset="0"/>
-                          <a:ea typeface="+mn-ea"/>
-                          <a:cs typeface="Times New Roman" panose="02020603050405020304" pitchFamily="18" charset="0"/>
-                        </a:rPr>
-                        <a:t>Padmavathi</a:t>
-                      </a:r>
-                      <a:endParaRPr lang="en-US" sz="1600" dirty="0">
-                        <a:latin typeface="Times New Roman" panose="02020603050405020304" pitchFamily="18" charset="0"/>
-                        <a:cs typeface="Times New Roman" panose="02020603050405020304" pitchFamily="18" charset="0"/>
-                      </a:endParaRPr>
-                    </a:p>
-                  </a:txBody>
-                  <a:tcPr/>
-                </a:tc>
-                <a:tc>
-                  <a:txBody>
-                    <a:bodyPr/>
-                    <a:lstStyle/>
-                    <a:p>
-                      <a:r>
-                        <a:rPr lang="en-US" sz="1200" dirty="0" smtClean="0">
-                          <a:latin typeface="Times New Roman" panose="02020603050405020304" pitchFamily="18" charset="0"/>
-                          <a:cs typeface="Times New Roman" panose="02020603050405020304" pitchFamily="18" charset="0"/>
-                        </a:rPr>
-                        <a:t>S. </a:t>
-                      </a:r>
-                      <a:r>
-                        <a:rPr lang="en-US" sz="1200" dirty="0" err="1" smtClean="0">
-                          <a:latin typeface="Times New Roman" panose="02020603050405020304" pitchFamily="18" charset="0"/>
-                          <a:cs typeface="Times New Roman" panose="02020603050405020304" pitchFamily="18" charset="0"/>
-                        </a:rPr>
-                        <a:t>Aravind</a:t>
-                      </a:r>
-                      <a:r>
-                        <a:rPr lang="en-US" sz="1200" dirty="0" smtClean="0">
-                          <a:latin typeface="Times New Roman" panose="02020603050405020304" pitchFamily="18" charset="0"/>
-                          <a:cs typeface="Times New Roman" panose="02020603050405020304" pitchFamily="18" charset="0"/>
-                        </a:rPr>
-                        <a:t> and G. </a:t>
-                      </a:r>
-                      <a:r>
-                        <a:rPr lang="en-US" sz="1200" dirty="0" err="1" smtClean="0">
-                          <a:latin typeface="Times New Roman" panose="02020603050405020304" pitchFamily="18" charset="0"/>
-                          <a:cs typeface="Times New Roman" panose="02020603050405020304" pitchFamily="18" charset="0"/>
-                        </a:rPr>
-                        <a:t>Padmavathi</a:t>
-                      </a:r>
-                      <a:r>
-                        <a:rPr lang="en-US" sz="1200" dirty="0" smtClean="0">
-                          <a:latin typeface="Times New Roman" panose="02020603050405020304" pitchFamily="18" charset="0"/>
-                          <a:cs typeface="Times New Roman" panose="02020603050405020304" pitchFamily="18" charset="0"/>
-                        </a:rPr>
-                        <a:t>, "Migration to Ipv6 from IPV4 by dual stack and tunneling techniques," 2015 International Conference on Smart Technologies and Management for Computing, Communication, Controls, Energy and Materials (ICSTM), 2015, pp. 107-111, doi: 10.1109/ICSTM.2015.7225398.</a:t>
-                      </a:r>
-                      <a:endParaRPr lang="en-US" sz="1200" dirty="0">
-                        <a:latin typeface="Times New Roman" panose="02020603050405020304" pitchFamily="18" charset="0"/>
-                        <a:cs typeface="Times New Roman" panose="02020603050405020304" pitchFamily="18" charset="0"/>
-                      </a:endParaRPr>
-                    </a:p>
-                  </a:txBody>
-                  <a:tcPr/>
-                </a:tc>
-                <a:tc>
-                  <a:txBody>
-                    <a:bodyPr/>
-                    <a:lstStyle/>
-                    <a:p>
-                      <a:r>
-                        <a:rPr lang="en-US" sz="1600" dirty="0" smtClean="0">
-                          <a:latin typeface="Times New Roman" panose="02020603050405020304" pitchFamily="18" charset="0"/>
-                          <a:cs typeface="Times New Roman" panose="02020603050405020304" pitchFamily="18" charset="0"/>
-                        </a:rPr>
-                        <a:t>Dual Stack Protocol</a:t>
-                      </a:r>
-                      <a:br>
-                        <a:rPr lang="en-US" sz="1600" dirty="0" smtClean="0">
-                          <a:latin typeface="Times New Roman" panose="02020603050405020304" pitchFamily="18" charset="0"/>
-                          <a:cs typeface="Times New Roman" panose="02020603050405020304" pitchFamily="18" charset="0"/>
-                        </a:rPr>
-                      </a:br>
-                      <a:r>
-                        <a:rPr lang="en-US" sz="1600" b="0" i="0" kern="1200" dirty="0" smtClean="0">
-                          <a:solidFill>
-                            <a:schemeClr val="dk1"/>
-                          </a:solidFill>
-                          <a:effectLst/>
-                          <a:latin typeface="Times New Roman" panose="02020603050405020304" pitchFamily="18" charset="0"/>
-                          <a:ea typeface="+mn-ea"/>
-                          <a:cs typeface="Times New Roman" panose="02020603050405020304" pitchFamily="18" charset="0"/>
-                        </a:rPr>
-                        <a:t> - transferring of data from IPv4 network to IPv6 network in both static and dynamic routing</a:t>
-                      </a:r>
-                      <a:endParaRPr lang="en-US" sz="1600" dirty="0">
-                        <a:latin typeface="Times New Roman" panose="02020603050405020304" pitchFamily="18" charset="0"/>
-                        <a:cs typeface="Times New Roman" panose="02020603050405020304" pitchFamily="18" charset="0"/>
-                      </a:endParaRPr>
-                    </a:p>
-                  </a:txBody>
-                  <a:tcPr/>
-                </a:tc>
-                <a:tc>
-                  <a:txBody>
-                    <a:bodyPr/>
-                    <a:lstStyle/>
-                    <a:p>
-                      <a:r>
-                        <a:rPr lang="en-US" sz="1800" b="0" i="0" kern="1200" dirty="0" smtClean="0">
-                          <a:solidFill>
-                            <a:schemeClr val="dk1"/>
-                          </a:solidFill>
-                          <a:effectLst/>
-                          <a:latin typeface="Times New Roman" panose="02020603050405020304" pitchFamily="18" charset="0"/>
-                          <a:ea typeface="+mn-ea"/>
-                          <a:cs typeface="Times New Roman" panose="02020603050405020304" pitchFamily="18" charset="0"/>
-                        </a:rPr>
-                        <a:t> </a:t>
-                      </a:r>
-                      <a:r>
-                        <a:rPr lang="en-US" sz="1600" b="0" i="0" kern="1200" dirty="0" smtClean="0">
-                          <a:solidFill>
-                            <a:schemeClr val="dk1"/>
-                          </a:solidFill>
-                          <a:effectLst/>
-                          <a:latin typeface="Times New Roman" panose="02020603050405020304" pitchFamily="18" charset="0"/>
-                          <a:ea typeface="+mn-ea"/>
-                          <a:cs typeface="Times New Roman" panose="02020603050405020304" pitchFamily="18" charset="0"/>
-                        </a:rPr>
-                        <a:t>Dynamic IPv4 has least minimum &amp; average round trip delay and Dynamic IPv6 has least maximum round trip delay. </a:t>
-                      </a:r>
-                      <a:endParaRPr lang="en-US" sz="1600" dirty="0">
-                        <a:latin typeface="Times New Roman" panose="02020603050405020304" pitchFamily="18" charset="0"/>
-                        <a:cs typeface="Times New Roman" panose="02020603050405020304" pitchFamily="18" charset="0"/>
-                      </a:endParaRPr>
-                    </a:p>
-                  </a:txBody>
-                  <a:tcPr/>
-                </a:tc>
-              </a:tr>
-            </a:tbl>
-          </a:graphicData>
-        </a:graphic>
-      </p:graphicFrame>
-    </p:spTree>
-    <p:extLst>
-      <p:ext uri="{BB962C8B-B14F-4D97-AF65-F5344CB8AC3E}">
-        <p14:creationId xmlns:p14="http://schemas.microsoft.com/office/powerpoint/2010/main" val="4182899405"/>
-      </p:ext>
-    </p:extLst>
-  </p:cSld>
-  <p:clrMapOvr>
-    <a:masterClrMapping/>
-  </p:clrMapOvr>
-  <p:timing>
-    <p:tnLst>
-      <p:par>
-        <p:cTn id="1" dur="indefinite" restart="never" nodeType="tmRoot"/>
-      </p:par>
-    </p:tnLst>
-  </p:timing>
-</p:sld>
-</file>
-
-<file path=ppt/slides/slide5.xml><?xml version="1.0" encoding="utf-8"?>
-<p:sld xmlns:a="http://schemas.openxmlformats.org/drawingml/2006/main" xmlns:r="http://schemas.openxmlformats.org/officeDocument/2006/relationships" xmlns:p="http://schemas.openxmlformats.org/presentationml/2006/main">
-  <p:cSld>
-    <p:spTree>
-      <p:nvGrpSpPr>
-        <p:cNvPr id="1" name=""/>
-        <p:cNvGrpSpPr/>
-        <p:nvPr/>
-      </p:nvGrpSpPr>
-      <p:grpSpPr>
-        <a:xfrm>
-          <a:off x="0" y="0"/>
-          <a:ext cx="0" cy="0"/>
-          <a:chOff x="0" y="0"/>
-          <a:chExt cx="0" cy="0"/>
-        </a:xfrm>
-      </p:grpSpPr>
-      <p:sp>
-        <p:nvSpPr>
-          <p:cNvPr id="4" name="Date Placeholder 3"/>
-          <p:cNvSpPr>
-            <a:spLocks noGrp="1"/>
-          </p:cNvSpPr>
-          <p:nvPr>
-            <p:ph type="dt" sz="half" idx="10"/>
-          </p:nvPr>
-        </p:nvSpPr>
-        <p:spPr/>
-        <p:txBody>
-          <a:bodyPr/>
-          <a:lstStyle/>
-          <a:p>
-            <a:fld id="{05229871-6294-4FDC-ADFB-03568C29F7D6}" type="datetime1">
-              <a:rPr lang="en-US" smtClean="0"/>
-              <a:t>21-Sep-21</a:t>
-            </a:fld>
-            <a:endParaRPr lang="en-US"/>
-          </a:p>
-        </p:txBody>
-      </p:sp>
-      <p:sp>
-        <p:nvSpPr>
-          <p:cNvPr id="5" name="Footer Placeholder 4"/>
-          <p:cNvSpPr>
-            <a:spLocks noGrp="1"/>
-          </p:cNvSpPr>
-          <p:nvPr>
-            <p:ph type="ftr" sz="quarter" idx="11"/>
-          </p:nvPr>
-        </p:nvSpPr>
-        <p:spPr/>
-        <p:txBody>
-          <a:bodyPr/>
-          <a:lstStyle/>
-          <a:p>
-            <a:r>
-              <a:rPr lang="en-US" smtClean="0"/>
-              <a:t>Dept. of ECE, NMIT, Bangalore-64</a:t>
-            </a:r>
-            <a:endParaRPr lang="en-US"/>
-          </a:p>
-        </p:txBody>
-      </p:sp>
-      <p:sp>
-        <p:nvSpPr>
-          <p:cNvPr id="6" name="Slide Number Placeholder 5"/>
-          <p:cNvSpPr>
-            <a:spLocks noGrp="1"/>
-          </p:cNvSpPr>
-          <p:nvPr>
-            <p:ph type="sldNum" sz="quarter" idx="12"/>
-          </p:nvPr>
-        </p:nvSpPr>
-        <p:spPr/>
-        <p:txBody>
-          <a:bodyPr/>
-          <a:lstStyle/>
-          <a:p>
-            <a:fld id="{B6F15528-21DE-4FAA-801E-634DDDAF4B2B}" type="slidenum">
-              <a:rPr lang="en-US" smtClean="0"/>
-              <a:pPr/>
-              <a:t>5</a:t>
-            </a:fld>
-            <a:endParaRPr lang="en-US"/>
-          </a:p>
-        </p:txBody>
-      </p:sp>
-      <p:graphicFrame>
-        <p:nvGraphicFramePr>
-          <p:cNvPr id="7" name="Table 6"/>
-          <p:cNvGraphicFramePr>
-            <a:graphicFrameLocks noGrp="1"/>
-          </p:cNvGraphicFramePr>
-          <p:nvPr>
-            <p:extLst>
-              <p:ext uri="{D42A27DB-BD31-4B8C-83A1-F6EECF244321}">
-                <p14:modId xmlns:p14="http://schemas.microsoft.com/office/powerpoint/2010/main" val="2342167019"/>
-              </p:ext>
-            </p:extLst>
-          </p:nvPr>
-        </p:nvGraphicFramePr>
-        <p:xfrm>
-          <a:off x="762000" y="533400"/>
-          <a:ext cx="7391400" cy="4480560"/>
-        </p:xfrm>
-        <a:graphic>
-          <a:graphicData uri="http://schemas.openxmlformats.org/drawingml/2006/table">
-            <a:tbl>
-              <a:tblPr firstRow="1" bandRow="1">
-                <a:tableStyleId>{5C22544A-7EE6-4342-B048-85BDC9FD1C3A}</a:tableStyleId>
-              </a:tblPr>
-              <a:tblGrid>
-                <a:gridCol w="1478280"/>
-                <a:gridCol w="1478280"/>
-                <a:gridCol w="1506172"/>
-                <a:gridCol w="1450388"/>
-                <a:gridCol w="1478280"/>
-              </a:tblGrid>
-              <a:tr h="655597">
-                <a:tc>
-                  <a:txBody>
-                    <a:bodyPr/>
-                    <a:lstStyle/>
-                    <a:p>
-                      <a:r>
-                        <a:rPr lang="en-US" dirty="0" smtClean="0"/>
-                        <a:t>Title</a:t>
-                      </a:r>
-                      <a:endParaRPr lang="en-US" dirty="0"/>
-                    </a:p>
-                  </a:txBody>
-                  <a:tcPr/>
-                </a:tc>
-                <a:tc>
-                  <a:txBody>
-                    <a:bodyPr/>
-                    <a:lstStyle/>
-                    <a:p>
-                      <a:r>
-                        <a:rPr lang="en-US" dirty="0" smtClean="0"/>
-                        <a:t>Author Name</a:t>
-                      </a:r>
-                      <a:endParaRPr lang="en-US" dirty="0"/>
-                    </a:p>
-                  </a:txBody>
-                  <a:tcPr/>
-                </a:tc>
-                <a:tc>
-                  <a:txBody>
-                    <a:bodyPr/>
-                    <a:lstStyle/>
-                    <a:p>
-                      <a:r>
-                        <a:rPr lang="en-US" sz="2000" dirty="0" smtClean="0"/>
-                        <a:t>Citation</a:t>
-                      </a:r>
-                      <a:endParaRPr lang="en-US" sz="2000" dirty="0"/>
-                    </a:p>
-                  </a:txBody>
-                  <a:tcPr/>
-                </a:tc>
-                <a:tc>
-                  <a:txBody>
-                    <a:bodyPr/>
-                    <a:lstStyle/>
-                    <a:p>
-                      <a:pPr marL="0" marR="0" indent="0" algn="l" defTabSz="914400" rtl="0" eaLnBrk="1" fontAlgn="auto" latinLnBrk="0" hangingPunct="1">
-                        <a:lnSpc>
-                          <a:spcPct val="100000"/>
-                        </a:lnSpc>
-                        <a:spcBef>
-                          <a:spcPts val="0"/>
-                        </a:spcBef>
-                        <a:spcAft>
-                          <a:spcPts val="0"/>
-                        </a:spcAft>
-                        <a:buClrTx/>
-                        <a:buSzTx/>
-                        <a:buFontTx/>
-                        <a:buNone/>
-                        <a:tabLst/>
-                        <a:defRPr/>
-                      </a:pPr>
-                      <a:r>
-                        <a:rPr lang="en-US" dirty="0" smtClean="0"/>
-                        <a:t>Algorithms/Techniques</a:t>
-                      </a:r>
-                      <a:r>
-                        <a:rPr lang="en-US" baseline="0" dirty="0" smtClean="0"/>
-                        <a:t> </a:t>
-                      </a:r>
-                      <a:endParaRPr lang="en-US" dirty="0" smtClean="0"/>
-                    </a:p>
-                    <a:p>
-                      <a:endParaRPr lang="en-US" dirty="0"/>
-                    </a:p>
-                  </a:txBody>
-                  <a:tcPr/>
-                </a:tc>
-                <a:tc>
-                  <a:txBody>
-                    <a:bodyPr/>
-                    <a:lstStyle/>
-                    <a:p>
-                      <a:r>
-                        <a:rPr lang="en-US" dirty="0" smtClean="0"/>
-                        <a:t>Conclusion</a:t>
-                      </a:r>
-                      <a:endParaRPr lang="en-US" dirty="0"/>
-                    </a:p>
-                  </a:txBody>
-                  <a:tcPr/>
-                </a:tc>
-              </a:tr>
-              <a:tr h="2129638">
-                <a:tc>
-                  <a:txBody>
-                    <a:bodyPr/>
-                    <a:lstStyle/>
-                    <a:p>
-                      <a:pPr marL="0" marR="0" indent="0" algn="l" defTabSz="914400" rtl="0" eaLnBrk="1" fontAlgn="auto" latinLnBrk="0" hangingPunct="1">
-                        <a:lnSpc>
-                          <a:spcPct val="100000"/>
-                        </a:lnSpc>
-                        <a:spcBef>
-                          <a:spcPts val="0"/>
-                        </a:spcBef>
-                        <a:spcAft>
-                          <a:spcPts val="0"/>
-                        </a:spcAft>
-                        <a:buClrTx/>
-                        <a:buSzTx/>
-                        <a:buFontTx/>
-                        <a:buNone/>
-                        <a:tabLst/>
-                        <a:defRPr/>
-                      </a:pPr>
-                      <a:r>
                         <a:rPr lang="en-US" sz="1600" b="1" i="0" kern="1200" dirty="0" smtClean="0">
                           <a:solidFill>
                             <a:schemeClr val="dk1"/>
@@ -10493,7 +9457,7 @@
                           <a:ea typeface="+mn-ea"/>
                           <a:cs typeface="Times New Roman" panose="02020603050405020304" pitchFamily="18" charset="0"/>
                         </a:rPr>
-                        <a:t>Performance comparison of Multimedia Applications over IPv4 and IPv6 Dual Stack technology</a:t>
+                        <a:t>Implementation and Test of PMIPv6 Dual Stack Protocol</a:t>
                       </a:r>
                     </a:p>
                     <a:p>
@@ -10533,11 +9497,11 @@
                             <a:schemeClr val="dk1"/>
                           </a:solidFill>
                           <a:effectLst/>
-                          <a:latin typeface="+mn-lt"/>
+                          <a:latin typeface="Times New Roman" panose="02020603050405020304" pitchFamily="18" charset="0"/>
                           <a:ea typeface="+mn-ea"/>
-                          <a:cs typeface="+mn-cs"/>
-                        </a:rPr>
-                        <a:t>Ummi</a:t>
+                          <a:cs typeface="Times New Roman" panose="02020603050405020304" pitchFamily="18" charset="0"/>
+                        </a:rPr>
+                        <a:t>Fei</a:t>
                       </a:r>
                       <a:r>
                         <a:rPr lang="en-US" sz="1800" b="0" i="0" u="none" strike="noStrike" kern="1200" dirty="0" smtClean="0">
@@ -10545,9 +9509,9 @@
                             <a:schemeClr val="dk1"/>
                           </a:solidFill>
                           <a:effectLst/>
-                          <a:latin typeface="+mn-lt"/>
+                          <a:latin typeface="Times New Roman" panose="02020603050405020304" pitchFamily="18" charset="0"/>
                           <a:ea typeface="+mn-ea"/>
-                          <a:cs typeface="+mn-cs"/>
+                          <a:cs typeface="Times New Roman" panose="02020603050405020304" pitchFamily="18" charset="0"/>
                         </a:rPr>
                         <a:t> </a:t>
                       </a:r>
@@ -10557,11 +9521,35 @@
                             <a:schemeClr val="dk1"/>
                           </a:solidFill>
                           <a:effectLst/>
-                          <a:latin typeface="+mn-lt"/>
+                          <a:latin typeface="Times New Roman" panose="02020603050405020304" pitchFamily="18" charset="0"/>
                           <a:ea typeface="+mn-ea"/>
-                          <a:cs typeface="+mn-cs"/>
-                        </a:rPr>
-                        <a:t>Suraya</a:t>
+                          <a:cs typeface="Times New Roman" panose="02020603050405020304" pitchFamily="18" charset="0"/>
+                        </a:rPr>
+                        <a:t>Ren</a:t>
+                      </a:r>
+                      <a:r>
+                        <a:rPr lang="en-US" sz="1800" b="0" i="0" kern="1200" dirty="0" smtClean="0">
+                          <a:solidFill>
+                            <a:schemeClr val="dk1"/>
+                          </a:solidFill>
+                          <a:effectLst/>
+                          <a:latin typeface="Times New Roman" panose="02020603050405020304" pitchFamily="18" charset="0"/>
+                          <a:ea typeface="+mn-ea"/>
+                          <a:cs typeface="Times New Roman" panose="02020603050405020304" pitchFamily="18" charset="0"/>
+                        </a:rPr>
+                        <a:t>; </a:t>
+                      </a:r>
+                      <a:r>
+                        <a:rPr lang="en-US" sz="1800" b="0" i="0" u="none" strike="noStrike" kern="1200" dirty="0" err="1" smtClean="0">
+                          <a:solidFill>
+                            <a:schemeClr val="dk1"/>
+                          </a:solidFill>
+                          <a:effectLst/>
+                          <a:latin typeface="Times New Roman" panose="02020603050405020304" pitchFamily="18" charset="0"/>
+                          <a:ea typeface="+mn-ea"/>
+                          <a:cs typeface="Times New Roman" panose="02020603050405020304" pitchFamily="18" charset="0"/>
+                        </a:rPr>
+                        <a:t>Huachun</a:t>
                       </a:r>
                       <a:r>
                         <a:rPr lang="en-US" sz="1800" b="0" i="0" u="none" strike="noStrike" kern="1200" dirty="0" smtClean="0">
@@ -10569,191 +9557,11 @@
                             <a:schemeClr val="dk1"/>
                           </a:solidFill>
                           <a:effectLst/>
-                          <a:latin typeface="+mn-lt"/>
+                          <a:latin typeface="Times New Roman" panose="02020603050405020304" pitchFamily="18" charset="0"/>
                           <a:ea typeface="+mn-ea"/>
-                          <a:cs typeface="+mn-cs"/>
-                        </a:rPr>
-                        <a:t> </a:t>
-                      </a:r>
-                      <a:r>
-                        <a:rPr lang="en-US" sz="1800" b="0" i="0" u="none" strike="noStrike" kern="1200" dirty="0" err="1" smtClean="0">
-                          <a:solidFill>
-                            <a:schemeClr val="dk1"/>
-                          </a:solidFill>
-                          <a:effectLst/>
-                          <a:latin typeface="+mn-lt"/>
-                          <a:ea typeface="+mn-ea"/>
-                          <a:cs typeface="+mn-cs"/>
-                        </a:rPr>
-                        <a:t>Shaharuddin</a:t>
-                      </a:r>
-                      <a:r>
-                        <a:rPr lang="en-US" sz="1800" b="0" i="0" kern="1200" dirty="0" smtClean="0">
-                          <a:solidFill>
-                            <a:schemeClr val="dk1"/>
-                          </a:solidFill>
-                          <a:effectLst/>
-                          <a:latin typeface="+mn-lt"/>
-                          <a:ea typeface="+mn-ea"/>
-                          <a:cs typeface="+mn-cs"/>
-                        </a:rPr>
-                        <a:t>; </a:t>
-                      </a:r>
-                      <a:r>
-                        <a:rPr lang="en-US" sz="1800" b="0" i="0" u="none" strike="noStrike" kern="1200" dirty="0" err="1" smtClean="0">
-                          <a:solidFill>
-                            <a:schemeClr val="dk1"/>
-                          </a:solidFill>
-                          <a:effectLst/>
-                          <a:latin typeface="+mn-lt"/>
-                          <a:ea typeface="+mn-ea"/>
-                          <a:cs typeface="+mn-cs"/>
-                        </a:rPr>
-                        <a:t>Ruhani</a:t>
-                      </a:r>
-                      <a:r>
-                        <a:rPr lang="en-US" sz="1800" b="0" i="0" u="none" strike="noStrike" kern="1200" dirty="0" smtClean="0">
-                          <a:solidFill>
-                            <a:schemeClr val="dk1"/>
-                          </a:solidFill>
-                          <a:effectLst/>
-                          <a:latin typeface="+mn-lt"/>
-                          <a:ea typeface="+mn-ea"/>
-                          <a:cs typeface="+mn-cs"/>
-                        </a:rPr>
-                        <a:t> </a:t>
-                      </a:r>
-                      <a:r>
-                        <a:rPr lang="en-US" sz="1800" b="0" i="0" u="none" strike="noStrike" kern="1200" dirty="0" err="1" smtClean="0">
-                          <a:solidFill>
-                            <a:schemeClr val="dk1"/>
-                          </a:solidFill>
-                          <a:effectLst/>
-                          <a:latin typeface="+mn-lt"/>
-                          <a:ea typeface="+mn-ea"/>
-                          <a:cs typeface="+mn-cs"/>
-                        </a:rPr>
-                        <a:t>Ab</a:t>
-                      </a:r>
-                      <a:r>
-                        <a:rPr lang="en-US" sz="1800" b="0" i="0" u="none" strike="noStrike" kern="1200" dirty="0" smtClean="0">
-                          <a:solidFill>
-                            <a:schemeClr val="dk1"/>
-                          </a:solidFill>
-                          <a:effectLst/>
-                          <a:latin typeface="+mn-lt"/>
-                          <a:ea typeface="+mn-ea"/>
-                          <a:cs typeface="+mn-cs"/>
-                        </a:rPr>
-                        <a:t> Rahman</a:t>
-                      </a:r>
-                      <a:r>
-                        <a:rPr lang="en-US" sz="1800" b="0" i="0" kern="1200" dirty="0" smtClean="0">
-                          <a:solidFill>
-                            <a:schemeClr val="dk1"/>
-                          </a:solidFill>
-                          <a:effectLst/>
-                          <a:latin typeface="+mn-lt"/>
-                          <a:ea typeface="+mn-ea"/>
-                          <a:cs typeface="+mn-cs"/>
-                        </a:rPr>
-                        <a:t>; </a:t>
-                      </a:r>
-                      <a:r>
-                        <a:rPr lang="en-US" sz="1800" b="0" i="0" u="none" strike="noStrike" kern="1200" dirty="0" err="1" smtClean="0">
-                          <a:solidFill>
-                            <a:schemeClr val="dk1"/>
-                          </a:solidFill>
-                          <a:effectLst/>
-                          <a:latin typeface="+mn-lt"/>
-                          <a:ea typeface="+mn-ea"/>
-                          <a:cs typeface="+mn-cs"/>
-                        </a:rPr>
-                        <a:t>Murizah</a:t>
-                      </a:r>
-                      <a:r>
-                        <a:rPr lang="en-US" sz="1800" b="0" i="0" u="none" strike="noStrike" kern="1200" dirty="0" smtClean="0">
-                          <a:solidFill>
-                            <a:schemeClr val="dk1"/>
-                          </a:solidFill>
-                          <a:effectLst/>
-                          <a:latin typeface="+mn-lt"/>
-                          <a:ea typeface="+mn-ea"/>
-                          <a:cs typeface="+mn-cs"/>
-                        </a:rPr>
-                        <a:t> </a:t>
-                      </a:r>
-                      <a:r>
-                        <a:rPr lang="en-US" sz="1800" b="0" i="0" u="none" strike="noStrike" kern="1200" dirty="0" err="1" smtClean="0">
-                          <a:solidFill>
-                            <a:schemeClr val="dk1"/>
-                          </a:solidFill>
-                          <a:effectLst/>
-                          <a:latin typeface="+mn-lt"/>
-                          <a:ea typeface="+mn-ea"/>
-                          <a:cs typeface="+mn-cs"/>
-                        </a:rPr>
-                        <a:t>Kassim</a:t>
-                      </a:r>
-                      <a:r>
-                        <a:rPr lang="en-US" sz="1800" b="0" i="0" kern="1200" dirty="0" smtClean="0">
-                          <a:solidFill>
-                            <a:schemeClr val="dk1"/>
-                          </a:solidFill>
-                          <a:effectLst/>
-                          <a:latin typeface="+mn-lt"/>
-                          <a:ea typeface="+mn-ea"/>
-                          <a:cs typeface="+mn-cs"/>
-                        </a:rPr>
-                        <a:t>; </a:t>
-                      </a:r>
-                      <a:r>
-                        <a:rPr lang="en-US" sz="1800" b="0" i="0" u="none" strike="noStrike" kern="1200" dirty="0" smtClean="0">
-                          <a:solidFill>
-                            <a:schemeClr val="dk1"/>
-                          </a:solidFill>
-                          <a:effectLst/>
-                          <a:latin typeface="+mn-lt"/>
-                          <a:ea typeface="+mn-ea"/>
-                          <a:cs typeface="+mn-cs"/>
-                        </a:rPr>
-                        <a:t>Mat </a:t>
-                      </a:r>
-                      <a:r>
-                        <a:rPr lang="en-US" sz="1800" b="0" i="0" u="none" strike="noStrike" kern="1200" dirty="0" err="1" smtClean="0">
-                          <a:solidFill>
-                            <a:schemeClr val="dk1"/>
-                          </a:solidFill>
-                          <a:effectLst/>
-                          <a:latin typeface="+mn-lt"/>
-                          <a:ea typeface="+mn-ea"/>
-                          <a:cs typeface="+mn-cs"/>
-                        </a:rPr>
-                        <a:t>Ikram</a:t>
-                      </a:r>
-                      <a:r>
-                        <a:rPr lang="en-US" sz="1800" b="0" i="0" u="none" strike="noStrike" kern="1200" dirty="0" smtClean="0">
-                          <a:solidFill>
-                            <a:schemeClr val="dk1"/>
-                          </a:solidFill>
-                          <a:effectLst/>
-                          <a:latin typeface="+mn-lt"/>
-                          <a:ea typeface="+mn-ea"/>
-                          <a:cs typeface="+mn-cs"/>
-                        </a:rPr>
-                        <a:t> </a:t>
-                      </a:r>
-                      <a:r>
-                        <a:rPr lang="en-US" sz="1800" b="0" i="0" u="none" strike="noStrike" kern="1200" dirty="0" err="1" smtClean="0">
-                          <a:solidFill>
-                            <a:schemeClr val="dk1"/>
-                          </a:solidFill>
-                          <a:effectLst/>
-                          <a:latin typeface="+mn-lt"/>
-                          <a:ea typeface="+mn-ea"/>
-                          <a:cs typeface="+mn-cs"/>
-                        </a:rPr>
-                        <a:t>Yusof</a:t>
+                          <a:cs typeface="Times New Roman" panose="02020603050405020304" pitchFamily="18" charset="0"/>
+                        </a:rPr>
+                        <a:t> Zhou</a:t>
                       </a:r>
                       <a:endParaRPr lang="en-US" sz="1600" dirty="0">
                         <a:latin typeface="Times New Roman" panose="02020603050405020304" pitchFamily="18" charset="0"/>
@@ -10769,88 +9577,25 @@
                     <a:lstStyle/>
                     <a:p>
                       <a:r>
+                        <a:rPr lang="en-US" sz="1200" dirty="0" smtClean="0">
+                          <a:latin typeface="Times New Roman" panose="02020603050405020304" pitchFamily="18" charset="0"/>
+                          <a:cs typeface="Times New Roman" panose="02020603050405020304" pitchFamily="18" charset="0"/>
+                        </a:rPr>
+                        <a:t>F. </a:t>
+                      </a:r>
+                      <a:r>
                         <a:rPr lang="en-US" sz="1200" dirty="0" err="1" smtClean="0">
                           <a:latin typeface="Times New Roman" panose="02020603050405020304" pitchFamily="18" charset="0"/>
                           <a:cs typeface="Times New Roman" panose="02020603050405020304" pitchFamily="18" charset="0"/>
                         </a:rPr>
-                        <a:t>Ummi</a:t>
+                        <a:t>Ren</a:t>
                       </a:r>
                       <a:r>
                         <a:rPr lang="en-US" sz="1200" dirty="0" smtClean="0">
                           <a:latin typeface="Times New Roman" panose="02020603050405020304" pitchFamily="18" charset="0"/>
                           <a:cs typeface="Times New Roman" panose="02020603050405020304" pitchFamily="18" charset="0"/>
                         </a:rPr>
-                        <a:t> </a:t>
-                      </a:r>
-                      <a:r>
-                        <a:rPr lang="en-US" sz="1200" dirty="0" err="1" smtClean="0">
-                          <a:latin typeface="Times New Roman" panose="02020603050405020304" pitchFamily="18" charset="0"/>
-                          <a:cs typeface="Times New Roman" panose="02020603050405020304" pitchFamily="18" charset="0"/>
-                        </a:rPr>
-                        <a:t>Suraya</a:t>
-                      </a:r>
-                      <a:r>
-                        <a:rPr lang="en-US" sz="1200" dirty="0" smtClean="0">
-                          <a:latin typeface="Times New Roman" panose="02020603050405020304" pitchFamily="18" charset="0"/>
-                          <a:cs typeface="Times New Roman" panose="02020603050405020304" pitchFamily="18" charset="0"/>
-                        </a:rPr>
-                        <a:t> </a:t>
-                      </a:r>
-                      <a:r>
-                        <a:rPr lang="en-US" sz="1200" dirty="0" err="1" smtClean="0">
-                          <a:latin typeface="Times New Roman" panose="02020603050405020304" pitchFamily="18" charset="0"/>
-                          <a:cs typeface="Times New Roman" panose="02020603050405020304" pitchFamily="18" charset="0"/>
-                        </a:rPr>
-                        <a:t>Shaharuddin</a:t>
-                      </a:r>
-                      <a:r>
-                        <a:rPr lang="en-US" sz="1200" dirty="0" smtClean="0">
-                          <a:latin typeface="Times New Roman" panose="02020603050405020304" pitchFamily="18" charset="0"/>
-                          <a:cs typeface="Times New Roman" panose="02020603050405020304" pitchFamily="18" charset="0"/>
-                        </a:rPr>
-                        <a:t>, R. </a:t>
-                      </a:r>
-                      <a:r>
-                        <a:rPr lang="en-US" sz="1200" dirty="0" err="1" smtClean="0">
-                          <a:latin typeface="Times New Roman" panose="02020603050405020304" pitchFamily="18" charset="0"/>
-                          <a:cs typeface="Times New Roman" panose="02020603050405020304" pitchFamily="18" charset="0"/>
-                        </a:rPr>
-                        <a:t>Ab</a:t>
-                      </a:r>
-                      <a:r>
-                        <a:rPr lang="en-US" sz="1200" dirty="0" smtClean="0">
-                          <a:latin typeface="Times New Roman" panose="02020603050405020304" pitchFamily="18" charset="0"/>
-                          <a:cs typeface="Times New Roman" panose="02020603050405020304" pitchFamily="18" charset="0"/>
-                        </a:rPr>
-                        <a:t> Rahman, M. </a:t>
-                      </a:r>
-                      <a:r>
-                        <a:rPr lang="en-US" sz="1200" dirty="0" err="1" smtClean="0">
-                          <a:latin typeface="Times New Roman" panose="02020603050405020304" pitchFamily="18" charset="0"/>
-                          <a:cs typeface="Times New Roman" panose="02020603050405020304" pitchFamily="18" charset="0"/>
-                        </a:rPr>
-                        <a:t>Kassim</a:t>
-                      </a:r>
-                      <a:r>
-                        <a:rPr lang="en-US" sz="1200" dirty="0" smtClean="0">
-                          <a:latin typeface="Times New Roman" panose="02020603050405020304" pitchFamily="18" charset="0"/>
-                          <a:cs typeface="Times New Roman" panose="02020603050405020304" pitchFamily="18" charset="0"/>
-                        </a:rPr>
-                        <a:t> and M. I. </a:t>
-                      </a:r>
-                      <a:r>
-                        <a:rPr lang="en-US" sz="1200" dirty="0" err="1" smtClean="0">
-                          <a:latin typeface="Times New Roman" panose="02020603050405020304" pitchFamily="18" charset="0"/>
-                          <a:cs typeface="Times New Roman" panose="02020603050405020304" pitchFamily="18" charset="0"/>
-                        </a:rPr>
-                        <a:t>Yusof</a:t>
-                      </a:r>
-                      <a:r>
-                        <a:rPr lang="en-US" sz="1200" dirty="0" smtClean="0">
-                          <a:latin typeface="Times New Roman" panose="02020603050405020304" pitchFamily="18" charset="0"/>
-                          <a:cs typeface="Times New Roman" panose="02020603050405020304" pitchFamily="18" charset="0"/>
-                        </a:rPr>
-                        <a:t>, "Performance comparison of Multimedia Applications over IPv4 and IPv6 Dual Stack technology," 2016 6th International Conference on System Engineering and Technology (ICSET), 2016, pp. 1-6, doi: 10.1109/ICSEngT.2016.7849613.</a:t>
+                        <a:t> and H. Zhou, "Implementation and Test of PMIPv6 Dual Stack Protocol," 2012 Sixth International Conference on Innovative Mobile and Internet Services in Ubiquitous Computing, 2012, pp. 305-310, doi: 10.1109/IMIS.2012.67.</a:t>
                       </a:r>
                       <a:endParaRPr lang="en-US" sz="1200" dirty="0">
                         <a:latin typeface="Times New Roman" panose="02020603050405020304" pitchFamily="18" charset="0"/>
@@ -10875,7 +9620,19 @@
                           <a:ea typeface="+mn-ea"/>
                           <a:cs typeface="Times New Roman" panose="02020603050405020304" pitchFamily="18" charset="0"/>
                         </a:rPr>
-                        <a:t>RIPv2 routing protocol for both GNS3 simulation and Cisco hardware routers</a:t>
+                        <a:t>Proxy Mobile IPv6 Dual Stack, which is easy, dynamic, scalable, and manageable, enabling the integration of IPv4 and IPv6</a:t>
+                      </a:r>
+                      <a:r>
+                        <a:rPr lang="en-US" sz="1600" b="0" i="0" kern="1200" dirty="0" smtClean="0">
+                          <a:solidFill>
+                            <a:schemeClr val="dk1"/>
+                          </a:solidFill>
+                          <a:effectLst/>
+                          <a:latin typeface="+mn-lt"/>
+                          <a:ea typeface="+mn-ea"/>
+                          <a:cs typeface="+mn-cs"/>
+                        </a:rPr>
+                        <a:t>.</a:t>
                       </a:r>
                       <a:endParaRPr lang="en-US" sz="1600" dirty="0">
                         <a:latin typeface="Times New Roman" panose="02020603050405020304" pitchFamily="18" charset="0"/>
@@ -10891,7 +9648,7 @@
                     <a:lstStyle/>
                     <a:p>
                       <a:r>
-                        <a:rPr lang="en-US" sz="1600" b="0" i="0" kern="1200" dirty="0" smtClean="0">
+                        <a:rPr lang="en-US" sz="1400" b="0" i="0" kern="1200" dirty="0" smtClean="0">
                           <a:solidFill>
                             <a:schemeClr val="dk1"/>
                           </a:solidFill>
@@ -10900,9 +9657,23 @@
                           <a:ea typeface="+mn-ea"/>
                           <a:cs typeface="Times New Roman" panose="02020603050405020304" pitchFamily="18" charset="0"/>
                         </a:rPr>
-                        <a:t>IPv6 is better compared to IPv4 through Dual Stack protocol. Multimedia streaming data analysis proved that IPv6 is faster than IPv4 transmission with Dual stack protocol.</a:t>
-                      </a:r>
-                      <a:endParaRPr lang="en-US" sz="1600" dirty="0">
+                        <a:t>Proxy Mobile IPv6 Dual Stack technology allows mobile node which supports dual stack protocol to communicate through IPv6 or IPv4 network and resolves the problem of migrating from IPv4 to IPv6.</a:t>
+                      </a:r>
+                    </a:p>
+                    <a:p>
+                      <a:r>
+                        <a:rPr lang="en-US" sz="1400" b="0" i="0" kern="1200" dirty="0" smtClean="0">
+                          <a:solidFill>
+                            <a:schemeClr val="dk1"/>
+                          </a:solidFill>
+                          <a:effectLst/>
+                          <a:latin typeface="Times New Roman" panose="02020603050405020304" pitchFamily="18" charset="0"/>
+                          <a:ea typeface="+mn-ea"/>
+                          <a:cs typeface="Times New Roman" panose="02020603050405020304" pitchFamily="18" charset="0"/>
+                        </a:rPr>
+                        <a:t>Proxy Mobile IPv6 Dual Stack technology does not introduce more delay by expanding relevant models.</a:t>
+                      </a:r>
+                      <a:endParaRPr lang="en-US" sz="1400" dirty="0">
                         <a:latin typeface="Times New Roman" panose="02020603050405020304" pitchFamily="18" charset="0"/>
                         <a:cs typeface="Times New Roman" panose="02020603050405020304" pitchFamily="18" charset="0"/>
                       </a:endParaRPr>
@@ -10915,10 +9686,50 @@
           </a:graphicData>
         </a:graphic>
       </p:graphicFrame>
+      <p:sp>
+        <p:nvSpPr>
+          <p:cNvPr id="8" name="Title 1"/>
+          <p:cNvSpPr>
+            <a:spLocks noGrp="1"/>
+          </p:cNvSpPr>
+          <p:nvPr>
+            <p:ph type="title"/>
+          </p:nvPr>
+        </p:nvSpPr>
+        <p:spPr>
+          <a:xfrm>
+            <a:off x="457200" y="274638"/>
+            <a:ext cx="8229600" cy="1143000"/>
+          </a:xfrm>
+          <a:solidFill>
+            <a:srgbClr val="0000FF"/>
+          </a:solidFill>
+        </p:spPr>
+        <p:txBody>
+          <a:bodyPr/>
+          <a:lstStyle/>
+          <a:p>
+            <a:r>
+              <a:rPr lang="en-US" b="1" dirty="0">
+                <a:solidFill>
+                  <a:schemeClr val="bg1"/>
+                </a:solidFill>
+                <a:latin typeface="Times New Roman" pitchFamily="18" charset="0"/>
+                <a:cs typeface="Times New Roman" pitchFamily="18" charset="0"/>
+              </a:rPr>
+              <a:t>Literature Survey</a:t>
+            </a:r>
+            <a:endParaRPr lang="en-US" dirty="0">
+              <a:latin typeface="Times New Roman" pitchFamily="18" charset="0"/>
+              <a:cs typeface="Times New Roman" pitchFamily="18" charset="0"/>
+            </a:endParaRPr>
+          </a:p>
+        </p:txBody>
+      </p:sp>
     </p:spTree>
     <p:extLst>
       <p:ext uri="{BB962C8B-B14F-4D97-AF65-F5344CB8AC3E}">
-        <p14:creationId xmlns:p14="http://schemas.microsoft.com/office/powerpoint/2010/main" val="2426074611"/>
+        <p14:creationId xmlns:p14="http://schemas.microsoft.com/office/powerpoint/2010/main" val="1806910061"/>
       </p:ext>
     </p:extLst>
   </p:cSld>
@@ -10928,7 +9739,7 @@
 </p:sld>
 </file>
 
-<file path=ppt/slides/slide6.xml><?xml version="1.0" encoding="utf-8"?>
+<file path=ppt/slides/slide5.xml><?xml version="1.0" encoding="utf-8"?>
 <p:sld xmlns:a="http://schemas.openxmlformats.org/drawingml/2006/main" xmlns:r="http://schemas.openxmlformats.org/officeDocument/2006/relationships" xmlns:p="http://schemas.openxmlformats.org/presentationml/2006/main">
   <p:cSld>
     <p:spTree>
@@ -10962,7 +9773,7 @@
           <a:p>
             <a:fld id="{05229871-6294-4FDC-ADFB-03568C29F7D6}" type="datetime1">
               <a:rPr lang="en-US" smtClean="0"/>
-              <a:t>21-Sep-21</a:t>
+              <a:t>22-Sep-21</a:t>
             </a:fld>
             <a:endParaRPr lang="en-US"/>
           </a:p>
@@ -11009,7 +9820,7 @@
             <a:fld id="{B6F15528-21DE-4FAA-801E-634DDDAF4B2B}" type="slidenum">
               <a:rPr lang="en-US" smtClean="0"/>
               <a:pPr/>
-              <a:t>6</a:t>
+              <a:t>5</a:t>
             </a:fld>
             <a:endParaRPr lang="en-US"/>
           </a:p>
@@ -11024,14 +9835,14 @@
           <p:nvPr>
             <p:extLst>
               <p:ext uri="{D42A27DB-BD31-4B8C-83A1-F6EECF244321}">
-                <p14:modId xmlns:p14="http://schemas.microsoft.com/office/powerpoint/2010/main" val="2527124807"/>
+                <p14:modId xmlns:p14="http://schemas.microsoft.com/office/powerpoint/2010/main" val="3858197499"/>
               </p:ext>
             </p:extLst>
           </p:nvPr>
         </p:nvGraphicFramePr>
         <p:xfrm>
-          <a:off x="762000" y="533400"/>
-          <a:ext cx="7848600" cy="5394960"/>
+          <a:off x="685800" y="381000"/>
+          <a:ext cx="7848600" cy="5715000"/>
         </p:xfrm>
         <a:graphic>
           <a:graphicData uri="http://schemas.openxmlformats.org/drawingml/2006/table">
@@ -11046,7 +9857,7 @@
                 <a:gridCol w="1450388"/>
                 <a:gridCol w="1935480"/>
               </a:tblGrid>
-              <a:tr h="655597">
+              <a:tr h="1078302">
                 <a:tc>
                   <a:txBody>
                     <a:bodyPr/>
@@ -11142,7 +9953,7 @@
                   <a:tcPr/>
                 </a:tc>
               </a:tr>
-              <a:tr h="2129638">
+              <a:tr h="4636698">
                 <a:tc>
                   <a:txBody>
                     <a:bodyPr/>
@@ -11175,7 +9986,7 @@
                           <a:ea typeface="+mn-ea"/>
                           <a:cs typeface="Times New Roman" panose="02020603050405020304" pitchFamily="18" charset="0"/>
                         </a:rPr>
-                        <a:t>Implementation and Test of PMIPv6 Dual Stack Protocol</a:t>
+                        <a:t>The NAT64/DNS64 tool suite for IPv6 transition</a:t>
                       </a:r>
                     </a:p>
                     <a:p>
@@ -11210,7 +10021,7 @@
                     <a:lstStyle/>
                     <a:p>
                       <a:r>
-                        <a:rPr lang="en-US" sz="1800" b="0" i="0" u="none" strike="noStrike" kern="1200" dirty="0" err="1" smtClean="0">
+                        <a:rPr lang="en-US" sz="1600" b="0" i="0" u="none" strike="noStrike" kern="1200" dirty="0" smtClean="0">
                           <a:solidFill>
                             <a:schemeClr val="dk1"/>
                           </a:solidFill>
@@ -11219,10 +10030,10 @@
                           <a:ea typeface="+mn-ea"/>
                           <a:cs typeface="Times New Roman" panose="02020603050405020304" pitchFamily="18" charset="0"/>
                         </a:rPr>
-                        <a:t>Fei</a:t>
-                      </a:r>
-                      <a:r>
-                        <a:rPr lang="en-US" sz="1800" b="0" i="0" u="none" strike="noStrike" kern="1200" dirty="0" smtClean="0">
+                        <a:t>Marcelo </a:t>
+                      </a:r>
+                      <a:r>
+                        <a:rPr lang="en-US" sz="1600" b="0" i="0" u="none" strike="noStrike" kern="1200" dirty="0" err="1" smtClean="0">
                           <a:solidFill>
                             <a:schemeClr val="dk1"/>
                           </a:solidFill>
@@ -11231,10 +10042,10 @@
                           <a:ea typeface="+mn-ea"/>
                           <a:cs typeface="Times New Roman" panose="02020603050405020304" pitchFamily="18" charset="0"/>
                         </a:rPr>
-                        <a:t> </a:t>
-                      </a:r>
-                      <a:r>
-                        <a:rPr lang="en-US" sz="1800" b="0" i="0" u="none" strike="noStrike" kern="1200" dirty="0" err="1" smtClean="0">
+                        <a:t>Bagnulo</a:t>
+                      </a:r>
+                      <a:r>
+                        <a:rPr lang="en-US" sz="1600" b="0" i="0" kern="1200" dirty="0" smtClean="0">
                           <a:solidFill>
                             <a:schemeClr val="dk1"/>
                           </a:solidFill>
@@ -11243,10 +10054,10 @@
                           <a:ea typeface="+mn-ea"/>
                           <a:cs typeface="Times New Roman" panose="02020603050405020304" pitchFamily="18" charset="0"/>
                         </a:rPr>
-                        <a:t>Ren</a:t>
-                      </a:r>
-                      <a:r>
-                        <a:rPr lang="en-US" sz="1800" b="0" i="0" kern="1200" dirty="0" smtClean="0">
+                        <a:t>; </a:t>
+                      </a:r>
+                      <a:r>
+                        <a:rPr lang="en-US" sz="1600" b="0" i="0" u="none" strike="noStrike" kern="1200" dirty="0" smtClean="0">
                           <a:solidFill>
                             <a:schemeClr val="dk1"/>
                           </a:solidFill>
@@ -11255,10 +10066,10 @@
                           <a:ea typeface="+mn-ea"/>
                           <a:cs typeface="Times New Roman" panose="02020603050405020304" pitchFamily="18" charset="0"/>
                         </a:rPr>
-                        <a:t>; </a:t>
-                      </a:r>
-                      <a:r>
-                        <a:rPr lang="en-US" sz="1800" b="0" i="0" u="none" strike="noStrike" kern="1200" dirty="0" err="1" smtClean="0">
+                        <a:t>Alberto Garcia-Martinez</a:t>
+                      </a:r>
+                      <a:r>
+                        <a:rPr lang="en-US" sz="1600" b="0" i="0" kern="1200" dirty="0" smtClean="0">
                           <a:solidFill>
                             <a:schemeClr val="dk1"/>
                           </a:solidFill>
@@ -11267,10 +10078,10 @@
                           <a:ea typeface="+mn-ea"/>
                           <a:cs typeface="Times New Roman" panose="02020603050405020304" pitchFamily="18" charset="0"/>
                         </a:rPr>
-                        <a:t>Huachun</a:t>
-                      </a:r>
-                      <a:r>
-                        <a:rPr lang="en-US" sz="1800" b="0" i="0" u="none" strike="noStrike" kern="1200" dirty="0" smtClean="0">
+                        <a:t>; </a:t>
+                      </a:r>
+                      <a:r>
+                        <a:rPr lang="en-US" sz="1600" b="0" i="0" u="none" strike="noStrike" kern="1200" dirty="0" err="1" smtClean="0">
                           <a:solidFill>
                             <a:schemeClr val="dk1"/>
                           </a:solidFill>
@@ -11279,7 +10090,31 @@
                           <a:ea typeface="+mn-ea"/>
                           <a:cs typeface="Times New Roman" panose="02020603050405020304" pitchFamily="18" charset="0"/>
                         </a:rPr>
-                        <a:t> Zhou</a:t>
+                        <a:t>Iljitsch</a:t>
+                      </a:r>
+                      <a:r>
+                        <a:rPr lang="en-US" sz="1600" b="0" i="0" u="none" strike="noStrike" kern="1200" dirty="0" smtClean="0">
+                          <a:solidFill>
+                            <a:schemeClr val="dk1"/>
+                          </a:solidFill>
+                          <a:effectLst/>
+                          <a:latin typeface="Times New Roman" panose="02020603050405020304" pitchFamily="18" charset="0"/>
+                          <a:ea typeface="+mn-ea"/>
+                          <a:cs typeface="Times New Roman" panose="02020603050405020304" pitchFamily="18" charset="0"/>
+                        </a:rPr>
+                        <a:t> Van </a:t>
+                      </a:r>
+                      <a:r>
+                        <a:rPr lang="en-US" sz="1600" b="0" i="0" u="none" strike="noStrike" kern="1200" dirty="0" err="1" smtClean="0">
+                          <a:solidFill>
+                            <a:schemeClr val="dk1"/>
+                          </a:solidFill>
+                          <a:effectLst/>
+                          <a:latin typeface="Times New Roman" panose="02020603050405020304" pitchFamily="18" charset="0"/>
+                          <a:ea typeface="+mn-ea"/>
+                          <a:cs typeface="Times New Roman" panose="02020603050405020304" pitchFamily="18" charset="0"/>
+                        </a:rPr>
+                        <a:t>Beijnum</a:t>
                       </a:r>
                       <a:endParaRPr lang="en-US" sz="1600" dirty="0">
                         <a:latin typeface="Times New Roman" panose="02020603050405020304" pitchFamily="18" charset="0"/>
@@ -11299,21 +10134,35 @@
                           <a:latin typeface="Times New Roman" panose="02020603050405020304" pitchFamily="18" charset="0"/>
                           <a:cs typeface="Times New Roman" panose="02020603050405020304" pitchFamily="18" charset="0"/>
                         </a:rPr>
-                        <a:t>F. </a:t>
+                        <a:t>M. </a:t>
                       </a:r>
                       <a:r>
                         <a:rPr lang="en-US" sz="1200" dirty="0" err="1" smtClean="0">
                           <a:latin typeface="Times New Roman" panose="02020603050405020304" pitchFamily="18" charset="0"/>
                           <a:cs typeface="Times New Roman" panose="02020603050405020304" pitchFamily="18" charset="0"/>
                         </a:rPr>
-                        <a:t>Ren</a:t>
+                        <a:t>Bagnulo</a:t>
                       </a:r>
                       <a:r>
                         <a:rPr lang="en-US" sz="1200" dirty="0" smtClean="0">
                           <a:latin typeface="Times New Roman" panose="02020603050405020304" pitchFamily="18" charset="0"/>
                           <a:cs typeface="Times New Roman" panose="02020603050405020304" pitchFamily="18" charset="0"/>
                         </a:rPr>
-                        <a:t> and H. Zhou, "Implementation and Test of PMIPv6 Dual Stack Protocol," 2012 Sixth International Conference on Innovative Mobile and Internet Services in Ubiquitous Computing, 2012, pp. 305-310, doi: 10.1109/IMIS.2012.67.</a:t>
+                        <a:t>, A. Garcia-Martinez and I. V. </a:t>
+                      </a:r>
+                      <a:r>
+                        <a:rPr lang="en-US" sz="1200" dirty="0" err="1" smtClean="0">
+                          <a:latin typeface="Times New Roman" panose="02020603050405020304" pitchFamily="18" charset="0"/>
+                          <a:cs typeface="Times New Roman" panose="02020603050405020304" pitchFamily="18" charset="0"/>
+                        </a:rPr>
+                        <a:t>Beijnum</a:t>
+                      </a:r>
+                      <a:r>
+                        <a:rPr lang="en-US" sz="1200" dirty="0" smtClean="0">
+                          <a:latin typeface="Times New Roman" panose="02020603050405020304" pitchFamily="18" charset="0"/>
+                          <a:cs typeface="Times New Roman" panose="02020603050405020304" pitchFamily="18" charset="0"/>
+                        </a:rPr>
+                        <a:t>, "The NAT64/DNS64 tool suite for IPv6 transition," in IEEE Communications Magazine, vol. 50, no. 7, pp. 177-183, July 2012, doi: 10.1109/MCOM.2012.6231295.</a:t>
                       </a:r>
                       <a:endParaRPr lang="en-US" sz="1200" dirty="0">
                         <a:latin typeface="Times New Roman" panose="02020603050405020304" pitchFamily="18" charset="0"/>
@@ -11329,7 +10178,7 @@
                     <a:lstStyle/>
                     <a:p>
                       <a:r>
-                        <a:rPr lang="en-US" sz="1600" b="0" i="0" kern="1200" dirty="0" smtClean="0">
+                        <a:rPr lang="en-US" sz="1400" b="0" i="0" kern="1200" dirty="0" smtClean="0">
                           <a:solidFill>
                             <a:schemeClr val="dk1"/>
                           </a:solidFill>
@@ -11338,20 +10187,395 @@
                           <a:ea typeface="+mn-ea"/>
                           <a:cs typeface="Times New Roman" panose="02020603050405020304" pitchFamily="18" charset="0"/>
                         </a:rPr>
-                        <a:t>Proxy Mobile IPv6 Dual Stack, which is easy, dynamic, scalable, and manageable, enabling the integration of IPv4 and IPv6</a:t>
-                      </a:r>
-                      <a:r>
-                        <a:rPr lang="en-US" sz="1600" b="0" i="0" kern="1200" dirty="0" smtClean="0">
+                        <a:t>NAT64 (NAT-Network Address Translation)translates IPv6 packets into IPv4 packets and vice versa.</a:t>
+                      </a:r>
+                    </a:p>
+                    <a:p>
+                      <a:r>
+                        <a:rPr lang="en-US" sz="1400" b="0" i="0" kern="1200" dirty="0" smtClean="0">
                           <a:solidFill>
                             <a:schemeClr val="dk1"/>
                           </a:solidFill>
                           <a:effectLst/>
-                          <a:latin typeface="+mn-lt"/>
+                          <a:latin typeface="Times New Roman" panose="02020603050405020304" pitchFamily="18" charset="0"/>
                           <a:ea typeface="+mn-ea"/>
-                          <a:cs typeface="+mn-cs"/>
-                        </a:rPr>
-                        <a:t>.</a:t>
-                      </a:r>
+                          <a:cs typeface="Times New Roman" panose="02020603050405020304" pitchFamily="18" charset="0"/>
+                        </a:rPr>
+                        <a:t>Binding Information</a:t>
+                      </a:r>
+                      <a:r>
+                        <a:rPr lang="en-US" sz="1400" b="0" i="0" kern="1200" baseline="0" dirty="0" smtClean="0">
+                          <a:solidFill>
+                            <a:schemeClr val="dk1"/>
+                          </a:solidFill>
+                          <a:effectLst/>
+                          <a:latin typeface="Times New Roman" panose="02020603050405020304" pitchFamily="18" charset="0"/>
+                          <a:ea typeface="+mn-ea"/>
+                          <a:cs typeface="Times New Roman" panose="02020603050405020304" pitchFamily="18" charset="0"/>
+                        </a:rPr>
+                        <a:t> Base,</a:t>
+                      </a:r>
+                    </a:p>
+                    <a:p>
+                      <a:r>
+                        <a:rPr lang="en-US" sz="1400" b="0" i="0" kern="1200" baseline="0" dirty="0" smtClean="0">
+                          <a:solidFill>
+                            <a:schemeClr val="dk1"/>
+                          </a:solidFill>
+                          <a:effectLst/>
+                          <a:latin typeface="Times New Roman" panose="02020603050405020304" pitchFamily="18" charset="0"/>
+                          <a:ea typeface="+mn-ea"/>
+                          <a:cs typeface="Times New Roman" panose="02020603050405020304" pitchFamily="18" charset="0"/>
+                        </a:rPr>
+                        <a:t>Session Table,</a:t>
+                      </a:r>
+                    </a:p>
+                    <a:p>
+                      <a:r>
+                        <a:rPr lang="en-US" sz="1400" b="0" i="0" kern="1200" dirty="0" smtClean="0">
+                          <a:solidFill>
+                            <a:schemeClr val="dk1"/>
+                          </a:solidFill>
+                          <a:effectLst/>
+                          <a:latin typeface="Times New Roman" panose="02020603050405020304" pitchFamily="18" charset="0"/>
+                          <a:ea typeface="+mn-ea"/>
+                          <a:cs typeface="Times New Roman" panose="02020603050405020304" pitchFamily="18" charset="0"/>
+                        </a:rPr>
+                        <a:t>DNS64 synthesizes AAAA resource records (AAAA RRs) from A resource records (A RRs)</a:t>
+                      </a:r>
+                      <a:endParaRPr lang="en-US" sz="1400" dirty="0">
+                        <a:latin typeface="Times New Roman" panose="02020603050405020304" pitchFamily="18" charset="0"/>
+                        <a:cs typeface="Times New Roman" panose="02020603050405020304" pitchFamily="18" charset="0"/>
+                      </a:endParaRPr>
+                    </a:p>
+                  </a:txBody>
+                  <a:tcPr/>
+                </a:tc>
+                <a:tc>
+                  <a:txBody>
+                    <a:bodyPr/>
+                    <a:lstStyle/>
+                    <a:p>
+                      <a:r>
+                        <a:rPr lang="en-US" sz="1400" b="0" i="0" kern="1200" dirty="0" smtClean="0">
+                          <a:solidFill>
+                            <a:schemeClr val="dk1"/>
+                          </a:solidFill>
+                          <a:effectLst/>
+                          <a:latin typeface="Times New Roman" panose="02020603050405020304" pitchFamily="18" charset="0"/>
+                          <a:ea typeface="+mn-ea"/>
+                          <a:cs typeface="Times New Roman" panose="02020603050405020304" pitchFamily="18" charset="0"/>
+                        </a:rPr>
+                        <a:t>The DNS64/NAT64 manages explicitly only communications initiated from the IPv6 side. </a:t>
+                      </a:r>
+                    </a:p>
+                    <a:p>
+                      <a:r>
+                        <a:rPr lang="en-US" sz="1400" b="0" i="0" kern="1200" dirty="0" smtClean="0">
+                          <a:solidFill>
+                            <a:schemeClr val="dk1"/>
+                          </a:solidFill>
+                          <a:effectLst/>
+                          <a:latin typeface="Times New Roman" panose="02020603050405020304" pitchFamily="18" charset="0"/>
+                          <a:ea typeface="+mn-ea"/>
+                          <a:cs typeface="Times New Roman" panose="02020603050405020304" pitchFamily="18" charset="0"/>
+                        </a:rPr>
+                        <a:t>DNS64 is a full-fledged architectural component that is part of a DNS resolver, As such, it does not need to transparently intercept DNS queries. DNS64/NAT64 uses by default the Well-Known Prefix that allows having a globally valid IPv6 representation of an IPv4 address.</a:t>
+                      </a:r>
+                      <a:endParaRPr lang="en-US" sz="1400" dirty="0">
+                        <a:latin typeface="Times New Roman" panose="02020603050405020304" pitchFamily="18" charset="0"/>
+                        <a:cs typeface="Times New Roman" panose="02020603050405020304" pitchFamily="18" charset="0"/>
+                      </a:endParaRPr>
+                    </a:p>
+                  </a:txBody>
+                  <a:tcPr/>
+                </a:tc>
+              </a:tr>
+            </a:tbl>
+          </a:graphicData>
+        </a:graphic>
+      </p:graphicFrame>
+    </p:spTree>
+    <p:extLst>
+      <p:ext uri="{BB962C8B-B14F-4D97-AF65-F5344CB8AC3E}">
+        <p14:creationId xmlns:p14="http://schemas.microsoft.com/office/powerpoint/2010/main" val="2768559702"/>
+      </p:ext>
+    </p:extLst>
+  </p:cSld>
+  <p:clrMapOvr>
+    <a:masterClrMapping/>
+  </p:clrMapOvr>
+</p:sld>
+</file>
+
+<file path=ppt/slides/slide6.xml><?xml version="1.0" encoding="utf-8"?>
+<p:sld xmlns:a="http://schemas.openxmlformats.org/drawingml/2006/main" xmlns:r="http://schemas.openxmlformats.org/officeDocument/2006/relationships" xmlns:p="http://schemas.openxmlformats.org/presentationml/2006/main">
+  <p:cSld>
+    <p:spTree>
+      <p:nvGrpSpPr>
+        <p:cNvPr id="1" name=""/>
+        <p:cNvGrpSpPr/>
+        <p:nvPr/>
+      </p:nvGrpSpPr>
+      <p:grpSpPr>
+        <a:xfrm>
+          <a:off x="0" y="0"/>
+          <a:ext cx="0" cy="0"/>
+          <a:chOff x="0" y="0"/>
+          <a:chExt cx="0" cy="0"/>
+        </a:xfrm>
+      </p:grpSpPr>
+      <p:sp>
+        <p:nvSpPr>
+          <p:cNvPr id="4" name="Date Placeholder 3"/>
+          <p:cNvSpPr>
+            <a:spLocks noGrp="1"/>
+          </p:cNvSpPr>
+          <p:nvPr>
+            <p:ph type="dt" sz="half" idx="10"/>
+          </p:nvPr>
+        </p:nvSpPr>
+        <p:spPr/>
+        <p:txBody>
+          <a:bodyPr/>
+          <a:lstStyle/>
+          <a:p>
+            <a:fld id="{05229871-6294-4FDC-ADFB-03568C29F7D6}" type="datetime1">
+              <a:rPr lang="en-US" smtClean="0"/>
+              <a:t>22-Sep-21</a:t>
+            </a:fld>
+            <a:endParaRPr lang="en-US"/>
+          </a:p>
+        </p:txBody>
+      </p:sp>
+      <p:sp>
+        <p:nvSpPr>
+          <p:cNvPr id="5" name="Footer Placeholder 4"/>
+          <p:cNvSpPr>
+            <a:spLocks noGrp="1"/>
+          </p:cNvSpPr>
+          <p:nvPr>
+            <p:ph type="ftr" sz="quarter" idx="11"/>
+          </p:nvPr>
+        </p:nvSpPr>
+        <p:spPr/>
+        <p:txBody>
+          <a:bodyPr/>
+          <a:lstStyle/>
+          <a:p>
+            <a:r>
+              <a:rPr lang="en-US" smtClean="0"/>
+              <a:t>Dept. of ECE, NMIT, Bangalore-64</a:t>
+            </a:r>
+            <a:endParaRPr lang="en-US"/>
+          </a:p>
+        </p:txBody>
+      </p:sp>
+      <p:sp>
+        <p:nvSpPr>
+          <p:cNvPr id="6" name="Slide Number Placeholder 5"/>
+          <p:cNvSpPr>
+            <a:spLocks noGrp="1"/>
+          </p:cNvSpPr>
+          <p:nvPr>
+            <p:ph type="sldNum" sz="quarter" idx="12"/>
+          </p:nvPr>
+        </p:nvSpPr>
+        <p:spPr/>
+        <p:txBody>
+          <a:bodyPr/>
+          <a:lstStyle/>
+          <a:p>
+            <a:fld id="{B6F15528-21DE-4FAA-801E-634DDDAF4B2B}" type="slidenum">
+              <a:rPr lang="en-US" smtClean="0"/>
+              <a:pPr/>
+              <a:t>6</a:t>
+            </a:fld>
+            <a:endParaRPr lang="en-US"/>
+          </a:p>
+        </p:txBody>
+      </p:sp>
+      <p:graphicFrame>
+        <p:nvGraphicFramePr>
+          <p:cNvPr id="7" name="Table 6"/>
+          <p:cNvGraphicFramePr>
+            <a:graphicFrameLocks noGrp="1"/>
+          </p:cNvGraphicFramePr>
+          <p:nvPr>
+            <p:extLst>
+              <p:ext uri="{D42A27DB-BD31-4B8C-83A1-F6EECF244321}">
+                <p14:modId xmlns:p14="http://schemas.microsoft.com/office/powerpoint/2010/main" val="3378642374"/>
+              </p:ext>
+            </p:extLst>
+          </p:nvPr>
+        </p:nvGraphicFramePr>
+        <p:xfrm>
+          <a:off x="609600" y="1295400"/>
+          <a:ext cx="7848600" cy="3931920"/>
+        </p:xfrm>
+        <a:graphic>
+          <a:graphicData uri="http://schemas.openxmlformats.org/drawingml/2006/table">
+            <a:tbl>
+              <a:tblPr firstRow="1" bandRow="1">
+                <a:tableStyleId>{5C22544A-7EE6-4342-B048-85BDC9FD1C3A}</a:tableStyleId>
+              </a:tblPr>
+              <a:tblGrid>
+                <a:gridCol w="1478280"/>
+                <a:gridCol w="1478280"/>
+                <a:gridCol w="1506172"/>
+                <a:gridCol w="1450388"/>
+                <a:gridCol w="1935480"/>
+              </a:tblGrid>
+              <a:tr h="655597">
+                <a:tc>
+                  <a:txBody>
+                    <a:bodyPr/>
+                    <a:lstStyle/>
+                    <a:p>
+                      <a:r>
+                        <a:rPr lang="en-US" dirty="0" smtClean="0"/>
+                        <a:t>Title</a:t>
+                      </a:r>
+                      <a:endParaRPr lang="en-US" dirty="0"/>
+                    </a:p>
+                  </a:txBody>
+                  <a:tcPr/>
+                </a:tc>
+                <a:tc>
+                  <a:txBody>
+                    <a:bodyPr/>
+                    <a:lstStyle/>
+                    <a:p>
+                      <a:r>
+                        <a:rPr lang="en-US" dirty="0" smtClean="0"/>
+                        <a:t>Author Name</a:t>
+                      </a:r>
+                      <a:endParaRPr lang="en-US" dirty="0"/>
+                    </a:p>
+                  </a:txBody>
+                  <a:tcPr/>
+                </a:tc>
+                <a:tc>
+                  <a:txBody>
+                    <a:bodyPr/>
+                    <a:lstStyle/>
+                    <a:p>
+                      <a:r>
+                        <a:rPr lang="en-US" sz="2000" dirty="0" smtClean="0"/>
+                        <a:t>Citation</a:t>
+                      </a:r>
+                      <a:endParaRPr lang="en-US" sz="2000" dirty="0"/>
+                    </a:p>
+                  </a:txBody>
+                  <a:tcPr/>
+                </a:tc>
+                <a:tc>
+                  <a:txBody>
+                    <a:bodyPr/>
+                    <a:lstStyle/>
+                    <a:p>
+                      <a:pPr marL="0" marR="0" indent="0" algn="l" defTabSz="914400" rtl="0" eaLnBrk="1" fontAlgn="auto" latinLnBrk="0" hangingPunct="1">
+                        <a:lnSpc>
+                          <a:spcPct val="100000"/>
+                        </a:lnSpc>
+                        <a:spcBef>
+                          <a:spcPts val="0"/>
+                        </a:spcBef>
+                        <a:spcAft>
+                          <a:spcPts val="0"/>
+                        </a:spcAft>
+                        <a:buClrTx/>
+                        <a:buSzTx/>
+                        <a:buFontTx/>
+                        <a:buNone/>
+                        <a:tabLst/>
+                        <a:defRPr/>
+                      </a:pPr>
+                      <a:r>
+                        <a:rPr lang="en-US" dirty="0" smtClean="0"/>
+                        <a:t>Algorithms/Techniques</a:t>
+                      </a:r>
+                      <a:r>
+                        <a:rPr lang="en-US" baseline="0" dirty="0" smtClean="0"/>
+                        <a:t> </a:t>
+                      </a:r>
+                      <a:endParaRPr lang="en-US" dirty="0" smtClean="0"/>
+                    </a:p>
+                    <a:p>
+                      <a:endParaRPr lang="en-US" dirty="0"/>
+                    </a:p>
+                  </a:txBody>
+                  <a:tcPr/>
+                </a:tc>
+                <a:tc>
+                  <a:txBody>
+                    <a:bodyPr/>
+                    <a:lstStyle/>
+                    <a:p>
+                      <a:r>
+                        <a:rPr lang="en-US" dirty="0" smtClean="0"/>
+                        <a:t>Conclusion</a:t>
+                      </a:r>
+                      <a:endParaRPr lang="en-US" dirty="0"/>
+                    </a:p>
+                  </a:txBody>
+                  <a:tcPr/>
+                </a:tc>
+              </a:tr>
+              <a:tr h="2129638">
+                <a:tc>
+                  <a:txBody>
+                    <a:bodyPr/>
+                    <a:lstStyle/>
+                    <a:p>
+                      <a:pPr marL="0" marR="0" indent="0" algn="l" defTabSz="914400" rtl="0" eaLnBrk="1" fontAlgn="auto" latinLnBrk="0" hangingPunct="1">
+                        <a:lnSpc>
+                          <a:spcPct val="100000"/>
+                        </a:lnSpc>
+                        <a:spcBef>
+                          <a:spcPts val="0"/>
+                        </a:spcBef>
+                        <a:spcAft>
+                          <a:spcPts val="0"/>
+                        </a:spcAft>
+                        <a:buClrTx/>
+                        <a:buSzTx/>
+                        <a:buFontTx/>
+                        <a:buNone/>
+                        <a:tabLst/>
+                        <a:defRPr/>
+                      </a:pPr>
+                      <a:r>
+                        <a:rPr lang="en-US" sz="1600" b="1" i="0" kern="1200" dirty="0" smtClean="0">
+                          <a:solidFill>
+                            <a:schemeClr val="dk1"/>
+                          </a:solidFill>
+                          <a:effectLst/>
+                          <a:latin typeface="Times New Roman" panose="02020603050405020304" pitchFamily="18" charset="0"/>
+                          <a:ea typeface="+mn-ea"/>
+                          <a:cs typeface="Times New Roman" panose="02020603050405020304" pitchFamily="18" charset="0"/>
+                        </a:rPr>
+                        <a:t>Measuring TCP connection establishment times of dual-stacked web services</a:t>
+                      </a:r>
+                    </a:p>
+                    <a:p>
+                      <a:pPr marL="0" marR="0" indent="0" algn="l" defTabSz="914400" rtl="0" eaLnBrk="1" fontAlgn="auto" latinLnBrk="0" hangingPunct="1">
+                        <a:lnSpc>
+                          <a:spcPct val="100000"/>
+                        </a:lnSpc>
+                        <a:spcBef>
+                          <a:spcPts val="0"/>
+                        </a:spcBef>
+                        <a:spcAft>
+                          <a:spcPts val="0"/>
+                        </a:spcAft>
+                        <a:buClrTx/>
+                        <a:buSzTx/>
+                        <a:buFontTx/>
+                        <a:buNone/>
+                        <a:tabLst/>
+                        <a:defRPr/>
+                      </a:pPr>
                       <a:endParaRPr lang="en-US" sz="1600" dirty="0">
                         <a:latin typeface="Times New Roman" panose="02020603050405020304" pitchFamily="18" charset="0"/>
                         <a:cs typeface="Times New Roman" panose="02020603050405020304" pitchFamily="18" charset="0"/>
@@ -11366,6 +10590,29 @@
                     <a:lstStyle/>
                     <a:p>
                       <a:r>
+                        <a:rPr lang="en-US" sz="1600" b="0" i="0" u="sng" kern="1200" dirty="0" smtClean="0">
+                          <a:solidFill>
+                            <a:schemeClr val="dk1"/>
+                          </a:solidFill>
+                          <a:effectLst/>
+                          <a:latin typeface="Times New Roman" panose="02020603050405020304" pitchFamily="18" charset="0"/>
+                          <a:ea typeface="+mn-ea"/>
+                          <a:cs typeface="Times New Roman" panose="02020603050405020304" pitchFamily="18" charset="0"/>
+                        </a:rPr>
+                        <a:t>Vaibhav Bajpai</a:t>
+                      </a:r>
+                      <a:endParaRPr lang="en-US" sz="1600" b="0" i="0" kern="1200" dirty="0" smtClean="0">
+                        <a:solidFill>
+                          <a:schemeClr val="dk1"/>
+                        </a:solidFill>
+                        <a:effectLst/>
+                        <a:latin typeface="Times New Roman" panose="02020603050405020304" pitchFamily="18" charset="0"/>
+                        <a:ea typeface="+mn-ea"/>
+                        <a:cs typeface="Times New Roman" panose="02020603050405020304" pitchFamily="18" charset="0"/>
+                      </a:endParaRPr>
+                    </a:p>
+                    <a:p>
+                      <a:r>
                         <a:rPr lang="en-US" sz="1600" b="0" i="0" kern="1200" dirty="0" smtClean="0">
                           <a:solidFill>
                             <a:schemeClr val="dk1"/>
@@ -11375,9 +10622,52 @@
                           <a:ea typeface="+mn-ea"/>
                           <a:cs typeface="Times New Roman" panose="02020603050405020304" pitchFamily="18" charset="0"/>
                         </a:rPr>
-                        <a:t>Proxy Mobile IPv6 Dual Stack technology allows mobile node which supports dual stack protocol to communicate through IPv6 or IPv4 network and resolves the problem of migrating from IPv4 to IPv6.</a:t>
-                      </a:r>
+                        <a:t>; </a:t>
+                      </a:r>
+                      <a:r>
+                        <a:rPr lang="en-US" sz="1600" b="0" i="0" u="none" strike="noStrike" kern="1200" dirty="0" smtClean="0">
+                          <a:solidFill>
+                            <a:schemeClr val="dk1"/>
+                          </a:solidFill>
+                          <a:effectLst/>
+                          <a:latin typeface="Times New Roman" panose="02020603050405020304" pitchFamily="18" charset="0"/>
+                          <a:ea typeface="+mn-ea"/>
+                          <a:cs typeface="Times New Roman" panose="02020603050405020304" pitchFamily="18" charset="0"/>
+                        </a:rPr>
+                        <a:t>Jürgen Schönwälder</a:t>
+                      </a:r>
+                      <a:endParaRPr lang="en-US" sz="1600" dirty="0">
+                        <a:latin typeface="Times New Roman" panose="02020603050405020304" pitchFamily="18" charset="0"/>
+                        <a:cs typeface="Times New Roman" panose="02020603050405020304" pitchFamily="18" charset="0"/>
+                      </a:endParaRPr>
                     </a:p>
+                  </a:txBody>
+                  <a:tcPr/>
+                </a:tc>
+                <a:tc>
+                  <a:txBody>
+                    <a:bodyPr/>
+                    <a:lstStyle/>
+                    <a:p>
+                      <a:r>
+                        <a:rPr lang="en-US" sz="1200" dirty="0" smtClean="0">
+                          <a:latin typeface="Times New Roman" panose="02020603050405020304" pitchFamily="18" charset="0"/>
+                          <a:cs typeface="Times New Roman" panose="02020603050405020304" pitchFamily="18" charset="0"/>
+                        </a:rPr>
+                        <a:t>V. Bajpai and J. Schönwälder, "Measuring TCP connection establishment times of dual-stacked web services," Proceedings of the 9th International Conference on Network and Service Management (CNSM 2013), 2013, pp. 130-133, doi: 10.1109/CNSM.2013.6727822.</a:t>
+                      </a:r>
+                      <a:endParaRPr lang="en-US" sz="1200" dirty="0">
+                        <a:latin typeface="Times New Roman" panose="02020603050405020304" pitchFamily="18" charset="0"/>
+                        <a:cs typeface="Times New Roman" panose="02020603050405020304" pitchFamily="18" charset="0"/>
+                      </a:endParaRPr>
+                    </a:p>
+                  </a:txBody>
+                  <a:tcPr/>
+                </a:tc>
+                <a:tc>
+                  <a:txBody>
+                    <a:bodyPr/>
+                    <a:lstStyle/>
                     <a:p>
                       <a:r>
                         <a:rPr lang="en-US" sz="1600" b="0" i="0" kern="1200" dirty="0" smtClean="0">
@@ -11389,7 +10679,32 @@
                           <a:ea typeface="+mn-ea"/>
                           <a:cs typeface="Times New Roman" panose="02020603050405020304" pitchFamily="18" charset="0"/>
                         </a:rPr>
-                        <a:t>Proxy Mobile IPv6 Dual Stack technology does not introduce more delay by expanding relevant models.</a:t>
+                        <a:t>The happy program, a simple TCP happy eyeballs probing tool, is the implementation of metric.</a:t>
+                      </a:r>
+                      <a:endParaRPr lang="en-US" sz="1600" dirty="0">
+                        <a:latin typeface="Times New Roman" panose="02020603050405020304" pitchFamily="18" charset="0"/>
+                        <a:cs typeface="Times New Roman" panose="02020603050405020304" pitchFamily="18" charset="0"/>
+                      </a:endParaRPr>
+                    </a:p>
+                  </a:txBody>
+                  <a:tcPr/>
+                </a:tc>
+                <a:tc>
+                  <a:txBody>
+                    <a:bodyPr/>
+                    <a:lstStyle/>
+                    <a:p>
+                      <a:r>
+                        <a:rPr lang="en-US" sz="1600" b="0" i="0" kern="1200" dirty="0" smtClean="0">
+                          <a:solidFill>
+                            <a:schemeClr val="dk1"/>
+                          </a:solidFill>
+                          <a:effectLst/>
+                          <a:latin typeface="Times New Roman" panose="02020603050405020304" pitchFamily="18" charset="0"/>
+                          <a:ea typeface="+mn-ea"/>
+                          <a:cs typeface="Times New Roman" panose="02020603050405020304" pitchFamily="18" charset="0"/>
+                        </a:rPr>
+                        <a:t>Connection establishment times over IPv6 were higher.</a:t>
                       </a:r>
                       <a:endParaRPr lang="en-US" sz="1600" dirty="0">
                         <a:latin typeface="Times New Roman" panose="02020603050405020304" pitchFamily="18" charset="0"/>
@@ -11407,7 +10722,7 @@
     </p:spTree>
     <p:extLst>
       <p:ext uri="{BB962C8B-B14F-4D97-AF65-F5344CB8AC3E}">
-        <p14:creationId xmlns:p14="http://schemas.microsoft.com/office/powerpoint/2010/main" val="1806910061"/>
+        <p14:creationId xmlns:p14="http://schemas.microsoft.com/office/powerpoint/2010/main" val="3568252303"/>
       </p:ext>
     </p:extLst>
   </p:cSld>
@@ -11451,7 +10766,7 @@
           <a:p>
             <a:fld id="{05229871-6294-4FDC-ADFB-03568C29F7D6}" type="datetime1">
               <a:rPr lang="en-US" smtClean="0"/>
-              <a:t>21-Sep-21</a:t>
+              <a:t>22-Sep-21</a:t>
             </a:fld>
             <a:endParaRPr lang="en-US"/>
           </a:p>
@@ -11513,13 +10828,13 @@
           <p:nvPr>
             <p:extLst>
               <p:ext uri="{D42A27DB-BD31-4B8C-83A1-F6EECF244321}">
-                <p14:modId xmlns:p14="http://schemas.microsoft.com/office/powerpoint/2010/main" val="2190733469"/>
+                <p14:modId xmlns:p14="http://schemas.microsoft.com/office/powerpoint/2010/main" val="673585164"/>
               </p:ext>
             </p:extLst>
           </p:nvPr>
         </p:nvGraphicFramePr>
         <p:xfrm>
-          <a:off x="762000" y="533400"/>
+          <a:off x="609600" y="1143000"/>
           <a:ext cx="7848600" cy="4206240"/>
         </p:xfrm>
         <a:graphic>
@@ -11926,11 +11241,17 @@
           <a:bodyPr/>
           <a:lstStyle/>
           <a:p>
-            <a:fld id="{05229871-6294-4FDC-ADFB-03568C29F7D6}" type="datetime1">
-              <a:rPr lang="en-US" smtClean="0"/>
-              <a:t>21-Sep-21</a:t>
-            </a:fld>
-            <a:endParaRPr lang="en-US"/>
+            <a:r>
+              <a:rPr lang="en-US" dirty="0" smtClean="0">
+                <a:latin typeface="Times New Roman" pitchFamily="18" charset="0"/>
+                <a:cs typeface="Times New Roman" pitchFamily="18" charset="0"/>
+              </a:rPr>
+              <a:t>17-Aug-21</a:t>
+            </a:r>
+            <a:endParaRPr lang="en-US" dirty="0">
+              <a:latin typeface="Times New Roman" pitchFamily="18" charset="0"/>
+              <a:cs typeface="Times New Roman" pitchFamily="18" charset="0"/>
+            </a:endParaRPr>
           </a:p>
         </p:txBody>
       </p:sp>
@@ -11950,10 +11271,12 @@
           <a:lstStyle/>
           <a:p>
             <a:r>
-              <a:rPr lang="en-US" smtClean="0"/>
+              <a:rPr lang="en-US" dirty="0">
+                <a:latin typeface="Times New Roman" pitchFamily="18" charset="0"/>
+                <a:cs typeface="Times New Roman" pitchFamily="18" charset="0"/>
+              </a:rPr>
               <a:t>Dept. of ECE, NMIT, Bangalore-64</a:t>
             </a:r>
-            <a:endParaRPr lang="en-US"/>
           </a:p>
         </p:txBody>
       </p:sp>
@@ -11990,14 +11313,14 @@
           <p:nvPr>
             <p:extLst>
               <p:ext uri="{D42A27DB-BD31-4B8C-83A1-F6EECF244321}">
-                <p14:modId xmlns:p14="http://schemas.microsoft.com/office/powerpoint/2010/main" val="1041524298"/>
+                <p14:modId xmlns:p14="http://schemas.microsoft.com/office/powerpoint/2010/main" val="496488101"/>
               </p:ext>
             </p:extLst>
           </p:nvPr>
         </p:nvGraphicFramePr>
         <p:xfrm>
-          <a:off x="762000" y="533400"/>
-          <a:ext cx="7848600" cy="3931920"/>
+          <a:off x="990600" y="1752600"/>
+          <a:ext cx="7391400" cy="4297680"/>
         </p:xfrm>
         <a:graphic>
           <a:graphicData uri="http://schemas.openxmlformats.org/drawingml/2006/table">
@@ -12010,7 +11333,7 @@
                 <a:gridCol w="1478280"/>
                 <a:gridCol w="1506172"/>
                 <a:gridCol w="1450388"/>
-                <a:gridCol w="1935480"/>
+                <a:gridCol w="1478280"/>
               </a:tblGrid>
               <a:tr h="655597">
                 <a:tc>
@@ -12132,7 +11455,7 @@
                         <a:defRPr/>
                       </a:pPr>
                       <a:r>
-                        <a:rPr lang="en-US" sz="1600" b="1" i="0" kern="1200" dirty="0" smtClean="0">
+                        <a:rPr lang="en-US" sz="1600" b="1" i="0" u="none" kern="1200" dirty="0" smtClean="0">
                           <a:solidFill>
                             <a:schemeClr val="dk1"/>
                           </a:solidFill>
@@ -12141,27 +11464,81 @@
                           <a:ea typeface="+mn-ea"/>
                           <a:cs typeface="Times New Roman" panose="02020603050405020304" pitchFamily="18" charset="0"/>
                         </a:rPr>
-                        <a:t>Measuring TCP connection establishment times of dual-stacked web services</a:t>
-                      </a:r>
+                        <a:t>Migration to Ipv6 from IPV4 by dual stack</a:t>
+                      </a:r>
+                      <a:endParaRPr lang="en-US" sz="1600" b="1" dirty="0">
+                        <a:latin typeface="Times New Roman" panose="02020603050405020304" pitchFamily="18" charset="0"/>
+                        <a:cs typeface="Times New Roman" panose="02020603050405020304" pitchFamily="18" charset="0"/>
+                      </a:endParaRPr>
                     </a:p>
+                  </a:txBody>
+                  <a:tcPr/>
+                </a:tc>
+                <a:tc>
+                  <a:txBody>
+                    <a:bodyPr/>
+                    <a:lstStyle/>
                     <a:p>
-                      <a:pPr marL="0" marR="0" indent="0" algn="l" defTabSz="914400" rtl="0" eaLnBrk="1" fontAlgn="auto" latinLnBrk="0" hangingPunct="1">
-                        <a:lnSpc>
-                          <a:spcPct val="100000"/>
-                        </a:lnSpc>
-                        <a:spcBef>
-                          <a:spcPts val="0"/>
-                        </a:spcBef>
-                        <a:spcAft>
-                          <a:spcPts val="0"/>
-                        </a:spcAft>
-                        <a:buClrTx/>
-                        <a:buSzTx/>
-                        <a:buFontTx/>
-                        <a:buNone/>
-                        <a:tabLst/>
-                        <a:defRPr/>
-                      </a:pPr>
+                      <a:r>
+                        <a:rPr lang="en-US" sz="1600" b="0" i="0" u="none" strike="noStrike" kern="1200" dirty="0" smtClean="0">
+                          <a:solidFill>
+                            <a:schemeClr val="dk1"/>
+                          </a:solidFill>
+                          <a:effectLst/>
+                          <a:latin typeface="Times New Roman" panose="02020603050405020304" pitchFamily="18" charset="0"/>
+                          <a:ea typeface="+mn-ea"/>
+                          <a:cs typeface="Times New Roman" panose="02020603050405020304" pitchFamily="18" charset="0"/>
+                        </a:rPr>
+                        <a:t>S. </a:t>
+                      </a:r>
+                      <a:r>
+                        <a:rPr lang="en-US" sz="1600" b="0" i="0" u="none" strike="noStrike" kern="1200" dirty="0" err="1" smtClean="0">
+                          <a:solidFill>
+                            <a:schemeClr val="dk1"/>
+                          </a:solidFill>
+                          <a:effectLst/>
+                          <a:latin typeface="Times New Roman" panose="02020603050405020304" pitchFamily="18" charset="0"/>
+                          <a:ea typeface="+mn-ea"/>
+                          <a:cs typeface="Times New Roman" panose="02020603050405020304" pitchFamily="18" charset="0"/>
+                        </a:rPr>
+                        <a:t>Aravind</a:t>
+                      </a:r>
+                      <a:r>
+                        <a:rPr lang="en-US" sz="1600" b="0" i="0" kern="1200" dirty="0" smtClean="0">
+                          <a:solidFill>
+                            <a:schemeClr val="dk1"/>
+                          </a:solidFill>
+                          <a:effectLst/>
+                          <a:latin typeface="Times New Roman" panose="02020603050405020304" pitchFamily="18" charset="0"/>
+                          <a:ea typeface="+mn-ea"/>
+                          <a:cs typeface="Times New Roman" panose="02020603050405020304" pitchFamily="18" charset="0"/>
+                        </a:rPr>
+                        <a:t>; </a:t>
+                      </a:r>
+                      <a:r>
+                        <a:rPr lang="en-US" sz="1600" b="0" i="0" u="none" strike="noStrike" kern="1200" dirty="0" smtClean="0">
+                          <a:solidFill>
+                            <a:schemeClr val="dk1"/>
+                          </a:solidFill>
+                          <a:effectLst/>
+                          <a:latin typeface="Times New Roman" panose="02020603050405020304" pitchFamily="18" charset="0"/>
+                          <a:ea typeface="+mn-ea"/>
+                          <a:cs typeface="Times New Roman" panose="02020603050405020304" pitchFamily="18" charset="0"/>
+                        </a:rPr>
+                        <a:t>G. </a:t>
+                      </a:r>
+                      <a:r>
+                        <a:rPr lang="en-US" sz="1600" b="0" i="0" u="none" strike="noStrike" kern="1200" dirty="0" err="1" smtClean="0">
+                          <a:solidFill>
+                            <a:schemeClr val="dk1"/>
+                          </a:solidFill>
+                          <a:effectLst/>
+                          <a:latin typeface="Times New Roman" panose="02020603050405020304" pitchFamily="18" charset="0"/>
+                          <a:ea typeface="+mn-ea"/>
+                          <a:cs typeface="Times New Roman" panose="02020603050405020304" pitchFamily="18" charset="0"/>
+                        </a:rPr>
+                        <a:t>Padmavathi</a:t>
+                      </a:r>
                       <a:endParaRPr lang="en-US" sz="1600" dirty="0">
                         <a:latin typeface="Times New Roman" panose="02020603050405020304" pitchFamily="18" charset="0"/>
                         <a:cs typeface="Times New Roman" panose="02020603050405020304" pitchFamily="18" charset="0"/>
@@ -12176,28 +11553,66 @@
                     <a:lstStyle/>
                     <a:p>
                       <a:r>
-                        <a:rPr lang="en-US" sz="1600" b="0" i="0" u="sng" kern="1200" dirty="0" smtClean="0">
-                          <a:solidFill>
-                            <a:schemeClr val="dk1"/>
-                          </a:solidFill>
-                          <a:effectLst/>
+                        <a:rPr lang="en-US" sz="1200" dirty="0" smtClean="0">
                           <a:latin typeface="Times New Roman" panose="02020603050405020304" pitchFamily="18" charset="0"/>
-                          <a:ea typeface="+mn-ea"/>
                           <a:cs typeface="Times New Roman" panose="02020603050405020304" pitchFamily="18" charset="0"/>
                         </a:rPr>
-                        <a:t>Vaibhav Bajpai</a:t>
-                      </a:r>
-                      <a:endParaRPr lang="en-US" sz="1600" b="0" i="0" kern="1200" dirty="0" smtClean="0">
-                        <a:solidFill>
-                          <a:schemeClr val="dk1"/>
-                        </a:solidFill>
-                        <a:effectLst/>
+                        <a:t>S. </a:t>
+                      </a:r>
+                      <a:r>
+                        <a:rPr lang="en-US" sz="1200" dirty="0" err="1" smtClean="0">
+                          <a:latin typeface="Times New Roman" panose="02020603050405020304" pitchFamily="18" charset="0"/>
+                          <a:cs typeface="Times New Roman" panose="02020603050405020304" pitchFamily="18" charset="0"/>
+                        </a:rPr>
+                        <a:t>Aravind</a:t>
+                      </a:r>
+                      <a:r>
+                        <a:rPr lang="en-US" sz="1200" dirty="0" smtClean="0">
+                          <a:latin typeface="Times New Roman" panose="02020603050405020304" pitchFamily="18" charset="0"/>
+                          <a:cs typeface="Times New Roman" panose="02020603050405020304" pitchFamily="18" charset="0"/>
+                        </a:rPr>
+                        <a:t> and G. </a:t>
+                      </a:r>
+                      <a:r>
+                        <a:rPr lang="en-US" sz="1200" dirty="0" err="1" smtClean="0">
+                          <a:latin typeface="Times New Roman" panose="02020603050405020304" pitchFamily="18" charset="0"/>
+                          <a:cs typeface="Times New Roman" panose="02020603050405020304" pitchFamily="18" charset="0"/>
+                        </a:rPr>
+                        <a:t>Padmavathi</a:t>
+                      </a:r>
+                      <a:r>
+                        <a:rPr lang="en-US" sz="1200" dirty="0" smtClean="0">
+                          <a:latin typeface="Times New Roman" panose="02020603050405020304" pitchFamily="18" charset="0"/>
+                          <a:cs typeface="Times New Roman" panose="02020603050405020304" pitchFamily="18" charset="0"/>
+                        </a:rPr>
+                        <a:t>, "Migration to Ipv6 from IPV4 by dual stack and tunneling techniques," 2015 International Conference on Smart Technologies and Management for Computing, Communication, Controls, Energy and Materials (ICSTM), 2015, pp. 107-111, doi: 10.1109/ICSTM.2015.7225398.</a:t>
+                      </a:r>
+                      <a:endParaRPr lang="en-US" sz="1200" dirty="0">
                         <a:latin typeface="Times New Roman" panose="02020603050405020304" pitchFamily="18" charset="0"/>
-                        <a:ea typeface="+mn-ea"/>
                         <a:cs typeface="Times New Roman" panose="02020603050405020304" pitchFamily="18" charset="0"/>
                       </a:endParaRPr>
                     </a:p>
+                  </a:txBody>
+                  <a:tcPr/>
+                </a:tc>
+                <a:tc>
+                  <a:txBody>
+                    <a:bodyPr/>
+                    <a:lstStyle/>
                     <a:p>
+                      <a:r>
+                        <a:rPr lang="en-US" sz="1600" dirty="0" smtClean="0">
+                          <a:latin typeface="Times New Roman" panose="02020603050405020304" pitchFamily="18" charset="0"/>
+                          <a:cs typeface="Times New Roman" panose="02020603050405020304" pitchFamily="18" charset="0"/>
+                        </a:rPr>
+                        <a:t>Dual Stack Protocol</a:t>
+                      </a:r>
+                      <a:br>
+                        <a:rPr lang="en-US" sz="1600" dirty="0" smtClean="0">
+                          <a:latin typeface="Times New Roman" panose="02020603050405020304" pitchFamily="18" charset="0"/>
+                          <a:cs typeface="Times New Roman" panose="02020603050405020304" pitchFamily="18" charset="0"/>
+                        </a:rPr>
+                      </a:br>
                       <a:r>
                         <a:rPr lang="en-US" sz="1600" b="0" i="0" kern="1200" dirty="0" smtClean="0">
                           <a:solidFill>
@@ -12208,19 +11623,7 @@
                           <a:ea typeface="+mn-ea"/>
                           <a:cs typeface="Times New Roman" panose="02020603050405020304" pitchFamily="18" charset="0"/>
                         </a:rPr>
-                        <a:t>; </a:t>
-                      </a:r>
-                      <a:r>
-                        <a:rPr lang="en-US" sz="1600" b="0" i="0" u="none" strike="noStrike" kern="1200" dirty="0" smtClean="0">
-                          <a:solidFill>
-                            <a:schemeClr val="dk1"/>
-                          </a:solidFill>
-                          <a:effectLst/>
-                          <a:latin typeface="Times New Roman" panose="02020603050405020304" pitchFamily="18" charset="0"/>
-                          <a:ea typeface="+mn-ea"/>
-                          <a:cs typeface="Times New Roman" panose="02020603050405020304" pitchFamily="18" charset="0"/>
-                        </a:rPr>
-                        <a:t>Jürgen Schönwälder</a:t>
+                        <a:t> - transferring of data from IPv4 network to IPv6 network in both static and dynamic routing</a:t>
                       </a:r>
                       <a:endParaRPr lang="en-US" sz="1600" dirty="0">
                         <a:latin typeface="Times New Roman" panose="02020603050405020304" pitchFamily="18" charset="0"/>
@@ -12236,25 +11639,17 @@
                     <a:lstStyle/>
                     <a:p>
                       <a:r>
-                        <a:rPr lang="en-US" sz="1200" dirty="0" smtClean="0">
+                        <a:rPr lang="en-US" sz="1800" b="0" i="0" kern="1200" dirty="0" smtClean="0">
+                          <a:solidFill>
+                            <a:schemeClr val="dk1"/>
+                          </a:solidFill>
+                          <a:effectLst/>
                           <a:latin typeface="Times New Roman" panose="02020603050405020304" pitchFamily="18" charset="0"/>
+                          <a:ea typeface="+mn-ea"/>
                           <a:cs typeface="Times New Roman" panose="02020603050405020304" pitchFamily="18" charset="0"/>
                         </a:rPr>
-                        <a:t>V. Bajpai and J. Schönwälder, "Measuring TCP connection establishment times of dual-stacked web services," Proceedings of the 9th International Conference on Network and Service Management (CNSM 2013), 2013, pp. 130-133, doi: 10.1109/CNSM.2013.6727822.</a:t>
-                      </a:r>
-                      <a:endParaRPr lang="en-US" sz="1200" dirty="0">
-                        <a:latin typeface="Times New Roman" panose="02020603050405020304" pitchFamily="18" charset="0"/>
-                        <a:cs typeface="Times New Roman" panose="02020603050405020304" pitchFamily="18" charset="0"/>
-                      </a:endParaRPr>
-                    </a:p>
-                  </a:txBody>
-                  <a:tcPr/>
-                </a:tc>
-                <a:tc>
-                  <a:txBody>
-                    <a:bodyPr/>
-                    <a:lstStyle/>
-                    <a:p>
+                        <a:t> </a:t>
+                      </a:r>
                       <a:r>
                         <a:rPr lang="en-US" sz="1600" b="0" i="0" kern="1200" dirty="0" smtClean="0">
                           <a:solidFill>
@@ -12265,32 +11660,7 @@
                           <a:ea typeface="+mn-ea"/>
                           <a:cs typeface="Times New Roman" panose="02020603050405020304" pitchFamily="18" charset="0"/>
                         </a:rPr>
-                        <a:t>The happy program, a simple TCP happy eyeballs probing tool, is the implementation of metric.</a:t>
-                      </a:r>
-                      <a:endParaRPr lang="en-US" sz="1600" dirty="0">
-                        <a:latin typeface="Times New Roman" panose="02020603050405020304" pitchFamily="18" charset="0"/>
-                        <a:cs typeface="Times New Roman" panose="02020603050405020304" pitchFamily="18" charset="0"/>
-                      </a:endParaRPr>
-                    </a:p>
-                  </a:txBody>
-                  <a:tcPr/>
-                </a:tc>
-                <a:tc>
-                  <a:txBody>
-                    <a:bodyPr/>
-                    <a:lstStyle/>
-                    <a:p>
-                      <a:r>
-                        <a:rPr lang="en-US" sz="1600" b="0" i="0" kern="1200" dirty="0" smtClean="0">
-                          <a:solidFill>
-                            <a:schemeClr val="dk1"/>
-                          </a:solidFill>
-                          <a:effectLst/>
-                          <a:latin typeface="Times New Roman" panose="02020603050405020304" pitchFamily="18" charset="0"/>
-                          <a:ea typeface="+mn-ea"/>
-                          <a:cs typeface="Times New Roman" panose="02020603050405020304" pitchFamily="18" charset="0"/>
-                        </a:rPr>
-                        <a:t>Connection establishment times over IPv6 were higher.</a:t>
+                        <a:t>Dynamic IPv4 has least minimum &amp; average round trip delay and Dynamic IPv6 has least maximum round trip delay. </a:t>
                       </a:r>
                       <a:endParaRPr lang="en-US" sz="1600" dirty="0">
                         <a:latin typeface="Times New Roman" panose="02020603050405020304" pitchFamily="18" charset="0"/>
@@ -12308,13 +11678,20 @@
     </p:spTree>
     <p:extLst>
       <p:ext uri="{BB962C8B-B14F-4D97-AF65-F5344CB8AC3E}">
-        <p14:creationId xmlns:p14="http://schemas.microsoft.com/office/powerpoint/2010/main" val="3568252303"/>
+        <p14:creationId xmlns:p14="http://schemas.microsoft.com/office/powerpoint/2010/main" val="4182899405"/>
       </p:ext>
     </p:extLst>
   </p:cSld>
   <p:clrMapOvr>
     <a:masterClrMapping/>
   </p:clrMapOvr>
+  <p:timing>
+    <p:tnLst>
+      <p:par>
+        <p:cTn id="1" dur="indefinite" restart="never" nodeType="tmRoot"/>
+      </p:par>
+    </p:tnLst>
+  </p:timing>
 </p:sld>
 </file>
 
@@ -12352,7 +11729,7 @@
           <a:p>
             <a:fld id="{05229871-6294-4FDC-ADFB-03568C29F7D6}" type="datetime1">
               <a:rPr lang="en-US" smtClean="0"/>
-              <a:t>21-Sep-21</a:t>
+              <a:t>22-Sep-21</a:t>
             </a:fld>
             <a:endParaRPr lang="en-US"/>
           </a:p>

--- a/Official Documents/Project Batch 16 phase1.pptx
+++ b/Official Documents/Project Batch 16 phase1.pptx
@@ -5,31 +5,29 @@
     <p:sldMasterId id="2147483648" r:id="rId1"/>
   </p:sldMasterIdLst>
   <p:notesMasterIdLst>
-    <p:notesMasterId r:id="rId21"/>
+    <p:notesMasterId r:id="rId19"/>
   </p:notesMasterIdLst>
   <p:handoutMasterIdLst>
-    <p:handoutMasterId r:id="rId22"/>
+    <p:handoutMasterId r:id="rId20"/>
   </p:handoutMasterIdLst>
   <p:sldIdLst>
     <p:sldId id="270" r:id="rId2"/>
     <p:sldId id="256" r:id="rId3"/>
     <p:sldId id="257" r:id="rId4"/>
-    <p:sldId id="258" r:id="rId5"/>
-    <p:sldId id="275" r:id="rId6"/>
-    <p:sldId id="276" r:id="rId7"/>
+    <p:sldId id="276" r:id="rId5"/>
+    <p:sldId id="280" r:id="rId6"/>
+    <p:sldId id="278" r:id="rId7"/>
     <p:sldId id="277" r:id="rId8"/>
-    <p:sldId id="278" r:id="rId9"/>
+    <p:sldId id="258" r:id="rId9"/>
     <p:sldId id="279" r:id="rId10"/>
-    <p:sldId id="280" r:id="rId11"/>
+    <p:sldId id="275" r:id="rId11"/>
     <p:sldId id="283" r:id="rId12"/>
-    <p:sldId id="272" r:id="rId13"/>
-    <p:sldId id="274" r:id="rId14"/>
-    <p:sldId id="259" r:id="rId15"/>
-    <p:sldId id="281" r:id="rId16"/>
-    <p:sldId id="273" r:id="rId17"/>
-    <p:sldId id="260" r:id="rId18"/>
-    <p:sldId id="282" r:id="rId19"/>
-    <p:sldId id="264" r:id="rId20"/>
+    <p:sldId id="259" r:id="rId13"/>
+    <p:sldId id="281" r:id="rId14"/>
+    <p:sldId id="273" r:id="rId15"/>
+    <p:sldId id="282" r:id="rId16"/>
+    <p:sldId id="264" r:id="rId17"/>
+    <p:sldId id="284" r:id="rId18"/>
   </p:sldIdLst>
   <p:sldSz cx="9144000" cy="6858000" type="screen4x3"/>
   <p:notesSz cx="6858000" cy="9144000"/>
@@ -229,7 +227,7 @@
           <a:p>
             <a:fld id="{7FD7D9A4-864C-425A-A0E2-E462B7191CCD}" type="datetimeFigureOut">
               <a:rPr lang="en-US" smtClean="0"/>
-              <a:t>21-Sep-21</a:t>
+              <a:t>22-Sep-21</a:t>
             </a:fld>
             <a:endParaRPr lang="en-US"/>
           </a:p>
@@ -395,7 +393,7 @@
           <a:p>
             <a:fld id="{0E57A201-3D04-47CC-A82F-11BC07E53FD5}" type="datetimeFigureOut">
               <a:rPr lang="en-US" smtClean="0"/>
-              <a:t>21-Sep-21</a:t>
+              <a:t>22-Sep-21</a:t>
             </a:fld>
             <a:endParaRPr lang="en-US"/>
           </a:p>
@@ -1019,7 +1017,7 @@
     </p:spTree>
     <p:extLst>
       <p:ext uri="{BB962C8B-B14F-4D97-AF65-F5344CB8AC3E}">
-        <p14:creationId xmlns:p14="http://schemas.microsoft.com/office/powerpoint/2010/main" val="1352353688"/>
+        <p14:creationId xmlns:p14="http://schemas.microsoft.com/office/powerpoint/2010/main" val="290688505"/>
       </p:ext>
     </p:extLst>
   </p:cSld>
@@ -1080,7 +1078,7 @@
     </p:spTree>
     <p:extLst>
       <p:ext uri="{BB962C8B-B14F-4D97-AF65-F5344CB8AC3E}">
-        <p14:creationId xmlns:p14="http://schemas.microsoft.com/office/powerpoint/2010/main" val="290688505"/>
+        <p14:creationId xmlns:p14="http://schemas.microsoft.com/office/powerpoint/2010/main" val="1352353688"/>
       </p:ext>
     </p:extLst>
   </p:cSld>
@@ -1141,7 +1139,7 @@
     </p:spTree>
     <p:extLst>
       <p:ext uri="{BB962C8B-B14F-4D97-AF65-F5344CB8AC3E}">
-        <p14:creationId xmlns:p14="http://schemas.microsoft.com/office/powerpoint/2010/main" val="1352353688"/>
+        <p14:creationId xmlns:p14="http://schemas.microsoft.com/office/powerpoint/2010/main" val="2688426333"/>
       </p:ext>
     </p:extLst>
   </p:cSld>
@@ -1330,7 +1328,7 @@
           <a:p>
             <a:fld id="{B913B166-C7D6-4C94-A6BD-5B1BBEDA4C48}" type="datetime1">
               <a:rPr lang="en-US" smtClean="0"/>
-              <a:t>21-Sep-21</a:t>
+              <a:t>22-Sep-21</a:t>
             </a:fld>
             <a:endParaRPr lang="en-US"/>
           </a:p>
@@ -1497,7 +1495,7 @@
           <a:p>
             <a:fld id="{7A0D4D53-478D-4793-8D8C-E4ABC8799B41}" type="datetime1">
               <a:rPr lang="en-US" smtClean="0"/>
-              <a:t>21-Sep-21</a:t>
+              <a:t>22-Sep-21</a:t>
             </a:fld>
             <a:endParaRPr lang="en-US"/>
           </a:p>
@@ -1674,7 +1672,7 @@
           <a:p>
             <a:fld id="{CFBA153E-3C25-492C-83EA-B515869BC366}" type="datetime1">
               <a:rPr lang="en-US" smtClean="0"/>
-              <a:t>21-Sep-21</a:t>
+              <a:t>22-Sep-21</a:t>
             </a:fld>
             <a:endParaRPr lang="en-US"/>
           </a:p>
@@ -1841,7 +1839,7 @@
           <a:p>
             <a:fld id="{05229871-6294-4FDC-ADFB-03568C29F7D6}" type="datetime1">
               <a:rPr lang="en-US" smtClean="0"/>
-              <a:t>21-Sep-21</a:t>
+              <a:t>22-Sep-21</a:t>
             </a:fld>
             <a:endParaRPr lang="en-US"/>
           </a:p>
@@ -2085,7 +2083,7 @@
           <a:p>
             <a:fld id="{158B815F-E36B-43A6-831C-C1EAFFD9FEDA}" type="datetime1">
               <a:rPr lang="en-US" smtClean="0"/>
-              <a:t>21-Sep-21</a:t>
+              <a:t>22-Sep-21</a:t>
             </a:fld>
             <a:endParaRPr lang="en-US"/>
           </a:p>
@@ -2369,7 +2367,7 @@
           <a:p>
             <a:fld id="{04E86034-6584-4FEB-842B-02B8F09CF863}" type="datetime1">
               <a:rPr lang="en-US" smtClean="0"/>
-              <a:t>21-Sep-21</a:t>
+              <a:t>22-Sep-21</a:t>
             </a:fld>
             <a:endParaRPr lang="en-US"/>
           </a:p>
@@ -2787,7 +2785,7 @@
           <a:p>
             <a:fld id="{5E7E5B39-4D72-42B0-9EF8-9F09B6A7862F}" type="datetime1">
               <a:rPr lang="en-US" smtClean="0"/>
-              <a:t>21-Sep-21</a:t>
+              <a:t>22-Sep-21</a:t>
             </a:fld>
             <a:endParaRPr lang="en-US"/>
           </a:p>
@@ -2903,7 +2901,7 @@
           <a:p>
             <a:fld id="{5F7F936D-E883-4531-8AEF-F8AE01E88733}" type="datetime1">
               <a:rPr lang="en-US" smtClean="0"/>
-              <a:t>21-Sep-21</a:t>
+              <a:t>22-Sep-21</a:t>
             </a:fld>
             <a:endParaRPr lang="en-US"/>
           </a:p>
@@ -2997,7 +2995,7 @@
           <a:p>
             <a:fld id="{F7DF7B00-5559-4C0B-A04A-2A61C1D412D8}" type="datetime1">
               <a:rPr lang="en-US" smtClean="0"/>
-              <a:t>21-Sep-21</a:t>
+              <a:t>22-Sep-21</a:t>
             </a:fld>
             <a:endParaRPr lang="en-US"/>
           </a:p>
@@ -3271,7 +3269,7 @@
           <a:p>
             <a:fld id="{65B7B09C-8B88-4EE5-A6E5-A23145D8C69B}" type="datetime1">
               <a:rPr lang="en-US" smtClean="0"/>
-              <a:t>21-Sep-21</a:t>
+              <a:t>22-Sep-21</a:t>
             </a:fld>
             <a:endParaRPr lang="en-US"/>
           </a:p>
@@ -3522,7 +3520,7 @@
           <a:p>
             <a:fld id="{815FAC93-0C6C-42E5-BB9F-89E4B9974B73}" type="datetime1">
               <a:rPr lang="en-US" smtClean="0"/>
-              <a:t>21-Sep-21</a:t>
+              <a:t>22-Sep-21</a:t>
             </a:fld>
             <a:endParaRPr lang="en-US"/>
           </a:p>
@@ -3732,7 +3730,7 @@
           <a:p>
             <a:fld id="{1CCCF5A0-9552-4C4C-8A8F-2A5A2C8C8E36}" type="datetime1">
               <a:rPr lang="en-US" smtClean="0"/>
-              <a:t>21-Sep-21</a:t>
+              <a:t>22-Sep-21</a:t>
             </a:fld>
             <a:endParaRPr lang="en-US"/>
           </a:p>
@@ -4538,7 +4536,7 @@
           <a:p>
             <a:fld id="{05229871-6294-4FDC-ADFB-03568C29F7D6}" type="datetime1">
               <a:rPr lang="en-US" smtClean="0"/>
-              <a:t>21-Sep-21</a:t>
+              <a:t>22-Sep-21</a:t>
             </a:fld>
             <a:endParaRPr lang="en-US"/>
           </a:p>
@@ -4600,14 +4598,14 @@
           <p:nvPr>
             <p:extLst>
               <p:ext uri="{D42A27DB-BD31-4B8C-83A1-F6EECF244321}">
-                <p14:modId xmlns:p14="http://schemas.microsoft.com/office/powerpoint/2010/main" val="3858197499"/>
+                <p14:modId xmlns:p14="http://schemas.microsoft.com/office/powerpoint/2010/main" val="68963000"/>
               </p:ext>
             </p:extLst>
           </p:nvPr>
         </p:nvGraphicFramePr>
         <p:xfrm>
-          <a:off x="685800" y="381000"/>
-          <a:ext cx="7848600" cy="5715000"/>
+          <a:off x="762000" y="1066800"/>
+          <a:ext cx="7391400" cy="4480560"/>
         </p:xfrm>
         <a:graphic>
           <a:graphicData uri="http://schemas.openxmlformats.org/drawingml/2006/table">
@@ -4620,9 +4618,9 @@
                 <a:gridCol w="1478280"/>
                 <a:gridCol w="1506172"/>
                 <a:gridCol w="1450388"/>
-                <a:gridCol w="1935480"/>
+                <a:gridCol w="1478280"/>
               </a:tblGrid>
-              <a:tr h="1078302">
+              <a:tr h="655597">
                 <a:tc>
                   <a:txBody>
                     <a:bodyPr/>
@@ -4718,7 +4716,7 @@
                   <a:tcPr/>
                 </a:tc>
               </a:tr>
-              <a:tr h="4636698">
+              <a:tr h="2129638">
                 <a:tc>
                   <a:txBody>
                     <a:bodyPr/>
@@ -4751,7 +4749,7 @@
                           <a:ea typeface="+mn-ea"/>
                           <a:cs typeface="Times New Roman" panose="02020603050405020304" pitchFamily="18" charset="0"/>
                         </a:rPr>
-                        <a:t>The NAT64/DNS64 tool suite for IPv6 transition</a:t>
+                        <a:t>Performance comparison of Multimedia Applications over IPv4 and IPv6 Dual Stack technology</a:t>
                       </a:r>
                     </a:p>
                     <a:p>
@@ -4786,100 +4784,232 @@
                     <a:lstStyle/>
                     <a:p>
                       <a:r>
-                        <a:rPr lang="en-US" sz="1600" b="0" i="0" u="none" strike="noStrike" kern="1200" dirty="0" smtClean="0">
+                        <a:rPr lang="en-US" sz="1800" b="0" i="0" u="none" strike="noStrike" kern="1200" dirty="0" err="1" smtClean="0">
                           <a:solidFill>
                             <a:schemeClr val="dk1"/>
                           </a:solidFill>
                           <a:effectLst/>
-                          <a:latin typeface="Times New Roman" panose="02020603050405020304" pitchFamily="18" charset="0"/>
+                          <a:latin typeface="+mn-lt"/>
                           <a:ea typeface="+mn-ea"/>
-                          <a:cs typeface="Times New Roman" panose="02020603050405020304" pitchFamily="18" charset="0"/>
-                        </a:rPr>
-                        <a:t>Marcelo </a:t>
-                      </a:r>
-                      <a:r>
-                        <a:rPr lang="en-US" sz="1600" b="0" i="0" u="none" strike="noStrike" kern="1200" dirty="0" err="1" smtClean="0">
+                          <a:cs typeface="+mn-cs"/>
+                        </a:rPr>
+                        <a:t>Ummi</a:t>
+                      </a:r>
+                      <a:r>
+                        <a:rPr lang="en-US" sz="1800" b="0" i="0" u="none" strike="noStrike" kern="1200" dirty="0" smtClean="0">
                           <a:solidFill>
                             <a:schemeClr val="dk1"/>
                           </a:solidFill>
                           <a:effectLst/>
-                          <a:latin typeface="Times New Roman" panose="02020603050405020304" pitchFamily="18" charset="0"/>
+                          <a:latin typeface="+mn-lt"/>
                           <a:ea typeface="+mn-ea"/>
-                          <a:cs typeface="Times New Roman" panose="02020603050405020304" pitchFamily="18" charset="0"/>
-                        </a:rPr>
-                        <a:t>Bagnulo</a:t>
-                      </a:r>
-                      <a:r>
-                        <a:rPr lang="en-US" sz="1600" b="0" i="0" kern="1200" dirty="0" smtClean="0">
+                          <a:cs typeface="+mn-cs"/>
+                        </a:rPr>
+                        <a:t> </a:t>
+                      </a:r>
+                      <a:r>
+                        <a:rPr lang="en-US" sz="1800" b="0" i="0" u="none" strike="noStrike" kern="1200" dirty="0" err="1" smtClean="0">
                           <a:solidFill>
                             <a:schemeClr val="dk1"/>
                           </a:solidFill>
                           <a:effectLst/>
-                          <a:latin typeface="Times New Roman" panose="02020603050405020304" pitchFamily="18" charset="0"/>
+                          <a:latin typeface="+mn-lt"/>
                           <a:ea typeface="+mn-ea"/>
-                          <a:cs typeface="Times New Roman" panose="02020603050405020304" pitchFamily="18" charset="0"/>
-                        </a:rPr>
-                        <a:t>; </a:t>
-                      </a:r>
-                      <a:r>
-                        <a:rPr lang="en-US" sz="1600" b="0" i="0" u="none" strike="noStrike" kern="1200" dirty="0" smtClean="0">
+                          <a:cs typeface="+mn-cs"/>
+                        </a:rPr>
+                        <a:t>Suraya</a:t>
+                      </a:r>
+                      <a:r>
+                        <a:rPr lang="en-US" sz="1800" b="0" i="0" u="none" strike="noStrike" kern="1200" dirty="0" smtClean="0">
                           <a:solidFill>
                             <a:schemeClr val="dk1"/>
                           </a:solidFill>
                           <a:effectLst/>
-                          <a:latin typeface="Times New Roman" panose="02020603050405020304" pitchFamily="18" charset="0"/>
+                          <a:latin typeface="+mn-lt"/>
                           <a:ea typeface="+mn-ea"/>
-                          <a:cs typeface="Times New Roman" panose="02020603050405020304" pitchFamily="18" charset="0"/>
-                        </a:rPr>
-                        <a:t>Alberto Garcia-Martinez</a:t>
-                      </a:r>
-                      <a:r>
-                        <a:rPr lang="en-US" sz="1600" b="0" i="0" kern="1200" dirty="0" smtClean="0">
+                          <a:cs typeface="+mn-cs"/>
+                        </a:rPr>
+                        <a:t> </a:t>
+                      </a:r>
+                      <a:r>
+                        <a:rPr lang="en-US" sz="1800" b="0" i="0" u="none" strike="noStrike" kern="1200" dirty="0" err="1" smtClean="0">
                           <a:solidFill>
                             <a:schemeClr val="dk1"/>
                           </a:solidFill>
                           <a:effectLst/>
-                          <a:latin typeface="Times New Roman" panose="02020603050405020304" pitchFamily="18" charset="0"/>
+                          <a:latin typeface="+mn-lt"/>
                           <a:ea typeface="+mn-ea"/>
-                          <a:cs typeface="Times New Roman" panose="02020603050405020304" pitchFamily="18" charset="0"/>
-                        </a:rPr>
-                        <a:t>; </a:t>
-                      </a:r>
-                      <a:r>
-                        <a:rPr lang="en-US" sz="1600" b="0" i="0" u="none" strike="noStrike" kern="1200" dirty="0" err="1" smtClean="0">
+                          <a:cs typeface="+mn-cs"/>
+                        </a:rPr>
+                        <a:t>Shaharuddin</a:t>
+                      </a:r>
+                      <a:r>
+                        <a:rPr lang="en-US" sz="1800" b="0" i="0" kern="1200" dirty="0" smtClean="0">
                           <a:solidFill>
                             <a:schemeClr val="dk1"/>
                           </a:solidFill>
                           <a:effectLst/>
-                          <a:latin typeface="Times New Roman" panose="02020603050405020304" pitchFamily="18" charset="0"/>
+                          <a:latin typeface="+mn-lt"/>
                           <a:ea typeface="+mn-ea"/>
-                          <a:cs typeface="Times New Roman" panose="02020603050405020304" pitchFamily="18" charset="0"/>
-                        </a:rPr>
-                        <a:t>Iljitsch</a:t>
-                      </a:r>
-                      <a:r>
-                        <a:rPr lang="en-US" sz="1600" b="0" i="0" u="none" strike="noStrike" kern="1200" dirty="0" smtClean="0">
+                          <a:cs typeface="+mn-cs"/>
+                        </a:rPr>
+                        <a:t>; </a:t>
+                      </a:r>
+                      <a:r>
+                        <a:rPr lang="en-US" sz="1800" b="0" i="0" u="none" strike="noStrike" kern="1200" dirty="0" err="1" smtClean="0">
                           <a:solidFill>
                             <a:schemeClr val="dk1"/>
                           </a:solidFill>
                           <a:effectLst/>
-                          <a:latin typeface="Times New Roman" panose="02020603050405020304" pitchFamily="18" charset="0"/>
+                          <a:latin typeface="+mn-lt"/>
                           <a:ea typeface="+mn-ea"/>
-                          <a:cs typeface="Times New Roman" panose="02020603050405020304" pitchFamily="18" charset="0"/>
-                        </a:rPr>
-                        <a:t> Van </a:t>
-                      </a:r>
-                      <a:r>
-                        <a:rPr lang="en-US" sz="1600" b="0" i="0" u="none" strike="noStrike" kern="1200" dirty="0" err="1" smtClean="0">
+                          <a:cs typeface="+mn-cs"/>
+                        </a:rPr>
+                        <a:t>Ruhani</a:t>
+                      </a:r>
+                      <a:r>
+                        <a:rPr lang="en-US" sz="1800" b="0" i="0" u="none" strike="noStrike" kern="1200" dirty="0" smtClean="0">
                           <a:solidFill>
                             <a:schemeClr val="dk1"/>
                           </a:solidFill>
                           <a:effectLst/>
-                          <a:latin typeface="Times New Roman" panose="02020603050405020304" pitchFamily="18" charset="0"/>
+                          <a:latin typeface="+mn-lt"/>
                           <a:ea typeface="+mn-ea"/>
-                          <a:cs typeface="Times New Roman" panose="02020603050405020304" pitchFamily="18" charset="0"/>
-                        </a:rPr>
-                        <a:t>Beijnum</a:t>
+                          <a:cs typeface="+mn-cs"/>
+                        </a:rPr>
+                        <a:t> </a:t>
+                      </a:r>
+                      <a:r>
+                        <a:rPr lang="en-US" sz="1800" b="0" i="0" u="none" strike="noStrike" kern="1200" dirty="0" err="1" smtClean="0">
+                          <a:solidFill>
+                            <a:schemeClr val="dk1"/>
+                          </a:solidFill>
+                          <a:effectLst/>
+                          <a:latin typeface="+mn-lt"/>
+                          <a:ea typeface="+mn-ea"/>
+                          <a:cs typeface="+mn-cs"/>
+                        </a:rPr>
+                        <a:t>Ab</a:t>
+                      </a:r>
+                      <a:r>
+                        <a:rPr lang="en-US" sz="1800" b="0" i="0" u="none" strike="noStrike" kern="1200" dirty="0" smtClean="0">
+                          <a:solidFill>
+                            <a:schemeClr val="dk1"/>
+                          </a:solidFill>
+                          <a:effectLst/>
+                          <a:latin typeface="+mn-lt"/>
+                          <a:ea typeface="+mn-ea"/>
+                          <a:cs typeface="+mn-cs"/>
+                        </a:rPr>
+                        <a:t> Rahman</a:t>
+                      </a:r>
+                      <a:r>
+                        <a:rPr lang="en-US" sz="1800" b="0" i="0" kern="1200" dirty="0" smtClean="0">
+                          <a:solidFill>
+                            <a:schemeClr val="dk1"/>
+                          </a:solidFill>
+                          <a:effectLst/>
+                          <a:latin typeface="+mn-lt"/>
+                          <a:ea typeface="+mn-ea"/>
+                          <a:cs typeface="+mn-cs"/>
+                        </a:rPr>
+                        <a:t>; </a:t>
+                      </a:r>
+                      <a:r>
+                        <a:rPr lang="en-US" sz="1800" b="0" i="0" u="none" strike="noStrike" kern="1200" dirty="0" err="1" smtClean="0">
+                          <a:solidFill>
+                            <a:schemeClr val="dk1"/>
+                          </a:solidFill>
+                          <a:effectLst/>
+                          <a:latin typeface="+mn-lt"/>
+                          <a:ea typeface="+mn-ea"/>
+                          <a:cs typeface="+mn-cs"/>
+                        </a:rPr>
+                        <a:t>Murizah</a:t>
+                      </a:r>
+                      <a:r>
+                        <a:rPr lang="en-US" sz="1800" b="0" i="0" u="none" strike="noStrike" kern="1200" dirty="0" smtClean="0">
+                          <a:solidFill>
+                            <a:schemeClr val="dk1"/>
+                          </a:solidFill>
+                          <a:effectLst/>
+                          <a:latin typeface="+mn-lt"/>
+                          <a:ea typeface="+mn-ea"/>
+                          <a:cs typeface="+mn-cs"/>
+                        </a:rPr>
+                        <a:t> </a:t>
+                      </a:r>
+                      <a:r>
+                        <a:rPr lang="en-US" sz="1800" b="0" i="0" u="none" strike="noStrike" kern="1200" dirty="0" err="1" smtClean="0">
+                          <a:solidFill>
+                            <a:schemeClr val="dk1"/>
+                          </a:solidFill>
+                          <a:effectLst/>
+                          <a:latin typeface="+mn-lt"/>
+                          <a:ea typeface="+mn-ea"/>
+                          <a:cs typeface="+mn-cs"/>
+                        </a:rPr>
+                        <a:t>Kassim</a:t>
+                      </a:r>
+                      <a:r>
+                        <a:rPr lang="en-US" sz="1800" b="0" i="0" kern="1200" dirty="0" smtClean="0">
+                          <a:solidFill>
+                            <a:schemeClr val="dk1"/>
+                          </a:solidFill>
+                          <a:effectLst/>
+                          <a:latin typeface="+mn-lt"/>
+                          <a:ea typeface="+mn-ea"/>
+                          <a:cs typeface="+mn-cs"/>
+                        </a:rPr>
+                        <a:t>; </a:t>
+                      </a:r>
+                      <a:r>
+                        <a:rPr lang="en-US" sz="1800" b="0" i="0" u="none" strike="noStrike" kern="1200" dirty="0" smtClean="0">
+                          <a:solidFill>
+                            <a:schemeClr val="dk1"/>
+                          </a:solidFill>
+                          <a:effectLst/>
+                          <a:latin typeface="+mn-lt"/>
+                          <a:ea typeface="+mn-ea"/>
+                          <a:cs typeface="+mn-cs"/>
+                        </a:rPr>
+                        <a:t>Mat </a:t>
+                      </a:r>
+                      <a:r>
+                        <a:rPr lang="en-US" sz="1800" b="0" i="0" u="none" strike="noStrike" kern="1200" dirty="0" err="1" smtClean="0">
+                          <a:solidFill>
+                            <a:schemeClr val="dk1"/>
+                          </a:solidFill>
+                          <a:effectLst/>
+                          <a:latin typeface="+mn-lt"/>
+                          <a:ea typeface="+mn-ea"/>
+                          <a:cs typeface="+mn-cs"/>
+                        </a:rPr>
+                        <a:t>Ikram</a:t>
+                      </a:r>
+                      <a:r>
+                        <a:rPr lang="en-US" sz="1800" b="0" i="0" u="none" strike="noStrike" kern="1200" dirty="0" smtClean="0">
+                          <a:solidFill>
+                            <a:schemeClr val="dk1"/>
+                          </a:solidFill>
+                          <a:effectLst/>
+                          <a:latin typeface="+mn-lt"/>
+                          <a:ea typeface="+mn-ea"/>
+                          <a:cs typeface="+mn-cs"/>
+                        </a:rPr>
+                        <a:t> </a:t>
+                      </a:r>
+                      <a:r>
+                        <a:rPr lang="en-US" sz="1800" b="0" i="0" u="none" strike="noStrike" kern="1200" dirty="0" err="1" smtClean="0">
+                          <a:solidFill>
+                            <a:schemeClr val="dk1"/>
+                          </a:solidFill>
+                          <a:effectLst/>
+                          <a:latin typeface="+mn-lt"/>
+                          <a:ea typeface="+mn-ea"/>
+                          <a:cs typeface="+mn-cs"/>
+                        </a:rPr>
+                        <a:t>Yusof</a:t>
                       </a:r>
                       <a:endParaRPr lang="en-US" sz="1600" dirty="0">
                         <a:latin typeface="Times New Roman" panose="02020603050405020304" pitchFamily="18" charset="0"/>
@@ -4895,39 +5025,88 @@
                     <a:lstStyle/>
                     <a:p>
                       <a:r>
+                        <a:rPr lang="en-US" sz="1200" dirty="0" err="1" smtClean="0">
+                          <a:latin typeface="Times New Roman" panose="02020603050405020304" pitchFamily="18" charset="0"/>
+                          <a:cs typeface="Times New Roman" panose="02020603050405020304" pitchFamily="18" charset="0"/>
+                        </a:rPr>
+                        <a:t>Ummi</a:t>
+                      </a:r>
+                      <a:r>
                         <a:rPr lang="en-US" sz="1200" dirty="0" smtClean="0">
                           <a:latin typeface="Times New Roman" panose="02020603050405020304" pitchFamily="18" charset="0"/>
                           <a:cs typeface="Times New Roman" panose="02020603050405020304" pitchFamily="18" charset="0"/>
                         </a:rPr>
-                        <a:t>M. </a:t>
+                        <a:t> </a:t>
                       </a:r>
                       <a:r>
                         <a:rPr lang="en-US" sz="1200" dirty="0" err="1" smtClean="0">
                           <a:latin typeface="Times New Roman" panose="02020603050405020304" pitchFamily="18" charset="0"/>
                           <a:cs typeface="Times New Roman" panose="02020603050405020304" pitchFamily="18" charset="0"/>
                         </a:rPr>
-                        <a:t>Bagnulo</a:t>
+                        <a:t>Suraya</a:t>
                       </a:r>
                       <a:r>
                         <a:rPr lang="en-US" sz="1200" dirty="0" smtClean="0">
                           <a:latin typeface="Times New Roman" panose="02020603050405020304" pitchFamily="18" charset="0"/>
                           <a:cs typeface="Times New Roman" panose="02020603050405020304" pitchFamily="18" charset="0"/>
                         </a:rPr>
-                        <a:t>, A. Garcia-Martinez and I. V. </a:t>
+                        <a:t> </a:t>
                       </a:r>
                       <a:r>
                         <a:rPr lang="en-US" sz="1200" dirty="0" err="1" smtClean="0">
                           <a:latin typeface="Times New Roman" panose="02020603050405020304" pitchFamily="18" charset="0"/>
                           <a:cs typeface="Times New Roman" panose="02020603050405020304" pitchFamily="18" charset="0"/>
                         </a:rPr>
-                        <a:t>Beijnum</a:t>
+                        <a:t>Shaharuddin</a:t>
                       </a:r>
                       <a:r>
                         <a:rPr lang="en-US" sz="1200" dirty="0" smtClean="0">
                           <a:latin typeface="Times New Roman" panose="02020603050405020304" pitchFamily="18" charset="0"/>
                           <a:cs typeface="Times New Roman" panose="02020603050405020304" pitchFamily="18" charset="0"/>
                         </a:rPr>
-                        <a:t>, "The NAT64/DNS64 tool suite for IPv6 transition," in IEEE Communications Magazine, vol. 50, no. 7, pp. 177-183, July 2012, doi: 10.1109/MCOM.2012.6231295.</a:t>
+                        <a:t>, R. </a:t>
+                      </a:r>
+                      <a:r>
+                        <a:rPr lang="en-US" sz="1200" dirty="0" err="1" smtClean="0">
+                          <a:latin typeface="Times New Roman" panose="02020603050405020304" pitchFamily="18" charset="0"/>
+                          <a:cs typeface="Times New Roman" panose="02020603050405020304" pitchFamily="18" charset="0"/>
+                        </a:rPr>
+                        <a:t>Ab</a:t>
+                      </a:r>
+                      <a:r>
+                        <a:rPr lang="en-US" sz="1200" dirty="0" smtClean="0">
+                          <a:latin typeface="Times New Roman" panose="02020603050405020304" pitchFamily="18" charset="0"/>
+                          <a:cs typeface="Times New Roman" panose="02020603050405020304" pitchFamily="18" charset="0"/>
+                        </a:rPr>
+                        <a:t> Rahman, M. </a:t>
+                      </a:r>
+                      <a:r>
+                        <a:rPr lang="en-US" sz="1200" dirty="0" err="1" smtClean="0">
+                          <a:latin typeface="Times New Roman" panose="02020603050405020304" pitchFamily="18" charset="0"/>
+                          <a:cs typeface="Times New Roman" panose="02020603050405020304" pitchFamily="18" charset="0"/>
+                        </a:rPr>
+                        <a:t>Kassim</a:t>
+                      </a:r>
+                      <a:r>
+                        <a:rPr lang="en-US" sz="1200" dirty="0" smtClean="0">
+                          <a:latin typeface="Times New Roman" panose="02020603050405020304" pitchFamily="18" charset="0"/>
+                          <a:cs typeface="Times New Roman" panose="02020603050405020304" pitchFamily="18" charset="0"/>
+                        </a:rPr>
+                        <a:t> and M. I. </a:t>
+                      </a:r>
+                      <a:r>
+                        <a:rPr lang="en-US" sz="1200" dirty="0" err="1" smtClean="0">
+                          <a:latin typeface="Times New Roman" panose="02020603050405020304" pitchFamily="18" charset="0"/>
+                          <a:cs typeface="Times New Roman" panose="02020603050405020304" pitchFamily="18" charset="0"/>
+                        </a:rPr>
+                        <a:t>Yusof</a:t>
+                      </a:r>
+                      <a:r>
+                        <a:rPr lang="en-US" sz="1200" dirty="0" smtClean="0">
+                          <a:latin typeface="Times New Roman" panose="02020603050405020304" pitchFamily="18" charset="0"/>
+                          <a:cs typeface="Times New Roman" panose="02020603050405020304" pitchFamily="18" charset="0"/>
+                        </a:rPr>
+                        <a:t>, "Performance comparison of Multimedia Applications over IPv4 and IPv6 Dual Stack technology," 2016 6th International Conference on System Engineering and Technology (ICSET), 2016, pp. 1-6, doi: 10.1109/ICSEngT.2016.7849613.</a:t>
                       </a:r>
                       <a:endParaRPr lang="en-US" sz="1200" dirty="0">
                         <a:latin typeface="Times New Roman" panose="02020603050405020304" pitchFamily="18" charset="0"/>
@@ -4943,7 +5122,7 @@
                     <a:lstStyle/>
                     <a:p>
                       <a:r>
-                        <a:rPr lang="en-US" sz="1400" b="0" i="0" kern="1200" dirty="0" smtClean="0">
+                        <a:rPr lang="en-US" sz="1600" b="0" i="0" kern="1200" dirty="0" smtClean="0">
                           <a:solidFill>
                             <a:schemeClr val="dk1"/>
                           </a:solidFill>
@@ -4952,63 +5131,9 @@
                           <a:ea typeface="+mn-ea"/>
                           <a:cs typeface="Times New Roman" panose="02020603050405020304" pitchFamily="18" charset="0"/>
                         </a:rPr>
-                        <a:t>NAT64 (NAT-Network Address Translation)translates IPv6 packets into IPv4 packets and vice versa.</a:t>
-                      </a:r>
-                    </a:p>
-                    <a:p>
-                      <a:r>
-                        <a:rPr lang="en-US" sz="1400" b="0" i="0" kern="1200" dirty="0" smtClean="0">
-                          <a:solidFill>
-                            <a:schemeClr val="dk1"/>
-                          </a:solidFill>
-                          <a:effectLst/>
-                          <a:latin typeface="Times New Roman" panose="02020603050405020304" pitchFamily="18" charset="0"/>
-                          <a:ea typeface="+mn-ea"/>
-                          <a:cs typeface="Times New Roman" panose="02020603050405020304" pitchFamily="18" charset="0"/>
-                        </a:rPr>
-                        <a:t>Binding Information</a:t>
-                      </a:r>
-                      <a:r>
-                        <a:rPr lang="en-US" sz="1400" b="0" i="0" kern="1200" baseline="0" dirty="0" smtClean="0">
-                          <a:solidFill>
-                            <a:schemeClr val="dk1"/>
-                          </a:solidFill>
-                          <a:effectLst/>
-                          <a:latin typeface="Times New Roman" panose="02020603050405020304" pitchFamily="18" charset="0"/>
-                          <a:ea typeface="+mn-ea"/>
-                          <a:cs typeface="Times New Roman" panose="02020603050405020304" pitchFamily="18" charset="0"/>
-                        </a:rPr>
-                        <a:t> Base,</a:t>
-                      </a:r>
-                    </a:p>
-                    <a:p>
-                      <a:r>
-                        <a:rPr lang="en-US" sz="1400" b="0" i="0" kern="1200" baseline="0" dirty="0" smtClean="0">
-                          <a:solidFill>
-                            <a:schemeClr val="dk1"/>
-                          </a:solidFill>
-                          <a:effectLst/>
-                          <a:latin typeface="Times New Roman" panose="02020603050405020304" pitchFamily="18" charset="0"/>
-                          <a:ea typeface="+mn-ea"/>
-                          <a:cs typeface="Times New Roman" panose="02020603050405020304" pitchFamily="18" charset="0"/>
-                        </a:rPr>
-                        <a:t>Session Table,</a:t>
-                      </a:r>
-                    </a:p>
-                    <a:p>
-                      <a:r>
-                        <a:rPr lang="en-US" sz="1400" b="0" i="0" kern="1200" dirty="0" smtClean="0">
-                          <a:solidFill>
-                            <a:schemeClr val="dk1"/>
-                          </a:solidFill>
-                          <a:effectLst/>
-                          <a:latin typeface="Times New Roman" panose="02020603050405020304" pitchFamily="18" charset="0"/>
-                          <a:ea typeface="+mn-ea"/>
-                          <a:cs typeface="Times New Roman" panose="02020603050405020304" pitchFamily="18" charset="0"/>
-                        </a:rPr>
-                        <a:t>DNS64 synthesizes AAAA resource records (AAAA RRs) from A resource records (A RRs)</a:t>
-                      </a:r>
-                      <a:endParaRPr lang="en-US" sz="1400" dirty="0">
+                        <a:t>RIPv2 routing protocol for both GNS3 simulation and Cisco hardware routers</a:t>
+                      </a:r>
+                      <a:endParaRPr lang="en-US" sz="1600" dirty="0">
                         <a:latin typeface="Times New Roman" panose="02020603050405020304" pitchFamily="18" charset="0"/>
                         <a:cs typeface="Times New Roman" panose="02020603050405020304" pitchFamily="18" charset="0"/>
                       </a:endParaRPr>
@@ -5022,7 +5147,7 @@
                     <a:lstStyle/>
                     <a:p>
                       <a:r>
-                        <a:rPr lang="en-US" sz="1400" b="0" i="0" kern="1200" dirty="0" smtClean="0">
+                        <a:rPr lang="en-US" sz="1600" b="0" i="0" kern="1200" dirty="0" smtClean="0">
                           <a:solidFill>
                             <a:schemeClr val="dk1"/>
                           </a:solidFill>
@@ -5031,23 +5156,9 @@
                           <a:ea typeface="+mn-ea"/>
                           <a:cs typeface="Times New Roman" panose="02020603050405020304" pitchFamily="18" charset="0"/>
                         </a:rPr>
-                        <a:t>The DNS64/NAT64 manages explicitly only communications initiated from the IPv6 side. </a:t>
-                      </a:r>
-                    </a:p>
-                    <a:p>
-                      <a:r>
-                        <a:rPr lang="en-US" sz="1400" b="0" i="0" kern="1200" dirty="0" smtClean="0">
-                          <a:solidFill>
-                            <a:schemeClr val="dk1"/>
-                          </a:solidFill>
-                          <a:effectLst/>
-                          <a:latin typeface="Times New Roman" panose="02020603050405020304" pitchFamily="18" charset="0"/>
-                          <a:ea typeface="+mn-ea"/>
-                          <a:cs typeface="Times New Roman" panose="02020603050405020304" pitchFamily="18" charset="0"/>
-                        </a:rPr>
-                        <a:t>DNS64 is a full-fledged architectural component that is part of a DNS resolver, As such, it does not need to transparently intercept DNS queries. DNS64/NAT64 uses by default the Well-Known Prefix that allows having a globally valid IPv6 representation of an IPv4 address.</a:t>
-                      </a:r>
-                      <a:endParaRPr lang="en-US" sz="1400" dirty="0">
+                        <a:t>IPv6 is better compared to IPv4 through Dual Stack protocol. Multimedia streaming data analysis proved that IPv6 is faster than IPv4 transmission with Dual stack protocol.</a:t>
+                      </a:r>
+                      <a:endParaRPr lang="en-US" sz="1600" dirty="0">
                         <a:latin typeface="Times New Roman" panose="02020603050405020304" pitchFamily="18" charset="0"/>
                         <a:cs typeface="Times New Roman" panose="02020603050405020304" pitchFamily="18" charset="0"/>
                       </a:endParaRPr>
@@ -5063,7 +5174,7 @@
     </p:spTree>
     <p:extLst>
       <p:ext uri="{BB962C8B-B14F-4D97-AF65-F5344CB8AC3E}">
-        <p14:creationId xmlns:p14="http://schemas.microsoft.com/office/powerpoint/2010/main" val="2768559702"/>
+        <p14:creationId xmlns:p14="http://schemas.microsoft.com/office/powerpoint/2010/main" val="2426074611"/>
       </p:ext>
     </p:extLst>
   </p:cSld>
@@ -5107,7 +5218,7 @@
           <a:p>
             <a:fld id="{05229871-6294-4FDC-ADFB-03568C29F7D6}" type="datetime1">
               <a:rPr lang="en-US" smtClean="0"/>
-              <a:t>21-Sep-21</a:t>
+              <a:t>22-Sep-21</a:t>
             </a:fld>
             <a:endParaRPr lang="en-US"/>
           </a:p>
@@ -5169,14 +5280,14 @@
           <p:nvPr>
             <p:extLst>
               <p:ext uri="{D42A27DB-BD31-4B8C-83A1-F6EECF244321}">
-                <p14:modId xmlns:p14="http://schemas.microsoft.com/office/powerpoint/2010/main" val="2881337042"/>
+                <p14:modId xmlns:p14="http://schemas.microsoft.com/office/powerpoint/2010/main" val="850537998"/>
               </p:ext>
             </p:extLst>
           </p:nvPr>
         </p:nvGraphicFramePr>
         <p:xfrm>
-          <a:off x="685800" y="381000"/>
-          <a:ext cx="7848600" cy="5715000"/>
+          <a:off x="533400" y="1066800"/>
+          <a:ext cx="7848600" cy="4267200"/>
         </p:xfrm>
         <a:graphic>
           <a:graphicData uri="http://schemas.openxmlformats.org/drawingml/2006/table">
@@ -5287,7 +5398,7 @@
                   <a:tcPr/>
                 </a:tc>
               </a:tr>
-              <a:tr h="4636698">
+              <a:tr h="3188898">
                 <a:tc>
                   <a:txBody>
                     <a:bodyPr/>
@@ -5512,6 +5623,57 @@
                     <a:bodyPr/>
                     <a:lstStyle/>
                     <a:p>
+                      <a:r>
+                        <a:rPr lang="en-US" sz="1400" dirty="0" smtClean="0">
+                          <a:latin typeface="Times New Roman" panose="02020603050405020304" pitchFamily="18" charset="0"/>
+                          <a:cs typeface="Times New Roman" panose="02020603050405020304" pitchFamily="18" charset="0"/>
+                        </a:rPr>
+                        <a:t>Static </a:t>
+                      </a:r>
+                      <a:r>
+                        <a:rPr lang="en-US" sz="1400" dirty="0" err="1" smtClean="0">
+                          <a:latin typeface="Times New Roman" panose="02020603050405020304" pitchFamily="18" charset="0"/>
+                          <a:cs typeface="Times New Roman" panose="02020603050405020304" pitchFamily="18" charset="0"/>
+                        </a:rPr>
+                        <a:t>Routing</a:t>
+                      </a:r>
+                      <a:r>
+                        <a:rPr lang="en-US" sz="1400" baseline="0" dirty="0" err="1" smtClean="0">
+                          <a:latin typeface="Times New Roman" panose="02020603050405020304" pitchFamily="18" charset="0"/>
+                          <a:cs typeface="Times New Roman" panose="02020603050405020304" pitchFamily="18" charset="0"/>
+                        </a:rPr>
+                        <a:t>,Dynamic</a:t>
+                      </a:r>
+                      <a:r>
+                        <a:rPr lang="en-US" sz="1400" baseline="0" dirty="0" smtClean="0">
+                          <a:latin typeface="Times New Roman" panose="02020603050405020304" pitchFamily="18" charset="0"/>
+                          <a:cs typeface="Times New Roman" panose="02020603050405020304" pitchFamily="18" charset="0"/>
+                        </a:rPr>
+                        <a:t> </a:t>
+                      </a:r>
+                      <a:r>
+                        <a:rPr lang="en-US" sz="1400" baseline="0" dirty="0" err="1" smtClean="0">
+                          <a:latin typeface="Times New Roman" panose="02020603050405020304" pitchFamily="18" charset="0"/>
+                          <a:cs typeface="Times New Roman" panose="02020603050405020304" pitchFamily="18" charset="0"/>
+                        </a:rPr>
+                        <a:t>Rounting,Open</a:t>
+                      </a:r>
+                      <a:r>
+                        <a:rPr lang="en-US" sz="1400" baseline="0" dirty="0" smtClean="0">
+                          <a:latin typeface="Times New Roman" panose="02020603050405020304" pitchFamily="18" charset="0"/>
+                          <a:cs typeface="Times New Roman" panose="02020603050405020304" pitchFamily="18" charset="0"/>
+                        </a:rPr>
+                        <a:t> Shortest Path First(OSPF)</a:t>
+                      </a:r>
+                    </a:p>
+                    <a:p>
+                      <a:r>
+                        <a:rPr lang="en-US" sz="1400" baseline="0" dirty="0" smtClean="0">
+                          <a:latin typeface="Times New Roman" panose="02020603050405020304" pitchFamily="18" charset="0"/>
+                          <a:cs typeface="Times New Roman" panose="02020603050405020304" pitchFamily="18" charset="0"/>
+                        </a:rPr>
+                        <a:t>Performance metrics-Latency and Throughput</a:t>
+                      </a:r>
                       <a:endParaRPr lang="en-US" sz="1400" dirty="0">
                         <a:latin typeface="Times New Roman" panose="02020603050405020304" pitchFamily="18" charset="0"/>
                         <a:cs typeface="Times New Roman" panose="02020603050405020304" pitchFamily="18" charset="0"/>
@@ -5525,7 +5687,19 @@
                     <a:bodyPr/>
                     <a:lstStyle/>
                     <a:p>
-                      <a:endParaRPr lang="en-US" sz="1400" dirty="0">
+                      <a:r>
+                        <a:rPr lang="en-US" sz="1600" b="0" i="0" kern="1200" dirty="0" smtClean="0">
+                          <a:solidFill>
+                            <a:schemeClr val="dk1"/>
+                          </a:solidFill>
+                          <a:effectLst/>
+                          <a:latin typeface="Times New Roman" panose="02020603050405020304" pitchFamily="18" charset="0"/>
+                          <a:ea typeface="+mn-ea"/>
+                          <a:cs typeface="Times New Roman" panose="02020603050405020304" pitchFamily="18" charset="0"/>
+                        </a:rPr>
+                        <a:t>IPv6 protocol along with providing much wider address space also provides less latency and better throughput than the IPv4 protocol.</a:t>
+                      </a:r>
+                      <a:endParaRPr lang="en-US" sz="1600" dirty="0">
                         <a:latin typeface="Times New Roman" panose="02020603050405020304" pitchFamily="18" charset="0"/>
                         <a:cs typeface="Times New Roman" panose="02020603050405020304" pitchFamily="18" charset="0"/>
                       </a:endParaRPr>
@@ -5570,224 +5744,58 @@
       </p:grpSpPr>
       <p:sp>
         <p:nvSpPr>
-          <p:cNvPr id="3" name="Content Placeholder 2">
-            <a:extLst>
-              <a:ext uri="{FF2B5EF4-FFF2-40B4-BE49-F238E27FC236}">
-                <a16:creationId xmlns:a16="http://schemas.microsoft.com/office/drawing/2014/main" xmlns="" id="{9FEAD64D-79FF-4795-84B6-68D804FD3CE2}"/>
-              </a:ext>
-            </a:extLst>
-          </p:cNvPr>
-          <p:cNvSpPr>
-            <a:spLocks noGrp="1"/>
-          </p:cNvSpPr>
-          <p:nvPr>
-            <p:ph idx="1"/>
+          <p:cNvPr id="2" name="Title 1"/>
+          <p:cNvSpPr>
+            <a:spLocks noGrp="1"/>
+          </p:cNvSpPr>
+          <p:nvPr>
+            <p:ph type="title"/>
           </p:nvPr>
         </p:nvSpPr>
         <p:spPr>
-          <a:xfrm>
-            <a:off x="152400" y="304800"/>
-            <a:ext cx="8534400" cy="5821363"/>
-          </a:xfrm>
+          <a:solidFill>
+            <a:srgbClr val="0000FF"/>
+          </a:solidFill>
         </p:spPr>
         <p:txBody>
           <a:bodyPr>
-            <a:normAutofit/>
+            <a:noAutofit/>
           </a:bodyPr>
           <a:lstStyle/>
           <a:p>
-            <a:pPr indent="0" algn="just">
-              <a:lnSpc>
-                <a:spcPct val="115000"/>
-              </a:lnSpc>
-              <a:spcAft>
-                <a:spcPts val="1000"/>
-              </a:spcAft>
-              <a:buNone/>
-            </a:pPr>
-            <a:endParaRPr lang="en-IN" sz="1600" b="1" dirty="0">
-              <a:latin typeface="Times New Roman" panose="02020603050405020304" pitchFamily="18" charset="0"/>
-              <a:ea typeface="Times New Roman" panose="02020603050405020304" pitchFamily="18" charset="0"/>
-              <a:cs typeface="Times New Roman" panose="02020603050405020304" pitchFamily="18" charset="0"/>
+            <a:r>
+              <a:rPr lang="en-US" sz="3600" b="1" dirty="0">
+                <a:solidFill>
+                  <a:schemeClr val="bg1"/>
+                </a:solidFill>
+                <a:latin typeface="Times New Roman" panose="02020603050405020304" pitchFamily="18" charset="0"/>
+                <a:cs typeface="Times New Roman" panose="02020603050405020304" pitchFamily="18" charset="0"/>
+              </a:rPr>
+              <a:t>Basic </a:t>
+            </a:r>
+            <a:r>
+              <a:rPr lang="en-US" sz="3600" b="1" dirty="0" smtClean="0">
+                <a:solidFill>
+                  <a:schemeClr val="bg1"/>
+                </a:solidFill>
+                <a:latin typeface="Times New Roman" panose="02020603050405020304" pitchFamily="18" charset="0"/>
+                <a:cs typeface="Times New Roman" panose="02020603050405020304" pitchFamily="18" charset="0"/>
+              </a:rPr>
+              <a:t>Architecture</a:t>
+            </a:r>
+            <a:endParaRPr lang="en-US" sz="3600" b="1" dirty="0">
+              <a:solidFill>
+                <a:schemeClr val="bg1"/>
+              </a:solidFill>
+              <a:latin typeface="Times New Roman" pitchFamily="18" charset="0"/>
+              <a:cs typeface="Times New Roman" pitchFamily="18" charset="0"/>
             </a:endParaRPr>
           </a:p>
-          <a:p>
-            <a:pPr indent="0" algn="just">
-              <a:lnSpc>
-                <a:spcPct val="115000"/>
-              </a:lnSpc>
-              <a:spcAft>
-                <a:spcPts val="1000"/>
-              </a:spcAft>
-              <a:buNone/>
-            </a:pPr>
-            <a:r>
-              <a:rPr lang="en-US" sz="1800" b="1" dirty="0">
-                <a:effectLst/>
-                <a:latin typeface="Calibri" panose="020F0502020204030204" pitchFamily="34" charset="0"/>
-                <a:ea typeface="Times New Roman" panose="02020603050405020304" pitchFamily="18" charset="0"/>
-              </a:rPr>
-              <a:t>Implementation of IPv6/IPv4 Dual-Stack Transition Mechanism </a:t>
-            </a:r>
-            <a:r>
-              <a:rPr lang="en-US" sz="1800" b="0" dirty="0">
-                <a:effectLst/>
-                <a:latin typeface="Times New Roman" panose="02020603050405020304" pitchFamily="18" charset="0"/>
-                <a:ea typeface="Times New Roman" panose="02020603050405020304" pitchFamily="18" charset="0"/>
-              </a:rPr>
-              <a:t> </a:t>
-            </a:r>
-            <a:endParaRPr lang="en-US" sz="1800" b="0" dirty="0" smtClean="0">
-              <a:effectLst/>
-              <a:latin typeface="Times New Roman" panose="02020603050405020304" pitchFamily="18" charset="0"/>
-              <a:ea typeface="Times New Roman" panose="02020603050405020304" pitchFamily="18" charset="0"/>
-            </a:endParaRPr>
-          </a:p>
-          <a:p>
-            <a:pPr indent="0" algn="just">
-              <a:lnSpc>
-                <a:spcPct val="115000"/>
-              </a:lnSpc>
-              <a:spcAft>
-                <a:spcPts val="1000"/>
-              </a:spcAft>
-              <a:buNone/>
-            </a:pPr>
-            <a:endParaRPr lang="en-IN" sz="1800" b="1" dirty="0">
-              <a:latin typeface="Times New Roman" panose="02020603050405020304" pitchFamily="18" charset="0"/>
-              <a:ea typeface="Times New Roman" panose="02020603050405020304" pitchFamily="18" charset="0"/>
-            </a:endParaRPr>
-          </a:p>
-          <a:p>
-            <a:pPr marL="628650" indent="-285750" algn="just">
-              <a:lnSpc>
-                <a:spcPct val="115000"/>
-              </a:lnSpc>
-              <a:spcAft>
-                <a:spcPts val="1000"/>
-              </a:spcAft>
-            </a:pPr>
-            <a:r>
-              <a:rPr lang="en-US" sz="1600" dirty="0">
-                <a:effectLst/>
-                <a:latin typeface="Times New Roman" panose="02020603050405020304" pitchFamily="18" charset="0"/>
-                <a:ea typeface="Calibri" panose="020F0502020204030204" pitchFamily="34" charset="0"/>
-                <a:cs typeface="Times New Roman" panose="02020603050405020304" pitchFamily="18" charset="0"/>
-              </a:rPr>
-              <a:t>With the rapid development of Internet, IPv4 protocol can no longer meet the needs of users. This is mainly due to the limitations of IPv4 in terms of addresses, routing and security. </a:t>
-            </a:r>
-            <a:endParaRPr lang="en-US" sz="1600" dirty="0" smtClean="0">
-              <a:effectLst/>
-              <a:latin typeface="Times New Roman" panose="02020603050405020304" pitchFamily="18" charset="0"/>
-              <a:ea typeface="Calibri" panose="020F0502020204030204" pitchFamily="34" charset="0"/>
-              <a:cs typeface="Times New Roman" panose="02020603050405020304" pitchFamily="18" charset="0"/>
-            </a:endParaRPr>
-          </a:p>
-          <a:p>
-            <a:pPr marL="628650" indent="-285750" algn="just">
-              <a:lnSpc>
-                <a:spcPct val="115000"/>
-              </a:lnSpc>
-              <a:spcAft>
-                <a:spcPts val="1000"/>
-              </a:spcAft>
-            </a:pPr>
-            <a:endParaRPr lang="en-US" sz="1600" dirty="0">
-              <a:effectLst/>
-              <a:latin typeface="Times New Roman" panose="02020603050405020304" pitchFamily="18" charset="0"/>
-              <a:ea typeface="Calibri" panose="020F0502020204030204" pitchFamily="34" charset="0"/>
-              <a:cs typeface="Times New Roman" panose="02020603050405020304" pitchFamily="18" charset="0"/>
-            </a:endParaRPr>
-          </a:p>
-          <a:p>
-            <a:pPr marL="628650" indent="-285750" algn="just">
-              <a:lnSpc>
-                <a:spcPct val="115000"/>
-              </a:lnSpc>
-              <a:spcAft>
-                <a:spcPts val="1000"/>
-              </a:spcAft>
-            </a:pPr>
-            <a:r>
-              <a:rPr lang="en-US" sz="1600" dirty="0">
-                <a:effectLst/>
-                <a:latin typeface="Times New Roman" panose="02020603050405020304" pitchFamily="18" charset="0"/>
-                <a:ea typeface="Calibri" panose="020F0502020204030204" pitchFamily="34" charset="0"/>
-                <a:cs typeface="Times New Roman" panose="02020603050405020304" pitchFamily="18" charset="0"/>
-              </a:rPr>
-              <a:t>Correspondingly, IPv6 has the advantage of large address space, security, mobility, quality of service and so on. So IPv6 protocol has become the inevitable trend of network development. However IPv4 and IPv6 are incompatible protocols, so a solution to transition is </a:t>
-            </a:r>
-            <a:r>
-              <a:rPr lang="en-US" sz="1600" dirty="0" smtClean="0">
-                <a:effectLst/>
-                <a:latin typeface="Times New Roman" panose="02020603050405020304" pitchFamily="18" charset="0"/>
-                <a:ea typeface="Calibri" panose="020F0502020204030204" pitchFamily="34" charset="0"/>
-                <a:cs typeface="Times New Roman" panose="02020603050405020304" pitchFamily="18" charset="0"/>
-              </a:rPr>
-              <a:t>required</a:t>
-            </a:r>
-            <a:r>
-              <a:rPr lang="en-US" sz="1600" dirty="0">
-                <a:effectLst/>
-                <a:latin typeface="Times New Roman" panose="02020603050405020304" pitchFamily="18" charset="0"/>
-                <a:ea typeface="Calibri" panose="020F0502020204030204" pitchFamily="34" charset="0"/>
-                <a:cs typeface="Times New Roman" panose="02020603050405020304" pitchFamily="18" charset="0"/>
-              </a:rPr>
-              <a:t>. </a:t>
-            </a:r>
-            <a:endParaRPr lang="en-US" sz="1600" dirty="0" smtClean="0">
-              <a:effectLst/>
-              <a:latin typeface="Times New Roman" panose="02020603050405020304" pitchFamily="18" charset="0"/>
-              <a:ea typeface="Calibri" panose="020F0502020204030204" pitchFamily="34" charset="0"/>
-              <a:cs typeface="Times New Roman" panose="02020603050405020304" pitchFamily="18" charset="0"/>
-            </a:endParaRPr>
-          </a:p>
-          <a:p>
-            <a:pPr marL="628650" indent="-285750" algn="just">
-              <a:lnSpc>
-                <a:spcPct val="115000"/>
-              </a:lnSpc>
-              <a:spcAft>
-                <a:spcPts val="1000"/>
-              </a:spcAft>
-            </a:pPr>
-            <a:endParaRPr lang="en-US" sz="1600" dirty="0">
-              <a:effectLst/>
-              <a:latin typeface="Times New Roman" panose="02020603050405020304" pitchFamily="18" charset="0"/>
-              <a:ea typeface="Calibri" panose="020F0502020204030204" pitchFamily="34" charset="0"/>
-              <a:cs typeface="Times New Roman" panose="02020603050405020304" pitchFamily="18" charset="0"/>
-            </a:endParaRPr>
-          </a:p>
-          <a:p>
-            <a:pPr marL="628650" indent="-285750" algn="just">
-              <a:lnSpc>
-                <a:spcPct val="115000"/>
-              </a:lnSpc>
-              <a:spcAft>
-                <a:spcPts val="1000"/>
-              </a:spcAft>
-            </a:pPr>
-            <a:r>
-              <a:rPr lang="en-US" sz="1600" dirty="0">
-                <a:effectLst/>
-                <a:latin typeface="Times New Roman" panose="02020603050405020304" pitchFamily="18" charset="0"/>
-                <a:ea typeface="Calibri" panose="020F0502020204030204" pitchFamily="34" charset="0"/>
-                <a:cs typeface="Times New Roman" panose="02020603050405020304" pitchFamily="18" charset="0"/>
-              </a:rPr>
-              <a:t>In order to achieve smooth and stepwise transition, IETF recommends three kinds of transition mechanisms: dual stack, tunneling and translation technology.</a:t>
-            </a:r>
-          </a:p>
-        </p:txBody>
-      </p:sp>
-      <p:sp>
-        <p:nvSpPr>
-          <p:cNvPr id="4" name="Date Placeholder 3">
-            <a:extLst>
-              <a:ext uri="{FF2B5EF4-FFF2-40B4-BE49-F238E27FC236}">
-                <a16:creationId xmlns:a16="http://schemas.microsoft.com/office/drawing/2014/main" xmlns="" id="{BADA8D08-B442-46D6-9832-F441A832C6E4}"/>
-              </a:ext>
-            </a:extLst>
-          </p:cNvPr>
+        </p:txBody>
+      </p:sp>
+      <p:sp>
+        <p:nvSpPr>
+          <p:cNvPr id="4" name="Date Placeholder 3"/>
           <p:cNvSpPr>
             <a:spLocks noGrp="1"/>
           </p:cNvSpPr>
@@ -5816,13 +5824,7 @@
       </p:sp>
       <p:sp>
         <p:nvSpPr>
-          <p:cNvPr id="5" name="Footer Placeholder 4">
-            <a:extLst>
-              <a:ext uri="{FF2B5EF4-FFF2-40B4-BE49-F238E27FC236}">
-                <a16:creationId xmlns:a16="http://schemas.microsoft.com/office/drawing/2014/main" xmlns="" id="{A454B4D8-51F7-4013-A00C-8B62B65CE316}"/>
-              </a:ext>
-            </a:extLst>
-          </p:cNvPr>
+          <p:cNvPr id="5" name="Footer Placeholder 4"/>
           <p:cNvSpPr>
             <a:spLocks noGrp="1"/>
           </p:cNvSpPr>
@@ -5836,7 +5838,10 @@
           <a:lstStyle/>
           <a:p>
             <a:r>
-              <a:rPr lang="en-US"/>
+              <a:rPr lang="en-US" dirty="0">
+                <a:latin typeface="Times New Roman" pitchFamily="18" charset="0"/>
+                <a:cs typeface="Times New Roman" pitchFamily="18" charset="0"/>
+              </a:rPr>
               <a:t>Dept. of ECE, NMIT, Bangalore-64</a:t>
             </a:r>
           </a:p>
@@ -5844,13 +5849,7 @@
       </p:sp>
       <p:sp>
         <p:nvSpPr>
-          <p:cNvPr id="6" name="Slide Number Placeholder 5">
-            <a:extLst>
-              <a:ext uri="{FF2B5EF4-FFF2-40B4-BE49-F238E27FC236}">
-                <a16:creationId xmlns:a16="http://schemas.microsoft.com/office/drawing/2014/main" xmlns="" id="{9007017B-9902-48CD-900F-A2DDA42BE803}"/>
-              </a:ext>
-            </a:extLst>
-          </p:cNvPr>
+          <p:cNvPr id="6" name="Slide Number Placeholder 5"/>
           <p:cNvSpPr>
             <a:spLocks noGrp="1"/>
           </p:cNvSpPr>
@@ -5868,14 +5867,222 @@
               <a:pPr/>
               <a:t>12</a:t>
             </a:fld>
-            <a:endParaRPr lang="en-US"/>
+            <a:endParaRPr lang="en-US" dirty="0"/>
+          </a:p>
+        </p:txBody>
+      </p:sp>
+      <p:sp>
+        <p:nvSpPr>
+          <p:cNvPr id="7" name="Content Placeholder 6"/>
+          <p:cNvSpPr>
+            <a:spLocks noGrp="1"/>
+          </p:cNvSpPr>
+          <p:nvPr>
+            <p:ph idx="1"/>
+          </p:nvPr>
+        </p:nvSpPr>
+        <p:spPr/>
+        <p:txBody>
+          <a:bodyPr/>
+          <a:lstStyle/>
+          <a:p>
+            <a:r>
+              <a:rPr lang="en-US" sz="1600" dirty="0" smtClean="0">
+                <a:latin typeface="Times New Roman" panose="02020603050405020304" pitchFamily="18" charset="0"/>
+                <a:cs typeface="Times New Roman" panose="02020603050405020304" pitchFamily="18" charset="0"/>
+              </a:rPr>
+              <a:t>Three Hosts on </a:t>
+            </a:r>
+            <a:r>
+              <a:rPr lang="en-US" sz="1600" dirty="0" smtClean="0">
+                <a:latin typeface="Times New Roman" panose="02020603050405020304" pitchFamily="18" charset="0"/>
+                <a:cs typeface="Times New Roman" panose="02020603050405020304" pitchFamily="18" charset="0"/>
+              </a:rPr>
+              <a:t>LAN(Works for Wan also)</a:t>
+            </a:r>
+            <a:endParaRPr lang="en-US" sz="1600" dirty="0" smtClean="0">
+              <a:latin typeface="Times New Roman" panose="02020603050405020304" pitchFamily="18" charset="0"/>
+              <a:cs typeface="Times New Roman" panose="02020603050405020304" pitchFamily="18" charset="0"/>
+            </a:endParaRPr>
+          </a:p>
+          <a:p>
+            <a:pPr lvl="1"/>
+            <a:r>
+              <a:rPr lang="en-US" sz="1600" dirty="0" smtClean="0">
+                <a:latin typeface="Times New Roman" panose="02020603050405020304" pitchFamily="18" charset="0"/>
+                <a:cs typeface="Times New Roman" panose="02020603050405020304" pitchFamily="18" charset="0"/>
+              </a:rPr>
+              <a:t>Host1  </a:t>
+            </a:r>
+            <a:r>
+              <a:rPr lang="en-IN" sz="1600" dirty="0">
+                <a:latin typeface="Times New Roman" panose="02020603050405020304" pitchFamily="18" charset="0"/>
+                <a:cs typeface="Times New Roman" panose="02020603050405020304" pitchFamily="18" charset="0"/>
+              </a:rPr>
+              <a:t>IPv4/IPv6 (LAN interface should have both IPv4 and IPv6 addresses)</a:t>
+            </a:r>
+            <a:endParaRPr lang="en-US" sz="1600" dirty="0">
+              <a:latin typeface="Times New Roman" panose="02020603050405020304" pitchFamily="18" charset="0"/>
+              <a:cs typeface="Times New Roman" panose="02020603050405020304" pitchFamily="18" charset="0"/>
+            </a:endParaRPr>
+          </a:p>
+          <a:p>
+            <a:pPr lvl="1"/>
+            <a:r>
+              <a:rPr lang="en-IN" sz="1600" dirty="0">
+                <a:latin typeface="Times New Roman" panose="02020603050405020304" pitchFamily="18" charset="0"/>
+                <a:cs typeface="Times New Roman" panose="02020603050405020304" pitchFamily="18" charset="0"/>
+              </a:rPr>
+              <a:t>Host 2 IPv4</a:t>
+            </a:r>
+            <a:endParaRPr lang="en-US" sz="1600" dirty="0">
+              <a:latin typeface="Times New Roman" panose="02020603050405020304" pitchFamily="18" charset="0"/>
+              <a:cs typeface="Times New Roman" panose="02020603050405020304" pitchFamily="18" charset="0"/>
+            </a:endParaRPr>
+          </a:p>
+          <a:p>
+            <a:pPr lvl="1"/>
+            <a:r>
+              <a:rPr lang="en-IN" sz="1600" dirty="0">
+                <a:latin typeface="Times New Roman" panose="02020603050405020304" pitchFamily="18" charset="0"/>
+                <a:cs typeface="Times New Roman" panose="02020603050405020304" pitchFamily="18" charset="0"/>
+              </a:rPr>
+              <a:t>Host 3 </a:t>
+            </a:r>
+            <a:r>
+              <a:rPr lang="en-IN" sz="1600" dirty="0" smtClean="0">
+                <a:latin typeface="Times New Roman" panose="02020603050405020304" pitchFamily="18" charset="0"/>
+                <a:cs typeface="Times New Roman" panose="02020603050405020304" pitchFamily="18" charset="0"/>
+              </a:rPr>
+              <a:t>IPv6</a:t>
+            </a:r>
+            <a:endParaRPr lang="en-US" sz="1600" dirty="0">
+              <a:latin typeface="Times New Roman" panose="02020603050405020304" pitchFamily="18" charset="0"/>
+              <a:cs typeface="Times New Roman" panose="02020603050405020304" pitchFamily="18" charset="0"/>
+            </a:endParaRPr>
+          </a:p>
+          <a:p>
+            <a:r>
+              <a:rPr lang="en-IN" sz="1600" dirty="0">
+                <a:latin typeface="Times New Roman" panose="02020603050405020304" pitchFamily="18" charset="0"/>
+                <a:cs typeface="Times New Roman" panose="02020603050405020304" pitchFamily="18" charset="0"/>
+              </a:rPr>
+              <a:t>H</a:t>
+            </a:r>
+            <a:r>
+              <a:rPr lang="en-IN" sz="1600" dirty="0" smtClean="0">
+                <a:latin typeface="Times New Roman" panose="02020603050405020304" pitchFamily="18" charset="0"/>
+                <a:cs typeface="Times New Roman" panose="02020603050405020304" pitchFamily="18" charset="0"/>
+              </a:rPr>
+              <a:t>ost </a:t>
+            </a:r>
+            <a:r>
+              <a:rPr lang="en-IN" sz="1600" dirty="0">
+                <a:latin typeface="Times New Roman" panose="02020603050405020304" pitchFamily="18" charset="0"/>
+                <a:cs typeface="Times New Roman" panose="02020603050405020304" pitchFamily="18" charset="0"/>
+              </a:rPr>
+              <a:t>1  -</a:t>
+            </a:r>
+            <a:endParaRPr lang="en-US" sz="1600" dirty="0">
+              <a:latin typeface="Times New Roman" panose="02020603050405020304" pitchFamily="18" charset="0"/>
+              <a:cs typeface="Times New Roman" panose="02020603050405020304" pitchFamily="18" charset="0"/>
+            </a:endParaRPr>
+          </a:p>
+          <a:p>
+            <a:pPr lvl="1"/>
+            <a:r>
+              <a:rPr lang="en-IN" sz="1600" dirty="0">
+                <a:latin typeface="Times New Roman" panose="02020603050405020304" pitchFamily="18" charset="0"/>
+                <a:cs typeface="Times New Roman" panose="02020603050405020304" pitchFamily="18" charset="0"/>
+              </a:rPr>
+              <a:t>One server for NMIT seminar hall booking application (using IPv4</a:t>
+            </a:r>
+            <a:r>
+              <a:rPr lang="en-IN" sz="1600" dirty="0" smtClean="0">
+                <a:latin typeface="Times New Roman" panose="02020603050405020304" pitchFamily="18" charset="0"/>
+                <a:cs typeface="Times New Roman" panose="02020603050405020304" pitchFamily="18" charset="0"/>
+              </a:rPr>
+              <a:t>)</a:t>
+            </a:r>
+          </a:p>
+          <a:p>
+            <a:pPr lvl="1"/>
+            <a:r>
+              <a:rPr lang="en-IN" sz="1600" dirty="0">
+                <a:latin typeface="Times New Roman" panose="02020603050405020304" pitchFamily="18" charset="0"/>
+                <a:cs typeface="Times New Roman" panose="02020603050405020304" pitchFamily="18" charset="0"/>
+              </a:rPr>
+              <a:t>Second server for application -  NMIT IP IVR (interactive voice response) system (using IPv6)</a:t>
+            </a:r>
+          </a:p>
+          <a:p>
+            <a:pPr lvl="1"/>
+            <a:r>
+              <a:rPr lang="en-IN" sz="1600" dirty="0">
+                <a:latin typeface="Times New Roman" panose="02020603050405020304" pitchFamily="18" charset="0"/>
+                <a:cs typeface="Times New Roman" panose="02020603050405020304" pitchFamily="18" charset="0"/>
+              </a:rPr>
+              <a:t>Both servers will be running at the same time</a:t>
+            </a:r>
+          </a:p>
+          <a:p>
+            <a:r>
+              <a:rPr lang="en-IN" sz="1600" dirty="0">
+                <a:latin typeface="Times New Roman" panose="02020603050405020304" pitchFamily="18" charset="0"/>
+                <a:cs typeface="Times New Roman" panose="02020603050405020304" pitchFamily="18" charset="0"/>
+              </a:rPr>
+              <a:t>Host 2 </a:t>
+            </a:r>
+          </a:p>
+          <a:p>
+            <a:pPr lvl="1"/>
+            <a:r>
+              <a:rPr lang="en-IN" sz="1600" dirty="0">
+                <a:latin typeface="Times New Roman" panose="02020603050405020304" pitchFamily="18" charset="0"/>
+                <a:cs typeface="Times New Roman" panose="02020603050405020304" pitchFamily="18" charset="0"/>
+              </a:rPr>
+              <a:t>One client for NMIT seminar hall booking application (using IPv4)</a:t>
+            </a:r>
+            <a:endParaRPr lang="en-US" sz="1600" dirty="0">
+              <a:latin typeface="Times New Roman" panose="02020603050405020304" pitchFamily="18" charset="0"/>
+              <a:cs typeface="Times New Roman" panose="02020603050405020304" pitchFamily="18" charset="0"/>
+            </a:endParaRPr>
+          </a:p>
+          <a:p>
+            <a:r>
+              <a:rPr lang="en-IN" sz="1600" dirty="0">
+                <a:latin typeface="Times New Roman" panose="02020603050405020304" pitchFamily="18" charset="0"/>
+                <a:cs typeface="Times New Roman" panose="02020603050405020304" pitchFamily="18" charset="0"/>
+              </a:rPr>
+              <a:t>Host 3 </a:t>
+            </a:r>
+          </a:p>
+          <a:p>
+            <a:pPr lvl="1"/>
+            <a:r>
+              <a:rPr lang="en-IN" sz="1600" dirty="0">
+                <a:latin typeface="Times New Roman" panose="02020603050405020304" pitchFamily="18" charset="0"/>
+                <a:cs typeface="Times New Roman" panose="02020603050405020304" pitchFamily="18" charset="0"/>
+              </a:rPr>
+              <a:t>One client for application - NMIT IP IVR(interactive voice response)  system (using IPv6)</a:t>
+            </a:r>
+            <a:endParaRPr lang="en-US" sz="1600" dirty="0">
+              <a:latin typeface="Times New Roman" panose="02020603050405020304" pitchFamily="18" charset="0"/>
+              <a:cs typeface="Times New Roman" panose="02020603050405020304" pitchFamily="18" charset="0"/>
+            </a:endParaRPr>
+          </a:p>
+          <a:p>
+            <a:pPr marL="457200" lvl="1" indent="0">
+              <a:buNone/>
+            </a:pPr>
+            <a:endParaRPr lang="en-US" dirty="0" smtClean="0"/>
           </a:p>
         </p:txBody>
       </p:sp>
     </p:spTree>
     <p:extLst>
       <p:ext uri="{BB962C8B-B14F-4D97-AF65-F5344CB8AC3E}">
-        <p14:creationId xmlns:p14="http://schemas.microsoft.com/office/powerpoint/2010/main" val="342022499"/>
+        <p14:creationId xmlns:p14="http://schemas.microsoft.com/office/powerpoint/2010/main" val="4182899405"/>
       </p:ext>
     </p:extLst>
   </p:cSld>
@@ -5921,8 +6128,8 @@
         </p:nvSpPr>
         <p:spPr>
           <a:xfrm>
-            <a:off x="457200" y="304800"/>
-            <a:ext cx="8229600" cy="5821363"/>
+            <a:off x="457200" y="1654175"/>
+            <a:ext cx="8229600" cy="4343400"/>
           </a:xfrm>
         </p:spPr>
         <p:txBody>
@@ -5931,185 +6138,76 @@
           </a:bodyPr>
           <a:lstStyle/>
           <a:p>
-            <a:pPr marL="0" indent="0">
-              <a:buNone/>
-            </a:pPr>
-            <a:r>
-              <a:rPr lang="en-US" sz="1800" b="1" dirty="0"/>
-              <a:t>IPv4 to IPv6 Migration and Performance Analysis using GNS3 and Wireshark </a:t>
-            </a:r>
-            <a:endParaRPr lang="en-US" sz="1800" b="1" dirty="0" smtClean="0"/>
-          </a:p>
-          <a:p>
-            <a:endParaRPr lang="en-US" sz="1600" dirty="0" smtClean="0"/>
-          </a:p>
-          <a:p>
-            <a:endParaRPr lang="en-US" sz="1600" dirty="0"/>
-          </a:p>
-          <a:p>
-            <a:r>
-              <a:rPr lang="en-US" sz="1600" dirty="0" smtClean="0">
-                <a:latin typeface="Times New Roman" panose="02020603050405020304" pitchFamily="18" charset="0"/>
-                <a:cs typeface="Times New Roman" panose="02020603050405020304" pitchFamily="18" charset="0"/>
-              </a:rPr>
-              <a:t>The </a:t>
-            </a:r>
-            <a:r>
-              <a:rPr lang="en-US" sz="1600" dirty="0">
-                <a:latin typeface="Times New Roman" panose="02020603050405020304" pitchFamily="18" charset="0"/>
-                <a:cs typeface="Times New Roman" panose="02020603050405020304" pitchFamily="18" charset="0"/>
-              </a:rPr>
-              <a:t>IPv4 protocol is not particularly efficient in its use of the available space, with many addresses being wasted. The internet authorities started to predict address exhaustion in the late </a:t>
-            </a:r>
-            <a:r>
-              <a:rPr lang="en-US" sz="1600" dirty="0" smtClean="0">
-                <a:latin typeface="Times New Roman" panose="02020603050405020304" pitchFamily="18" charset="0"/>
-                <a:cs typeface="Times New Roman" panose="02020603050405020304" pitchFamily="18" charset="0"/>
-              </a:rPr>
-              <a:t>1980s </a:t>
-            </a:r>
-            <a:r>
-              <a:rPr lang="en-US" sz="1600" dirty="0">
-                <a:latin typeface="Times New Roman" panose="02020603050405020304" pitchFamily="18" charset="0"/>
-                <a:cs typeface="Times New Roman" panose="02020603050405020304" pitchFamily="18" charset="0"/>
-              </a:rPr>
-              <a:t>and IPv6 was developed in the 1990s as the long-term solution</a:t>
-            </a:r>
-            <a:r>
-              <a:rPr lang="en-US" sz="1800" dirty="0" smtClean="0">
-                <a:latin typeface="Times New Roman" panose="02020603050405020304" pitchFamily="18" charset="0"/>
-                <a:cs typeface="Times New Roman" panose="02020603050405020304" pitchFamily="18" charset="0"/>
-              </a:rPr>
-              <a:t>.</a:t>
-            </a:r>
-            <a:br>
-              <a:rPr lang="en-US" sz="1800" dirty="0" smtClean="0">
-                <a:latin typeface="Times New Roman" panose="02020603050405020304" pitchFamily="18" charset="0"/>
-                <a:cs typeface="Times New Roman" panose="02020603050405020304" pitchFamily="18" charset="0"/>
-              </a:rPr>
-            </a:br>
-            <a:endParaRPr lang="en-US" sz="1800" dirty="0" smtClean="0">
+            <a:r>
+              <a:rPr lang="en-IN" sz="2000" dirty="0"/>
+              <a:t>Two Linux desktops/laptops, One </a:t>
+            </a:r>
+            <a:r>
+              <a:rPr lang="en-IN" sz="2000" dirty="0" smtClean="0"/>
+              <a:t>Raspberry Pi </a:t>
+            </a:r>
+            <a:r>
+              <a:rPr lang="en-IN" sz="2000" dirty="0"/>
+              <a:t>board</a:t>
+            </a:r>
+            <a:endParaRPr lang="en-US" sz="2000" dirty="0"/>
+          </a:p>
+          <a:p>
+            <a:endParaRPr lang="en-US" sz="2000" dirty="0" smtClean="0">
               <a:latin typeface="Times New Roman" panose="02020603050405020304" pitchFamily="18" charset="0"/>
               <a:cs typeface="Times New Roman" panose="02020603050405020304" pitchFamily="18" charset="0"/>
             </a:endParaRPr>
           </a:p>
           <a:p>
             <a:r>
-              <a:rPr lang="en-US" sz="1600" dirty="0" smtClean="0">
-                <a:latin typeface="Times New Roman" panose="02020603050405020304" pitchFamily="18" charset="0"/>
-                <a:cs typeface="Times New Roman" panose="02020603050405020304" pitchFamily="18" charset="0"/>
-              </a:rPr>
-              <a:t> </a:t>
-            </a:r>
-            <a:r>
-              <a:rPr lang="en-US" sz="1600" b="1" dirty="0">
-                <a:latin typeface="Times New Roman" panose="02020603050405020304" pitchFamily="18" charset="0"/>
-                <a:cs typeface="Times New Roman" panose="02020603050405020304" pitchFamily="18" charset="0"/>
-              </a:rPr>
-              <a:t>Dual-Stack Transition Technique </a:t>
-            </a:r>
-            <a:r>
-              <a:rPr lang="en-US" sz="1600" dirty="0">
-                <a:latin typeface="Times New Roman" panose="02020603050405020304" pitchFamily="18" charset="0"/>
-                <a:cs typeface="Times New Roman" panose="02020603050405020304" pitchFamily="18" charset="0"/>
-              </a:rPr>
-              <a:t>:</a:t>
-            </a:r>
-            <a:r>
-              <a:rPr lang="en-US" sz="1600" dirty="0" smtClean="0">
-                <a:latin typeface="Times New Roman" panose="02020603050405020304" pitchFamily="18" charset="0"/>
-                <a:cs typeface="Times New Roman" panose="02020603050405020304" pitchFamily="18" charset="0"/>
-              </a:rPr>
-              <a:t>IPv4 </a:t>
-            </a:r>
-            <a:r>
-              <a:rPr lang="en-US" sz="1600" dirty="0">
-                <a:latin typeface="Times New Roman" panose="02020603050405020304" pitchFamily="18" charset="0"/>
-                <a:cs typeface="Times New Roman" panose="02020603050405020304" pitchFamily="18" charset="0"/>
-              </a:rPr>
-              <a:t>and IPv6 do not have to be an ‘either or’ decision. In a dual stack implementation, a network interface can have both an IPv4 and IPv6 address at the same time. It can </a:t>
-            </a:r>
-            <a:r>
-              <a:rPr lang="en-US" sz="1600" dirty="0" smtClean="0">
-                <a:latin typeface="Times New Roman" panose="02020603050405020304" pitchFamily="18" charset="0"/>
-                <a:cs typeface="Times New Roman" panose="02020603050405020304" pitchFamily="18" charset="0"/>
-              </a:rPr>
-              <a:t>communicate </a:t>
-            </a:r>
-            <a:r>
-              <a:rPr lang="en-US" sz="1600" dirty="0">
-                <a:latin typeface="Times New Roman" panose="02020603050405020304" pitchFamily="18" charset="0"/>
-                <a:cs typeface="Times New Roman" panose="02020603050405020304" pitchFamily="18" charset="0"/>
-              </a:rPr>
-              <a:t>using either of the protocol available</a:t>
-            </a:r>
-            <a:r>
-              <a:rPr lang="en-US" sz="1600" dirty="0" smtClean="0">
-                <a:latin typeface="Times New Roman" panose="02020603050405020304" pitchFamily="18" charset="0"/>
-                <a:cs typeface="Times New Roman" panose="02020603050405020304" pitchFamily="18" charset="0"/>
-              </a:rPr>
-              <a:t>.</a:t>
-            </a:r>
-            <a:br>
-              <a:rPr lang="en-US" sz="1600" dirty="0" smtClean="0">
-                <a:latin typeface="Times New Roman" panose="02020603050405020304" pitchFamily="18" charset="0"/>
-                <a:cs typeface="Times New Roman" panose="02020603050405020304" pitchFamily="18" charset="0"/>
-              </a:rPr>
-            </a:br>
-            <a:endParaRPr lang="en-US" sz="1600" dirty="0" smtClean="0">
+              <a:rPr lang="en-IN" sz="2000" dirty="0"/>
+              <a:t>C or </a:t>
+            </a:r>
+            <a:r>
+              <a:rPr lang="en-IN" sz="2000" dirty="0" smtClean="0"/>
+              <a:t>Python</a:t>
+            </a:r>
+          </a:p>
+          <a:p>
+            <a:endParaRPr lang="en-IN" sz="2000" dirty="0">
               <a:latin typeface="Times New Roman" panose="02020603050405020304" pitchFamily="18" charset="0"/>
               <a:cs typeface="Times New Roman" panose="02020603050405020304" pitchFamily="18" charset="0"/>
             </a:endParaRPr>
           </a:p>
           <a:p>
             <a:r>
-              <a:rPr lang="en-US" sz="1600" b="1" dirty="0">
-                <a:latin typeface="Times New Roman" panose="02020603050405020304" pitchFamily="18" charset="0"/>
-                <a:cs typeface="Times New Roman" panose="02020603050405020304" pitchFamily="18" charset="0"/>
-              </a:rPr>
-              <a:t>Design and Configuration of the Dual-Stack Transition Technique </a:t>
-            </a:r>
-            <a:r>
-              <a:rPr lang="en-US" sz="1600" dirty="0">
-                <a:latin typeface="Times New Roman" panose="02020603050405020304" pitchFamily="18" charset="0"/>
-                <a:cs typeface="Times New Roman" panose="02020603050405020304" pitchFamily="18" charset="0"/>
-              </a:rPr>
-              <a:t>Dual stack is designed to support both the IPv4 and IPv6 addresses on the same network interface, thereby allowing the data to transfer from IPv4 network to IPv6 network using both static and dynamic routing</a:t>
-            </a:r>
-            <a:r>
-              <a:rPr lang="en-US" sz="1600" dirty="0" smtClean="0">
-                <a:latin typeface="Times New Roman" panose="02020603050405020304" pitchFamily="18" charset="0"/>
-                <a:cs typeface="Times New Roman" panose="02020603050405020304" pitchFamily="18" charset="0"/>
-              </a:rPr>
-              <a:t>.</a:t>
-            </a:r>
-            <a:br>
-              <a:rPr lang="en-US" sz="1600" dirty="0" smtClean="0">
-                <a:latin typeface="Times New Roman" panose="02020603050405020304" pitchFamily="18" charset="0"/>
-                <a:cs typeface="Times New Roman" panose="02020603050405020304" pitchFamily="18" charset="0"/>
-              </a:rPr>
-            </a:br>
-            <a:endParaRPr lang="en-US" sz="1600" dirty="0" smtClean="0">
+              <a:rPr lang="en-IN" sz="2000" dirty="0"/>
+              <a:t>Socket programming </a:t>
+            </a:r>
+          </a:p>
+          <a:p>
+            <a:endParaRPr lang="en-IN" sz="2000" dirty="0" smtClean="0"/>
+          </a:p>
+          <a:p>
+            <a:r>
+              <a:rPr lang="en-IN" sz="2000" dirty="0" smtClean="0"/>
+              <a:t>Software development for Applications</a:t>
+            </a:r>
+          </a:p>
+          <a:p>
+            <a:endParaRPr lang="en-IN" sz="2000" dirty="0"/>
+          </a:p>
+          <a:p>
+            <a:r>
+              <a:rPr lang="en-IN" sz="2000" dirty="0"/>
+              <a:t>GDB and Wireshark tool may be used during testing / debugging</a:t>
+            </a:r>
+            <a:endParaRPr lang="en-US" sz="2000" dirty="0"/>
+          </a:p>
+          <a:p>
+            <a:endParaRPr lang="en-US" sz="2000" dirty="0"/>
+          </a:p>
+          <a:p>
+            <a:endParaRPr lang="en-US" sz="2000" dirty="0">
               <a:latin typeface="Times New Roman" panose="02020603050405020304" pitchFamily="18" charset="0"/>
               <a:cs typeface="Times New Roman" panose="02020603050405020304" pitchFamily="18" charset="0"/>
             </a:endParaRPr>
           </a:p>
-          <a:p>
-            <a:r>
-              <a:rPr lang="en-US" sz="1600" dirty="0" smtClean="0">
-                <a:latin typeface="Times New Roman" panose="02020603050405020304" pitchFamily="18" charset="0"/>
-                <a:cs typeface="Times New Roman" panose="02020603050405020304" pitchFamily="18" charset="0"/>
-              </a:rPr>
-              <a:t>The </a:t>
-            </a:r>
-            <a:r>
-              <a:rPr lang="en-US" sz="1600" dirty="0">
-                <a:latin typeface="Times New Roman" panose="02020603050405020304" pitchFamily="18" charset="0"/>
-                <a:cs typeface="Times New Roman" panose="02020603050405020304" pitchFamily="18" charset="0"/>
-              </a:rPr>
-              <a:t>network consists of five routers, two Ethernet switches, and four end hosts. All router interfaces, as well as the hosts, have been configured with an IPv4 address as well as with an IPv6 address. The network can then communicate using either protocol. </a:t>
-            </a:r>
-          </a:p>
         </p:txBody>
       </p:sp>
       <p:sp>
@@ -6127,17 +6225,11 @@
           <a:bodyPr/>
           <a:lstStyle/>
           <a:p>
-            <a:r>
-              <a:rPr lang="en-US" dirty="0" smtClean="0">
-                <a:latin typeface="Times New Roman" pitchFamily="18" charset="0"/>
-                <a:cs typeface="Times New Roman" pitchFamily="18" charset="0"/>
-              </a:rPr>
-              <a:t>17-Aug-21</a:t>
-            </a:r>
-            <a:endParaRPr lang="en-US" dirty="0">
-              <a:latin typeface="Times New Roman" pitchFamily="18" charset="0"/>
-              <a:cs typeface="Times New Roman" pitchFamily="18" charset="0"/>
-            </a:endParaRPr>
+            <a:fld id="{05229871-6294-4FDC-ADFB-03568C29F7D6}" type="datetime1">
+              <a:rPr lang="en-US" smtClean="0"/>
+              <a:t>22-Sep-21</a:t>
+            </a:fld>
+            <a:endParaRPr lang="en-US"/>
           </a:p>
         </p:txBody>
       </p:sp>
@@ -6188,23 +6280,61 @@
           </a:p>
         </p:txBody>
       </p:sp>
+      <p:sp>
+        <p:nvSpPr>
+          <p:cNvPr id="7" name="Title 1"/>
+          <p:cNvSpPr>
+            <a:spLocks noGrp="1"/>
+          </p:cNvSpPr>
+          <p:nvPr>
+            <p:ph type="title"/>
+          </p:nvPr>
+        </p:nvSpPr>
+        <p:spPr>
+          <a:xfrm>
+            <a:off x="457200" y="152400"/>
+            <a:ext cx="8229600" cy="1143000"/>
+          </a:xfrm>
+          <a:solidFill>
+            <a:srgbClr val="0000FF"/>
+          </a:solidFill>
+        </p:spPr>
+        <p:txBody>
+          <a:bodyPr>
+            <a:noAutofit/>
+          </a:bodyPr>
+          <a:lstStyle/>
+          <a:p>
+            <a:r>
+              <a:rPr lang="en-US" sz="3600" b="1" dirty="0" smtClean="0">
+                <a:solidFill>
+                  <a:schemeClr val="bg1"/>
+                </a:solidFill>
+                <a:latin typeface="Times New Roman" panose="02020603050405020304" pitchFamily="18" charset="0"/>
+                <a:cs typeface="Times New Roman" panose="02020603050405020304" pitchFamily="18" charset="0"/>
+              </a:rPr>
+              <a:t>Tools Required</a:t>
+            </a:r>
+            <a:endParaRPr lang="en-US" sz="3600" b="1" dirty="0">
+              <a:solidFill>
+                <a:schemeClr val="bg1"/>
+              </a:solidFill>
+              <a:latin typeface="Times New Roman" pitchFamily="18" charset="0"/>
+              <a:cs typeface="Times New Roman" pitchFamily="18" charset="0"/>
+            </a:endParaRPr>
+          </a:p>
+        </p:txBody>
+      </p:sp>
     </p:spTree>
     <p:extLst>
       <p:ext uri="{BB962C8B-B14F-4D97-AF65-F5344CB8AC3E}">
-        <p14:creationId xmlns:p14="http://schemas.microsoft.com/office/powerpoint/2010/main" val="467217549"/>
+        <p14:creationId xmlns:p14="http://schemas.microsoft.com/office/powerpoint/2010/main" val="4290820194"/>
       </p:ext>
     </p:extLst>
   </p:cSld>
   <p:clrMapOvr>
     <a:masterClrMapping/>
   </p:clrMapOvr>
-  <p:timing>
-    <p:tnLst>
-      <p:par>
-        <p:cTn id="1" dur="indefinite" restart="never" nodeType="tmRoot"/>
-      </p:par>
-    </p:tnLst>
-  </p:timing>
 </p:sld>
 </file>
 
@@ -6227,58 +6357,13 @@
       </p:grpSpPr>
       <p:sp>
         <p:nvSpPr>
-          <p:cNvPr id="2" name="Title 1"/>
-          <p:cNvSpPr>
-            <a:spLocks noGrp="1"/>
-          </p:cNvSpPr>
-          <p:nvPr>
-            <p:ph type="title"/>
-          </p:nvPr>
-        </p:nvSpPr>
-        <p:spPr>
-          <a:solidFill>
-            <a:srgbClr val="0000FF"/>
-          </a:solidFill>
-        </p:spPr>
-        <p:txBody>
-          <a:bodyPr>
-            <a:noAutofit/>
-          </a:bodyPr>
-          <a:lstStyle/>
-          <a:p>
-            <a:r>
-              <a:rPr lang="en-US" sz="3600" b="1" dirty="0">
-                <a:solidFill>
-                  <a:schemeClr val="bg1"/>
-                </a:solidFill>
-                <a:latin typeface="Times New Roman" panose="02020603050405020304" pitchFamily="18" charset="0"/>
-                <a:cs typeface="Times New Roman" panose="02020603050405020304" pitchFamily="18" charset="0"/>
-              </a:rPr>
-              <a:t>Basic </a:t>
-            </a:r>
-            <a:r>
-              <a:rPr lang="en-US" sz="3600" b="1" dirty="0" smtClean="0">
-                <a:solidFill>
-                  <a:schemeClr val="bg1"/>
-                </a:solidFill>
-                <a:latin typeface="Times New Roman" panose="02020603050405020304" pitchFamily="18" charset="0"/>
-                <a:cs typeface="Times New Roman" panose="02020603050405020304" pitchFamily="18" charset="0"/>
-              </a:rPr>
-              <a:t>Architecture</a:t>
-            </a:r>
-            <a:endParaRPr lang="en-US" sz="3600" b="1" dirty="0">
-              <a:solidFill>
-                <a:schemeClr val="bg1"/>
-              </a:solidFill>
-              <a:latin typeface="Times New Roman" pitchFamily="18" charset="0"/>
-              <a:cs typeface="Times New Roman" pitchFamily="18" charset="0"/>
-            </a:endParaRPr>
-          </a:p>
-        </p:txBody>
-      </p:sp>
-      <p:sp>
-        <p:nvSpPr>
-          <p:cNvPr id="4" name="Date Placeholder 3"/>
+          <p:cNvPr id="4" name="Date Placeholder 3">
+            <a:extLst>
+              <a:ext uri="{FF2B5EF4-FFF2-40B4-BE49-F238E27FC236}">
+                <a16:creationId xmlns="" xmlns:a16="http://schemas.microsoft.com/office/drawing/2014/main" id="{FC5DC846-D108-4B7F-A641-2014248D06A1}"/>
+              </a:ext>
+            </a:extLst>
+          </p:cNvPr>
           <p:cNvSpPr>
             <a:spLocks noGrp="1"/>
           </p:cNvSpPr>
@@ -6307,7 +6392,13 @@
       </p:sp>
       <p:sp>
         <p:nvSpPr>
-          <p:cNvPr id="5" name="Footer Placeholder 4"/>
+          <p:cNvPr id="5" name="Footer Placeholder 4">
+            <a:extLst>
+              <a:ext uri="{FF2B5EF4-FFF2-40B4-BE49-F238E27FC236}">
+                <a16:creationId xmlns="" xmlns:a16="http://schemas.microsoft.com/office/drawing/2014/main" id="{94F76D2A-D755-4BD1-9236-1FBDA8B544CB}"/>
+              </a:ext>
+            </a:extLst>
+          </p:cNvPr>
           <p:cNvSpPr>
             <a:spLocks noGrp="1"/>
           </p:cNvSpPr>
@@ -6321,10 +6412,7 @@
           <a:lstStyle/>
           <a:p>
             <a:r>
-              <a:rPr lang="en-US" dirty="0">
-                <a:latin typeface="Times New Roman" pitchFamily="18" charset="0"/>
-                <a:cs typeface="Times New Roman" pitchFamily="18" charset="0"/>
-              </a:rPr>
+              <a:rPr lang="en-US"/>
               <a:t>Dept. of ECE, NMIT, Bangalore-64</a:t>
             </a:r>
           </a:p>
@@ -6332,7 +6420,13 @@
       </p:sp>
       <p:sp>
         <p:nvSpPr>
-          <p:cNvPr id="6" name="Slide Number Placeholder 5"/>
+          <p:cNvPr id="6" name="Slide Number Placeholder 5">
+            <a:extLst>
+              <a:ext uri="{FF2B5EF4-FFF2-40B4-BE49-F238E27FC236}">
+                <a16:creationId xmlns="" xmlns:a16="http://schemas.microsoft.com/office/drawing/2014/main" id="{751C6CAB-D118-4A59-A5FF-1BD87857B1F4}"/>
+              </a:ext>
+            </a:extLst>
+          </p:cNvPr>
           <p:cNvSpPr>
             <a:spLocks noGrp="1"/>
           </p:cNvSpPr>
@@ -6350,573 +6444,6 @@
               <a:pPr/>
               <a:t>14</a:t>
             </a:fld>
-            <a:endParaRPr lang="en-US" dirty="0"/>
-          </a:p>
-        </p:txBody>
-      </p:sp>
-      <p:sp>
-        <p:nvSpPr>
-          <p:cNvPr id="7" name="Content Placeholder 6"/>
-          <p:cNvSpPr>
-            <a:spLocks noGrp="1"/>
-          </p:cNvSpPr>
-          <p:nvPr>
-            <p:ph idx="1"/>
-          </p:nvPr>
-        </p:nvSpPr>
-        <p:spPr/>
-        <p:txBody>
-          <a:bodyPr/>
-          <a:lstStyle/>
-          <a:p>
-            <a:r>
-              <a:rPr lang="en-US" sz="1600" dirty="0" smtClean="0">
-                <a:latin typeface="Times New Roman" panose="02020603050405020304" pitchFamily="18" charset="0"/>
-                <a:cs typeface="Times New Roman" panose="02020603050405020304" pitchFamily="18" charset="0"/>
-              </a:rPr>
-              <a:t>Three Hosts on LAN</a:t>
-            </a:r>
-          </a:p>
-          <a:p>
-            <a:pPr lvl="1"/>
-            <a:r>
-              <a:rPr lang="en-US" sz="1600" dirty="0" smtClean="0">
-                <a:latin typeface="Times New Roman" panose="02020603050405020304" pitchFamily="18" charset="0"/>
-                <a:cs typeface="Times New Roman" panose="02020603050405020304" pitchFamily="18" charset="0"/>
-              </a:rPr>
-              <a:t>Host1  </a:t>
-            </a:r>
-            <a:r>
-              <a:rPr lang="en-IN" sz="1600" dirty="0">
-                <a:latin typeface="Times New Roman" panose="02020603050405020304" pitchFamily="18" charset="0"/>
-                <a:cs typeface="Times New Roman" panose="02020603050405020304" pitchFamily="18" charset="0"/>
-              </a:rPr>
-              <a:t>IPv4/IPv6 (LAN interface should have both IPv4 and IPv6 addresses)</a:t>
-            </a:r>
-            <a:endParaRPr lang="en-US" sz="1600" dirty="0">
-              <a:latin typeface="Times New Roman" panose="02020603050405020304" pitchFamily="18" charset="0"/>
-              <a:cs typeface="Times New Roman" panose="02020603050405020304" pitchFamily="18" charset="0"/>
-            </a:endParaRPr>
-          </a:p>
-          <a:p>
-            <a:pPr lvl="1"/>
-            <a:r>
-              <a:rPr lang="en-IN" sz="1600" dirty="0">
-                <a:latin typeface="Times New Roman" panose="02020603050405020304" pitchFamily="18" charset="0"/>
-                <a:cs typeface="Times New Roman" panose="02020603050405020304" pitchFamily="18" charset="0"/>
-              </a:rPr>
-              <a:t>Host 2 IPv4</a:t>
-            </a:r>
-            <a:endParaRPr lang="en-US" sz="1600" dirty="0">
-              <a:latin typeface="Times New Roman" panose="02020603050405020304" pitchFamily="18" charset="0"/>
-              <a:cs typeface="Times New Roman" panose="02020603050405020304" pitchFamily="18" charset="0"/>
-            </a:endParaRPr>
-          </a:p>
-          <a:p>
-            <a:pPr lvl="1"/>
-            <a:r>
-              <a:rPr lang="en-IN" sz="1600" dirty="0">
-                <a:latin typeface="Times New Roman" panose="02020603050405020304" pitchFamily="18" charset="0"/>
-                <a:cs typeface="Times New Roman" panose="02020603050405020304" pitchFamily="18" charset="0"/>
-              </a:rPr>
-              <a:t>Host 3 </a:t>
-            </a:r>
-            <a:r>
-              <a:rPr lang="en-IN" sz="1600" dirty="0" smtClean="0">
-                <a:latin typeface="Times New Roman" panose="02020603050405020304" pitchFamily="18" charset="0"/>
-                <a:cs typeface="Times New Roman" panose="02020603050405020304" pitchFamily="18" charset="0"/>
-              </a:rPr>
-              <a:t>IPv6</a:t>
-            </a:r>
-            <a:endParaRPr lang="en-US" sz="1600" dirty="0">
-              <a:latin typeface="Times New Roman" panose="02020603050405020304" pitchFamily="18" charset="0"/>
-              <a:cs typeface="Times New Roman" panose="02020603050405020304" pitchFamily="18" charset="0"/>
-            </a:endParaRPr>
-          </a:p>
-          <a:p>
-            <a:r>
-              <a:rPr lang="en-IN" sz="1600" dirty="0">
-                <a:latin typeface="Times New Roman" panose="02020603050405020304" pitchFamily="18" charset="0"/>
-                <a:cs typeface="Times New Roman" panose="02020603050405020304" pitchFamily="18" charset="0"/>
-              </a:rPr>
-              <a:t>H</a:t>
-            </a:r>
-            <a:r>
-              <a:rPr lang="en-IN" sz="1600" dirty="0" smtClean="0">
-                <a:latin typeface="Times New Roman" panose="02020603050405020304" pitchFamily="18" charset="0"/>
-                <a:cs typeface="Times New Roman" panose="02020603050405020304" pitchFamily="18" charset="0"/>
-              </a:rPr>
-              <a:t>ost </a:t>
-            </a:r>
-            <a:r>
-              <a:rPr lang="en-IN" sz="1600" dirty="0">
-                <a:latin typeface="Times New Roman" panose="02020603050405020304" pitchFamily="18" charset="0"/>
-                <a:cs typeface="Times New Roman" panose="02020603050405020304" pitchFamily="18" charset="0"/>
-              </a:rPr>
-              <a:t>1  -</a:t>
-            </a:r>
-            <a:endParaRPr lang="en-US" sz="1600" dirty="0">
-              <a:latin typeface="Times New Roman" panose="02020603050405020304" pitchFamily="18" charset="0"/>
-              <a:cs typeface="Times New Roman" panose="02020603050405020304" pitchFamily="18" charset="0"/>
-            </a:endParaRPr>
-          </a:p>
-          <a:p>
-            <a:pPr lvl="1"/>
-            <a:r>
-              <a:rPr lang="en-IN" sz="1600" dirty="0">
-                <a:latin typeface="Times New Roman" panose="02020603050405020304" pitchFamily="18" charset="0"/>
-                <a:cs typeface="Times New Roman" panose="02020603050405020304" pitchFamily="18" charset="0"/>
-              </a:rPr>
-              <a:t>One server for NMIT seminar hall booking application (using IPv4</a:t>
-            </a:r>
-            <a:r>
-              <a:rPr lang="en-IN" sz="1600" dirty="0" smtClean="0">
-                <a:latin typeface="Times New Roman" panose="02020603050405020304" pitchFamily="18" charset="0"/>
-                <a:cs typeface="Times New Roman" panose="02020603050405020304" pitchFamily="18" charset="0"/>
-              </a:rPr>
-              <a:t>)</a:t>
-            </a:r>
-          </a:p>
-          <a:p>
-            <a:pPr lvl="1"/>
-            <a:r>
-              <a:rPr lang="en-IN" sz="1600" dirty="0">
-                <a:latin typeface="Times New Roman" panose="02020603050405020304" pitchFamily="18" charset="0"/>
-                <a:cs typeface="Times New Roman" panose="02020603050405020304" pitchFamily="18" charset="0"/>
-              </a:rPr>
-              <a:t>Second server for application -  NMIT IP IVR (interactive voice response) system (using IPv6)</a:t>
-            </a:r>
-          </a:p>
-          <a:p>
-            <a:pPr lvl="1"/>
-            <a:r>
-              <a:rPr lang="en-IN" sz="1600" dirty="0">
-                <a:latin typeface="Times New Roman" panose="02020603050405020304" pitchFamily="18" charset="0"/>
-                <a:cs typeface="Times New Roman" panose="02020603050405020304" pitchFamily="18" charset="0"/>
-              </a:rPr>
-              <a:t>Both servers will be running at the same time</a:t>
-            </a:r>
-          </a:p>
-          <a:p>
-            <a:r>
-              <a:rPr lang="en-IN" sz="1600" dirty="0">
-                <a:latin typeface="Times New Roman" panose="02020603050405020304" pitchFamily="18" charset="0"/>
-                <a:cs typeface="Times New Roman" panose="02020603050405020304" pitchFamily="18" charset="0"/>
-              </a:rPr>
-              <a:t>Host 2 </a:t>
-            </a:r>
-          </a:p>
-          <a:p>
-            <a:pPr lvl="1"/>
-            <a:r>
-              <a:rPr lang="en-IN" sz="1600" dirty="0">
-                <a:latin typeface="Times New Roman" panose="02020603050405020304" pitchFamily="18" charset="0"/>
-                <a:cs typeface="Times New Roman" panose="02020603050405020304" pitchFamily="18" charset="0"/>
-              </a:rPr>
-              <a:t>One client for NMIT seminar hall booking application (using IPv4)</a:t>
-            </a:r>
-            <a:endParaRPr lang="en-US" sz="1600" dirty="0">
-              <a:latin typeface="Times New Roman" panose="02020603050405020304" pitchFamily="18" charset="0"/>
-              <a:cs typeface="Times New Roman" panose="02020603050405020304" pitchFamily="18" charset="0"/>
-            </a:endParaRPr>
-          </a:p>
-          <a:p>
-            <a:r>
-              <a:rPr lang="en-IN" sz="1600" dirty="0">
-                <a:latin typeface="Times New Roman" panose="02020603050405020304" pitchFamily="18" charset="0"/>
-                <a:cs typeface="Times New Roman" panose="02020603050405020304" pitchFamily="18" charset="0"/>
-              </a:rPr>
-              <a:t>Host 3 </a:t>
-            </a:r>
-          </a:p>
-          <a:p>
-            <a:pPr lvl="1"/>
-            <a:r>
-              <a:rPr lang="en-IN" sz="1600" dirty="0">
-                <a:latin typeface="Times New Roman" panose="02020603050405020304" pitchFamily="18" charset="0"/>
-                <a:cs typeface="Times New Roman" panose="02020603050405020304" pitchFamily="18" charset="0"/>
-              </a:rPr>
-              <a:t>One client for application - NMIT IP IVR(interactive voice response)  system (using IPv6)</a:t>
-            </a:r>
-            <a:endParaRPr lang="en-US" sz="1600" dirty="0">
-              <a:latin typeface="Times New Roman" panose="02020603050405020304" pitchFamily="18" charset="0"/>
-              <a:cs typeface="Times New Roman" panose="02020603050405020304" pitchFamily="18" charset="0"/>
-            </a:endParaRPr>
-          </a:p>
-          <a:p>
-            <a:pPr marL="457200" lvl="1" indent="0">
-              <a:buNone/>
-            </a:pPr>
-            <a:endParaRPr lang="en-US" dirty="0" smtClean="0"/>
-          </a:p>
-        </p:txBody>
-      </p:sp>
-    </p:spTree>
-    <p:extLst>
-      <p:ext uri="{BB962C8B-B14F-4D97-AF65-F5344CB8AC3E}">
-        <p14:creationId xmlns:p14="http://schemas.microsoft.com/office/powerpoint/2010/main" val="4182899405"/>
-      </p:ext>
-    </p:extLst>
-  </p:cSld>
-  <p:clrMapOvr>
-    <a:masterClrMapping/>
-  </p:clrMapOvr>
-  <p:timing>
-    <p:tnLst>
-      <p:par>
-        <p:cTn id="1" dur="indefinite" restart="never" nodeType="tmRoot"/>
-      </p:par>
-    </p:tnLst>
-  </p:timing>
-</p:sld>
-</file>
-
-<file path=ppt/slides/slide15.xml><?xml version="1.0" encoding="utf-8"?>
-<p:sld xmlns:a="http://schemas.openxmlformats.org/drawingml/2006/main" xmlns:r="http://schemas.openxmlformats.org/officeDocument/2006/relationships" xmlns:p="http://schemas.openxmlformats.org/presentationml/2006/main">
-  <p:cSld>
-    <p:spTree>
-      <p:nvGrpSpPr>
-        <p:cNvPr id="1" name=""/>
-        <p:cNvGrpSpPr/>
-        <p:nvPr/>
-      </p:nvGrpSpPr>
-      <p:grpSpPr>
-        <a:xfrm>
-          <a:off x="0" y="0"/>
-          <a:ext cx="0" cy="0"/>
-          <a:chOff x="0" y="0"/>
-          <a:chExt cx="0" cy="0"/>
-        </a:xfrm>
-      </p:grpSpPr>
-      <p:sp>
-        <p:nvSpPr>
-          <p:cNvPr id="3" name="Content Placeholder 2"/>
-          <p:cNvSpPr>
-            <a:spLocks noGrp="1"/>
-          </p:cNvSpPr>
-          <p:nvPr>
-            <p:ph idx="1"/>
-          </p:nvPr>
-        </p:nvSpPr>
-        <p:spPr>
-          <a:xfrm>
-            <a:off x="457200" y="1654175"/>
-            <a:ext cx="8229600" cy="4343400"/>
-          </a:xfrm>
-        </p:spPr>
-        <p:txBody>
-          <a:bodyPr>
-            <a:normAutofit/>
-          </a:bodyPr>
-          <a:lstStyle/>
-          <a:p>
-            <a:r>
-              <a:rPr lang="en-IN" sz="2000" dirty="0"/>
-              <a:t>Two Linux desktops/laptops, One </a:t>
-            </a:r>
-            <a:r>
-              <a:rPr lang="en-IN" sz="2000" dirty="0" smtClean="0"/>
-              <a:t>Raspberry Pi </a:t>
-            </a:r>
-            <a:r>
-              <a:rPr lang="en-IN" sz="2000" dirty="0"/>
-              <a:t>board</a:t>
-            </a:r>
-            <a:endParaRPr lang="en-US" sz="2000" dirty="0"/>
-          </a:p>
-          <a:p>
-            <a:endParaRPr lang="en-US" sz="2000" dirty="0" smtClean="0">
-              <a:latin typeface="Times New Roman" panose="02020603050405020304" pitchFamily="18" charset="0"/>
-              <a:cs typeface="Times New Roman" panose="02020603050405020304" pitchFamily="18" charset="0"/>
-            </a:endParaRPr>
-          </a:p>
-          <a:p>
-            <a:r>
-              <a:rPr lang="en-IN" sz="2000" dirty="0"/>
-              <a:t>C or </a:t>
-            </a:r>
-            <a:r>
-              <a:rPr lang="en-IN" sz="2000" dirty="0" smtClean="0"/>
-              <a:t>Python</a:t>
-            </a:r>
-          </a:p>
-          <a:p>
-            <a:endParaRPr lang="en-IN" sz="2000" dirty="0">
-              <a:latin typeface="Times New Roman" panose="02020603050405020304" pitchFamily="18" charset="0"/>
-              <a:cs typeface="Times New Roman" panose="02020603050405020304" pitchFamily="18" charset="0"/>
-            </a:endParaRPr>
-          </a:p>
-          <a:p>
-            <a:r>
-              <a:rPr lang="en-IN" sz="2000" dirty="0"/>
-              <a:t>Socket programming </a:t>
-            </a:r>
-            <a:endParaRPr lang="en-IN" sz="2000" dirty="0"/>
-          </a:p>
-          <a:p>
-            <a:endParaRPr lang="en-IN" sz="2000" dirty="0" smtClean="0"/>
-          </a:p>
-          <a:p>
-            <a:r>
-              <a:rPr lang="en-IN" sz="2000" dirty="0" smtClean="0"/>
-              <a:t>Software development for Applications</a:t>
-            </a:r>
-          </a:p>
-          <a:p>
-            <a:endParaRPr lang="en-IN" sz="2000" dirty="0"/>
-          </a:p>
-          <a:p>
-            <a:r>
-              <a:rPr lang="en-IN" sz="2000" dirty="0"/>
-              <a:t>GDB and Wireshark tool may be used during testing / debugging</a:t>
-            </a:r>
-            <a:endParaRPr lang="en-US" sz="2000" dirty="0"/>
-          </a:p>
-          <a:p>
-            <a:endParaRPr lang="en-US" sz="2000" dirty="0"/>
-          </a:p>
-          <a:p>
-            <a:endParaRPr lang="en-US" sz="2000" dirty="0">
-              <a:latin typeface="Times New Roman" panose="02020603050405020304" pitchFamily="18" charset="0"/>
-              <a:cs typeface="Times New Roman" panose="02020603050405020304" pitchFamily="18" charset="0"/>
-            </a:endParaRPr>
-          </a:p>
-        </p:txBody>
-      </p:sp>
-      <p:sp>
-        <p:nvSpPr>
-          <p:cNvPr id="4" name="Date Placeholder 3"/>
-          <p:cNvSpPr>
-            <a:spLocks noGrp="1"/>
-          </p:cNvSpPr>
-          <p:nvPr>
-            <p:ph type="dt" sz="half" idx="10"/>
-          </p:nvPr>
-        </p:nvSpPr>
-        <p:spPr/>
-        <p:txBody>
-          <a:bodyPr/>
-          <a:lstStyle/>
-          <a:p>
-            <a:fld id="{05229871-6294-4FDC-ADFB-03568C29F7D6}" type="datetime1">
-              <a:rPr lang="en-US" smtClean="0"/>
-              <a:t>21-Sep-21</a:t>
-            </a:fld>
-            <a:endParaRPr lang="en-US"/>
-          </a:p>
-        </p:txBody>
-      </p:sp>
-      <p:sp>
-        <p:nvSpPr>
-          <p:cNvPr id="5" name="Footer Placeholder 4"/>
-          <p:cNvSpPr>
-            <a:spLocks noGrp="1"/>
-          </p:cNvSpPr>
-          <p:nvPr>
-            <p:ph type="ftr" sz="quarter" idx="11"/>
-          </p:nvPr>
-        </p:nvSpPr>
-        <p:spPr/>
-        <p:txBody>
-          <a:bodyPr/>
-          <a:lstStyle/>
-          <a:p>
-            <a:r>
-              <a:rPr lang="en-US" smtClean="0"/>
-              <a:t>Dept. of ECE, NMIT, Bangalore-64</a:t>
-            </a:r>
-            <a:endParaRPr lang="en-US"/>
-          </a:p>
-        </p:txBody>
-      </p:sp>
-      <p:sp>
-        <p:nvSpPr>
-          <p:cNvPr id="6" name="Slide Number Placeholder 5"/>
-          <p:cNvSpPr>
-            <a:spLocks noGrp="1"/>
-          </p:cNvSpPr>
-          <p:nvPr>
-            <p:ph type="sldNum" sz="quarter" idx="12"/>
-          </p:nvPr>
-        </p:nvSpPr>
-        <p:spPr/>
-        <p:txBody>
-          <a:bodyPr/>
-          <a:lstStyle/>
-          <a:p>
-            <a:fld id="{B6F15528-21DE-4FAA-801E-634DDDAF4B2B}" type="slidenum">
-              <a:rPr lang="en-US" smtClean="0"/>
-              <a:pPr/>
-              <a:t>15</a:t>
-            </a:fld>
-            <a:endParaRPr lang="en-US"/>
-          </a:p>
-        </p:txBody>
-      </p:sp>
-      <p:sp>
-        <p:nvSpPr>
-          <p:cNvPr id="7" name="Title 1"/>
-          <p:cNvSpPr>
-            <a:spLocks noGrp="1"/>
-          </p:cNvSpPr>
-          <p:nvPr>
-            <p:ph type="title"/>
-          </p:nvPr>
-        </p:nvSpPr>
-        <p:spPr>
-          <a:xfrm>
-            <a:off x="457200" y="152400"/>
-            <a:ext cx="8229600" cy="1143000"/>
-          </a:xfrm>
-          <a:solidFill>
-            <a:srgbClr val="0000FF"/>
-          </a:solidFill>
-        </p:spPr>
-        <p:txBody>
-          <a:bodyPr>
-            <a:noAutofit/>
-          </a:bodyPr>
-          <a:lstStyle/>
-          <a:p>
-            <a:r>
-              <a:rPr lang="en-US" sz="3600" b="1" dirty="0" smtClean="0">
-                <a:solidFill>
-                  <a:schemeClr val="bg1"/>
-                </a:solidFill>
-                <a:latin typeface="Times New Roman" panose="02020603050405020304" pitchFamily="18" charset="0"/>
-                <a:cs typeface="Times New Roman" panose="02020603050405020304" pitchFamily="18" charset="0"/>
-              </a:rPr>
-              <a:t>Tools Required</a:t>
-            </a:r>
-            <a:endParaRPr lang="en-US" sz="3600" b="1" dirty="0">
-              <a:solidFill>
-                <a:schemeClr val="bg1"/>
-              </a:solidFill>
-              <a:latin typeface="Times New Roman" pitchFamily="18" charset="0"/>
-              <a:cs typeface="Times New Roman" pitchFamily="18" charset="0"/>
-            </a:endParaRPr>
-          </a:p>
-        </p:txBody>
-      </p:sp>
-    </p:spTree>
-    <p:extLst>
-      <p:ext uri="{BB962C8B-B14F-4D97-AF65-F5344CB8AC3E}">
-        <p14:creationId xmlns:p14="http://schemas.microsoft.com/office/powerpoint/2010/main" val="4290820194"/>
-      </p:ext>
-    </p:extLst>
-  </p:cSld>
-  <p:clrMapOvr>
-    <a:masterClrMapping/>
-  </p:clrMapOvr>
-</p:sld>
-</file>
-
-<file path=ppt/slides/slide16.xml><?xml version="1.0" encoding="utf-8"?>
-<p:sld xmlns:a="http://schemas.openxmlformats.org/drawingml/2006/main" xmlns:r="http://schemas.openxmlformats.org/officeDocument/2006/relationships" xmlns:p="http://schemas.openxmlformats.org/presentationml/2006/main">
-  <p:cSld>
-    <p:spTree>
-      <p:nvGrpSpPr>
-        <p:cNvPr id="1" name=""/>
-        <p:cNvGrpSpPr/>
-        <p:nvPr/>
-      </p:nvGrpSpPr>
-      <p:grpSpPr>
-        <a:xfrm>
-          <a:off x="0" y="0"/>
-          <a:ext cx="0" cy="0"/>
-          <a:chOff x="0" y="0"/>
-          <a:chExt cx="0" cy="0"/>
-        </a:xfrm>
-      </p:grpSpPr>
-      <p:sp>
-        <p:nvSpPr>
-          <p:cNvPr id="4" name="Date Placeholder 3">
-            <a:extLst>
-              <a:ext uri="{FF2B5EF4-FFF2-40B4-BE49-F238E27FC236}">
-                <a16:creationId xmlns:a16="http://schemas.microsoft.com/office/drawing/2014/main" xmlns="" id="{FC5DC846-D108-4B7F-A641-2014248D06A1}"/>
-              </a:ext>
-            </a:extLst>
-          </p:cNvPr>
-          <p:cNvSpPr>
-            <a:spLocks noGrp="1"/>
-          </p:cNvSpPr>
-          <p:nvPr>
-            <p:ph type="dt" sz="half" idx="10"/>
-          </p:nvPr>
-        </p:nvSpPr>
-        <p:spPr/>
-        <p:txBody>
-          <a:bodyPr/>
-          <a:lstStyle/>
-          <a:p>
-            <a:r>
-              <a:rPr lang="en-US" dirty="0" smtClean="0">
-                <a:latin typeface="Times New Roman" pitchFamily="18" charset="0"/>
-                <a:cs typeface="Times New Roman" pitchFamily="18" charset="0"/>
-              </a:rPr>
-              <a:t>17-Aug-21</a:t>
-            </a:r>
-            <a:endParaRPr lang="en-US" dirty="0">
-              <a:latin typeface="Times New Roman" pitchFamily="18" charset="0"/>
-              <a:cs typeface="Times New Roman" pitchFamily="18" charset="0"/>
-            </a:endParaRPr>
-          </a:p>
-        </p:txBody>
-      </p:sp>
-      <p:sp>
-        <p:nvSpPr>
-          <p:cNvPr id="5" name="Footer Placeholder 4">
-            <a:extLst>
-              <a:ext uri="{FF2B5EF4-FFF2-40B4-BE49-F238E27FC236}">
-                <a16:creationId xmlns:a16="http://schemas.microsoft.com/office/drawing/2014/main" xmlns="" id="{94F76D2A-D755-4BD1-9236-1FBDA8B544CB}"/>
-              </a:ext>
-            </a:extLst>
-          </p:cNvPr>
-          <p:cNvSpPr>
-            <a:spLocks noGrp="1"/>
-          </p:cNvSpPr>
-          <p:nvPr>
-            <p:ph type="ftr" sz="quarter" idx="11"/>
-          </p:nvPr>
-        </p:nvSpPr>
-        <p:spPr/>
-        <p:txBody>
-          <a:bodyPr/>
-          <a:lstStyle/>
-          <a:p>
-            <a:r>
-              <a:rPr lang="en-US"/>
-              <a:t>Dept. of ECE, NMIT, Bangalore-64</a:t>
-            </a:r>
-          </a:p>
-        </p:txBody>
-      </p:sp>
-      <p:sp>
-        <p:nvSpPr>
-          <p:cNvPr id="6" name="Slide Number Placeholder 5">
-            <a:extLst>
-              <a:ext uri="{FF2B5EF4-FFF2-40B4-BE49-F238E27FC236}">
-                <a16:creationId xmlns:a16="http://schemas.microsoft.com/office/drawing/2014/main" xmlns="" id="{751C6CAB-D118-4A59-A5FF-1BD87857B1F4}"/>
-              </a:ext>
-            </a:extLst>
-          </p:cNvPr>
-          <p:cNvSpPr>
-            <a:spLocks noGrp="1"/>
-          </p:cNvSpPr>
-          <p:nvPr>
-            <p:ph type="sldNum" sz="quarter" idx="12"/>
-          </p:nvPr>
-        </p:nvSpPr>
-        <p:spPr/>
-        <p:txBody>
-          <a:bodyPr/>
-          <a:lstStyle/>
-          <a:p>
-            <a:fld id="{B6F15528-21DE-4FAA-801E-634DDDAF4B2B}" type="slidenum">
-              <a:rPr lang="en-US" smtClean="0"/>
-              <a:pPr/>
-              <a:t>16</a:t>
-            </a:fld>
             <a:endParaRPr lang="en-US"/>
           </a:p>
         </p:txBody>
@@ -6926,7 +6453,7 @@
           <p:cNvPr id="9" name="Rectangle 8">
             <a:extLst>
               <a:ext uri="{FF2B5EF4-FFF2-40B4-BE49-F238E27FC236}">
-                <a16:creationId xmlns:a16="http://schemas.microsoft.com/office/drawing/2014/main" xmlns="" id="{B7912E41-6B3C-4A45-85F4-BC64F00F4F49}"/>
+                <a16:creationId xmlns="" xmlns:a16="http://schemas.microsoft.com/office/drawing/2014/main" id="{B7912E41-6B3C-4A45-85F4-BC64F00F4F49}"/>
               </a:ext>
             </a:extLst>
           </p:cNvPr>
@@ -6967,7 +6494,7 @@
           <p:cNvPr id="10" name="Rectangle 9">
             <a:extLst>
               <a:ext uri="{FF2B5EF4-FFF2-40B4-BE49-F238E27FC236}">
-                <a16:creationId xmlns:a16="http://schemas.microsoft.com/office/drawing/2014/main" xmlns="" id="{77CAF576-6446-4093-8D69-86D0A12BD6E1}"/>
+                <a16:creationId xmlns="" xmlns:a16="http://schemas.microsoft.com/office/drawing/2014/main" id="{77CAF576-6446-4093-8D69-86D0A12BD6E1}"/>
               </a:ext>
             </a:extLst>
           </p:cNvPr>
@@ -7030,7 +6557,7 @@
           <p:cNvPr id="18" name="Content Placeholder 17">
             <a:extLst>
               <a:ext uri="{FF2B5EF4-FFF2-40B4-BE49-F238E27FC236}">
-                <a16:creationId xmlns:a16="http://schemas.microsoft.com/office/drawing/2014/main" xmlns="" id="{F6633F0C-40DF-4C0D-82AC-D4603EEE60BB}"/>
+                <a16:creationId xmlns="" xmlns:a16="http://schemas.microsoft.com/office/drawing/2014/main" id="{F6633F0C-40DF-4C0D-82AC-D4603EEE60BB}"/>
               </a:ext>
             </a:extLst>
           </p:cNvPr>
@@ -7065,7 +6592,7 @@
           <p:cNvPr id="20" name="Picture 19">
             <a:extLst>
               <a:ext uri="{FF2B5EF4-FFF2-40B4-BE49-F238E27FC236}">
-                <a16:creationId xmlns:a16="http://schemas.microsoft.com/office/drawing/2014/main" xmlns="" id="{E6765A6B-DEDC-44FE-AFB1-7C1E22F66944}"/>
+                <a16:creationId xmlns="" xmlns:a16="http://schemas.microsoft.com/office/drawing/2014/main" id="{E6765A6B-DEDC-44FE-AFB1-7C1E22F66944}"/>
               </a:ext>
             </a:extLst>
           </p:cNvPr>
@@ -7101,7 +6628,7 @@
           <p:cNvPr id="22" name="Picture 21">
             <a:extLst>
               <a:ext uri="{FF2B5EF4-FFF2-40B4-BE49-F238E27FC236}">
-                <a16:creationId xmlns:a16="http://schemas.microsoft.com/office/drawing/2014/main" xmlns="" id="{4205A1F5-568D-49B4-A017-13295C1807F9}"/>
+                <a16:creationId xmlns="" xmlns:a16="http://schemas.microsoft.com/office/drawing/2014/main" id="{4205A1F5-568D-49B4-A017-13295C1807F9}"/>
               </a:ext>
             </a:extLst>
           </p:cNvPr>
@@ -7137,7 +6664,7 @@
           <p:cNvPr id="24" name="Picture 23">
             <a:extLst>
               <a:ext uri="{FF2B5EF4-FFF2-40B4-BE49-F238E27FC236}">
-                <a16:creationId xmlns:a16="http://schemas.microsoft.com/office/drawing/2014/main" xmlns="" id="{75483FCB-9A42-45BB-8261-D568072CB8A5}"/>
+                <a16:creationId xmlns="" xmlns:a16="http://schemas.microsoft.com/office/drawing/2014/main" id="{75483FCB-9A42-45BB-8261-D568072CB8A5}"/>
               </a:ext>
             </a:extLst>
           </p:cNvPr>
@@ -7173,7 +6700,7 @@
           <p:cNvPr id="33" name="Rectangle 32">
             <a:extLst>
               <a:ext uri="{FF2B5EF4-FFF2-40B4-BE49-F238E27FC236}">
-                <a16:creationId xmlns:a16="http://schemas.microsoft.com/office/drawing/2014/main" xmlns="" id="{EF4F77E9-7009-49B6-98AF-2EBBAEADCC9D}"/>
+                <a16:creationId xmlns="" xmlns:a16="http://schemas.microsoft.com/office/drawing/2014/main" id="{EF4F77E9-7009-49B6-98AF-2EBBAEADCC9D}"/>
               </a:ext>
             </a:extLst>
           </p:cNvPr>
@@ -7211,7 +6738,7 @@
           <p:cNvPr id="34" name="Rectangle 33">
             <a:extLst>
               <a:ext uri="{FF2B5EF4-FFF2-40B4-BE49-F238E27FC236}">
-                <a16:creationId xmlns:a16="http://schemas.microsoft.com/office/drawing/2014/main" xmlns="" id="{EC14AF26-1FFB-4708-8381-73CC15BD712E}"/>
+                <a16:creationId xmlns="" xmlns:a16="http://schemas.microsoft.com/office/drawing/2014/main" id="{EC14AF26-1FFB-4708-8381-73CC15BD712E}"/>
               </a:ext>
             </a:extLst>
           </p:cNvPr>
@@ -7276,7 +6803,7 @@
           <p:cNvPr id="35" name="Rectangle 34">
             <a:extLst>
               <a:ext uri="{FF2B5EF4-FFF2-40B4-BE49-F238E27FC236}">
-                <a16:creationId xmlns:a16="http://schemas.microsoft.com/office/drawing/2014/main" xmlns="" id="{CAA9C0DD-C44F-470C-80AA-236BCD830B95}"/>
+                <a16:creationId xmlns="" xmlns:a16="http://schemas.microsoft.com/office/drawing/2014/main" id="{CAA9C0DD-C44F-470C-80AA-236BCD830B95}"/>
               </a:ext>
             </a:extLst>
           </p:cNvPr>
@@ -7341,7 +6868,7 @@
           <p:cNvPr id="36" name="Rectangle 35">
             <a:extLst>
               <a:ext uri="{FF2B5EF4-FFF2-40B4-BE49-F238E27FC236}">
-                <a16:creationId xmlns:a16="http://schemas.microsoft.com/office/drawing/2014/main" xmlns="" id="{295CFA09-A69C-4D90-9344-DA4D42504099}"/>
+                <a16:creationId xmlns="" xmlns:a16="http://schemas.microsoft.com/office/drawing/2014/main" id="{295CFA09-A69C-4D90-9344-DA4D42504099}"/>
               </a:ext>
             </a:extLst>
           </p:cNvPr>
@@ -7516,7 +7043,7 @@
 </p:sld>
 </file>
 
-<file path=ppt/slides/slide17.xml><?xml version="1.0" encoding="utf-8"?>
+<file path=ppt/slides/slide15.xml><?xml version="1.0" encoding="utf-8"?>
 <p:sld xmlns:a="http://schemas.openxmlformats.org/drawingml/2006/main" xmlns:r="http://schemas.openxmlformats.org/officeDocument/2006/relationships" xmlns:p="http://schemas.openxmlformats.org/presentationml/2006/main">
   <p:cSld>
     <p:spTree>
@@ -7555,22 +7082,15 @@
           <a:lstStyle/>
           <a:p>
             <a:r>
-              <a:rPr lang="en-US" sz="3600" b="1" dirty="0" smtClean="0">
+              <a:rPr lang="en-US" sz="3600" b="1" dirty="0">
                 <a:solidFill>
                   <a:schemeClr val="bg1"/>
                 </a:solidFill>
                 <a:latin typeface="Times New Roman" pitchFamily="18" charset="0"/>
                 <a:cs typeface="Times New Roman" pitchFamily="18" charset="0"/>
               </a:rPr>
-              <a:t>Tools</a:t>
-            </a:r>
-            <a:endParaRPr lang="en-US" sz="3600" b="1" dirty="0">
-              <a:solidFill>
-                <a:schemeClr val="bg1"/>
-              </a:solidFill>
-              <a:latin typeface="Times New Roman" pitchFamily="18" charset="0"/>
-              <a:cs typeface="Times New Roman" pitchFamily="18" charset="0"/>
-            </a:endParaRPr>
+              <a:t>Project Objectives</a:t>
+            </a:r>
           </a:p>
         </p:txBody>
       </p:sp>
@@ -7595,6 +7115,291 @@
             <a:normAutofit/>
           </a:bodyPr>
           <a:lstStyle/>
+          <a:p>
+            <a:pPr marL="0" indent="0">
+              <a:buNone/>
+            </a:pPr>
+            <a:r>
+              <a:rPr lang="en-US" sz="2000" dirty="0">
+                <a:latin typeface="Times New Roman" panose="02020603050405020304" pitchFamily="18" charset="0"/>
+                <a:cs typeface="Times New Roman" pitchFamily="18" charset="0"/>
+              </a:rPr>
+              <a:t>The following are the proposed objectives of the project based on the research gaps:</a:t>
+            </a:r>
+          </a:p>
+          <a:p>
+            <a:pPr marL="0" indent="0">
+              <a:lnSpc>
+                <a:spcPct val="150000"/>
+              </a:lnSpc>
+              <a:spcAft>
+                <a:spcPts val="1000"/>
+              </a:spcAft>
+              <a:buNone/>
+            </a:pPr>
+            <a:endParaRPr lang="en-US" sz="1600" dirty="0">
+              <a:latin typeface="Times New Roman" panose="02020603050405020304" pitchFamily="18" charset="0"/>
+              <a:ea typeface="Calibri" panose="020F0502020204030204" pitchFamily="34" charset="0"/>
+              <a:cs typeface="Times New Roman" panose="02020603050405020304" pitchFamily="18" charset="0"/>
+            </a:endParaRPr>
+          </a:p>
+          <a:p>
+            <a:pPr>
+              <a:lnSpc>
+                <a:spcPct val="150000"/>
+              </a:lnSpc>
+              <a:spcAft>
+                <a:spcPts val="1000"/>
+              </a:spcAft>
+            </a:pPr>
+            <a:r>
+              <a:rPr lang="en-US" sz="1600" dirty="0" smtClean="0">
+                <a:latin typeface="Times New Roman" panose="02020603050405020304" pitchFamily="18" charset="0"/>
+                <a:ea typeface="Calibri" panose="020F0502020204030204" pitchFamily="34" charset="0"/>
+                <a:cs typeface="Times New Roman" panose="02020603050405020304" pitchFamily="18" charset="0"/>
+              </a:rPr>
+              <a:t>To </a:t>
+            </a:r>
+            <a:r>
+              <a:rPr lang="en-US" sz="1600" dirty="0" smtClean="0">
+                <a:effectLst/>
+                <a:latin typeface="Times New Roman" panose="02020603050405020304" pitchFamily="18" charset="0"/>
+                <a:ea typeface="Calibri" panose="020F0502020204030204" pitchFamily="34" charset="0"/>
+                <a:cs typeface="Times New Roman" panose="02020603050405020304" pitchFamily="18" charset="0"/>
+              </a:rPr>
+              <a:t>Implement  </a:t>
+            </a:r>
+            <a:r>
+              <a:rPr lang="en-US" sz="1600" dirty="0">
+                <a:effectLst/>
+                <a:latin typeface="Times New Roman" panose="02020603050405020304" pitchFamily="18" charset="0"/>
+                <a:ea typeface="Calibri" panose="020F0502020204030204" pitchFamily="34" charset="0"/>
+                <a:cs typeface="Times New Roman" panose="02020603050405020304" pitchFamily="18" charset="0"/>
+              </a:rPr>
+              <a:t>client server programming on dual stack host</a:t>
+            </a:r>
+            <a:endParaRPr lang="en-IN" sz="1600" dirty="0">
+              <a:effectLst/>
+              <a:latin typeface="Times New Roman" panose="02020603050405020304" pitchFamily="18" charset="0"/>
+              <a:ea typeface="Calibri" panose="020F0502020204030204" pitchFamily="34" charset="0"/>
+              <a:cs typeface="Times New Roman" panose="02020603050405020304" pitchFamily="18" charset="0"/>
+            </a:endParaRPr>
+          </a:p>
+          <a:p>
+            <a:pPr>
+              <a:lnSpc>
+                <a:spcPct val="150000"/>
+              </a:lnSpc>
+              <a:spcAft>
+                <a:spcPts val="1000"/>
+              </a:spcAft>
+            </a:pPr>
+            <a:r>
+              <a:rPr lang="en-US" sz="1600" dirty="0" smtClean="0">
+                <a:effectLst/>
+                <a:latin typeface="Times New Roman" panose="02020603050405020304" pitchFamily="18" charset="0"/>
+                <a:ea typeface="Calibri" panose="020F0502020204030204" pitchFamily="34" charset="0"/>
+                <a:cs typeface="Times New Roman" panose="02020603050405020304" pitchFamily="18" charset="0"/>
+              </a:rPr>
+              <a:t>To implement Dual </a:t>
+            </a:r>
+            <a:r>
+              <a:rPr lang="en-US" sz="1600" dirty="0">
+                <a:effectLst/>
+                <a:latin typeface="Times New Roman" panose="02020603050405020304" pitchFamily="18" charset="0"/>
+                <a:ea typeface="Calibri" panose="020F0502020204030204" pitchFamily="34" charset="0"/>
+                <a:cs typeface="Times New Roman" panose="02020603050405020304" pitchFamily="18" charset="0"/>
+              </a:rPr>
+              <a:t>stack host running two server </a:t>
+            </a:r>
+            <a:r>
+              <a:rPr lang="en-US" sz="1600" dirty="0" smtClean="0">
+                <a:effectLst/>
+                <a:latin typeface="Times New Roman" panose="02020603050405020304" pitchFamily="18" charset="0"/>
+                <a:ea typeface="Calibri" panose="020F0502020204030204" pitchFamily="34" charset="0"/>
+                <a:cs typeface="Times New Roman" panose="02020603050405020304" pitchFamily="18" charset="0"/>
+              </a:rPr>
+              <a:t>programs</a:t>
+            </a:r>
+          </a:p>
+          <a:p>
+            <a:pPr lvl="1">
+              <a:lnSpc>
+                <a:spcPct val="150000"/>
+              </a:lnSpc>
+              <a:spcAft>
+                <a:spcPts val="1000"/>
+              </a:spcAft>
+            </a:pPr>
+            <a:r>
+              <a:rPr lang="en-US" sz="1600" dirty="0" smtClean="0">
+                <a:effectLst/>
+                <a:latin typeface="Times New Roman" panose="02020603050405020304" pitchFamily="18" charset="0"/>
+                <a:ea typeface="Calibri" panose="020F0502020204030204" pitchFamily="34" charset="0"/>
+                <a:cs typeface="Times New Roman" panose="02020603050405020304" pitchFamily="18" charset="0"/>
+              </a:rPr>
+              <a:t>Ipv4 </a:t>
+            </a:r>
+            <a:r>
+              <a:rPr lang="en-US" sz="1600" dirty="0">
+                <a:effectLst/>
+                <a:latin typeface="Times New Roman" panose="02020603050405020304" pitchFamily="18" charset="0"/>
+                <a:ea typeface="Calibri" panose="020F0502020204030204" pitchFamily="34" charset="0"/>
+                <a:cs typeface="Times New Roman" panose="02020603050405020304" pitchFamily="18" charset="0"/>
+              </a:rPr>
+              <a:t>client </a:t>
+            </a:r>
+            <a:r>
+              <a:rPr lang="en-US" sz="1600" dirty="0" smtClean="0">
+                <a:effectLst/>
+                <a:latin typeface="Times New Roman" panose="02020603050405020304" pitchFamily="18" charset="0"/>
+                <a:ea typeface="Calibri" panose="020F0502020204030204" pitchFamily="34" charset="0"/>
+                <a:cs typeface="Times New Roman" panose="02020603050405020304" pitchFamily="18" charset="0"/>
+              </a:rPr>
+              <a:t>(</a:t>
+            </a:r>
+            <a:r>
+              <a:rPr lang="en-US" sz="1600" dirty="0">
+                <a:latin typeface="Times New Roman" panose="02020603050405020304" pitchFamily="18" charset="0"/>
+                <a:ea typeface="Calibri" panose="020F0502020204030204" pitchFamily="34" charset="0"/>
+                <a:cs typeface="Times New Roman" panose="02020603050405020304" pitchFamily="18" charset="0"/>
+              </a:rPr>
+              <a:t>VoIP,  udp)</a:t>
+            </a:r>
+            <a:r>
+              <a:rPr lang="en-US" sz="1600" dirty="0">
+                <a:effectLst/>
+                <a:latin typeface="Times New Roman" panose="02020603050405020304" pitchFamily="18" charset="0"/>
+                <a:ea typeface="Calibri" panose="020F0502020204030204" pitchFamily="34" charset="0"/>
+                <a:cs typeface="Times New Roman" panose="02020603050405020304" pitchFamily="18" charset="0"/>
+              </a:rPr>
+              <a:t> </a:t>
+            </a:r>
+            <a:endParaRPr lang="en-IN" sz="1600" dirty="0">
+              <a:latin typeface="Times New Roman" panose="02020603050405020304" pitchFamily="18" charset="0"/>
+              <a:ea typeface="Calibri" panose="020F0502020204030204" pitchFamily="34" charset="0"/>
+              <a:cs typeface="Times New Roman" panose="02020603050405020304" pitchFamily="18" charset="0"/>
+            </a:endParaRPr>
+          </a:p>
+          <a:p>
+            <a:pPr lvl="1">
+              <a:lnSpc>
+                <a:spcPct val="150000"/>
+              </a:lnSpc>
+              <a:spcAft>
+                <a:spcPts val="1000"/>
+              </a:spcAft>
+            </a:pPr>
+            <a:r>
+              <a:rPr lang="en-US" sz="1600" dirty="0" smtClean="0">
+                <a:effectLst/>
+                <a:latin typeface="Times New Roman" panose="02020603050405020304" pitchFamily="18" charset="0"/>
+                <a:ea typeface="Calibri" panose="020F0502020204030204" pitchFamily="34" charset="0"/>
+                <a:cs typeface="Times New Roman" panose="02020603050405020304" pitchFamily="18" charset="0"/>
+              </a:rPr>
+              <a:t>Ipv6  </a:t>
+            </a:r>
+            <a:r>
+              <a:rPr lang="en-US" sz="1600" dirty="0">
+                <a:effectLst/>
+                <a:latin typeface="Times New Roman" panose="02020603050405020304" pitchFamily="18" charset="0"/>
+                <a:ea typeface="Calibri" panose="020F0502020204030204" pitchFamily="34" charset="0"/>
+                <a:cs typeface="Times New Roman" panose="02020603050405020304" pitchFamily="18" charset="0"/>
+              </a:rPr>
+              <a:t>client </a:t>
+            </a:r>
+            <a:r>
+              <a:rPr lang="en-US" sz="1600" dirty="0">
+                <a:latin typeface="Times New Roman" panose="02020603050405020304" pitchFamily="18" charset="0"/>
+                <a:ea typeface="Calibri" panose="020F0502020204030204" pitchFamily="34" charset="0"/>
+                <a:cs typeface="Times New Roman" panose="02020603050405020304" pitchFamily="18" charset="0"/>
+              </a:rPr>
+              <a:t>(data </a:t>
+            </a:r>
+            <a:r>
+              <a:rPr lang="en-US" sz="1600" dirty="0" smtClean="0">
+                <a:latin typeface="Times New Roman" panose="02020603050405020304" pitchFamily="18" charset="0"/>
+                <a:ea typeface="Calibri" panose="020F0502020204030204" pitchFamily="34" charset="0"/>
+                <a:cs typeface="Times New Roman" panose="02020603050405020304" pitchFamily="18" charset="0"/>
+              </a:rPr>
+              <a:t>application/TCP</a:t>
+            </a:r>
+            <a:r>
+              <a:rPr lang="en-US" sz="1600" dirty="0" smtClean="0">
+                <a:effectLst/>
+                <a:latin typeface="Times New Roman" panose="02020603050405020304" pitchFamily="18" charset="0"/>
+                <a:ea typeface="Calibri" panose="020F0502020204030204" pitchFamily="34" charset="0"/>
+                <a:cs typeface="Times New Roman" panose="02020603050405020304" pitchFamily="18" charset="0"/>
+              </a:rPr>
+              <a:t>)</a:t>
+            </a:r>
+            <a:r>
+              <a:rPr lang="en-US" sz="1600" dirty="0">
+                <a:effectLst/>
+                <a:latin typeface="Times New Roman" panose="02020603050405020304" pitchFamily="18" charset="0"/>
+                <a:ea typeface="Calibri" panose="020F0502020204030204" pitchFamily="34" charset="0"/>
+                <a:cs typeface="Times New Roman" panose="02020603050405020304" pitchFamily="18" charset="0"/>
+              </a:rPr>
+              <a:t> </a:t>
+            </a:r>
+            <a:endParaRPr lang="en-IN" sz="1600" dirty="0">
+              <a:latin typeface="Times New Roman" panose="02020603050405020304" pitchFamily="18" charset="0"/>
+              <a:ea typeface="Calibri" panose="020F0502020204030204" pitchFamily="34" charset="0"/>
+              <a:cs typeface="Times New Roman" panose="02020603050405020304" pitchFamily="18" charset="0"/>
+            </a:endParaRPr>
+          </a:p>
+          <a:p>
+            <a:pPr>
+              <a:lnSpc>
+                <a:spcPct val="150000"/>
+              </a:lnSpc>
+              <a:spcAft>
+                <a:spcPts val="1000"/>
+              </a:spcAft>
+            </a:pPr>
+            <a:r>
+              <a:rPr lang="en-US" sz="1600" dirty="0" smtClean="0">
+                <a:effectLst/>
+                <a:latin typeface="Times New Roman" panose="02020603050405020304" pitchFamily="18" charset="0"/>
+                <a:ea typeface="Calibri" panose="020F0502020204030204" pitchFamily="34" charset="0"/>
+                <a:cs typeface="Times New Roman" panose="02020603050405020304" pitchFamily="18" charset="0"/>
+              </a:rPr>
+              <a:t>To use Desktop/Laptop </a:t>
+            </a:r>
+            <a:r>
+              <a:rPr lang="en-US" sz="1600" dirty="0">
+                <a:effectLst/>
+                <a:latin typeface="Times New Roman" panose="02020603050405020304" pitchFamily="18" charset="0"/>
+                <a:ea typeface="Calibri" panose="020F0502020204030204" pitchFamily="34" charset="0"/>
+                <a:cs typeface="Times New Roman" panose="02020603050405020304" pitchFamily="18" charset="0"/>
+              </a:rPr>
+              <a:t>and Raspberry Pi </a:t>
+            </a:r>
+            <a:r>
+              <a:rPr lang="en-US" sz="1600" dirty="0" smtClean="0">
+                <a:effectLst/>
+                <a:latin typeface="Times New Roman" panose="02020603050405020304" pitchFamily="18" charset="0"/>
+                <a:ea typeface="Calibri" panose="020F0502020204030204" pitchFamily="34" charset="0"/>
+                <a:cs typeface="Times New Roman" panose="02020603050405020304" pitchFamily="18" charset="0"/>
+              </a:rPr>
+              <a:t>boards </a:t>
+            </a:r>
+            <a:r>
+              <a:rPr lang="en-US" sz="1600" dirty="0">
+                <a:effectLst/>
+                <a:latin typeface="Times New Roman" panose="02020603050405020304" pitchFamily="18" charset="0"/>
+                <a:ea typeface="Calibri" panose="020F0502020204030204" pitchFamily="34" charset="0"/>
+                <a:cs typeface="Times New Roman" panose="02020603050405020304" pitchFamily="18" charset="0"/>
+              </a:rPr>
+              <a:t>for establishing Communication</a:t>
+            </a:r>
+            <a:endParaRPr lang="en-IN" sz="1600" dirty="0">
+              <a:effectLst/>
+              <a:latin typeface="Times New Roman" panose="02020603050405020304" pitchFamily="18" charset="0"/>
+              <a:ea typeface="Calibri" panose="020F0502020204030204" pitchFamily="34" charset="0"/>
+              <a:cs typeface="Times New Roman" panose="02020603050405020304" pitchFamily="18" charset="0"/>
+            </a:endParaRPr>
+          </a:p>
           <a:p>
             <a:pPr marL="457200" lvl="1" indent="0">
               <a:buNone/>
@@ -7678,9 +7483,581 @@
             <a:fld id="{B6F15528-21DE-4FAA-801E-634DDDAF4B2B}" type="slidenum">
               <a:rPr lang="en-US" smtClean="0"/>
               <a:pPr/>
-              <a:t>17</a:t>
+              <a:t>15</a:t>
             </a:fld>
             <a:endParaRPr lang="en-US"/>
+          </a:p>
+        </p:txBody>
+      </p:sp>
+    </p:spTree>
+    <p:extLst>
+      <p:ext uri="{BB962C8B-B14F-4D97-AF65-F5344CB8AC3E}">
+        <p14:creationId xmlns:p14="http://schemas.microsoft.com/office/powerpoint/2010/main" val="2690854905"/>
+      </p:ext>
+    </p:extLst>
+  </p:cSld>
+  <p:clrMapOvr>
+    <a:masterClrMapping/>
+  </p:clrMapOvr>
+  <p:timing>
+    <p:tnLst>
+      <p:par>
+        <p:cTn id="1" dur="indefinite" restart="never" nodeType="tmRoot"/>
+      </p:par>
+    </p:tnLst>
+  </p:timing>
+</p:sld>
+</file>
+
+<file path=ppt/slides/slide16.xml><?xml version="1.0" encoding="utf-8"?>
+<p:sld xmlns:a="http://schemas.openxmlformats.org/drawingml/2006/main" xmlns:r="http://schemas.openxmlformats.org/officeDocument/2006/relationships" xmlns:p="http://schemas.openxmlformats.org/presentationml/2006/main">
+  <p:cSld>
+    <p:spTree>
+      <p:nvGrpSpPr>
+        <p:cNvPr id="1" name=""/>
+        <p:cNvGrpSpPr/>
+        <p:nvPr/>
+      </p:nvGrpSpPr>
+      <p:grpSpPr>
+        <a:xfrm>
+          <a:off x="0" y="0"/>
+          <a:ext cx="0" cy="0"/>
+          <a:chOff x="0" y="0"/>
+          <a:chExt cx="0" cy="0"/>
+        </a:xfrm>
+      </p:grpSpPr>
+      <p:sp>
+        <p:nvSpPr>
+          <p:cNvPr id="2" name="Title 1"/>
+          <p:cNvSpPr>
+            <a:spLocks noGrp="1"/>
+          </p:cNvSpPr>
+          <p:nvPr>
+            <p:ph type="title"/>
+          </p:nvPr>
+        </p:nvSpPr>
+        <p:spPr>
+          <a:solidFill>
+            <a:srgbClr val="0000FF"/>
+          </a:solidFill>
+        </p:spPr>
+        <p:txBody>
+          <a:bodyPr/>
+          <a:lstStyle/>
+          <a:p>
+            <a:r>
+              <a:rPr lang="en-US" b="1" dirty="0">
+                <a:solidFill>
+                  <a:schemeClr val="bg1"/>
+                </a:solidFill>
+                <a:latin typeface="Times New Roman" pitchFamily="18" charset="0"/>
+                <a:cs typeface="Times New Roman" pitchFamily="18" charset="0"/>
+              </a:rPr>
+              <a:t>References</a:t>
+            </a:r>
+          </a:p>
+        </p:txBody>
+      </p:sp>
+      <p:sp>
+        <p:nvSpPr>
+          <p:cNvPr id="3" name="Content Placeholder 2"/>
+          <p:cNvSpPr>
+            <a:spLocks noGrp="1"/>
+          </p:cNvSpPr>
+          <p:nvPr>
+            <p:ph idx="1"/>
+          </p:nvPr>
+        </p:nvSpPr>
+        <p:spPr/>
+        <p:txBody>
+          <a:bodyPr>
+            <a:normAutofit/>
+          </a:bodyPr>
+          <a:lstStyle/>
+          <a:p>
+            <a:pPr marL="228600" indent="-228600">
+              <a:buFont typeface="+mj-lt"/>
+              <a:buAutoNum type="arabicPeriod"/>
+            </a:pPr>
+            <a:r>
+              <a:rPr lang="en-US" sz="1600" dirty="0">
+                <a:latin typeface="Times New Roman" panose="02020603050405020304" pitchFamily="18" charset="0"/>
+                <a:cs typeface="Times New Roman" panose="02020603050405020304" pitchFamily="18" charset="0"/>
+              </a:rPr>
+              <a:t>F. </a:t>
+            </a:r>
+            <a:r>
+              <a:rPr lang="en-US" sz="1600" dirty="0" err="1">
+                <a:latin typeface="Times New Roman" panose="02020603050405020304" pitchFamily="18" charset="0"/>
+                <a:cs typeface="Times New Roman" panose="02020603050405020304" pitchFamily="18" charset="0"/>
+              </a:rPr>
+              <a:t>Ren</a:t>
+            </a:r>
+            <a:r>
+              <a:rPr lang="en-US" sz="1600" dirty="0">
+                <a:latin typeface="Times New Roman" panose="02020603050405020304" pitchFamily="18" charset="0"/>
+                <a:cs typeface="Times New Roman" panose="02020603050405020304" pitchFamily="18" charset="0"/>
+              </a:rPr>
+              <a:t> and H. Zhou, "Implementation and Test of PMIPv6 Dual Stack Protocol," 2012 Sixth International Conference on Innovative Mobile and Internet Services in Ubiquitous Computing, 2012, pp. 305-310, </a:t>
+            </a:r>
+            <a:r>
+              <a:rPr lang="en-US" sz="1600" dirty="0" err="1">
+                <a:latin typeface="Times New Roman" panose="02020603050405020304" pitchFamily="18" charset="0"/>
+                <a:cs typeface="Times New Roman" panose="02020603050405020304" pitchFamily="18" charset="0"/>
+              </a:rPr>
+              <a:t>doi</a:t>
+            </a:r>
+            <a:r>
+              <a:rPr lang="en-US" sz="1600" dirty="0">
+                <a:latin typeface="Times New Roman" panose="02020603050405020304" pitchFamily="18" charset="0"/>
+                <a:cs typeface="Times New Roman" panose="02020603050405020304" pitchFamily="18" charset="0"/>
+              </a:rPr>
+              <a:t>: 10.1109/IMIS.2012.67</a:t>
+            </a:r>
+            <a:r>
+              <a:rPr lang="en-US" sz="1600" dirty="0" smtClean="0">
+                <a:latin typeface="Times New Roman" panose="02020603050405020304" pitchFamily="18" charset="0"/>
+                <a:cs typeface="Times New Roman" panose="02020603050405020304" pitchFamily="18" charset="0"/>
+              </a:rPr>
+              <a:t>.</a:t>
+            </a:r>
+          </a:p>
+          <a:p>
+            <a:pPr marL="228600" indent="-228600">
+              <a:buFont typeface="+mj-lt"/>
+              <a:buAutoNum type="arabicPeriod"/>
+            </a:pPr>
+            <a:r>
+              <a:rPr lang="en-US" sz="1600" dirty="0">
+                <a:latin typeface="Times New Roman" panose="02020603050405020304" pitchFamily="18" charset="0"/>
+                <a:cs typeface="Times New Roman" panose="02020603050405020304" pitchFamily="18" charset="0"/>
+              </a:rPr>
+              <a:t>M. </a:t>
+            </a:r>
+            <a:r>
+              <a:rPr lang="en-US" sz="1600" dirty="0" err="1">
+                <a:latin typeface="Times New Roman" panose="02020603050405020304" pitchFamily="18" charset="0"/>
+                <a:cs typeface="Times New Roman" panose="02020603050405020304" pitchFamily="18" charset="0"/>
+              </a:rPr>
+              <a:t>Bagnulo</a:t>
+            </a:r>
+            <a:r>
+              <a:rPr lang="en-US" sz="1600" dirty="0">
+                <a:latin typeface="Times New Roman" panose="02020603050405020304" pitchFamily="18" charset="0"/>
+                <a:cs typeface="Times New Roman" panose="02020603050405020304" pitchFamily="18" charset="0"/>
+              </a:rPr>
+              <a:t>, A. Garcia-Martinez and I. V. </a:t>
+            </a:r>
+            <a:r>
+              <a:rPr lang="en-US" sz="1600" dirty="0" err="1">
+                <a:latin typeface="Times New Roman" panose="02020603050405020304" pitchFamily="18" charset="0"/>
+                <a:cs typeface="Times New Roman" panose="02020603050405020304" pitchFamily="18" charset="0"/>
+              </a:rPr>
+              <a:t>Beijnum</a:t>
+            </a:r>
+            <a:r>
+              <a:rPr lang="en-US" sz="1600" dirty="0">
+                <a:latin typeface="Times New Roman" panose="02020603050405020304" pitchFamily="18" charset="0"/>
+                <a:cs typeface="Times New Roman" panose="02020603050405020304" pitchFamily="18" charset="0"/>
+              </a:rPr>
+              <a:t>, "The NAT64/DNS64 tool suite for IPv6 transition," in IEEE Communications Magazine, vol. 50, no. 7, pp. 177-183, July 2012, </a:t>
+            </a:r>
+            <a:r>
+              <a:rPr lang="en-US" sz="1600" dirty="0" err="1">
+                <a:latin typeface="Times New Roman" panose="02020603050405020304" pitchFamily="18" charset="0"/>
+                <a:cs typeface="Times New Roman" panose="02020603050405020304" pitchFamily="18" charset="0"/>
+              </a:rPr>
+              <a:t>doi</a:t>
+            </a:r>
+            <a:r>
+              <a:rPr lang="en-US" sz="1600" dirty="0">
+                <a:latin typeface="Times New Roman" panose="02020603050405020304" pitchFamily="18" charset="0"/>
+                <a:cs typeface="Times New Roman" panose="02020603050405020304" pitchFamily="18" charset="0"/>
+              </a:rPr>
+              <a:t>: 10.1109/MCOM.2012.6231295.</a:t>
+            </a:r>
+          </a:p>
+          <a:p>
+            <a:pPr marL="228600" indent="-228600">
+              <a:buFont typeface="+mj-lt"/>
+              <a:buAutoNum type="arabicPeriod"/>
+            </a:pPr>
+            <a:r>
+              <a:rPr lang="en-US" sz="1600" dirty="0">
+                <a:latin typeface="Times New Roman" panose="02020603050405020304" pitchFamily="18" charset="0"/>
+                <a:cs typeface="Times New Roman" panose="02020603050405020304" pitchFamily="18" charset="0"/>
+              </a:rPr>
+              <a:t>V. </a:t>
+            </a:r>
+            <a:r>
+              <a:rPr lang="en-US" sz="1600" dirty="0" err="1">
+                <a:latin typeface="Times New Roman" panose="02020603050405020304" pitchFamily="18" charset="0"/>
+                <a:cs typeface="Times New Roman" panose="02020603050405020304" pitchFamily="18" charset="0"/>
+              </a:rPr>
+              <a:t>Bajpai</a:t>
+            </a:r>
+            <a:r>
+              <a:rPr lang="en-US" sz="1600" dirty="0">
+                <a:latin typeface="Times New Roman" panose="02020603050405020304" pitchFamily="18" charset="0"/>
+                <a:cs typeface="Times New Roman" panose="02020603050405020304" pitchFamily="18" charset="0"/>
+              </a:rPr>
+              <a:t> and J. </a:t>
+            </a:r>
+            <a:r>
+              <a:rPr lang="en-US" sz="1600" dirty="0" err="1">
+                <a:latin typeface="Times New Roman" panose="02020603050405020304" pitchFamily="18" charset="0"/>
+                <a:cs typeface="Times New Roman" panose="02020603050405020304" pitchFamily="18" charset="0"/>
+              </a:rPr>
+              <a:t>Schönwälder</a:t>
+            </a:r>
+            <a:r>
+              <a:rPr lang="en-US" sz="1600" dirty="0">
+                <a:latin typeface="Times New Roman" panose="02020603050405020304" pitchFamily="18" charset="0"/>
+                <a:cs typeface="Times New Roman" panose="02020603050405020304" pitchFamily="18" charset="0"/>
+              </a:rPr>
+              <a:t>, "Measuring TCP connection establishment times of dual-stacked web services," Proceedings of the 9th International Conference on Network and Service Management (CNSM 2013), 2013, pp. 130-133, </a:t>
+            </a:r>
+            <a:r>
+              <a:rPr lang="en-US" sz="1600" dirty="0" err="1">
+                <a:latin typeface="Times New Roman" panose="02020603050405020304" pitchFamily="18" charset="0"/>
+                <a:cs typeface="Times New Roman" panose="02020603050405020304" pitchFamily="18" charset="0"/>
+              </a:rPr>
+              <a:t>doi</a:t>
+            </a:r>
+            <a:r>
+              <a:rPr lang="en-US" sz="1600" dirty="0">
+                <a:latin typeface="Times New Roman" panose="02020603050405020304" pitchFamily="18" charset="0"/>
+                <a:cs typeface="Times New Roman" panose="02020603050405020304" pitchFamily="18" charset="0"/>
+              </a:rPr>
+              <a:t>: 10.1109/CNSM.2013.6727822</a:t>
+            </a:r>
+            <a:r>
+              <a:rPr lang="en-US" sz="1600" dirty="0" smtClean="0">
+                <a:latin typeface="Times New Roman" panose="02020603050405020304" pitchFamily="18" charset="0"/>
+                <a:cs typeface="Times New Roman" panose="02020603050405020304" pitchFamily="18" charset="0"/>
+              </a:rPr>
+              <a:t>.</a:t>
+            </a:r>
+          </a:p>
+          <a:p>
+            <a:pPr marL="228600" indent="-228600">
+              <a:buFont typeface="+mj-lt"/>
+              <a:buAutoNum type="arabicPeriod"/>
+            </a:pPr>
+            <a:r>
+              <a:rPr lang="en-US" sz="1600" dirty="0">
+                <a:latin typeface="Times New Roman" panose="02020603050405020304" pitchFamily="18" charset="0"/>
+                <a:cs typeface="Times New Roman" panose="02020603050405020304" pitchFamily="18" charset="0"/>
+              </a:rPr>
+              <a:t>B. </a:t>
+            </a:r>
+            <a:r>
+              <a:rPr lang="en-US" sz="1600" dirty="0" err="1">
+                <a:latin typeface="Times New Roman" panose="02020603050405020304" pitchFamily="18" charset="0"/>
+                <a:cs typeface="Times New Roman" panose="02020603050405020304" pitchFamily="18" charset="0"/>
+              </a:rPr>
+              <a:t>Faria</a:t>
+            </a:r>
+            <a:r>
+              <a:rPr lang="en-US" sz="1600" dirty="0">
+                <a:latin typeface="Times New Roman" panose="02020603050405020304" pitchFamily="18" charset="0"/>
+                <a:cs typeface="Times New Roman" panose="02020603050405020304" pitchFamily="18" charset="0"/>
+              </a:rPr>
+              <a:t> and E. </a:t>
+            </a:r>
+            <a:r>
+              <a:rPr lang="en-US" sz="1600" dirty="0" err="1">
+                <a:latin typeface="Times New Roman" panose="02020603050405020304" pitchFamily="18" charset="0"/>
+                <a:cs typeface="Times New Roman" panose="02020603050405020304" pitchFamily="18" charset="0"/>
+              </a:rPr>
+              <a:t>Souto</a:t>
+            </a:r>
+            <a:r>
+              <a:rPr lang="en-US" sz="1600" dirty="0">
+                <a:latin typeface="Times New Roman" panose="02020603050405020304" pitchFamily="18" charset="0"/>
+                <a:cs typeface="Times New Roman" panose="02020603050405020304" pitchFamily="18" charset="0"/>
+              </a:rPr>
+              <a:t>, "Performance analysis of Mobile IPv6 support for Dual Stack hosts," 2014 IEEE/ACS 11th International Conference on Computer Systems and Applications (AICCSA), 2014, pp. 92-100, </a:t>
+            </a:r>
+            <a:r>
+              <a:rPr lang="en-US" sz="1600" dirty="0" err="1">
+                <a:latin typeface="Times New Roman" panose="02020603050405020304" pitchFamily="18" charset="0"/>
+                <a:cs typeface="Times New Roman" panose="02020603050405020304" pitchFamily="18" charset="0"/>
+              </a:rPr>
+              <a:t>doi</a:t>
+            </a:r>
+            <a:r>
+              <a:rPr lang="en-US" sz="1600" dirty="0">
+                <a:latin typeface="Times New Roman" panose="02020603050405020304" pitchFamily="18" charset="0"/>
+                <a:cs typeface="Times New Roman" panose="02020603050405020304" pitchFamily="18" charset="0"/>
+              </a:rPr>
+              <a:t>: 10.1109/AICCSA.2014.7073184</a:t>
+            </a:r>
+            <a:r>
+              <a:rPr lang="en-US" sz="1600" dirty="0" smtClean="0">
+                <a:latin typeface="Times New Roman" panose="02020603050405020304" pitchFamily="18" charset="0"/>
+                <a:cs typeface="Times New Roman" panose="02020603050405020304" pitchFamily="18" charset="0"/>
+              </a:rPr>
+              <a:t>.</a:t>
+            </a:r>
+          </a:p>
+          <a:p>
+            <a:pPr marL="228600" indent="-228600">
+              <a:buFont typeface="+mj-lt"/>
+              <a:buAutoNum type="arabicPeriod"/>
+            </a:pPr>
+            <a:r>
+              <a:rPr lang="en-US" sz="1600" dirty="0">
+                <a:latin typeface="Times New Roman" panose="02020603050405020304" pitchFamily="18" charset="0"/>
+                <a:cs typeface="Times New Roman" panose="02020603050405020304" pitchFamily="18" charset="0"/>
+              </a:rPr>
+              <a:t>S. </a:t>
+            </a:r>
+            <a:r>
+              <a:rPr lang="en-US" sz="1600" dirty="0" err="1">
+                <a:latin typeface="Times New Roman" panose="02020603050405020304" pitchFamily="18" charset="0"/>
+                <a:cs typeface="Times New Roman" panose="02020603050405020304" pitchFamily="18" charset="0"/>
+              </a:rPr>
+              <a:t>Aravind</a:t>
+            </a:r>
+            <a:r>
+              <a:rPr lang="en-US" sz="1600" dirty="0">
+                <a:latin typeface="Times New Roman" panose="02020603050405020304" pitchFamily="18" charset="0"/>
+                <a:cs typeface="Times New Roman" panose="02020603050405020304" pitchFamily="18" charset="0"/>
+              </a:rPr>
+              <a:t> and G. </a:t>
+            </a:r>
+            <a:r>
+              <a:rPr lang="en-US" sz="1600" dirty="0" err="1">
+                <a:latin typeface="Times New Roman" panose="02020603050405020304" pitchFamily="18" charset="0"/>
+                <a:cs typeface="Times New Roman" panose="02020603050405020304" pitchFamily="18" charset="0"/>
+              </a:rPr>
+              <a:t>Padmavathi</a:t>
+            </a:r>
+            <a:r>
+              <a:rPr lang="en-US" sz="1600" dirty="0">
+                <a:latin typeface="Times New Roman" panose="02020603050405020304" pitchFamily="18" charset="0"/>
+                <a:cs typeface="Times New Roman" panose="02020603050405020304" pitchFamily="18" charset="0"/>
+              </a:rPr>
+              <a:t>, "Migration to Ipv6 from IPV4 by dual stack and tunneling techniques," 2015 International Conference on Smart Technologies and Management for Computing, Communication, Controls, Energy and Materials (ICSTM), 2015, pp. 107-111, </a:t>
+            </a:r>
+            <a:r>
+              <a:rPr lang="en-US" sz="1600" dirty="0" err="1">
+                <a:latin typeface="Times New Roman" panose="02020603050405020304" pitchFamily="18" charset="0"/>
+                <a:cs typeface="Times New Roman" panose="02020603050405020304" pitchFamily="18" charset="0"/>
+              </a:rPr>
+              <a:t>doi</a:t>
+            </a:r>
+            <a:r>
+              <a:rPr lang="en-US" sz="1600" dirty="0">
+                <a:latin typeface="Times New Roman" panose="02020603050405020304" pitchFamily="18" charset="0"/>
+                <a:cs typeface="Times New Roman" panose="02020603050405020304" pitchFamily="18" charset="0"/>
+              </a:rPr>
+              <a:t>: 10.1109/ICSTM.2015.7225398</a:t>
+            </a:r>
+            <a:r>
+              <a:rPr lang="en-US" sz="1600" dirty="0" smtClean="0">
+                <a:latin typeface="Times New Roman" panose="02020603050405020304" pitchFamily="18" charset="0"/>
+                <a:cs typeface="Times New Roman" panose="02020603050405020304" pitchFamily="18" charset="0"/>
+              </a:rPr>
+              <a:t>.</a:t>
+            </a:r>
+          </a:p>
+          <a:p>
+            <a:pPr marL="0" indent="0">
+              <a:buNone/>
+            </a:pPr>
+            <a:endParaRPr lang="en-US" sz="1600" dirty="0">
+              <a:latin typeface="Times New Roman" panose="02020603050405020304" pitchFamily="18" charset="0"/>
+              <a:cs typeface="Times New Roman" panose="02020603050405020304" pitchFamily="18" charset="0"/>
+            </a:endParaRPr>
+          </a:p>
+          <a:p>
+            <a:pPr marL="228600" indent="-228600">
+              <a:buFont typeface="+mj-lt"/>
+              <a:buAutoNum type="arabicPeriod"/>
+            </a:pPr>
+            <a:endParaRPr lang="en-US" sz="1600" dirty="0" smtClean="0">
+              <a:latin typeface="Times New Roman" panose="02020603050405020304" pitchFamily="18" charset="0"/>
+              <a:cs typeface="Times New Roman" panose="02020603050405020304" pitchFamily="18" charset="0"/>
+            </a:endParaRPr>
+          </a:p>
+          <a:p>
+            <a:pPr marL="228600" indent="-228600">
+              <a:buFont typeface="+mj-lt"/>
+              <a:buAutoNum type="arabicPeriod"/>
+            </a:pPr>
+            <a:endParaRPr lang="en-US" sz="1600" dirty="0">
+              <a:latin typeface="Times New Roman" panose="02020603050405020304" pitchFamily="18" charset="0"/>
+              <a:cs typeface="Times New Roman" panose="02020603050405020304" pitchFamily="18" charset="0"/>
+            </a:endParaRPr>
+          </a:p>
+          <a:p>
+            <a:pPr marL="228600" indent="-228600">
+              <a:buFont typeface="+mj-lt"/>
+              <a:buAutoNum type="arabicPeriod"/>
+            </a:pPr>
+            <a:endParaRPr lang="en-US" sz="1600" dirty="0" smtClean="0">
+              <a:latin typeface="Times New Roman" panose="02020603050405020304" pitchFamily="18" charset="0"/>
+              <a:cs typeface="Times New Roman" panose="02020603050405020304" pitchFamily="18" charset="0"/>
+            </a:endParaRPr>
+          </a:p>
+          <a:p>
+            <a:pPr marL="228600" indent="-228600">
+              <a:buFont typeface="+mj-lt"/>
+              <a:buAutoNum type="arabicPeriod"/>
+            </a:pPr>
+            <a:endParaRPr lang="en-US" sz="1600" dirty="0">
+              <a:latin typeface="Times New Roman" panose="02020603050405020304" pitchFamily="18" charset="0"/>
+              <a:cs typeface="Times New Roman" panose="02020603050405020304" pitchFamily="18" charset="0"/>
+            </a:endParaRPr>
+          </a:p>
+          <a:p>
+            <a:pPr marL="228600" indent="-228600">
+              <a:buFont typeface="+mj-lt"/>
+              <a:buAutoNum type="arabicPeriod"/>
+            </a:pPr>
+            <a:endParaRPr lang="en-US" sz="1600" dirty="0" smtClean="0">
+              <a:latin typeface="Times New Roman" panose="02020603050405020304" pitchFamily="18" charset="0"/>
+              <a:cs typeface="Times New Roman" panose="02020603050405020304" pitchFamily="18" charset="0"/>
+            </a:endParaRPr>
+          </a:p>
+          <a:p>
+            <a:pPr marL="228600" indent="-228600">
+              <a:buFont typeface="+mj-lt"/>
+              <a:buAutoNum type="arabicPeriod"/>
+            </a:pPr>
+            <a:endParaRPr lang="en-US" sz="1600" dirty="0">
+              <a:latin typeface="Times New Roman" panose="02020603050405020304" pitchFamily="18" charset="0"/>
+              <a:cs typeface="Times New Roman" panose="02020603050405020304" pitchFamily="18" charset="0"/>
+            </a:endParaRPr>
+          </a:p>
+          <a:p>
+            <a:pPr marL="0" indent="0">
+              <a:buNone/>
+            </a:pPr>
+            <a:endParaRPr lang="en-US" sz="1600" dirty="0">
+              <a:latin typeface="Times New Roman" panose="02020603050405020304" pitchFamily="18" charset="0"/>
+              <a:cs typeface="Times New Roman" panose="02020603050405020304" pitchFamily="18" charset="0"/>
+            </a:endParaRPr>
+          </a:p>
+          <a:p>
+            <a:pPr marL="228600" indent="-228600">
+              <a:buFont typeface="+mj-lt"/>
+              <a:buAutoNum type="arabicPeriod"/>
+            </a:pPr>
+            <a:endParaRPr lang="en-US" sz="1600" dirty="0">
+              <a:latin typeface="Times New Roman" panose="02020603050405020304" pitchFamily="18" charset="0"/>
+              <a:cs typeface="Times New Roman" panose="02020603050405020304" pitchFamily="18" charset="0"/>
+            </a:endParaRPr>
+          </a:p>
+          <a:p>
+            <a:pPr marL="228600" indent="-228600">
+              <a:buFont typeface="+mj-lt"/>
+              <a:buAutoNum type="arabicPeriod"/>
+            </a:pPr>
+            <a:endParaRPr lang="en-US" sz="1600" dirty="0">
+              <a:latin typeface="Times New Roman" panose="02020603050405020304" pitchFamily="18" charset="0"/>
+              <a:cs typeface="Times New Roman" panose="02020603050405020304" pitchFamily="18" charset="0"/>
+            </a:endParaRPr>
+          </a:p>
+          <a:p>
+            <a:pPr marL="228600" indent="-228600">
+              <a:buFont typeface="+mj-lt"/>
+              <a:buAutoNum type="arabicPeriod"/>
+            </a:pPr>
+            <a:endParaRPr lang="en-US" sz="1600" dirty="0">
+              <a:latin typeface="Times New Roman" panose="02020603050405020304" pitchFamily="18" charset="0"/>
+              <a:cs typeface="Times New Roman" panose="02020603050405020304" pitchFamily="18" charset="0"/>
+            </a:endParaRPr>
+          </a:p>
+          <a:p>
+            <a:pPr marL="228600" indent="-228600">
+              <a:buFont typeface="+mj-lt"/>
+              <a:buAutoNum type="arabicPeriod"/>
+            </a:pPr>
+            <a:endParaRPr lang="en-US" sz="1200" dirty="0">
+              <a:latin typeface="Times New Roman" pitchFamily="18" charset="0"/>
+              <a:cs typeface="Times New Roman" pitchFamily="18" charset="0"/>
+            </a:endParaRPr>
+          </a:p>
+        </p:txBody>
+      </p:sp>
+      <p:sp>
+        <p:nvSpPr>
+          <p:cNvPr id="4" name="Date Placeholder 3"/>
+          <p:cNvSpPr>
+            <a:spLocks noGrp="1"/>
+          </p:cNvSpPr>
+          <p:nvPr>
+            <p:ph type="dt" sz="half" idx="10"/>
+          </p:nvPr>
+        </p:nvSpPr>
+        <p:spPr/>
+        <p:txBody>
+          <a:bodyPr/>
+          <a:lstStyle/>
+          <a:p>
+            <a:r>
+              <a:rPr lang="en-US" dirty="0" smtClean="0">
+                <a:latin typeface="Times New Roman" pitchFamily="18" charset="0"/>
+                <a:cs typeface="Times New Roman" pitchFamily="18" charset="0"/>
+              </a:rPr>
+              <a:t>17-Aug-21</a:t>
+            </a:r>
+            <a:endParaRPr lang="en-US" dirty="0">
+              <a:latin typeface="Times New Roman" pitchFamily="18" charset="0"/>
+              <a:cs typeface="Times New Roman" pitchFamily="18" charset="0"/>
+            </a:endParaRPr>
+          </a:p>
+        </p:txBody>
+      </p:sp>
+      <p:sp>
+        <p:nvSpPr>
+          <p:cNvPr id="5" name="Footer Placeholder 4"/>
+          <p:cNvSpPr>
+            <a:spLocks noGrp="1"/>
+          </p:cNvSpPr>
+          <p:nvPr>
+            <p:ph type="ftr" sz="quarter" idx="11"/>
+          </p:nvPr>
+        </p:nvSpPr>
+        <p:spPr/>
+        <p:txBody>
+          <a:bodyPr/>
+          <a:lstStyle/>
+          <a:p>
+            <a:r>
+              <a:rPr lang="en-US" dirty="0">
+                <a:latin typeface="Times New Roman" pitchFamily="18" charset="0"/>
+                <a:cs typeface="Times New Roman" pitchFamily="18" charset="0"/>
+              </a:rPr>
+              <a:t>Dept. of ECE, NMIT, Bangalore-64</a:t>
+            </a:r>
+          </a:p>
+        </p:txBody>
+      </p:sp>
+      <p:sp>
+        <p:nvSpPr>
+          <p:cNvPr id="6" name="Slide Number Placeholder 5"/>
+          <p:cNvSpPr>
+            <a:spLocks noGrp="1"/>
+          </p:cNvSpPr>
+          <p:nvPr>
+            <p:ph type="sldNum" sz="quarter" idx="12"/>
+          </p:nvPr>
+        </p:nvSpPr>
+        <p:spPr/>
+        <p:txBody>
+          <a:bodyPr/>
+          <a:lstStyle/>
+          <a:p>
+            <a:fld id="{B6F15528-21DE-4FAA-801E-634DDDAF4B2B}" type="slidenum">
+              <a:rPr lang="en-US" smtClean="0"/>
+              <a:pPr/>
+              <a:t>16</a:t>
+            </a:fld>
+            <a:endParaRPr lang="en-US" dirty="0"/>
           </a:p>
         </p:txBody>
       </p:sp>
@@ -7704,7 +8081,7 @@
 </p:sld>
 </file>
 
-<file path=ppt/slides/slide18.xml><?xml version="1.0" encoding="utf-8"?>
+<file path=ppt/slides/slide17.xml><?xml version="1.0" encoding="utf-8"?>
 <p:sld xmlns:a="http://schemas.openxmlformats.org/drawingml/2006/main" xmlns:r="http://schemas.openxmlformats.org/officeDocument/2006/relationships" xmlns:p="http://schemas.openxmlformats.org/presentationml/2006/main">
   <p:cSld>
     <p:spTree>
@@ -7737,466 +8114,6 @@
           </a:solidFill>
         </p:spPr>
         <p:txBody>
-          <a:bodyPr>
-            <a:normAutofit/>
-          </a:bodyPr>
-          <a:lstStyle/>
-          <a:p>
-            <a:r>
-              <a:rPr lang="en-US" sz="3600" b="1" dirty="0">
-                <a:solidFill>
-                  <a:schemeClr val="bg1"/>
-                </a:solidFill>
-                <a:latin typeface="Times New Roman" pitchFamily="18" charset="0"/>
-                <a:cs typeface="Times New Roman" pitchFamily="18" charset="0"/>
-              </a:rPr>
-              <a:t>Project Objectives</a:t>
-            </a:r>
-          </a:p>
-        </p:txBody>
-      </p:sp>
-      <p:sp>
-        <p:nvSpPr>
-          <p:cNvPr id="3" name="Content Placeholder 2"/>
-          <p:cNvSpPr>
-            <a:spLocks noGrp="1"/>
-          </p:cNvSpPr>
-          <p:nvPr>
-            <p:ph idx="1"/>
-          </p:nvPr>
-        </p:nvSpPr>
-        <p:spPr>
-          <a:xfrm>
-            <a:off x="457200" y="1600200"/>
-            <a:ext cx="8229600" cy="4343400"/>
-          </a:xfrm>
-        </p:spPr>
-        <p:txBody>
-          <a:bodyPr>
-            <a:normAutofit/>
-          </a:bodyPr>
-          <a:lstStyle/>
-          <a:p>
-            <a:pPr marL="0" indent="0">
-              <a:buNone/>
-            </a:pPr>
-            <a:r>
-              <a:rPr lang="en-US" sz="2000" dirty="0">
-                <a:latin typeface="Times New Roman" panose="02020603050405020304" pitchFamily="18" charset="0"/>
-                <a:cs typeface="Times New Roman" pitchFamily="18" charset="0"/>
-              </a:rPr>
-              <a:t>The following are the proposed objectives of the project based on the research gaps:</a:t>
-            </a:r>
-          </a:p>
-          <a:p>
-            <a:pPr marL="0" indent="0">
-              <a:lnSpc>
-                <a:spcPct val="150000"/>
-              </a:lnSpc>
-              <a:spcAft>
-                <a:spcPts val="1000"/>
-              </a:spcAft>
-              <a:buNone/>
-            </a:pPr>
-            <a:endParaRPr lang="en-US" sz="1600" dirty="0">
-              <a:latin typeface="Times New Roman" panose="02020603050405020304" pitchFamily="18" charset="0"/>
-              <a:ea typeface="Calibri" panose="020F0502020204030204" pitchFamily="34" charset="0"/>
-              <a:cs typeface="Times New Roman" panose="02020603050405020304" pitchFamily="18" charset="0"/>
-            </a:endParaRPr>
-          </a:p>
-          <a:p>
-            <a:pPr>
-              <a:lnSpc>
-                <a:spcPct val="150000"/>
-              </a:lnSpc>
-              <a:spcAft>
-                <a:spcPts val="1000"/>
-              </a:spcAft>
-            </a:pPr>
-            <a:r>
-              <a:rPr lang="en-US" sz="1600" dirty="0" smtClean="0">
-                <a:latin typeface="Times New Roman" panose="02020603050405020304" pitchFamily="18" charset="0"/>
-                <a:ea typeface="Calibri" panose="020F0502020204030204" pitchFamily="34" charset="0"/>
-                <a:cs typeface="Times New Roman" panose="02020603050405020304" pitchFamily="18" charset="0"/>
-              </a:rPr>
-              <a:t>To </a:t>
-            </a:r>
-            <a:r>
-              <a:rPr lang="en-US" sz="1600" dirty="0" smtClean="0">
-                <a:effectLst/>
-                <a:latin typeface="Times New Roman" panose="02020603050405020304" pitchFamily="18" charset="0"/>
-                <a:ea typeface="Calibri" panose="020F0502020204030204" pitchFamily="34" charset="0"/>
-                <a:cs typeface="Times New Roman" panose="02020603050405020304" pitchFamily="18" charset="0"/>
-              </a:rPr>
-              <a:t>Implement  </a:t>
-            </a:r>
-            <a:r>
-              <a:rPr lang="en-US" sz="1600" dirty="0">
-                <a:effectLst/>
-                <a:latin typeface="Times New Roman" panose="02020603050405020304" pitchFamily="18" charset="0"/>
-                <a:ea typeface="Calibri" panose="020F0502020204030204" pitchFamily="34" charset="0"/>
-                <a:cs typeface="Times New Roman" panose="02020603050405020304" pitchFamily="18" charset="0"/>
-              </a:rPr>
-              <a:t>client server programming on dual stack host</a:t>
-            </a:r>
-            <a:endParaRPr lang="en-IN" sz="1600" dirty="0">
-              <a:effectLst/>
-              <a:latin typeface="Times New Roman" panose="02020603050405020304" pitchFamily="18" charset="0"/>
-              <a:ea typeface="Calibri" panose="020F0502020204030204" pitchFamily="34" charset="0"/>
-              <a:cs typeface="Times New Roman" panose="02020603050405020304" pitchFamily="18" charset="0"/>
-            </a:endParaRPr>
-          </a:p>
-          <a:p>
-            <a:pPr>
-              <a:lnSpc>
-                <a:spcPct val="150000"/>
-              </a:lnSpc>
-              <a:spcAft>
-                <a:spcPts val="1000"/>
-              </a:spcAft>
-            </a:pPr>
-            <a:r>
-              <a:rPr lang="en-US" sz="1600" dirty="0">
-                <a:effectLst/>
-                <a:latin typeface="Times New Roman" panose="02020603050405020304" pitchFamily="18" charset="0"/>
-                <a:ea typeface="Calibri" panose="020F0502020204030204" pitchFamily="34" charset="0"/>
-                <a:cs typeface="Times New Roman" panose="02020603050405020304" pitchFamily="18" charset="0"/>
-              </a:rPr>
-              <a:t>Dual stack host running two server </a:t>
-            </a:r>
-            <a:r>
-              <a:rPr lang="en-US" sz="1600" dirty="0" smtClean="0">
-                <a:effectLst/>
-                <a:latin typeface="Times New Roman" panose="02020603050405020304" pitchFamily="18" charset="0"/>
-                <a:ea typeface="Calibri" panose="020F0502020204030204" pitchFamily="34" charset="0"/>
-                <a:cs typeface="Times New Roman" panose="02020603050405020304" pitchFamily="18" charset="0"/>
-              </a:rPr>
-              <a:t>programs</a:t>
-            </a:r>
-            <a:r>
-              <a:rPr lang="en-IN" sz="1600" dirty="0">
-                <a:latin typeface="Times New Roman" panose="02020603050405020304" pitchFamily="18" charset="0"/>
-                <a:ea typeface="Calibri" panose="020F0502020204030204" pitchFamily="34" charset="0"/>
-                <a:cs typeface="Times New Roman" panose="02020603050405020304" pitchFamily="18" charset="0"/>
-              </a:rPr>
-              <a:t/>
-            </a:r>
-            <a:br>
-              <a:rPr lang="en-IN" sz="1600" dirty="0">
-                <a:latin typeface="Times New Roman" panose="02020603050405020304" pitchFamily="18" charset="0"/>
-                <a:ea typeface="Calibri" panose="020F0502020204030204" pitchFamily="34" charset="0"/>
-                <a:cs typeface="Times New Roman" panose="02020603050405020304" pitchFamily="18" charset="0"/>
-              </a:rPr>
-            </a:br>
-            <a:r>
-              <a:rPr lang="en-US" sz="1600" dirty="0" smtClean="0">
-                <a:effectLst/>
-                <a:latin typeface="Times New Roman" panose="02020603050405020304" pitchFamily="18" charset="0"/>
-                <a:ea typeface="Calibri" panose="020F0502020204030204" pitchFamily="34" charset="0"/>
-                <a:cs typeface="Times New Roman" panose="02020603050405020304" pitchFamily="18" charset="0"/>
-              </a:rPr>
-              <a:t>Ipv4 </a:t>
-            </a:r>
-            <a:r>
-              <a:rPr lang="en-US" sz="1600" dirty="0">
-                <a:effectLst/>
-                <a:latin typeface="Times New Roman" panose="02020603050405020304" pitchFamily="18" charset="0"/>
-                <a:ea typeface="Calibri" panose="020F0502020204030204" pitchFamily="34" charset="0"/>
-                <a:cs typeface="Times New Roman" panose="02020603050405020304" pitchFamily="18" charset="0"/>
-              </a:rPr>
-              <a:t>client </a:t>
-            </a:r>
-            <a:r>
-              <a:rPr lang="en-US" sz="1600" dirty="0" smtClean="0">
-                <a:effectLst/>
-                <a:latin typeface="Times New Roman" panose="02020603050405020304" pitchFamily="18" charset="0"/>
-                <a:ea typeface="Calibri" panose="020F0502020204030204" pitchFamily="34" charset="0"/>
-                <a:cs typeface="Times New Roman" panose="02020603050405020304" pitchFamily="18" charset="0"/>
-              </a:rPr>
-              <a:t>(</a:t>
-            </a:r>
-            <a:r>
-              <a:rPr lang="en-US" sz="1600" dirty="0">
-                <a:latin typeface="Times New Roman" panose="02020603050405020304" pitchFamily="18" charset="0"/>
-                <a:ea typeface="Calibri" panose="020F0502020204030204" pitchFamily="34" charset="0"/>
-                <a:cs typeface="Times New Roman" panose="02020603050405020304" pitchFamily="18" charset="0"/>
-              </a:rPr>
-              <a:t>VoIP,  udp)</a:t>
-            </a:r>
-            <a:r>
-              <a:rPr lang="en-US" sz="1600" dirty="0">
-                <a:effectLst/>
-                <a:latin typeface="Times New Roman" panose="02020603050405020304" pitchFamily="18" charset="0"/>
-                <a:ea typeface="Calibri" panose="020F0502020204030204" pitchFamily="34" charset="0"/>
-                <a:cs typeface="Times New Roman" panose="02020603050405020304" pitchFamily="18" charset="0"/>
-              </a:rPr>
-              <a:t> </a:t>
-            </a:r>
-            <a:r>
-              <a:rPr lang="en-IN" sz="1600" dirty="0">
-                <a:latin typeface="Times New Roman" panose="02020603050405020304" pitchFamily="18" charset="0"/>
-                <a:ea typeface="Calibri" panose="020F0502020204030204" pitchFamily="34" charset="0"/>
-                <a:cs typeface="Times New Roman" panose="02020603050405020304" pitchFamily="18" charset="0"/>
-              </a:rPr>
-              <a:t/>
-            </a:r>
-            <a:br>
-              <a:rPr lang="en-IN" sz="1600" dirty="0">
-                <a:latin typeface="Times New Roman" panose="02020603050405020304" pitchFamily="18" charset="0"/>
-                <a:ea typeface="Calibri" panose="020F0502020204030204" pitchFamily="34" charset="0"/>
-                <a:cs typeface="Times New Roman" panose="02020603050405020304" pitchFamily="18" charset="0"/>
-              </a:rPr>
-            </a:br>
-            <a:r>
-              <a:rPr lang="en-US" sz="1600" dirty="0" smtClean="0">
-                <a:effectLst/>
-                <a:latin typeface="Times New Roman" panose="02020603050405020304" pitchFamily="18" charset="0"/>
-                <a:ea typeface="Calibri" panose="020F0502020204030204" pitchFamily="34" charset="0"/>
-                <a:cs typeface="Times New Roman" panose="02020603050405020304" pitchFamily="18" charset="0"/>
-              </a:rPr>
-              <a:t>Ipv6  </a:t>
-            </a:r>
-            <a:r>
-              <a:rPr lang="en-US" sz="1600" dirty="0">
-                <a:effectLst/>
-                <a:latin typeface="Times New Roman" panose="02020603050405020304" pitchFamily="18" charset="0"/>
-                <a:ea typeface="Calibri" panose="020F0502020204030204" pitchFamily="34" charset="0"/>
-                <a:cs typeface="Times New Roman" panose="02020603050405020304" pitchFamily="18" charset="0"/>
-              </a:rPr>
-              <a:t>client </a:t>
-            </a:r>
-            <a:r>
-              <a:rPr lang="en-US" sz="1600" dirty="0">
-                <a:latin typeface="Times New Roman" panose="02020603050405020304" pitchFamily="18" charset="0"/>
-                <a:ea typeface="Calibri" panose="020F0502020204030204" pitchFamily="34" charset="0"/>
-                <a:cs typeface="Times New Roman" panose="02020603050405020304" pitchFamily="18" charset="0"/>
-              </a:rPr>
-              <a:t>(data </a:t>
-            </a:r>
-            <a:r>
-              <a:rPr lang="en-US" sz="1600" dirty="0" smtClean="0">
-                <a:latin typeface="Times New Roman" panose="02020603050405020304" pitchFamily="18" charset="0"/>
-                <a:ea typeface="Calibri" panose="020F0502020204030204" pitchFamily="34" charset="0"/>
-                <a:cs typeface="Times New Roman" panose="02020603050405020304" pitchFamily="18" charset="0"/>
-              </a:rPr>
-              <a:t>application/TCP</a:t>
-            </a:r>
-            <a:r>
-              <a:rPr lang="en-US" sz="1600" dirty="0" smtClean="0">
-                <a:effectLst/>
-                <a:latin typeface="Times New Roman" panose="02020603050405020304" pitchFamily="18" charset="0"/>
-                <a:ea typeface="Calibri" panose="020F0502020204030204" pitchFamily="34" charset="0"/>
-                <a:cs typeface="Times New Roman" panose="02020603050405020304" pitchFamily="18" charset="0"/>
-              </a:rPr>
-              <a:t>)</a:t>
-            </a:r>
-            <a:r>
-              <a:rPr lang="en-US" sz="1600" dirty="0">
-                <a:effectLst/>
-                <a:latin typeface="Times New Roman" panose="02020603050405020304" pitchFamily="18" charset="0"/>
-                <a:ea typeface="Calibri" panose="020F0502020204030204" pitchFamily="34" charset="0"/>
-                <a:cs typeface="Times New Roman" panose="02020603050405020304" pitchFamily="18" charset="0"/>
-              </a:rPr>
-              <a:t> </a:t>
-            </a:r>
-            <a:endParaRPr lang="en-IN" sz="1600" dirty="0">
-              <a:latin typeface="Times New Roman" panose="02020603050405020304" pitchFamily="18" charset="0"/>
-              <a:ea typeface="Calibri" panose="020F0502020204030204" pitchFamily="34" charset="0"/>
-              <a:cs typeface="Times New Roman" panose="02020603050405020304" pitchFamily="18" charset="0"/>
-            </a:endParaRPr>
-          </a:p>
-          <a:p>
-            <a:pPr>
-              <a:lnSpc>
-                <a:spcPct val="150000"/>
-              </a:lnSpc>
-              <a:spcAft>
-                <a:spcPts val="1000"/>
-              </a:spcAft>
-            </a:pPr>
-            <a:r>
-              <a:rPr lang="en-US" sz="1600" dirty="0">
-                <a:effectLst/>
-                <a:latin typeface="Times New Roman" panose="02020603050405020304" pitchFamily="18" charset="0"/>
-                <a:ea typeface="Calibri" panose="020F0502020204030204" pitchFamily="34" charset="0"/>
-                <a:cs typeface="Times New Roman" panose="02020603050405020304" pitchFamily="18" charset="0"/>
-              </a:rPr>
-              <a:t>Both clients contacting dual stack host at the same time </a:t>
-            </a:r>
-            <a:endParaRPr lang="en-IN" sz="1600" dirty="0">
-              <a:effectLst/>
-              <a:latin typeface="Times New Roman" panose="02020603050405020304" pitchFamily="18" charset="0"/>
-              <a:ea typeface="Calibri" panose="020F0502020204030204" pitchFamily="34" charset="0"/>
-              <a:cs typeface="Times New Roman" panose="02020603050405020304" pitchFamily="18" charset="0"/>
-            </a:endParaRPr>
-          </a:p>
-          <a:p>
-            <a:pPr>
-              <a:lnSpc>
-                <a:spcPct val="150000"/>
-              </a:lnSpc>
-              <a:spcAft>
-                <a:spcPts val="1000"/>
-              </a:spcAft>
-            </a:pPr>
-            <a:r>
-              <a:rPr lang="en-US" sz="1600" dirty="0">
-                <a:effectLst/>
-                <a:latin typeface="Times New Roman" panose="02020603050405020304" pitchFamily="18" charset="0"/>
-                <a:ea typeface="Calibri" panose="020F0502020204030204" pitchFamily="34" charset="0"/>
-                <a:cs typeface="Times New Roman" panose="02020603050405020304" pitchFamily="18" charset="0"/>
-              </a:rPr>
-              <a:t>Desktop/Laptop and Raspberry Pi boards will be used for establishing Communication</a:t>
-            </a:r>
-            <a:endParaRPr lang="en-IN" sz="1600" dirty="0">
-              <a:effectLst/>
-              <a:latin typeface="Times New Roman" panose="02020603050405020304" pitchFamily="18" charset="0"/>
-              <a:ea typeface="Calibri" panose="020F0502020204030204" pitchFamily="34" charset="0"/>
-              <a:cs typeface="Times New Roman" panose="02020603050405020304" pitchFamily="18" charset="0"/>
-            </a:endParaRPr>
-          </a:p>
-          <a:p>
-            <a:pPr marL="457200" lvl="1" indent="0">
-              <a:buNone/>
-            </a:pPr>
-            <a:endParaRPr lang="en-US" sz="1600" dirty="0">
-              <a:latin typeface="Times New Roman" pitchFamily="18" charset="0"/>
-              <a:cs typeface="Times New Roman" pitchFamily="18" charset="0"/>
-            </a:endParaRPr>
-          </a:p>
-        </p:txBody>
-      </p:sp>
-      <p:sp>
-        <p:nvSpPr>
-          <p:cNvPr id="4" name="Date Placeholder 3"/>
-          <p:cNvSpPr>
-            <a:spLocks noGrp="1"/>
-          </p:cNvSpPr>
-          <p:nvPr>
-            <p:ph type="dt" sz="half" idx="10"/>
-          </p:nvPr>
-        </p:nvSpPr>
-        <p:spPr/>
-        <p:txBody>
-          <a:bodyPr/>
-          <a:lstStyle/>
-          <a:p>
-            <a:r>
-              <a:rPr lang="en-US" dirty="0" smtClean="0">
-                <a:latin typeface="Times New Roman" pitchFamily="18" charset="0"/>
-                <a:cs typeface="Times New Roman" pitchFamily="18" charset="0"/>
-              </a:rPr>
-              <a:t>17-Aug-21</a:t>
-            </a:r>
-            <a:endParaRPr lang="en-US" dirty="0">
-              <a:latin typeface="Times New Roman" pitchFamily="18" charset="0"/>
-              <a:cs typeface="Times New Roman" pitchFamily="18" charset="0"/>
-            </a:endParaRPr>
-          </a:p>
-        </p:txBody>
-      </p:sp>
-      <p:sp>
-        <p:nvSpPr>
-          <p:cNvPr id="5" name="Footer Placeholder 4"/>
-          <p:cNvSpPr>
-            <a:spLocks noGrp="1"/>
-          </p:cNvSpPr>
-          <p:nvPr>
-            <p:ph type="ftr" sz="quarter" idx="11"/>
-          </p:nvPr>
-        </p:nvSpPr>
-        <p:spPr/>
-        <p:txBody>
-          <a:bodyPr/>
-          <a:lstStyle/>
-          <a:p>
-            <a:r>
-              <a:rPr lang="en-US" dirty="0">
-                <a:latin typeface="Times New Roman" pitchFamily="18" charset="0"/>
-                <a:cs typeface="Times New Roman" pitchFamily="18" charset="0"/>
-              </a:rPr>
-              <a:t>Dept. of ECE, NMIT, Bangalore-64</a:t>
-            </a:r>
-          </a:p>
-        </p:txBody>
-      </p:sp>
-      <p:sp>
-        <p:nvSpPr>
-          <p:cNvPr id="6" name="Slide Number Placeholder 5"/>
-          <p:cNvSpPr>
-            <a:spLocks noGrp="1"/>
-          </p:cNvSpPr>
-          <p:nvPr>
-            <p:ph type="sldNum" sz="quarter" idx="12"/>
-          </p:nvPr>
-        </p:nvSpPr>
-        <p:spPr/>
-        <p:txBody>
-          <a:bodyPr/>
-          <a:lstStyle/>
-          <a:p>
-            <a:fld id="{B6F15528-21DE-4FAA-801E-634DDDAF4B2B}" type="slidenum">
-              <a:rPr lang="en-US" smtClean="0"/>
-              <a:pPr/>
-              <a:t>18</a:t>
-            </a:fld>
-            <a:endParaRPr lang="en-US"/>
-          </a:p>
-        </p:txBody>
-      </p:sp>
-    </p:spTree>
-    <p:extLst>
-      <p:ext uri="{BB962C8B-B14F-4D97-AF65-F5344CB8AC3E}">
-        <p14:creationId xmlns:p14="http://schemas.microsoft.com/office/powerpoint/2010/main" val="2690854905"/>
-      </p:ext>
-    </p:extLst>
-  </p:cSld>
-  <p:clrMapOvr>
-    <a:masterClrMapping/>
-  </p:clrMapOvr>
-  <p:timing>
-    <p:tnLst>
-      <p:par>
-        <p:cTn id="1" dur="indefinite" restart="never" nodeType="tmRoot"/>
-      </p:par>
-    </p:tnLst>
-  </p:timing>
-</p:sld>
-</file>
-
-<file path=ppt/slides/slide19.xml><?xml version="1.0" encoding="utf-8"?>
-<p:sld xmlns:a="http://schemas.openxmlformats.org/drawingml/2006/main" xmlns:r="http://schemas.openxmlformats.org/officeDocument/2006/relationships" xmlns:p="http://schemas.openxmlformats.org/presentationml/2006/main">
-  <p:cSld>
-    <p:spTree>
-      <p:nvGrpSpPr>
-        <p:cNvPr id="1" name=""/>
-        <p:cNvGrpSpPr/>
-        <p:nvPr/>
-      </p:nvGrpSpPr>
-      <p:grpSpPr>
-        <a:xfrm>
-          <a:off x="0" y="0"/>
-          <a:ext cx="0" cy="0"/>
-          <a:chOff x="0" y="0"/>
-          <a:chExt cx="0" cy="0"/>
-        </a:xfrm>
-      </p:grpSpPr>
-      <p:sp>
-        <p:nvSpPr>
-          <p:cNvPr id="2" name="Title 1"/>
-          <p:cNvSpPr>
-            <a:spLocks noGrp="1"/>
-          </p:cNvSpPr>
-          <p:nvPr>
-            <p:ph type="title"/>
-          </p:nvPr>
-        </p:nvSpPr>
-        <p:spPr>
-          <a:solidFill>
-            <a:srgbClr val="0000FF"/>
-          </a:solidFill>
-        </p:spPr>
-        <p:txBody>
           <a:bodyPr/>
           <a:lstStyle/>
           <a:p>
@@ -8226,490 +8143,42 @@
         <p:spPr/>
         <p:txBody>
           <a:bodyPr>
-            <a:normAutofit fontScale="25000" lnSpcReduction="20000"/>
+            <a:normAutofit/>
           </a:bodyPr>
           <a:lstStyle/>
           <a:p>
-            <a:pPr marL="342900" lvl="0" indent="-342900" algn="just">
-              <a:lnSpc>
-                <a:spcPct val="150000"/>
-              </a:lnSpc>
+            <a:pPr marL="0" indent="0">
+              <a:buNone/>
+            </a:pPr>
+            <a:endParaRPr lang="en-US" sz="1600" dirty="0">
+              <a:latin typeface="Times New Roman" panose="02020603050405020304" pitchFamily="18" charset="0"/>
+              <a:cs typeface="Times New Roman" panose="02020603050405020304" pitchFamily="18" charset="0"/>
+            </a:endParaRPr>
+          </a:p>
+          <a:p>
+            <a:pPr marL="228600" indent="-228600">
               <a:buFont typeface="+mj-lt"/>
               <a:buAutoNum type="arabicPeriod"/>
             </a:pPr>
-            <a:r>
-              <a:rPr lang="en-US" sz="5600" dirty="0">
-                <a:solidFill>
-                  <a:srgbClr val="000000"/>
-                </a:solidFill>
-                <a:effectLst/>
-                <a:latin typeface="Times New Roman" panose="02020603050405020304" pitchFamily="18" charset="0"/>
-                <a:ea typeface="Calibri" panose="020F0502020204030204" pitchFamily="34" charset="0"/>
-                <a:cs typeface="Times New Roman" panose="02020603050405020304" pitchFamily="18" charset="0"/>
-              </a:rPr>
-              <a:t>R. K. CV and H. Goyal, "IPv4 to IPv6 Migration and Performance Analysis using GNS3 and </a:t>
-            </a:r>
-            <a:r>
-              <a:rPr lang="en-US" sz="5600" dirty="0" err="1" smtClean="0">
-                <a:solidFill>
-                  <a:srgbClr val="000000"/>
-                </a:solidFill>
-                <a:effectLst/>
-                <a:latin typeface="Times New Roman" panose="02020603050405020304" pitchFamily="18" charset="0"/>
-                <a:ea typeface="Calibri" panose="020F0502020204030204" pitchFamily="34" charset="0"/>
-                <a:cs typeface="Times New Roman" panose="02020603050405020304" pitchFamily="18" charset="0"/>
-              </a:rPr>
-              <a:t>Wireshark</a:t>
-            </a:r>
-            <a:r>
-              <a:rPr lang="en-US" sz="5600" dirty="0" smtClean="0">
-                <a:solidFill>
-                  <a:srgbClr val="000000"/>
-                </a:solidFill>
-                <a:effectLst/>
-                <a:latin typeface="Times New Roman" panose="02020603050405020304" pitchFamily="18" charset="0"/>
-                <a:ea typeface="Calibri" panose="020F0502020204030204" pitchFamily="34" charset="0"/>
-                <a:cs typeface="Times New Roman" panose="02020603050405020304" pitchFamily="18" charset="0"/>
-              </a:rPr>
-              <a:t>,"</a:t>
-            </a:r>
-            <a:r>
-              <a:rPr lang="en-US" sz="5600" dirty="0">
-                <a:solidFill>
-                  <a:srgbClr val="000000"/>
-                </a:solidFill>
-                <a:effectLst/>
-                <a:latin typeface="Times New Roman" panose="02020603050405020304" pitchFamily="18" charset="0"/>
-                <a:ea typeface="Calibri" panose="020F0502020204030204" pitchFamily="34" charset="0"/>
-                <a:cs typeface="Times New Roman" panose="02020603050405020304" pitchFamily="18" charset="0"/>
-              </a:rPr>
-              <a:t> </a:t>
-            </a:r>
-            <a:r>
-              <a:rPr lang="en-US" sz="5600" i="1" dirty="0">
-                <a:solidFill>
-                  <a:srgbClr val="333333"/>
-                </a:solidFill>
-                <a:effectLst/>
-                <a:latin typeface="Times New Roman" panose="02020603050405020304" pitchFamily="18" charset="0"/>
-                <a:ea typeface="Calibri" panose="020F0502020204030204" pitchFamily="34" charset="0"/>
-                <a:cs typeface="Times New Roman" panose="02020603050405020304" pitchFamily="18" charset="0"/>
-              </a:rPr>
-              <a:t>2019 International Conference on Vision Towards Emerging Trends in Communication and Networking (ViTECoN)</a:t>
-            </a:r>
-            <a:r>
-              <a:rPr lang="en-US" sz="5600" dirty="0">
-                <a:solidFill>
-                  <a:srgbClr val="000000"/>
-                </a:solidFill>
-                <a:effectLst/>
-                <a:latin typeface="Times New Roman" panose="02020603050405020304" pitchFamily="18" charset="0"/>
-                <a:ea typeface="Calibri" panose="020F0502020204030204" pitchFamily="34" charset="0"/>
-                <a:cs typeface="Times New Roman" panose="02020603050405020304" pitchFamily="18" charset="0"/>
-              </a:rPr>
-              <a:t>, 2019, pp. 1-6, doi: 10.1109/ViTECoN.2019.8899746</a:t>
-            </a:r>
-            <a:r>
-              <a:rPr lang="en-US" sz="5600" b="1" dirty="0">
-                <a:effectLst/>
-                <a:latin typeface="Times New Roman" panose="02020603050405020304" pitchFamily="18" charset="0"/>
-                <a:ea typeface="Calibri" panose="020F0502020204030204" pitchFamily="34" charset="0"/>
-                <a:cs typeface="Times New Roman" panose="02020603050405020304" pitchFamily="18" charset="0"/>
-              </a:rPr>
-              <a:t> </a:t>
-            </a:r>
-            <a:endParaRPr lang="en-IN" sz="5600" dirty="0">
-              <a:effectLst/>
+            <a:endParaRPr lang="en-US" sz="1600" dirty="0">
               <a:latin typeface="Times New Roman" panose="02020603050405020304" pitchFamily="18" charset="0"/>
-              <a:ea typeface="Calibri" panose="020F0502020204030204" pitchFamily="34" charset="0"/>
               <a:cs typeface="Times New Roman" panose="02020603050405020304" pitchFamily="18" charset="0"/>
             </a:endParaRPr>
           </a:p>
           <a:p>
-            <a:pPr marL="342900" lvl="0" indent="-342900" algn="just">
-              <a:lnSpc>
-                <a:spcPct val="150000"/>
-              </a:lnSpc>
-              <a:spcAft>
-                <a:spcPts val="1000"/>
-              </a:spcAft>
+            <a:pPr marL="228600" indent="-228600">
               <a:buFont typeface="+mj-lt"/>
               <a:buAutoNum type="arabicPeriod"/>
             </a:pPr>
-            <a:r>
-              <a:rPr lang="en-US" sz="5600" dirty="0">
-                <a:solidFill>
-                  <a:srgbClr val="000000"/>
-                </a:solidFill>
-                <a:effectLst/>
-                <a:latin typeface="Times New Roman" panose="02020603050405020304" pitchFamily="18" charset="0"/>
-                <a:ea typeface="Calibri" panose="020F0502020204030204" pitchFamily="34" charset="0"/>
-                <a:cs typeface="Times New Roman" panose="02020603050405020304" pitchFamily="18" charset="0"/>
-              </a:rPr>
-              <a:t>J. Hyun, J. Li, H. Kim, J. Yoo and J. W. Hong, "IPv4 and IPv6 performance comparison in IPv6 </a:t>
-            </a:r>
-            <a:r>
-              <a:rPr lang="en-US" sz="5600" dirty="0">
-                <a:effectLst/>
-                <a:latin typeface="Times New Roman" panose="02020603050405020304" pitchFamily="18" charset="0"/>
-                <a:ea typeface="MS Mincho" panose="02020609040205080304" pitchFamily="49" charset="-128"/>
-                <a:cs typeface="Times New Roman" panose="02020603050405020304" pitchFamily="18" charset="0"/>
-              </a:rPr>
-              <a:t> </a:t>
-            </a:r>
-            <a:r>
-              <a:rPr lang="en-US" sz="5600" dirty="0">
-                <a:solidFill>
-                  <a:srgbClr val="333333"/>
-                </a:solidFill>
-                <a:effectLst/>
-                <a:latin typeface="Times New Roman" panose="02020603050405020304" pitchFamily="18" charset="0"/>
-                <a:ea typeface="Calibri" panose="020F0502020204030204" pitchFamily="34" charset="0"/>
-                <a:cs typeface="Times New Roman" panose="02020603050405020304" pitchFamily="18" charset="0"/>
-              </a:rPr>
-              <a:t>LTE network," </a:t>
-            </a:r>
-            <a:r>
-              <a:rPr lang="en-US" sz="5600" i="1" dirty="0">
-                <a:solidFill>
-                  <a:srgbClr val="333333"/>
-                </a:solidFill>
-                <a:effectLst/>
-                <a:latin typeface="Times New Roman" panose="02020603050405020304" pitchFamily="18" charset="0"/>
-                <a:ea typeface="Calibri" panose="020F0502020204030204" pitchFamily="34" charset="0"/>
-                <a:cs typeface="Times New Roman" panose="02020603050405020304" pitchFamily="18" charset="0"/>
-              </a:rPr>
-              <a:t>2015 17th Asia-Pacific Network Operations and Management Symposium (APNOMS)</a:t>
-            </a:r>
-            <a:r>
-              <a:rPr lang="en-US" sz="5600" dirty="0">
-                <a:solidFill>
-                  <a:srgbClr val="333333"/>
-                </a:solidFill>
-                <a:effectLst/>
-                <a:latin typeface="Times New Roman" panose="02020603050405020304" pitchFamily="18" charset="0"/>
-                <a:ea typeface="Calibri" panose="020F0502020204030204" pitchFamily="34" charset="0"/>
-                <a:cs typeface="Times New Roman" panose="02020603050405020304" pitchFamily="18" charset="0"/>
-              </a:rPr>
-              <a:t>, 2015, pp. 145-150, doi: 10.1109/APNOMS.2015.7275417.</a:t>
-            </a:r>
-            <a:r>
-              <a:rPr lang="en-US" sz="5600" b="1" dirty="0">
-                <a:effectLst/>
-                <a:latin typeface="Times New Roman" panose="02020603050405020304" pitchFamily="18" charset="0"/>
-                <a:ea typeface="Calibri" panose="020F0502020204030204" pitchFamily="34" charset="0"/>
-                <a:cs typeface="Times New Roman" panose="02020603050405020304" pitchFamily="18" charset="0"/>
-              </a:rPr>
-              <a:t> </a:t>
-            </a:r>
-            <a:endParaRPr lang="en-IN" sz="5600" dirty="0">
-              <a:effectLst/>
+            <a:endParaRPr lang="en-US" sz="1600" dirty="0">
               <a:latin typeface="Times New Roman" panose="02020603050405020304" pitchFamily="18" charset="0"/>
-              <a:ea typeface="Calibri" panose="020F0502020204030204" pitchFamily="34" charset="0"/>
               <a:cs typeface="Times New Roman" panose="02020603050405020304" pitchFamily="18" charset="0"/>
             </a:endParaRPr>
           </a:p>
           <a:p>
-            <a:pPr marL="342900" lvl="0" indent="-342900" algn="just">
-              <a:lnSpc>
-                <a:spcPct val="150000"/>
-              </a:lnSpc>
-              <a:spcAft>
-                <a:spcPts val="1000"/>
-              </a:spcAft>
+            <a:pPr marL="228600" indent="-228600">
               <a:buFont typeface="+mj-lt"/>
               <a:buAutoNum type="arabicPeriod"/>
-            </a:pPr>
-            <a:r>
-              <a:rPr lang="en-US" sz="5600" dirty="0">
-                <a:solidFill>
-                  <a:srgbClr val="000000"/>
-                </a:solidFill>
-                <a:effectLst/>
-                <a:latin typeface="Times New Roman" panose="02020603050405020304" pitchFamily="18" charset="0"/>
-                <a:ea typeface="Calibri" panose="020F0502020204030204" pitchFamily="34" charset="0"/>
-                <a:cs typeface="Times New Roman" panose="02020603050405020304" pitchFamily="18" charset="0"/>
-              </a:rPr>
-              <a:t>S. Aravind and G. Padmavathi, "Migration to Ipv6 from IPV4 by dual stack and tunneling techniques," </a:t>
-            </a:r>
-            <a:r>
-              <a:rPr lang="en-US" sz="5600" i="1" dirty="0">
-                <a:solidFill>
-                  <a:srgbClr val="000000"/>
-                </a:solidFill>
-                <a:effectLst/>
-                <a:latin typeface="Times New Roman" panose="02020603050405020304" pitchFamily="18" charset="0"/>
-                <a:ea typeface="Calibri" panose="020F0502020204030204" pitchFamily="34" charset="0"/>
-                <a:cs typeface="Times New Roman" panose="02020603050405020304" pitchFamily="18" charset="0"/>
-              </a:rPr>
-              <a:t>2015 International Conference on Smart Technologies and Management for Computing, Communication, Controls, Energy and Materials (ICSTM)</a:t>
-            </a:r>
-            <a:r>
-              <a:rPr lang="en-US" sz="5600" dirty="0">
-                <a:solidFill>
-                  <a:srgbClr val="000000"/>
-                </a:solidFill>
-                <a:effectLst/>
-                <a:latin typeface="Times New Roman" panose="02020603050405020304" pitchFamily="18" charset="0"/>
-                <a:ea typeface="Calibri" panose="020F0502020204030204" pitchFamily="34" charset="0"/>
-                <a:cs typeface="Times New Roman" panose="02020603050405020304" pitchFamily="18" charset="0"/>
-              </a:rPr>
-              <a:t>, 2015, pp. 107-111, doi: 10.1109/ICSTM.2015.7225398.</a:t>
-            </a:r>
-            <a:r>
-              <a:rPr lang="en-US" sz="5600" b="1" dirty="0">
-                <a:solidFill>
-                  <a:srgbClr val="000000"/>
-                </a:solidFill>
-                <a:effectLst/>
-                <a:latin typeface="Times New Roman" panose="02020603050405020304" pitchFamily="18" charset="0"/>
-                <a:ea typeface="Calibri" panose="020F0502020204030204" pitchFamily="34" charset="0"/>
-                <a:cs typeface="Times New Roman" panose="02020603050405020304" pitchFamily="18" charset="0"/>
-              </a:rPr>
-              <a:t> </a:t>
-            </a:r>
-            <a:endParaRPr lang="en-IN" sz="5600" dirty="0">
-              <a:effectLst/>
-              <a:latin typeface="Times New Roman" panose="02020603050405020304" pitchFamily="18" charset="0"/>
-              <a:ea typeface="Calibri" panose="020F0502020204030204" pitchFamily="34" charset="0"/>
-              <a:cs typeface="Times New Roman" panose="02020603050405020304" pitchFamily="18" charset="0"/>
-            </a:endParaRPr>
-          </a:p>
-          <a:p>
-            <a:pPr marL="342900" lvl="0" indent="-342900" algn="just">
-              <a:lnSpc>
-                <a:spcPct val="150000"/>
-              </a:lnSpc>
-              <a:spcAft>
-                <a:spcPts val="1000"/>
-              </a:spcAft>
-              <a:buFont typeface="+mj-lt"/>
-              <a:buAutoNum type="arabicPeriod"/>
-            </a:pPr>
-            <a:r>
-              <a:rPr lang="en-US" sz="5600" dirty="0">
-                <a:solidFill>
-                  <a:srgbClr val="000000"/>
-                </a:solidFill>
-                <a:effectLst/>
-                <a:latin typeface="Times New Roman" panose="02020603050405020304" pitchFamily="18" charset="0"/>
-                <a:ea typeface="Calibri" panose="020F0502020204030204" pitchFamily="34" charset="0"/>
-                <a:cs typeface="Times New Roman" panose="02020603050405020304" pitchFamily="18" charset="0"/>
-              </a:rPr>
-              <a:t>Hatim Mohamad tahir,</a:t>
-            </a:r>
-            <a:r>
-              <a:rPr lang="en-US" sz="5600" dirty="0">
-                <a:solidFill>
-                  <a:srgbClr val="000000"/>
-                </a:solidFill>
-                <a:latin typeface="Times New Roman" panose="02020603050405020304" pitchFamily="18" charset="0"/>
-                <a:ea typeface="Calibri" panose="020F0502020204030204" pitchFamily="34" charset="0"/>
-                <a:cs typeface="Times New Roman" panose="02020603050405020304" pitchFamily="18" charset="0"/>
-              </a:rPr>
-              <a:t>Azman Taa</a:t>
-            </a:r>
-            <a:r>
-              <a:rPr lang="en-US" sz="5600" dirty="0">
-                <a:solidFill>
-                  <a:srgbClr val="000000"/>
-                </a:solidFill>
-                <a:effectLst/>
-                <a:latin typeface="Times New Roman" panose="02020603050405020304" pitchFamily="18" charset="0"/>
-                <a:ea typeface="Calibri" panose="020F0502020204030204" pitchFamily="34" charset="0"/>
-                <a:cs typeface="Times New Roman" panose="02020603050405020304" pitchFamily="18" charset="0"/>
-              </a:rPr>
-              <a:t>,</a:t>
-            </a:r>
-            <a:r>
-              <a:rPr lang="en-US" sz="5600" dirty="0">
-                <a:solidFill>
-                  <a:srgbClr val="000000"/>
-                </a:solidFill>
-                <a:latin typeface="Times New Roman" panose="02020603050405020304" pitchFamily="18" charset="0"/>
-                <a:ea typeface="Calibri" panose="020F0502020204030204" pitchFamily="34" charset="0"/>
-                <a:cs typeface="Times New Roman" panose="02020603050405020304" pitchFamily="18" charset="0"/>
-              </a:rPr>
-              <a:t>Norshakinah Bt. Md. Nasir</a:t>
-            </a:r>
-            <a:r>
-              <a:rPr lang="en-US" sz="5600" dirty="0">
-                <a:solidFill>
-                  <a:srgbClr val="000000"/>
-                </a:solidFill>
-                <a:effectLst/>
-                <a:latin typeface="Times New Roman" panose="02020603050405020304" pitchFamily="18" charset="0"/>
-                <a:ea typeface="Calibri" panose="020F0502020204030204" pitchFamily="34" charset="0"/>
-                <a:cs typeface="Times New Roman" panose="02020603050405020304" pitchFamily="18" charset="0"/>
-              </a:rPr>
-              <a:t>, “</a:t>
-            </a:r>
-            <a:r>
-              <a:rPr lang="en-US" sz="5600" i="1" dirty="0">
-                <a:solidFill>
-                  <a:srgbClr val="111111"/>
-                </a:solidFill>
-                <a:effectLst/>
-                <a:latin typeface="Times New Roman" panose="02020603050405020304" pitchFamily="18" charset="0"/>
-                <a:ea typeface="Calibri" panose="020F0502020204030204" pitchFamily="34" charset="0"/>
-                <a:cs typeface="Times New Roman" panose="02020603050405020304" pitchFamily="18" charset="0"/>
-              </a:rPr>
-              <a:t>Implementation of IPv6 Over IPv4 Using Dual Stack Transition Mechanism (DSTM) on 6iNet</a:t>
-            </a:r>
-            <a:r>
-              <a:rPr lang="en-US" sz="5600" dirty="0">
-                <a:solidFill>
-                  <a:srgbClr val="000000"/>
-                </a:solidFill>
-                <a:effectLst/>
-                <a:latin typeface="Times New Roman" panose="02020603050405020304" pitchFamily="18" charset="0"/>
-                <a:ea typeface="Calibri" panose="020F0502020204030204" pitchFamily="34" charset="0"/>
-                <a:cs typeface="Times New Roman" panose="02020603050405020304" pitchFamily="18" charset="0"/>
-              </a:rPr>
-              <a:t>”</a:t>
-            </a:r>
-            <a:r>
-              <a:rPr lang="en-US" sz="5600" dirty="0">
-                <a:effectLst/>
-                <a:latin typeface="Times New Roman" panose="02020603050405020304" pitchFamily="18" charset="0"/>
-                <a:ea typeface="Calibri" panose="020F0502020204030204" pitchFamily="34" charset="0"/>
-                <a:cs typeface="Times New Roman" panose="02020603050405020304" pitchFamily="18" charset="0"/>
-              </a:rPr>
-              <a:t>  Universiti Utara Malaysia, December 2014</a:t>
-            </a:r>
-            <a:r>
-              <a:rPr lang="en-US" sz="5600" b="1" dirty="0">
-                <a:solidFill>
-                  <a:srgbClr val="000000"/>
-                </a:solidFill>
-                <a:effectLst/>
-                <a:latin typeface="Times New Roman" panose="02020603050405020304" pitchFamily="18" charset="0"/>
-                <a:ea typeface="Calibri" panose="020F0502020204030204" pitchFamily="34" charset="0"/>
-                <a:cs typeface="Times New Roman" panose="02020603050405020304" pitchFamily="18" charset="0"/>
-              </a:rPr>
-              <a:t> </a:t>
-            </a:r>
-            <a:endParaRPr lang="en-IN" sz="5600" dirty="0">
-              <a:effectLst/>
-              <a:latin typeface="Times New Roman" panose="02020603050405020304" pitchFamily="18" charset="0"/>
-              <a:ea typeface="Calibri" panose="020F0502020204030204" pitchFamily="34" charset="0"/>
-              <a:cs typeface="Times New Roman" panose="02020603050405020304" pitchFamily="18" charset="0"/>
-            </a:endParaRPr>
-          </a:p>
-          <a:p>
-            <a:pPr marL="342900" lvl="0" indent="-342900">
-              <a:lnSpc>
-                <a:spcPct val="150000"/>
-              </a:lnSpc>
-              <a:spcAft>
-                <a:spcPts val="1000"/>
-              </a:spcAft>
-              <a:buFont typeface="+mj-lt"/>
-              <a:buAutoNum type="arabicPeriod"/>
-            </a:pPr>
-            <a:r>
-              <a:rPr lang="en-US" sz="5600" dirty="0">
-                <a:solidFill>
-                  <a:srgbClr val="000000"/>
-                </a:solidFill>
-                <a:latin typeface="Times New Roman" panose="02020603050405020304" pitchFamily="18" charset="0"/>
-                <a:ea typeface="Times New Roman" panose="02020603050405020304" pitchFamily="18" charset="0"/>
-                <a:cs typeface="Times New Roman" panose="02020603050405020304" pitchFamily="18" charset="0"/>
-              </a:rPr>
-              <a:t>Niranjan Ravi</a:t>
-            </a:r>
-            <a:r>
-              <a:rPr lang="en-US" sz="5600" dirty="0">
-                <a:solidFill>
-                  <a:srgbClr val="000000"/>
-                </a:solidFill>
-                <a:effectLst/>
-                <a:latin typeface="Times New Roman" panose="02020603050405020304" pitchFamily="18" charset="0"/>
-                <a:ea typeface="Times New Roman" panose="02020603050405020304" pitchFamily="18" charset="0"/>
-                <a:cs typeface="Times New Roman" panose="02020603050405020304" pitchFamily="18" charset="0"/>
-              </a:rPr>
-              <a:t>, </a:t>
-            </a:r>
-            <a:r>
-              <a:rPr lang="en-US" sz="5600" dirty="0">
-                <a:solidFill>
-                  <a:srgbClr val="000000"/>
-                </a:solidFill>
-                <a:latin typeface="Times New Roman" panose="02020603050405020304" pitchFamily="18" charset="0"/>
-                <a:ea typeface="Times New Roman" panose="02020603050405020304" pitchFamily="18" charset="0"/>
-                <a:cs typeface="Times New Roman" panose="02020603050405020304" pitchFamily="18" charset="0"/>
-              </a:rPr>
-              <a:t>Muppidathi Saravanan A</a:t>
-            </a:r>
-            <a:r>
-              <a:rPr lang="en-US" sz="5600" dirty="0">
-                <a:solidFill>
-                  <a:srgbClr val="000000"/>
-                </a:solidFill>
-                <a:effectLst/>
-                <a:latin typeface="Times New Roman" panose="02020603050405020304" pitchFamily="18" charset="0"/>
-                <a:ea typeface="Times New Roman" panose="02020603050405020304" pitchFamily="18" charset="0"/>
-                <a:cs typeface="Times New Roman" panose="02020603050405020304" pitchFamily="18" charset="0"/>
-              </a:rPr>
-              <a:t>, </a:t>
-            </a:r>
-            <a:r>
-              <a:rPr lang="en-US" sz="5600" dirty="0">
-                <a:solidFill>
-                  <a:srgbClr val="000000"/>
-                </a:solidFill>
-                <a:latin typeface="Times New Roman" panose="02020603050405020304" pitchFamily="18" charset="0"/>
-                <a:ea typeface="Times New Roman" panose="02020603050405020304" pitchFamily="18" charset="0"/>
-                <a:cs typeface="Times New Roman" panose="02020603050405020304" pitchFamily="18" charset="0"/>
-              </a:rPr>
-              <a:t>Manoranjan Periyasamy</a:t>
-            </a:r>
-            <a:r>
-              <a:rPr lang="en-US" sz="5600" dirty="0">
-                <a:solidFill>
-                  <a:srgbClr val="000000"/>
-                </a:solidFill>
-                <a:effectLst/>
-                <a:latin typeface="Times New Roman" panose="02020603050405020304" pitchFamily="18" charset="0"/>
-                <a:ea typeface="Times New Roman" panose="02020603050405020304" pitchFamily="18" charset="0"/>
-                <a:cs typeface="Times New Roman" panose="02020603050405020304" pitchFamily="18" charset="0"/>
-              </a:rPr>
-              <a:t>, Niraj Prasad Bhatta “</a:t>
-            </a:r>
-            <a:r>
-              <a:rPr lang="en-US" sz="5600" i="1" dirty="0">
-                <a:solidFill>
-                  <a:srgbClr val="111111"/>
-                </a:solidFill>
-                <a:effectLst/>
-                <a:latin typeface="Times New Roman" panose="02020603050405020304" pitchFamily="18" charset="0"/>
-                <a:ea typeface="Calibri" panose="020F0502020204030204" pitchFamily="34" charset="0"/>
-                <a:cs typeface="Times New Roman" panose="02020603050405020304" pitchFamily="18" charset="0"/>
-              </a:rPr>
-              <a:t>Implementation of IPv6/IPv4 Dual-Stack Transition Mechanism</a:t>
-            </a:r>
-            <a:r>
-              <a:rPr lang="en-US" sz="5600" dirty="0">
-                <a:solidFill>
-                  <a:srgbClr val="000000"/>
-                </a:solidFill>
-                <a:effectLst/>
-                <a:latin typeface="Times New Roman" panose="02020603050405020304" pitchFamily="18" charset="0"/>
-                <a:ea typeface="Times New Roman" panose="02020603050405020304" pitchFamily="18" charset="0"/>
-                <a:cs typeface="Times New Roman" panose="02020603050405020304" pitchFamily="18" charset="0"/>
-              </a:rPr>
-              <a:t>”, Jain University, November 2014</a:t>
-            </a:r>
-            <a:endParaRPr lang="en-IN" sz="5600" dirty="0">
-              <a:effectLst/>
-              <a:latin typeface="Times New Roman" panose="02020603050405020304" pitchFamily="18" charset="0"/>
-              <a:ea typeface="Calibri" panose="020F0502020204030204" pitchFamily="34" charset="0"/>
-              <a:cs typeface="Times New Roman" panose="02020603050405020304" pitchFamily="18" charset="0"/>
-            </a:endParaRPr>
-          </a:p>
-          <a:p>
-            <a:pPr marL="0" indent="0">
-              <a:buNone/>
             </a:pPr>
             <a:endParaRPr lang="en-US" sz="1200" dirty="0">
               <a:latin typeface="Times New Roman" pitchFamily="18" charset="0"/>
@@ -8790,16 +8259,308 @@
             <a:fld id="{B6F15528-21DE-4FAA-801E-634DDDAF4B2B}" type="slidenum">
               <a:rPr lang="en-US" smtClean="0"/>
               <a:pPr/>
-              <a:t>19</a:t>
+              <a:t>17</a:t>
             </a:fld>
             <a:endParaRPr lang="en-US" dirty="0"/>
+          </a:p>
+        </p:txBody>
+      </p:sp>
+      <p:sp>
+        <p:nvSpPr>
+          <p:cNvPr id="9" name="TextBox 8"/>
+          <p:cNvSpPr txBox="1"/>
+          <p:nvPr/>
+        </p:nvSpPr>
+        <p:spPr>
+          <a:xfrm>
+            <a:off x="685800" y="1981200"/>
+            <a:ext cx="7772400" cy="3539430"/>
+          </a:xfrm>
+          <a:prstGeom prst="rect">
+            <a:avLst/>
+          </a:prstGeom>
+          <a:noFill/>
+        </p:spPr>
+        <p:txBody>
+          <a:bodyPr wrap="square" rtlCol="0">
+            <a:spAutoFit/>
+          </a:bodyPr>
+          <a:lstStyle/>
+          <a:p>
+            <a:pPr marL="342900" indent="-342900">
+              <a:buFont typeface="+mj-lt"/>
+              <a:buAutoNum type="arabicPeriod" startAt="6"/>
+            </a:pPr>
+            <a:r>
+              <a:rPr lang="en-US" sz="1600" dirty="0">
+                <a:latin typeface="Times New Roman" panose="02020603050405020304" pitchFamily="18" charset="0"/>
+                <a:cs typeface="Times New Roman" panose="02020603050405020304" pitchFamily="18" charset="0"/>
+              </a:rPr>
+              <a:t>V. </a:t>
+            </a:r>
+            <a:r>
+              <a:rPr lang="en-US" sz="1600" dirty="0" err="1">
+                <a:latin typeface="Times New Roman" panose="02020603050405020304" pitchFamily="18" charset="0"/>
+                <a:cs typeface="Times New Roman" panose="02020603050405020304" pitchFamily="18" charset="0"/>
+              </a:rPr>
+              <a:t>Bajpai</a:t>
+            </a:r>
+            <a:r>
+              <a:rPr lang="en-US" sz="1600" dirty="0">
+                <a:latin typeface="Times New Roman" panose="02020603050405020304" pitchFamily="18" charset="0"/>
+                <a:cs typeface="Times New Roman" panose="02020603050405020304" pitchFamily="18" charset="0"/>
+              </a:rPr>
+              <a:t> and J. </a:t>
+            </a:r>
+            <a:r>
+              <a:rPr lang="en-US" sz="1600" dirty="0" err="1">
+                <a:latin typeface="Times New Roman" panose="02020603050405020304" pitchFamily="18" charset="0"/>
+                <a:cs typeface="Times New Roman" panose="02020603050405020304" pitchFamily="18" charset="0"/>
+              </a:rPr>
+              <a:t>Schönwälder</a:t>
+            </a:r>
+            <a:r>
+              <a:rPr lang="en-US" sz="1600" dirty="0">
+                <a:latin typeface="Times New Roman" panose="02020603050405020304" pitchFamily="18" charset="0"/>
+                <a:cs typeface="Times New Roman" panose="02020603050405020304" pitchFamily="18" charset="0"/>
+              </a:rPr>
+              <a:t>, "IPv4 versus IPv6 - who connects faster?," 2015 IFIP Networking Conference (IFIP Networking), 2015, pp. 1-9, </a:t>
+            </a:r>
+            <a:r>
+              <a:rPr lang="en-US" sz="1600" dirty="0" err="1">
+                <a:latin typeface="Times New Roman" panose="02020603050405020304" pitchFamily="18" charset="0"/>
+                <a:cs typeface="Times New Roman" panose="02020603050405020304" pitchFamily="18" charset="0"/>
+              </a:rPr>
+              <a:t>doi</a:t>
+            </a:r>
+            <a:r>
+              <a:rPr lang="en-US" sz="1600" dirty="0">
+                <a:latin typeface="Times New Roman" panose="02020603050405020304" pitchFamily="18" charset="0"/>
+                <a:cs typeface="Times New Roman" panose="02020603050405020304" pitchFamily="18" charset="0"/>
+              </a:rPr>
+              <a:t>: </a:t>
+            </a:r>
+            <a:r>
+              <a:rPr lang="en-US" sz="1600" dirty="0" smtClean="0">
+                <a:latin typeface="Times New Roman" panose="02020603050405020304" pitchFamily="18" charset="0"/>
+                <a:cs typeface="Times New Roman" panose="02020603050405020304" pitchFamily="18" charset="0"/>
+              </a:rPr>
+              <a:t>10.1109/IFIPNetworking.2015.7145323</a:t>
+            </a:r>
+          </a:p>
+          <a:p>
+            <a:pPr marL="342900" indent="-342900">
+              <a:buFont typeface="+mj-lt"/>
+              <a:buAutoNum type="arabicPeriod" startAt="6"/>
+            </a:pPr>
+            <a:r>
+              <a:rPr lang="en-US" sz="1600" dirty="0" err="1">
+                <a:latin typeface="Times New Roman" panose="02020603050405020304" pitchFamily="18" charset="0"/>
+                <a:cs typeface="Times New Roman" panose="02020603050405020304" pitchFamily="18" charset="0"/>
+              </a:rPr>
+              <a:t>Ummi</a:t>
+            </a:r>
+            <a:r>
+              <a:rPr lang="en-US" sz="1600" dirty="0">
+                <a:latin typeface="Times New Roman" panose="02020603050405020304" pitchFamily="18" charset="0"/>
+                <a:cs typeface="Times New Roman" panose="02020603050405020304" pitchFamily="18" charset="0"/>
+              </a:rPr>
+              <a:t> </a:t>
+            </a:r>
+            <a:r>
+              <a:rPr lang="en-US" sz="1600" dirty="0" err="1">
+                <a:latin typeface="Times New Roman" panose="02020603050405020304" pitchFamily="18" charset="0"/>
+                <a:cs typeface="Times New Roman" panose="02020603050405020304" pitchFamily="18" charset="0"/>
+              </a:rPr>
+              <a:t>Suraya</a:t>
+            </a:r>
+            <a:r>
+              <a:rPr lang="en-US" sz="1600" dirty="0">
+                <a:latin typeface="Times New Roman" panose="02020603050405020304" pitchFamily="18" charset="0"/>
+                <a:cs typeface="Times New Roman" panose="02020603050405020304" pitchFamily="18" charset="0"/>
+              </a:rPr>
+              <a:t> </a:t>
+            </a:r>
+            <a:r>
+              <a:rPr lang="en-US" sz="1600" dirty="0" err="1">
+                <a:latin typeface="Times New Roman" panose="02020603050405020304" pitchFamily="18" charset="0"/>
+                <a:cs typeface="Times New Roman" panose="02020603050405020304" pitchFamily="18" charset="0"/>
+              </a:rPr>
+              <a:t>Shaharuddin</a:t>
+            </a:r>
+            <a:r>
+              <a:rPr lang="en-US" sz="1600" dirty="0">
+                <a:latin typeface="Times New Roman" panose="02020603050405020304" pitchFamily="18" charset="0"/>
+                <a:cs typeface="Times New Roman" panose="02020603050405020304" pitchFamily="18" charset="0"/>
+              </a:rPr>
+              <a:t>, R. </a:t>
+            </a:r>
+            <a:r>
+              <a:rPr lang="en-US" sz="1600" dirty="0" err="1">
+                <a:latin typeface="Times New Roman" panose="02020603050405020304" pitchFamily="18" charset="0"/>
+                <a:cs typeface="Times New Roman" panose="02020603050405020304" pitchFamily="18" charset="0"/>
+              </a:rPr>
+              <a:t>Ab</a:t>
+            </a:r>
+            <a:r>
+              <a:rPr lang="en-US" sz="1600" dirty="0">
+                <a:latin typeface="Times New Roman" panose="02020603050405020304" pitchFamily="18" charset="0"/>
+                <a:cs typeface="Times New Roman" panose="02020603050405020304" pitchFamily="18" charset="0"/>
+              </a:rPr>
+              <a:t> Rahman, M. </a:t>
+            </a:r>
+            <a:r>
+              <a:rPr lang="en-US" sz="1600" dirty="0" err="1">
+                <a:latin typeface="Times New Roman" panose="02020603050405020304" pitchFamily="18" charset="0"/>
+                <a:cs typeface="Times New Roman" panose="02020603050405020304" pitchFamily="18" charset="0"/>
+              </a:rPr>
+              <a:t>Kassim</a:t>
+            </a:r>
+            <a:r>
+              <a:rPr lang="en-US" sz="1600" dirty="0">
+                <a:latin typeface="Times New Roman" panose="02020603050405020304" pitchFamily="18" charset="0"/>
+                <a:cs typeface="Times New Roman" panose="02020603050405020304" pitchFamily="18" charset="0"/>
+              </a:rPr>
+              <a:t> and M. I. </a:t>
+            </a:r>
+            <a:r>
+              <a:rPr lang="en-US" sz="1600" dirty="0" err="1">
+                <a:latin typeface="Times New Roman" panose="02020603050405020304" pitchFamily="18" charset="0"/>
+                <a:cs typeface="Times New Roman" panose="02020603050405020304" pitchFamily="18" charset="0"/>
+              </a:rPr>
+              <a:t>Yusof</a:t>
+            </a:r>
+            <a:r>
+              <a:rPr lang="en-US" sz="1600" dirty="0">
+                <a:latin typeface="Times New Roman" panose="02020603050405020304" pitchFamily="18" charset="0"/>
+                <a:cs typeface="Times New Roman" panose="02020603050405020304" pitchFamily="18" charset="0"/>
+              </a:rPr>
+              <a:t>, "Performance comparison of Multimedia Applications over IPv4 and IPv6 Dual Stack technology," 2016 6th International Conference on System Engineering and Technology (ICSET), 2016, pp. 1-6, </a:t>
+            </a:r>
+            <a:r>
+              <a:rPr lang="en-US" sz="1600" dirty="0" err="1">
+                <a:latin typeface="Times New Roman" panose="02020603050405020304" pitchFamily="18" charset="0"/>
+                <a:cs typeface="Times New Roman" panose="02020603050405020304" pitchFamily="18" charset="0"/>
+              </a:rPr>
+              <a:t>doi</a:t>
+            </a:r>
+            <a:r>
+              <a:rPr lang="en-US" sz="1600" dirty="0">
+                <a:latin typeface="Times New Roman" panose="02020603050405020304" pitchFamily="18" charset="0"/>
+                <a:cs typeface="Times New Roman" panose="02020603050405020304" pitchFamily="18" charset="0"/>
+              </a:rPr>
+              <a:t>: 10.1109/ICSEngT.2016.7849613</a:t>
+            </a:r>
+            <a:r>
+              <a:rPr lang="en-US" sz="1600" dirty="0" smtClean="0">
+                <a:latin typeface="Times New Roman" panose="02020603050405020304" pitchFamily="18" charset="0"/>
+                <a:cs typeface="Times New Roman" panose="02020603050405020304" pitchFamily="18" charset="0"/>
+              </a:rPr>
+              <a:t>.</a:t>
+            </a:r>
+          </a:p>
+          <a:p>
+            <a:pPr marL="342900" indent="-342900">
+              <a:buFont typeface="+mj-lt"/>
+              <a:buAutoNum type="arabicPeriod" startAt="6"/>
+            </a:pPr>
+            <a:r>
+              <a:rPr lang="en-US" sz="1600" dirty="0">
+                <a:latin typeface="Times New Roman" panose="02020603050405020304" pitchFamily="18" charset="0"/>
+                <a:cs typeface="Times New Roman" panose="02020603050405020304" pitchFamily="18" charset="0"/>
+              </a:rPr>
+              <a:t>R. K. CV and H. </a:t>
+            </a:r>
+            <a:r>
+              <a:rPr lang="en-US" sz="1600" dirty="0" err="1">
+                <a:latin typeface="Times New Roman" panose="02020603050405020304" pitchFamily="18" charset="0"/>
+                <a:cs typeface="Times New Roman" panose="02020603050405020304" pitchFamily="18" charset="0"/>
+              </a:rPr>
+              <a:t>Goyal</a:t>
+            </a:r>
+            <a:r>
+              <a:rPr lang="en-US" sz="1600" dirty="0">
+                <a:latin typeface="Times New Roman" panose="02020603050405020304" pitchFamily="18" charset="0"/>
+                <a:cs typeface="Times New Roman" panose="02020603050405020304" pitchFamily="18" charset="0"/>
+              </a:rPr>
+              <a:t>, "IPv4 to IPv6 Migration and Performance Analysis using GNS3 and </a:t>
+            </a:r>
+            <a:r>
+              <a:rPr lang="en-US" sz="1600" dirty="0" err="1">
+                <a:latin typeface="Times New Roman" panose="02020603050405020304" pitchFamily="18" charset="0"/>
+                <a:cs typeface="Times New Roman" panose="02020603050405020304" pitchFamily="18" charset="0"/>
+              </a:rPr>
+              <a:t>Wireshark</a:t>
+            </a:r>
+            <a:r>
+              <a:rPr lang="en-US" sz="1600" dirty="0">
+                <a:latin typeface="Times New Roman" panose="02020603050405020304" pitchFamily="18" charset="0"/>
+                <a:cs typeface="Times New Roman" panose="02020603050405020304" pitchFamily="18" charset="0"/>
+              </a:rPr>
+              <a:t>," 2019 International Conference on Vision Towards Emerging Trends in Communication and Networking (</a:t>
+            </a:r>
+            <a:r>
+              <a:rPr lang="en-US" sz="1600" dirty="0" err="1">
+                <a:latin typeface="Times New Roman" panose="02020603050405020304" pitchFamily="18" charset="0"/>
+                <a:cs typeface="Times New Roman" panose="02020603050405020304" pitchFamily="18" charset="0"/>
+              </a:rPr>
+              <a:t>ViTECoN</a:t>
+            </a:r>
+            <a:r>
+              <a:rPr lang="en-US" sz="1600" dirty="0">
+                <a:latin typeface="Times New Roman" panose="02020603050405020304" pitchFamily="18" charset="0"/>
+                <a:cs typeface="Times New Roman" panose="02020603050405020304" pitchFamily="18" charset="0"/>
+              </a:rPr>
+              <a:t>), 2019, pp. 1-6, </a:t>
+            </a:r>
+            <a:r>
+              <a:rPr lang="en-US" sz="1600" dirty="0" err="1">
+                <a:latin typeface="Times New Roman" panose="02020603050405020304" pitchFamily="18" charset="0"/>
+                <a:cs typeface="Times New Roman" panose="02020603050405020304" pitchFamily="18" charset="0"/>
+              </a:rPr>
+              <a:t>doi</a:t>
+            </a:r>
+            <a:r>
+              <a:rPr lang="en-US" sz="1600" dirty="0">
+                <a:latin typeface="Times New Roman" panose="02020603050405020304" pitchFamily="18" charset="0"/>
+                <a:cs typeface="Times New Roman" panose="02020603050405020304" pitchFamily="18" charset="0"/>
+              </a:rPr>
+              <a:t>: 10.1109/ViTECoN.2019.8899746.</a:t>
+            </a:r>
+          </a:p>
+          <a:p>
+            <a:pPr marL="342900" indent="-342900">
+              <a:buFont typeface="+mj-lt"/>
+              <a:buAutoNum type="arabicPeriod" startAt="6"/>
+            </a:pPr>
+            <a:endParaRPr lang="en-US" sz="1600" dirty="0">
+              <a:latin typeface="Times New Roman" panose="02020603050405020304" pitchFamily="18" charset="0"/>
+              <a:cs typeface="Times New Roman" panose="02020603050405020304" pitchFamily="18" charset="0"/>
+            </a:endParaRPr>
+          </a:p>
+          <a:p>
+            <a:pPr marL="342900" indent="-342900">
+              <a:buFont typeface="+mj-lt"/>
+              <a:buAutoNum type="arabicPeriod" startAt="6"/>
+            </a:pPr>
+            <a:endParaRPr lang="en-US" sz="1600" dirty="0" smtClean="0">
+              <a:latin typeface="Times New Roman" panose="02020603050405020304" pitchFamily="18" charset="0"/>
+              <a:cs typeface="Times New Roman" panose="02020603050405020304" pitchFamily="18" charset="0"/>
+            </a:endParaRPr>
+          </a:p>
+          <a:p>
+            <a:pPr marL="342900" indent="-342900">
+              <a:buFont typeface="+mj-lt"/>
+              <a:buAutoNum type="arabicPeriod" startAt="6"/>
+            </a:pPr>
+            <a:endParaRPr lang="en-US" sz="1600" dirty="0"/>
           </a:p>
         </p:txBody>
       </p:sp>
     </p:spTree>
     <p:extLst>
       <p:ext uri="{BB962C8B-B14F-4D97-AF65-F5344CB8AC3E}">
-        <p14:creationId xmlns:p14="http://schemas.microsoft.com/office/powerpoint/2010/main" val="4182899405"/>
+        <p14:creationId xmlns:p14="http://schemas.microsoft.com/office/powerpoint/2010/main" val="2638417632"/>
       </p:ext>
     </p:extLst>
   </p:cSld>
@@ -9526,265 +9287,35 @@
       </p:grpSpPr>
       <p:sp>
         <p:nvSpPr>
-          <p:cNvPr id="2" name="Title 1"/>
-          <p:cNvSpPr>
-            <a:spLocks noGrp="1"/>
-          </p:cNvSpPr>
-          <p:nvPr>
-            <p:ph type="title"/>
-          </p:nvPr>
-        </p:nvSpPr>
-        <p:spPr>
-          <a:solidFill>
-            <a:srgbClr val="0000FF"/>
-          </a:solidFill>
-        </p:spPr>
+          <p:cNvPr id="4" name="Date Placeholder 3"/>
+          <p:cNvSpPr>
+            <a:spLocks noGrp="1"/>
+          </p:cNvSpPr>
+          <p:nvPr>
+            <p:ph type="dt" sz="half" idx="10"/>
+          </p:nvPr>
+        </p:nvSpPr>
+        <p:spPr/>
         <p:txBody>
           <a:bodyPr/>
           <a:lstStyle/>
           <a:p>
-            <a:r>
-              <a:rPr lang="en-US" b="1" dirty="0">
-                <a:solidFill>
-                  <a:schemeClr val="bg1"/>
-                </a:solidFill>
-                <a:latin typeface="Times New Roman" pitchFamily="18" charset="0"/>
-                <a:cs typeface="Times New Roman" pitchFamily="18" charset="0"/>
-              </a:rPr>
-              <a:t>Literature Survey</a:t>
-            </a:r>
-            <a:endParaRPr lang="en-US" dirty="0">
-              <a:latin typeface="Times New Roman" pitchFamily="18" charset="0"/>
-              <a:cs typeface="Times New Roman" pitchFamily="18" charset="0"/>
-            </a:endParaRPr>
-          </a:p>
-        </p:txBody>
-      </p:sp>
-      <p:sp>
-        <p:nvSpPr>
-          <p:cNvPr id="3" name="Content Placeholder 2"/>
-          <p:cNvSpPr>
-            <a:spLocks noGrp="1"/>
-          </p:cNvSpPr>
-          <p:nvPr>
-            <p:ph idx="1"/>
-          </p:nvPr>
-        </p:nvSpPr>
-        <p:spPr>
-          <a:xfrm>
-            <a:off x="6705600" y="5867400"/>
-            <a:ext cx="5562600" cy="2415381"/>
-          </a:xfrm>
-        </p:spPr>
-        <p:txBody>
-          <a:bodyPr>
-            <a:normAutofit fontScale="47500" lnSpcReduction="20000"/>
-          </a:bodyPr>
-          <a:lstStyle/>
-          <a:p>
-            <a:pPr marL="0" indent="0">
-              <a:lnSpc>
-                <a:spcPct val="115000"/>
-              </a:lnSpc>
-              <a:spcAft>
-                <a:spcPts val="1000"/>
-              </a:spcAft>
-              <a:buNone/>
-            </a:pPr>
-            <a:endParaRPr lang="en-US" sz="1900" b="1" dirty="0">
-              <a:latin typeface="Times New Roman" panose="02020603050405020304" pitchFamily="18" charset="0"/>
-              <a:ea typeface="Calibri" panose="020F0502020204030204" pitchFamily="34" charset="0"/>
-              <a:cs typeface="Times New Roman" panose="02020603050405020304" pitchFamily="18" charset="0"/>
-            </a:endParaRPr>
-          </a:p>
-          <a:p>
-            <a:pPr marL="0" indent="0">
-              <a:lnSpc>
-                <a:spcPct val="115000"/>
-              </a:lnSpc>
-              <a:spcAft>
-                <a:spcPts val="1000"/>
-              </a:spcAft>
-              <a:buNone/>
-            </a:pPr>
-            <a:r>
-              <a:rPr lang="en-US" sz="1900" b="1" dirty="0" smtClean="0">
-                <a:effectLst/>
-                <a:latin typeface="Times New Roman" panose="02020603050405020304" pitchFamily="18" charset="0"/>
-                <a:ea typeface="Calibri" panose="020F0502020204030204" pitchFamily="34" charset="0"/>
-                <a:cs typeface="Times New Roman" panose="02020603050405020304" pitchFamily="18" charset="0"/>
-              </a:rPr>
-              <a:t>Implementation </a:t>
-            </a:r>
-            <a:r>
-              <a:rPr lang="en-US" sz="1900" b="1" dirty="0">
-                <a:effectLst/>
-                <a:latin typeface="Times New Roman" panose="02020603050405020304" pitchFamily="18" charset="0"/>
-                <a:ea typeface="Calibri" panose="020F0502020204030204" pitchFamily="34" charset="0"/>
-                <a:cs typeface="Times New Roman" panose="02020603050405020304" pitchFamily="18" charset="0"/>
-              </a:rPr>
-              <a:t>of IPv6 Over IPv4 Using Dual Stack Transition Mechanism (DSTM) on 6iNet </a:t>
-            </a:r>
-            <a:r>
-              <a:rPr lang="en-US" sz="1900" dirty="0">
-                <a:effectLst/>
-                <a:latin typeface="Times New Roman" panose="02020603050405020304" pitchFamily="18" charset="0"/>
-                <a:ea typeface="Calibri" panose="020F0502020204030204" pitchFamily="34" charset="0"/>
-                <a:cs typeface="Times New Roman" panose="02020603050405020304" pitchFamily="18" charset="0"/>
-              </a:rPr>
-              <a:t> </a:t>
-            </a:r>
-            <a:r>
-              <a:rPr lang="en-US" sz="1900" dirty="0">
-                <a:latin typeface="Times New Roman" panose="02020603050405020304" pitchFamily="18" charset="0"/>
-                <a:ea typeface="Calibri" panose="020F0502020204030204" pitchFamily="34" charset="0"/>
-                <a:cs typeface="Times New Roman" panose="02020603050405020304" pitchFamily="18" charset="0"/>
-              </a:rPr>
-              <a:t/>
-            </a:r>
-            <a:br>
-              <a:rPr lang="en-US" sz="1900" dirty="0">
-                <a:latin typeface="Times New Roman" panose="02020603050405020304" pitchFamily="18" charset="0"/>
-                <a:ea typeface="Calibri" panose="020F0502020204030204" pitchFamily="34" charset="0"/>
-                <a:cs typeface="Times New Roman" panose="02020603050405020304" pitchFamily="18" charset="0"/>
-              </a:rPr>
-            </a:br>
-            <a:endParaRPr lang="en-IN" sz="1900" dirty="0">
-              <a:latin typeface="Times New Roman" panose="02020603050405020304" pitchFamily="18" charset="0"/>
-              <a:ea typeface="Calibri" panose="020F0502020204030204" pitchFamily="34" charset="0"/>
-              <a:cs typeface="Times New Roman" panose="02020603050405020304" pitchFamily="18" charset="0"/>
-            </a:endParaRPr>
-          </a:p>
-          <a:p>
-            <a:pPr>
-              <a:lnSpc>
-                <a:spcPct val="115000"/>
-              </a:lnSpc>
-              <a:spcAft>
-                <a:spcPts val="1000"/>
-              </a:spcAft>
-            </a:pPr>
-            <a:r>
-              <a:rPr lang="en-US" sz="1600" b="0" dirty="0">
-                <a:effectLst/>
-                <a:latin typeface="Times New Roman" panose="02020603050405020304" pitchFamily="18" charset="0"/>
-                <a:ea typeface="Times New Roman" panose="02020603050405020304" pitchFamily="18" charset="0"/>
-                <a:cs typeface="Times New Roman" panose="02020603050405020304" pitchFamily="18" charset="0"/>
-              </a:rPr>
-              <a:t>Moving from Internet Protocol version Four (IPv4) to Internet Protocol version six (IPv6) is not straightforward because IPv4 and IPv6 are incompatible protocols</a:t>
-            </a:r>
-            <a:r>
-              <a:rPr lang="en-US" sz="1600" b="0" dirty="0" smtClean="0">
-                <a:effectLst/>
-                <a:latin typeface="Times New Roman" panose="02020603050405020304" pitchFamily="18" charset="0"/>
-                <a:ea typeface="Times New Roman" panose="02020603050405020304" pitchFamily="18" charset="0"/>
-                <a:cs typeface="Times New Roman" panose="02020603050405020304" pitchFamily="18" charset="0"/>
-              </a:rPr>
-              <a:t>.</a:t>
-            </a:r>
-            <a:br>
-              <a:rPr lang="en-US" sz="1600" b="0" dirty="0" smtClean="0">
-                <a:effectLst/>
-                <a:latin typeface="Times New Roman" panose="02020603050405020304" pitchFamily="18" charset="0"/>
-                <a:ea typeface="Times New Roman" panose="02020603050405020304" pitchFamily="18" charset="0"/>
-                <a:cs typeface="Times New Roman" panose="02020603050405020304" pitchFamily="18" charset="0"/>
-              </a:rPr>
-            </a:br>
-            <a:endParaRPr lang="en-US" sz="1600" dirty="0">
-              <a:latin typeface="Times New Roman" panose="02020603050405020304" pitchFamily="18" charset="0"/>
-              <a:ea typeface="Times New Roman" panose="02020603050405020304" pitchFamily="18" charset="0"/>
-              <a:cs typeface="Times New Roman" panose="02020603050405020304" pitchFamily="18" charset="0"/>
-            </a:endParaRPr>
-          </a:p>
-          <a:p>
-            <a:pPr>
-              <a:lnSpc>
-                <a:spcPct val="115000"/>
-              </a:lnSpc>
-              <a:spcAft>
-                <a:spcPts val="1000"/>
-              </a:spcAft>
-            </a:pPr>
-            <a:r>
-              <a:rPr lang="en-US" sz="1600" b="0" dirty="0">
-                <a:effectLst/>
-                <a:latin typeface="Times New Roman" panose="02020603050405020304" pitchFamily="18" charset="0"/>
-                <a:ea typeface="Times New Roman" panose="02020603050405020304" pitchFamily="18" charset="0"/>
-                <a:cs typeface="Times New Roman" panose="02020603050405020304" pitchFamily="18" charset="0"/>
-              </a:rPr>
-              <a:t>To enable the smooth integration between IPv4 and IPv6, several transition mechanisms have been proposed by IETF IPng Transition Working Group (NGTrans). One of them is Dual Stack Transition Mechanism (DSTM). </a:t>
-            </a:r>
-            <a:r>
-              <a:rPr lang="en-US" sz="1600" dirty="0">
-                <a:latin typeface="Times New Roman" panose="02020603050405020304" pitchFamily="18" charset="0"/>
-                <a:ea typeface="Times New Roman" panose="02020603050405020304" pitchFamily="18" charset="0"/>
-                <a:cs typeface="Times New Roman" panose="02020603050405020304" pitchFamily="18" charset="0"/>
-              </a:rPr>
-              <a:t/>
-            </a:r>
-            <a:br>
-              <a:rPr lang="en-US" sz="1600" dirty="0">
-                <a:latin typeface="Times New Roman" panose="02020603050405020304" pitchFamily="18" charset="0"/>
-                <a:ea typeface="Times New Roman" panose="02020603050405020304" pitchFamily="18" charset="0"/>
-                <a:cs typeface="Times New Roman" panose="02020603050405020304" pitchFamily="18" charset="0"/>
-              </a:rPr>
-            </a:br>
-            <a:endParaRPr lang="en-US" sz="1600" b="0" dirty="0">
-              <a:effectLst/>
-              <a:latin typeface="Times New Roman" panose="02020603050405020304" pitchFamily="18" charset="0"/>
-              <a:ea typeface="Times New Roman" panose="02020603050405020304" pitchFamily="18" charset="0"/>
-              <a:cs typeface="Times New Roman" panose="02020603050405020304" pitchFamily="18" charset="0"/>
-            </a:endParaRPr>
-          </a:p>
-          <a:p>
-            <a:pPr>
-              <a:lnSpc>
-                <a:spcPct val="115000"/>
-              </a:lnSpc>
-              <a:spcAft>
-                <a:spcPts val="1000"/>
-              </a:spcAft>
-            </a:pPr>
-            <a:r>
-              <a:rPr lang="en-IN" sz="1600" dirty="0">
-                <a:effectLst/>
-                <a:latin typeface="Times New Roman" panose="02020603050405020304" pitchFamily="18" charset="0"/>
-                <a:ea typeface="Times New Roman" panose="02020603050405020304" pitchFamily="18" charset="0"/>
-                <a:cs typeface="Times New Roman" panose="02020603050405020304" pitchFamily="18" charset="0"/>
-              </a:rPr>
-              <a:t>T</a:t>
-            </a:r>
-            <a:r>
-              <a:rPr lang="en-US" sz="1600" b="0" dirty="0">
-                <a:effectLst/>
-                <a:latin typeface="Times New Roman" panose="02020603050405020304" pitchFamily="18" charset="0"/>
-                <a:ea typeface="Times New Roman" panose="02020603050405020304" pitchFamily="18" charset="0"/>
-                <a:cs typeface="Times New Roman" panose="02020603050405020304" pitchFamily="18" charset="0"/>
-              </a:rPr>
-              <a:t>he DSTM architecture is consist of three (3) parts. They are the client (using FreeBSD and Linux as an operating system), the server and the DSTM gateway or called tunnel end-point router (TEP). </a:t>
-            </a:r>
-            <a:endParaRPr lang="en-US" sz="1600" dirty="0">
-              <a:latin typeface="Times New Roman" panose="02020603050405020304" pitchFamily="18" charset="0"/>
-              <a:ea typeface="Times New Roman" panose="02020603050405020304" pitchFamily="18" charset="0"/>
-              <a:cs typeface="Times New Roman" panose="02020603050405020304" pitchFamily="18" charset="0"/>
-            </a:endParaRPr>
-          </a:p>
-          <a:p>
-            <a:pPr marL="0" indent="0">
-              <a:buNone/>
-            </a:pPr>
-            <a:endParaRPr lang="en-US" dirty="0"/>
-          </a:p>
-        </p:txBody>
-      </p:sp>
-      <p:sp>
-        <p:nvSpPr>
-          <p:cNvPr id="4" name="Date Placeholder 3"/>
-          <p:cNvSpPr>
-            <a:spLocks noGrp="1"/>
-          </p:cNvSpPr>
-          <p:nvPr>
-            <p:ph type="dt" sz="half" idx="10"/>
+            <a:fld id="{05229871-6294-4FDC-ADFB-03568C29F7D6}" type="datetime1">
+              <a:rPr lang="en-US" smtClean="0"/>
+              <a:t>22-Sep-21</a:t>
+            </a:fld>
+            <a:endParaRPr lang="en-US"/>
+          </a:p>
+        </p:txBody>
+      </p:sp>
+      <p:sp>
+        <p:nvSpPr>
+          <p:cNvPr id="5" name="Footer Placeholder 4"/>
+          <p:cNvSpPr>
+            <a:spLocks noGrp="1"/>
+          </p:cNvSpPr>
+          <p:nvPr>
+            <p:ph type="ftr" sz="quarter" idx="11"/>
           </p:nvPr>
         </p:nvSpPr>
         <p:spPr/>
@@ -9793,41 +9324,10 @@
           <a:lstStyle/>
           <a:p>
             <a:r>
-              <a:rPr lang="en-US" dirty="0" smtClean="0">
-                <a:latin typeface="Times New Roman" pitchFamily="18" charset="0"/>
-                <a:cs typeface="Times New Roman" pitchFamily="18" charset="0"/>
-              </a:rPr>
-              <a:t>17-Aug-21</a:t>
-            </a:r>
-            <a:endParaRPr lang="en-US" dirty="0">
-              <a:latin typeface="Times New Roman" pitchFamily="18" charset="0"/>
-              <a:cs typeface="Times New Roman" pitchFamily="18" charset="0"/>
-            </a:endParaRPr>
-          </a:p>
-        </p:txBody>
-      </p:sp>
-      <p:sp>
-        <p:nvSpPr>
-          <p:cNvPr id="5" name="Footer Placeholder 4"/>
-          <p:cNvSpPr>
-            <a:spLocks noGrp="1"/>
-          </p:cNvSpPr>
-          <p:nvPr>
-            <p:ph type="ftr" sz="quarter" idx="11"/>
-          </p:nvPr>
-        </p:nvSpPr>
-        <p:spPr/>
-        <p:txBody>
-          <a:bodyPr/>
-          <a:lstStyle/>
-          <a:p>
-            <a:r>
-              <a:rPr lang="en-US" dirty="0">
-                <a:latin typeface="Times New Roman" pitchFamily="18" charset="0"/>
-                <a:cs typeface="Times New Roman" pitchFamily="18" charset="0"/>
-              </a:rPr>
+              <a:rPr lang="en-US" smtClean="0"/>
               <a:t>Dept. of ECE, NMIT, Bangalore-64</a:t>
             </a:r>
+            <a:endParaRPr lang="en-US"/>
           </a:p>
         </p:txBody>
       </p:sp>
@@ -9864,14 +9364,14 @@
           <p:nvPr>
             <p:extLst>
               <p:ext uri="{D42A27DB-BD31-4B8C-83A1-F6EECF244321}">
-                <p14:modId xmlns:p14="http://schemas.microsoft.com/office/powerpoint/2010/main" val="496488101"/>
+                <p14:modId xmlns:p14="http://schemas.microsoft.com/office/powerpoint/2010/main" val="3491587842"/>
               </p:ext>
             </p:extLst>
           </p:nvPr>
         </p:nvGraphicFramePr>
         <p:xfrm>
-          <a:off x="990600" y="1752600"/>
-          <a:ext cx="7391400" cy="4297680"/>
+          <a:off x="685800" y="1600200"/>
+          <a:ext cx="7848600" cy="4206240"/>
         </p:xfrm>
         <a:graphic>
           <a:graphicData uri="http://schemas.openxmlformats.org/drawingml/2006/table">
@@ -9884,7 +9384,7 @@
                 <a:gridCol w="1478280"/>
                 <a:gridCol w="1506172"/>
                 <a:gridCol w="1450388"/>
-                <a:gridCol w="1478280"/>
+                <a:gridCol w="1935480"/>
               </a:tblGrid>
               <a:tr h="655597">
                 <a:tc>
@@ -10006,484 +9506,6 @@
                         <a:defRPr/>
                       </a:pPr>
                       <a:r>
-                        <a:rPr lang="en-US" sz="1600" b="1" i="0" u="none" kern="1200" dirty="0" smtClean="0">
-                          <a:solidFill>
-                            <a:schemeClr val="dk1"/>
-                          </a:solidFill>
-                          <a:effectLst/>
-                          <a:latin typeface="Times New Roman" panose="02020603050405020304" pitchFamily="18" charset="0"/>
-                          <a:ea typeface="+mn-ea"/>
-                          <a:cs typeface="Times New Roman" panose="02020603050405020304" pitchFamily="18" charset="0"/>
-                        </a:rPr>
-                        <a:t>Migration to Ipv6 from IPV4 by dual stack</a:t>
-                      </a:r>
-                      <a:endParaRPr lang="en-US" sz="1600" b="1" dirty="0">
-                        <a:latin typeface="Times New Roman" panose="02020603050405020304" pitchFamily="18" charset="0"/>
-                        <a:cs typeface="Times New Roman" panose="02020603050405020304" pitchFamily="18" charset="0"/>
-                      </a:endParaRPr>
-                    </a:p>
-                  </a:txBody>
-                  <a:tcPr/>
-                </a:tc>
-                <a:tc>
-                  <a:txBody>
-                    <a:bodyPr/>
-                    <a:lstStyle/>
-                    <a:p>
-                      <a:r>
-                        <a:rPr lang="en-US" sz="1600" b="0" i="0" u="none" strike="noStrike" kern="1200" dirty="0" smtClean="0">
-                          <a:solidFill>
-                            <a:schemeClr val="dk1"/>
-                          </a:solidFill>
-                          <a:effectLst/>
-                          <a:latin typeface="Times New Roman" panose="02020603050405020304" pitchFamily="18" charset="0"/>
-                          <a:ea typeface="+mn-ea"/>
-                          <a:cs typeface="Times New Roman" panose="02020603050405020304" pitchFamily="18" charset="0"/>
-                        </a:rPr>
-                        <a:t>S. </a:t>
-                      </a:r>
-                      <a:r>
-                        <a:rPr lang="en-US" sz="1600" b="0" i="0" u="none" strike="noStrike" kern="1200" dirty="0" err="1" smtClean="0">
-                          <a:solidFill>
-                            <a:schemeClr val="dk1"/>
-                          </a:solidFill>
-                          <a:effectLst/>
-                          <a:latin typeface="Times New Roman" panose="02020603050405020304" pitchFamily="18" charset="0"/>
-                          <a:ea typeface="+mn-ea"/>
-                          <a:cs typeface="Times New Roman" panose="02020603050405020304" pitchFamily="18" charset="0"/>
-                        </a:rPr>
-                        <a:t>Aravind</a:t>
-                      </a:r>
-                      <a:r>
-                        <a:rPr lang="en-US" sz="1600" b="0" i="0" kern="1200" dirty="0" smtClean="0">
-                          <a:solidFill>
-                            <a:schemeClr val="dk1"/>
-                          </a:solidFill>
-                          <a:effectLst/>
-                          <a:latin typeface="Times New Roman" panose="02020603050405020304" pitchFamily="18" charset="0"/>
-                          <a:ea typeface="+mn-ea"/>
-                          <a:cs typeface="Times New Roman" panose="02020603050405020304" pitchFamily="18" charset="0"/>
-                        </a:rPr>
-                        <a:t>; </a:t>
-                      </a:r>
-                      <a:r>
-                        <a:rPr lang="en-US" sz="1600" b="0" i="0" u="none" strike="noStrike" kern="1200" dirty="0" smtClean="0">
-                          <a:solidFill>
-                            <a:schemeClr val="dk1"/>
-                          </a:solidFill>
-                          <a:effectLst/>
-                          <a:latin typeface="Times New Roman" panose="02020603050405020304" pitchFamily="18" charset="0"/>
-                          <a:ea typeface="+mn-ea"/>
-                          <a:cs typeface="Times New Roman" panose="02020603050405020304" pitchFamily="18" charset="0"/>
-                        </a:rPr>
-                        <a:t>G. </a:t>
-                      </a:r>
-                      <a:r>
-                        <a:rPr lang="en-US" sz="1600" b="0" i="0" u="none" strike="noStrike" kern="1200" dirty="0" err="1" smtClean="0">
-                          <a:solidFill>
-                            <a:schemeClr val="dk1"/>
-                          </a:solidFill>
-                          <a:effectLst/>
-                          <a:latin typeface="Times New Roman" panose="02020603050405020304" pitchFamily="18" charset="0"/>
-                          <a:ea typeface="+mn-ea"/>
-                          <a:cs typeface="Times New Roman" panose="02020603050405020304" pitchFamily="18" charset="0"/>
-                        </a:rPr>
-                        <a:t>Padmavathi</a:t>
-                      </a:r>
-                      <a:endParaRPr lang="en-US" sz="1600" dirty="0">
-                        <a:latin typeface="Times New Roman" panose="02020603050405020304" pitchFamily="18" charset="0"/>
-                        <a:cs typeface="Times New Roman" panose="02020603050405020304" pitchFamily="18" charset="0"/>
-                      </a:endParaRPr>
-                    </a:p>
-                  </a:txBody>
-                  <a:tcPr/>
-                </a:tc>
-                <a:tc>
-                  <a:txBody>
-                    <a:bodyPr/>
-                    <a:lstStyle/>
-                    <a:p>
-                      <a:r>
-                        <a:rPr lang="en-US" sz="1200" dirty="0" smtClean="0">
-                          <a:latin typeface="Times New Roman" panose="02020603050405020304" pitchFamily="18" charset="0"/>
-                          <a:cs typeface="Times New Roman" panose="02020603050405020304" pitchFamily="18" charset="0"/>
-                        </a:rPr>
-                        <a:t>S. </a:t>
-                      </a:r>
-                      <a:r>
-                        <a:rPr lang="en-US" sz="1200" dirty="0" err="1" smtClean="0">
-                          <a:latin typeface="Times New Roman" panose="02020603050405020304" pitchFamily="18" charset="0"/>
-                          <a:cs typeface="Times New Roman" panose="02020603050405020304" pitchFamily="18" charset="0"/>
-                        </a:rPr>
-                        <a:t>Aravind</a:t>
-                      </a:r>
-                      <a:r>
-                        <a:rPr lang="en-US" sz="1200" dirty="0" smtClean="0">
-                          <a:latin typeface="Times New Roman" panose="02020603050405020304" pitchFamily="18" charset="0"/>
-                          <a:cs typeface="Times New Roman" panose="02020603050405020304" pitchFamily="18" charset="0"/>
-                        </a:rPr>
-                        <a:t> and G. </a:t>
-                      </a:r>
-                      <a:r>
-                        <a:rPr lang="en-US" sz="1200" dirty="0" err="1" smtClean="0">
-                          <a:latin typeface="Times New Roman" panose="02020603050405020304" pitchFamily="18" charset="0"/>
-                          <a:cs typeface="Times New Roman" panose="02020603050405020304" pitchFamily="18" charset="0"/>
-                        </a:rPr>
-                        <a:t>Padmavathi</a:t>
-                      </a:r>
-                      <a:r>
-                        <a:rPr lang="en-US" sz="1200" dirty="0" smtClean="0">
-                          <a:latin typeface="Times New Roman" panose="02020603050405020304" pitchFamily="18" charset="0"/>
-                          <a:cs typeface="Times New Roman" panose="02020603050405020304" pitchFamily="18" charset="0"/>
-                        </a:rPr>
-                        <a:t>, "Migration to Ipv6 from IPV4 by dual stack and tunneling techniques," 2015 International Conference on Smart Technologies and Management for Computing, Communication, Controls, Energy and Materials (ICSTM), 2015, pp. 107-111, doi: 10.1109/ICSTM.2015.7225398.</a:t>
-                      </a:r>
-                      <a:endParaRPr lang="en-US" sz="1200" dirty="0">
-                        <a:latin typeface="Times New Roman" panose="02020603050405020304" pitchFamily="18" charset="0"/>
-                        <a:cs typeface="Times New Roman" panose="02020603050405020304" pitchFamily="18" charset="0"/>
-                      </a:endParaRPr>
-                    </a:p>
-                  </a:txBody>
-                  <a:tcPr/>
-                </a:tc>
-                <a:tc>
-                  <a:txBody>
-                    <a:bodyPr/>
-                    <a:lstStyle/>
-                    <a:p>
-                      <a:r>
-                        <a:rPr lang="en-US" sz="1600" dirty="0" smtClean="0">
-                          <a:latin typeface="Times New Roman" panose="02020603050405020304" pitchFamily="18" charset="0"/>
-                          <a:cs typeface="Times New Roman" panose="02020603050405020304" pitchFamily="18" charset="0"/>
-                        </a:rPr>
-                        <a:t>Dual Stack Protocol</a:t>
-                      </a:r>
-                      <a:br>
-                        <a:rPr lang="en-US" sz="1600" dirty="0" smtClean="0">
-                          <a:latin typeface="Times New Roman" panose="02020603050405020304" pitchFamily="18" charset="0"/>
-                          <a:cs typeface="Times New Roman" panose="02020603050405020304" pitchFamily="18" charset="0"/>
-                        </a:rPr>
-                      </a:br>
-                      <a:r>
-                        <a:rPr lang="en-US" sz="1600" b="0" i="0" kern="1200" dirty="0" smtClean="0">
-                          <a:solidFill>
-                            <a:schemeClr val="dk1"/>
-                          </a:solidFill>
-                          <a:effectLst/>
-                          <a:latin typeface="Times New Roman" panose="02020603050405020304" pitchFamily="18" charset="0"/>
-                          <a:ea typeface="+mn-ea"/>
-                          <a:cs typeface="Times New Roman" panose="02020603050405020304" pitchFamily="18" charset="0"/>
-                        </a:rPr>
-                        <a:t> - transferring of data from IPv4 network to IPv6 network in both static and dynamic routing</a:t>
-                      </a:r>
-                      <a:endParaRPr lang="en-US" sz="1600" dirty="0">
-                        <a:latin typeface="Times New Roman" panose="02020603050405020304" pitchFamily="18" charset="0"/>
-                        <a:cs typeface="Times New Roman" panose="02020603050405020304" pitchFamily="18" charset="0"/>
-                      </a:endParaRPr>
-                    </a:p>
-                  </a:txBody>
-                  <a:tcPr/>
-                </a:tc>
-                <a:tc>
-                  <a:txBody>
-                    <a:bodyPr/>
-                    <a:lstStyle/>
-                    <a:p>
-                      <a:r>
-                        <a:rPr lang="en-US" sz="1800" b="0" i="0" kern="1200" dirty="0" smtClean="0">
-                          <a:solidFill>
-                            <a:schemeClr val="dk1"/>
-                          </a:solidFill>
-                          <a:effectLst/>
-                          <a:latin typeface="Times New Roman" panose="02020603050405020304" pitchFamily="18" charset="0"/>
-                          <a:ea typeface="+mn-ea"/>
-                          <a:cs typeface="Times New Roman" panose="02020603050405020304" pitchFamily="18" charset="0"/>
-                        </a:rPr>
-                        <a:t> </a:t>
-                      </a:r>
-                      <a:r>
-                        <a:rPr lang="en-US" sz="1600" b="0" i="0" kern="1200" dirty="0" smtClean="0">
-                          <a:solidFill>
-                            <a:schemeClr val="dk1"/>
-                          </a:solidFill>
-                          <a:effectLst/>
-                          <a:latin typeface="Times New Roman" panose="02020603050405020304" pitchFamily="18" charset="0"/>
-                          <a:ea typeface="+mn-ea"/>
-                          <a:cs typeface="Times New Roman" panose="02020603050405020304" pitchFamily="18" charset="0"/>
-                        </a:rPr>
-                        <a:t>Dynamic IPv4 has least minimum &amp; average round trip delay and Dynamic IPv6 has least maximum round trip delay. </a:t>
-                      </a:r>
-                      <a:endParaRPr lang="en-US" sz="1600" dirty="0">
-                        <a:latin typeface="Times New Roman" panose="02020603050405020304" pitchFamily="18" charset="0"/>
-                        <a:cs typeface="Times New Roman" panose="02020603050405020304" pitchFamily="18" charset="0"/>
-                      </a:endParaRPr>
-                    </a:p>
-                  </a:txBody>
-                  <a:tcPr/>
-                </a:tc>
-              </a:tr>
-            </a:tbl>
-          </a:graphicData>
-        </a:graphic>
-      </p:graphicFrame>
-    </p:spTree>
-    <p:extLst>
-      <p:ext uri="{BB962C8B-B14F-4D97-AF65-F5344CB8AC3E}">
-        <p14:creationId xmlns:p14="http://schemas.microsoft.com/office/powerpoint/2010/main" val="4182899405"/>
-      </p:ext>
-    </p:extLst>
-  </p:cSld>
-  <p:clrMapOvr>
-    <a:masterClrMapping/>
-  </p:clrMapOvr>
-  <p:timing>
-    <p:tnLst>
-      <p:par>
-        <p:cTn id="1" dur="indefinite" restart="never" nodeType="tmRoot"/>
-      </p:par>
-    </p:tnLst>
-  </p:timing>
-</p:sld>
-</file>
-
-<file path=ppt/slides/slide5.xml><?xml version="1.0" encoding="utf-8"?>
-<p:sld xmlns:a="http://schemas.openxmlformats.org/drawingml/2006/main" xmlns:r="http://schemas.openxmlformats.org/officeDocument/2006/relationships" xmlns:p="http://schemas.openxmlformats.org/presentationml/2006/main">
-  <p:cSld>
-    <p:spTree>
-      <p:nvGrpSpPr>
-        <p:cNvPr id="1" name=""/>
-        <p:cNvGrpSpPr/>
-        <p:nvPr/>
-      </p:nvGrpSpPr>
-      <p:grpSpPr>
-        <a:xfrm>
-          <a:off x="0" y="0"/>
-          <a:ext cx="0" cy="0"/>
-          <a:chOff x="0" y="0"/>
-          <a:chExt cx="0" cy="0"/>
-        </a:xfrm>
-      </p:grpSpPr>
-      <p:sp>
-        <p:nvSpPr>
-          <p:cNvPr id="4" name="Date Placeholder 3"/>
-          <p:cNvSpPr>
-            <a:spLocks noGrp="1"/>
-          </p:cNvSpPr>
-          <p:nvPr>
-            <p:ph type="dt" sz="half" idx="10"/>
-          </p:nvPr>
-        </p:nvSpPr>
-        <p:spPr/>
-        <p:txBody>
-          <a:bodyPr/>
-          <a:lstStyle/>
-          <a:p>
-            <a:fld id="{05229871-6294-4FDC-ADFB-03568C29F7D6}" type="datetime1">
-              <a:rPr lang="en-US" smtClean="0"/>
-              <a:t>21-Sep-21</a:t>
-            </a:fld>
-            <a:endParaRPr lang="en-US"/>
-          </a:p>
-        </p:txBody>
-      </p:sp>
-      <p:sp>
-        <p:nvSpPr>
-          <p:cNvPr id="5" name="Footer Placeholder 4"/>
-          <p:cNvSpPr>
-            <a:spLocks noGrp="1"/>
-          </p:cNvSpPr>
-          <p:nvPr>
-            <p:ph type="ftr" sz="quarter" idx="11"/>
-          </p:nvPr>
-        </p:nvSpPr>
-        <p:spPr/>
-        <p:txBody>
-          <a:bodyPr/>
-          <a:lstStyle/>
-          <a:p>
-            <a:r>
-              <a:rPr lang="en-US" smtClean="0"/>
-              <a:t>Dept. of ECE, NMIT, Bangalore-64</a:t>
-            </a:r>
-            <a:endParaRPr lang="en-US"/>
-          </a:p>
-        </p:txBody>
-      </p:sp>
-      <p:sp>
-        <p:nvSpPr>
-          <p:cNvPr id="6" name="Slide Number Placeholder 5"/>
-          <p:cNvSpPr>
-            <a:spLocks noGrp="1"/>
-          </p:cNvSpPr>
-          <p:nvPr>
-            <p:ph type="sldNum" sz="quarter" idx="12"/>
-          </p:nvPr>
-        </p:nvSpPr>
-        <p:spPr/>
-        <p:txBody>
-          <a:bodyPr/>
-          <a:lstStyle/>
-          <a:p>
-            <a:fld id="{B6F15528-21DE-4FAA-801E-634DDDAF4B2B}" type="slidenum">
-              <a:rPr lang="en-US" smtClean="0"/>
-              <a:pPr/>
-              <a:t>5</a:t>
-            </a:fld>
-            <a:endParaRPr lang="en-US"/>
-          </a:p>
-        </p:txBody>
-      </p:sp>
-      <p:graphicFrame>
-        <p:nvGraphicFramePr>
-          <p:cNvPr id="7" name="Table 6"/>
-          <p:cNvGraphicFramePr>
-            <a:graphicFrameLocks noGrp="1"/>
-          </p:cNvGraphicFramePr>
-          <p:nvPr>
-            <p:extLst>
-              <p:ext uri="{D42A27DB-BD31-4B8C-83A1-F6EECF244321}">
-                <p14:modId xmlns:p14="http://schemas.microsoft.com/office/powerpoint/2010/main" val="2342167019"/>
-              </p:ext>
-            </p:extLst>
-          </p:nvPr>
-        </p:nvGraphicFramePr>
-        <p:xfrm>
-          <a:off x="762000" y="533400"/>
-          <a:ext cx="7391400" cy="4480560"/>
-        </p:xfrm>
-        <a:graphic>
-          <a:graphicData uri="http://schemas.openxmlformats.org/drawingml/2006/table">
-            <a:tbl>
-              <a:tblPr firstRow="1" bandRow="1">
-                <a:tableStyleId>{5C22544A-7EE6-4342-B048-85BDC9FD1C3A}</a:tableStyleId>
-              </a:tblPr>
-              <a:tblGrid>
-                <a:gridCol w="1478280"/>
-                <a:gridCol w="1478280"/>
-                <a:gridCol w="1506172"/>
-                <a:gridCol w="1450388"/>
-                <a:gridCol w="1478280"/>
-              </a:tblGrid>
-              <a:tr h="655597">
-                <a:tc>
-                  <a:txBody>
-                    <a:bodyPr/>
-                    <a:lstStyle/>
-                    <a:p>
-                      <a:r>
-                        <a:rPr lang="en-US" dirty="0" smtClean="0"/>
-                        <a:t>Title</a:t>
-                      </a:r>
-                      <a:endParaRPr lang="en-US" dirty="0"/>
-                    </a:p>
-                  </a:txBody>
-                  <a:tcPr/>
-                </a:tc>
-                <a:tc>
-                  <a:txBody>
-                    <a:bodyPr/>
-                    <a:lstStyle/>
-                    <a:p>
-                      <a:r>
-                        <a:rPr lang="en-US" dirty="0" smtClean="0"/>
-                        <a:t>Author Name</a:t>
-                      </a:r>
-                      <a:endParaRPr lang="en-US" dirty="0"/>
-                    </a:p>
-                  </a:txBody>
-                  <a:tcPr/>
-                </a:tc>
-                <a:tc>
-                  <a:txBody>
-                    <a:bodyPr/>
-                    <a:lstStyle/>
-                    <a:p>
-                      <a:r>
-                        <a:rPr lang="en-US" sz="2000" dirty="0" smtClean="0"/>
-                        <a:t>Citation</a:t>
-                      </a:r>
-                      <a:endParaRPr lang="en-US" sz="2000" dirty="0"/>
-                    </a:p>
-                  </a:txBody>
-                  <a:tcPr/>
-                </a:tc>
-                <a:tc>
-                  <a:txBody>
-                    <a:bodyPr/>
-                    <a:lstStyle/>
-                    <a:p>
-                      <a:pPr marL="0" marR="0" indent="0" algn="l" defTabSz="914400" rtl="0" eaLnBrk="1" fontAlgn="auto" latinLnBrk="0" hangingPunct="1">
-                        <a:lnSpc>
-                          <a:spcPct val="100000"/>
-                        </a:lnSpc>
-                        <a:spcBef>
-                          <a:spcPts val="0"/>
-                        </a:spcBef>
-                        <a:spcAft>
-                          <a:spcPts val="0"/>
-                        </a:spcAft>
-                        <a:buClrTx/>
-                        <a:buSzTx/>
-                        <a:buFontTx/>
-                        <a:buNone/>
-                        <a:tabLst/>
-                        <a:defRPr/>
-                      </a:pPr>
-                      <a:r>
-                        <a:rPr lang="en-US" dirty="0" smtClean="0"/>
-                        <a:t>Algorithms/Techniques</a:t>
-                      </a:r>
-                      <a:r>
-                        <a:rPr lang="en-US" baseline="0" dirty="0" smtClean="0"/>
-                        <a:t> </a:t>
-                      </a:r>
-                      <a:endParaRPr lang="en-US" dirty="0" smtClean="0"/>
-                    </a:p>
-                    <a:p>
-                      <a:endParaRPr lang="en-US" dirty="0"/>
-                    </a:p>
-                  </a:txBody>
-                  <a:tcPr/>
-                </a:tc>
-                <a:tc>
-                  <a:txBody>
-                    <a:bodyPr/>
-                    <a:lstStyle/>
-                    <a:p>
-                      <a:r>
-                        <a:rPr lang="en-US" dirty="0" smtClean="0"/>
-                        <a:t>Conclusion</a:t>
-                      </a:r>
-                      <a:endParaRPr lang="en-US" dirty="0"/>
-                    </a:p>
-                  </a:txBody>
-                  <a:tcPr/>
-                </a:tc>
-              </a:tr>
-              <a:tr h="2129638">
-                <a:tc>
-                  <a:txBody>
-                    <a:bodyPr/>
-                    <a:lstStyle/>
-                    <a:p>
-                      <a:pPr marL="0" marR="0" indent="0" algn="l" defTabSz="914400" rtl="0" eaLnBrk="1" fontAlgn="auto" latinLnBrk="0" hangingPunct="1">
-                        <a:lnSpc>
-                          <a:spcPct val="100000"/>
-                        </a:lnSpc>
-                        <a:spcBef>
-                          <a:spcPts val="0"/>
-                        </a:spcBef>
-                        <a:spcAft>
-                          <a:spcPts val="0"/>
-                        </a:spcAft>
-                        <a:buClrTx/>
-                        <a:buSzTx/>
-                        <a:buFontTx/>
-                        <a:buNone/>
-                        <a:tabLst/>
-                        <a:defRPr/>
-                      </a:pPr>
-                      <a:r>
                         <a:rPr lang="en-US" sz="1600" b="1" i="0" kern="1200" dirty="0" smtClean="0">
                           <a:solidFill>
                             <a:schemeClr val="dk1"/>
@@ -10493,7 +9515,7 @@
                           <a:ea typeface="+mn-ea"/>
                           <a:cs typeface="Times New Roman" panose="02020603050405020304" pitchFamily="18" charset="0"/>
                         </a:rPr>
-                        <a:t>Performance comparison of Multimedia Applications over IPv4 and IPv6 Dual Stack technology</a:t>
+                        <a:t>Implementation and Test of PMIPv6 Dual Stack Protocol</a:t>
                       </a:r>
                     </a:p>
                     <a:p>
@@ -10533,11 +9555,11 @@
                             <a:schemeClr val="dk1"/>
                           </a:solidFill>
                           <a:effectLst/>
-                          <a:latin typeface="+mn-lt"/>
+                          <a:latin typeface="Times New Roman" panose="02020603050405020304" pitchFamily="18" charset="0"/>
                           <a:ea typeface="+mn-ea"/>
-                          <a:cs typeface="+mn-cs"/>
-                        </a:rPr>
-                        <a:t>Ummi</a:t>
+                          <a:cs typeface="Times New Roman" panose="02020603050405020304" pitchFamily="18" charset="0"/>
+                        </a:rPr>
+                        <a:t>Fei</a:t>
                       </a:r>
                       <a:r>
                         <a:rPr lang="en-US" sz="1800" b="0" i="0" u="none" strike="noStrike" kern="1200" dirty="0" smtClean="0">
@@ -10545,9 +9567,9 @@
                             <a:schemeClr val="dk1"/>
                           </a:solidFill>
                           <a:effectLst/>
-                          <a:latin typeface="+mn-lt"/>
+                          <a:latin typeface="Times New Roman" panose="02020603050405020304" pitchFamily="18" charset="0"/>
                           <a:ea typeface="+mn-ea"/>
-                          <a:cs typeface="+mn-cs"/>
+                          <a:cs typeface="Times New Roman" panose="02020603050405020304" pitchFamily="18" charset="0"/>
                         </a:rPr>
                         <a:t> </a:t>
                       </a:r>
@@ -10557,11 +9579,35 @@
                             <a:schemeClr val="dk1"/>
                           </a:solidFill>
                           <a:effectLst/>
-                          <a:latin typeface="+mn-lt"/>
+                          <a:latin typeface="Times New Roman" panose="02020603050405020304" pitchFamily="18" charset="0"/>
                           <a:ea typeface="+mn-ea"/>
-                          <a:cs typeface="+mn-cs"/>
-                        </a:rPr>
-                        <a:t>Suraya</a:t>
+                          <a:cs typeface="Times New Roman" panose="02020603050405020304" pitchFamily="18" charset="0"/>
+                        </a:rPr>
+                        <a:t>Ren</a:t>
+                      </a:r>
+                      <a:r>
+                        <a:rPr lang="en-US" sz="1800" b="0" i="0" kern="1200" dirty="0" smtClean="0">
+                          <a:solidFill>
+                            <a:schemeClr val="dk1"/>
+                          </a:solidFill>
+                          <a:effectLst/>
+                          <a:latin typeface="Times New Roman" panose="02020603050405020304" pitchFamily="18" charset="0"/>
+                          <a:ea typeface="+mn-ea"/>
+                          <a:cs typeface="Times New Roman" panose="02020603050405020304" pitchFamily="18" charset="0"/>
+                        </a:rPr>
+                        <a:t>; </a:t>
+                      </a:r>
+                      <a:r>
+                        <a:rPr lang="en-US" sz="1800" b="0" i="0" u="none" strike="noStrike" kern="1200" dirty="0" err="1" smtClean="0">
+                          <a:solidFill>
+                            <a:schemeClr val="dk1"/>
+                          </a:solidFill>
+                          <a:effectLst/>
+                          <a:latin typeface="Times New Roman" panose="02020603050405020304" pitchFamily="18" charset="0"/>
+                          <a:ea typeface="+mn-ea"/>
+                          <a:cs typeface="Times New Roman" panose="02020603050405020304" pitchFamily="18" charset="0"/>
+                        </a:rPr>
+                        <a:t>Huachun</a:t>
                       </a:r>
                       <a:r>
                         <a:rPr lang="en-US" sz="1800" b="0" i="0" u="none" strike="noStrike" kern="1200" dirty="0" smtClean="0">
@@ -10569,191 +9615,11 @@
                             <a:schemeClr val="dk1"/>
                           </a:solidFill>
                           <a:effectLst/>
-                          <a:latin typeface="+mn-lt"/>
+                          <a:latin typeface="Times New Roman" panose="02020603050405020304" pitchFamily="18" charset="0"/>
                           <a:ea typeface="+mn-ea"/>
-                          <a:cs typeface="+mn-cs"/>
-                        </a:rPr>
-                        <a:t> </a:t>
-                      </a:r>
-                      <a:r>
-                        <a:rPr lang="en-US" sz="1800" b="0" i="0" u="none" strike="noStrike" kern="1200" dirty="0" err="1" smtClean="0">
-                          <a:solidFill>
-                            <a:schemeClr val="dk1"/>
-                          </a:solidFill>
-                          <a:effectLst/>
-                          <a:latin typeface="+mn-lt"/>
-                          <a:ea typeface="+mn-ea"/>
-                          <a:cs typeface="+mn-cs"/>
-                        </a:rPr>
-                        <a:t>Shaharuddin</a:t>
-                      </a:r>
-                      <a:r>
-                        <a:rPr lang="en-US" sz="1800" b="0" i="0" kern="1200" dirty="0" smtClean="0">
-                          <a:solidFill>
-                            <a:schemeClr val="dk1"/>
-                          </a:solidFill>
-                          <a:effectLst/>
-                          <a:latin typeface="+mn-lt"/>
-                          <a:ea typeface="+mn-ea"/>
-                          <a:cs typeface="+mn-cs"/>
-                        </a:rPr>
-                        <a:t>; </a:t>
-                      </a:r>
-                      <a:r>
-                        <a:rPr lang="en-US" sz="1800" b="0" i="0" u="none" strike="noStrike" kern="1200" dirty="0" err="1" smtClean="0">
-                          <a:solidFill>
-                            <a:schemeClr val="dk1"/>
-                          </a:solidFill>
-                          <a:effectLst/>
-                          <a:latin typeface="+mn-lt"/>
-                          <a:ea typeface="+mn-ea"/>
-                          <a:cs typeface="+mn-cs"/>
-                        </a:rPr>
-                        <a:t>Ruhani</a:t>
-                      </a:r>
-                      <a:r>
-                        <a:rPr lang="en-US" sz="1800" b="0" i="0" u="none" strike="noStrike" kern="1200" dirty="0" smtClean="0">
-                          <a:solidFill>
-                            <a:schemeClr val="dk1"/>
-                          </a:solidFill>
-                          <a:effectLst/>
-                          <a:latin typeface="+mn-lt"/>
-                          <a:ea typeface="+mn-ea"/>
-                          <a:cs typeface="+mn-cs"/>
-                        </a:rPr>
-                        <a:t> </a:t>
-                      </a:r>
-                      <a:r>
-                        <a:rPr lang="en-US" sz="1800" b="0" i="0" u="none" strike="noStrike" kern="1200" dirty="0" err="1" smtClean="0">
-                          <a:solidFill>
-                            <a:schemeClr val="dk1"/>
-                          </a:solidFill>
-                          <a:effectLst/>
-                          <a:latin typeface="+mn-lt"/>
-                          <a:ea typeface="+mn-ea"/>
-                          <a:cs typeface="+mn-cs"/>
-                        </a:rPr>
-                        <a:t>Ab</a:t>
-                      </a:r>
-                      <a:r>
-                        <a:rPr lang="en-US" sz="1800" b="0" i="0" u="none" strike="noStrike" kern="1200" dirty="0" smtClean="0">
-                          <a:solidFill>
-                            <a:schemeClr val="dk1"/>
-                          </a:solidFill>
-                          <a:effectLst/>
-                          <a:latin typeface="+mn-lt"/>
-                          <a:ea typeface="+mn-ea"/>
-                          <a:cs typeface="+mn-cs"/>
-                        </a:rPr>
-                        <a:t> Rahman</a:t>
-                      </a:r>
-                      <a:r>
-                        <a:rPr lang="en-US" sz="1800" b="0" i="0" kern="1200" dirty="0" smtClean="0">
-                          <a:solidFill>
-                            <a:schemeClr val="dk1"/>
-                          </a:solidFill>
-                          <a:effectLst/>
-                          <a:latin typeface="+mn-lt"/>
-                          <a:ea typeface="+mn-ea"/>
-                          <a:cs typeface="+mn-cs"/>
-                        </a:rPr>
-                        <a:t>; </a:t>
-                      </a:r>
-                      <a:r>
-                        <a:rPr lang="en-US" sz="1800" b="0" i="0" u="none" strike="noStrike" kern="1200" dirty="0" err="1" smtClean="0">
-                          <a:solidFill>
-                            <a:schemeClr val="dk1"/>
-                          </a:solidFill>
-                          <a:effectLst/>
-                          <a:latin typeface="+mn-lt"/>
-                          <a:ea typeface="+mn-ea"/>
-                          <a:cs typeface="+mn-cs"/>
-                        </a:rPr>
-                        <a:t>Murizah</a:t>
-                      </a:r>
-                      <a:r>
-                        <a:rPr lang="en-US" sz="1800" b="0" i="0" u="none" strike="noStrike" kern="1200" dirty="0" smtClean="0">
-                          <a:solidFill>
-                            <a:schemeClr val="dk1"/>
-                          </a:solidFill>
-                          <a:effectLst/>
-                          <a:latin typeface="+mn-lt"/>
-                          <a:ea typeface="+mn-ea"/>
-                          <a:cs typeface="+mn-cs"/>
-                        </a:rPr>
-                        <a:t> </a:t>
-                      </a:r>
-                      <a:r>
-                        <a:rPr lang="en-US" sz="1800" b="0" i="0" u="none" strike="noStrike" kern="1200" dirty="0" err="1" smtClean="0">
-                          <a:solidFill>
-                            <a:schemeClr val="dk1"/>
-                          </a:solidFill>
-                          <a:effectLst/>
-                          <a:latin typeface="+mn-lt"/>
-                          <a:ea typeface="+mn-ea"/>
-                          <a:cs typeface="+mn-cs"/>
-                        </a:rPr>
-                        <a:t>Kassim</a:t>
-                      </a:r>
-                      <a:r>
-                        <a:rPr lang="en-US" sz="1800" b="0" i="0" kern="1200" dirty="0" smtClean="0">
-                          <a:solidFill>
-                            <a:schemeClr val="dk1"/>
-                          </a:solidFill>
-                          <a:effectLst/>
-                          <a:latin typeface="+mn-lt"/>
-                          <a:ea typeface="+mn-ea"/>
-                          <a:cs typeface="+mn-cs"/>
-                        </a:rPr>
-                        <a:t>; </a:t>
-                      </a:r>
-                      <a:r>
-                        <a:rPr lang="en-US" sz="1800" b="0" i="0" u="none" strike="noStrike" kern="1200" dirty="0" smtClean="0">
-                          <a:solidFill>
-                            <a:schemeClr val="dk1"/>
-                          </a:solidFill>
-                          <a:effectLst/>
-                          <a:latin typeface="+mn-lt"/>
-                          <a:ea typeface="+mn-ea"/>
-                          <a:cs typeface="+mn-cs"/>
-                        </a:rPr>
-                        <a:t>Mat </a:t>
-                      </a:r>
-                      <a:r>
-                        <a:rPr lang="en-US" sz="1800" b="0" i="0" u="none" strike="noStrike" kern="1200" dirty="0" err="1" smtClean="0">
-                          <a:solidFill>
-                            <a:schemeClr val="dk1"/>
-                          </a:solidFill>
-                          <a:effectLst/>
-                          <a:latin typeface="+mn-lt"/>
-                          <a:ea typeface="+mn-ea"/>
-                          <a:cs typeface="+mn-cs"/>
-                        </a:rPr>
-                        <a:t>Ikram</a:t>
-                      </a:r>
-                      <a:r>
-                        <a:rPr lang="en-US" sz="1800" b="0" i="0" u="none" strike="noStrike" kern="1200" dirty="0" smtClean="0">
-                          <a:solidFill>
-                            <a:schemeClr val="dk1"/>
-                          </a:solidFill>
-                          <a:effectLst/>
-                          <a:latin typeface="+mn-lt"/>
-                          <a:ea typeface="+mn-ea"/>
-                          <a:cs typeface="+mn-cs"/>
-                        </a:rPr>
-                        <a:t> </a:t>
-                      </a:r>
-                      <a:r>
-                        <a:rPr lang="en-US" sz="1800" b="0" i="0" u="none" strike="noStrike" kern="1200" dirty="0" err="1" smtClean="0">
-                          <a:solidFill>
-                            <a:schemeClr val="dk1"/>
-                          </a:solidFill>
-                          <a:effectLst/>
-                          <a:latin typeface="+mn-lt"/>
-                          <a:ea typeface="+mn-ea"/>
-                          <a:cs typeface="+mn-cs"/>
-                        </a:rPr>
-                        <a:t>Yusof</a:t>
+                          <a:cs typeface="Times New Roman" panose="02020603050405020304" pitchFamily="18" charset="0"/>
+                        </a:rPr>
+                        <a:t> Zhou</a:t>
                       </a:r>
                       <a:endParaRPr lang="en-US" sz="1600" dirty="0">
                         <a:latin typeface="Times New Roman" panose="02020603050405020304" pitchFamily="18" charset="0"/>
@@ -10769,88 +9635,25 @@
                     <a:lstStyle/>
                     <a:p>
                       <a:r>
+                        <a:rPr lang="en-US" sz="1200" dirty="0" smtClean="0">
+                          <a:latin typeface="Times New Roman" panose="02020603050405020304" pitchFamily="18" charset="0"/>
+                          <a:cs typeface="Times New Roman" panose="02020603050405020304" pitchFamily="18" charset="0"/>
+                        </a:rPr>
+                        <a:t>F. </a:t>
+                      </a:r>
+                      <a:r>
                         <a:rPr lang="en-US" sz="1200" dirty="0" err="1" smtClean="0">
                           <a:latin typeface="Times New Roman" panose="02020603050405020304" pitchFamily="18" charset="0"/>
                           <a:cs typeface="Times New Roman" panose="02020603050405020304" pitchFamily="18" charset="0"/>
                         </a:rPr>
-                        <a:t>Ummi</a:t>
+                        <a:t>Ren</a:t>
                       </a:r>
                       <a:r>
                         <a:rPr lang="en-US" sz="1200" dirty="0" smtClean="0">
                           <a:latin typeface="Times New Roman" panose="02020603050405020304" pitchFamily="18" charset="0"/>
                           <a:cs typeface="Times New Roman" panose="02020603050405020304" pitchFamily="18" charset="0"/>
                         </a:rPr>
-                        <a:t> </a:t>
-                      </a:r>
-                      <a:r>
-                        <a:rPr lang="en-US" sz="1200" dirty="0" err="1" smtClean="0">
-                          <a:latin typeface="Times New Roman" panose="02020603050405020304" pitchFamily="18" charset="0"/>
-                          <a:cs typeface="Times New Roman" panose="02020603050405020304" pitchFamily="18" charset="0"/>
-                        </a:rPr>
-                        <a:t>Suraya</a:t>
-                      </a:r>
-                      <a:r>
-                        <a:rPr lang="en-US" sz="1200" dirty="0" smtClean="0">
-                          <a:latin typeface="Times New Roman" panose="02020603050405020304" pitchFamily="18" charset="0"/>
-                          <a:cs typeface="Times New Roman" panose="02020603050405020304" pitchFamily="18" charset="0"/>
-                        </a:rPr>
-                        <a:t> </a:t>
-                      </a:r>
-                      <a:r>
-                        <a:rPr lang="en-US" sz="1200" dirty="0" err="1" smtClean="0">
-                          <a:latin typeface="Times New Roman" panose="02020603050405020304" pitchFamily="18" charset="0"/>
-                          <a:cs typeface="Times New Roman" panose="02020603050405020304" pitchFamily="18" charset="0"/>
-                        </a:rPr>
-                        <a:t>Shaharuddin</a:t>
-                      </a:r>
-                      <a:r>
-                        <a:rPr lang="en-US" sz="1200" dirty="0" smtClean="0">
-                          <a:latin typeface="Times New Roman" panose="02020603050405020304" pitchFamily="18" charset="0"/>
-                          <a:cs typeface="Times New Roman" panose="02020603050405020304" pitchFamily="18" charset="0"/>
-                        </a:rPr>
-                        <a:t>, R. </a:t>
-                      </a:r>
-                      <a:r>
-                        <a:rPr lang="en-US" sz="1200" dirty="0" err="1" smtClean="0">
-                          <a:latin typeface="Times New Roman" panose="02020603050405020304" pitchFamily="18" charset="0"/>
-                          <a:cs typeface="Times New Roman" panose="02020603050405020304" pitchFamily="18" charset="0"/>
-                        </a:rPr>
-                        <a:t>Ab</a:t>
-                      </a:r>
-                      <a:r>
-                        <a:rPr lang="en-US" sz="1200" dirty="0" smtClean="0">
-                          <a:latin typeface="Times New Roman" panose="02020603050405020304" pitchFamily="18" charset="0"/>
-                          <a:cs typeface="Times New Roman" panose="02020603050405020304" pitchFamily="18" charset="0"/>
-                        </a:rPr>
-                        <a:t> Rahman, M. </a:t>
-                      </a:r>
-                      <a:r>
-                        <a:rPr lang="en-US" sz="1200" dirty="0" err="1" smtClean="0">
-                          <a:latin typeface="Times New Roman" panose="02020603050405020304" pitchFamily="18" charset="0"/>
-                          <a:cs typeface="Times New Roman" panose="02020603050405020304" pitchFamily="18" charset="0"/>
-                        </a:rPr>
-                        <a:t>Kassim</a:t>
-                      </a:r>
-                      <a:r>
-                        <a:rPr lang="en-US" sz="1200" dirty="0" smtClean="0">
-                          <a:latin typeface="Times New Roman" panose="02020603050405020304" pitchFamily="18" charset="0"/>
-                          <a:cs typeface="Times New Roman" panose="02020603050405020304" pitchFamily="18" charset="0"/>
-                        </a:rPr>
-                        <a:t> and M. I. </a:t>
-                      </a:r>
-                      <a:r>
-                        <a:rPr lang="en-US" sz="1200" dirty="0" err="1" smtClean="0">
-                          <a:latin typeface="Times New Roman" panose="02020603050405020304" pitchFamily="18" charset="0"/>
-                          <a:cs typeface="Times New Roman" panose="02020603050405020304" pitchFamily="18" charset="0"/>
-                        </a:rPr>
-                        <a:t>Yusof</a:t>
-                      </a:r>
-                      <a:r>
-                        <a:rPr lang="en-US" sz="1200" dirty="0" smtClean="0">
-                          <a:latin typeface="Times New Roman" panose="02020603050405020304" pitchFamily="18" charset="0"/>
-                          <a:cs typeface="Times New Roman" panose="02020603050405020304" pitchFamily="18" charset="0"/>
-                        </a:rPr>
-                        <a:t>, "Performance comparison of Multimedia Applications over IPv4 and IPv6 Dual Stack technology," 2016 6th International Conference on System Engineering and Technology (ICSET), 2016, pp. 1-6, doi: 10.1109/ICSEngT.2016.7849613.</a:t>
+                        <a:t> and H. Zhou, "Implementation and Test of PMIPv6 Dual Stack Protocol," 2012 Sixth International Conference on Innovative Mobile and Internet Services in Ubiquitous Computing, 2012, pp. 305-310, doi: 10.1109/IMIS.2012.67.</a:t>
                       </a:r>
                       <a:endParaRPr lang="en-US" sz="1200" dirty="0">
                         <a:latin typeface="Times New Roman" panose="02020603050405020304" pitchFamily="18" charset="0"/>
@@ -10875,7 +9678,19 @@
                           <a:ea typeface="+mn-ea"/>
                           <a:cs typeface="Times New Roman" panose="02020603050405020304" pitchFamily="18" charset="0"/>
                         </a:rPr>
-                        <a:t>RIPv2 routing protocol for both GNS3 simulation and Cisco hardware routers</a:t>
+                        <a:t>Proxy Mobile IPv6 Dual Stack, which is easy, dynamic, scalable, and manageable, enabling the integration of IPv4 and IPv6</a:t>
+                      </a:r>
+                      <a:r>
+                        <a:rPr lang="en-US" sz="1600" b="0" i="0" kern="1200" dirty="0" smtClean="0">
+                          <a:solidFill>
+                            <a:schemeClr val="dk1"/>
+                          </a:solidFill>
+                          <a:effectLst/>
+                          <a:latin typeface="+mn-lt"/>
+                          <a:ea typeface="+mn-ea"/>
+                          <a:cs typeface="+mn-cs"/>
+                        </a:rPr>
+                        <a:t>.</a:t>
                       </a:r>
                       <a:endParaRPr lang="en-US" sz="1600" dirty="0">
                         <a:latin typeface="Times New Roman" panose="02020603050405020304" pitchFamily="18" charset="0"/>
@@ -10891,7 +9706,7 @@
                     <a:lstStyle/>
                     <a:p>
                       <a:r>
-                        <a:rPr lang="en-US" sz="1600" b="0" i="0" kern="1200" dirty="0" smtClean="0">
+                        <a:rPr lang="en-US" sz="1400" b="0" i="0" kern="1200" dirty="0" smtClean="0">
                           <a:solidFill>
                             <a:schemeClr val="dk1"/>
                           </a:solidFill>
@@ -10900,9 +9715,23 @@
                           <a:ea typeface="+mn-ea"/>
                           <a:cs typeface="Times New Roman" panose="02020603050405020304" pitchFamily="18" charset="0"/>
                         </a:rPr>
-                        <a:t>IPv6 is better compared to IPv4 through Dual Stack protocol. Multimedia streaming data analysis proved that IPv6 is faster than IPv4 transmission with Dual stack protocol.</a:t>
-                      </a:r>
-                      <a:endParaRPr lang="en-US" sz="1600" dirty="0">
+                        <a:t>Proxy Mobile IPv6 Dual Stack technology allows mobile node which supports dual stack protocol to communicate through IPv6 or IPv4 network and resolves the problem of migrating from IPv4 to IPv6.</a:t>
+                      </a:r>
+                    </a:p>
+                    <a:p>
+                      <a:r>
+                        <a:rPr lang="en-US" sz="1400" b="0" i="0" kern="1200" dirty="0" smtClean="0">
+                          <a:solidFill>
+                            <a:schemeClr val="dk1"/>
+                          </a:solidFill>
+                          <a:effectLst/>
+                          <a:latin typeface="Times New Roman" panose="02020603050405020304" pitchFamily="18" charset="0"/>
+                          <a:ea typeface="+mn-ea"/>
+                          <a:cs typeface="Times New Roman" panose="02020603050405020304" pitchFamily="18" charset="0"/>
+                        </a:rPr>
+                        <a:t>Proxy Mobile IPv6 Dual Stack technology does not introduce more delay by expanding relevant models.</a:t>
+                      </a:r>
+                      <a:endParaRPr lang="en-US" sz="1400" dirty="0">
                         <a:latin typeface="Times New Roman" panose="02020603050405020304" pitchFamily="18" charset="0"/>
                         <a:cs typeface="Times New Roman" panose="02020603050405020304" pitchFamily="18" charset="0"/>
                       </a:endParaRPr>
@@ -10915,10 +9744,50 @@
           </a:graphicData>
         </a:graphic>
       </p:graphicFrame>
+      <p:sp>
+        <p:nvSpPr>
+          <p:cNvPr id="8" name="Title 1"/>
+          <p:cNvSpPr>
+            <a:spLocks noGrp="1"/>
+          </p:cNvSpPr>
+          <p:nvPr>
+            <p:ph type="title"/>
+          </p:nvPr>
+        </p:nvSpPr>
+        <p:spPr>
+          <a:xfrm>
+            <a:off x="457200" y="274638"/>
+            <a:ext cx="8229600" cy="1143000"/>
+          </a:xfrm>
+          <a:solidFill>
+            <a:srgbClr val="0000FF"/>
+          </a:solidFill>
+        </p:spPr>
+        <p:txBody>
+          <a:bodyPr/>
+          <a:lstStyle/>
+          <a:p>
+            <a:r>
+              <a:rPr lang="en-US" b="1" dirty="0">
+                <a:solidFill>
+                  <a:schemeClr val="bg1"/>
+                </a:solidFill>
+                <a:latin typeface="Times New Roman" pitchFamily="18" charset="0"/>
+                <a:cs typeface="Times New Roman" pitchFamily="18" charset="0"/>
+              </a:rPr>
+              <a:t>Literature Survey</a:t>
+            </a:r>
+            <a:endParaRPr lang="en-US" dirty="0">
+              <a:latin typeface="Times New Roman" pitchFamily="18" charset="0"/>
+              <a:cs typeface="Times New Roman" pitchFamily="18" charset="0"/>
+            </a:endParaRPr>
+          </a:p>
+        </p:txBody>
+      </p:sp>
     </p:spTree>
     <p:extLst>
       <p:ext uri="{BB962C8B-B14F-4D97-AF65-F5344CB8AC3E}">
-        <p14:creationId xmlns:p14="http://schemas.microsoft.com/office/powerpoint/2010/main" val="2426074611"/>
+        <p14:creationId xmlns:p14="http://schemas.microsoft.com/office/powerpoint/2010/main" val="1806910061"/>
       </p:ext>
     </p:extLst>
   </p:cSld>
@@ -10928,7 +9797,7 @@
 </p:sld>
 </file>
 
-<file path=ppt/slides/slide6.xml><?xml version="1.0" encoding="utf-8"?>
+<file path=ppt/slides/slide5.xml><?xml version="1.0" encoding="utf-8"?>
 <p:sld xmlns:a="http://schemas.openxmlformats.org/drawingml/2006/main" xmlns:r="http://schemas.openxmlformats.org/officeDocument/2006/relationships" xmlns:p="http://schemas.openxmlformats.org/presentationml/2006/main">
   <p:cSld>
     <p:spTree>
@@ -10962,7 +9831,7 @@
           <a:p>
             <a:fld id="{05229871-6294-4FDC-ADFB-03568C29F7D6}" type="datetime1">
               <a:rPr lang="en-US" smtClean="0"/>
-              <a:t>21-Sep-21</a:t>
+              <a:t>22-Sep-21</a:t>
             </a:fld>
             <a:endParaRPr lang="en-US"/>
           </a:p>
@@ -11009,7 +9878,7 @@
             <a:fld id="{B6F15528-21DE-4FAA-801E-634DDDAF4B2B}" type="slidenum">
               <a:rPr lang="en-US" smtClean="0"/>
               <a:pPr/>
-              <a:t>6</a:t>
+              <a:t>5</a:t>
             </a:fld>
             <a:endParaRPr lang="en-US"/>
           </a:p>
@@ -11024,14 +9893,14 @@
           <p:nvPr>
             <p:extLst>
               <p:ext uri="{D42A27DB-BD31-4B8C-83A1-F6EECF244321}">
-                <p14:modId xmlns:p14="http://schemas.microsoft.com/office/powerpoint/2010/main" val="2527124807"/>
+                <p14:modId xmlns:p14="http://schemas.microsoft.com/office/powerpoint/2010/main" val="3858197499"/>
               </p:ext>
             </p:extLst>
           </p:nvPr>
         </p:nvGraphicFramePr>
         <p:xfrm>
-          <a:off x="762000" y="533400"/>
-          <a:ext cx="7848600" cy="5394960"/>
+          <a:off x="685800" y="381000"/>
+          <a:ext cx="7848600" cy="5715000"/>
         </p:xfrm>
         <a:graphic>
           <a:graphicData uri="http://schemas.openxmlformats.org/drawingml/2006/table">
@@ -11046,7 +9915,7 @@
                 <a:gridCol w="1450388"/>
                 <a:gridCol w="1935480"/>
               </a:tblGrid>
-              <a:tr h="655597">
+              <a:tr h="1078302">
                 <a:tc>
                   <a:txBody>
                     <a:bodyPr/>
@@ -11142,7 +10011,7 @@
                   <a:tcPr/>
                 </a:tc>
               </a:tr>
-              <a:tr h="2129638">
+              <a:tr h="4636698">
                 <a:tc>
                   <a:txBody>
                     <a:bodyPr/>
@@ -11175,7 +10044,7 @@
                           <a:ea typeface="+mn-ea"/>
                           <a:cs typeface="Times New Roman" panose="02020603050405020304" pitchFamily="18" charset="0"/>
                         </a:rPr>
-                        <a:t>Implementation and Test of PMIPv6 Dual Stack Protocol</a:t>
+                        <a:t>The NAT64/DNS64 tool suite for IPv6 transition</a:t>
                       </a:r>
                     </a:p>
                     <a:p>
@@ -11210,7 +10079,7 @@
                     <a:lstStyle/>
                     <a:p>
                       <a:r>
-                        <a:rPr lang="en-US" sz="1800" b="0" i="0" u="none" strike="noStrike" kern="1200" dirty="0" err="1" smtClean="0">
+                        <a:rPr lang="en-US" sz="1600" b="0" i="0" u="none" strike="noStrike" kern="1200" dirty="0" smtClean="0">
                           <a:solidFill>
                             <a:schemeClr val="dk1"/>
                           </a:solidFill>
@@ -11219,10 +10088,10 @@
                           <a:ea typeface="+mn-ea"/>
                           <a:cs typeface="Times New Roman" panose="02020603050405020304" pitchFamily="18" charset="0"/>
                         </a:rPr>
-                        <a:t>Fei</a:t>
-                      </a:r>
-                      <a:r>
-                        <a:rPr lang="en-US" sz="1800" b="0" i="0" u="none" strike="noStrike" kern="1200" dirty="0" smtClean="0">
+                        <a:t>Marcelo </a:t>
+                      </a:r>
+                      <a:r>
+                        <a:rPr lang="en-US" sz="1600" b="0" i="0" u="none" strike="noStrike" kern="1200" dirty="0" err="1" smtClean="0">
                           <a:solidFill>
                             <a:schemeClr val="dk1"/>
                           </a:solidFill>
@@ -11231,10 +10100,10 @@
                           <a:ea typeface="+mn-ea"/>
                           <a:cs typeface="Times New Roman" panose="02020603050405020304" pitchFamily="18" charset="0"/>
                         </a:rPr>
-                        <a:t> </a:t>
-                      </a:r>
-                      <a:r>
-                        <a:rPr lang="en-US" sz="1800" b="0" i="0" u="none" strike="noStrike" kern="1200" dirty="0" err="1" smtClean="0">
+                        <a:t>Bagnulo</a:t>
+                      </a:r>
+                      <a:r>
+                        <a:rPr lang="en-US" sz="1600" b="0" i="0" kern="1200" dirty="0" smtClean="0">
                           <a:solidFill>
                             <a:schemeClr val="dk1"/>
                           </a:solidFill>
@@ -11243,10 +10112,10 @@
                           <a:ea typeface="+mn-ea"/>
                           <a:cs typeface="Times New Roman" panose="02020603050405020304" pitchFamily="18" charset="0"/>
                         </a:rPr>
-                        <a:t>Ren</a:t>
-                      </a:r>
-                      <a:r>
-                        <a:rPr lang="en-US" sz="1800" b="0" i="0" kern="1200" dirty="0" smtClean="0">
+                        <a:t>; </a:t>
+                      </a:r>
+                      <a:r>
+                        <a:rPr lang="en-US" sz="1600" b="0" i="0" u="none" strike="noStrike" kern="1200" dirty="0" smtClean="0">
                           <a:solidFill>
                             <a:schemeClr val="dk1"/>
                           </a:solidFill>
@@ -11255,10 +10124,10 @@
                           <a:ea typeface="+mn-ea"/>
                           <a:cs typeface="Times New Roman" panose="02020603050405020304" pitchFamily="18" charset="0"/>
                         </a:rPr>
-                        <a:t>; </a:t>
-                      </a:r>
-                      <a:r>
-                        <a:rPr lang="en-US" sz="1800" b="0" i="0" u="none" strike="noStrike" kern="1200" dirty="0" err="1" smtClean="0">
+                        <a:t>Alberto Garcia-Martinez</a:t>
+                      </a:r>
+                      <a:r>
+                        <a:rPr lang="en-US" sz="1600" b="0" i="0" kern="1200" dirty="0" smtClean="0">
                           <a:solidFill>
                             <a:schemeClr val="dk1"/>
                           </a:solidFill>
@@ -11267,10 +10136,10 @@
                           <a:ea typeface="+mn-ea"/>
                           <a:cs typeface="Times New Roman" panose="02020603050405020304" pitchFamily="18" charset="0"/>
                         </a:rPr>
-                        <a:t>Huachun</a:t>
-                      </a:r>
-                      <a:r>
-                        <a:rPr lang="en-US" sz="1800" b="0" i="0" u="none" strike="noStrike" kern="1200" dirty="0" smtClean="0">
+                        <a:t>; </a:t>
+                      </a:r>
+                      <a:r>
+                        <a:rPr lang="en-US" sz="1600" b="0" i="0" u="none" strike="noStrike" kern="1200" dirty="0" err="1" smtClean="0">
                           <a:solidFill>
                             <a:schemeClr val="dk1"/>
                           </a:solidFill>
@@ -11279,7 +10148,31 @@
                           <a:ea typeface="+mn-ea"/>
                           <a:cs typeface="Times New Roman" panose="02020603050405020304" pitchFamily="18" charset="0"/>
                         </a:rPr>
-                        <a:t> Zhou</a:t>
+                        <a:t>Iljitsch</a:t>
+                      </a:r>
+                      <a:r>
+                        <a:rPr lang="en-US" sz="1600" b="0" i="0" u="none" strike="noStrike" kern="1200" dirty="0" smtClean="0">
+                          <a:solidFill>
+                            <a:schemeClr val="dk1"/>
+                          </a:solidFill>
+                          <a:effectLst/>
+                          <a:latin typeface="Times New Roman" panose="02020603050405020304" pitchFamily="18" charset="0"/>
+                          <a:ea typeface="+mn-ea"/>
+                          <a:cs typeface="Times New Roman" panose="02020603050405020304" pitchFamily="18" charset="0"/>
+                        </a:rPr>
+                        <a:t> Van </a:t>
+                      </a:r>
+                      <a:r>
+                        <a:rPr lang="en-US" sz="1600" b="0" i="0" u="none" strike="noStrike" kern="1200" dirty="0" err="1" smtClean="0">
+                          <a:solidFill>
+                            <a:schemeClr val="dk1"/>
+                          </a:solidFill>
+                          <a:effectLst/>
+                          <a:latin typeface="Times New Roman" panose="02020603050405020304" pitchFamily="18" charset="0"/>
+                          <a:ea typeface="+mn-ea"/>
+                          <a:cs typeface="Times New Roman" panose="02020603050405020304" pitchFamily="18" charset="0"/>
+                        </a:rPr>
+                        <a:t>Beijnum</a:t>
                       </a:r>
                       <a:endParaRPr lang="en-US" sz="1600" dirty="0">
                         <a:latin typeface="Times New Roman" panose="02020603050405020304" pitchFamily="18" charset="0"/>
@@ -11299,21 +10192,35 @@
                           <a:latin typeface="Times New Roman" panose="02020603050405020304" pitchFamily="18" charset="0"/>
                           <a:cs typeface="Times New Roman" panose="02020603050405020304" pitchFamily="18" charset="0"/>
                         </a:rPr>
-                        <a:t>F. </a:t>
+                        <a:t>M. </a:t>
                       </a:r>
                       <a:r>
                         <a:rPr lang="en-US" sz="1200" dirty="0" err="1" smtClean="0">
                           <a:latin typeface="Times New Roman" panose="02020603050405020304" pitchFamily="18" charset="0"/>
                           <a:cs typeface="Times New Roman" panose="02020603050405020304" pitchFamily="18" charset="0"/>
                         </a:rPr>
-                        <a:t>Ren</a:t>
+                        <a:t>Bagnulo</a:t>
                       </a:r>
                       <a:r>
                         <a:rPr lang="en-US" sz="1200" dirty="0" smtClean="0">
                           <a:latin typeface="Times New Roman" panose="02020603050405020304" pitchFamily="18" charset="0"/>
                           <a:cs typeface="Times New Roman" panose="02020603050405020304" pitchFamily="18" charset="0"/>
                         </a:rPr>
-                        <a:t> and H. Zhou, "Implementation and Test of PMIPv6 Dual Stack Protocol," 2012 Sixth International Conference on Innovative Mobile and Internet Services in Ubiquitous Computing, 2012, pp. 305-310, doi: 10.1109/IMIS.2012.67.</a:t>
+                        <a:t>, A. Garcia-Martinez and I. V. </a:t>
+                      </a:r>
+                      <a:r>
+                        <a:rPr lang="en-US" sz="1200" dirty="0" err="1" smtClean="0">
+                          <a:latin typeface="Times New Roman" panose="02020603050405020304" pitchFamily="18" charset="0"/>
+                          <a:cs typeface="Times New Roman" panose="02020603050405020304" pitchFamily="18" charset="0"/>
+                        </a:rPr>
+                        <a:t>Beijnum</a:t>
+                      </a:r>
+                      <a:r>
+                        <a:rPr lang="en-US" sz="1200" dirty="0" smtClean="0">
+                          <a:latin typeface="Times New Roman" panose="02020603050405020304" pitchFamily="18" charset="0"/>
+                          <a:cs typeface="Times New Roman" panose="02020603050405020304" pitchFamily="18" charset="0"/>
+                        </a:rPr>
+                        <a:t>, "The NAT64/DNS64 tool suite for IPv6 transition," in IEEE Communications Magazine, vol. 50, no. 7, pp. 177-183, July 2012, doi: 10.1109/MCOM.2012.6231295.</a:t>
                       </a:r>
                       <a:endParaRPr lang="en-US" sz="1200" dirty="0">
                         <a:latin typeface="Times New Roman" panose="02020603050405020304" pitchFamily="18" charset="0"/>
@@ -11329,7 +10236,7 @@
                     <a:lstStyle/>
                     <a:p>
                       <a:r>
-                        <a:rPr lang="en-US" sz="1600" b="0" i="0" kern="1200" dirty="0" smtClean="0">
+                        <a:rPr lang="en-US" sz="1400" b="0" i="0" kern="1200" dirty="0" smtClean="0">
                           <a:solidFill>
                             <a:schemeClr val="dk1"/>
                           </a:solidFill>
@@ -11338,20 +10245,395 @@
                           <a:ea typeface="+mn-ea"/>
                           <a:cs typeface="Times New Roman" panose="02020603050405020304" pitchFamily="18" charset="0"/>
                         </a:rPr>
-                        <a:t>Proxy Mobile IPv6 Dual Stack, which is easy, dynamic, scalable, and manageable, enabling the integration of IPv4 and IPv6</a:t>
-                      </a:r>
-                      <a:r>
-                        <a:rPr lang="en-US" sz="1600" b="0" i="0" kern="1200" dirty="0" smtClean="0">
+                        <a:t>NAT64 (NAT-Network Address Translation)translates IPv6 packets into IPv4 packets and vice versa.</a:t>
+                      </a:r>
+                    </a:p>
+                    <a:p>
+                      <a:r>
+                        <a:rPr lang="en-US" sz="1400" b="0" i="0" kern="1200" dirty="0" smtClean="0">
                           <a:solidFill>
                             <a:schemeClr val="dk1"/>
                           </a:solidFill>
                           <a:effectLst/>
-                          <a:latin typeface="+mn-lt"/>
+                          <a:latin typeface="Times New Roman" panose="02020603050405020304" pitchFamily="18" charset="0"/>
                           <a:ea typeface="+mn-ea"/>
-                          <a:cs typeface="+mn-cs"/>
-                        </a:rPr>
-                        <a:t>.</a:t>
-                      </a:r>
+                          <a:cs typeface="Times New Roman" panose="02020603050405020304" pitchFamily="18" charset="0"/>
+                        </a:rPr>
+                        <a:t>Binding Information</a:t>
+                      </a:r>
+                      <a:r>
+                        <a:rPr lang="en-US" sz="1400" b="0" i="0" kern="1200" baseline="0" dirty="0" smtClean="0">
+                          <a:solidFill>
+                            <a:schemeClr val="dk1"/>
+                          </a:solidFill>
+                          <a:effectLst/>
+                          <a:latin typeface="Times New Roman" panose="02020603050405020304" pitchFamily="18" charset="0"/>
+                          <a:ea typeface="+mn-ea"/>
+                          <a:cs typeface="Times New Roman" panose="02020603050405020304" pitchFamily="18" charset="0"/>
+                        </a:rPr>
+                        <a:t> Base,</a:t>
+                      </a:r>
+                    </a:p>
+                    <a:p>
+                      <a:r>
+                        <a:rPr lang="en-US" sz="1400" b="0" i="0" kern="1200" baseline="0" dirty="0" smtClean="0">
+                          <a:solidFill>
+                            <a:schemeClr val="dk1"/>
+                          </a:solidFill>
+                          <a:effectLst/>
+                          <a:latin typeface="Times New Roman" panose="02020603050405020304" pitchFamily="18" charset="0"/>
+                          <a:ea typeface="+mn-ea"/>
+                          <a:cs typeface="Times New Roman" panose="02020603050405020304" pitchFamily="18" charset="0"/>
+                        </a:rPr>
+                        <a:t>Session Table,</a:t>
+                      </a:r>
+                    </a:p>
+                    <a:p>
+                      <a:r>
+                        <a:rPr lang="en-US" sz="1400" b="0" i="0" kern="1200" dirty="0" smtClean="0">
+                          <a:solidFill>
+                            <a:schemeClr val="dk1"/>
+                          </a:solidFill>
+                          <a:effectLst/>
+                          <a:latin typeface="Times New Roman" panose="02020603050405020304" pitchFamily="18" charset="0"/>
+                          <a:ea typeface="+mn-ea"/>
+                          <a:cs typeface="Times New Roman" panose="02020603050405020304" pitchFamily="18" charset="0"/>
+                        </a:rPr>
+                        <a:t>DNS64 synthesizes AAAA resource records (AAAA RRs) from A resource records (A RRs)</a:t>
+                      </a:r>
+                      <a:endParaRPr lang="en-US" sz="1400" dirty="0">
+                        <a:latin typeface="Times New Roman" panose="02020603050405020304" pitchFamily="18" charset="0"/>
+                        <a:cs typeface="Times New Roman" panose="02020603050405020304" pitchFamily="18" charset="0"/>
+                      </a:endParaRPr>
+                    </a:p>
+                  </a:txBody>
+                  <a:tcPr/>
+                </a:tc>
+                <a:tc>
+                  <a:txBody>
+                    <a:bodyPr/>
+                    <a:lstStyle/>
+                    <a:p>
+                      <a:r>
+                        <a:rPr lang="en-US" sz="1400" b="0" i="0" kern="1200" dirty="0" smtClean="0">
+                          <a:solidFill>
+                            <a:schemeClr val="dk1"/>
+                          </a:solidFill>
+                          <a:effectLst/>
+                          <a:latin typeface="Times New Roman" panose="02020603050405020304" pitchFamily="18" charset="0"/>
+                          <a:ea typeface="+mn-ea"/>
+                          <a:cs typeface="Times New Roman" panose="02020603050405020304" pitchFamily="18" charset="0"/>
+                        </a:rPr>
+                        <a:t>The DNS64/NAT64 manages explicitly only communications initiated from the IPv6 side. </a:t>
+                      </a:r>
+                    </a:p>
+                    <a:p>
+                      <a:r>
+                        <a:rPr lang="en-US" sz="1400" b="0" i="0" kern="1200" dirty="0" smtClean="0">
+                          <a:solidFill>
+                            <a:schemeClr val="dk1"/>
+                          </a:solidFill>
+                          <a:effectLst/>
+                          <a:latin typeface="Times New Roman" panose="02020603050405020304" pitchFamily="18" charset="0"/>
+                          <a:ea typeface="+mn-ea"/>
+                          <a:cs typeface="Times New Roman" panose="02020603050405020304" pitchFamily="18" charset="0"/>
+                        </a:rPr>
+                        <a:t>DNS64 is a full-fledged architectural component that is part of a DNS resolver, As such, it does not need to transparently intercept DNS queries. DNS64/NAT64 uses by default the Well-Known Prefix that allows having a globally valid IPv6 representation of an IPv4 address.</a:t>
+                      </a:r>
+                      <a:endParaRPr lang="en-US" sz="1400" dirty="0">
+                        <a:latin typeface="Times New Roman" panose="02020603050405020304" pitchFamily="18" charset="0"/>
+                        <a:cs typeface="Times New Roman" panose="02020603050405020304" pitchFamily="18" charset="0"/>
+                      </a:endParaRPr>
+                    </a:p>
+                  </a:txBody>
+                  <a:tcPr/>
+                </a:tc>
+              </a:tr>
+            </a:tbl>
+          </a:graphicData>
+        </a:graphic>
+      </p:graphicFrame>
+    </p:spTree>
+    <p:extLst>
+      <p:ext uri="{BB962C8B-B14F-4D97-AF65-F5344CB8AC3E}">
+        <p14:creationId xmlns:p14="http://schemas.microsoft.com/office/powerpoint/2010/main" val="2768559702"/>
+      </p:ext>
+    </p:extLst>
+  </p:cSld>
+  <p:clrMapOvr>
+    <a:masterClrMapping/>
+  </p:clrMapOvr>
+</p:sld>
+</file>
+
+<file path=ppt/slides/slide6.xml><?xml version="1.0" encoding="utf-8"?>
+<p:sld xmlns:a="http://schemas.openxmlformats.org/drawingml/2006/main" xmlns:r="http://schemas.openxmlformats.org/officeDocument/2006/relationships" xmlns:p="http://schemas.openxmlformats.org/presentationml/2006/main">
+  <p:cSld>
+    <p:spTree>
+      <p:nvGrpSpPr>
+        <p:cNvPr id="1" name=""/>
+        <p:cNvGrpSpPr/>
+        <p:nvPr/>
+      </p:nvGrpSpPr>
+      <p:grpSpPr>
+        <a:xfrm>
+          <a:off x="0" y="0"/>
+          <a:ext cx="0" cy="0"/>
+          <a:chOff x="0" y="0"/>
+          <a:chExt cx="0" cy="0"/>
+        </a:xfrm>
+      </p:grpSpPr>
+      <p:sp>
+        <p:nvSpPr>
+          <p:cNvPr id="4" name="Date Placeholder 3"/>
+          <p:cNvSpPr>
+            <a:spLocks noGrp="1"/>
+          </p:cNvSpPr>
+          <p:nvPr>
+            <p:ph type="dt" sz="half" idx="10"/>
+          </p:nvPr>
+        </p:nvSpPr>
+        <p:spPr/>
+        <p:txBody>
+          <a:bodyPr/>
+          <a:lstStyle/>
+          <a:p>
+            <a:fld id="{05229871-6294-4FDC-ADFB-03568C29F7D6}" type="datetime1">
+              <a:rPr lang="en-US" smtClean="0"/>
+              <a:t>22-Sep-21</a:t>
+            </a:fld>
+            <a:endParaRPr lang="en-US"/>
+          </a:p>
+        </p:txBody>
+      </p:sp>
+      <p:sp>
+        <p:nvSpPr>
+          <p:cNvPr id="5" name="Footer Placeholder 4"/>
+          <p:cNvSpPr>
+            <a:spLocks noGrp="1"/>
+          </p:cNvSpPr>
+          <p:nvPr>
+            <p:ph type="ftr" sz="quarter" idx="11"/>
+          </p:nvPr>
+        </p:nvSpPr>
+        <p:spPr/>
+        <p:txBody>
+          <a:bodyPr/>
+          <a:lstStyle/>
+          <a:p>
+            <a:r>
+              <a:rPr lang="en-US" smtClean="0"/>
+              <a:t>Dept. of ECE, NMIT, Bangalore-64</a:t>
+            </a:r>
+            <a:endParaRPr lang="en-US"/>
+          </a:p>
+        </p:txBody>
+      </p:sp>
+      <p:sp>
+        <p:nvSpPr>
+          <p:cNvPr id="6" name="Slide Number Placeholder 5"/>
+          <p:cNvSpPr>
+            <a:spLocks noGrp="1"/>
+          </p:cNvSpPr>
+          <p:nvPr>
+            <p:ph type="sldNum" sz="quarter" idx="12"/>
+          </p:nvPr>
+        </p:nvSpPr>
+        <p:spPr/>
+        <p:txBody>
+          <a:bodyPr/>
+          <a:lstStyle/>
+          <a:p>
+            <a:fld id="{B6F15528-21DE-4FAA-801E-634DDDAF4B2B}" type="slidenum">
+              <a:rPr lang="en-US" smtClean="0"/>
+              <a:pPr/>
+              <a:t>6</a:t>
+            </a:fld>
+            <a:endParaRPr lang="en-US"/>
+          </a:p>
+        </p:txBody>
+      </p:sp>
+      <p:graphicFrame>
+        <p:nvGraphicFramePr>
+          <p:cNvPr id="7" name="Table 6"/>
+          <p:cNvGraphicFramePr>
+            <a:graphicFrameLocks noGrp="1"/>
+          </p:cNvGraphicFramePr>
+          <p:nvPr>
+            <p:extLst>
+              <p:ext uri="{D42A27DB-BD31-4B8C-83A1-F6EECF244321}">
+                <p14:modId xmlns:p14="http://schemas.microsoft.com/office/powerpoint/2010/main" val="3378642374"/>
+              </p:ext>
+            </p:extLst>
+          </p:nvPr>
+        </p:nvGraphicFramePr>
+        <p:xfrm>
+          <a:off x="609600" y="1295400"/>
+          <a:ext cx="7848600" cy="3931920"/>
+        </p:xfrm>
+        <a:graphic>
+          <a:graphicData uri="http://schemas.openxmlformats.org/drawingml/2006/table">
+            <a:tbl>
+              <a:tblPr firstRow="1" bandRow="1">
+                <a:tableStyleId>{5C22544A-7EE6-4342-B048-85BDC9FD1C3A}</a:tableStyleId>
+              </a:tblPr>
+              <a:tblGrid>
+                <a:gridCol w="1478280"/>
+                <a:gridCol w="1478280"/>
+                <a:gridCol w="1506172"/>
+                <a:gridCol w="1450388"/>
+                <a:gridCol w="1935480"/>
+              </a:tblGrid>
+              <a:tr h="655597">
+                <a:tc>
+                  <a:txBody>
+                    <a:bodyPr/>
+                    <a:lstStyle/>
+                    <a:p>
+                      <a:r>
+                        <a:rPr lang="en-US" dirty="0" smtClean="0"/>
+                        <a:t>Title</a:t>
+                      </a:r>
+                      <a:endParaRPr lang="en-US" dirty="0"/>
+                    </a:p>
+                  </a:txBody>
+                  <a:tcPr/>
+                </a:tc>
+                <a:tc>
+                  <a:txBody>
+                    <a:bodyPr/>
+                    <a:lstStyle/>
+                    <a:p>
+                      <a:r>
+                        <a:rPr lang="en-US" dirty="0" smtClean="0"/>
+                        <a:t>Author Name</a:t>
+                      </a:r>
+                      <a:endParaRPr lang="en-US" dirty="0"/>
+                    </a:p>
+                  </a:txBody>
+                  <a:tcPr/>
+                </a:tc>
+                <a:tc>
+                  <a:txBody>
+                    <a:bodyPr/>
+                    <a:lstStyle/>
+                    <a:p>
+                      <a:r>
+                        <a:rPr lang="en-US" sz="2000" dirty="0" smtClean="0"/>
+                        <a:t>Citation</a:t>
+                      </a:r>
+                      <a:endParaRPr lang="en-US" sz="2000" dirty="0"/>
+                    </a:p>
+                  </a:txBody>
+                  <a:tcPr/>
+                </a:tc>
+                <a:tc>
+                  <a:txBody>
+                    <a:bodyPr/>
+                    <a:lstStyle/>
+                    <a:p>
+                      <a:pPr marL="0" marR="0" indent="0" algn="l" defTabSz="914400" rtl="0" eaLnBrk="1" fontAlgn="auto" latinLnBrk="0" hangingPunct="1">
+                        <a:lnSpc>
+                          <a:spcPct val="100000"/>
+                        </a:lnSpc>
+                        <a:spcBef>
+                          <a:spcPts val="0"/>
+                        </a:spcBef>
+                        <a:spcAft>
+                          <a:spcPts val="0"/>
+                        </a:spcAft>
+                        <a:buClrTx/>
+                        <a:buSzTx/>
+                        <a:buFontTx/>
+                        <a:buNone/>
+                        <a:tabLst/>
+                        <a:defRPr/>
+                      </a:pPr>
+                      <a:r>
+                        <a:rPr lang="en-US" dirty="0" smtClean="0"/>
+                        <a:t>Algorithms/Techniques</a:t>
+                      </a:r>
+                      <a:r>
+                        <a:rPr lang="en-US" baseline="0" dirty="0" smtClean="0"/>
+                        <a:t> </a:t>
+                      </a:r>
+                      <a:endParaRPr lang="en-US" dirty="0" smtClean="0"/>
+                    </a:p>
+                    <a:p>
+                      <a:endParaRPr lang="en-US" dirty="0"/>
+                    </a:p>
+                  </a:txBody>
+                  <a:tcPr/>
+                </a:tc>
+                <a:tc>
+                  <a:txBody>
+                    <a:bodyPr/>
+                    <a:lstStyle/>
+                    <a:p>
+                      <a:r>
+                        <a:rPr lang="en-US" dirty="0" smtClean="0"/>
+                        <a:t>Conclusion</a:t>
+                      </a:r>
+                      <a:endParaRPr lang="en-US" dirty="0"/>
+                    </a:p>
+                  </a:txBody>
+                  <a:tcPr/>
+                </a:tc>
+              </a:tr>
+              <a:tr h="2129638">
+                <a:tc>
+                  <a:txBody>
+                    <a:bodyPr/>
+                    <a:lstStyle/>
+                    <a:p>
+                      <a:pPr marL="0" marR="0" indent="0" algn="l" defTabSz="914400" rtl="0" eaLnBrk="1" fontAlgn="auto" latinLnBrk="0" hangingPunct="1">
+                        <a:lnSpc>
+                          <a:spcPct val="100000"/>
+                        </a:lnSpc>
+                        <a:spcBef>
+                          <a:spcPts val="0"/>
+                        </a:spcBef>
+                        <a:spcAft>
+                          <a:spcPts val="0"/>
+                        </a:spcAft>
+                        <a:buClrTx/>
+                        <a:buSzTx/>
+                        <a:buFontTx/>
+                        <a:buNone/>
+                        <a:tabLst/>
+                        <a:defRPr/>
+                      </a:pPr>
+                      <a:r>
+                        <a:rPr lang="en-US" sz="1600" b="1" i="0" kern="1200" dirty="0" smtClean="0">
+                          <a:solidFill>
+                            <a:schemeClr val="dk1"/>
+                          </a:solidFill>
+                          <a:effectLst/>
+                          <a:latin typeface="Times New Roman" panose="02020603050405020304" pitchFamily="18" charset="0"/>
+                          <a:ea typeface="+mn-ea"/>
+                          <a:cs typeface="Times New Roman" panose="02020603050405020304" pitchFamily="18" charset="0"/>
+                        </a:rPr>
+                        <a:t>Measuring TCP connection establishment times of dual-stacked web services</a:t>
+                      </a:r>
+                    </a:p>
+                    <a:p>
+                      <a:pPr marL="0" marR="0" indent="0" algn="l" defTabSz="914400" rtl="0" eaLnBrk="1" fontAlgn="auto" latinLnBrk="0" hangingPunct="1">
+                        <a:lnSpc>
+                          <a:spcPct val="100000"/>
+                        </a:lnSpc>
+                        <a:spcBef>
+                          <a:spcPts val="0"/>
+                        </a:spcBef>
+                        <a:spcAft>
+                          <a:spcPts val="0"/>
+                        </a:spcAft>
+                        <a:buClrTx/>
+                        <a:buSzTx/>
+                        <a:buFontTx/>
+                        <a:buNone/>
+                        <a:tabLst/>
+                        <a:defRPr/>
+                      </a:pPr>
                       <a:endParaRPr lang="en-US" sz="1600" dirty="0">
                         <a:latin typeface="Times New Roman" panose="02020603050405020304" pitchFamily="18" charset="0"/>
                         <a:cs typeface="Times New Roman" panose="02020603050405020304" pitchFamily="18" charset="0"/>
@@ -11366,6 +10648,29 @@
                     <a:lstStyle/>
                     <a:p>
                       <a:r>
+                        <a:rPr lang="en-US" sz="1600" b="0" i="0" u="sng" kern="1200" dirty="0" smtClean="0">
+                          <a:solidFill>
+                            <a:schemeClr val="dk1"/>
+                          </a:solidFill>
+                          <a:effectLst/>
+                          <a:latin typeface="Times New Roman" panose="02020603050405020304" pitchFamily="18" charset="0"/>
+                          <a:ea typeface="+mn-ea"/>
+                          <a:cs typeface="Times New Roman" panose="02020603050405020304" pitchFamily="18" charset="0"/>
+                        </a:rPr>
+                        <a:t>Vaibhav Bajpai</a:t>
+                      </a:r>
+                      <a:endParaRPr lang="en-US" sz="1600" b="0" i="0" kern="1200" dirty="0" smtClean="0">
+                        <a:solidFill>
+                          <a:schemeClr val="dk1"/>
+                        </a:solidFill>
+                        <a:effectLst/>
+                        <a:latin typeface="Times New Roman" panose="02020603050405020304" pitchFamily="18" charset="0"/>
+                        <a:ea typeface="+mn-ea"/>
+                        <a:cs typeface="Times New Roman" panose="02020603050405020304" pitchFamily="18" charset="0"/>
+                      </a:endParaRPr>
+                    </a:p>
+                    <a:p>
+                      <a:r>
                         <a:rPr lang="en-US" sz="1600" b="0" i="0" kern="1200" dirty="0" smtClean="0">
                           <a:solidFill>
                             <a:schemeClr val="dk1"/>
@@ -11375,9 +10680,52 @@
                           <a:ea typeface="+mn-ea"/>
                           <a:cs typeface="Times New Roman" panose="02020603050405020304" pitchFamily="18" charset="0"/>
                         </a:rPr>
-                        <a:t>Proxy Mobile IPv6 Dual Stack technology allows mobile node which supports dual stack protocol to communicate through IPv6 or IPv4 network and resolves the problem of migrating from IPv4 to IPv6.</a:t>
-                      </a:r>
+                        <a:t>; </a:t>
+                      </a:r>
+                      <a:r>
+                        <a:rPr lang="en-US" sz="1600" b="0" i="0" u="none" strike="noStrike" kern="1200" dirty="0" smtClean="0">
+                          <a:solidFill>
+                            <a:schemeClr val="dk1"/>
+                          </a:solidFill>
+                          <a:effectLst/>
+                          <a:latin typeface="Times New Roman" panose="02020603050405020304" pitchFamily="18" charset="0"/>
+                          <a:ea typeface="+mn-ea"/>
+                          <a:cs typeface="Times New Roman" panose="02020603050405020304" pitchFamily="18" charset="0"/>
+                        </a:rPr>
+                        <a:t>Jürgen Schönwälder</a:t>
+                      </a:r>
+                      <a:endParaRPr lang="en-US" sz="1600" dirty="0">
+                        <a:latin typeface="Times New Roman" panose="02020603050405020304" pitchFamily="18" charset="0"/>
+                        <a:cs typeface="Times New Roman" panose="02020603050405020304" pitchFamily="18" charset="0"/>
+                      </a:endParaRPr>
                     </a:p>
+                  </a:txBody>
+                  <a:tcPr/>
+                </a:tc>
+                <a:tc>
+                  <a:txBody>
+                    <a:bodyPr/>
+                    <a:lstStyle/>
+                    <a:p>
+                      <a:r>
+                        <a:rPr lang="en-US" sz="1200" dirty="0" smtClean="0">
+                          <a:latin typeface="Times New Roman" panose="02020603050405020304" pitchFamily="18" charset="0"/>
+                          <a:cs typeface="Times New Roman" panose="02020603050405020304" pitchFamily="18" charset="0"/>
+                        </a:rPr>
+                        <a:t>V. Bajpai and J. Schönwälder, "Measuring TCP connection establishment times of dual-stacked web services," Proceedings of the 9th International Conference on Network and Service Management (CNSM 2013), 2013, pp. 130-133, doi: 10.1109/CNSM.2013.6727822.</a:t>
+                      </a:r>
+                      <a:endParaRPr lang="en-US" sz="1200" dirty="0">
+                        <a:latin typeface="Times New Roman" panose="02020603050405020304" pitchFamily="18" charset="0"/>
+                        <a:cs typeface="Times New Roman" panose="02020603050405020304" pitchFamily="18" charset="0"/>
+                      </a:endParaRPr>
+                    </a:p>
+                  </a:txBody>
+                  <a:tcPr/>
+                </a:tc>
+                <a:tc>
+                  <a:txBody>
+                    <a:bodyPr/>
+                    <a:lstStyle/>
                     <a:p>
                       <a:r>
                         <a:rPr lang="en-US" sz="1600" b="0" i="0" kern="1200" dirty="0" smtClean="0">
@@ -11389,7 +10737,32 @@
                           <a:ea typeface="+mn-ea"/>
                           <a:cs typeface="Times New Roman" panose="02020603050405020304" pitchFamily="18" charset="0"/>
                         </a:rPr>
-                        <a:t>Proxy Mobile IPv6 Dual Stack technology does not introduce more delay by expanding relevant models.</a:t>
+                        <a:t>The happy program, a simple TCP happy eyeballs probing tool, is the implementation of metric.</a:t>
+                      </a:r>
+                      <a:endParaRPr lang="en-US" sz="1600" dirty="0">
+                        <a:latin typeface="Times New Roman" panose="02020603050405020304" pitchFamily="18" charset="0"/>
+                        <a:cs typeface="Times New Roman" panose="02020603050405020304" pitchFamily="18" charset="0"/>
+                      </a:endParaRPr>
+                    </a:p>
+                  </a:txBody>
+                  <a:tcPr/>
+                </a:tc>
+                <a:tc>
+                  <a:txBody>
+                    <a:bodyPr/>
+                    <a:lstStyle/>
+                    <a:p>
+                      <a:r>
+                        <a:rPr lang="en-US" sz="1600" b="0" i="0" kern="1200" dirty="0" smtClean="0">
+                          <a:solidFill>
+                            <a:schemeClr val="dk1"/>
+                          </a:solidFill>
+                          <a:effectLst/>
+                          <a:latin typeface="Times New Roman" panose="02020603050405020304" pitchFamily="18" charset="0"/>
+                          <a:ea typeface="+mn-ea"/>
+                          <a:cs typeface="Times New Roman" panose="02020603050405020304" pitchFamily="18" charset="0"/>
+                        </a:rPr>
+                        <a:t>Connection establishment times over IPv6 were higher.</a:t>
                       </a:r>
                       <a:endParaRPr lang="en-US" sz="1600" dirty="0">
                         <a:latin typeface="Times New Roman" panose="02020603050405020304" pitchFamily="18" charset="0"/>
@@ -11407,7 +10780,7 @@
     </p:spTree>
     <p:extLst>
       <p:ext uri="{BB962C8B-B14F-4D97-AF65-F5344CB8AC3E}">
-        <p14:creationId xmlns:p14="http://schemas.microsoft.com/office/powerpoint/2010/main" val="1806910061"/>
+        <p14:creationId xmlns:p14="http://schemas.microsoft.com/office/powerpoint/2010/main" val="3568252303"/>
       </p:ext>
     </p:extLst>
   </p:cSld>
@@ -11451,7 +10824,7 @@
           <a:p>
             <a:fld id="{05229871-6294-4FDC-ADFB-03568C29F7D6}" type="datetime1">
               <a:rPr lang="en-US" smtClean="0"/>
-              <a:t>21-Sep-21</a:t>
+              <a:t>22-Sep-21</a:t>
             </a:fld>
             <a:endParaRPr lang="en-US"/>
           </a:p>
@@ -11513,13 +10886,13 @@
           <p:nvPr>
             <p:extLst>
               <p:ext uri="{D42A27DB-BD31-4B8C-83A1-F6EECF244321}">
-                <p14:modId xmlns:p14="http://schemas.microsoft.com/office/powerpoint/2010/main" val="2190733469"/>
+                <p14:modId xmlns:p14="http://schemas.microsoft.com/office/powerpoint/2010/main" val="673585164"/>
               </p:ext>
             </p:extLst>
           </p:nvPr>
         </p:nvGraphicFramePr>
         <p:xfrm>
-          <a:off x="762000" y="533400"/>
+          <a:off x="609600" y="1143000"/>
           <a:ext cx="7848600" cy="4206240"/>
         </p:xfrm>
         <a:graphic>
@@ -11926,11 +11299,17 @@
           <a:bodyPr/>
           <a:lstStyle/>
           <a:p>
-            <a:fld id="{05229871-6294-4FDC-ADFB-03568C29F7D6}" type="datetime1">
-              <a:rPr lang="en-US" smtClean="0"/>
-              <a:t>21-Sep-21</a:t>
-            </a:fld>
-            <a:endParaRPr lang="en-US"/>
+            <a:r>
+              <a:rPr lang="en-US" dirty="0" smtClean="0">
+                <a:latin typeface="Times New Roman" pitchFamily="18" charset="0"/>
+                <a:cs typeface="Times New Roman" pitchFamily="18" charset="0"/>
+              </a:rPr>
+              <a:t>17-Aug-21</a:t>
+            </a:r>
+            <a:endParaRPr lang="en-US" dirty="0">
+              <a:latin typeface="Times New Roman" pitchFamily="18" charset="0"/>
+              <a:cs typeface="Times New Roman" pitchFamily="18" charset="0"/>
+            </a:endParaRPr>
           </a:p>
         </p:txBody>
       </p:sp>
@@ -11950,10 +11329,12 @@
           <a:lstStyle/>
           <a:p>
             <a:r>
-              <a:rPr lang="en-US" smtClean="0"/>
+              <a:rPr lang="en-US" dirty="0">
+                <a:latin typeface="Times New Roman" pitchFamily="18" charset="0"/>
+                <a:cs typeface="Times New Roman" pitchFamily="18" charset="0"/>
+              </a:rPr>
               <a:t>Dept. of ECE, NMIT, Bangalore-64</a:t>
             </a:r>
-            <a:endParaRPr lang="en-US"/>
           </a:p>
         </p:txBody>
       </p:sp>
@@ -11990,14 +11371,14 @@
           <p:nvPr>
             <p:extLst>
               <p:ext uri="{D42A27DB-BD31-4B8C-83A1-F6EECF244321}">
-                <p14:modId xmlns:p14="http://schemas.microsoft.com/office/powerpoint/2010/main" val="1041524298"/>
+                <p14:modId xmlns:p14="http://schemas.microsoft.com/office/powerpoint/2010/main" val="496488101"/>
               </p:ext>
             </p:extLst>
           </p:nvPr>
         </p:nvGraphicFramePr>
         <p:xfrm>
-          <a:off x="762000" y="533400"/>
-          <a:ext cx="7848600" cy="3931920"/>
+          <a:off x="990600" y="1752600"/>
+          <a:ext cx="7391400" cy="4297680"/>
         </p:xfrm>
         <a:graphic>
           <a:graphicData uri="http://schemas.openxmlformats.org/drawingml/2006/table">
@@ -12010,7 +11391,7 @@
                 <a:gridCol w="1478280"/>
                 <a:gridCol w="1506172"/>
                 <a:gridCol w="1450388"/>
-                <a:gridCol w="1935480"/>
+                <a:gridCol w="1478280"/>
               </a:tblGrid>
               <a:tr h="655597">
                 <a:tc>
@@ -12132,7 +11513,7 @@
                         <a:defRPr/>
                       </a:pPr>
                       <a:r>
-                        <a:rPr lang="en-US" sz="1600" b="1" i="0" kern="1200" dirty="0" smtClean="0">
+                        <a:rPr lang="en-US" sz="1600" b="1" i="0" u="none" kern="1200" dirty="0" smtClean="0">
                           <a:solidFill>
                             <a:schemeClr val="dk1"/>
                           </a:solidFill>
@@ -12141,27 +11522,81 @@
                           <a:ea typeface="+mn-ea"/>
                           <a:cs typeface="Times New Roman" panose="02020603050405020304" pitchFamily="18" charset="0"/>
                         </a:rPr>
-                        <a:t>Measuring TCP connection establishment times of dual-stacked web services</a:t>
-                      </a:r>
+                        <a:t>Migration to Ipv6 from IPV4 by dual stack</a:t>
+                      </a:r>
+                      <a:endParaRPr lang="en-US" sz="1600" b="1" dirty="0">
+                        <a:latin typeface="Times New Roman" panose="02020603050405020304" pitchFamily="18" charset="0"/>
+                        <a:cs typeface="Times New Roman" panose="02020603050405020304" pitchFamily="18" charset="0"/>
+                      </a:endParaRPr>
                     </a:p>
+                  </a:txBody>
+                  <a:tcPr/>
+                </a:tc>
+                <a:tc>
+                  <a:txBody>
+                    <a:bodyPr/>
+                    <a:lstStyle/>
                     <a:p>
-                      <a:pPr marL="0" marR="0" indent="0" algn="l" defTabSz="914400" rtl="0" eaLnBrk="1" fontAlgn="auto" latinLnBrk="0" hangingPunct="1">
-                        <a:lnSpc>
-                          <a:spcPct val="100000"/>
-                        </a:lnSpc>
-                        <a:spcBef>
-                          <a:spcPts val="0"/>
-                        </a:spcBef>
-                        <a:spcAft>
-                          <a:spcPts val="0"/>
-                        </a:spcAft>
-                        <a:buClrTx/>
-                        <a:buSzTx/>
-                        <a:buFontTx/>
-                        <a:buNone/>
-                        <a:tabLst/>
-                        <a:defRPr/>
-                      </a:pPr>
+                      <a:r>
+                        <a:rPr lang="en-US" sz="1600" b="0" i="0" u="none" strike="noStrike" kern="1200" dirty="0" smtClean="0">
+                          <a:solidFill>
+                            <a:schemeClr val="dk1"/>
+                          </a:solidFill>
+                          <a:effectLst/>
+                          <a:latin typeface="Times New Roman" panose="02020603050405020304" pitchFamily="18" charset="0"/>
+                          <a:ea typeface="+mn-ea"/>
+                          <a:cs typeface="Times New Roman" panose="02020603050405020304" pitchFamily="18" charset="0"/>
+                        </a:rPr>
+                        <a:t>S. </a:t>
+                      </a:r>
+                      <a:r>
+                        <a:rPr lang="en-US" sz="1600" b="0" i="0" u="none" strike="noStrike" kern="1200" dirty="0" err="1" smtClean="0">
+                          <a:solidFill>
+                            <a:schemeClr val="dk1"/>
+                          </a:solidFill>
+                          <a:effectLst/>
+                          <a:latin typeface="Times New Roman" panose="02020603050405020304" pitchFamily="18" charset="0"/>
+                          <a:ea typeface="+mn-ea"/>
+                          <a:cs typeface="Times New Roman" panose="02020603050405020304" pitchFamily="18" charset="0"/>
+                        </a:rPr>
+                        <a:t>Aravind</a:t>
+                      </a:r>
+                      <a:r>
+                        <a:rPr lang="en-US" sz="1600" b="0" i="0" kern="1200" dirty="0" smtClean="0">
+                          <a:solidFill>
+                            <a:schemeClr val="dk1"/>
+                          </a:solidFill>
+                          <a:effectLst/>
+                          <a:latin typeface="Times New Roman" panose="02020603050405020304" pitchFamily="18" charset="0"/>
+                          <a:ea typeface="+mn-ea"/>
+                          <a:cs typeface="Times New Roman" panose="02020603050405020304" pitchFamily="18" charset="0"/>
+                        </a:rPr>
+                        <a:t>; </a:t>
+                      </a:r>
+                      <a:r>
+                        <a:rPr lang="en-US" sz="1600" b="0" i="0" u="none" strike="noStrike" kern="1200" dirty="0" smtClean="0">
+                          <a:solidFill>
+                            <a:schemeClr val="dk1"/>
+                          </a:solidFill>
+                          <a:effectLst/>
+                          <a:latin typeface="Times New Roman" panose="02020603050405020304" pitchFamily="18" charset="0"/>
+                          <a:ea typeface="+mn-ea"/>
+                          <a:cs typeface="Times New Roman" panose="02020603050405020304" pitchFamily="18" charset="0"/>
+                        </a:rPr>
+                        <a:t>G. </a:t>
+                      </a:r>
+                      <a:r>
+                        <a:rPr lang="en-US" sz="1600" b="0" i="0" u="none" strike="noStrike" kern="1200" dirty="0" err="1" smtClean="0">
+                          <a:solidFill>
+                            <a:schemeClr val="dk1"/>
+                          </a:solidFill>
+                          <a:effectLst/>
+                          <a:latin typeface="Times New Roman" panose="02020603050405020304" pitchFamily="18" charset="0"/>
+                          <a:ea typeface="+mn-ea"/>
+                          <a:cs typeface="Times New Roman" panose="02020603050405020304" pitchFamily="18" charset="0"/>
+                        </a:rPr>
+                        <a:t>Padmavathi</a:t>
+                      </a:r>
                       <a:endParaRPr lang="en-US" sz="1600" dirty="0">
                         <a:latin typeface="Times New Roman" panose="02020603050405020304" pitchFamily="18" charset="0"/>
                         <a:cs typeface="Times New Roman" panose="02020603050405020304" pitchFamily="18" charset="0"/>
@@ -12176,28 +11611,66 @@
                     <a:lstStyle/>
                     <a:p>
                       <a:r>
-                        <a:rPr lang="en-US" sz="1600" b="0" i="0" u="sng" kern="1200" dirty="0" smtClean="0">
-                          <a:solidFill>
-                            <a:schemeClr val="dk1"/>
-                          </a:solidFill>
-                          <a:effectLst/>
+                        <a:rPr lang="en-US" sz="1200" dirty="0" smtClean="0">
                           <a:latin typeface="Times New Roman" panose="02020603050405020304" pitchFamily="18" charset="0"/>
-                          <a:ea typeface="+mn-ea"/>
                           <a:cs typeface="Times New Roman" panose="02020603050405020304" pitchFamily="18" charset="0"/>
                         </a:rPr>
-                        <a:t>Vaibhav Bajpai</a:t>
-                      </a:r>
-                      <a:endParaRPr lang="en-US" sz="1600" b="0" i="0" kern="1200" dirty="0" smtClean="0">
-                        <a:solidFill>
-                          <a:schemeClr val="dk1"/>
-                        </a:solidFill>
-                        <a:effectLst/>
+                        <a:t>S. </a:t>
+                      </a:r>
+                      <a:r>
+                        <a:rPr lang="en-US" sz="1200" dirty="0" err="1" smtClean="0">
+                          <a:latin typeface="Times New Roman" panose="02020603050405020304" pitchFamily="18" charset="0"/>
+                          <a:cs typeface="Times New Roman" panose="02020603050405020304" pitchFamily="18" charset="0"/>
+                        </a:rPr>
+                        <a:t>Aravind</a:t>
+                      </a:r>
+                      <a:r>
+                        <a:rPr lang="en-US" sz="1200" dirty="0" smtClean="0">
+                          <a:latin typeface="Times New Roman" panose="02020603050405020304" pitchFamily="18" charset="0"/>
+                          <a:cs typeface="Times New Roman" panose="02020603050405020304" pitchFamily="18" charset="0"/>
+                        </a:rPr>
+                        <a:t> and G. </a:t>
+                      </a:r>
+                      <a:r>
+                        <a:rPr lang="en-US" sz="1200" dirty="0" err="1" smtClean="0">
+                          <a:latin typeface="Times New Roman" panose="02020603050405020304" pitchFamily="18" charset="0"/>
+                          <a:cs typeface="Times New Roman" panose="02020603050405020304" pitchFamily="18" charset="0"/>
+                        </a:rPr>
+                        <a:t>Padmavathi</a:t>
+                      </a:r>
+                      <a:r>
+                        <a:rPr lang="en-US" sz="1200" dirty="0" smtClean="0">
+                          <a:latin typeface="Times New Roman" panose="02020603050405020304" pitchFamily="18" charset="0"/>
+                          <a:cs typeface="Times New Roman" panose="02020603050405020304" pitchFamily="18" charset="0"/>
+                        </a:rPr>
+                        <a:t>, "Migration to Ipv6 from IPV4 by dual stack and tunneling techniques," 2015 International Conference on Smart Technologies and Management for Computing, Communication, Controls, Energy and Materials (ICSTM), 2015, pp. 107-111, doi: 10.1109/ICSTM.2015.7225398.</a:t>
+                      </a:r>
+                      <a:endParaRPr lang="en-US" sz="1200" dirty="0">
                         <a:latin typeface="Times New Roman" panose="02020603050405020304" pitchFamily="18" charset="0"/>
-                        <a:ea typeface="+mn-ea"/>
                         <a:cs typeface="Times New Roman" panose="02020603050405020304" pitchFamily="18" charset="0"/>
                       </a:endParaRPr>
                     </a:p>
+                  </a:txBody>
+                  <a:tcPr/>
+                </a:tc>
+                <a:tc>
+                  <a:txBody>
+                    <a:bodyPr/>
+                    <a:lstStyle/>
                     <a:p>
+                      <a:r>
+                        <a:rPr lang="en-US" sz="1600" dirty="0" smtClean="0">
+                          <a:latin typeface="Times New Roman" panose="02020603050405020304" pitchFamily="18" charset="0"/>
+                          <a:cs typeface="Times New Roman" panose="02020603050405020304" pitchFamily="18" charset="0"/>
+                        </a:rPr>
+                        <a:t>Dual Stack Protocol</a:t>
+                      </a:r>
+                      <a:br>
+                        <a:rPr lang="en-US" sz="1600" dirty="0" smtClean="0">
+                          <a:latin typeface="Times New Roman" panose="02020603050405020304" pitchFamily="18" charset="0"/>
+                          <a:cs typeface="Times New Roman" panose="02020603050405020304" pitchFamily="18" charset="0"/>
+                        </a:rPr>
+                      </a:br>
                       <a:r>
                         <a:rPr lang="en-US" sz="1600" b="0" i="0" kern="1200" dirty="0" smtClean="0">
                           <a:solidFill>
@@ -12208,19 +11681,7 @@
                           <a:ea typeface="+mn-ea"/>
                           <a:cs typeface="Times New Roman" panose="02020603050405020304" pitchFamily="18" charset="0"/>
                         </a:rPr>
-                        <a:t>; </a:t>
-                      </a:r>
-                      <a:r>
-                        <a:rPr lang="en-US" sz="1600" b="0" i="0" u="none" strike="noStrike" kern="1200" dirty="0" smtClean="0">
-                          <a:solidFill>
-                            <a:schemeClr val="dk1"/>
-                          </a:solidFill>
-                          <a:effectLst/>
-                          <a:latin typeface="Times New Roman" panose="02020603050405020304" pitchFamily="18" charset="0"/>
-                          <a:ea typeface="+mn-ea"/>
-                          <a:cs typeface="Times New Roman" panose="02020603050405020304" pitchFamily="18" charset="0"/>
-                        </a:rPr>
-                        <a:t>Jürgen Schönwälder</a:t>
+                        <a:t> - transferring of data from IPv4 network to IPv6 network in both static and dynamic routing</a:t>
                       </a:r>
                       <a:endParaRPr lang="en-US" sz="1600" dirty="0">
                         <a:latin typeface="Times New Roman" panose="02020603050405020304" pitchFamily="18" charset="0"/>
@@ -12236,25 +11697,17 @@
                     <a:lstStyle/>
                     <a:p>
                       <a:r>
-                        <a:rPr lang="en-US" sz="1200" dirty="0" smtClean="0">
+                        <a:rPr lang="en-US" sz="1800" b="0" i="0" kern="1200" dirty="0" smtClean="0">
+                          <a:solidFill>
+                            <a:schemeClr val="dk1"/>
+                          </a:solidFill>
+                          <a:effectLst/>
                           <a:latin typeface="Times New Roman" panose="02020603050405020304" pitchFamily="18" charset="0"/>
+                          <a:ea typeface="+mn-ea"/>
                           <a:cs typeface="Times New Roman" panose="02020603050405020304" pitchFamily="18" charset="0"/>
                         </a:rPr>
-                        <a:t>V. Bajpai and J. Schönwälder, "Measuring TCP connection establishment times of dual-stacked web services," Proceedings of the 9th International Conference on Network and Service Management (CNSM 2013), 2013, pp. 130-133, doi: 10.1109/CNSM.2013.6727822.</a:t>
-                      </a:r>
-                      <a:endParaRPr lang="en-US" sz="1200" dirty="0">
-                        <a:latin typeface="Times New Roman" panose="02020603050405020304" pitchFamily="18" charset="0"/>
-                        <a:cs typeface="Times New Roman" panose="02020603050405020304" pitchFamily="18" charset="0"/>
-                      </a:endParaRPr>
-                    </a:p>
-                  </a:txBody>
-                  <a:tcPr/>
-                </a:tc>
-                <a:tc>
-                  <a:txBody>
-                    <a:bodyPr/>
-                    <a:lstStyle/>
-                    <a:p>
+                        <a:t> </a:t>
+                      </a:r>
                       <a:r>
                         <a:rPr lang="en-US" sz="1600" b="0" i="0" kern="1200" dirty="0" smtClean="0">
                           <a:solidFill>
@@ -12265,32 +11718,7 @@
                           <a:ea typeface="+mn-ea"/>
                           <a:cs typeface="Times New Roman" panose="02020603050405020304" pitchFamily="18" charset="0"/>
                         </a:rPr>
-                        <a:t>The happy program, a simple TCP happy eyeballs probing tool, is the implementation of metric.</a:t>
-                      </a:r>
-                      <a:endParaRPr lang="en-US" sz="1600" dirty="0">
-                        <a:latin typeface="Times New Roman" panose="02020603050405020304" pitchFamily="18" charset="0"/>
-                        <a:cs typeface="Times New Roman" panose="02020603050405020304" pitchFamily="18" charset="0"/>
-                      </a:endParaRPr>
-                    </a:p>
-                  </a:txBody>
-                  <a:tcPr/>
-                </a:tc>
-                <a:tc>
-                  <a:txBody>
-                    <a:bodyPr/>
-                    <a:lstStyle/>
-                    <a:p>
-                      <a:r>
-                        <a:rPr lang="en-US" sz="1600" b="0" i="0" kern="1200" dirty="0" smtClean="0">
-                          <a:solidFill>
-                            <a:schemeClr val="dk1"/>
-                          </a:solidFill>
-                          <a:effectLst/>
-                          <a:latin typeface="Times New Roman" panose="02020603050405020304" pitchFamily="18" charset="0"/>
-                          <a:ea typeface="+mn-ea"/>
-                          <a:cs typeface="Times New Roman" panose="02020603050405020304" pitchFamily="18" charset="0"/>
-                        </a:rPr>
-                        <a:t>Connection establishment times over IPv6 were higher.</a:t>
+                        <a:t>Dynamic IPv4 has least minimum &amp; average round trip delay and Dynamic IPv6 has least maximum round trip delay. </a:t>
                       </a:r>
                       <a:endParaRPr lang="en-US" sz="1600" dirty="0">
                         <a:latin typeface="Times New Roman" panose="02020603050405020304" pitchFamily="18" charset="0"/>
@@ -12308,13 +11736,20 @@
     </p:spTree>
     <p:extLst>
       <p:ext uri="{BB962C8B-B14F-4D97-AF65-F5344CB8AC3E}">
-        <p14:creationId xmlns:p14="http://schemas.microsoft.com/office/powerpoint/2010/main" val="3568252303"/>
+        <p14:creationId xmlns:p14="http://schemas.microsoft.com/office/powerpoint/2010/main" val="4182899405"/>
       </p:ext>
     </p:extLst>
   </p:cSld>
   <p:clrMapOvr>
     <a:masterClrMapping/>
   </p:clrMapOvr>
+  <p:timing>
+    <p:tnLst>
+      <p:par>
+        <p:cTn id="1" dur="indefinite" restart="never" nodeType="tmRoot"/>
+      </p:par>
+    </p:tnLst>
+  </p:timing>
 </p:sld>
 </file>
 
@@ -12352,7 +11787,7 @@
           <a:p>
             <a:fld id="{05229871-6294-4FDC-ADFB-03568C29F7D6}" type="datetime1">
               <a:rPr lang="en-US" smtClean="0"/>
-              <a:t>21-Sep-21</a:t>
+              <a:t>22-Sep-21</a:t>
             </a:fld>
             <a:endParaRPr lang="en-US"/>
           </a:p>

--- a/Official Documents/Project Batch 16 phase1.pptx
+++ b/Official Documents/Project Batch 16 phase1.pptx
@@ -22,10 +22,10 @@
     <p:sldId id="279" r:id="rId10"/>
     <p:sldId id="275" r:id="rId11"/>
     <p:sldId id="283" r:id="rId12"/>
-    <p:sldId id="259" r:id="rId13"/>
-    <p:sldId id="281" r:id="rId14"/>
-    <p:sldId id="273" r:id="rId15"/>
-    <p:sldId id="282" r:id="rId16"/>
+    <p:sldId id="282" r:id="rId13"/>
+    <p:sldId id="259" r:id="rId14"/>
+    <p:sldId id="281" r:id="rId15"/>
+    <p:sldId id="273" r:id="rId16"/>
     <p:sldId id="264" r:id="rId17"/>
     <p:sldId id="284" r:id="rId18"/>
   </p:sldIdLst>
@@ -949,14 +949,14 @@
           <a:bodyPr/>
           <a:lstStyle/>
           <a:p>
-            <a:endParaRPr lang="en-US" dirty="0"/>
+            <a:endParaRPr lang="en-US"/>
           </a:p>
         </p:txBody>
       </p:sp>
     </p:spTree>
     <p:extLst>
       <p:ext uri="{BB962C8B-B14F-4D97-AF65-F5344CB8AC3E}">
-        <p14:creationId xmlns:p14="http://schemas.microsoft.com/office/powerpoint/2010/main" val="1352353688"/>
+        <p14:creationId xmlns:p14="http://schemas.microsoft.com/office/powerpoint/2010/main" val="290688505"/>
       </p:ext>
     </p:extLst>
   </p:cSld>
@@ -1010,14 +1010,14 @@
           <a:bodyPr/>
           <a:lstStyle/>
           <a:p>
-            <a:endParaRPr lang="en-US"/>
+            <a:endParaRPr lang="en-US" dirty="0"/>
           </a:p>
         </p:txBody>
       </p:sp>
     </p:spTree>
     <p:extLst>
       <p:ext uri="{BB962C8B-B14F-4D97-AF65-F5344CB8AC3E}">
-        <p14:creationId xmlns:p14="http://schemas.microsoft.com/office/powerpoint/2010/main" val="290688505"/>
+        <p14:creationId xmlns:p14="http://schemas.microsoft.com/office/powerpoint/2010/main" val="1352353688"/>
       </p:ext>
     </p:extLst>
   </p:cSld>
@@ -5759,7 +5759,7 @@
         </p:spPr>
         <p:txBody>
           <a:bodyPr>
-            <a:noAutofit/>
+            <a:normAutofit/>
           </a:bodyPr>
           <a:lstStyle/>
           <a:p>
@@ -5768,25 +5768,235 @@
                 <a:solidFill>
                   <a:schemeClr val="bg1"/>
                 </a:solidFill>
+                <a:latin typeface="Times New Roman" pitchFamily="18" charset="0"/>
+                <a:cs typeface="Times New Roman" pitchFamily="18" charset="0"/>
+              </a:rPr>
+              <a:t>Project Objectives</a:t>
+            </a:r>
+          </a:p>
+        </p:txBody>
+      </p:sp>
+      <p:sp>
+        <p:nvSpPr>
+          <p:cNvPr id="3" name="Content Placeholder 2"/>
+          <p:cNvSpPr>
+            <a:spLocks noGrp="1"/>
+          </p:cNvSpPr>
+          <p:nvPr>
+            <p:ph idx="1"/>
+          </p:nvPr>
+        </p:nvSpPr>
+        <p:spPr>
+          <a:xfrm>
+            <a:off x="457200" y="1600200"/>
+            <a:ext cx="8229600" cy="4343400"/>
+          </a:xfrm>
+        </p:spPr>
+        <p:txBody>
+          <a:bodyPr>
+            <a:normAutofit/>
+          </a:bodyPr>
+          <a:lstStyle/>
+          <a:p>
+            <a:pPr marL="0" indent="0">
+              <a:buNone/>
+            </a:pPr>
+            <a:r>
+              <a:rPr lang="en-US" sz="2000" dirty="0">
                 <a:latin typeface="Times New Roman" panose="02020603050405020304" pitchFamily="18" charset="0"/>
+                <a:cs typeface="Times New Roman" pitchFamily="18" charset="0"/>
+              </a:rPr>
+              <a:t>The following are the proposed objectives of the project based on the </a:t>
+            </a:r>
+            <a:r>
+              <a:rPr lang="en-US" sz="2000" dirty="0" smtClean="0">
+                <a:latin typeface="Times New Roman" panose="02020603050405020304" pitchFamily="18" charset="0"/>
+                <a:cs typeface="Times New Roman" pitchFamily="18" charset="0"/>
+              </a:rPr>
+              <a:t>research:</a:t>
+            </a:r>
+            <a:endParaRPr lang="en-US" sz="2000" dirty="0">
+              <a:latin typeface="Times New Roman" panose="02020603050405020304" pitchFamily="18" charset="0"/>
+              <a:cs typeface="Times New Roman" pitchFamily="18" charset="0"/>
+            </a:endParaRPr>
+          </a:p>
+          <a:p>
+            <a:pPr marL="0" indent="0">
+              <a:lnSpc>
+                <a:spcPct val="150000"/>
+              </a:lnSpc>
+              <a:spcAft>
+                <a:spcPts val="1000"/>
+              </a:spcAft>
+              <a:buNone/>
+            </a:pPr>
+            <a:endParaRPr lang="en-US" sz="1600" dirty="0">
+              <a:latin typeface="Times New Roman" panose="02020603050405020304" pitchFamily="18" charset="0"/>
+              <a:ea typeface="Calibri" panose="020F0502020204030204" pitchFamily="34" charset="0"/>
+              <a:cs typeface="Times New Roman" panose="02020603050405020304" pitchFamily="18" charset="0"/>
+            </a:endParaRPr>
+          </a:p>
+          <a:p>
+            <a:pPr>
+              <a:lnSpc>
+                <a:spcPct val="150000"/>
+              </a:lnSpc>
+              <a:spcAft>
+                <a:spcPts val="1000"/>
+              </a:spcAft>
+            </a:pPr>
+            <a:r>
+              <a:rPr lang="en-US" sz="1600" dirty="0" smtClean="0">
+                <a:latin typeface="Times New Roman" panose="02020603050405020304" pitchFamily="18" charset="0"/>
+                <a:ea typeface="Calibri" panose="020F0502020204030204" pitchFamily="34" charset="0"/>
                 <a:cs typeface="Times New Roman" panose="02020603050405020304" pitchFamily="18" charset="0"/>
               </a:rPr>
-              <a:t>Basic </a:t>
-            </a:r>
-            <a:r>
-              <a:rPr lang="en-US" sz="3600" b="1" dirty="0" smtClean="0">
-                <a:solidFill>
-                  <a:schemeClr val="bg1"/>
-                </a:solidFill>
+              <a:t>To </a:t>
+            </a:r>
+            <a:r>
+              <a:rPr lang="en-US" sz="1600" dirty="0" smtClean="0">
+                <a:effectLst/>
                 <a:latin typeface="Times New Roman" panose="02020603050405020304" pitchFamily="18" charset="0"/>
+                <a:ea typeface="Calibri" panose="020F0502020204030204" pitchFamily="34" charset="0"/>
                 <a:cs typeface="Times New Roman" panose="02020603050405020304" pitchFamily="18" charset="0"/>
               </a:rPr>
-              <a:t>Architecture</a:t>
-            </a:r>
-            <a:endParaRPr lang="en-US" sz="3600" b="1" dirty="0">
-              <a:solidFill>
-                <a:schemeClr val="bg1"/>
-              </a:solidFill>
+              <a:t>Implement  </a:t>
+            </a:r>
+            <a:r>
+              <a:rPr lang="en-US" sz="1600" dirty="0">
+                <a:effectLst/>
+                <a:latin typeface="Times New Roman" panose="02020603050405020304" pitchFamily="18" charset="0"/>
+                <a:ea typeface="Calibri" panose="020F0502020204030204" pitchFamily="34" charset="0"/>
+                <a:cs typeface="Times New Roman" panose="02020603050405020304" pitchFamily="18" charset="0"/>
+              </a:rPr>
+              <a:t>client server </a:t>
+            </a:r>
+            <a:r>
+              <a:rPr lang="en-US" sz="1600" dirty="0" smtClean="0">
+                <a:effectLst/>
+                <a:latin typeface="Times New Roman" panose="02020603050405020304" pitchFamily="18" charset="0"/>
+                <a:ea typeface="Calibri" panose="020F0502020204030204" pitchFamily="34" charset="0"/>
+                <a:cs typeface="Times New Roman" panose="02020603050405020304" pitchFamily="18" charset="0"/>
+              </a:rPr>
+              <a:t>communication between dual stack host and IPv4 only host</a:t>
+            </a:r>
+          </a:p>
+          <a:p>
+            <a:pPr>
+              <a:lnSpc>
+                <a:spcPct val="150000"/>
+              </a:lnSpc>
+              <a:spcAft>
+                <a:spcPts val="1000"/>
+              </a:spcAft>
+            </a:pPr>
+            <a:r>
+              <a:rPr lang="en-US" sz="1600" dirty="0">
+                <a:latin typeface="Times New Roman" panose="02020603050405020304" pitchFamily="18" charset="0"/>
+                <a:ea typeface="Calibri" panose="020F0502020204030204" pitchFamily="34" charset="0"/>
+                <a:cs typeface="Times New Roman" panose="02020603050405020304" pitchFamily="18" charset="0"/>
+              </a:rPr>
+              <a:t>To Implement  client server communication between dual stack host and </a:t>
+            </a:r>
+            <a:r>
+              <a:rPr lang="en-US" sz="1600" dirty="0" smtClean="0">
+                <a:latin typeface="Times New Roman" panose="02020603050405020304" pitchFamily="18" charset="0"/>
+                <a:ea typeface="Calibri" panose="020F0502020204030204" pitchFamily="34" charset="0"/>
+                <a:cs typeface="Times New Roman" panose="02020603050405020304" pitchFamily="18" charset="0"/>
+              </a:rPr>
+              <a:t>IPv6 </a:t>
+            </a:r>
+            <a:r>
+              <a:rPr lang="en-US" sz="1600" dirty="0">
+                <a:latin typeface="Times New Roman" panose="02020603050405020304" pitchFamily="18" charset="0"/>
+                <a:ea typeface="Calibri" panose="020F0502020204030204" pitchFamily="34" charset="0"/>
+                <a:cs typeface="Times New Roman" panose="02020603050405020304" pitchFamily="18" charset="0"/>
+              </a:rPr>
+              <a:t>only host</a:t>
+            </a:r>
+            <a:endParaRPr lang="en-IN" sz="1600" dirty="0">
+              <a:latin typeface="Times New Roman" panose="02020603050405020304" pitchFamily="18" charset="0"/>
+              <a:ea typeface="Calibri" panose="020F0502020204030204" pitchFamily="34" charset="0"/>
+              <a:cs typeface="Times New Roman" panose="02020603050405020304" pitchFamily="18" charset="0"/>
+            </a:endParaRPr>
+          </a:p>
+          <a:p>
+            <a:pPr>
+              <a:lnSpc>
+                <a:spcPct val="150000"/>
+              </a:lnSpc>
+              <a:spcAft>
+                <a:spcPts val="1000"/>
+              </a:spcAft>
+            </a:pPr>
+            <a:r>
+              <a:rPr lang="en-IN" sz="1600" dirty="0" smtClean="0">
+                <a:effectLst/>
+                <a:latin typeface="Times New Roman" panose="02020603050405020304" pitchFamily="18" charset="0"/>
+                <a:ea typeface="Calibri" panose="020F0502020204030204" pitchFamily="34" charset="0"/>
+                <a:cs typeface="Times New Roman" panose="02020603050405020304" pitchFamily="18" charset="0"/>
+              </a:rPr>
+              <a:t>To implement both of above simultaneously </a:t>
+            </a:r>
+            <a:endParaRPr lang="en-IN" sz="1600" dirty="0">
+              <a:effectLst/>
+              <a:latin typeface="Times New Roman" panose="02020603050405020304" pitchFamily="18" charset="0"/>
+              <a:ea typeface="Calibri" panose="020F0502020204030204" pitchFamily="34" charset="0"/>
+              <a:cs typeface="Times New Roman" panose="02020603050405020304" pitchFamily="18" charset="0"/>
+            </a:endParaRPr>
+          </a:p>
+          <a:p>
+            <a:pPr>
+              <a:lnSpc>
+                <a:spcPct val="150000"/>
+              </a:lnSpc>
+              <a:spcAft>
+                <a:spcPts val="1000"/>
+              </a:spcAft>
+            </a:pPr>
+            <a:r>
+              <a:rPr lang="en-US" sz="1600" dirty="0" smtClean="0">
+                <a:effectLst/>
+                <a:latin typeface="Times New Roman" panose="02020603050405020304" pitchFamily="18" charset="0"/>
+                <a:ea typeface="Calibri" panose="020F0502020204030204" pitchFamily="34" charset="0"/>
+                <a:cs typeface="Times New Roman" panose="02020603050405020304" pitchFamily="18" charset="0"/>
+              </a:rPr>
+              <a:t>To implement Seminar hall booking application (Dual stack host and IPv4 only host)</a:t>
+            </a:r>
+            <a:r>
+              <a:rPr lang="en-US" sz="1600" dirty="0">
+                <a:effectLst/>
+                <a:latin typeface="Times New Roman" panose="02020603050405020304" pitchFamily="18" charset="0"/>
+                <a:ea typeface="Calibri" panose="020F0502020204030204" pitchFamily="34" charset="0"/>
+                <a:cs typeface="Times New Roman" panose="02020603050405020304" pitchFamily="18" charset="0"/>
+              </a:rPr>
+              <a:t> </a:t>
+            </a:r>
+            <a:endParaRPr lang="en-IN" sz="1600" dirty="0">
+              <a:latin typeface="Times New Roman" panose="02020603050405020304" pitchFamily="18" charset="0"/>
+              <a:ea typeface="Calibri" panose="020F0502020204030204" pitchFamily="34" charset="0"/>
+              <a:cs typeface="Times New Roman" panose="02020603050405020304" pitchFamily="18" charset="0"/>
+            </a:endParaRPr>
+          </a:p>
+          <a:p>
+            <a:pPr>
+              <a:lnSpc>
+                <a:spcPct val="150000"/>
+              </a:lnSpc>
+              <a:spcAft>
+                <a:spcPts val="1000"/>
+              </a:spcAft>
+            </a:pPr>
+            <a:r>
+              <a:rPr lang="en-US" sz="1600" dirty="0" smtClean="0">
+                <a:effectLst/>
+                <a:latin typeface="Times New Roman" panose="02020603050405020304" pitchFamily="18" charset="0"/>
+                <a:ea typeface="Calibri" panose="020F0502020204030204" pitchFamily="34" charset="0"/>
+                <a:cs typeface="Times New Roman" panose="02020603050405020304" pitchFamily="18" charset="0"/>
+              </a:rPr>
+              <a:t>To implement IP IVR system(Dual stack host and IPv6 only host)</a:t>
+            </a:r>
+            <a:endParaRPr lang="en-US" sz="1600" dirty="0">
               <a:latin typeface="Times New Roman" pitchFamily="18" charset="0"/>
               <a:cs typeface="Times New Roman" pitchFamily="18" charset="0"/>
             </a:endParaRPr>
@@ -5867,254 +6077,14 @@
               <a:pPr/>
               <a:t>12</a:t>
             </a:fld>
-            <a:endParaRPr lang="en-US" dirty="0"/>
-          </a:p>
-        </p:txBody>
-      </p:sp>
-      <p:sp>
-        <p:nvSpPr>
-          <p:cNvPr id="7" name="Content Placeholder 6"/>
-          <p:cNvSpPr>
-            <a:spLocks noGrp="1"/>
-          </p:cNvSpPr>
-          <p:nvPr>
-            <p:ph idx="1"/>
-          </p:nvPr>
-        </p:nvSpPr>
-        <p:spPr>
-          <a:xfrm>
-            <a:off x="457200" y="1600200"/>
-            <a:ext cx="8229600" cy="4756150"/>
-          </a:xfrm>
-        </p:spPr>
-        <p:txBody>
-          <a:bodyPr>
-            <a:normAutofit/>
-          </a:bodyPr>
-          <a:lstStyle/>
-          <a:p>
-            <a:r>
-              <a:rPr lang="en-US" sz="1600" dirty="0" smtClean="0">
-                <a:latin typeface="Times New Roman" panose="02020603050405020304" pitchFamily="18" charset="0"/>
-                <a:cs typeface="Times New Roman" panose="02020603050405020304" pitchFamily="18" charset="0"/>
-              </a:rPr>
-              <a:t>Three Hosts on </a:t>
-            </a:r>
-            <a:r>
-              <a:rPr lang="en-US" sz="1600" dirty="0" smtClean="0">
-                <a:latin typeface="Times New Roman" panose="02020603050405020304" pitchFamily="18" charset="0"/>
-                <a:cs typeface="Times New Roman" panose="02020603050405020304" pitchFamily="18" charset="0"/>
-              </a:rPr>
-              <a:t>LAN </a:t>
-            </a:r>
-          </a:p>
-          <a:p>
-            <a:pPr lvl="1"/>
-            <a:r>
-              <a:rPr lang="en-US" sz="1600" dirty="0" smtClean="0">
-                <a:latin typeface="Times New Roman" panose="02020603050405020304" pitchFamily="18" charset="0"/>
-                <a:cs typeface="Times New Roman" panose="02020603050405020304" pitchFamily="18" charset="0"/>
-              </a:rPr>
-              <a:t>Host1  </a:t>
-            </a:r>
-            <a:r>
-              <a:rPr lang="en-IN" sz="1600" dirty="0">
-                <a:latin typeface="Times New Roman" panose="02020603050405020304" pitchFamily="18" charset="0"/>
-                <a:cs typeface="Times New Roman" panose="02020603050405020304" pitchFamily="18" charset="0"/>
-              </a:rPr>
-              <a:t>IPv4/IPv6 (LAN interface should have both IPv4 and IPv6 addresses)</a:t>
-            </a:r>
-            <a:endParaRPr lang="en-US" sz="1600" dirty="0">
-              <a:latin typeface="Times New Roman" panose="02020603050405020304" pitchFamily="18" charset="0"/>
-              <a:cs typeface="Times New Roman" panose="02020603050405020304" pitchFamily="18" charset="0"/>
-            </a:endParaRPr>
-          </a:p>
-          <a:p>
-            <a:pPr lvl="1"/>
-            <a:r>
-              <a:rPr lang="en-IN" sz="1600" dirty="0">
-                <a:latin typeface="Times New Roman" panose="02020603050405020304" pitchFamily="18" charset="0"/>
-                <a:cs typeface="Times New Roman" panose="02020603050405020304" pitchFamily="18" charset="0"/>
-              </a:rPr>
-              <a:t>Host 2 IPv4</a:t>
-            </a:r>
-            <a:endParaRPr lang="en-US" sz="1600" dirty="0">
-              <a:latin typeface="Times New Roman" panose="02020603050405020304" pitchFamily="18" charset="0"/>
-              <a:cs typeface="Times New Roman" panose="02020603050405020304" pitchFamily="18" charset="0"/>
-            </a:endParaRPr>
-          </a:p>
-          <a:p>
-            <a:pPr lvl="1"/>
-            <a:r>
-              <a:rPr lang="en-IN" sz="1600" dirty="0">
-                <a:latin typeface="Times New Roman" panose="02020603050405020304" pitchFamily="18" charset="0"/>
-                <a:cs typeface="Times New Roman" panose="02020603050405020304" pitchFamily="18" charset="0"/>
-              </a:rPr>
-              <a:t>Host 3 </a:t>
-            </a:r>
-            <a:r>
-              <a:rPr lang="en-IN" sz="1600" dirty="0" smtClean="0">
-                <a:latin typeface="Times New Roman" panose="02020603050405020304" pitchFamily="18" charset="0"/>
-                <a:cs typeface="Times New Roman" panose="02020603050405020304" pitchFamily="18" charset="0"/>
-              </a:rPr>
-              <a:t>IPv6</a:t>
-            </a:r>
-            <a:endParaRPr lang="en-US" sz="1600" dirty="0">
-              <a:latin typeface="Times New Roman" panose="02020603050405020304" pitchFamily="18" charset="0"/>
-              <a:cs typeface="Times New Roman" panose="02020603050405020304" pitchFamily="18" charset="0"/>
-            </a:endParaRPr>
-          </a:p>
-          <a:p>
-            <a:r>
-              <a:rPr lang="en-IN" sz="1600" dirty="0">
-                <a:latin typeface="Times New Roman" panose="02020603050405020304" pitchFamily="18" charset="0"/>
-                <a:cs typeface="Times New Roman" panose="02020603050405020304" pitchFamily="18" charset="0"/>
-              </a:rPr>
-              <a:t>H</a:t>
-            </a:r>
-            <a:r>
-              <a:rPr lang="en-IN" sz="1600" dirty="0" smtClean="0">
-                <a:latin typeface="Times New Roman" panose="02020603050405020304" pitchFamily="18" charset="0"/>
-                <a:cs typeface="Times New Roman" panose="02020603050405020304" pitchFamily="18" charset="0"/>
-              </a:rPr>
-              <a:t>ost </a:t>
-            </a:r>
-            <a:r>
-              <a:rPr lang="en-IN" sz="1600" dirty="0">
-                <a:latin typeface="Times New Roman" panose="02020603050405020304" pitchFamily="18" charset="0"/>
-                <a:cs typeface="Times New Roman" panose="02020603050405020304" pitchFamily="18" charset="0"/>
-              </a:rPr>
-              <a:t>1  -</a:t>
-            </a:r>
-            <a:endParaRPr lang="en-US" sz="1600" dirty="0">
-              <a:latin typeface="Times New Roman" panose="02020603050405020304" pitchFamily="18" charset="0"/>
-              <a:cs typeface="Times New Roman" panose="02020603050405020304" pitchFamily="18" charset="0"/>
-            </a:endParaRPr>
-          </a:p>
-          <a:p>
-            <a:pPr lvl="1"/>
-            <a:r>
-              <a:rPr lang="en-IN" sz="1600" dirty="0">
-                <a:latin typeface="Times New Roman" panose="02020603050405020304" pitchFamily="18" charset="0"/>
-                <a:cs typeface="Times New Roman" panose="02020603050405020304" pitchFamily="18" charset="0"/>
-              </a:rPr>
-              <a:t>One server for NMIT seminar hall booking application (using IPv4</a:t>
-            </a:r>
-            <a:r>
-              <a:rPr lang="en-IN" sz="1600" dirty="0" smtClean="0">
-                <a:latin typeface="Times New Roman" panose="02020603050405020304" pitchFamily="18" charset="0"/>
-                <a:cs typeface="Times New Roman" panose="02020603050405020304" pitchFamily="18" charset="0"/>
-              </a:rPr>
-              <a:t>)</a:t>
-            </a:r>
-          </a:p>
-          <a:p>
-            <a:pPr lvl="1"/>
-            <a:r>
-              <a:rPr lang="en-IN" sz="1600" dirty="0">
-                <a:latin typeface="Times New Roman" panose="02020603050405020304" pitchFamily="18" charset="0"/>
-                <a:cs typeface="Times New Roman" panose="02020603050405020304" pitchFamily="18" charset="0"/>
-              </a:rPr>
-              <a:t>Second server for application -  NMIT IP IVR (interactive voice response) system (using IPv6)</a:t>
-            </a:r>
-          </a:p>
-          <a:p>
-            <a:pPr lvl="1"/>
-            <a:r>
-              <a:rPr lang="en-IN" sz="1600" dirty="0">
-                <a:latin typeface="Times New Roman" panose="02020603050405020304" pitchFamily="18" charset="0"/>
-                <a:cs typeface="Times New Roman" panose="02020603050405020304" pitchFamily="18" charset="0"/>
-              </a:rPr>
-              <a:t>Both servers will be running at the same time</a:t>
-            </a:r>
-          </a:p>
-          <a:p>
-            <a:r>
-              <a:rPr lang="en-IN" sz="1600" dirty="0">
-                <a:latin typeface="Times New Roman" panose="02020603050405020304" pitchFamily="18" charset="0"/>
-                <a:cs typeface="Times New Roman" panose="02020603050405020304" pitchFamily="18" charset="0"/>
-              </a:rPr>
-              <a:t>Host 2 </a:t>
-            </a:r>
-          </a:p>
-          <a:p>
-            <a:pPr lvl="1"/>
-            <a:r>
-              <a:rPr lang="en-IN" sz="1600" dirty="0">
-                <a:latin typeface="Times New Roman" panose="02020603050405020304" pitchFamily="18" charset="0"/>
-                <a:cs typeface="Times New Roman" panose="02020603050405020304" pitchFamily="18" charset="0"/>
-              </a:rPr>
-              <a:t>One client for NMIT seminar hall booking application (using IPv4)</a:t>
-            </a:r>
-            <a:endParaRPr lang="en-US" sz="1600" dirty="0">
-              <a:latin typeface="Times New Roman" panose="02020603050405020304" pitchFamily="18" charset="0"/>
-              <a:cs typeface="Times New Roman" panose="02020603050405020304" pitchFamily="18" charset="0"/>
-            </a:endParaRPr>
-          </a:p>
-          <a:p>
-            <a:r>
-              <a:rPr lang="en-IN" sz="1600" dirty="0">
-                <a:latin typeface="Times New Roman" panose="02020603050405020304" pitchFamily="18" charset="0"/>
-                <a:cs typeface="Times New Roman" panose="02020603050405020304" pitchFamily="18" charset="0"/>
-              </a:rPr>
-              <a:t>Host 3 </a:t>
-            </a:r>
-          </a:p>
-          <a:p>
-            <a:pPr lvl="1"/>
-            <a:r>
-              <a:rPr lang="en-IN" sz="1600" dirty="0">
-                <a:latin typeface="Times New Roman" panose="02020603050405020304" pitchFamily="18" charset="0"/>
-                <a:cs typeface="Times New Roman" panose="02020603050405020304" pitchFamily="18" charset="0"/>
-              </a:rPr>
-              <a:t>One client for application - NMIT IP IVR(interactive voice response)  system (using </a:t>
-            </a:r>
-            <a:r>
-              <a:rPr lang="en-IN" sz="1600" dirty="0" smtClean="0">
-                <a:latin typeface="Times New Roman" panose="02020603050405020304" pitchFamily="18" charset="0"/>
-                <a:cs typeface="Times New Roman" panose="02020603050405020304" pitchFamily="18" charset="0"/>
-              </a:rPr>
-              <a:t>IPv6)</a:t>
-            </a:r>
-          </a:p>
-          <a:p>
-            <a:pPr marL="457200" lvl="1" indent="0">
-              <a:buNone/>
-            </a:pPr>
-            <a:endParaRPr lang="en-US" sz="1600" dirty="0">
-              <a:latin typeface="Times New Roman" panose="02020603050405020304" pitchFamily="18" charset="0"/>
-              <a:cs typeface="Times New Roman" panose="02020603050405020304" pitchFamily="18" charset="0"/>
-            </a:endParaRPr>
-          </a:p>
-          <a:p>
-            <a:pPr marL="457200" lvl="1" indent="0">
-              <a:buNone/>
-            </a:pPr>
-            <a:r>
-              <a:rPr lang="en-US" sz="1600" b="1" u="sng" dirty="0" smtClean="0">
-                <a:latin typeface="Times New Roman" panose="02020603050405020304" pitchFamily="18" charset="0"/>
-                <a:cs typeface="Times New Roman" panose="02020603050405020304" pitchFamily="18" charset="0"/>
-              </a:rPr>
-              <a:t>Note</a:t>
-            </a:r>
-            <a:r>
-              <a:rPr lang="en-US" sz="1600" dirty="0" smtClean="0">
-                <a:latin typeface="Times New Roman" panose="02020603050405020304" pitchFamily="18" charset="0"/>
-                <a:cs typeface="Times New Roman" panose="02020603050405020304" pitchFamily="18" charset="0"/>
-              </a:rPr>
-              <a:t>: Works for Wan Also</a:t>
-            </a:r>
-            <a:endParaRPr lang="en-IN" sz="1600" dirty="0" smtClean="0">
-              <a:latin typeface="Times New Roman" panose="02020603050405020304" pitchFamily="18" charset="0"/>
-              <a:cs typeface="Times New Roman" panose="02020603050405020304" pitchFamily="18" charset="0"/>
-            </a:endParaRPr>
+            <a:endParaRPr lang="en-US"/>
           </a:p>
         </p:txBody>
       </p:sp>
     </p:spTree>
     <p:extLst>
       <p:ext uri="{BB962C8B-B14F-4D97-AF65-F5344CB8AC3E}">
-        <p14:creationId xmlns:p14="http://schemas.microsoft.com/office/powerpoint/2010/main" val="4182899405"/>
+        <p14:creationId xmlns:p14="http://schemas.microsoft.com/office/powerpoint/2010/main" val="2690854905"/>
       </p:ext>
     </p:extLst>
   </p:cSld>
@@ -6150,183 +6120,15 @@
       </p:grpSpPr>
       <p:sp>
         <p:nvSpPr>
-          <p:cNvPr id="3" name="Content Placeholder 2"/>
-          <p:cNvSpPr>
-            <a:spLocks noGrp="1"/>
-          </p:cNvSpPr>
-          <p:nvPr>
-            <p:ph idx="1"/>
+          <p:cNvPr id="2" name="Title 1"/>
+          <p:cNvSpPr>
+            <a:spLocks noGrp="1"/>
+          </p:cNvSpPr>
+          <p:nvPr>
+            <p:ph type="title"/>
           </p:nvPr>
         </p:nvSpPr>
         <p:spPr>
-          <a:xfrm>
-            <a:off x="457200" y="1654175"/>
-            <a:ext cx="8229600" cy="4343400"/>
-          </a:xfrm>
-        </p:spPr>
-        <p:txBody>
-          <a:bodyPr>
-            <a:normAutofit/>
-          </a:bodyPr>
-          <a:lstStyle/>
-          <a:p>
-            <a:r>
-              <a:rPr lang="en-IN" sz="2000" dirty="0"/>
-              <a:t>Two Linux desktops/laptops, One </a:t>
-            </a:r>
-            <a:r>
-              <a:rPr lang="en-IN" sz="2000" dirty="0" smtClean="0"/>
-              <a:t>Raspberry Pi </a:t>
-            </a:r>
-            <a:r>
-              <a:rPr lang="en-IN" sz="2000" dirty="0"/>
-              <a:t>board</a:t>
-            </a:r>
-            <a:endParaRPr lang="en-US" sz="2000" dirty="0"/>
-          </a:p>
-          <a:p>
-            <a:endParaRPr lang="en-US" sz="2000" dirty="0" smtClean="0">
-              <a:latin typeface="Times New Roman" panose="02020603050405020304" pitchFamily="18" charset="0"/>
-              <a:cs typeface="Times New Roman" panose="02020603050405020304" pitchFamily="18" charset="0"/>
-            </a:endParaRPr>
-          </a:p>
-          <a:p>
-            <a:r>
-              <a:rPr lang="en-IN" sz="2000" dirty="0"/>
-              <a:t>C or </a:t>
-            </a:r>
-            <a:r>
-              <a:rPr lang="en-IN" sz="2000" dirty="0" smtClean="0"/>
-              <a:t>Python</a:t>
-            </a:r>
-          </a:p>
-          <a:p>
-            <a:endParaRPr lang="en-IN" sz="2000" dirty="0">
-              <a:latin typeface="Times New Roman" panose="02020603050405020304" pitchFamily="18" charset="0"/>
-              <a:cs typeface="Times New Roman" panose="02020603050405020304" pitchFamily="18" charset="0"/>
-            </a:endParaRPr>
-          </a:p>
-          <a:p>
-            <a:r>
-              <a:rPr lang="en-IN" sz="2000" dirty="0"/>
-              <a:t>Socket programming </a:t>
-            </a:r>
-          </a:p>
-          <a:p>
-            <a:endParaRPr lang="en-IN" sz="2000" dirty="0" smtClean="0"/>
-          </a:p>
-          <a:p>
-            <a:r>
-              <a:rPr lang="en-IN" sz="2000" dirty="0" smtClean="0"/>
-              <a:t>Software development for Applications</a:t>
-            </a:r>
-          </a:p>
-          <a:p>
-            <a:endParaRPr lang="en-IN" sz="2000" dirty="0"/>
-          </a:p>
-          <a:p>
-            <a:r>
-              <a:rPr lang="en-IN" sz="2000" dirty="0"/>
-              <a:t>GDB and Wireshark tool may be used during testing / debugging</a:t>
-            </a:r>
-            <a:endParaRPr lang="en-US" sz="2000" dirty="0"/>
-          </a:p>
-          <a:p>
-            <a:endParaRPr lang="en-US" sz="2000" dirty="0"/>
-          </a:p>
-          <a:p>
-            <a:endParaRPr lang="en-US" sz="2000" dirty="0">
-              <a:latin typeface="Times New Roman" panose="02020603050405020304" pitchFamily="18" charset="0"/>
-              <a:cs typeface="Times New Roman" panose="02020603050405020304" pitchFamily="18" charset="0"/>
-            </a:endParaRPr>
-          </a:p>
-        </p:txBody>
-      </p:sp>
-      <p:sp>
-        <p:nvSpPr>
-          <p:cNvPr id="4" name="Date Placeholder 3"/>
-          <p:cNvSpPr>
-            <a:spLocks noGrp="1"/>
-          </p:cNvSpPr>
-          <p:nvPr>
-            <p:ph type="dt" sz="half" idx="10"/>
-          </p:nvPr>
-        </p:nvSpPr>
-        <p:spPr/>
-        <p:txBody>
-          <a:bodyPr/>
-          <a:lstStyle/>
-          <a:p>
-            <a:fld id="{05229871-6294-4FDC-ADFB-03568C29F7D6}" type="datetime1">
-              <a:rPr lang="en-US" smtClean="0"/>
-              <a:t>22-Sep-21</a:t>
-            </a:fld>
-            <a:endParaRPr lang="en-US"/>
-          </a:p>
-        </p:txBody>
-      </p:sp>
-      <p:sp>
-        <p:nvSpPr>
-          <p:cNvPr id="5" name="Footer Placeholder 4"/>
-          <p:cNvSpPr>
-            <a:spLocks noGrp="1"/>
-          </p:cNvSpPr>
-          <p:nvPr>
-            <p:ph type="ftr" sz="quarter" idx="11"/>
-          </p:nvPr>
-        </p:nvSpPr>
-        <p:spPr/>
-        <p:txBody>
-          <a:bodyPr/>
-          <a:lstStyle/>
-          <a:p>
-            <a:r>
-              <a:rPr lang="en-US" smtClean="0"/>
-              <a:t>Dept. of ECE, NMIT, Bangalore-64</a:t>
-            </a:r>
-            <a:endParaRPr lang="en-US"/>
-          </a:p>
-        </p:txBody>
-      </p:sp>
-      <p:sp>
-        <p:nvSpPr>
-          <p:cNvPr id="6" name="Slide Number Placeholder 5"/>
-          <p:cNvSpPr>
-            <a:spLocks noGrp="1"/>
-          </p:cNvSpPr>
-          <p:nvPr>
-            <p:ph type="sldNum" sz="quarter" idx="12"/>
-          </p:nvPr>
-        </p:nvSpPr>
-        <p:spPr/>
-        <p:txBody>
-          <a:bodyPr/>
-          <a:lstStyle/>
-          <a:p>
-            <a:fld id="{B6F15528-21DE-4FAA-801E-634DDDAF4B2B}" type="slidenum">
-              <a:rPr lang="en-US" smtClean="0"/>
-              <a:pPr/>
-              <a:t>13</a:t>
-            </a:fld>
-            <a:endParaRPr lang="en-US"/>
-          </a:p>
-        </p:txBody>
-      </p:sp>
-      <p:sp>
-        <p:nvSpPr>
-          <p:cNvPr id="7" name="Title 1"/>
-          <p:cNvSpPr>
-            <a:spLocks noGrp="1"/>
-          </p:cNvSpPr>
-          <p:nvPr>
-            <p:ph type="title"/>
-          </p:nvPr>
-        </p:nvSpPr>
-        <p:spPr>
-          <a:xfrm>
-            <a:off x="457200" y="152400"/>
-            <a:ext cx="8229600" cy="1143000"/>
-          </a:xfrm>
           <a:solidFill>
             <a:srgbClr val="0000FF"/>
           </a:solidFill>
@@ -6337,6 +6139,16 @@
           </a:bodyPr>
           <a:lstStyle/>
           <a:p>
+            <a:r>
+              <a:rPr lang="en-US" sz="3600" b="1" dirty="0">
+                <a:solidFill>
+                  <a:schemeClr val="bg1"/>
+                </a:solidFill>
+                <a:latin typeface="Times New Roman" panose="02020603050405020304" pitchFamily="18" charset="0"/>
+                <a:cs typeface="Times New Roman" panose="02020603050405020304" pitchFamily="18" charset="0"/>
+              </a:rPr>
+              <a:t>Basic </a:t>
+            </a:r>
             <a:r>
               <a:rPr lang="en-US" sz="3600" b="1" dirty="0" smtClean="0">
                 <a:solidFill>
@@ -6345,7 +6157,7 @@
                 <a:latin typeface="Times New Roman" panose="02020603050405020304" pitchFamily="18" charset="0"/>
                 <a:cs typeface="Times New Roman" panose="02020603050405020304" pitchFamily="18" charset="0"/>
               </a:rPr>
-              <a:t>Tools Required</a:t>
+              <a:t>Architecture</a:t>
             </a:r>
             <a:endParaRPr lang="en-US" sz="3600" b="1" dirty="0">
               <a:solidFill>
@@ -6357,16 +6169,334 @@
           </a:p>
         </p:txBody>
       </p:sp>
+      <p:sp>
+        <p:nvSpPr>
+          <p:cNvPr id="4" name="Date Placeholder 3"/>
+          <p:cNvSpPr>
+            <a:spLocks noGrp="1"/>
+          </p:cNvSpPr>
+          <p:nvPr>
+            <p:ph type="dt" sz="half" idx="10"/>
+          </p:nvPr>
+        </p:nvSpPr>
+        <p:spPr/>
+        <p:txBody>
+          <a:bodyPr/>
+          <a:lstStyle/>
+          <a:p>
+            <a:r>
+              <a:rPr lang="en-US" dirty="0" smtClean="0">
+                <a:latin typeface="Times New Roman" pitchFamily="18" charset="0"/>
+                <a:cs typeface="Times New Roman" pitchFamily="18" charset="0"/>
+              </a:rPr>
+              <a:t>17-Aug-21</a:t>
+            </a:r>
+            <a:endParaRPr lang="en-US" dirty="0">
+              <a:latin typeface="Times New Roman" pitchFamily="18" charset="0"/>
+              <a:cs typeface="Times New Roman" pitchFamily="18" charset="0"/>
+            </a:endParaRPr>
+          </a:p>
+        </p:txBody>
+      </p:sp>
+      <p:sp>
+        <p:nvSpPr>
+          <p:cNvPr id="5" name="Footer Placeholder 4"/>
+          <p:cNvSpPr>
+            <a:spLocks noGrp="1"/>
+          </p:cNvSpPr>
+          <p:nvPr>
+            <p:ph type="ftr" sz="quarter" idx="11"/>
+          </p:nvPr>
+        </p:nvSpPr>
+        <p:spPr/>
+        <p:txBody>
+          <a:bodyPr/>
+          <a:lstStyle/>
+          <a:p>
+            <a:r>
+              <a:rPr lang="en-US" dirty="0">
+                <a:latin typeface="Times New Roman" pitchFamily="18" charset="0"/>
+                <a:cs typeface="Times New Roman" pitchFamily="18" charset="0"/>
+              </a:rPr>
+              <a:t>Dept. of ECE, NMIT, Bangalore-64</a:t>
+            </a:r>
+          </a:p>
+        </p:txBody>
+      </p:sp>
+      <p:sp>
+        <p:nvSpPr>
+          <p:cNvPr id="6" name="Slide Number Placeholder 5"/>
+          <p:cNvSpPr>
+            <a:spLocks noGrp="1"/>
+          </p:cNvSpPr>
+          <p:nvPr>
+            <p:ph type="sldNum" sz="quarter" idx="12"/>
+          </p:nvPr>
+        </p:nvSpPr>
+        <p:spPr/>
+        <p:txBody>
+          <a:bodyPr/>
+          <a:lstStyle/>
+          <a:p>
+            <a:fld id="{B6F15528-21DE-4FAA-801E-634DDDAF4B2B}" type="slidenum">
+              <a:rPr lang="en-US" smtClean="0"/>
+              <a:pPr/>
+              <a:t>13</a:t>
+            </a:fld>
+            <a:endParaRPr lang="en-US" dirty="0"/>
+          </a:p>
+        </p:txBody>
+      </p:sp>
+      <p:sp>
+        <p:nvSpPr>
+          <p:cNvPr id="7" name="Content Placeholder 6"/>
+          <p:cNvSpPr>
+            <a:spLocks noGrp="1"/>
+          </p:cNvSpPr>
+          <p:nvPr>
+            <p:ph idx="1"/>
+          </p:nvPr>
+        </p:nvSpPr>
+        <p:spPr>
+          <a:xfrm>
+            <a:off x="457200" y="1600200"/>
+            <a:ext cx="8229600" cy="4756150"/>
+          </a:xfrm>
+        </p:spPr>
+        <p:txBody>
+          <a:bodyPr>
+            <a:normAutofit/>
+          </a:bodyPr>
+          <a:lstStyle/>
+          <a:p>
+            <a:r>
+              <a:rPr lang="en-US" sz="1600" dirty="0" smtClean="0">
+                <a:latin typeface="Times New Roman" panose="02020603050405020304" pitchFamily="18" charset="0"/>
+                <a:cs typeface="Times New Roman" panose="02020603050405020304" pitchFamily="18" charset="0"/>
+              </a:rPr>
+              <a:t>Three Hosts on LAN </a:t>
+            </a:r>
+          </a:p>
+          <a:p>
+            <a:pPr lvl="1"/>
+            <a:r>
+              <a:rPr lang="en-US" sz="1600" dirty="0" smtClean="0">
+                <a:latin typeface="Times New Roman" panose="02020603050405020304" pitchFamily="18" charset="0"/>
+                <a:cs typeface="Times New Roman" panose="02020603050405020304" pitchFamily="18" charset="0"/>
+              </a:rPr>
+              <a:t>Host1  </a:t>
+            </a:r>
+            <a:r>
+              <a:rPr lang="en-IN" sz="1600" dirty="0">
+                <a:latin typeface="Times New Roman" panose="02020603050405020304" pitchFamily="18" charset="0"/>
+                <a:cs typeface="Times New Roman" panose="02020603050405020304" pitchFamily="18" charset="0"/>
+              </a:rPr>
+              <a:t>IPv4/IPv6 (LAN interface should have both IPv4 and IPv6 addresses)</a:t>
+            </a:r>
+            <a:endParaRPr lang="en-US" sz="1600" dirty="0">
+              <a:latin typeface="Times New Roman" panose="02020603050405020304" pitchFamily="18" charset="0"/>
+              <a:cs typeface="Times New Roman" panose="02020603050405020304" pitchFamily="18" charset="0"/>
+            </a:endParaRPr>
+          </a:p>
+          <a:p>
+            <a:pPr lvl="1"/>
+            <a:r>
+              <a:rPr lang="en-IN" sz="1600" dirty="0">
+                <a:latin typeface="Times New Roman" panose="02020603050405020304" pitchFamily="18" charset="0"/>
+                <a:cs typeface="Times New Roman" panose="02020603050405020304" pitchFamily="18" charset="0"/>
+              </a:rPr>
+              <a:t>Host 2 IPv4</a:t>
+            </a:r>
+            <a:endParaRPr lang="en-US" sz="1600" dirty="0">
+              <a:latin typeface="Times New Roman" panose="02020603050405020304" pitchFamily="18" charset="0"/>
+              <a:cs typeface="Times New Roman" panose="02020603050405020304" pitchFamily="18" charset="0"/>
+            </a:endParaRPr>
+          </a:p>
+          <a:p>
+            <a:pPr lvl="1"/>
+            <a:r>
+              <a:rPr lang="en-IN" sz="1600" dirty="0">
+                <a:latin typeface="Times New Roman" panose="02020603050405020304" pitchFamily="18" charset="0"/>
+                <a:cs typeface="Times New Roman" panose="02020603050405020304" pitchFamily="18" charset="0"/>
+              </a:rPr>
+              <a:t>Host 3 </a:t>
+            </a:r>
+            <a:r>
+              <a:rPr lang="en-IN" sz="1600" dirty="0" smtClean="0">
+                <a:latin typeface="Times New Roman" panose="02020603050405020304" pitchFamily="18" charset="0"/>
+                <a:cs typeface="Times New Roman" panose="02020603050405020304" pitchFamily="18" charset="0"/>
+              </a:rPr>
+              <a:t>IPv6</a:t>
+            </a:r>
+            <a:endParaRPr lang="en-US" sz="1600" dirty="0">
+              <a:latin typeface="Times New Roman" panose="02020603050405020304" pitchFamily="18" charset="0"/>
+              <a:cs typeface="Times New Roman" panose="02020603050405020304" pitchFamily="18" charset="0"/>
+            </a:endParaRPr>
+          </a:p>
+          <a:p>
+            <a:r>
+              <a:rPr lang="en-IN" sz="1600" dirty="0">
+                <a:latin typeface="Times New Roman" panose="02020603050405020304" pitchFamily="18" charset="0"/>
+                <a:cs typeface="Times New Roman" panose="02020603050405020304" pitchFamily="18" charset="0"/>
+              </a:rPr>
+              <a:t>H</a:t>
+            </a:r>
+            <a:r>
+              <a:rPr lang="en-IN" sz="1600" dirty="0" smtClean="0">
+                <a:latin typeface="Times New Roman" panose="02020603050405020304" pitchFamily="18" charset="0"/>
+                <a:cs typeface="Times New Roman" panose="02020603050405020304" pitchFamily="18" charset="0"/>
+              </a:rPr>
+              <a:t>ost </a:t>
+            </a:r>
+            <a:r>
+              <a:rPr lang="en-IN" sz="1600" dirty="0">
+                <a:latin typeface="Times New Roman" panose="02020603050405020304" pitchFamily="18" charset="0"/>
+                <a:cs typeface="Times New Roman" panose="02020603050405020304" pitchFamily="18" charset="0"/>
+              </a:rPr>
+              <a:t>1  -</a:t>
+            </a:r>
+            <a:endParaRPr lang="en-US" sz="1600" dirty="0">
+              <a:latin typeface="Times New Roman" panose="02020603050405020304" pitchFamily="18" charset="0"/>
+              <a:cs typeface="Times New Roman" panose="02020603050405020304" pitchFamily="18" charset="0"/>
+            </a:endParaRPr>
+          </a:p>
+          <a:p>
+            <a:pPr lvl="1"/>
+            <a:r>
+              <a:rPr lang="en-IN" sz="1600" dirty="0">
+                <a:latin typeface="Times New Roman" panose="02020603050405020304" pitchFamily="18" charset="0"/>
+                <a:cs typeface="Times New Roman" panose="02020603050405020304" pitchFamily="18" charset="0"/>
+              </a:rPr>
+              <a:t>One server for NMIT seminar hall booking application (using IPv4</a:t>
+            </a:r>
+            <a:r>
+              <a:rPr lang="en-IN" sz="1600" dirty="0" smtClean="0">
+                <a:latin typeface="Times New Roman" panose="02020603050405020304" pitchFamily="18" charset="0"/>
+                <a:cs typeface="Times New Roman" panose="02020603050405020304" pitchFamily="18" charset="0"/>
+              </a:rPr>
+              <a:t>)</a:t>
+            </a:r>
+          </a:p>
+          <a:p>
+            <a:pPr lvl="1"/>
+            <a:r>
+              <a:rPr lang="en-IN" sz="1600" dirty="0">
+                <a:latin typeface="Times New Roman" panose="02020603050405020304" pitchFamily="18" charset="0"/>
+                <a:cs typeface="Times New Roman" panose="02020603050405020304" pitchFamily="18" charset="0"/>
+              </a:rPr>
+              <a:t>Second server for application -  NMIT IP IVR (interactive voice response) system (using IPv6)</a:t>
+            </a:r>
+          </a:p>
+          <a:p>
+            <a:pPr lvl="1"/>
+            <a:r>
+              <a:rPr lang="en-IN" sz="1600" dirty="0">
+                <a:latin typeface="Times New Roman" panose="02020603050405020304" pitchFamily="18" charset="0"/>
+                <a:cs typeface="Times New Roman" panose="02020603050405020304" pitchFamily="18" charset="0"/>
+              </a:rPr>
+              <a:t>Both servers will be running at the same time</a:t>
+            </a:r>
+          </a:p>
+          <a:p>
+            <a:r>
+              <a:rPr lang="en-IN" sz="1600" dirty="0">
+                <a:latin typeface="Times New Roman" panose="02020603050405020304" pitchFamily="18" charset="0"/>
+                <a:cs typeface="Times New Roman" panose="02020603050405020304" pitchFamily="18" charset="0"/>
+              </a:rPr>
+              <a:t>Host 2 </a:t>
+            </a:r>
+          </a:p>
+          <a:p>
+            <a:pPr lvl="1"/>
+            <a:r>
+              <a:rPr lang="en-IN" sz="1600" dirty="0">
+                <a:latin typeface="Times New Roman" panose="02020603050405020304" pitchFamily="18" charset="0"/>
+                <a:cs typeface="Times New Roman" panose="02020603050405020304" pitchFamily="18" charset="0"/>
+              </a:rPr>
+              <a:t>One client for NMIT seminar hall booking application (using IPv4)</a:t>
+            </a:r>
+            <a:endParaRPr lang="en-US" sz="1600" dirty="0">
+              <a:latin typeface="Times New Roman" panose="02020603050405020304" pitchFamily="18" charset="0"/>
+              <a:cs typeface="Times New Roman" panose="02020603050405020304" pitchFamily="18" charset="0"/>
+            </a:endParaRPr>
+          </a:p>
+          <a:p>
+            <a:r>
+              <a:rPr lang="en-IN" sz="1600" dirty="0">
+                <a:latin typeface="Times New Roman" panose="02020603050405020304" pitchFamily="18" charset="0"/>
+                <a:cs typeface="Times New Roman" panose="02020603050405020304" pitchFamily="18" charset="0"/>
+              </a:rPr>
+              <a:t>Host 3 </a:t>
+            </a:r>
+          </a:p>
+          <a:p>
+            <a:pPr lvl="1"/>
+            <a:r>
+              <a:rPr lang="en-IN" sz="1600" dirty="0">
+                <a:latin typeface="Times New Roman" panose="02020603050405020304" pitchFamily="18" charset="0"/>
+                <a:cs typeface="Times New Roman" panose="02020603050405020304" pitchFamily="18" charset="0"/>
+              </a:rPr>
+              <a:t>One client for application - NMIT IP IVR(interactive voice response)  system (using </a:t>
+            </a:r>
+            <a:r>
+              <a:rPr lang="en-IN" sz="1600" dirty="0" smtClean="0">
+                <a:latin typeface="Times New Roman" panose="02020603050405020304" pitchFamily="18" charset="0"/>
+                <a:cs typeface="Times New Roman" panose="02020603050405020304" pitchFamily="18" charset="0"/>
+              </a:rPr>
+              <a:t>IPv6)</a:t>
+            </a:r>
+          </a:p>
+          <a:p>
+            <a:pPr marL="457200" lvl="1" indent="0">
+              <a:buNone/>
+            </a:pPr>
+            <a:endParaRPr lang="en-US" sz="1600" dirty="0">
+              <a:latin typeface="Times New Roman" panose="02020603050405020304" pitchFamily="18" charset="0"/>
+              <a:cs typeface="Times New Roman" panose="02020603050405020304" pitchFamily="18" charset="0"/>
+            </a:endParaRPr>
+          </a:p>
+          <a:p>
+            <a:pPr marL="457200" lvl="1" indent="0">
+              <a:buNone/>
+            </a:pPr>
+            <a:r>
+              <a:rPr lang="en-US" sz="1600" b="1" u="sng" dirty="0" smtClean="0">
+                <a:latin typeface="Times New Roman" panose="02020603050405020304" pitchFamily="18" charset="0"/>
+                <a:cs typeface="Times New Roman" panose="02020603050405020304" pitchFamily="18" charset="0"/>
+              </a:rPr>
+              <a:t>Note</a:t>
+            </a:r>
+            <a:r>
+              <a:rPr lang="en-US" sz="1600" dirty="0" smtClean="0">
+                <a:latin typeface="Times New Roman" panose="02020603050405020304" pitchFamily="18" charset="0"/>
+                <a:cs typeface="Times New Roman" panose="02020603050405020304" pitchFamily="18" charset="0"/>
+              </a:rPr>
+              <a:t>: Works for Wan Also</a:t>
+            </a:r>
+            <a:endParaRPr lang="en-IN" sz="1600" dirty="0" smtClean="0">
+              <a:latin typeface="Times New Roman" panose="02020603050405020304" pitchFamily="18" charset="0"/>
+              <a:cs typeface="Times New Roman" panose="02020603050405020304" pitchFamily="18" charset="0"/>
+            </a:endParaRPr>
+          </a:p>
+        </p:txBody>
+      </p:sp>
     </p:spTree>
     <p:extLst>
       <p:ext uri="{BB962C8B-B14F-4D97-AF65-F5344CB8AC3E}">
-        <p14:creationId xmlns:p14="http://schemas.microsoft.com/office/powerpoint/2010/main" val="4290820194"/>
+        <p14:creationId xmlns:p14="http://schemas.microsoft.com/office/powerpoint/2010/main" val="4182899405"/>
       </p:ext>
     </p:extLst>
   </p:cSld>
   <p:clrMapOvr>
     <a:masterClrMapping/>
   </p:clrMapOvr>
+  <p:timing>
+    <p:tnLst>
+      <p:par>
+        <p:cTn id="1" dur="indefinite" restart="never" nodeType="tmRoot"/>
+      </p:par>
+    </p:tnLst>
+  </p:timing>
 </p:sld>
 </file>
 
@@ -6389,13 +6519,101 @@
       </p:grpSpPr>
       <p:sp>
         <p:nvSpPr>
-          <p:cNvPr id="4" name="Date Placeholder 3">
-            <a:extLst>
-              <a:ext uri="{FF2B5EF4-FFF2-40B4-BE49-F238E27FC236}">
-                <a16:creationId xmlns="" xmlns:a16="http://schemas.microsoft.com/office/drawing/2014/main" id="{FC5DC846-D108-4B7F-A641-2014248D06A1}"/>
-              </a:ext>
-            </a:extLst>
-          </p:cNvPr>
+          <p:cNvPr id="3" name="Content Placeholder 2"/>
+          <p:cNvSpPr>
+            <a:spLocks noGrp="1"/>
+          </p:cNvSpPr>
+          <p:nvPr>
+            <p:ph idx="1"/>
+          </p:nvPr>
+        </p:nvSpPr>
+        <p:spPr>
+          <a:xfrm>
+            <a:off x="457200" y="1654175"/>
+            <a:ext cx="8229600" cy="4343400"/>
+          </a:xfrm>
+        </p:spPr>
+        <p:txBody>
+          <a:bodyPr>
+            <a:normAutofit/>
+          </a:bodyPr>
+          <a:lstStyle/>
+          <a:p>
+            <a:r>
+              <a:rPr lang="en-IN" sz="2000" dirty="0"/>
+              <a:t>Two Linux desktops/laptops, One </a:t>
+            </a:r>
+            <a:r>
+              <a:rPr lang="en-IN" sz="2000" dirty="0" smtClean="0"/>
+              <a:t>Raspberry Pi </a:t>
+            </a:r>
+            <a:r>
+              <a:rPr lang="en-IN" sz="2000" dirty="0"/>
+              <a:t>board</a:t>
+            </a:r>
+            <a:endParaRPr lang="en-US" sz="2000" dirty="0"/>
+          </a:p>
+          <a:p>
+            <a:endParaRPr lang="en-US" sz="2000" dirty="0" smtClean="0">
+              <a:latin typeface="Times New Roman" panose="02020603050405020304" pitchFamily="18" charset="0"/>
+              <a:cs typeface="Times New Roman" panose="02020603050405020304" pitchFamily="18" charset="0"/>
+            </a:endParaRPr>
+          </a:p>
+          <a:p>
+            <a:r>
+              <a:rPr lang="en-IN" sz="2000" dirty="0"/>
+              <a:t>C or </a:t>
+            </a:r>
+            <a:r>
+              <a:rPr lang="en-IN" sz="2000" dirty="0" smtClean="0"/>
+              <a:t>Python</a:t>
+            </a:r>
+          </a:p>
+          <a:p>
+            <a:endParaRPr lang="en-IN" sz="2000" dirty="0">
+              <a:latin typeface="Times New Roman" panose="02020603050405020304" pitchFamily="18" charset="0"/>
+              <a:cs typeface="Times New Roman" panose="02020603050405020304" pitchFamily="18" charset="0"/>
+            </a:endParaRPr>
+          </a:p>
+          <a:p>
+            <a:r>
+              <a:rPr lang="en-IN" sz="2000" dirty="0"/>
+              <a:t>Socket programming </a:t>
+            </a:r>
+          </a:p>
+          <a:p>
+            <a:endParaRPr lang="en-IN" sz="2000" dirty="0" smtClean="0"/>
+          </a:p>
+          <a:p>
+            <a:r>
+              <a:rPr lang="en-IN" sz="2000" dirty="0" smtClean="0"/>
+              <a:t>Software development for Applications</a:t>
+            </a:r>
+          </a:p>
+          <a:p>
+            <a:endParaRPr lang="en-IN" sz="2000" dirty="0"/>
+          </a:p>
+          <a:p>
+            <a:r>
+              <a:rPr lang="en-IN" sz="2000" dirty="0"/>
+              <a:t>GDB and Wireshark tool may be used during testing / debugging</a:t>
+            </a:r>
+            <a:endParaRPr lang="en-US" sz="2000" dirty="0"/>
+          </a:p>
+          <a:p>
+            <a:endParaRPr lang="en-US" sz="2000" dirty="0"/>
+          </a:p>
+          <a:p>
+            <a:endParaRPr lang="en-US" sz="2000" dirty="0">
+              <a:latin typeface="Times New Roman" panose="02020603050405020304" pitchFamily="18" charset="0"/>
+              <a:cs typeface="Times New Roman" panose="02020603050405020304" pitchFamily="18" charset="0"/>
+            </a:endParaRPr>
+          </a:p>
+        </p:txBody>
+      </p:sp>
+      <p:sp>
+        <p:nvSpPr>
+          <p:cNvPr id="4" name="Date Placeholder 3"/>
           <p:cNvSpPr>
             <a:spLocks noGrp="1"/>
           </p:cNvSpPr>
@@ -6408,29 +6626,17 @@
           <a:bodyPr/>
           <a:lstStyle/>
           <a:p>
-            <a:r>
-              <a:rPr lang="en-US" dirty="0" smtClean="0">
-                <a:latin typeface="Times New Roman" pitchFamily="18" charset="0"/>
-                <a:cs typeface="Times New Roman" pitchFamily="18" charset="0"/>
-              </a:rPr>
-              <a:t>17-Aug-21</a:t>
-            </a:r>
-            <a:endParaRPr lang="en-US" dirty="0">
-              <a:latin typeface="Times New Roman" pitchFamily="18" charset="0"/>
-              <a:cs typeface="Times New Roman" pitchFamily="18" charset="0"/>
-            </a:endParaRPr>
-          </a:p>
-        </p:txBody>
-      </p:sp>
-      <p:sp>
-        <p:nvSpPr>
-          <p:cNvPr id="5" name="Footer Placeholder 4">
-            <a:extLst>
-              <a:ext uri="{FF2B5EF4-FFF2-40B4-BE49-F238E27FC236}">
-                <a16:creationId xmlns="" xmlns:a16="http://schemas.microsoft.com/office/drawing/2014/main" id="{94F76D2A-D755-4BD1-9236-1FBDA8B544CB}"/>
-              </a:ext>
-            </a:extLst>
-          </p:cNvPr>
+            <a:fld id="{05229871-6294-4FDC-ADFB-03568C29F7D6}" type="datetime1">
+              <a:rPr lang="en-US" smtClean="0"/>
+              <a:t>22-Sep-21</a:t>
+            </a:fld>
+            <a:endParaRPr lang="en-US"/>
+          </a:p>
+        </p:txBody>
+      </p:sp>
+      <p:sp>
+        <p:nvSpPr>
+          <p:cNvPr id="5" name="Footer Placeholder 4"/>
           <p:cNvSpPr>
             <a:spLocks noGrp="1"/>
           </p:cNvSpPr>
@@ -6444,21 +6650,16 @@
           <a:lstStyle/>
           <a:p>
             <a:r>
-              <a:rPr lang="en-US"/>
+              <a:rPr lang="en-US" smtClean="0"/>
               <a:t>Dept. of ECE, NMIT, Bangalore-64</a:t>
             </a:r>
-          </a:p>
-        </p:txBody>
-      </p:sp>
-      <p:sp>
-        <p:nvSpPr>
-          <p:cNvPr id="6" name="Slide Number Placeholder 5">
-            <a:extLst>
-              <a:ext uri="{FF2B5EF4-FFF2-40B4-BE49-F238E27FC236}">
-                <a16:creationId xmlns="" xmlns:a16="http://schemas.microsoft.com/office/drawing/2014/main" id="{751C6CAB-D118-4A59-A5FF-1BD87857B1F4}"/>
-              </a:ext>
-            </a:extLst>
-          </p:cNvPr>
+            <a:endParaRPr lang="en-US"/>
+          </a:p>
+        </p:txBody>
+      </p:sp>
+      <p:sp>
+        <p:nvSpPr>
+          <p:cNvPr id="6" name="Slide Number Placeholder 5"/>
           <p:cNvSpPr>
             <a:spLocks noGrp="1"/>
           </p:cNvSpPr>
@@ -6482,10 +6683,178 @@
       </p:sp>
       <p:sp>
         <p:nvSpPr>
+          <p:cNvPr id="7" name="Title 1"/>
+          <p:cNvSpPr>
+            <a:spLocks noGrp="1"/>
+          </p:cNvSpPr>
+          <p:nvPr>
+            <p:ph type="title"/>
+          </p:nvPr>
+        </p:nvSpPr>
+        <p:spPr>
+          <a:xfrm>
+            <a:off x="457200" y="152400"/>
+            <a:ext cx="8229600" cy="1143000"/>
+          </a:xfrm>
+          <a:solidFill>
+            <a:srgbClr val="0000FF"/>
+          </a:solidFill>
+        </p:spPr>
+        <p:txBody>
+          <a:bodyPr>
+            <a:noAutofit/>
+          </a:bodyPr>
+          <a:lstStyle/>
+          <a:p>
+            <a:r>
+              <a:rPr lang="en-US" sz="3600" b="1" dirty="0" smtClean="0">
+                <a:solidFill>
+                  <a:schemeClr val="bg1"/>
+                </a:solidFill>
+                <a:latin typeface="Times New Roman" panose="02020603050405020304" pitchFamily="18" charset="0"/>
+                <a:cs typeface="Times New Roman" panose="02020603050405020304" pitchFamily="18" charset="0"/>
+              </a:rPr>
+              <a:t>Tools Required</a:t>
+            </a:r>
+            <a:endParaRPr lang="en-US" sz="3600" b="1" dirty="0">
+              <a:solidFill>
+                <a:schemeClr val="bg1"/>
+              </a:solidFill>
+              <a:latin typeface="Times New Roman" pitchFamily="18" charset="0"/>
+              <a:cs typeface="Times New Roman" pitchFamily="18" charset="0"/>
+            </a:endParaRPr>
+          </a:p>
+        </p:txBody>
+      </p:sp>
+    </p:spTree>
+    <p:extLst>
+      <p:ext uri="{BB962C8B-B14F-4D97-AF65-F5344CB8AC3E}">
+        <p14:creationId xmlns:p14="http://schemas.microsoft.com/office/powerpoint/2010/main" val="4290820194"/>
+      </p:ext>
+    </p:extLst>
+  </p:cSld>
+  <p:clrMapOvr>
+    <a:masterClrMapping/>
+  </p:clrMapOvr>
+</p:sld>
+</file>
+
+<file path=ppt/slides/slide15.xml><?xml version="1.0" encoding="utf-8"?>
+<p:sld xmlns:a="http://schemas.openxmlformats.org/drawingml/2006/main" xmlns:r="http://schemas.openxmlformats.org/officeDocument/2006/relationships" xmlns:p="http://schemas.openxmlformats.org/presentationml/2006/main">
+  <p:cSld>
+    <p:spTree>
+      <p:nvGrpSpPr>
+        <p:cNvPr id="1" name=""/>
+        <p:cNvGrpSpPr/>
+        <p:nvPr/>
+      </p:nvGrpSpPr>
+      <p:grpSpPr>
+        <a:xfrm>
+          <a:off x="0" y="0"/>
+          <a:ext cx="0" cy="0"/>
+          <a:chOff x="0" y="0"/>
+          <a:chExt cx="0" cy="0"/>
+        </a:xfrm>
+      </p:grpSpPr>
+      <p:sp>
+        <p:nvSpPr>
+          <p:cNvPr id="4" name="Date Placeholder 3">
+            <a:extLst>
+              <a:ext uri="{FF2B5EF4-FFF2-40B4-BE49-F238E27FC236}">
+                <a16:creationId xmlns:a16="http://schemas.microsoft.com/office/drawing/2014/main" xmlns="" id="{FC5DC846-D108-4B7F-A641-2014248D06A1}"/>
+              </a:ext>
+            </a:extLst>
+          </p:cNvPr>
+          <p:cNvSpPr>
+            <a:spLocks noGrp="1"/>
+          </p:cNvSpPr>
+          <p:nvPr>
+            <p:ph type="dt" sz="half" idx="10"/>
+          </p:nvPr>
+        </p:nvSpPr>
+        <p:spPr/>
+        <p:txBody>
+          <a:bodyPr/>
+          <a:lstStyle/>
+          <a:p>
+            <a:r>
+              <a:rPr lang="en-US" dirty="0" smtClean="0">
+                <a:latin typeface="Times New Roman" pitchFamily="18" charset="0"/>
+                <a:cs typeface="Times New Roman" pitchFamily="18" charset="0"/>
+              </a:rPr>
+              <a:t>17-Aug-21</a:t>
+            </a:r>
+            <a:endParaRPr lang="en-US" dirty="0">
+              <a:latin typeface="Times New Roman" pitchFamily="18" charset="0"/>
+              <a:cs typeface="Times New Roman" pitchFamily="18" charset="0"/>
+            </a:endParaRPr>
+          </a:p>
+        </p:txBody>
+      </p:sp>
+      <p:sp>
+        <p:nvSpPr>
+          <p:cNvPr id="5" name="Footer Placeholder 4">
+            <a:extLst>
+              <a:ext uri="{FF2B5EF4-FFF2-40B4-BE49-F238E27FC236}">
+                <a16:creationId xmlns:a16="http://schemas.microsoft.com/office/drawing/2014/main" xmlns="" id="{94F76D2A-D755-4BD1-9236-1FBDA8B544CB}"/>
+              </a:ext>
+            </a:extLst>
+          </p:cNvPr>
+          <p:cNvSpPr>
+            <a:spLocks noGrp="1"/>
+          </p:cNvSpPr>
+          <p:nvPr>
+            <p:ph type="ftr" sz="quarter" idx="11"/>
+          </p:nvPr>
+        </p:nvSpPr>
+        <p:spPr/>
+        <p:txBody>
+          <a:bodyPr/>
+          <a:lstStyle/>
+          <a:p>
+            <a:r>
+              <a:rPr lang="en-US"/>
+              <a:t>Dept. of ECE, NMIT, Bangalore-64</a:t>
+            </a:r>
+          </a:p>
+        </p:txBody>
+      </p:sp>
+      <p:sp>
+        <p:nvSpPr>
+          <p:cNvPr id="6" name="Slide Number Placeholder 5">
+            <a:extLst>
+              <a:ext uri="{FF2B5EF4-FFF2-40B4-BE49-F238E27FC236}">
+                <a16:creationId xmlns:a16="http://schemas.microsoft.com/office/drawing/2014/main" xmlns="" id="{751C6CAB-D118-4A59-A5FF-1BD87857B1F4}"/>
+              </a:ext>
+            </a:extLst>
+          </p:cNvPr>
+          <p:cNvSpPr>
+            <a:spLocks noGrp="1"/>
+          </p:cNvSpPr>
+          <p:nvPr>
+            <p:ph type="sldNum" sz="quarter" idx="12"/>
+          </p:nvPr>
+        </p:nvSpPr>
+        <p:spPr/>
+        <p:txBody>
+          <a:bodyPr/>
+          <a:lstStyle/>
+          <a:p>
+            <a:fld id="{B6F15528-21DE-4FAA-801E-634DDDAF4B2B}" type="slidenum">
+              <a:rPr lang="en-US" smtClean="0"/>
+              <a:pPr/>
+              <a:t>15</a:t>
+            </a:fld>
+            <a:endParaRPr lang="en-US"/>
+          </a:p>
+        </p:txBody>
+      </p:sp>
+      <p:sp>
+        <p:nvSpPr>
           <p:cNvPr id="9" name="Rectangle 8">
             <a:extLst>
               <a:ext uri="{FF2B5EF4-FFF2-40B4-BE49-F238E27FC236}">
-                <a16:creationId xmlns="" xmlns:a16="http://schemas.microsoft.com/office/drawing/2014/main" id="{B7912E41-6B3C-4A45-85F4-BC64F00F4F49}"/>
+                <a16:creationId xmlns:a16="http://schemas.microsoft.com/office/drawing/2014/main" xmlns="" id="{B7912E41-6B3C-4A45-85F4-BC64F00F4F49}"/>
               </a:ext>
             </a:extLst>
           </p:cNvPr>
@@ -6526,7 +6895,7 @@
           <p:cNvPr id="10" name="Rectangle 9">
             <a:extLst>
               <a:ext uri="{FF2B5EF4-FFF2-40B4-BE49-F238E27FC236}">
-                <a16:creationId xmlns="" xmlns:a16="http://schemas.microsoft.com/office/drawing/2014/main" id="{77CAF576-6446-4093-8D69-86D0A12BD6E1}"/>
+                <a16:creationId xmlns:a16="http://schemas.microsoft.com/office/drawing/2014/main" xmlns="" id="{77CAF576-6446-4093-8D69-86D0A12BD6E1}"/>
               </a:ext>
             </a:extLst>
           </p:cNvPr>
@@ -6589,7 +6958,7 @@
           <p:cNvPr id="18" name="Content Placeholder 17">
             <a:extLst>
               <a:ext uri="{FF2B5EF4-FFF2-40B4-BE49-F238E27FC236}">
-                <a16:creationId xmlns="" xmlns:a16="http://schemas.microsoft.com/office/drawing/2014/main" id="{F6633F0C-40DF-4C0D-82AC-D4603EEE60BB}"/>
+                <a16:creationId xmlns:a16="http://schemas.microsoft.com/office/drawing/2014/main" xmlns="" id="{F6633F0C-40DF-4C0D-82AC-D4603EEE60BB}"/>
               </a:ext>
             </a:extLst>
           </p:cNvPr>
@@ -6624,7 +6993,7 @@
           <p:cNvPr id="20" name="Picture 19">
             <a:extLst>
               <a:ext uri="{FF2B5EF4-FFF2-40B4-BE49-F238E27FC236}">
-                <a16:creationId xmlns="" xmlns:a16="http://schemas.microsoft.com/office/drawing/2014/main" id="{E6765A6B-DEDC-44FE-AFB1-7C1E22F66944}"/>
+                <a16:creationId xmlns:a16="http://schemas.microsoft.com/office/drawing/2014/main" xmlns="" id="{E6765A6B-DEDC-44FE-AFB1-7C1E22F66944}"/>
               </a:ext>
             </a:extLst>
           </p:cNvPr>
@@ -6660,7 +7029,7 @@
           <p:cNvPr id="22" name="Picture 21">
             <a:extLst>
               <a:ext uri="{FF2B5EF4-FFF2-40B4-BE49-F238E27FC236}">
-                <a16:creationId xmlns="" xmlns:a16="http://schemas.microsoft.com/office/drawing/2014/main" id="{4205A1F5-568D-49B4-A017-13295C1807F9}"/>
+                <a16:creationId xmlns:a16="http://schemas.microsoft.com/office/drawing/2014/main" xmlns="" id="{4205A1F5-568D-49B4-A017-13295C1807F9}"/>
               </a:ext>
             </a:extLst>
           </p:cNvPr>
@@ -6696,7 +7065,7 @@
           <p:cNvPr id="24" name="Picture 23">
             <a:extLst>
               <a:ext uri="{FF2B5EF4-FFF2-40B4-BE49-F238E27FC236}">
-                <a16:creationId xmlns="" xmlns:a16="http://schemas.microsoft.com/office/drawing/2014/main" id="{75483FCB-9A42-45BB-8261-D568072CB8A5}"/>
+                <a16:creationId xmlns:a16="http://schemas.microsoft.com/office/drawing/2014/main" xmlns="" id="{75483FCB-9A42-45BB-8261-D568072CB8A5}"/>
               </a:ext>
             </a:extLst>
           </p:cNvPr>
@@ -6732,7 +7101,7 @@
           <p:cNvPr id="33" name="Rectangle 32">
             <a:extLst>
               <a:ext uri="{FF2B5EF4-FFF2-40B4-BE49-F238E27FC236}">
-                <a16:creationId xmlns="" xmlns:a16="http://schemas.microsoft.com/office/drawing/2014/main" id="{EF4F77E9-7009-49B6-98AF-2EBBAEADCC9D}"/>
+                <a16:creationId xmlns:a16="http://schemas.microsoft.com/office/drawing/2014/main" xmlns="" id="{EF4F77E9-7009-49B6-98AF-2EBBAEADCC9D}"/>
               </a:ext>
             </a:extLst>
           </p:cNvPr>
@@ -6770,7 +7139,7 @@
           <p:cNvPr id="34" name="Rectangle 33">
             <a:extLst>
               <a:ext uri="{FF2B5EF4-FFF2-40B4-BE49-F238E27FC236}">
-                <a16:creationId xmlns="" xmlns:a16="http://schemas.microsoft.com/office/drawing/2014/main" id="{EC14AF26-1FFB-4708-8381-73CC15BD712E}"/>
+                <a16:creationId xmlns:a16="http://schemas.microsoft.com/office/drawing/2014/main" xmlns="" id="{EC14AF26-1FFB-4708-8381-73CC15BD712E}"/>
               </a:ext>
             </a:extLst>
           </p:cNvPr>
@@ -6835,7 +7204,7 @@
           <p:cNvPr id="35" name="Rectangle 34">
             <a:extLst>
               <a:ext uri="{FF2B5EF4-FFF2-40B4-BE49-F238E27FC236}">
-                <a16:creationId xmlns="" xmlns:a16="http://schemas.microsoft.com/office/drawing/2014/main" id="{CAA9C0DD-C44F-470C-80AA-236BCD830B95}"/>
+                <a16:creationId xmlns:a16="http://schemas.microsoft.com/office/drawing/2014/main" xmlns="" id="{CAA9C0DD-C44F-470C-80AA-236BCD830B95}"/>
               </a:ext>
             </a:extLst>
           </p:cNvPr>
@@ -6900,7 +7269,7 @@
           <p:cNvPr id="36" name="Rectangle 35">
             <a:extLst>
               <a:ext uri="{FF2B5EF4-FFF2-40B4-BE49-F238E27FC236}">
-                <a16:creationId xmlns="" xmlns:a16="http://schemas.microsoft.com/office/drawing/2014/main" id="{295CFA09-A69C-4D90-9344-DA4D42504099}"/>
+                <a16:creationId xmlns:a16="http://schemas.microsoft.com/office/drawing/2014/main" xmlns="" id="{295CFA09-A69C-4D90-9344-DA4D42504099}"/>
               </a:ext>
             </a:extLst>
           </p:cNvPr>
@@ -7075,382 +7444,6 @@
 </p:sld>
 </file>
 
-<file path=ppt/slides/slide15.xml><?xml version="1.0" encoding="utf-8"?>
-<p:sld xmlns:a="http://schemas.openxmlformats.org/drawingml/2006/main" xmlns:r="http://schemas.openxmlformats.org/officeDocument/2006/relationships" xmlns:p="http://schemas.openxmlformats.org/presentationml/2006/main">
-  <p:cSld>
-    <p:spTree>
-      <p:nvGrpSpPr>
-        <p:cNvPr id="1" name=""/>
-        <p:cNvGrpSpPr/>
-        <p:nvPr/>
-      </p:nvGrpSpPr>
-      <p:grpSpPr>
-        <a:xfrm>
-          <a:off x="0" y="0"/>
-          <a:ext cx="0" cy="0"/>
-          <a:chOff x="0" y="0"/>
-          <a:chExt cx="0" cy="0"/>
-        </a:xfrm>
-      </p:grpSpPr>
-      <p:sp>
-        <p:nvSpPr>
-          <p:cNvPr id="2" name="Title 1"/>
-          <p:cNvSpPr>
-            <a:spLocks noGrp="1"/>
-          </p:cNvSpPr>
-          <p:nvPr>
-            <p:ph type="title"/>
-          </p:nvPr>
-        </p:nvSpPr>
-        <p:spPr>
-          <a:solidFill>
-            <a:srgbClr val="0000FF"/>
-          </a:solidFill>
-        </p:spPr>
-        <p:txBody>
-          <a:bodyPr>
-            <a:normAutofit/>
-          </a:bodyPr>
-          <a:lstStyle/>
-          <a:p>
-            <a:r>
-              <a:rPr lang="en-US" sz="3600" b="1" dirty="0">
-                <a:solidFill>
-                  <a:schemeClr val="bg1"/>
-                </a:solidFill>
-                <a:latin typeface="Times New Roman" pitchFamily="18" charset="0"/>
-                <a:cs typeface="Times New Roman" pitchFamily="18" charset="0"/>
-              </a:rPr>
-              <a:t>Project Objectives</a:t>
-            </a:r>
-          </a:p>
-        </p:txBody>
-      </p:sp>
-      <p:sp>
-        <p:nvSpPr>
-          <p:cNvPr id="3" name="Content Placeholder 2"/>
-          <p:cNvSpPr>
-            <a:spLocks noGrp="1"/>
-          </p:cNvSpPr>
-          <p:nvPr>
-            <p:ph idx="1"/>
-          </p:nvPr>
-        </p:nvSpPr>
-        <p:spPr>
-          <a:xfrm>
-            <a:off x="457200" y="1600200"/>
-            <a:ext cx="8229600" cy="4343400"/>
-          </a:xfrm>
-        </p:spPr>
-        <p:txBody>
-          <a:bodyPr>
-            <a:normAutofit/>
-          </a:bodyPr>
-          <a:lstStyle/>
-          <a:p>
-            <a:pPr marL="0" indent="0">
-              <a:buNone/>
-            </a:pPr>
-            <a:r>
-              <a:rPr lang="en-US" sz="2000" dirty="0">
-                <a:latin typeface="Times New Roman" panose="02020603050405020304" pitchFamily="18" charset="0"/>
-                <a:cs typeface="Times New Roman" pitchFamily="18" charset="0"/>
-              </a:rPr>
-              <a:t>The following are the proposed objectives of the project based on the </a:t>
-            </a:r>
-            <a:r>
-              <a:rPr lang="en-US" sz="2000" dirty="0" smtClean="0">
-                <a:latin typeface="Times New Roman" panose="02020603050405020304" pitchFamily="18" charset="0"/>
-                <a:cs typeface="Times New Roman" pitchFamily="18" charset="0"/>
-              </a:rPr>
-              <a:t>research:</a:t>
-            </a:r>
-            <a:endParaRPr lang="en-US" sz="2000" dirty="0">
-              <a:latin typeface="Times New Roman" panose="02020603050405020304" pitchFamily="18" charset="0"/>
-              <a:cs typeface="Times New Roman" pitchFamily="18" charset="0"/>
-            </a:endParaRPr>
-          </a:p>
-          <a:p>
-            <a:pPr marL="0" indent="0">
-              <a:lnSpc>
-                <a:spcPct val="150000"/>
-              </a:lnSpc>
-              <a:spcAft>
-                <a:spcPts val="1000"/>
-              </a:spcAft>
-              <a:buNone/>
-            </a:pPr>
-            <a:endParaRPr lang="en-US" sz="1600" dirty="0">
-              <a:latin typeface="Times New Roman" panose="02020603050405020304" pitchFamily="18" charset="0"/>
-              <a:ea typeface="Calibri" panose="020F0502020204030204" pitchFamily="34" charset="0"/>
-              <a:cs typeface="Times New Roman" panose="02020603050405020304" pitchFamily="18" charset="0"/>
-            </a:endParaRPr>
-          </a:p>
-          <a:p>
-            <a:pPr>
-              <a:lnSpc>
-                <a:spcPct val="150000"/>
-              </a:lnSpc>
-              <a:spcAft>
-                <a:spcPts val="1000"/>
-              </a:spcAft>
-            </a:pPr>
-            <a:r>
-              <a:rPr lang="en-US" sz="1600" dirty="0" smtClean="0">
-                <a:latin typeface="Times New Roman" panose="02020603050405020304" pitchFamily="18" charset="0"/>
-                <a:ea typeface="Calibri" panose="020F0502020204030204" pitchFamily="34" charset="0"/>
-                <a:cs typeface="Times New Roman" panose="02020603050405020304" pitchFamily="18" charset="0"/>
-              </a:rPr>
-              <a:t>To </a:t>
-            </a:r>
-            <a:r>
-              <a:rPr lang="en-US" sz="1600" dirty="0" smtClean="0">
-                <a:effectLst/>
-                <a:latin typeface="Times New Roman" panose="02020603050405020304" pitchFamily="18" charset="0"/>
-                <a:ea typeface="Calibri" panose="020F0502020204030204" pitchFamily="34" charset="0"/>
-                <a:cs typeface="Times New Roman" panose="02020603050405020304" pitchFamily="18" charset="0"/>
-              </a:rPr>
-              <a:t>Implement  </a:t>
-            </a:r>
-            <a:r>
-              <a:rPr lang="en-US" sz="1600" dirty="0">
-                <a:effectLst/>
-                <a:latin typeface="Times New Roman" panose="02020603050405020304" pitchFamily="18" charset="0"/>
-                <a:ea typeface="Calibri" panose="020F0502020204030204" pitchFamily="34" charset="0"/>
-                <a:cs typeface="Times New Roman" panose="02020603050405020304" pitchFamily="18" charset="0"/>
-              </a:rPr>
-              <a:t>client server </a:t>
-            </a:r>
-            <a:r>
-              <a:rPr lang="en-US" sz="1600" dirty="0" smtClean="0">
-                <a:effectLst/>
-                <a:latin typeface="Times New Roman" panose="02020603050405020304" pitchFamily="18" charset="0"/>
-                <a:ea typeface="Calibri" panose="020F0502020204030204" pitchFamily="34" charset="0"/>
-                <a:cs typeface="Times New Roman" panose="02020603050405020304" pitchFamily="18" charset="0"/>
-              </a:rPr>
-              <a:t>communication between dual stack host and IPv4 only host</a:t>
-            </a:r>
-          </a:p>
-          <a:p>
-            <a:pPr>
-              <a:lnSpc>
-                <a:spcPct val="150000"/>
-              </a:lnSpc>
-              <a:spcAft>
-                <a:spcPts val="1000"/>
-              </a:spcAft>
-            </a:pPr>
-            <a:r>
-              <a:rPr lang="en-US" sz="1600" dirty="0">
-                <a:latin typeface="Times New Roman" panose="02020603050405020304" pitchFamily="18" charset="0"/>
-                <a:ea typeface="Calibri" panose="020F0502020204030204" pitchFamily="34" charset="0"/>
-                <a:cs typeface="Times New Roman" panose="02020603050405020304" pitchFamily="18" charset="0"/>
-              </a:rPr>
-              <a:t>To Implement  client server communication between dual stack host and </a:t>
-            </a:r>
-            <a:r>
-              <a:rPr lang="en-US" sz="1600" dirty="0" smtClean="0">
-                <a:latin typeface="Times New Roman" panose="02020603050405020304" pitchFamily="18" charset="0"/>
-                <a:ea typeface="Calibri" panose="020F0502020204030204" pitchFamily="34" charset="0"/>
-                <a:cs typeface="Times New Roman" panose="02020603050405020304" pitchFamily="18" charset="0"/>
-              </a:rPr>
-              <a:t>IPv6 </a:t>
-            </a:r>
-            <a:r>
-              <a:rPr lang="en-US" sz="1600" dirty="0">
-                <a:latin typeface="Times New Roman" panose="02020603050405020304" pitchFamily="18" charset="0"/>
-                <a:ea typeface="Calibri" panose="020F0502020204030204" pitchFamily="34" charset="0"/>
-                <a:cs typeface="Times New Roman" panose="02020603050405020304" pitchFamily="18" charset="0"/>
-              </a:rPr>
-              <a:t>only host</a:t>
-            </a:r>
-            <a:endParaRPr lang="en-IN" sz="1600" dirty="0">
-              <a:latin typeface="Times New Roman" panose="02020603050405020304" pitchFamily="18" charset="0"/>
-              <a:ea typeface="Calibri" panose="020F0502020204030204" pitchFamily="34" charset="0"/>
-              <a:cs typeface="Times New Roman" panose="02020603050405020304" pitchFamily="18" charset="0"/>
-            </a:endParaRPr>
-          </a:p>
-          <a:p>
-            <a:pPr>
-              <a:lnSpc>
-                <a:spcPct val="150000"/>
-              </a:lnSpc>
-              <a:spcAft>
-                <a:spcPts val="1000"/>
-              </a:spcAft>
-            </a:pPr>
-            <a:r>
-              <a:rPr lang="en-IN" sz="1600" dirty="0" smtClean="0">
-                <a:effectLst/>
-                <a:latin typeface="Times New Roman" panose="02020603050405020304" pitchFamily="18" charset="0"/>
-                <a:ea typeface="Calibri" panose="020F0502020204030204" pitchFamily="34" charset="0"/>
-                <a:cs typeface="Times New Roman" panose="02020603050405020304" pitchFamily="18" charset="0"/>
-              </a:rPr>
-              <a:t>To implement both of above simultaneously </a:t>
-            </a:r>
-            <a:endParaRPr lang="en-IN" sz="1600" dirty="0">
-              <a:effectLst/>
-              <a:latin typeface="Times New Roman" panose="02020603050405020304" pitchFamily="18" charset="0"/>
-              <a:ea typeface="Calibri" panose="020F0502020204030204" pitchFamily="34" charset="0"/>
-              <a:cs typeface="Times New Roman" panose="02020603050405020304" pitchFamily="18" charset="0"/>
-            </a:endParaRPr>
-          </a:p>
-          <a:p>
-            <a:pPr>
-              <a:lnSpc>
-                <a:spcPct val="150000"/>
-              </a:lnSpc>
-              <a:spcAft>
-                <a:spcPts val="1000"/>
-              </a:spcAft>
-            </a:pPr>
-            <a:r>
-              <a:rPr lang="en-US" sz="1600" dirty="0" smtClean="0">
-                <a:effectLst/>
-                <a:latin typeface="Times New Roman" panose="02020603050405020304" pitchFamily="18" charset="0"/>
-                <a:ea typeface="Calibri" panose="020F0502020204030204" pitchFamily="34" charset="0"/>
-                <a:cs typeface="Times New Roman" panose="02020603050405020304" pitchFamily="18" charset="0"/>
-              </a:rPr>
-              <a:t>To implement Seminar hall booking application (Dual stack host and IPv4 only host)</a:t>
-            </a:r>
-            <a:r>
-              <a:rPr lang="en-US" sz="1600" dirty="0">
-                <a:effectLst/>
-                <a:latin typeface="Times New Roman" panose="02020603050405020304" pitchFamily="18" charset="0"/>
-                <a:ea typeface="Calibri" panose="020F0502020204030204" pitchFamily="34" charset="0"/>
-                <a:cs typeface="Times New Roman" panose="02020603050405020304" pitchFamily="18" charset="0"/>
-              </a:rPr>
-              <a:t> </a:t>
-            </a:r>
-            <a:endParaRPr lang="en-IN" sz="1600" dirty="0">
-              <a:latin typeface="Times New Roman" panose="02020603050405020304" pitchFamily="18" charset="0"/>
-              <a:ea typeface="Calibri" panose="020F0502020204030204" pitchFamily="34" charset="0"/>
-              <a:cs typeface="Times New Roman" panose="02020603050405020304" pitchFamily="18" charset="0"/>
-            </a:endParaRPr>
-          </a:p>
-          <a:p>
-            <a:pPr>
-              <a:lnSpc>
-                <a:spcPct val="150000"/>
-              </a:lnSpc>
-              <a:spcAft>
-                <a:spcPts val="1000"/>
-              </a:spcAft>
-            </a:pPr>
-            <a:r>
-              <a:rPr lang="en-US" sz="1600" dirty="0" smtClean="0">
-                <a:effectLst/>
-                <a:latin typeface="Times New Roman" panose="02020603050405020304" pitchFamily="18" charset="0"/>
-                <a:ea typeface="Calibri" panose="020F0502020204030204" pitchFamily="34" charset="0"/>
-                <a:cs typeface="Times New Roman" panose="02020603050405020304" pitchFamily="18" charset="0"/>
-              </a:rPr>
-              <a:t>To implement IP IVR system(Dual stack host and IPv6 only host)</a:t>
-            </a:r>
-            <a:endParaRPr lang="en-US" sz="1600" dirty="0">
-              <a:latin typeface="Times New Roman" pitchFamily="18" charset="0"/>
-              <a:cs typeface="Times New Roman" pitchFamily="18" charset="0"/>
-            </a:endParaRPr>
-          </a:p>
-        </p:txBody>
-      </p:sp>
-      <p:sp>
-        <p:nvSpPr>
-          <p:cNvPr id="4" name="Date Placeholder 3"/>
-          <p:cNvSpPr>
-            <a:spLocks noGrp="1"/>
-          </p:cNvSpPr>
-          <p:nvPr>
-            <p:ph type="dt" sz="half" idx="10"/>
-          </p:nvPr>
-        </p:nvSpPr>
-        <p:spPr/>
-        <p:txBody>
-          <a:bodyPr/>
-          <a:lstStyle/>
-          <a:p>
-            <a:r>
-              <a:rPr lang="en-US" dirty="0" smtClean="0">
-                <a:latin typeface="Times New Roman" pitchFamily="18" charset="0"/>
-                <a:cs typeface="Times New Roman" pitchFamily="18" charset="0"/>
-              </a:rPr>
-              <a:t>17-Aug-21</a:t>
-            </a:r>
-            <a:endParaRPr lang="en-US" dirty="0">
-              <a:latin typeface="Times New Roman" pitchFamily="18" charset="0"/>
-              <a:cs typeface="Times New Roman" pitchFamily="18" charset="0"/>
-            </a:endParaRPr>
-          </a:p>
-        </p:txBody>
-      </p:sp>
-      <p:sp>
-        <p:nvSpPr>
-          <p:cNvPr id="5" name="Footer Placeholder 4"/>
-          <p:cNvSpPr>
-            <a:spLocks noGrp="1"/>
-          </p:cNvSpPr>
-          <p:nvPr>
-            <p:ph type="ftr" sz="quarter" idx="11"/>
-          </p:nvPr>
-        </p:nvSpPr>
-        <p:spPr/>
-        <p:txBody>
-          <a:bodyPr/>
-          <a:lstStyle/>
-          <a:p>
-            <a:r>
-              <a:rPr lang="en-US" dirty="0">
-                <a:latin typeface="Times New Roman" pitchFamily="18" charset="0"/>
-                <a:cs typeface="Times New Roman" pitchFamily="18" charset="0"/>
-              </a:rPr>
-              <a:t>Dept. of ECE, NMIT, Bangalore-64</a:t>
-            </a:r>
-          </a:p>
-        </p:txBody>
-      </p:sp>
-      <p:sp>
-        <p:nvSpPr>
-          <p:cNvPr id="6" name="Slide Number Placeholder 5"/>
-          <p:cNvSpPr>
-            <a:spLocks noGrp="1"/>
-          </p:cNvSpPr>
-          <p:nvPr>
-            <p:ph type="sldNum" sz="quarter" idx="12"/>
-          </p:nvPr>
-        </p:nvSpPr>
-        <p:spPr/>
-        <p:txBody>
-          <a:bodyPr/>
-          <a:lstStyle/>
-          <a:p>
-            <a:fld id="{B6F15528-21DE-4FAA-801E-634DDDAF4B2B}" type="slidenum">
-              <a:rPr lang="en-US" smtClean="0"/>
-              <a:pPr/>
-              <a:t>15</a:t>
-            </a:fld>
-            <a:endParaRPr lang="en-US"/>
-          </a:p>
-        </p:txBody>
-      </p:sp>
-    </p:spTree>
-    <p:extLst>
-      <p:ext uri="{BB962C8B-B14F-4D97-AF65-F5344CB8AC3E}">
-        <p14:creationId xmlns:p14="http://schemas.microsoft.com/office/powerpoint/2010/main" val="2690854905"/>
-      </p:ext>
-    </p:extLst>
-  </p:cSld>
-  <p:clrMapOvr>
-    <a:masterClrMapping/>
-  </p:clrMapOvr>
-  <p:timing>
-    <p:tnLst>
-      <p:par>
-        <p:cTn id="1" dur="indefinite" restart="never" nodeType="tmRoot"/>
-      </p:par>
-    </p:tnLst>
-  </p:timing>
-</p:sld>
-</file>
-
 <file path=ppt/slides/slide16.xml><?xml version="1.0" encoding="utf-8"?>
 <p:sld xmlns:a="http://schemas.openxmlformats.org/drawingml/2006/main" xmlns:r="http://schemas.openxmlformats.org/officeDocument/2006/relationships" xmlns:p="http://schemas.openxmlformats.org/presentationml/2006/main">
   <p:cSld>
@@ -8628,9 +8621,6 @@
             </a:r>
           </a:p>
           <a:p>
-            <a:pPr marL="0" indent="0">
-              <a:buNone/>
-            </a:pPr>
             <a:endParaRPr lang="en-US" sz="2000" dirty="0">
               <a:latin typeface="Times New Roman" pitchFamily="18" charset="0"/>
               <a:cs typeface="Times New Roman" pitchFamily="18" charset="0"/>
@@ -8638,24 +8628,20 @@
           </a:p>
           <a:p>
             <a:r>
-              <a:rPr lang="en-US" sz="2000" dirty="0">
+              <a:rPr lang="en-US" sz="2000">
                 <a:latin typeface="Times New Roman" pitchFamily="18" charset="0"/>
                 <a:cs typeface="Times New Roman" pitchFamily="18" charset="0"/>
               </a:rPr>
-              <a:t>Research Gap Analysis/Drawbacks in Existing </a:t>
-            </a:r>
-            <a:r>
-              <a:rPr lang="en-US" sz="2000" dirty="0" smtClean="0">
-                <a:latin typeface="Times New Roman" pitchFamily="18" charset="0"/>
-                <a:cs typeface="Times New Roman" pitchFamily="18" charset="0"/>
-              </a:rPr>
-              <a:t>Systems</a:t>
-            </a:r>
-          </a:p>
-          <a:p>
-            <a:pPr marL="0" indent="0">
-              <a:buNone/>
-            </a:pPr>
+              <a:t>Project Objectives</a:t>
+            </a:r>
+          </a:p>
+          <a:p>
+            <a:endParaRPr lang="en-US" sz="2000" dirty="0" smtClean="0">
+              <a:latin typeface="Times New Roman" pitchFamily="18" charset="0"/>
+              <a:cs typeface="Times New Roman" pitchFamily="18" charset="0"/>
+            </a:endParaRPr>
+          </a:p>
+          <a:p>
             <a:endParaRPr lang="en-US" sz="2000" dirty="0">
               <a:latin typeface="Times New Roman" pitchFamily="18" charset="0"/>
               <a:cs typeface="Times New Roman" pitchFamily="18" charset="0"/>
@@ -8663,18 +8649,26 @@
           </a:p>
           <a:p>
             <a:r>
-              <a:rPr lang="en-US" sz="2000" dirty="0">
-                <a:latin typeface="Times New Roman" pitchFamily="18" charset="0"/>
-                <a:cs typeface="Times New Roman" pitchFamily="18" charset="0"/>
-              </a:rPr>
-              <a:t>Project </a:t>
-            </a:r>
-            <a:r>
               <a:rPr lang="en-US" sz="2000" dirty="0" smtClean="0">
                 <a:latin typeface="Times New Roman" pitchFamily="18" charset="0"/>
                 <a:cs typeface="Times New Roman" pitchFamily="18" charset="0"/>
               </a:rPr>
-              <a:t>Objectives</a:t>
+              <a:t>Basic Architecture </a:t>
+            </a:r>
+          </a:p>
+          <a:p>
+            <a:endParaRPr lang="en-US" sz="2000" dirty="0">
+              <a:latin typeface="Times New Roman" pitchFamily="18" charset="0"/>
+              <a:cs typeface="Times New Roman" pitchFamily="18" charset="0"/>
+            </a:endParaRPr>
+          </a:p>
+          <a:p>
+            <a:r>
+              <a:rPr lang="en-US" sz="2000" dirty="0" smtClean="0">
+                <a:latin typeface="Times New Roman" pitchFamily="18" charset="0"/>
+                <a:cs typeface="Times New Roman" pitchFamily="18" charset="0"/>
+              </a:rPr>
+              <a:t>Tools Required</a:t>
             </a:r>
           </a:p>
           <a:p>
